--- a/draft.pptx
+++ b/draft.pptx
@@ -5,7 +5,7 @@
     <p:sldMasterId id="2147483648" r:id="rId1"/>
   </p:sldMasterIdLst>
   <p:notesMasterIdLst>
-    <p:notesMasterId r:id="rId35"/>
+    <p:notesMasterId r:id="rId37"/>
   </p:notesMasterIdLst>
   <p:sldIdLst>
     <p:sldId id="271" r:id="rId2"/>
@@ -34,13 +34,15 @@
     <p:sldId id="292" r:id="rId25"/>
     <p:sldId id="293" r:id="rId26"/>
     <p:sldId id="308" r:id="rId27"/>
-    <p:sldId id="309" r:id="rId28"/>
-    <p:sldId id="299" r:id="rId29"/>
-    <p:sldId id="310" r:id="rId30"/>
-    <p:sldId id="294" r:id="rId31"/>
-    <p:sldId id="295" r:id="rId32"/>
-    <p:sldId id="305" r:id="rId33"/>
-    <p:sldId id="306" r:id="rId34"/>
+    <p:sldId id="311" r:id="rId28"/>
+    <p:sldId id="312" r:id="rId29"/>
+    <p:sldId id="313" r:id="rId30"/>
+    <p:sldId id="309" r:id="rId31"/>
+    <p:sldId id="310" r:id="rId32"/>
+    <p:sldId id="294" r:id="rId33"/>
+    <p:sldId id="295" r:id="rId34"/>
+    <p:sldId id="305" r:id="rId35"/>
+    <p:sldId id="306" r:id="rId36"/>
   </p:sldIdLst>
   <p:sldSz cx="9144000" cy="6858000" type="screen4x3"/>
   <p:notesSz cx="6858000" cy="9144000"/>
@@ -1289,23 +1291,23 @@
     </dgm:pt>
   </dgm:ptLst>
   <dgm:cxnLst>
+    <dgm:cxn modelId="{BE7C72DE-42E2-4C47-8ACB-447C8E07AA89}" srcId="{AA3CE64F-D819-489B-BAEC-07FD176286AA}" destId="{EEAE959C-8B41-42F0-9C34-86DA2D2322C3}" srcOrd="3" destOrd="0" parTransId="{93C87172-1244-4780-A281-3605DB047D00}" sibTransId="{9305EB60-9E48-4B47-8F9C-A4732A3BDE2E}"/>
+    <dgm:cxn modelId="{C01B5D72-F243-4C7A-A2A4-D304CA50FF34}" type="presOf" srcId="{AA3CE64F-D819-489B-BAEC-07FD176286AA}" destId="{C5D450F5-4A4B-45F5-B81D-8B42E8C47EE8}" srcOrd="0" destOrd="0" presId="urn:microsoft.com/office/officeart/2005/8/layout/radial4"/>
+    <dgm:cxn modelId="{509C6A6A-AD81-4B76-9D4E-35FB9EF75693}" type="presOf" srcId="{B63C605C-6EE4-4006-86B1-7423E4A42AAB}" destId="{8BC262D8-76E4-4907-B14A-660F9BF09A09}" srcOrd="0" destOrd="0" presId="urn:microsoft.com/office/officeart/2005/8/layout/radial4"/>
+    <dgm:cxn modelId="{D0C9E044-F062-495F-9895-534008E0EB9F}" srcId="{AA3CE64F-D819-489B-BAEC-07FD176286AA}" destId="{99ACB726-CEC4-46B6-96D8-7E08646B254D}" srcOrd="0" destOrd="0" parTransId="{0A3DC9CD-B8FF-4806-A756-2EAB23FC78F5}" sibTransId="{8D1E7AD8-7BF4-4844-91D2-0EDE872050B8}"/>
+    <dgm:cxn modelId="{5E6DCB2D-CE80-4EE8-9B46-12D82444E6E2}" type="presOf" srcId="{0A3DC9CD-B8FF-4806-A756-2EAB23FC78F5}" destId="{8C40008D-58B9-46E1-A1EB-A58B4C11D4E0}" srcOrd="0" destOrd="0" presId="urn:microsoft.com/office/officeart/2005/8/layout/radial4"/>
+    <dgm:cxn modelId="{36EF1103-8EFD-4D8B-9D56-D0A706A95B44}" type="presOf" srcId="{93C87172-1244-4780-A281-3605DB047D00}" destId="{95E9FF46-DD33-4EF7-A118-B0B2CD258E8D}" srcOrd="0" destOrd="0" presId="urn:microsoft.com/office/officeart/2005/8/layout/radial4"/>
     <dgm:cxn modelId="{47235DCE-642B-4DE9-89F7-18141223784F}" type="presOf" srcId="{CE2A035D-4416-4A28-9909-4FB4243AF238}" destId="{7EAAD3A5-E457-4B40-9910-A21236FBC020}" srcOrd="0" destOrd="0" presId="urn:microsoft.com/office/officeart/2005/8/layout/radial4"/>
+    <dgm:cxn modelId="{174B6618-7084-49CD-9E1A-A39689428C0B}" type="presOf" srcId="{1B60FA66-C723-4A5E-838D-D864305013A1}" destId="{68F9F1A1-6803-4F1B-8746-C55F9EB8AC61}" srcOrd="0" destOrd="0" presId="urn:microsoft.com/office/officeart/2005/8/layout/radial4"/>
+    <dgm:cxn modelId="{4636C219-692D-4B1B-8E0F-2E213F3BD94D}" type="presOf" srcId="{EEAE959C-8B41-42F0-9C34-86DA2D2322C3}" destId="{FB467A8B-A7C8-4530-96BD-E870AC4E5070}" srcOrd="0" destOrd="0" presId="urn:microsoft.com/office/officeart/2005/8/layout/radial4"/>
+    <dgm:cxn modelId="{E6B25780-D3ED-40F8-9B74-DC68FC79B053}" srcId="{B63C605C-6EE4-4006-86B1-7423E4A42AAB}" destId="{AA3CE64F-D819-489B-BAEC-07FD176286AA}" srcOrd="0" destOrd="0" parTransId="{9C8B5E2E-40E0-4841-B383-4E4975348CAC}" sibTransId="{A9E38521-4FDC-4065-AD88-741E39BA6ACD}"/>
+    <dgm:cxn modelId="{65229995-0585-46FE-A835-4C6EAF14A77E}" type="presOf" srcId="{EC6A4DBA-70C7-44CD-B4BE-9E0062960D1D}" destId="{FA01325E-2A60-46C3-B202-7FE6FC76E583}" srcOrd="0" destOrd="0" presId="urn:microsoft.com/office/officeart/2005/8/layout/radial4"/>
+    <dgm:cxn modelId="{5DC4997E-69CD-4F5B-8667-F74AF5499301}" type="presOf" srcId="{B0E2C893-C694-4CB9-AAD4-F301A33A0D9F}" destId="{3B5905D3-CF2D-4E97-9112-DA1EC00C5319}" srcOrd="0" destOrd="0" presId="urn:microsoft.com/office/officeart/2005/8/layout/radial4"/>
+    <dgm:cxn modelId="{D0737538-94ED-470C-9DA9-D82327BF3CC2}" type="presOf" srcId="{99ACB726-CEC4-46B6-96D8-7E08646B254D}" destId="{6B1B8E19-ABB2-4D79-8B2B-B60A10E613B6}" srcOrd="0" destOrd="0" presId="urn:microsoft.com/office/officeart/2005/8/layout/radial4"/>
+    <dgm:cxn modelId="{CE0D2520-E64D-4AD3-8C7D-839345038FC5}" srcId="{B63C605C-6EE4-4006-86B1-7423E4A42AAB}" destId="{5A9EDD65-DD39-4E93-A885-12252E5DB0AB}" srcOrd="1" destOrd="0" parTransId="{FC2F9543-60B1-4FA5-8810-09573A76B4FD}" sibTransId="{22DF15FB-B743-4570-8C11-490F24B6B12A}"/>
     <dgm:cxn modelId="{754B3736-BCB5-41AD-A7A4-97CD822F13E4}" srcId="{AA3CE64F-D819-489B-BAEC-07FD176286AA}" destId="{1B60FA66-C723-4A5E-838D-D864305013A1}" srcOrd="2" destOrd="0" parTransId="{CE2A035D-4416-4A28-9909-4FB4243AF238}" sibTransId="{3FB9F396-8817-4895-BC35-3FFFA3E01B01}"/>
-    <dgm:cxn modelId="{5E6DCB2D-CE80-4EE8-9B46-12D82444E6E2}" type="presOf" srcId="{0A3DC9CD-B8FF-4806-A756-2EAB23FC78F5}" destId="{8C40008D-58B9-46E1-A1EB-A58B4C11D4E0}" srcOrd="0" destOrd="0" presId="urn:microsoft.com/office/officeart/2005/8/layout/radial4"/>
-    <dgm:cxn modelId="{509C6A6A-AD81-4B76-9D4E-35FB9EF75693}" type="presOf" srcId="{B63C605C-6EE4-4006-86B1-7423E4A42AAB}" destId="{8BC262D8-76E4-4907-B14A-660F9BF09A09}" srcOrd="0" destOrd="0" presId="urn:microsoft.com/office/officeart/2005/8/layout/radial4"/>
-    <dgm:cxn modelId="{E6B25780-D3ED-40F8-9B74-DC68FC79B053}" srcId="{B63C605C-6EE4-4006-86B1-7423E4A42AAB}" destId="{AA3CE64F-D819-489B-BAEC-07FD176286AA}" srcOrd="0" destOrd="0" parTransId="{9C8B5E2E-40E0-4841-B383-4E4975348CAC}" sibTransId="{A9E38521-4FDC-4065-AD88-741E39BA6ACD}"/>
+    <dgm:cxn modelId="{A3430334-65B7-400D-9275-F52D77C3E344}" srcId="{AA3CE64F-D819-489B-BAEC-07FD176286AA}" destId="{B0E2C893-C694-4CB9-AAD4-F301A33A0D9F}" srcOrd="1" destOrd="0" parTransId="{EC6A4DBA-70C7-44CD-B4BE-9E0062960D1D}" sibTransId="{1ABBC383-770A-4CE4-AB1D-E4EB6D07C90F}"/>
     <dgm:cxn modelId="{44A866A1-B624-4E71-9B64-6991B4FA1AB6}" srcId="{B63C605C-6EE4-4006-86B1-7423E4A42AAB}" destId="{87DE4747-4315-404F-B30D-B55E344B6F3E}" srcOrd="2" destOrd="0" parTransId="{447317A3-3A71-4196-A81A-03565559C2D5}" sibTransId="{43640BAD-610E-49EF-B765-C2B2D3C038E5}"/>
-    <dgm:cxn modelId="{4636C219-692D-4B1B-8E0F-2E213F3BD94D}" type="presOf" srcId="{EEAE959C-8B41-42F0-9C34-86DA2D2322C3}" destId="{FB467A8B-A7C8-4530-96BD-E870AC4E5070}" srcOrd="0" destOrd="0" presId="urn:microsoft.com/office/officeart/2005/8/layout/radial4"/>
-    <dgm:cxn modelId="{174B6618-7084-49CD-9E1A-A39689428C0B}" type="presOf" srcId="{1B60FA66-C723-4A5E-838D-D864305013A1}" destId="{68F9F1A1-6803-4F1B-8746-C55F9EB8AC61}" srcOrd="0" destOrd="0" presId="urn:microsoft.com/office/officeart/2005/8/layout/radial4"/>
-    <dgm:cxn modelId="{D0C9E044-F062-495F-9895-534008E0EB9F}" srcId="{AA3CE64F-D819-489B-BAEC-07FD176286AA}" destId="{99ACB726-CEC4-46B6-96D8-7E08646B254D}" srcOrd="0" destOrd="0" parTransId="{0A3DC9CD-B8FF-4806-A756-2EAB23FC78F5}" sibTransId="{8D1E7AD8-7BF4-4844-91D2-0EDE872050B8}"/>
-    <dgm:cxn modelId="{65229995-0585-46FE-A835-4C6EAF14A77E}" type="presOf" srcId="{EC6A4DBA-70C7-44CD-B4BE-9E0062960D1D}" destId="{FA01325E-2A60-46C3-B202-7FE6FC76E583}" srcOrd="0" destOrd="0" presId="urn:microsoft.com/office/officeart/2005/8/layout/radial4"/>
-    <dgm:cxn modelId="{36EF1103-8EFD-4D8B-9D56-D0A706A95B44}" type="presOf" srcId="{93C87172-1244-4780-A281-3605DB047D00}" destId="{95E9FF46-DD33-4EF7-A118-B0B2CD258E8D}" srcOrd="0" destOrd="0" presId="urn:microsoft.com/office/officeart/2005/8/layout/radial4"/>
-    <dgm:cxn modelId="{CE0D2520-E64D-4AD3-8C7D-839345038FC5}" srcId="{B63C605C-6EE4-4006-86B1-7423E4A42AAB}" destId="{5A9EDD65-DD39-4E93-A885-12252E5DB0AB}" srcOrd="1" destOrd="0" parTransId="{FC2F9543-60B1-4FA5-8810-09573A76B4FD}" sibTransId="{22DF15FB-B743-4570-8C11-490F24B6B12A}"/>
-    <dgm:cxn modelId="{C01B5D72-F243-4C7A-A2A4-D304CA50FF34}" type="presOf" srcId="{AA3CE64F-D819-489B-BAEC-07FD176286AA}" destId="{C5D450F5-4A4B-45F5-B81D-8B42E8C47EE8}" srcOrd="0" destOrd="0" presId="urn:microsoft.com/office/officeart/2005/8/layout/radial4"/>
-    <dgm:cxn modelId="{5DC4997E-69CD-4F5B-8667-F74AF5499301}" type="presOf" srcId="{B0E2C893-C694-4CB9-AAD4-F301A33A0D9F}" destId="{3B5905D3-CF2D-4E97-9112-DA1EC00C5319}" srcOrd="0" destOrd="0" presId="urn:microsoft.com/office/officeart/2005/8/layout/radial4"/>
-    <dgm:cxn modelId="{A3430334-65B7-400D-9275-F52D77C3E344}" srcId="{AA3CE64F-D819-489B-BAEC-07FD176286AA}" destId="{B0E2C893-C694-4CB9-AAD4-F301A33A0D9F}" srcOrd="1" destOrd="0" parTransId="{EC6A4DBA-70C7-44CD-B4BE-9E0062960D1D}" sibTransId="{1ABBC383-770A-4CE4-AB1D-E4EB6D07C90F}"/>
-    <dgm:cxn modelId="{BE7C72DE-42E2-4C47-8ACB-447C8E07AA89}" srcId="{AA3CE64F-D819-489B-BAEC-07FD176286AA}" destId="{EEAE959C-8B41-42F0-9C34-86DA2D2322C3}" srcOrd="3" destOrd="0" parTransId="{93C87172-1244-4780-A281-3605DB047D00}" sibTransId="{9305EB60-9E48-4B47-8F9C-A4732A3BDE2E}"/>
-    <dgm:cxn modelId="{D0737538-94ED-470C-9DA9-D82327BF3CC2}" type="presOf" srcId="{99ACB726-CEC4-46B6-96D8-7E08646B254D}" destId="{6B1B8E19-ABB2-4D79-8B2B-B60A10E613B6}" srcOrd="0" destOrd="0" presId="urn:microsoft.com/office/officeart/2005/8/layout/radial4"/>
     <dgm:cxn modelId="{49944CBB-D577-4B02-929C-8F86C6807B76}" type="presParOf" srcId="{8BC262D8-76E4-4907-B14A-660F9BF09A09}" destId="{C5D450F5-4A4B-45F5-B81D-8B42E8C47EE8}" srcOrd="0" destOrd="0" presId="urn:microsoft.com/office/officeart/2005/8/layout/radial4"/>
     <dgm:cxn modelId="{78064F9F-7EEE-4F61-BC20-DF3A892EC55C}" type="presParOf" srcId="{8BC262D8-76E4-4907-B14A-660F9BF09A09}" destId="{8C40008D-58B9-46E1-A1EB-A58B4C11D4E0}" srcOrd="1" destOrd="0" presId="urn:microsoft.com/office/officeart/2005/8/layout/radial4"/>
     <dgm:cxn modelId="{5B18FC7A-178A-46D2-903D-BCF729619A1D}" type="presParOf" srcId="{8BC262D8-76E4-4907-B14A-660F9BF09A09}" destId="{6B1B8E19-ABB2-4D79-8B2B-B60A10E613B6}" srcOrd="2" destOrd="0" presId="urn:microsoft.com/office/officeart/2005/8/layout/radial4"/>
@@ -3288,7 +3290,7 @@
             <a:fld id="{E549EE46-AC67-4C28-AC2A-E0B964C90DEF}" type="datetimeFigureOut">
               <a:rPr lang="en-US" smtClean="0"/>
               <a:pPr/>
-              <a:t>7/3/2017</a:t>
+              <a:t>7/15/2017</a:t>
             </a:fld>
             <a:endParaRPr lang="en-US"/>
           </a:p>
@@ -3741,7 +3743,7 @@
             <a:fld id="{9792B235-0C5A-47B9-BBB5-A42D877B9FB0}" type="datetime1">
               <a:rPr lang="en-US" smtClean="0"/>
               <a:pPr/>
-              <a:t>7/3/2017</a:t>
+              <a:t>7/15/2017</a:t>
             </a:fld>
             <a:endParaRPr lang="en-US" dirty="0"/>
           </a:p>
@@ -3908,7 +3910,7 @@
             <a:fld id="{A944F276-36ED-4FB2-B362-5FAF0600629E}" type="datetime1">
               <a:rPr lang="en-US" smtClean="0"/>
               <a:pPr/>
-              <a:t>7/3/2017</a:t>
+              <a:t>7/15/2017</a:t>
             </a:fld>
             <a:endParaRPr lang="en-US" dirty="0"/>
           </a:p>
@@ -4085,7 +4087,7 @@
             <a:fld id="{4A45260D-7141-4579-81D9-38647F11C8ED}" type="datetime1">
               <a:rPr lang="en-US" smtClean="0"/>
               <a:pPr/>
-              <a:t>7/3/2017</a:t>
+              <a:t>7/15/2017</a:t>
             </a:fld>
             <a:endParaRPr lang="en-US" dirty="0"/>
           </a:p>
@@ -4252,7 +4254,7 @@
             <a:fld id="{385156CA-7574-440A-96D4-4102C3AA539C}" type="datetime1">
               <a:rPr lang="en-US" smtClean="0"/>
               <a:pPr/>
-              <a:t>7/3/2017</a:t>
+              <a:t>7/15/2017</a:t>
             </a:fld>
             <a:endParaRPr lang="en-US" dirty="0"/>
           </a:p>
@@ -4495,7 +4497,7 @@
             <a:fld id="{F3E31599-7C06-4D29-B089-B003833940BF}" type="datetime1">
               <a:rPr lang="en-US" smtClean="0"/>
               <a:pPr/>
-              <a:t>7/3/2017</a:t>
+              <a:t>7/15/2017</a:t>
             </a:fld>
             <a:endParaRPr lang="en-US" dirty="0"/>
           </a:p>
@@ -4780,7 +4782,7 @@
             <a:fld id="{95ABA74C-1295-4FA9-A237-F76B19BCC0F0}" type="datetime1">
               <a:rPr lang="en-US" smtClean="0"/>
               <a:pPr/>
-              <a:t>7/3/2017</a:t>
+              <a:t>7/15/2017</a:t>
             </a:fld>
             <a:endParaRPr lang="en-US" dirty="0"/>
           </a:p>
@@ -5199,7 +5201,7 @@
             <a:fld id="{0DAD9372-E8ED-4F72-8BE3-61F604274E26}" type="datetime1">
               <a:rPr lang="en-US" smtClean="0"/>
               <a:pPr/>
-              <a:t>7/3/2017</a:t>
+              <a:t>7/15/2017</a:t>
             </a:fld>
             <a:endParaRPr lang="en-US" dirty="0"/>
           </a:p>
@@ -5314,7 +5316,7 @@
             <a:fld id="{F3743E68-D890-48B6-A470-753584C71019}" type="datetime1">
               <a:rPr lang="en-US" smtClean="0"/>
               <a:pPr/>
-              <a:t>7/3/2017</a:t>
+              <a:t>7/15/2017</a:t>
             </a:fld>
             <a:endParaRPr lang="en-US" dirty="0"/>
           </a:p>
@@ -5406,7 +5408,7 @@
             <a:fld id="{341DF95D-C75E-4DDC-8CBD-DED4995C2915}" type="datetime1">
               <a:rPr lang="en-US" smtClean="0"/>
               <a:pPr/>
-              <a:t>7/3/2017</a:t>
+              <a:t>7/15/2017</a:t>
             </a:fld>
             <a:endParaRPr lang="en-US" dirty="0"/>
           </a:p>
@@ -5680,7 +5682,7 @@
             <a:fld id="{A562B837-FD09-41E7-B872-3E7389785772}" type="datetime1">
               <a:rPr lang="en-US" smtClean="0"/>
               <a:pPr/>
-              <a:t>7/3/2017</a:t>
+              <a:t>7/15/2017</a:t>
             </a:fld>
             <a:endParaRPr lang="en-US" dirty="0"/>
           </a:p>
@@ -5930,7 +5932,7 @@
             <a:fld id="{00876762-A287-4D66-B1A5-F2423B02207F}" type="datetime1">
               <a:rPr lang="en-US" smtClean="0"/>
               <a:pPr/>
-              <a:t>7/3/2017</a:t>
+              <a:t>7/15/2017</a:t>
             </a:fld>
             <a:endParaRPr lang="en-US" dirty="0"/>
           </a:p>
@@ -6140,7 +6142,7 @@
             <a:fld id="{A3CA299C-6881-4927-8BDA-7E40CF18A5F4}" type="datetime1">
               <a:rPr lang="en-US" smtClean="0"/>
               <a:pPr/>
-              <a:t>7/3/2017</a:t>
+              <a:t>7/15/2017</a:t>
             </a:fld>
             <a:endParaRPr lang="en-US" dirty="0"/>
           </a:p>
@@ -6560,7 +6562,7 @@
         </p:spPr>
         <p:txBody>
           <a:bodyPr>
-            <a:normAutofit fontScale="92500" lnSpcReduction="10000"/>
+            <a:noAutofit/>
           </a:bodyPr>
           <a:lstStyle/>
           <a:p>
@@ -6570,14 +6572,9 @@
               </a:lnSpc>
             </a:pPr>
             <a:r>
-              <a:rPr lang="en-US" sz="2000" dirty="0" smtClean="0"/>
-              <a:t>M.Sc. </a:t>
-            </a:r>
-            <a:r>
-              <a:rPr lang="en-US" sz="2000" dirty="0" smtClean="0"/>
-              <a:t>Thesis</a:t>
-            </a:r>
-            <a:endParaRPr lang="en-US" sz="2000" dirty="0" smtClean="0"/>
+              <a:rPr lang="en-US" sz="2200" dirty="0" smtClean="0"/>
+              <a:t>M.Sc. Thesis</a:t>
+            </a:r>
           </a:p>
           <a:p>
             <a:pPr>
@@ -6586,7 +6583,7 @@
               </a:lnSpc>
             </a:pPr>
             <a:r>
-              <a:rPr lang="en-US" sz="2000" dirty="0" smtClean="0"/>
+              <a:rPr lang="en-US" sz="2200" dirty="0" smtClean="0"/>
               <a:t>by</a:t>
             </a:r>
           </a:p>
@@ -6597,7 +6594,7 @@
               </a:lnSpc>
             </a:pPr>
             <a:r>
-              <a:rPr lang="en-US" dirty="0" smtClean="0">
+              <a:rPr lang="en-US" sz="2400" dirty="0" smtClean="0">
                 <a:solidFill>
                   <a:schemeClr val="tx1"/>
                 </a:solidFill>
@@ -6612,10 +6609,10 @@
               </a:lnSpc>
             </a:pPr>
             <a:r>
-              <a:rPr lang="en-US" sz="2400" dirty="0" smtClean="0"/>
+              <a:rPr lang="en-US" sz="2200" dirty="0" smtClean="0"/>
               <a:t>Student ID: 1014052013</a:t>
             </a:r>
-            <a:endParaRPr lang="en-US" sz="2400" dirty="0"/>
+            <a:endParaRPr lang="en-US" sz="2200" dirty="0"/>
           </a:p>
         </p:txBody>
       </p:sp>
@@ -6657,7 +6654,7 @@
               <a:defRPr/>
             </a:pPr>
             <a:r>
-              <a:rPr lang="en-US" sz="2000" dirty="0" smtClean="0">
+              <a:rPr lang="en-US" dirty="0" smtClean="0">
                 <a:solidFill>
                   <a:schemeClr val="tx1">
                     <a:tint val="75000"/>
@@ -6667,7 +6664,7 @@
               <a:t>Supervised </a:t>
             </a:r>
             <a:r>
-              <a:rPr kumimoji="0" lang="en-US" sz="2000" b="0" i="0" u="none" strike="noStrike" kern="1200" cap="none" spc="0" normalizeH="0" baseline="0" noProof="0" dirty="0" smtClean="0">
+              <a:rPr kumimoji="0" lang="en-US" b="0" i="0" u="none" strike="noStrike" kern="1200" cap="none" spc="0" normalizeH="0" baseline="0" noProof="0" dirty="0" smtClean="0">
                 <a:ln>
                   <a:noFill/>
                 </a:ln>
@@ -6679,9 +6676,6 @@
                 <a:effectLst/>
                 <a:uLnTx/>
                 <a:uFillTx/>
-                <a:latin typeface="+mn-lt"/>
-                <a:ea typeface="+mn-ea"/>
-                <a:cs typeface="+mn-cs"/>
               </a:rPr>
               <a:t>by:</a:t>
             </a:r>
@@ -6693,35 +6687,32 @@
               </a:spcBef>
             </a:pPr>
             <a:r>
-              <a:rPr lang="es-ES" sz="2600" dirty="0" smtClean="0"/>
+              <a:rPr lang="es-ES" sz="2000" dirty="0" smtClean="0"/>
               <a:t>A. B. M. Alim Al Islam, </a:t>
             </a:r>
             <a:r>
-              <a:rPr lang="es-ES" sz="2600" dirty="0" err="1" smtClean="0"/>
+              <a:rPr lang="es-ES" sz="2000" dirty="0" err="1" smtClean="0"/>
               <a:t>Associate</a:t>
             </a:r>
             <a:r>
-              <a:rPr lang="es-ES" sz="2600" dirty="0" smtClean="0"/>
+              <a:rPr lang="es-ES" sz="2000" dirty="0" smtClean="0"/>
               <a:t> </a:t>
             </a:r>
             <a:r>
-              <a:rPr lang="en-US" sz="2600" dirty="0" smtClean="0"/>
+              <a:rPr lang="en-US" sz="2000" dirty="0" smtClean="0"/>
               <a:t>Professor</a:t>
             </a:r>
             <a:r>
-              <a:rPr lang="es-ES" sz="2600" dirty="0" smtClean="0"/>
+              <a:rPr lang="es-ES" sz="2000" dirty="0" smtClean="0"/>
               <a:t>.</a:t>
             </a:r>
-            <a:endParaRPr kumimoji="0" lang="en-US" sz="2600" i="0" u="none" strike="noStrike" kern="1200" cap="none" spc="0" normalizeH="0" baseline="0" noProof="0" dirty="0">
+            <a:endParaRPr kumimoji="0" lang="en-US" sz="2000" i="0" u="none" strike="noStrike" kern="1200" cap="none" spc="0" normalizeH="0" baseline="0" noProof="0" dirty="0">
               <a:ln>
                 <a:noFill/>
               </a:ln>
               <a:effectLst/>
               <a:uLnTx/>
               <a:uFillTx/>
-              <a:latin typeface="+mn-lt"/>
-              <a:ea typeface="+mn-ea"/>
-              <a:cs typeface="+mn-cs"/>
             </a:endParaRPr>
           </a:p>
         </p:txBody>
@@ -6759,7 +6750,7 @@
         <p:spPr>
           <a:xfrm>
             <a:off x="2286000" y="6015335"/>
-            <a:ext cx="4572000" cy="461665"/>
+            <a:ext cx="4572000" cy="430887"/>
           </a:xfrm>
           <a:prstGeom prst="rect">
             <a:avLst/>
@@ -6774,10 +6765,10 @@
           <a:p>
             <a:pPr algn="ctr"/>
             <a:r>
-              <a:rPr lang="en-US" sz="2400" dirty="0" smtClean="0"/>
+              <a:rPr lang="en-US" sz="2200" dirty="0" smtClean="0"/>
               <a:t>Dept. of CSE, BUET.</a:t>
             </a:r>
-            <a:endParaRPr lang="en-US" sz="2400" dirty="0"/>
+            <a:endParaRPr lang="en-US" sz="2200" dirty="0"/>
           </a:p>
         </p:txBody>
       </p:sp>
@@ -9439,22 +9430,28 @@
       </p:sp>
       <p:pic>
         <p:nvPicPr>
-          <p:cNvPr id="4" name="Picture 3" descr="SpectrumUnderutilization.jpg"/>
+          <p:cNvPr id="4" name="Picture 3"/>
           <p:cNvPicPr>
             <a:picLocks noChangeAspect="1"/>
           </p:cNvPicPr>
           <p:nvPr/>
         </p:nvPicPr>
         <p:blipFill>
-          <a:blip r:embed="rId2"/>
+          <a:blip r:embed="rId2">
+            <a:extLst>
+              <a:ext uri="{28A0092B-C50C-407E-A947-70E740481C1C}">
+                <a14:useLocalDpi xmlns:a14="http://schemas.microsoft.com/office/drawing/2010/main" val="0"/>
+              </a:ext>
+            </a:extLst>
+          </a:blip>
           <a:stretch>
             <a:fillRect/>
           </a:stretch>
         </p:blipFill>
         <p:spPr>
           <a:xfrm>
-            <a:off x="0" y="2721912"/>
-            <a:ext cx="9144000" cy="3907488"/>
+            <a:off x="7144" y="2721912"/>
+            <a:ext cx="9129712" cy="3907488"/>
           </a:xfrm>
           <a:prstGeom prst="rect">
             <a:avLst/>
@@ -20226,7 +20223,7 @@
           <a:p>
             <a:r>
               <a:rPr lang="en-US" dirty="0" smtClean="0"/>
-              <a:t>Results Obtained So Far</a:t>
+              <a:t>Results Obtained So Far [contd.]</a:t>
             </a:r>
             <a:endParaRPr lang="en-US" dirty="0"/>
           </a:p>
@@ -20251,6 +20248,13 @@
               <a:rPr lang="en-US" dirty="0" smtClean="0"/>
               <a:t>Constant throughput degradation is no longer present</a:t>
             </a:r>
+          </a:p>
+          <a:p>
+            <a:pPr lvl="1"/>
+            <a:r>
+              <a:rPr lang="en-US" dirty="0" smtClean="0"/>
+              <a:t>delay is almost constant </a:t>
+            </a:r>
             <a:endParaRPr lang="en-US" dirty="0"/>
           </a:p>
         </p:txBody>
@@ -20274,6 +20278,1901 @@
               <a:rPr lang="en-US" smtClean="0"/>
               <a:pPr/>
               <a:t>27</a:t>
+            </a:fld>
+            <a:endParaRPr lang="en-US" dirty="0"/>
+          </a:p>
+        </p:txBody>
+      </p:sp>
+      <p:pic>
+        <p:nvPicPr>
+          <p:cNvPr id="4098" name="Picture 2"/>
+          <p:cNvPicPr>
+            <a:picLocks noChangeAspect="1" noChangeArrowheads="1"/>
+          </p:cNvPicPr>
+          <p:nvPr/>
+        </p:nvPicPr>
+        <p:blipFill>
+          <a:blip r:embed="rId2">
+            <a:extLst>
+              <a:ext uri="{28A0092B-C50C-407E-A947-70E740481C1C}">
+                <a14:useLocalDpi xmlns:a14="http://schemas.microsoft.com/office/drawing/2010/main" val="0"/>
+              </a:ext>
+            </a:extLst>
+          </a:blip>
+          <a:srcRect/>
+          <a:stretch>
+            <a:fillRect/>
+          </a:stretch>
+        </p:blipFill>
+        <p:spPr bwMode="auto">
+          <a:xfrm>
+            <a:off x="264181" y="3165764"/>
+            <a:ext cx="8651219" cy="3463636"/>
+          </a:xfrm>
+          <a:prstGeom prst="rect">
+            <a:avLst/>
+          </a:prstGeom>
+          <a:noFill/>
+          <a:ln>
+            <a:noFill/>
+          </a:ln>
+          <a:effectLst/>
+          <a:extLst>
+            <a:ext uri="{909E8E84-426E-40DD-AFC4-6F175D3DCCD1}">
+              <a14:hiddenFill xmlns:a14="http://schemas.microsoft.com/office/drawing/2010/main">
+                <a:solidFill>
+                  <a:schemeClr val="accent1"/>
+                </a:solidFill>
+              </a14:hiddenFill>
+            </a:ext>
+            <a:ext uri="{91240B29-F687-4F45-9708-019B960494DF}">
+              <a14:hiddenLine xmlns:a14="http://schemas.microsoft.com/office/drawing/2010/main" w="9525">
+                <a:solidFill>
+                  <a:schemeClr val="tx1"/>
+                </a:solidFill>
+                <a:miter lim="800000"/>
+                <a:headEnd/>
+                <a:tailEnd/>
+              </a14:hiddenLine>
+            </a:ext>
+            <a:ext uri="{AF507438-7753-43E0-B8FC-AC1667EBCBE1}">
+              <a14:hiddenEffects xmlns:a14="http://schemas.microsoft.com/office/drawing/2010/main">
+                <a:effectLst>
+                  <a:outerShdw dist="35921" dir="2700000" algn="ctr" rotWithShape="0">
+                    <a:schemeClr val="bg2"/>
+                  </a:outerShdw>
+                </a:effectLst>
+              </a14:hiddenEffects>
+            </a:ext>
+          </a:extLst>
+        </p:spPr>
+      </p:pic>
+      <p:cxnSp>
+        <p:nvCxnSpPr>
+          <p:cNvPr id="8" name="Straight Arrow Connector 7"/>
+          <p:cNvCxnSpPr/>
+          <p:nvPr/>
+        </p:nvCxnSpPr>
+        <p:spPr>
+          <a:xfrm flipV="1">
+            <a:off x="1752600" y="5676900"/>
+            <a:ext cx="6858000" cy="114300"/>
+          </a:xfrm>
+          <a:prstGeom prst="straightConnector1">
+            <a:avLst/>
+          </a:prstGeom>
+          <a:ln w="152400">
+            <a:solidFill>
+              <a:schemeClr val="accent2">
+                <a:lumMod val="75000"/>
+              </a:schemeClr>
+            </a:solidFill>
+            <a:tailEnd type="triangle"/>
+          </a:ln>
+        </p:spPr>
+        <p:style>
+          <a:lnRef idx="1">
+            <a:schemeClr val="accent1"/>
+          </a:lnRef>
+          <a:fillRef idx="0">
+            <a:schemeClr val="accent1"/>
+          </a:fillRef>
+          <a:effectRef idx="0">
+            <a:schemeClr val="accent1"/>
+          </a:effectRef>
+          <a:fontRef idx="minor">
+            <a:schemeClr val="tx1"/>
+          </a:fontRef>
+        </p:style>
+      </p:cxnSp>
+    </p:spTree>
+    <p:extLst>
+      <p:ext uri="{BB962C8B-B14F-4D97-AF65-F5344CB8AC3E}">
+        <p14:creationId xmlns:p14="http://schemas.microsoft.com/office/powerpoint/2010/main" val="1024918520"/>
+      </p:ext>
+    </p:extLst>
+  </p:cSld>
+  <p:clrMapOvr>
+    <a:masterClrMapping/>
+  </p:clrMapOvr>
+  <p:timing>
+    <p:tnLst>
+      <p:par>
+        <p:cTn id="1" dur="indefinite" restart="never" nodeType="tmRoot">
+          <p:childTnLst>
+            <p:seq concurrent="1" nextAc="seek">
+              <p:cTn id="2" dur="indefinite" nodeType="mainSeq">
+                <p:childTnLst>
+                  <p:par>
+                    <p:cTn id="3" fill="hold">
+                      <p:stCondLst>
+                        <p:cond delay="indefinite"/>
+                      </p:stCondLst>
+                      <p:childTnLst>
+                        <p:par>
+                          <p:cTn id="4" fill="hold">
+                            <p:stCondLst>
+                              <p:cond delay="0"/>
+                            </p:stCondLst>
+                            <p:childTnLst>
+                              <p:par>
+                                <p:cTn id="5" presetID="22" presetClass="entr" presetSubtype="8" fill="hold" nodeType="clickEffect">
+                                  <p:stCondLst>
+                                    <p:cond delay="0"/>
+                                  </p:stCondLst>
+                                  <p:childTnLst>
+                                    <p:set>
+                                      <p:cBhvr>
+                                        <p:cTn id="6" dur="1" fill="hold">
+                                          <p:stCondLst>
+                                            <p:cond delay="0"/>
+                                          </p:stCondLst>
+                                        </p:cTn>
+                                        <p:tgtEl>
+                                          <p:spTgt spid="8"/>
+                                        </p:tgtEl>
+                                        <p:attrNameLst>
+                                          <p:attrName>style.visibility</p:attrName>
+                                        </p:attrNameLst>
+                                      </p:cBhvr>
+                                      <p:to>
+                                        <p:strVal val="visible"/>
+                                      </p:to>
+                                    </p:set>
+                                    <p:animEffect transition="in" filter="wipe(left)">
+                                      <p:cBhvr>
+                                        <p:cTn id="7" dur="500"/>
+                                        <p:tgtEl>
+                                          <p:spTgt spid="8"/>
+                                        </p:tgtEl>
+                                      </p:cBhvr>
+                                    </p:animEffect>
+                                  </p:childTnLst>
+                                </p:cTn>
+                              </p:par>
+                            </p:childTnLst>
+                          </p:cTn>
+                        </p:par>
+                      </p:childTnLst>
+                    </p:cTn>
+                  </p:par>
+                </p:childTnLst>
+              </p:cTn>
+              <p:prevCondLst>
+                <p:cond evt="onPrev" delay="0">
+                  <p:tgtEl>
+                    <p:sldTgt/>
+                  </p:tgtEl>
+                </p:cond>
+              </p:prevCondLst>
+              <p:nextCondLst>
+                <p:cond evt="onNext" delay="0">
+                  <p:tgtEl>
+                    <p:sldTgt/>
+                  </p:tgtEl>
+                </p:cond>
+              </p:nextCondLst>
+            </p:seq>
+          </p:childTnLst>
+        </p:cTn>
+      </p:par>
+    </p:tnLst>
+  </p:timing>
+</p:sld>
+</file>
+
+<file path=ppt/slides/slide28.xml><?xml version="1.0" encoding="utf-8"?>
+<p:sld xmlns:a="http://schemas.openxmlformats.org/drawingml/2006/main" xmlns:r="http://schemas.openxmlformats.org/officeDocument/2006/relationships" xmlns:p="http://schemas.openxmlformats.org/presentationml/2006/main">
+  <p:cSld>
+    <p:spTree>
+      <p:nvGrpSpPr>
+        <p:cNvPr id="1" name=""/>
+        <p:cNvGrpSpPr/>
+        <p:nvPr/>
+      </p:nvGrpSpPr>
+      <p:grpSpPr>
+        <a:xfrm>
+          <a:off x="0" y="0"/>
+          <a:ext cx="0" cy="0"/>
+          <a:chOff x="0" y="0"/>
+          <a:chExt cx="0" cy="0"/>
+        </a:xfrm>
+      </p:grpSpPr>
+      <p:sp>
+        <p:nvSpPr>
+          <p:cNvPr id="2" name="Slide Number Placeholder 1"/>
+          <p:cNvSpPr>
+            <a:spLocks noGrp="1"/>
+          </p:cNvSpPr>
+          <p:nvPr>
+            <p:ph type="sldNum" sz="quarter" idx="12"/>
+          </p:nvPr>
+        </p:nvSpPr>
+        <p:spPr>
+          <a:xfrm>
+            <a:off x="6553200" y="6492875"/>
+            <a:ext cx="2133600" cy="365125"/>
+          </a:xfrm>
+        </p:spPr>
+        <p:txBody>
+          <a:bodyPr/>
+          <a:lstStyle/>
+          <a:p>
+            <a:fld id="{CF142645-850A-43A6-BF6E-75FA772F8DCF}" type="slidenum">
+              <a:rPr lang="en-US" smtClean="0"/>
+              <a:pPr/>
+              <a:t>28</a:t>
+            </a:fld>
+            <a:endParaRPr lang="en-US" dirty="0"/>
+          </a:p>
+        </p:txBody>
+      </p:sp>
+      <p:pic>
+        <p:nvPicPr>
+          <p:cNvPr id="1030" name="Picture 6"/>
+          <p:cNvPicPr>
+            <a:picLocks noChangeAspect="1" noChangeArrowheads="1"/>
+          </p:cNvPicPr>
+          <p:nvPr/>
+        </p:nvPicPr>
+        <p:blipFill>
+          <a:blip r:embed="rId2" cstate="print">
+            <a:extLst>
+              <a:ext uri="{28A0092B-C50C-407E-A947-70E740481C1C}">
+                <a14:useLocalDpi xmlns:a14="http://schemas.microsoft.com/office/drawing/2010/main" val="0"/>
+              </a:ext>
+            </a:extLst>
+          </a:blip>
+          <a:srcRect/>
+          <a:stretch>
+            <a:fillRect/>
+          </a:stretch>
+        </p:blipFill>
+        <p:spPr bwMode="auto">
+          <a:xfrm>
+            <a:off x="76200" y="325269"/>
+            <a:ext cx="4385603" cy="1933386"/>
+          </a:xfrm>
+          <a:prstGeom prst="rect">
+            <a:avLst/>
+          </a:prstGeom>
+          <a:noFill/>
+          <a:ln>
+            <a:noFill/>
+          </a:ln>
+          <a:effectLst/>
+          <a:extLst>
+            <a:ext uri="{909E8E84-426E-40DD-AFC4-6F175D3DCCD1}">
+              <a14:hiddenFill xmlns:a14="http://schemas.microsoft.com/office/drawing/2010/main">
+                <a:solidFill>
+                  <a:schemeClr val="accent1"/>
+                </a:solidFill>
+              </a14:hiddenFill>
+            </a:ext>
+            <a:ext uri="{91240B29-F687-4F45-9708-019B960494DF}">
+              <a14:hiddenLine xmlns:a14="http://schemas.microsoft.com/office/drawing/2010/main" w="9525">
+                <a:solidFill>
+                  <a:schemeClr val="tx1"/>
+                </a:solidFill>
+                <a:miter lim="800000"/>
+                <a:headEnd/>
+                <a:tailEnd/>
+              </a14:hiddenLine>
+            </a:ext>
+            <a:ext uri="{AF507438-7753-43E0-B8FC-AC1667EBCBE1}">
+              <a14:hiddenEffects xmlns:a14="http://schemas.microsoft.com/office/drawing/2010/main">
+                <a:effectLst>
+                  <a:outerShdw dist="35921" dir="2700000" algn="ctr" rotWithShape="0">
+                    <a:schemeClr val="bg2"/>
+                  </a:outerShdw>
+                </a:effectLst>
+              </a14:hiddenEffects>
+            </a:ext>
+          </a:extLst>
+        </p:spPr>
+      </p:pic>
+      <p:pic>
+        <p:nvPicPr>
+          <p:cNvPr id="1031" name="Picture 7"/>
+          <p:cNvPicPr>
+            <a:picLocks noChangeAspect="1" noChangeArrowheads="1"/>
+          </p:cNvPicPr>
+          <p:nvPr/>
+        </p:nvPicPr>
+        <p:blipFill>
+          <a:blip r:embed="rId3" cstate="print">
+            <a:extLst>
+              <a:ext uri="{28A0092B-C50C-407E-A947-70E740481C1C}">
+                <a14:useLocalDpi xmlns:a14="http://schemas.microsoft.com/office/drawing/2010/main" val="0"/>
+              </a:ext>
+            </a:extLst>
+          </a:blip>
+          <a:srcRect/>
+          <a:stretch>
+            <a:fillRect/>
+          </a:stretch>
+        </p:blipFill>
+        <p:spPr bwMode="auto">
+          <a:xfrm>
+            <a:off x="4648200" y="325268"/>
+            <a:ext cx="4385603" cy="1933386"/>
+          </a:xfrm>
+          <a:prstGeom prst="rect">
+            <a:avLst/>
+          </a:prstGeom>
+          <a:noFill/>
+          <a:ln>
+            <a:noFill/>
+          </a:ln>
+          <a:effectLst/>
+          <a:extLst>
+            <a:ext uri="{909E8E84-426E-40DD-AFC4-6F175D3DCCD1}">
+              <a14:hiddenFill xmlns:a14="http://schemas.microsoft.com/office/drawing/2010/main">
+                <a:solidFill>
+                  <a:schemeClr val="accent1"/>
+                </a:solidFill>
+              </a14:hiddenFill>
+            </a:ext>
+            <a:ext uri="{91240B29-F687-4F45-9708-019B960494DF}">
+              <a14:hiddenLine xmlns:a14="http://schemas.microsoft.com/office/drawing/2010/main" w="9525">
+                <a:solidFill>
+                  <a:schemeClr val="tx1"/>
+                </a:solidFill>
+                <a:miter lim="800000"/>
+                <a:headEnd/>
+                <a:tailEnd/>
+              </a14:hiddenLine>
+            </a:ext>
+            <a:ext uri="{AF507438-7753-43E0-B8FC-AC1667EBCBE1}">
+              <a14:hiddenEffects xmlns:a14="http://schemas.microsoft.com/office/drawing/2010/main">
+                <a:effectLst>
+                  <a:outerShdw dist="35921" dir="2700000" algn="ctr" rotWithShape="0">
+                    <a:schemeClr val="bg2"/>
+                  </a:outerShdw>
+                </a:effectLst>
+              </a14:hiddenEffects>
+            </a:ext>
+          </a:extLst>
+        </p:spPr>
+      </p:pic>
+      <p:pic>
+        <p:nvPicPr>
+          <p:cNvPr id="1033" name="Picture 9"/>
+          <p:cNvPicPr>
+            <a:picLocks noChangeAspect="1" noChangeArrowheads="1"/>
+          </p:cNvPicPr>
+          <p:nvPr/>
+        </p:nvPicPr>
+        <p:blipFill>
+          <a:blip r:embed="rId4" cstate="print">
+            <a:extLst>
+              <a:ext uri="{28A0092B-C50C-407E-A947-70E740481C1C}">
+                <a14:useLocalDpi xmlns:a14="http://schemas.microsoft.com/office/drawing/2010/main" val="0"/>
+              </a:ext>
+            </a:extLst>
+          </a:blip>
+          <a:srcRect/>
+          <a:stretch>
+            <a:fillRect/>
+          </a:stretch>
+        </p:blipFill>
+        <p:spPr bwMode="auto">
+          <a:xfrm>
+            <a:off x="82901" y="2464688"/>
+            <a:ext cx="4385603" cy="1933386"/>
+          </a:xfrm>
+          <a:prstGeom prst="rect">
+            <a:avLst/>
+          </a:prstGeom>
+          <a:noFill/>
+          <a:ln>
+            <a:noFill/>
+          </a:ln>
+          <a:effectLst/>
+          <a:extLst>
+            <a:ext uri="{909E8E84-426E-40DD-AFC4-6F175D3DCCD1}">
+              <a14:hiddenFill xmlns:a14="http://schemas.microsoft.com/office/drawing/2010/main">
+                <a:solidFill>
+                  <a:schemeClr val="accent1"/>
+                </a:solidFill>
+              </a14:hiddenFill>
+            </a:ext>
+            <a:ext uri="{91240B29-F687-4F45-9708-019B960494DF}">
+              <a14:hiddenLine xmlns:a14="http://schemas.microsoft.com/office/drawing/2010/main" w="9525">
+                <a:solidFill>
+                  <a:schemeClr val="tx1"/>
+                </a:solidFill>
+                <a:miter lim="800000"/>
+                <a:headEnd/>
+                <a:tailEnd/>
+              </a14:hiddenLine>
+            </a:ext>
+            <a:ext uri="{AF507438-7753-43E0-B8FC-AC1667EBCBE1}">
+              <a14:hiddenEffects xmlns:a14="http://schemas.microsoft.com/office/drawing/2010/main">
+                <a:effectLst>
+                  <a:outerShdw dist="35921" dir="2700000" algn="ctr" rotWithShape="0">
+                    <a:schemeClr val="bg2"/>
+                  </a:outerShdw>
+                </a:effectLst>
+              </a14:hiddenEffects>
+            </a:ext>
+          </a:extLst>
+        </p:spPr>
+      </p:pic>
+      <p:pic>
+        <p:nvPicPr>
+          <p:cNvPr id="1034" name="Picture 10"/>
+          <p:cNvPicPr>
+            <a:picLocks noChangeAspect="1" noChangeArrowheads="1"/>
+          </p:cNvPicPr>
+          <p:nvPr/>
+        </p:nvPicPr>
+        <p:blipFill>
+          <a:blip r:embed="rId5" cstate="print">
+            <a:extLst>
+              <a:ext uri="{28A0092B-C50C-407E-A947-70E740481C1C}">
+                <a14:useLocalDpi xmlns:a14="http://schemas.microsoft.com/office/drawing/2010/main" val="0"/>
+              </a:ext>
+            </a:extLst>
+          </a:blip>
+          <a:srcRect/>
+          <a:stretch>
+            <a:fillRect/>
+          </a:stretch>
+        </p:blipFill>
+        <p:spPr bwMode="auto">
+          <a:xfrm>
+            <a:off x="4657299" y="2464688"/>
+            <a:ext cx="4385603" cy="1933386"/>
+          </a:xfrm>
+          <a:prstGeom prst="rect">
+            <a:avLst/>
+          </a:prstGeom>
+          <a:noFill/>
+          <a:ln>
+            <a:noFill/>
+          </a:ln>
+          <a:effectLst/>
+          <a:extLst>
+            <a:ext uri="{909E8E84-426E-40DD-AFC4-6F175D3DCCD1}">
+              <a14:hiddenFill xmlns:a14="http://schemas.microsoft.com/office/drawing/2010/main">
+                <a:solidFill>
+                  <a:schemeClr val="accent1"/>
+                </a:solidFill>
+              </a14:hiddenFill>
+            </a:ext>
+            <a:ext uri="{91240B29-F687-4F45-9708-019B960494DF}">
+              <a14:hiddenLine xmlns:a14="http://schemas.microsoft.com/office/drawing/2010/main" w="9525">
+                <a:solidFill>
+                  <a:schemeClr val="tx1"/>
+                </a:solidFill>
+                <a:miter lim="800000"/>
+                <a:headEnd/>
+                <a:tailEnd/>
+              </a14:hiddenLine>
+            </a:ext>
+            <a:ext uri="{AF507438-7753-43E0-B8FC-AC1667EBCBE1}">
+              <a14:hiddenEffects xmlns:a14="http://schemas.microsoft.com/office/drawing/2010/main">
+                <a:effectLst>
+                  <a:outerShdw dist="35921" dir="2700000" algn="ctr" rotWithShape="0">
+                    <a:schemeClr val="bg2"/>
+                  </a:outerShdw>
+                </a:effectLst>
+              </a14:hiddenEffects>
+            </a:ext>
+          </a:extLst>
+        </p:spPr>
+      </p:pic>
+      <p:pic>
+        <p:nvPicPr>
+          <p:cNvPr id="1035" name="Picture 11"/>
+          <p:cNvPicPr>
+            <a:picLocks noChangeAspect="1" noChangeArrowheads="1"/>
+          </p:cNvPicPr>
+          <p:nvPr/>
+        </p:nvPicPr>
+        <p:blipFill>
+          <a:blip r:embed="rId6" cstate="print">
+            <a:extLst>
+              <a:ext uri="{28A0092B-C50C-407E-A947-70E740481C1C}">
+                <a14:useLocalDpi xmlns:a14="http://schemas.microsoft.com/office/drawing/2010/main" val="0"/>
+              </a:ext>
+            </a:extLst>
+          </a:blip>
+          <a:srcRect/>
+          <a:stretch>
+            <a:fillRect/>
+          </a:stretch>
+        </p:blipFill>
+        <p:spPr bwMode="auto">
+          <a:xfrm>
+            <a:off x="76200" y="4619814"/>
+            <a:ext cx="4385603" cy="1933386"/>
+          </a:xfrm>
+          <a:prstGeom prst="rect">
+            <a:avLst/>
+          </a:prstGeom>
+          <a:noFill/>
+          <a:ln>
+            <a:noFill/>
+          </a:ln>
+          <a:effectLst/>
+          <a:extLst>
+            <a:ext uri="{909E8E84-426E-40DD-AFC4-6F175D3DCCD1}">
+              <a14:hiddenFill xmlns:a14="http://schemas.microsoft.com/office/drawing/2010/main">
+                <a:solidFill>
+                  <a:schemeClr val="accent1"/>
+                </a:solidFill>
+              </a14:hiddenFill>
+            </a:ext>
+            <a:ext uri="{91240B29-F687-4F45-9708-019B960494DF}">
+              <a14:hiddenLine xmlns:a14="http://schemas.microsoft.com/office/drawing/2010/main" w="9525">
+                <a:solidFill>
+                  <a:schemeClr val="tx1"/>
+                </a:solidFill>
+                <a:miter lim="800000"/>
+                <a:headEnd/>
+                <a:tailEnd/>
+              </a14:hiddenLine>
+            </a:ext>
+            <a:ext uri="{AF507438-7753-43E0-B8FC-AC1667EBCBE1}">
+              <a14:hiddenEffects xmlns:a14="http://schemas.microsoft.com/office/drawing/2010/main">
+                <a:effectLst>
+                  <a:outerShdw dist="35921" dir="2700000" algn="ctr" rotWithShape="0">
+                    <a:schemeClr val="bg2"/>
+                  </a:outerShdw>
+                </a:effectLst>
+              </a14:hiddenEffects>
+            </a:ext>
+          </a:extLst>
+        </p:spPr>
+      </p:pic>
+      <p:pic>
+        <p:nvPicPr>
+          <p:cNvPr id="1036" name="Picture 12"/>
+          <p:cNvPicPr>
+            <a:picLocks noChangeAspect="1" noChangeArrowheads="1"/>
+          </p:cNvPicPr>
+          <p:nvPr/>
+        </p:nvPicPr>
+        <p:blipFill>
+          <a:blip r:embed="rId7" cstate="print">
+            <a:extLst>
+              <a:ext uri="{28A0092B-C50C-407E-A947-70E740481C1C}">
+                <a14:useLocalDpi xmlns:a14="http://schemas.microsoft.com/office/drawing/2010/main" val="0"/>
+              </a:ext>
+            </a:extLst>
+          </a:blip>
+          <a:srcRect/>
+          <a:stretch>
+            <a:fillRect/>
+          </a:stretch>
+        </p:blipFill>
+        <p:spPr bwMode="auto">
+          <a:xfrm>
+            <a:off x="4648200" y="4618621"/>
+            <a:ext cx="4385603" cy="1934579"/>
+          </a:xfrm>
+          <a:prstGeom prst="rect">
+            <a:avLst/>
+          </a:prstGeom>
+          <a:noFill/>
+          <a:ln>
+            <a:noFill/>
+          </a:ln>
+          <a:effectLst/>
+          <a:extLst>
+            <a:ext uri="{909E8E84-426E-40DD-AFC4-6F175D3DCCD1}">
+              <a14:hiddenFill xmlns:a14="http://schemas.microsoft.com/office/drawing/2010/main">
+                <a:solidFill>
+                  <a:schemeClr val="accent1"/>
+                </a:solidFill>
+              </a14:hiddenFill>
+            </a:ext>
+            <a:ext uri="{91240B29-F687-4F45-9708-019B960494DF}">
+              <a14:hiddenLine xmlns:a14="http://schemas.microsoft.com/office/drawing/2010/main" w="9525">
+                <a:solidFill>
+                  <a:schemeClr val="tx1"/>
+                </a:solidFill>
+                <a:miter lim="800000"/>
+                <a:headEnd/>
+                <a:tailEnd/>
+              </a14:hiddenLine>
+            </a:ext>
+            <a:ext uri="{AF507438-7753-43E0-B8FC-AC1667EBCBE1}">
+              <a14:hiddenEffects xmlns:a14="http://schemas.microsoft.com/office/drawing/2010/main">
+                <a:effectLst>
+                  <a:outerShdw dist="35921" dir="2700000" algn="ctr" rotWithShape="0">
+                    <a:schemeClr val="bg2"/>
+                  </a:outerShdw>
+                </a:effectLst>
+              </a14:hiddenEffects>
+            </a:ext>
+          </a:extLst>
+        </p:spPr>
+      </p:pic>
+      <p:sp>
+        <p:nvSpPr>
+          <p:cNvPr id="8" name="TextBox 7"/>
+          <p:cNvSpPr txBox="1"/>
+          <p:nvPr/>
+        </p:nvSpPr>
+        <p:spPr>
+          <a:xfrm>
+            <a:off x="1517184" y="2166876"/>
+            <a:ext cx="2057400" cy="369332"/>
+          </a:xfrm>
+          <a:prstGeom prst="rect">
+            <a:avLst/>
+          </a:prstGeom>
+          <a:noFill/>
+        </p:spPr>
+        <p:txBody>
+          <a:bodyPr wrap="square" rtlCol="0">
+            <a:spAutoFit/>
+          </a:bodyPr>
+          <a:lstStyle/>
+          <a:p>
+            <a:pPr algn="ctr"/>
+            <a:r>
+              <a:rPr lang="en-US" dirty="0" smtClean="0"/>
+              <a:t>1 Mbps</a:t>
+            </a:r>
+            <a:endParaRPr lang="en-US" dirty="0"/>
+          </a:p>
+        </p:txBody>
+      </p:sp>
+      <p:sp>
+        <p:nvSpPr>
+          <p:cNvPr id="22" name="TextBox 21"/>
+          <p:cNvSpPr txBox="1"/>
+          <p:nvPr/>
+        </p:nvSpPr>
+        <p:spPr>
+          <a:xfrm>
+            <a:off x="6136944" y="2150388"/>
+            <a:ext cx="2057400" cy="369332"/>
+          </a:xfrm>
+          <a:prstGeom prst="rect">
+            <a:avLst/>
+          </a:prstGeom>
+          <a:noFill/>
+        </p:spPr>
+        <p:txBody>
+          <a:bodyPr wrap="square" rtlCol="0">
+            <a:spAutoFit/>
+          </a:bodyPr>
+          <a:lstStyle/>
+          <a:p>
+            <a:pPr algn="ctr"/>
+            <a:r>
+              <a:rPr lang="en-US" dirty="0"/>
+              <a:t>2</a:t>
+            </a:r>
+            <a:r>
+              <a:rPr lang="en-US" dirty="0" smtClean="0"/>
+              <a:t> Mbps</a:t>
+            </a:r>
+            <a:endParaRPr lang="en-US" dirty="0"/>
+          </a:p>
+        </p:txBody>
+      </p:sp>
+      <p:sp>
+        <p:nvSpPr>
+          <p:cNvPr id="23" name="TextBox 22"/>
+          <p:cNvSpPr txBox="1"/>
+          <p:nvPr/>
+        </p:nvSpPr>
+        <p:spPr>
+          <a:xfrm>
+            <a:off x="1524000" y="4327772"/>
+            <a:ext cx="2057400" cy="369332"/>
+          </a:xfrm>
+          <a:prstGeom prst="rect">
+            <a:avLst/>
+          </a:prstGeom>
+          <a:noFill/>
+        </p:spPr>
+        <p:txBody>
+          <a:bodyPr wrap="square" rtlCol="0">
+            <a:spAutoFit/>
+          </a:bodyPr>
+          <a:lstStyle/>
+          <a:p>
+            <a:pPr algn="ctr"/>
+            <a:r>
+              <a:rPr lang="en-US" dirty="0"/>
+              <a:t>4</a:t>
+            </a:r>
+            <a:r>
+              <a:rPr lang="en-US" dirty="0" smtClean="0"/>
+              <a:t> Mbps</a:t>
+            </a:r>
+            <a:endParaRPr lang="en-US" dirty="0"/>
+          </a:p>
+        </p:txBody>
+      </p:sp>
+      <p:sp>
+        <p:nvSpPr>
+          <p:cNvPr id="24" name="TextBox 23"/>
+          <p:cNvSpPr txBox="1"/>
+          <p:nvPr/>
+        </p:nvSpPr>
+        <p:spPr>
+          <a:xfrm>
+            <a:off x="6144904" y="4321792"/>
+            <a:ext cx="2057400" cy="369332"/>
+          </a:xfrm>
+          <a:prstGeom prst="rect">
+            <a:avLst/>
+          </a:prstGeom>
+          <a:noFill/>
+        </p:spPr>
+        <p:txBody>
+          <a:bodyPr wrap="square" rtlCol="0">
+            <a:spAutoFit/>
+          </a:bodyPr>
+          <a:lstStyle/>
+          <a:p>
+            <a:pPr algn="ctr"/>
+            <a:r>
+              <a:rPr lang="en-US" dirty="0" smtClean="0"/>
+              <a:t>8 Mbps</a:t>
+            </a:r>
+            <a:endParaRPr lang="en-US" dirty="0"/>
+          </a:p>
+        </p:txBody>
+      </p:sp>
+      <p:sp>
+        <p:nvSpPr>
+          <p:cNvPr id="25" name="TextBox 24"/>
+          <p:cNvSpPr txBox="1"/>
+          <p:nvPr/>
+        </p:nvSpPr>
+        <p:spPr>
+          <a:xfrm>
+            <a:off x="1524000" y="6488668"/>
+            <a:ext cx="2057400" cy="369332"/>
+          </a:xfrm>
+          <a:prstGeom prst="rect">
+            <a:avLst/>
+          </a:prstGeom>
+          <a:noFill/>
+        </p:spPr>
+        <p:txBody>
+          <a:bodyPr wrap="square" rtlCol="0">
+            <a:spAutoFit/>
+          </a:bodyPr>
+          <a:lstStyle/>
+          <a:p>
+            <a:pPr algn="ctr"/>
+            <a:r>
+              <a:rPr lang="en-US" dirty="0" smtClean="0"/>
+              <a:t>16 Mbps</a:t>
+            </a:r>
+            <a:endParaRPr lang="en-US" dirty="0"/>
+          </a:p>
+        </p:txBody>
+      </p:sp>
+      <p:sp>
+        <p:nvSpPr>
+          <p:cNvPr id="26" name="TextBox 25"/>
+          <p:cNvSpPr txBox="1"/>
+          <p:nvPr/>
+        </p:nvSpPr>
+        <p:spPr>
+          <a:xfrm>
+            <a:off x="6136944" y="6482688"/>
+            <a:ext cx="2057400" cy="369332"/>
+          </a:xfrm>
+          <a:prstGeom prst="rect">
+            <a:avLst/>
+          </a:prstGeom>
+          <a:noFill/>
+        </p:spPr>
+        <p:txBody>
+          <a:bodyPr wrap="square" rtlCol="0">
+            <a:spAutoFit/>
+          </a:bodyPr>
+          <a:lstStyle/>
+          <a:p>
+            <a:pPr algn="ctr"/>
+            <a:r>
+              <a:rPr lang="en-US" dirty="0" smtClean="0"/>
+              <a:t>32 Mbps</a:t>
+            </a:r>
+            <a:endParaRPr lang="en-US" dirty="0"/>
+          </a:p>
+        </p:txBody>
+      </p:sp>
+      <p:sp>
+        <p:nvSpPr>
+          <p:cNvPr id="27" name="TextBox 26"/>
+          <p:cNvSpPr txBox="1"/>
+          <p:nvPr/>
+        </p:nvSpPr>
+        <p:spPr>
+          <a:xfrm>
+            <a:off x="3505200" y="0"/>
+            <a:ext cx="2057400" cy="369332"/>
+          </a:xfrm>
+          <a:prstGeom prst="rect">
+            <a:avLst/>
+          </a:prstGeom>
+          <a:noFill/>
+        </p:spPr>
+        <p:txBody>
+          <a:bodyPr wrap="square" rtlCol="0">
+            <a:spAutoFit/>
+          </a:bodyPr>
+          <a:lstStyle/>
+          <a:p>
+            <a:pPr algn="ctr"/>
+            <a:r>
+              <a:rPr lang="en-US" dirty="0" smtClean="0"/>
+              <a:t>Delay</a:t>
+            </a:r>
+            <a:endParaRPr lang="en-US" dirty="0"/>
+          </a:p>
+        </p:txBody>
+      </p:sp>
+    </p:spTree>
+    <p:extLst>
+      <p:ext uri="{BB962C8B-B14F-4D97-AF65-F5344CB8AC3E}">
+        <p14:creationId xmlns:p14="http://schemas.microsoft.com/office/powerpoint/2010/main" val="1321072506"/>
+      </p:ext>
+    </p:extLst>
+  </p:cSld>
+  <p:clrMapOvr>
+    <a:masterClrMapping/>
+  </p:clrMapOvr>
+  <p:timing>
+    <p:tnLst>
+      <p:par>
+        <p:cTn id="1" dur="indefinite" restart="never" nodeType="tmRoot"/>
+      </p:par>
+    </p:tnLst>
+  </p:timing>
+</p:sld>
+</file>
+
+<file path=ppt/slides/slide29.xml><?xml version="1.0" encoding="utf-8"?>
+<p:sld xmlns:a="http://schemas.openxmlformats.org/drawingml/2006/main" xmlns:r="http://schemas.openxmlformats.org/officeDocument/2006/relationships" xmlns:p="http://schemas.openxmlformats.org/presentationml/2006/main">
+  <p:cSld>
+    <p:spTree>
+      <p:nvGrpSpPr>
+        <p:cNvPr id="1" name=""/>
+        <p:cNvGrpSpPr/>
+        <p:nvPr/>
+      </p:nvGrpSpPr>
+      <p:grpSpPr>
+        <a:xfrm>
+          <a:off x="0" y="0"/>
+          <a:ext cx="0" cy="0"/>
+          <a:chOff x="0" y="0"/>
+          <a:chExt cx="0" cy="0"/>
+        </a:xfrm>
+      </p:grpSpPr>
+      <p:sp>
+        <p:nvSpPr>
+          <p:cNvPr id="2" name="Slide Number Placeholder 1"/>
+          <p:cNvSpPr>
+            <a:spLocks noGrp="1"/>
+          </p:cNvSpPr>
+          <p:nvPr>
+            <p:ph type="sldNum" sz="quarter" idx="12"/>
+          </p:nvPr>
+        </p:nvSpPr>
+        <p:spPr>
+          <a:xfrm>
+            <a:off x="6553200" y="6492875"/>
+            <a:ext cx="2133600" cy="365125"/>
+          </a:xfrm>
+        </p:spPr>
+        <p:txBody>
+          <a:bodyPr/>
+          <a:lstStyle/>
+          <a:p>
+            <a:fld id="{CF142645-850A-43A6-BF6E-75FA772F8DCF}" type="slidenum">
+              <a:rPr lang="en-US" smtClean="0"/>
+              <a:pPr/>
+              <a:t>29</a:t>
+            </a:fld>
+            <a:endParaRPr lang="en-US" dirty="0"/>
+          </a:p>
+        </p:txBody>
+      </p:sp>
+      <p:pic>
+        <p:nvPicPr>
+          <p:cNvPr id="1030" name="Picture 6"/>
+          <p:cNvPicPr>
+            <a:picLocks noChangeAspect="1" noChangeArrowheads="1"/>
+          </p:cNvPicPr>
+          <p:nvPr/>
+        </p:nvPicPr>
+        <p:blipFill>
+          <a:blip r:embed="rId2" cstate="print">
+            <a:extLst>
+              <a:ext uri="{28A0092B-C50C-407E-A947-70E740481C1C}">
+                <a14:useLocalDpi xmlns:a14="http://schemas.microsoft.com/office/drawing/2010/main" val="0"/>
+              </a:ext>
+            </a:extLst>
+          </a:blip>
+          <a:srcRect/>
+          <a:stretch>
+            <a:fillRect/>
+          </a:stretch>
+        </p:blipFill>
+        <p:spPr bwMode="auto">
+          <a:xfrm>
+            <a:off x="76200" y="325269"/>
+            <a:ext cx="4385603" cy="1933386"/>
+          </a:xfrm>
+          <a:prstGeom prst="rect">
+            <a:avLst/>
+          </a:prstGeom>
+          <a:noFill/>
+          <a:ln>
+            <a:noFill/>
+          </a:ln>
+          <a:effectLst/>
+          <a:extLst>
+            <a:ext uri="{909E8E84-426E-40DD-AFC4-6F175D3DCCD1}">
+              <a14:hiddenFill xmlns:a14="http://schemas.microsoft.com/office/drawing/2010/main">
+                <a:solidFill>
+                  <a:schemeClr val="accent1"/>
+                </a:solidFill>
+              </a14:hiddenFill>
+            </a:ext>
+            <a:ext uri="{91240B29-F687-4F45-9708-019B960494DF}">
+              <a14:hiddenLine xmlns:a14="http://schemas.microsoft.com/office/drawing/2010/main" w="9525">
+                <a:solidFill>
+                  <a:schemeClr val="tx1"/>
+                </a:solidFill>
+                <a:miter lim="800000"/>
+                <a:headEnd/>
+                <a:tailEnd/>
+              </a14:hiddenLine>
+            </a:ext>
+            <a:ext uri="{AF507438-7753-43E0-B8FC-AC1667EBCBE1}">
+              <a14:hiddenEffects xmlns:a14="http://schemas.microsoft.com/office/drawing/2010/main">
+                <a:effectLst>
+                  <a:outerShdw dist="35921" dir="2700000" algn="ctr" rotWithShape="0">
+                    <a:schemeClr val="bg2"/>
+                  </a:outerShdw>
+                </a:effectLst>
+              </a14:hiddenEffects>
+            </a:ext>
+          </a:extLst>
+        </p:spPr>
+      </p:pic>
+      <p:pic>
+        <p:nvPicPr>
+          <p:cNvPr id="1031" name="Picture 7"/>
+          <p:cNvPicPr>
+            <a:picLocks noChangeAspect="1" noChangeArrowheads="1"/>
+          </p:cNvPicPr>
+          <p:nvPr/>
+        </p:nvPicPr>
+        <p:blipFill>
+          <a:blip r:embed="rId3" cstate="print">
+            <a:extLst>
+              <a:ext uri="{28A0092B-C50C-407E-A947-70E740481C1C}">
+                <a14:useLocalDpi xmlns:a14="http://schemas.microsoft.com/office/drawing/2010/main" val="0"/>
+              </a:ext>
+            </a:extLst>
+          </a:blip>
+          <a:srcRect/>
+          <a:stretch>
+            <a:fillRect/>
+          </a:stretch>
+        </p:blipFill>
+        <p:spPr bwMode="auto">
+          <a:xfrm>
+            <a:off x="4648200" y="325268"/>
+            <a:ext cx="4385603" cy="1933386"/>
+          </a:xfrm>
+          <a:prstGeom prst="rect">
+            <a:avLst/>
+          </a:prstGeom>
+          <a:noFill/>
+          <a:ln>
+            <a:noFill/>
+          </a:ln>
+          <a:effectLst/>
+          <a:extLst>
+            <a:ext uri="{909E8E84-426E-40DD-AFC4-6F175D3DCCD1}">
+              <a14:hiddenFill xmlns:a14="http://schemas.microsoft.com/office/drawing/2010/main">
+                <a:solidFill>
+                  <a:schemeClr val="accent1"/>
+                </a:solidFill>
+              </a14:hiddenFill>
+            </a:ext>
+            <a:ext uri="{91240B29-F687-4F45-9708-019B960494DF}">
+              <a14:hiddenLine xmlns:a14="http://schemas.microsoft.com/office/drawing/2010/main" w="9525">
+                <a:solidFill>
+                  <a:schemeClr val="tx1"/>
+                </a:solidFill>
+                <a:miter lim="800000"/>
+                <a:headEnd/>
+                <a:tailEnd/>
+              </a14:hiddenLine>
+            </a:ext>
+            <a:ext uri="{AF507438-7753-43E0-B8FC-AC1667EBCBE1}">
+              <a14:hiddenEffects xmlns:a14="http://schemas.microsoft.com/office/drawing/2010/main">
+                <a:effectLst>
+                  <a:outerShdw dist="35921" dir="2700000" algn="ctr" rotWithShape="0">
+                    <a:schemeClr val="bg2"/>
+                  </a:outerShdw>
+                </a:effectLst>
+              </a14:hiddenEffects>
+            </a:ext>
+          </a:extLst>
+        </p:spPr>
+      </p:pic>
+      <p:pic>
+        <p:nvPicPr>
+          <p:cNvPr id="1033" name="Picture 9"/>
+          <p:cNvPicPr>
+            <a:picLocks noChangeAspect="1" noChangeArrowheads="1"/>
+          </p:cNvPicPr>
+          <p:nvPr/>
+        </p:nvPicPr>
+        <p:blipFill>
+          <a:blip r:embed="rId4" cstate="print">
+            <a:extLst>
+              <a:ext uri="{28A0092B-C50C-407E-A947-70E740481C1C}">
+                <a14:useLocalDpi xmlns:a14="http://schemas.microsoft.com/office/drawing/2010/main" val="0"/>
+              </a:ext>
+            </a:extLst>
+          </a:blip>
+          <a:srcRect/>
+          <a:stretch>
+            <a:fillRect/>
+          </a:stretch>
+        </p:blipFill>
+        <p:spPr bwMode="auto">
+          <a:xfrm>
+            <a:off x="82901" y="2464688"/>
+            <a:ext cx="4385603" cy="1933386"/>
+          </a:xfrm>
+          <a:prstGeom prst="rect">
+            <a:avLst/>
+          </a:prstGeom>
+          <a:noFill/>
+          <a:ln>
+            <a:noFill/>
+          </a:ln>
+          <a:effectLst/>
+          <a:extLst>
+            <a:ext uri="{909E8E84-426E-40DD-AFC4-6F175D3DCCD1}">
+              <a14:hiddenFill xmlns:a14="http://schemas.microsoft.com/office/drawing/2010/main">
+                <a:solidFill>
+                  <a:schemeClr val="accent1"/>
+                </a:solidFill>
+              </a14:hiddenFill>
+            </a:ext>
+            <a:ext uri="{91240B29-F687-4F45-9708-019B960494DF}">
+              <a14:hiddenLine xmlns:a14="http://schemas.microsoft.com/office/drawing/2010/main" w="9525">
+                <a:solidFill>
+                  <a:schemeClr val="tx1"/>
+                </a:solidFill>
+                <a:miter lim="800000"/>
+                <a:headEnd/>
+                <a:tailEnd/>
+              </a14:hiddenLine>
+            </a:ext>
+            <a:ext uri="{AF507438-7753-43E0-B8FC-AC1667EBCBE1}">
+              <a14:hiddenEffects xmlns:a14="http://schemas.microsoft.com/office/drawing/2010/main">
+                <a:effectLst>
+                  <a:outerShdw dist="35921" dir="2700000" algn="ctr" rotWithShape="0">
+                    <a:schemeClr val="bg2"/>
+                  </a:outerShdw>
+                </a:effectLst>
+              </a14:hiddenEffects>
+            </a:ext>
+          </a:extLst>
+        </p:spPr>
+      </p:pic>
+      <p:pic>
+        <p:nvPicPr>
+          <p:cNvPr id="1034" name="Picture 10"/>
+          <p:cNvPicPr>
+            <a:picLocks noChangeAspect="1" noChangeArrowheads="1"/>
+          </p:cNvPicPr>
+          <p:nvPr/>
+        </p:nvPicPr>
+        <p:blipFill>
+          <a:blip r:embed="rId5" cstate="print">
+            <a:extLst>
+              <a:ext uri="{28A0092B-C50C-407E-A947-70E740481C1C}">
+                <a14:useLocalDpi xmlns:a14="http://schemas.microsoft.com/office/drawing/2010/main" val="0"/>
+              </a:ext>
+            </a:extLst>
+          </a:blip>
+          <a:srcRect/>
+          <a:stretch>
+            <a:fillRect/>
+          </a:stretch>
+        </p:blipFill>
+        <p:spPr bwMode="auto">
+          <a:xfrm>
+            <a:off x="4657299" y="2464688"/>
+            <a:ext cx="4385603" cy="1933386"/>
+          </a:xfrm>
+          <a:prstGeom prst="rect">
+            <a:avLst/>
+          </a:prstGeom>
+          <a:noFill/>
+          <a:ln>
+            <a:noFill/>
+          </a:ln>
+          <a:effectLst/>
+          <a:extLst>
+            <a:ext uri="{909E8E84-426E-40DD-AFC4-6F175D3DCCD1}">
+              <a14:hiddenFill xmlns:a14="http://schemas.microsoft.com/office/drawing/2010/main">
+                <a:solidFill>
+                  <a:schemeClr val="accent1"/>
+                </a:solidFill>
+              </a14:hiddenFill>
+            </a:ext>
+            <a:ext uri="{91240B29-F687-4F45-9708-019B960494DF}">
+              <a14:hiddenLine xmlns:a14="http://schemas.microsoft.com/office/drawing/2010/main" w="9525">
+                <a:solidFill>
+                  <a:schemeClr val="tx1"/>
+                </a:solidFill>
+                <a:miter lim="800000"/>
+                <a:headEnd/>
+                <a:tailEnd/>
+              </a14:hiddenLine>
+            </a:ext>
+            <a:ext uri="{AF507438-7753-43E0-B8FC-AC1667EBCBE1}">
+              <a14:hiddenEffects xmlns:a14="http://schemas.microsoft.com/office/drawing/2010/main">
+                <a:effectLst>
+                  <a:outerShdw dist="35921" dir="2700000" algn="ctr" rotWithShape="0">
+                    <a:schemeClr val="bg2"/>
+                  </a:outerShdw>
+                </a:effectLst>
+              </a14:hiddenEffects>
+            </a:ext>
+          </a:extLst>
+        </p:spPr>
+      </p:pic>
+      <p:pic>
+        <p:nvPicPr>
+          <p:cNvPr id="1035" name="Picture 11"/>
+          <p:cNvPicPr>
+            <a:picLocks noChangeAspect="1" noChangeArrowheads="1"/>
+          </p:cNvPicPr>
+          <p:nvPr/>
+        </p:nvPicPr>
+        <p:blipFill>
+          <a:blip r:embed="rId6" cstate="print">
+            <a:extLst>
+              <a:ext uri="{28A0092B-C50C-407E-A947-70E740481C1C}">
+                <a14:useLocalDpi xmlns:a14="http://schemas.microsoft.com/office/drawing/2010/main" val="0"/>
+              </a:ext>
+            </a:extLst>
+          </a:blip>
+          <a:srcRect/>
+          <a:stretch>
+            <a:fillRect/>
+          </a:stretch>
+        </p:blipFill>
+        <p:spPr bwMode="auto">
+          <a:xfrm>
+            <a:off x="76200" y="4619814"/>
+            <a:ext cx="4385603" cy="1933386"/>
+          </a:xfrm>
+          <a:prstGeom prst="rect">
+            <a:avLst/>
+          </a:prstGeom>
+          <a:noFill/>
+          <a:ln>
+            <a:noFill/>
+          </a:ln>
+          <a:effectLst/>
+          <a:extLst>
+            <a:ext uri="{909E8E84-426E-40DD-AFC4-6F175D3DCCD1}">
+              <a14:hiddenFill xmlns:a14="http://schemas.microsoft.com/office/drawing/2010/main">
+                <a:solidFill>
+                  <a:schemeClr val="accent1"/>
+                </a:solidFill>
+              </a14:hiddenFill>
+            </a:ext>
+            <a:ext uri="{91240B29-F687-4F45-9708-019B960494DF}">
+              <a14:hiddenLine xmlns:a14="http://schemas.microsoft.com/office/drawing/2010/main" w="9525">
+                <a:solidFill>
+                  <a:schemeClr val="tx1"/>
+                </a:solidFill>
+                <a:miter lim="800000"/>
+                <a:headEnd/>
+                <a:tailEnd/>
+              </a14:hiddenLine>
+            </a:ext>
+            <a:ext uri="{AF507438-7753-43E0-B8FC-AC1667EBCBE1}">
+              <a14:hiddenEffects xmlns:a14="http://schemas.microsoft.com/office/drawing/2010/main">
+                <a:effectLst>
+                  <a:outerShdw dist="35921" dir="2700000" algn="ctr" rotWithShape="0">
+                    <a:schemeClr val="bg2"/>
+                  </a:outerShdw>
+                </a:effectLst>
+              </a14:hiddenEffects>
+            </a:ext>
+          </a:extLst>
+        </p:spPr>
+      </p:pic>
+      <p:pic>
+        <p:nvPicPr>
+          <p:cNvPr id="1036" name="Picture 12"/>
+          <p:cNvPicPr>
+            <a:picLocks noChangeAspect="1" noChangeArrowheads="1"/>
+          </p:cNvPicPr>
+          <p:nvPr/>
+        </p:nvPicPr>
+        <p:blipFill>
+          <a:blip r:embed="rId7" cstate="print">
+            <a:extLst>
+              <a:ext uri="{28A0092B-C50C-407E-A947-70E740481C1C}">
+                <a14:useLocalDpi xmlns:a14="http://schemas.microsoft.com/office/drawing/2010/main" val="0"/>
+              </a:ext>
+            </a:extLst>
+          </a:blip>
+          <a:srcRect/>
+          <a:stretch>
+            <a:fillRect/>
+          </a:stretch>
+        </p:blipFill>
+        <p:spPr bwMode="auto">
+          <a:xfrm>
+            <a:off x="4648200" y="4618621"/>
+            <a:ext cx="4385603" cy="1934579"/>
+          </a:xfrm>
+          <a:prstGeom prst="rect">
+            <a:avLst/>
+          </a:prstGeom>
+          <a:noFill/>
+          <a:ln>
+            <a:noFill/>
+          </a:ln>
+          <a:effectLst/>
+          <a:extLst>
+            <a:ext uri="{909E8E84-426E-40DD-AFC4-6F175D3DCCD1}">
+              <a14:hiddenFill xmlns:a14="http://schemas.microsoft.com/office/drawing/2010/main">
+                <a:solidFill>
+                  <a:schemeClr val="accent1"/>
+                </a:solidFill>
+              </a14:hiddenFill>
+            </a:ext>
+            <a:ext uri="{91240B29-F687-4F45-9708-019B960494DF}">
+              <a14:hiddenLine xmlns:a14="http://schemas.microsoft.com/office/drawing/2010/main" w="9525">
+                <a:solidFill>
+                  <a:schemeClr val="tx1"/>
+                </a:solidFill>
+                <a:miter lim="800000"/>
+                <a:headEnd/>
+                <a:tailEnd/>
+              </a14:hiddenLine>
+            </a:ext>
+            <a:ext uri="{AF507438-7753-43E0-B8FC-AC1667EBCBE1}">
+              <a14:hiddenEffects xmlns:a14="http://schemas.microsoft.com/office/drawing/2010/main">
+                <a:effectLst>
+                  <a:outerShdw dist="35921" dir="2700000" algn="ctr" rotWithShape="0">
+                    <a:schemeClr val="bg2"/>
+                  </a:outerShdw>
+                </a:effectLst>
+              </a14:hiddenEffects>
+            </a:ext>
+          </a:extLst>
+        </p:spPr>
+      </p:pic>
+      <p:sp>
+        <p:nvSpPr>
+          <p:cNvPr id="8" name="TextBox 7"/>
+          <p:cNvSpPr txBox="1"/>
+          <p:nvPr/>
+        </p:nvSpPr>
+        <p:spPr>
+          <a:xfrm>
+            <a:off x="1517184" y="2166876"/>
+            <a:ext cx="2057400" cy="369332"/>
+          </a:xfrm>
+          <a:prstGeom prst="rect">
+            <a:avLst/>
+          </a:prstGeom>
+          <a:noFill/>
+        </p:spPr>
+        <p:txBody>
+          <a:bodyPr wrap="square" rtlCol="0">
+            <a:spAutoFit/>
+          </a:bodyPr>
+          <a:lstStyle/>
+          <a:p>
+            <a:pPr algn="ctr"/>
+            <a:r>
+              <a:rPr lang="en-US" dirty="0" smtClean="0"/>
+              <a:t>1 Mbps</a:t>
+            </a:r>
+            <a:endParaRPr lang="en-US" dirty="0"/>
+          </a:p>
+        </p:txBody>
+      </p:sp>
+      <p:sp>
+        <p:nvSpPr>
+          <p:cNvPr id="22" name="TextBox 21"/>
+          <p:cNvSpPr txBox="1"/>
+          <p:nvPr/>
+        </p:nvSpPr>
+        <p:spPr>
+          <a:xfrm>
+            <a:off x="6136944" y="2150388"/>
+            <a:ext cx="2057400" cy="369332"/>
+          </a:xfrm>
+          <a:prstGeom prst="rect">
+            <a:avLst/>
+          </a:prstGeom>
+          <a:noFill/>
+        </p:spPr>
+        <p:txBody>
+          <a:bodyPr wrap="square" rtlCol="0">
+            <a:spAutoFit/>
+          </a:bodyPr>
+          <a:lstStyle/>
+          <a:p>
+            <a:pPr algn="ctr"/>
+            <a:r>
+              <a:rPr lang="en-US" dirty="0"/>
+              <a:t>2</a:t>
+            </a:r>
+            <a:r>
+              <a:rPr lang="en-US" dirty="0" smtClean="0"/>
+              <a:t> Mbps</a:t>
+            </a:r>
+            <a:endParaRPr lang="en-US" dirty="0"/>
+          </a:p>
+        </p:txBody>
+      </p:sp>
+      <p:sp>
+        <p:nvSpPr>
+          <p:cNvPr id="23" name="TextBox 22"/>
+          <p:cNvSpPr txBox="1"/>
+          <p:nvPr/>
+        </p:nvSpPr>
+        <p:spPr>
+          <a:xfrm>
+            <a:off x="1524000" y="4327772"/>
+            <a:ext cx="2057400" cy="369332"/>
+          </a:xfrm>
+          <a:prstGeom prst="rect">
+            <a:avLst/>
+          </a:prstGeom>
+          <a:noFill/>
+        </p:spPr>
+        <p:txBody>
+          <a:bodyPr wrap="square" rtlCol="0">
+            <a:spAutoFit/>
+          </a:bodyPr>
+          <a:lstStyle/>
+          <a:p>
+            <a:pPr algn="ctr"/>
+            <a:r>
+              <a:rPr lang="en-US" dirty="0"/>
+              <a:t>4</a:t>
+            </a:r>
+            <a:r>
+              <a:rPr lang="en-US" dirty="0" smtClean="0"/>
+              <a:t> Mbps</a:t>
+            </a:r>
+            <a:endParaRPr lang="en-US" dirty="0"/>
+          </a:p>
+        </p:txBody>
+      </p:sp>
+      <p:sp>
+        <p:nvSpPr>
+          <p:cNvPr id="24" name="TextBox 23"/>
+          <p:cNvSpPr txBox="1"/>
+          <p:nvPr/>
+        </p:nvSpPr>
+        <p:spPr>
+          <a:xfrm>
+            <a:off x="6144904" y="4321792"/>
+            <a:ext cx="2057400" cy="369332"/>
+          </a:xfrm>
+          <a:prstGeom prst="rect">
+            <a:avLst/>
+          </a:prstGeom>
+          <a:noFill/>
+        </p:spPr>
+        <p:txBody>
+          <a:bodyPr wrap="square" rtlCol="0">
+            <a:spAutoFit/>
+          </a:bodyPr>
+          <a:lstStyle/>
+          <a:p>
+            <a:pPr algn="ctr"/>
+            <a:r>
+              <a:rPr lang="en-US" dirty="0" smtClean="0"/>
+              <a:t>8 Mbps</a:t>
+            </a:r>
+            <a:endParaRPr lang="en-US" dirty="0"/>
+          </a:p>
+        </p:txBody>
+      </p:sp>
+      <p:sp>
+        <p:nvSpPr>
+          <p:cNvPr id="25" name="TextBox 24"/>
+          <p:cNvSpPr txBox="1"/>
+          <p:nvPr/>
+        </p:nvSpPr>
+        <p:spPr>
+          <a:xfrm>
+            <a:off x="1524000" y="6488668"/>
+            <a:ext cx="2057400" cy="369332"/>
+          </a:xfrm>
+          <a:prstGeom prst="rect">
+            <a:avLst/>
+          </a:prstGeom>
+          <a:noFill/>
+        </p:spPr>
+        <p:txBody>
+          <a:bodyPr wrap="square" rtlCol="0">
+            <a:spAutoFit/>
+          </a:bodyPr>
+          <a:lstStyle/>
+          <a:p>
+            <a:pPr algn="ctr"/>
+            <a:r>
+              <a:rPr lang="en-US" dirty="0" smtClean="0"/>
+              <a:t>16 Mbps</a:t>
+            </a:r>
+            <a:endParaRPr lang="en-US" dirty="0"/>
+          </a:p>
+        </p:txBody>
+      </p:sp>
+      <p:sp>
+        <p:nvSpPr>
+          <p:cNvPr id="26" name="TextBox 25"/>
+          <p:cNvSpPr txBox="1"/>
+          <p:nvPr/>
+        </p:nvSpPr>
+        <p:spPr>
+          <a:xfrm>
+            <a:off x="6136944" y="6482688"/>
+            <a:ext cx="2057400" cy="369332"/>
+          </a:xfrm>
+          <a:prstGeom prst="rect">
+            <a:avLst/>
+          </a:prstGeom>
+          <a:noFill/>
+        </p:spPr>
+        <p:txBody>
+          <a:bodyPr wrap="square" rtlCol="0">
+            <a:spAutoFit/>
+          </a:bodyPr>
+          <a:lstStyle/>
+          <a:p>
+            <a:pPr algn="ctr"/>
+            <a:r>
+              <a:rPr lang="en-US" dirty="0" smtClean="0"/>
+              <a:t>32 Mbps</a:t>
+            </a:r>
+            <a:endParaRPr lang="en-US" dirty="0"/>
+          </a:p>
+        </p:txBody>
+      </p:sp>
+      <p:sp>
+        <p:nvSpPr>
+          <p:cNvPr id="27" name="TextBox 26"/>
+          <p:cNvSpPr txBox="1"/>
+          <p:nvPr/>
+        </p:nvSpPr>
+        <p:spPr>
+          <a:xfrm>
+            <a:off x="3505200" y="0"/>
+            <a:ext cx="2057400" cy="369332"/>
+          </a:xfrm>
+          <a:prstGeom prst="rect">
+            <a:avLst/>
+          </a:prstGeom>
+          <a:noFill/>
+        </p:spPr>
+        <p:txBody>
+          <a:bodyPr wrap="square" rtlCol="0">
+            <a:spAutoFit/>
+          </a:bodyPr>
+          <a:lstStyle/>
+          <a:p>
+            <a:pPr algn="ctr"/>
+            <a:r>
+              <a:rPr lang="en-US" dirty="0" smtClean="0"/>
+              <a:t>Throughput</a:t>
+            </a:r>
+            <a:endParaRPr lang="en-US" dirty="0"/>
+          </a:p>
+        </p:txBody>
+      </p:sp>
+    </p:spTree>
+    <p:extLst>
+      <p:ext uri="{BB962C8B-B14F-4D97-AF65-F5344CB8AC3E}">
+        <p14:creationId xmlns:p14="http://schemas.microsoft.com/office/powerpoint/2010/main" val="3711847406"/>
+      </p:ext>
+    </p:extLst>
+  </p:cSld>
+  <p:clrMapOvr>
+    <a:masterClrMapping/>
+  </p:clrMapOvr>
+  <p:timing>
+    <p:tnLst>
+      <p:par>
+        <p:cTn id="1" dur="indefinite" restart="never" nodeType="tmRoot"/>
+      </p:par>
+    </p:tnLst>
+  </p:timing>
+</p:sld>
+</file>
+
+<file path=ppt/slides/slide3.xml><?xml version="1.0" encoding="utf-8"?>
+<p:sld xmlns:a="http://schemas.openxmlformats.org/drawingml/2006/main" xmlns:r="http://schemas.openxmlformats.org/officeDocument/2006/relationships" xmlns:p="http://schemas.openxmlformats.org/presentationml/2006/main">
+  <p:cSld>
+    <p:spTree>
+      <p:nvGrpSpPr>
+        <p:cNvPr id="1" name=""/>
+        <p:cNvGrpSpPr/>
+        <p:nvPr/>
+      </p:nvGrpSpPr>
+      <p:grpSpPr>
+        <a:xfrm>
+          <a:off x="0" y="0"/>
+          <a:ext cx="0" cy="0"/>
+          <a:chOff x="0" y="0"/>
+          <a:chExt cx="0" cy="0"/>
+        </a:xfrm>
+      </p:grpSpPr>
+      <p:sp>
+        <p:nvSpPr>
+          <p:cNvPr id="2" name="Title 1"/>
+          <p:cNvSpPr>
+            <a:spLocks noGrp="1"/>
+          </p:cNvSpPr>
+          <p:nvPr>
+            <p:ph type="title"/>
+          </p:nvPr>
+        </p:nvSpPr>
+        <p:spPr/>
+        <p:txBody>
+          <a:bodyPr/>
+          <a:lstStyle/>
+          <a:p>
+            <a:r>
+              <a:rPr lang="en-US" dirty="0" smtClean="0"/>
+              <a:t>Background of Our Study</a:t>
+            </a:r>
+            <a:endParaRPr lang="en-US" dirty="0"/>
+          </a:p>
+        </p:txBody>
+      </p:sp>
+      <p:sp>
+        <p:nvSpPr>
+          <p:cNvPr id="3" name="Content Placeholder 2"/>
+          <p:cNvSpPr>
+            <a:spLocks noGrp="1"/>
+          </p:cNvSpPr>
+          <p:nvPr>
+            <p:ph idx="1"/>
+          </p:nvPr>
+        </p:nvSpPr>
+        <p:spPr/>
+        <p:txBody>
+          <a:bodyPr/>
+          <a:lstStyle/>
+          <a:p>
+            <a:r>
+              <a:rPr lang="en-US" dirty="0" smtClean="0"/>
+              <a:t>How to increase the spectrum utilization?</a:t>
+            </a:r>
+            <a:endParaRPr lang="en-US" dirty="0"/>
+          </a:p>
+        </p:txBody>
+      </p:sp>
+      <p:pic>
+        <p:nvPicPr>
+          <p:cNvPr id="7" name="Picture 6" descr="crn-0.png"/>
+          <p:cNvPicPr>
+            <a:picLocks noChangeAspect="1"/>
+          </p:cNvPicPr>
+          <p:nvPr/>
+        </p:nvPicPr>
+        <p:blipFill>
+          <a:blip r:embed="rId2"/>
+          <a:stretch>
+            <a:fillRect/>
+          </a:stretch>
+        </p:blipFill>
+        <p:spPr>
+          <a:xfrm>
+            <a:off x="1879600" y="2667000"/>
+            <a:ext cx="5384800" cy="4038600"/>
+          </a:xfrm>
+          <a:prstGeom prst="rect">
+            <a:avLst/>
+          </a:prstGeom>
+        </p:spPr>
+      </p:pic>
+      <p:sp>
+        <p:nvSpPr>
+          <p:cNvPr id="5" name="Slide Number Placeholder 4"/>
+          <p:cNvSpPr>
+            <a:spLocks noGrp="1"/>
+          </p:cNvSpPr>
+          <p:nvPr>
+            <p:ph type="sldNum" sz="quarter" idx="12"/>
+          </p:nvPr>
+        </p:nvSpPr>
+        <p:spPr/>
+        <p:txBody>
+          <a:bodyPr/>
+          <a:lstStyle/>
+          <a:p>
+            <a:fld id="{CF142645-850A-43A6-BF6E-75FA772F8DCF}" type="slidenum">
+              <a:rPr lang="en-US" smtClean="0"/>
+              <a:pPr/>
+              <a:t>3</a:t>
+            </a:fld>
+            <a:endParaRPr lang="en-US" dirty="0"/>
+          </a:p>
+        </p:txBody>
+      </p:sp>
+      <p:pic>
+        <p:nvPicPr>
+          <p:cNvPr id="9" name="Picture 8" descr="pu.png"/>
+          <p:cNvPicPr>
+            <a:picLocks noChangeAspect="1"/>
+          </p:cNvPicPr>
+          <p:nvPr/>
+        </p:nvPicPr>
+        <p:blipFill>
+          <a:blip r:embed="rId3" cstate="print"/>
+          <a:srcRect l="34127" t="20370" r="32011" b="20370"/>
+          <a:stretch>
+            <a:fillRect/>
+          </a:stretch>
+        </p:blipFill>
+        <p:spPr>
+          <a:xfrm>
+            <a:off x="1981200" y="4073216"/>
+            <a:ext cx="533400" cy="700088"/>
+          </a:xfrm>
+          <a:prstGeom prst="rect">
+            <a:avLst/>
+          </a:prstGeom>
+        </p:spPr>
+      </p:pic>
+      <p:pic>
+        <p:nvPicPr>
+          <p:cNvPr id="10" name="Picture 9" descr="pu.png"/>
+          <p:cNvPicPr>
+            <a:picLocks noChangeAspect="1"/>
+          </p:cNvPicPr>
+          <p:nvPr/>
+        </p:nvPicPr>
+        <p:blipFill>
+          <a:blip r:embed="rId3" cstate="print"/>
+          <a:srcRect l="34127" t="20370" r="32011" b="20370"/>
+          <a:stretch>
+            <a:fillRect/>
+          </a:stretch>
+        </p:blipFill>
+        <p:spPr>
+          <a:xfrm>
+            <a:off x="1445528" y="4079544"/>
+            <a:ext cx="533400" cy="700088"/>
+          </a:xfrm>
+          <a:prstGeom prst="rect">
+            <a:avLst/>
+          </a:prstGeom>
+        </p:spPr>
+      </p:pic>
+    </p:spTree>
+  </p:cSld>
+  <p:clrMapOvr>
+    <a:masterClrMapping/>
+  </p:clrMapOvr>
+  <p:timing>
+    <p:tnLst>
+      <p:par>
+        <p:cTn id="1" dur="indefinite" restart="never" nodeType="tmRoot">
+          <p:childTnLst>
+            <p:seq concurrent="1" nextAc="seek">
+              <p:cTn id="2" dur="indefinite" nodeType="mainSeq">
+                <p:childTnLst>
+                  <p:par>
+                    <p:cTn id="3" fill="hold">
+                      <p:stCondLst>
+                        <p:cond delay="indefinite"/>
+                      </p:stCondLst>
+                      <p:childTnLst>
+                        <p:par>
+                          <p:cTn id="4" fill="hold">
+                            <p:stCondLst>
+                              <p:cond delay="0"/>
+                            </p:stCondLst>
+                            <p:childTnLst>
+                              <p:par>
+                                <p:cTn id="5" presetID="0" presetClass="path" presetSubtype="0" accel="50000" decel="50000" fill="hold" nodeType="clickEffect">
+                                  <p:stCondLst>
+                                    <p:cond delay="0"/>
+                                  </p:stCondLst>
+                                  <p:childTnLst>
+                                    <p:animMotion origin="layout" path="M 0.0375 -0.01156 L 0.4375 -0.18918 " pathEditMode="relative" ptsTypes="AA">
+                                      <p:cBhvr>
+                                        <p:cTn id="6" dur="2000" fill="hold"/>
+                                        <p:tgtEl>
+                                          <p:spTgt spid="9"/>
+                                        </p:tgtEl>
+                                        <p:attrNameLst>
+                                          <p:attrName>ppt_x</p:attrName>
+                                          <p:attrName>ppt_y</p:attrName>
+                                        </p:attrNameLst>
+                                      </p:cBhvr>
+                                    </p:animMotion>
+                                  </p:childTnLst>
+                                </p:cTn>
+                              </p:par>
+                              <p:par>
+                                <p:cTn id="7" presetID="0" presetClass="path" presetSubtype="0" accel="50000" decel="50000" fill="hold" nodeType="withEffect">
+                                  <p:stCondLst>
+                                    <p:cond delay="0"/>
+                                  </p:stCondLst>
+                                  <p:childTnLst>
+                                    <p:animMotion origin="layout" path="M 3.61111E-6 4.10731E-6 L 0.496 0.18732 " pathEditMode="relative" rAng="0" ptsTypes="AA">
+                                      <p:cBhvr>
+                                        <p:cTn id="8" dur="2000" fill="hold"/>
+                                        <p:tgtEl>
+                                          <p:spTgt spid="10"/>
+                                        </p:tgtEl>
+                                        <p:attrNameLst>
+                                          <p:attrName>ppt_x</p:attrName>
+                                          <p:attrName>ppt_y</p:attrName>
+                                        </p:attrNameLst>
+                                      </p:cBhvr>
+                                      <p:rCtr x="24800" y="9400"/>
+                                    </p:animMotion>
+                                  </p:childTnLst>
+                                </p:cTn>
+                              </p:par>
+                            </p:childTnLst>
+                          </p:cTn>
+                        </p:par>
+                      </p:childTnLst>
+                    </p:cTn>
+                  </p:par>
+                </p:childTnLst>
+              </p:cTn>
+              <p:prevCondLst>
+                <p:cond evt="onPrev" delay="0">
+                  <p:tgtEl>
+                    <p:sldTgt/>
+                  </p:tgtEl>
+                </p:cond>
+              </p:prevCondLst>
+              <p:nextCondLst>
+                <p:cond evt="onNext" delay="0">
+                  <p:tgtEl>
+                    <p:sldTgt/>
+                  </p:tgtEl>
+                </p:cond>
+              </p:nextCondLst>
+            </p:seq>
+          </p:childTnLst>
+        </p:cTn>
+      </p:par>
+    </p:tnLst>
+  </p:timing>
+</p:sld>
+</file>
+
+<file path=ppt/slides/slide30.xml><?xml version="1.0" encoding="utf-8"?>
+<p:sld xmlns:a="http://schemas.openxmlformats.org/drawingml/2006/main" xmlns:r="http://schemas.openxmlformats.org/officeDocument/2006/relationships" xmlns:p="http://schemas.openxmlformats.org/presentationml/2006/main">
+  <p:cSld>
+    <p:spTree>
+      <p:nvGrpSpPr>
+        <p:cNvPr id="1" name=""/>
+        <p:cNvGrpSpPr/>
+        <p:nvPr/>
+      </p:nvGrpSpPr>
+      <p:grpSpPr>
+        <a:xfrm>
+          <a:off x="0" y="0"/>
+          <a:ext cx="0" cy="0"/>
+          <a:chOff x="0" y="0"/>
+          <a:chExt cx="0" cy="0"/>
+        </a:xfrm>
+      </p:grpSpPr>
+      <p:sp>
+        <p:nvSpPr>
+          <p:cNvPr id="2" name="Title 1"/>
+          <p:cNvSpPr>
+            <a:spLocks noGrp="1"/>
+          </p:cNvSpPr>
+          <p:nvPr>
+            <p:ph type="title"/>
+          </p:nvPr>
+        </p:nvSpPr>
+        <p:spPr/>
+        <p:txBody>
+          <a:bodyPr/>
+          <a:lstStyle/>
+          <a:p>
+            <a:r>
+              <a:rPr lang="en-US" dirty="0" smtClean="0"/>
+              <a:t>Results Obtained So Far</a:t>
+            </a:r>
+            <a:endParaRPr lang="en-US" dirty="0"/>
+          </a:p>
+        </p:txBody>
+      </p:sp>
+      <p:sp>
+        <p:nvSpPr>
+          <p:cNvPr id="3" name="Content Placeholder 2"/>
+          <p:cNvSpPr>
+            <a:spLocks noGrp="1"/>
+          </p:cNvSpPr>
+          <p:nvPr>
+            <p:ph idx="1"/>
+          </p:nvPr>
+        </p:nvSpPr>
+        <p:spPr/>
+        <p:txBody>
+          <a:bodyPr/>
+          <a:lstStyle/>
+          <a:p>
+            <a:r>
+              <a:rPr lang="en-US" dirty="0" smtClean="0"/>
+              <a:t>Constant throughput degradation is no longer present</a:t>
+            </a:r>
+            <a:endParaRPr lang="en-US" dirty="0"/>
+          </a:p>
+        </p:txBody>
+      </p:sp>
+      <p:sp>
+        <p:nvSpPr>
+          <p:cNvPr id="5" name="Slide Number Placeholder 4"/>
+          <p:cNvSpPr>
+            <a:spLocks noGrp="1"/>
+          </p:cNvSpPr>
+          <p:nvPr>
+            <p:ph type="sldNum" sz="quarter" idx="12"/>
+          </p:nvPr>
+        </p:nvSpPr>
+        <p:spPr/>
+        <p:txBody>
+          <a:bodyPr/>
+          <a:lstStyle/>
+          <a:p>
+            <a:fld id="{CF142645-850A-43A6-BF6E-75FA772F8DCF}" type="slidenum">
+              <a:rPr lang="en-US" smtClean="0"/>
+              <a:pPr/>
+              <a:t>30</a:t>
             </a:fld>
             <a:endParaRPr lang="en-US" dirty="0"/>
           </a:p>
@@ -20475,7 +22374,7 @@
 </p:sld>
 </file>
 
-<file path=ppt/slides/slide28.xml><?xml version="1.0" encoding="utf-8"?>
+<file path=ppt/slides/slide31.xml><?xml version="1.0" encoding="utf-8"?>
 <p:sld xmlns:a="http://schemas.openxmlformats.org/drawingml/2006/main" xmlns:r="http://schemas.openxmlformats.org/officeDocument/2006/relationships" xmlns:p="http://schemas.openxmlformats.org/presentationml/2006/main">
   <p:cSld>
     <p:spTree>
@@ -20539,11 +22438,7 @@
             <a:pPr lvl="1"/>
             <a:r>
               <a:rPr lang="en-US" dirty="0" smtClean="0"/>
-              <a:t>delay </a:t>
-            </a:r>
-            <a:r>
-              <a:rPr lang="en-US" dirty="0" smtClean="0"/>
-              <a:t>is almost constant </a:t>
+              <a:t>Delay is almost constant</a:t>
             </a:r>
             <a:endParaRPr lang="en-US" dirty="0"/>
           </a:p>
@@ -20567,294 +22462,7 @@
             <a:fld id="{CF142645-850A-43A6-BF6E-75FA772F8DCF}" type="slidenum">
               <a:rPr lang="en-US" smtClean="0"/>
               <a:pPr/>
-              <a:t>28</a:t>
-            </a:fld>
-            <a:endParaRPr lang="en-US" dirty="0"/>
-          </a:p>
-        </p:txBody>
-      </p:sp>
-      <p:pic>
-        <p:nvPicPr>
-          <p:cNvPr id="4098" name="Picture 2"/>
-          <p:cNvPicPr>
-            <a:picLocks noChangeAspect="1" noChangeArrowheads="1"/>
-          </p:cNvPicPr>
-          <p:nvPr/>
-        </p:nvPicPr>
-        <p:blipFill>
-          <a:blip r:embed="rId2">
-            <a:extLst>
-              <a:ext uri="{28A0092B-C50C-407E-A947-70E740481C1C}">
-                <a14:useLocalDpi xmlns:a14="http://schemas.microsoft.com/office/drawing/2010/main" val="0"/>
-              </a:ext>
-            </a:extLst>
-          </a:blip>
-          <a:srcRect/>
-          <a:stretch>
-            <a:fillRect/>
-          </a:stretch>
-        </p:blipFill>
-        <p:spPr bwMode="auto">
-          <a:xfrm>
-            <a:off x="264181" y="3165764"/>
-            <a:ext cx="8651219" cy="3463636"/>
-          </a:xfrm>
-          <a:prstGeom prst="rect">
-            <a:avLst/>
-          </a:prstGeom>
-          <a:noFill/>
-          <a:ln>
-            <a:noFill/>
-          </a:ln>
-          <a:effectLst/>
-          <a:extLst>
-            <a:ext uri="{909E8E84-426E-40DD-AFC4-6F175D3DCCD1}">
-              <a14:hiddenFill xmlns:a14="http://schemas.microsoft.com/office/drawing/2010/main">
-                <a:solidFill>
-                  <a:schemeClr val="accent1"/>
-                </a:solidFill>
-              </a14:hiddenFill>
-            </a:ext>
-            <a:ext uri="{91240B29-F687-4F45-9708-019B960494DF}">
-              <a14:hiddenLine xmlns:a14="http://schemas.microsoft.com/office/drawing/2010/main" w="9525">
-                <a:solidFill>
-                  <a:schemeClr val="tx1"/>
-                </a:solidFill>
-                <a:miter lim="800000"/>
-                <a:headEnd/>
-                <a:tailEnd/>
-              </a14:hiddenLine>
-            </a:ext>
-            <a:ext uri="{AF507438-7753-43E0-B8FC-AC1667EBCBE1}">
-              <a14:hiddenEffects xmlns:a14="http://schemas.microsoft.com/office/drawing/2010/main">
-                <a:effectLst>
-                  <a:outerShdw dist="35921" dir="2700000" algn="ctr" rotWithShape="0">
-                    <a:schemeClr val="bg2"/>
-                  </a:outerShdw>
-                </a:effectLst>
-              </a14:hiddenEffects>
-            </a:ext>
-          </a:extLst>
-        </p:spPr>
-      </p:pic>
-      <p:cxnSp>
-        <p:nvCxnSpPr>
-          <p:cNvPr id="8" name="Straight Arrow Connector 7"/>
-          <p:cNvCxnSpPr/>
-          <p:nvPr/>
-        </p:nvCxnSpPr>
-        <p:spPr>
-          <a:xfrm flipV="1">
-            <a:off x="1752600" y="5676900"/>
-            <a:ext cx="6858000" cy="114300"/>
-          </a:xfrm>
-          <a:prstGeom prst="straightConnector1">
-            <a:avLst/>
-          </a:prstGeom>
-          <a:ln w="152400">
-            <a:solidFill>
-              <a:schemeClr val="accent2">
-                <a:lumMod val="75000"/>
-              </a:schemeClr>
-            </a:solidFill>
-            <a:tailEnd type="triangle"/>
-          </a:ln>
-        </p:spPr>
-        <p:style>
-          <a:lnRef idx="1">
-            <a:schemeClr val="accent1"/>
-          </a:lnRef>
-          <a:fillRef idx="0">
-            <a:schemeClr val="accent1"/>
-          </a:fillRef>
-          <a:effectRef idx="0">
-            <a:schemeClr val="accent1"/>
-          </a:effectRef>
-          <a:fontRef idx="minor">
-            <a:schemeClr val="tx1"/>
-          </a:fontRef>
-        </p:style>
-      </p:cxnSp>
-    </p:spTree>
-  </p:cSld>
-  <p:clrMapOvr>
-    <a:masterClrMapping/>
-  </p:clrMapOvr>
-  <p:timing>
-    <p:tnLst>
-      <p:par>
-        <p:cTn id="1" dur="indefinite" restart="never" nodeType="tmRoot">
-          <p:childTnLst>
-            <p:seq concurrent="1" nextAc="seek">
-              <p:cTn id="2" dur="indefinite" nodeType="mainSeq">
-                <p:childTnLst>
-                  <p:par>
-                    <p:cTn id="3" fill="hold">
-                      <p:stCondLst>
-                        <p:cond delay="indefinite"/>
-                      </p:stCondLst>
-                      <p:childTnLst>
-                        <p:par>
-                          <p:cTn id="4" fill="hold">
-                            <p:stCondLst>
-                              <p:cond delay="0"/>
-                            </p:stCondLst>
-                            <p:childTnLst>
-                              <p:par>
-                                <p:cTn id="5" presetID="22" presetClass="entr" presetSubtype="8" fill="hold" nodeType="clickEffect">
-                                  <p:stCondLst>
-                                    <p:cond delay="0"/>
-                                  </p:stCondLst>
-                                  <p:childTnLst>
-                                    <p:set>
-                                      <p:cBhvr>
-                                        <p:cTn id="6" dur="1" fill="hold">
-                                          <p:stCondLst>
-                                            <p:cond delay="0"/>
-                                          </p:stCondLst>
-                                        </p:cTn>
-                                        <p:tgtEl>
-                                          <p:spTgt spid="8"/>
-                                        </p:tgtEl>
-                                        <p:attrNameLst>
-                                          <p:attrName>style.visibility</p:attrName>
-                                        </p:attrNameLst>
-                                      </p:cBhvr>
-                                      <p:to>
-                                        <p:strVal val="visible"/>
-                                      </p:to>
-                                    </p:set>
-                                    <p:animEffect transition="in" filter="wipe(left)">
-                                      <p:cBhvr>
-                                        <p:cTn id="7" dur="500"/>
-                                        <p:tgtEl>
-                                          <p:spTgt spid="8"/>
-                                        </p:tgtEl>
-                                      </p:cBhvr>
-                                    </p:animEffect>
-                                  </p:childTnLst>
-                                </p:cTn>
-                              </p:par>
-                            </p:childTnLst>
-                          </p:cTn>
-                        </p:par>
-                      </p:childTnLst>
-                    </p:cTn>
-                  </p:par>
-                </p:childTnLst>
-              </p:cTn>
-              <p:prevCondLst>
-                <p:cond evt="onPrev" delay="0">
-                  <p:tgtEl>
-                    <p:sldTgt/>
-                  </p:tgtEl>
-                </p:cond>
-              </p:prevCondLst>
-              <p:nextCondLst>
-                <p:cond evt="onNext" delay="0">
-                  <p:tgtEl>
-                    <p:sldTgt/>
-                  </p:tgtEl>
-                </p:cond>
-              </p:nextCondLst>
-            </p:seq>
-          </p:childTnLst>
-        </p:cTn>
-      </p:par>
-    </p:tnLst>
-  </p:timing>
-</p:sld>
-</file>
-
-<file path=ppt/slides/slide29.xml><?xml version="1.0" encoding="utf-8"?>
-<p:sld xmlns:a="http://schemas.openxmlformats.org/drawingml/2006/main" xmlns:r="http://schemas.openxmlformats.org/officeDocument/2006/relationships" xmlns:p="http://schemas.openxmlformats.org/presentationml/2006/main">
-  <p:cSld>
-    <p:spTree>
-      <p:nvGrpSpPr>
-        <p:cNvPr id="1" name=""/>
-        <p:cNvGrpSpPr/>
-        <p:nvPr/>
-      </p:nvGrpSpPr>
-      <p:grpSpPr>
-        <a:xfrm>
-          <a:off x="0" y="0"/>
-          <a:ext cx="0" cy="0"/>
-          <a:chOff x="0" y="0"/>
-          <a:chExt cx="0" cy="0"/>
-        </a:xfrm>
-      </p:grpSpPr>
-      <p:sp>
-        <p:nvSpPr>
-          <p:cNvPr id="2" name="Title 1"/>
-          <p:cNvSpPr>
-            <a:spLocks noGrp="1"/>
-          </p:cNvSpPr>
-          <p:nvPr>
-            <p:ph type="title"/>
-          </p:nvPr>
-        </p:nvSpPr>
-        <p:spPr/>
-        <p:txBody>
-          <a:bodyPr/>
-          <a:lstStyle/>
-          <a:p>
-            <a:r>
-              <a:rPr lang="en-US" dirty="0" smtClean="0"/>
-              <a:t>Results Obtained So Far [contd.]</a:t>
-            </a:r>
-            <a:endParaRPr lang="en-US" dirty="0"/>
-          </a:p>
-        </p:txBody>
-      </p:sp>
-      <p:sp>
-        <p:nvSpPr>
-          <p:cNvPr id="3" name="Content Placeholder 2"/>
-          <p:cNvSpPr>
-            <a:spLocks noGrp="1"/>
-          </p:cNvSpPr>
-          <p:nvPr>
-            <p:ph idx="1"/>
-          </p:nvPr>
-        </p:nvSpPr>
-        <p:spPr/>
-        <p:txBody>
-          <a:bodyPr/>
-          <a:lstStyle/>
-          <a:p>
-            <a:r>
-              <a:rPr lang="en-US" dirty="0" smtClean="0"/>
-              <a:t>Constant throughput degradation is no longer present</a:t>
-            </a:r>
-          </a:p>
-          <a:p>
-            <a:pPr lvl="1"/>
-            <a:r>
-              <a:rPr lang="en-US" dirty="0" smtClean="0"/>
-              <a:t>Delay is almost constant</a:t>
-            </a:r>
-            <a:endParaRPr lang="en-US" dirty="0"/>
-          </a:p>
-        </p:txBody>
-      </p:sp>
-      <p:sp>
-        <p:nvSpPr>
-          <p:cNvPr id="5" name="Slide Number Placeholder 4"/>
-          <p:cNvSpPr>
-            <a:spLocks noGrp="1"/>
-          </p:cNvSpPr>
-          <p:nvPr>
-            <p:ph type="sldNum" sz="quarter" idx="12"/>
-          </p:nvPr>
-        </p:nvSpPr>
-        <p:spPr/>
-        <p:txBody>
-          <a:bodyPr/>
-          <a:lstStyle/>
-          <a:p>
-            <a:fld id="{CF142645-850A-43A6-BF6E-75FA772F8DCF}" type="slidenum">
-              <a:rPr lang="en-US" smtClean="0"/>
-              <a:pPr/>
-              <a:t>29</a:t>
+              <a:t>31</a:t>
             </a:fld>
             <a:endParaRPr lang="en-US" dirty="0"/>
           </a:p>
@@ -21057,7 +22665,7 @@
 </p:sld>
 </file>
 
-<file path=ppt/slides/slide3.xml><?xml version="1.0" encoding="utf-8"?>
+<file path=ppt/slides/slide32.xml><?xml version="1.0" encoding="utf-8"?>
 <p:sld xmlns:a="http://schemas.openxmlformats.org/drawingml/2006/main" xmlns:r="http://schemas.openxmlformats.org/officeDocument/2006/relationships" xmlns:p="http://schemas.openxmlformats.org/presentationml/2006/main">
   <p:cSld>
     <p:spTree>
@@ -21091,266 +22699,6 @@
           <a:p>
             <a:r>
               <a:rPr lang="en-US" dirty="0" smtClean="0"/>
-              <a:t>Background of Our Study</a:t>
-            </a:r>
-            <a:endParaRPr lang="en-US" dirty="0"/>
-          </a:p>
-        </p:txBody>
-      </p:sp>
-      <p:sp>
-        <p:nvSpPr>
-          <p:cNvPr id="3" name="Content Placeholder 2"/>
-          <p:cNvSpPr>
-            <a:spLocks noGrp="1"/>
-          </p:cNvSpPr>
-          <p:nvPr>
-            <p:ph idx="1"/>
-          </p:nvPr>
-        </p:nvSpPr>
-        <p:spPr/>
-        <p:txBody>
-          <a:bodyPr/>
-          <a:lstStyle/>
-          <a:p>
-            <a:r>
-              <a:rPr lang="en-US" dirty="0" smtClean="0"/>
-              <a:t>How to increase the spectrum utilization?</a:t>
-            </a:r>
-            <a:endParaRPr lang="en-US" dirty="0"/>
-          </a:p>
-        </p:txBody>
-      </p:sp>
-      <p:pic>
-        <p:nvPicPr>
-          <p:cNvPr id="7" name="Picture 6" descr="crn-0.png"/>
-          <p:cNvPicPr>
-            <a:picLocks noChangeAspect="1"/>
-          </p:cNvPicPr>
-          <p:nvPr/>
-        </p:nvPicPr>
-        <p:blipFill>
-          <a:blip r:embed="rId2"/>
-          <a:stretch>
-            <a:fillRect/>
-          </a:stretch>
-        </p:blipFill>
-        <p:spPr>
-          <a:xfrm>
-            <a:off x="1879600" y="2667000"/>
-            <a:ext cx="5384800" cy="4038600"/>
-          </a:xfrm>
-          <a:prstGeom prst="rect">
-            <a:avLst/>
-          </a:prstGeom>
-        </p:spPr>
-      </p:pic>
-      <p:sp>
-        <p:nvSpPr>
-          <p:cNvPr id="5" name="Slide Number Placeholder 4"/>
-          <p:cNvSpPr>
-            <a:spLocks noGrp="1"/>
-          </p:cNvSpPr>
-          <p:nvPr>
-            <p:ph type="sldNum" sz="quarter" idx="12"/>
-          </p:nvPr>
-        </p:nvSpPr>
-        <p:spPr/>
-        <p:txBody>
-          <a:bodyPr/>
-          <a:lstStyle/>
-          <a:p>
-            <a:fld id="{CF142645-850A-43A6-BF6E-75FA772F8DCF}" type="slidenum">
-              <a:rPr lang="en-US" smtClean="0"/>
-              <a:pPr/>
-              <a:t>3</a:t>
-            </a:fld>
-            <a:endParaRPr lang="en-US" dirty="0"/>
-          </a:p>
-        </p:txBody>
-      </p:sp>
-      <p:pic>
-        <p:nvPicPr>
-          <p:cNvPr id="9" name="Picture 8" descr="pu.png"/>
-          <p:cNvPicPr>
-            <a:picLocks noChangeAspect="1"/>
-          </p:cNvPicPr>
-          <p:nvPr/>
-        </p:nvPicPr>
-        <p:blipFill>
-          <a:blip r:embed="rId3" cstate="print"/>
-          <a:srcRect l="34127" t="20370" r="32011" b="20370"/>
-          <a:stretch>
-            <a:fillRect/>
-          </a:stretch>
-        </p:blipFill>
-        <p:spPr>
-          <a:xfrm>
-            <a:off x="1981200" y="4073216"/>
-            <a:ext cx="533400" cy="700088"/>
-          </a:xfrm>
-          <a:prstGeom prst="rect">
-            <a:avLst/>
-          </a:prstGeom>
-        </p:spPr>
-      </p:pic>
-      <p:pic>
-        <p:nvPicPr>
-          <p:cNvPr id="10" name="Picture 9" descr="pu.png"/>
-          <p:cNvPicPr>
-            <a:picLocks noChangeAspect="1"/>
-          </p:cNvPicPr>
-          <p:nvPr/>
-        </p:nvPicPr>
-        <p:blipFill>
-          <a:blip r:embed="rId3" cstate="print"/>
-          <a:srcRect l="34127" t="20370" r="32011" b="20370"/>
-          <a:stretch>
-            <a:fillRect/>
-          </a:stretch>
-        </p:blipFill>
-        <p:spPr>
-          <a:xfrm>
-            <a:off x="1445528" y="4079544"/>
-            <a:ext cx="533400" cy="700088"/>
-          </a:xfrm>
-          <a:prstGeom prst="rect">
-            <a:avLst/>
-          </a:prstGeom>
-        </p:spPr>
-      </p:pic>
-    </p:spTree>
-  </p:cSld>
-  <p:clrMapOvr>
-    <a:masterClrMapping/>
-  </p:clrMapOvr>
-  <p:timing>
-    <p:tnLst>
-      <p:par>
-        <p:cTn id="1" dur="indefinite" restart="never" nodeType="tmRoot">
-          <p:childTnLst>
-            <p:seq concurrent="1" nextAc="seek">
-              <p:cTn id="2" dur="indefinite" nodeType="mainSeq">
-                <p:childTnLst>
-                  <p:par>
-                    <p:cTn id="3" fill="hold">
-                      <p:stCondLst>
-                        <p:cond delay="indefinite"/>
-                      </p:stCondLst>
-                      <p:childTnLst>
-                        <p:par>
-                          <p:cTn id="4" fill="hold">
-                            <p:stCondLst>
-                              <p:cond delay="0"/>
-                            </p:stCondLst>
-                            <p:childTnLst>
-                              <p:par>
-                                <p:cTn id="5" presetID="0" presetClass="path" presetSubtype="0" accel="50000" decel="50000" fill="hold" nodeType="clickEffect">
-                                  <p:stCondLst>
-                                    <p:cond delay="0"/>
-                                  </p:stCondLst>
-                                  <p:childTnLst>
-                                    <p:animMotion origin="layout" path="M 0.0375 -0.01156 L 0.4375 -0.18918 " pathEditMode="relative" ptsTypes="AA">
-                                      <p:cBhvr>
-                                        <p:cTn id="6" dur="2000" fill="hold"/>
-                                        <p:tgtEl>
-                                          <p:spTgt spid="9"/>
-                                        </p:tgtEl>
-                                        <p:attrNameLst>
-                                          <p:attrName>ppt_x</p:attrName>
-                                          <p:attrName>ppt_y</p:attrName>
-                                        </p:attrNameLst>
-                                      </p:cBhvr>
-                                    </p:animMotion>
-                                  </p:childTnLst>
-                                </p:cTn>
-                              </p:par>
-                              <p:par>
-                                <p:cTn id="7" presetID="0" presetClass="path" presetSubtype="0" accel="50000" decel="50000" fill="hold" nodeType="withEffect">
-                                  <p:stCondLst>
-                                    <p:cond delay="0"/>
-                                  </p:stCondLst>
-                                  <p:childTnLst>
-                                    <p:animMotion origin="layout" path="M 3.61111E-6 4.10731E-6 L 0.496 0.18732 " pathEditMode="relative" rAng="0" ptsTypes="AA">
-                                      <p:cBhvr>
-                                        <p:cTn id="8" dur="2000" fill="hold"/>
-                                        <p:tgtEl>
-                                          <p:spTgt spid="10"/>
-                                        </p:tgtEl>
-                                        <p:attrNameLst>
-                                          <p:attrName>ppt_x</p:attrName>
-                                          <p:attrName>ppt_y</p:attrName>
-                                        </p:attrNameLst>
-                                      </p:cBhvr>
-                                      <p:rCtr x="24800" y="9400"/>
-                                    </p:animMotion>
-                                  </p:childTnLst>
-                                </p:cTn>
-                              </p:par>
-                            </p:childTnLst>
-                          </p:cTn>
-                        </p:par>
-                      </p:childTnLst>
-                    </p:cTn>
-                  </p:par>
-                </p:childTnLst>
-              </p:cTn>
-              <p:prevCondLst>
-                <p:cond evt="onPrev" delay="0">
-                  <p:tgtEl>
-                    <p:sldTgt/>
-                  </p:tgtEl>
-                </p:cond>
-              </p:prevCondLst>
-              <p:nextCondLst>
-                <p:cond evt="onNext" delay="0">
-                  <p:tgtEl>
-                    <p:sldTgt/>
-                  </p:tgtEl>
-                </p:cond>
-              </p:nextCondLst>
-            </p:seq>
-          </p:childTnLst>
-        </p:cTn>
-      </p:par>
-    </p:tnLst>
-  </p:timing>
-</p:sld>
-</file>
-
-<file path=ppt/slides/slide30.xml><?xml version="1.0" encoding="utf-8"?>
-<p:sld xmlns:a="http://schemas.openxmlformats.org/drawingml/2006/main" xmlns:r="http://schemas.openxmlformats.org/officeDocument/2006/relationships" xmlns:p="http://schemas.openxmlformats.org/presentationml/2006/main">
-  <p:cSld>
-    <p:spTree>
-      <p:nvGrpSpPr>
-        <p:cNvPr id="1" name=""/>
-        <p:cNvGrpSpPr/>
-        <p:nvPr/>
-      </p:nvGrpSpPr>
-      <p:grpSpPr>
-        <a:xfrm>
-          <a:off x="0" y="0"/>
-          <a:ext cx="0" cy="0"/>
-          <a:chOff x="0" y="0"/>
-          <a:chExt cx="0" cy="0"/>
-        </a:xfrm>
-      </p:grpSpPr>
-      <p:sp>
-        <p:nvSpPr>
-          <p:cNvPr id="2" name="Title 1"/>
-          <p:cNvSpPr>
-            <a:spLocks noGrp="1"/>
-          </p:cNvSpPr>
-          <p:nvPr>
-            <p:ph type="title"/>
-          </p:nvPr>
-        </p:nvSpPr>
-        <p:spPr/>
-        <p:txBody>
-          <a:bodyPr/>
-          <a:lstStyle/>
-          <a:p>
-            <a:r>
-              <a:rPr lang="en-US" dirty="0" smtClean="0"/>
               <a:t>Conclusion</a:t>
             </a:r>
             <a:endParaRPr lang="en-US" dirty="0"/>
@@ -21383,45 +22731,21 @@
             <a:pPr lvl="1"/>
             <a:r>
               <a:rPr lang="en-US" dirty="0" smtClean="0"/>
-              <a:t>We </a:t>
-            </a:r>
+              <a:t>We proposed a feedback-based multi-radio exploitation approach to solve the problem.</a:t>
+            </a:r>
+          </a:p>
+          <a:p>
+            <a:pPr lvl="1"/>
             <a:r>
               <a:rPr lang="en-US" dirty="0" smtClean="0"/>
-              <a:t>proposed </a:t>
-            </a:r>
+              <a:t>We evaluated the performance of our proposed approach through experimentation.</a:t>
+            </a:r>
+          </a:p>
+          <a:p>
+            <a:pPr lvl="1"/>
             <a:r>
               <a:rPr lang="en-US" dirty="0" smtClean="0"/>
-              <a:t>a feedback-based multi-radio exploitation approach to solve the problem.</a:t>
-            </a:r>
-          </a:p>
-          <a:p>
-            <a:pPr lvl="1"/>
-            <a:r>
-              <a:rPr lang="en-US" dirty="0" smtClean="0"/>
-              <a:t>We </a:t>
-            </a:r>
-            <a:r>
-              <a:rPr lang="en-US" dirty="0" smtClean="0"/>
-              <a:t>evaluated </a:t>
-            </a:r>
-            <a:r>
-              <a:rPr lang="en-US" dirty="0" smtClean="0"/>
-              <a:t>the performance of our proposed approach through experimentation.</a:t>
-            </a:r>
-          </a:p>
-          <a:p>
-            <a:pPr lvl="1"/>
-            <a:r>
-              <a:rPr lang="en-US" dirty="0" smtClean="0"/>
-              <a:t>We </a:t>
-            </a:r>
-            <a:r>
-              <a:rPr lang="en-US" dirty="0" smtClean="0"/>
-              <a:t>compared </a:t>
-            </a:r>
-            <a:r>
-              <a:rPr lang="en-US" dirty="0" smtClean="0"/>
-              <a:t>the performance of our proposed approach with that of other contemporary approaches.</a:t>
+              <a:t>We compared the performance of our proposed approach with that of other contemporary approaches.</a:t>
             </a:r>
             <a:endParaRPr lang="en-US" dirty="0"/>
           </a:p>
@@ -21445,7 +22769,7 @@
             <a:fld id="{CF142645-850A-43A6-BF6E-75FA772F8DCF}" type="slidenum">
               <a:rPr lang="en-US" smtClean="0"/>
               <a:pPr/>
-              <a:t>30</a:t>
+              <a:t>32</a:t>
             </a:fld>
             <a:endParaRPr lang="en-US" dirty="0"/>
           </a:p>
@@ -21466,7 +22790,7 @@
 </p:sld>
 </file>
 
-<file path=ppt/slides/slide31.xml><?xml version="1.0" encoding="utf-8"?>
+<file path=ppt/slides/slide33.xml><?xml version="1.0" encoding="utf-8"?>
 <p:sld xmlns:a="http://schemas.openxmlformats.org/drawingml/2006/main" xmlns:r="http://schemas.openxmlformats.org/officeDocument/2006/relationships" xmlns:p="http://schemas.openxmlformats.org/presentationml/2006/main">
   <p:cSld>
     <p:spTree>
@@ -21532,7 +22856,7 @@
             <a:fld id="{CF142645-850A-43A6-BF6E-75FA772F8DCF}" type="slidenum">
               <a:rPr lang="en-US" smtClean="0"/>
               <a:pPr/>
-              <a:t>31</a:t>
+              <a:t>33</a:t>
             </a:fld>
             <a:endParaRPr lang="en-US" dirty="0"/>
           </a:p>
@@ -21553,7 +22877,7 @@
 </p:sld>
 </file>
 
-<file path=ppt/slides/slide32.xml><?xml version="1.0" encoding="utf-8"?>
+<file path=ppt/slides/slide34.xml><?xml version="1.0" encoding="utf-8"?>
 <p:sld xmlns:a="http://schemas.openxmlformats.org/drawingml/2006/main" xmlns:r="http://schemas.openxmlformats.org/officeDocument/2006/relationships" xmlns:p="http://schemas.openxmlformats.org/presentationml/2006/main">
   <p:cSld>
     <p:spTree>
@@ -21929,7 +23253,7 @@
             <a:fld id="{CF142645-850A-43A6-BF6E-75FA772F8DCF}" type="slidenum">
               <a:rPr lang="en-US" smtClean="0"/>
               <a:pPr/>
-              <a:t>32</a:t>
+              <a:t>34</a:t>
             </a:fld>
             <a:endParaRPr lang="en-US" dirty="0"/>
           </a:p>
@@ -21950,7 +23274,7 @@
 </p:sld>
 </file>
 
-<file path=ppt/slides/slide33.xml><?xml version="1.0" encoding="utf-8"?>
+<file path=ppt/slides/slide35.xml><?xml version="1.0" encoding="utf-8"?>
 <p:sld xmlns:a="http://schemas.openxmlformats.org/drawingml/2006/main" xmlns:r="http://schemas.openxmlformats.org/officeDocument/2006/relationships" xmlns:p="http://schemas.openxmlformats.org/presentationml/2006/main">
   <p:cSld>
     <p:spTree>
@@ -22176,7 +23500,7 @@
             <a:fld id="{CF142645-850A-43A6-BF6E-75FA772F8DCF}" type="slidenum">
               <a:rPr lang="en-US" smtClean="0"/>
               <a:pPr/>
-              <a:t>33</a:t>
+              <a:t>35</a:t>
             </a:fld>
             <a:endParaRPr lang="en-US" dirty="0"/>
           </a:p>

--- a/draft.pptx
+++ b/draft.pptx
@@ -19,7 +19,7 @@
     <p:sldId id="279" r:id="rId10"/>
     <p:sldId id="280" r:id="rId11"/>
     <p:sldId id="281" r:id="rId12"/>
-    <p:sldId id="296" r:id="rId13"/>
+    <p:sldId id="339" r:id="rId13"/>
     <p:sldId id="320" r:id="rId14"/>
     <p:sldId id="287" r:id="rId15"/>
     <p:sldId id="297" r:id="rId16"/>
@@ -149,3069 +149,6 @@
 </p:presentation>
 </file>
 
-<file path=ppt/diagrams/colors1.xml><?xml version="1.0" encoding="utf-8"?>
-<dgm:colorsDef xmlns:dgm="http://schemas.openxmlformats.org/drawingml/2006/diagram" xmlns:a="http://schemas.openxmlformats.org/drawingml/2006/main" uniqueId="urn:microsoft.com/office/officeart/2005/8/colors/accent1_2">
-  <dgm:title val=""/>
-  <dgm:desc val=""/>
-  <dgm:catLst>
-    <dgm:cat type="accent1" pri="11200"/>
-  </dgm:catLst>
-  <dgm:styleLbl name="node0">
-    <dgm:fillClrLst meth="repeat">
-      <a:schemeClr val="accent1"/>
-    </dgm:fillClrLst>
-    <dgm:linClrLst meth="repeat">
-      <a:schemeClr val="lt1"/>
-    </dgm:linClrLst>
-    <dgm:effectClrLst/>
-    <dgm:txLinClrLst/>
-    <dgm:txFillClrLst/>
-    <dgm:txEffectClrLst/>
-  </dgm:styleLbl>
-  <dgm:styleLbl name="alignNode1">
-    <dgm:fillClrLst meth="repeat">
-      <a:schemeClr val="accent1"/>
-    </dgm:fillClrLst>
-    <dgm:linClrLst meth="repeat">
-      <a:schemeClr val="accent1"/>
-    </dgm:linClrLst>
-    <dgm:effectClrLst/>
-    <dgm:txLinClrLst/>
-    <dgm:txFillClrLst/>
-    <dgm:txEffectClrLst/>
-  </dgm:styleLbl>
-  <dgm:styleLbl name="node1">
-    <dgm:fillClrLst meth="repeat">
-      <a:schemeClr val="accent1"/>
-    </dgm:fillClrLst>
-    <dgm:linClrLst meth="repeat">
-      <a:schemeClr val="lt1"/>
-    </dgm:linClrLst>
-    <dgm:effectClrLst/>
-    <dgm:txLinClrLst/>
-    <dgm:txFillClrLst/>
-    <dgm:txEffectClrLst/>
-  </dgm:styleLbl>
-  <dgm:styleLbl name="lnNode1">
-    <dgm:fillClrLst meth="repeat">
-      <a:schemeClr val="accent1"/>
-    </dgm:fillClrLst>
-    <dgm:linClrLst meth="repeat">
-      <a:schemeClr val="lt1"/>
-    </dgm:linClrLst>
-    <dgm:effectClrLst/>
-    <dgm:txLinClrLst/>
-    <dgm:txFillClrLst/>
-    <dgm:txEffectClrLst/>
-  </dgm:styleLbl>
-  <dgm:styleLbl name="vennNode1">
-    <dgm:fillClrLst meth="repeat">
-      <a:schemeClr val="accent1">
-        <a:alpha val="50000"/>
-      </a:schemeClr>
-    </dgm:fillClrLst>
-    <dgm:linClrLst meth="repeat">
-      <a:schemeClr val="lt1"/>
-    </dgm:linClrLst>
-    <dgm:effectClrLst/>
-    <dgm:txLinClrLst/>
-    <dgm:txFillClrLst/>
-    <dgm:txEffectClrLst/>
-  </dgm:styleLbl>
-  <dgm:styleLbl name="node2">
-    <dgm:fillClrLst meth="repeat">
-      <a:schemeClr val="accent1"/>
-    </dgm:fillClrLst>
-    <dgm:linClrLst meth="repeat">
-      <a:schemeClr val="lt1"/>
-    </dgm:linClrLst>
-    <dgm:effectClrLst/>
-    <dgm:txLinClrLst/>
-    <dgm:txFillClrLst/>
-    <dgm:txEffectClrLst/>
-  </dgm:styleLbl>
-  <dgm:styleLbl name="node3">
-    <dgm:fillClrLst meth="repeat">
-      <a:schemeClr val="accent1"/>
-    </dgm:fillClrLst>
-    <dgm:linClrLst meth="repeat">
-      <a:schemeClr val="lt1"/>
-    </dgm:linClrLst>
-    <dgm:effectClrLst/>
-    <dgm:txLinClrLst/>
-    <dgm:txFillClrLst/>
-    <dgm:txEffectClrLst/>
-  </dgm:styleLbl>
-  <dgm:styleLbl name="node4">
-    <dgm:fillClrLst meth="repeat">
-      <a:schemeClr val="accent1"/>
-    </dgm:fillClrLst>
-    <dgm:linClrLst meth="repeat">
-      <a:schemeClr val="lt1"/>
-    </dgm:linClrLst>
-    <dgm:effectClrLst/>
-    <dgm:txLinClrLst/>
-    <dgm:txFillClrLst/>
-    <dgm:txEffectClrLst/>
-  </dgm:styleLbl>
-  <dgm:styleLbl name="fgImgPlace1">
-    <dgm:fillClrLst meth="repeat">
-      <a:schemeClr val="accent1">
-        <a:tint val="50000"/>
-      </a:schemeClr>
-    </dgm:fillClrLst>
-    <dgm:linClrLst meth="repeat">
-      <a:schemeClr val="lt1"/>
-    </dgm:linClrLst>
-    <dgm:effectClrLst/>
-    <dgm:txLinClrLst/>
-    <dgm:txFillClrLst meth="repeat">
-      <a:schemeClr val="lt1"/>
-    </dgm:txFillClrLst>
-    <dgm:txEffectClrLst/>
-  </dgm:styleLbl>
-  <dgm:styleLbl name="alignImgPlace1">
-    <dgm:fillClrLst meth="repeat">
-      <a:schemeClr val="accent1">
-        <a:tint val="50000"/>
-      </a:schemeClr>
-    </dgm:fillClrLst>
-    <dgm:linClrLst meth="repeat">
-      <a:schemeClr val="lt1"/>
-    </dgm:linClrLst>
-    <dgm:effectClrLst/>
-    <dgm:txLinClrLst/>
-    <dgm:txFillClrLst meth="repeat">
-      <a:schemeClr val="lt1"/>
-    </dgm:txFillClrLst>
-    <dgm:txEffectClrLst/>
-  </dgm:styleLbl>
-  <dgm:styleLbl name="bgImgPlace1">
-    <dgm:fillClrLst meth="repeat">
-      <a:schemeClr val="accent1">
-        <a:tint val="50000"/>
-      </a:schemeClr>
-    </dgm:fillClrLst>
-    <dgm:linClrLst meth="repeat">
-      <a:schemeClr val="lt1"/>
-    </dgm:linClrLst>
-    <dgm:effectClrLst/>
-    <dgm:txLinClrLst/>
-    <dgm:txFillClrLst meth="repeat">
-      <a:schemeClr val="lt1"/>
-    </dgm:txFillClrLst>
-    <dgm:txEffectClrLst/>
-  </dgm:styleLbl>
-  <dgm:styleLbl name="sibTrans2D1">
-    <dgm:fillClrLst meth="repeat">
-      <a:schemeClr val="accent1">
-        <a:tint val="60000"/>
-      </a:schemeClr>
-    </dgm:fillClrLst>
-    <dgm:linClrLst meth="repeat">
-      <a:schemeClr val="accent1">
-        <a:tint val="60000"/>
-      </a:schemeClr>
-    </dgm:linClrLst>
-    <dgm:effectClrLst/>
-    <dgm:txLinClrLst/>
-    <dgm:txFillClrLst/>
-    <dgm:txEffectClrLst/>
-  </dgm:styleLbl>
-  <dgm:styleLbl name="fgSibTrans2D1">
-    <dgm:fillClrLst meth="repeat">
-      <a:schemeClr val="accent1">
-        <a:tint val="60000"/>
-      </a:schemeClr>
-    </dgm:fillClrLst>
-    <dgm:linClrLst meth="repeat">
-      <a:schemeClr val="accent1">
-        <a:tint val="60000"/>
-      </a:schemeClr>
-    </dgm:linClrLst>
-    <dgm:effectClrLst/>
-    <dgm:txLinClrLst/>
-    <dgm:txFillClrLst/>
-    <dgm:txEffectClrLst/>
-  </dgm:styleLbl>
-  <dgm:styleLbl name="bgSibTrans2D1">
-    <dgm:fillClrLst meth="repeat">
-      <a:schemeClr val="accent1">
-        <a:tint val="60000"/>
-      </a:schemeClr>
-    </dgm:fillClrLst>
-    <dgm:linClrLst meth="repeat">
-      <a:schemeClr val="accent1">
-        <a:tint val="60000"/>
-      </a:schemeClr>
-    </dgm:linClrLst>
-    <dgm:effectClrLst/>
-    <dgm:txLinClrLst/>
-    <dgm:txFillClrLst/>
-    <dgm:txEffectClrLst/>
-  </dgm:styleLbl>
-  <dgm:styleLbl name="sibTrans1D1">
-    <dgm:fillClrLst meth="repeat">
-      <a:schemeClr val="accent1"/>
-    </dgm:fillClrLst>
-    <dgm:linClrLst meth="repeat">
-      <a:schemeClr val="accent1"/>
-    </dgm:linClrLst>
-    <dgm:effectClrLst/>
-    <dgm:txLinClrLst/>
-    <dgm:txFillClrLst meth="repeat">
-      <a:schemeClr val="tx1"/>
-    </dgm:txFillClrLst>
-    <dgm:txEffectClrLst/>
-  </dgm:styleLbl>
-  <dgm:styleLbl name="callout">
-    <dgm:fillClrLst meth="repeat">
-      <a:schemeClr val="accent1"/>
-    </dgm:fillClrLst>
-    <dgm:linClrLst meth="repeat">
-      <a:schemeClr val="accent1">
-        <a:tint val="50000"/>
-      </a:schemeClr>
-    </dgm:linClrLst>
-    <dgm:effectClrLst/>
-    <dgm:txLinClrLst/>
-    <dgm:txFillClrLst meth="repeat">
-      <a:schemeClr val="tx1"/>
-    </dgm:txFillClrLst>
-    <dgm:txEffectClrLst/>
-  </dgm:styleLbl>
-  <dgm:styleLbl name="asst0">
-    <dgm:fillClrLst meth="repeat">
-      <a:schemeClr val="accent1"/>
-    </dgm:fillClrLst>
-    <dgm:linClrLst meth="repeat">
-      <a:schemeClr val="lt1"/>
-    </dgm:linClrLst>
-    <dgm:effectClrLst/>
-    <dgm:txLinClrLst/>
-    <dgm:txFillClrLst/>
-    <dgm:txEffectClrLst/>
-  </dgm:styleLbl>
-  <dgm:styleLbl name="asst1">
-    <dgm:fillClrLst meth="repeat">
-      <a:schemeClr val="accent1"/>
-    </dgm:fillClrLst>
-    <dgm:linClrLst meth="repeat">
-      <a:schemeClr val="lt1"/>
-    </dgm:linClrLst>
-    <dgm:effectClrLst/>
-    <dgm:txLinClrLst/>
-    <dgm:txFillClrLst/>
-    <dgm:txEffectClrLst/>
-  </dgm:styleLbl>
-  <dgm:styleLbl name="asst2">
-    <dgm:fillClrLst meth="repeat">
-      <a:schemeClr val="accent1"/>
-    </dgm:fillClrLst>
-    <dgm:linClrLst meth="repeat">
-      <a:schemeClr val="lt1"/>
-    </dgm:linClrLst>
-    <dgm:effectClrLst/>
-    <dgm:txLinClrLst/>
-    <dgm:txFillClrLst/>
-    <dgm:txEffectClrLst/>
-  </dgm:styleLbl>
-  <dgm:styleLbl name="asst3">
-    <dgm:fillClrLst meth="repeat">
-      <a:schemeClr val="accent1"/>
-    </dgm:fillClrLst>
-    <dgm:linClrLst meth="repeat">
-      <a:schemeClr val="lt1"/>
-    </dgm:linClrLst>
-    <dgm:effectClrLst/>
-    <dgm:txLinClrLst/>
-    <dgm:txFillClrLst/>
-    <dgm:txEffectClrLst/>
-  </dgm:styleLbl>
-  <dgm:styleLbl name="asst4">
-    <dgm:fillClrLst meth="repeat">
-      <a:schemeClr val="accent1"/>
-    </dgm:fillClrLst>
-    <dgm:linClrLst meth="repeat">
-      <a:schemeClr val="lt1"/>
-    </dgm:linClrLst>
-    <dgm:effectClrLst/>
-    <dgm:txLinClrLst/>
-    <dgm:txFillClrLst/>
-    <dgm:txEffectClrLst/>
-  </dgm:styleLbl>
-  <dgm:styleLbl name="parChTrans2D1">
-    <dgm:fillClrLst meth="repeat">
-      <a:schemeClr val="accent1">
-        <a:tint val="60000"/>
-      </a:schemeClr>
-    </dgm:fillClrLst>
-    <dgm:linClrLst meth="repeat">
-      <a:schemeClr val="accent1">
-        <a:tint val="60000"/>
-      </a:schemeClr>
-    </dgm:linClrLst>
-    <dgm:effectClrLst/>
-    <dgm:txLinClrLst/>
-    <dgm:txFillClrLst meth="repeat">
-      <a:schemeClr val="lt1"/>
-    </dgm:txFillClrLst>
-    <dgm:txEffectClrLst/>
-  </dgm:styleLbl>
-  <dgm:styleLbl name="parChTrans2D2">
-    <dgm:fillClrLst meth="repeat">
-      <a:schemeClr val="accent1"/>
-    </dgm:fillClrLst>
-    <dgm:linClrLst meth="repeat">
-      <a:schemeClr val="accent1"/>
-    </dgm:linClrLst>
-    <dgm:effectClrLst/>
-    <dgm:txLinClrLst/>
-    <dgm:txFillClrLst meth="repeat">
-      <a:schemeClr val="lt1"/>
-    </dgm:txFillClrLst>
-    <dgm:txEffectClrLst/>
-  </dgm:styleLbl>
-  <dgm:styleLbl name="parChTrans2D3">
-    <dgm:fillClrLst meth="repeat">
-      <a:schemeClr val="accent1"/>
-    </dgm:fillClrLst>
-    <dgm:linClrLst meth="repeat">
-      <a:schemeClr val="accent1"/>
-    </dgm:linClrLst>
-    <dgm:effectClrLst/>
-    <dgm:txLinClrLst/>
-    <dgm:txFillClrLst meth="repeat">
-      <a:schemeClr val="lt1"/>
-    </dgm:txFillClrLst>
-    <dgm:txEffectClrLst/>
-  </dgm:styleLbl>
-  <dgm:styleLbl name="parChTrans2D4">
-    <dgm:fillClrLst meth="repeat">
-      <a:schemeClr val="accent1"/>
-    </dgm:fillClrLst>
-    <dgm:linClrLst meth="repeat">
-      <a:schemeClr val="accent1"/>
-    </dgm:linClrLst>
-    <dgm:effectClrLst/>
-    <dgm:txLinClrLst/>
-    <dgm:txFillClrLst meth="repeat">
-      <a:schemeClr val="lt1"/>
-    </dgm:txFillClrLst>
-    <dgm:txEffectClrLst/>
-  </dgm:styleLbl>
-  <dgm:styleLbl name="parChTrans1D1">
-    <dgm:fillClrLst meth="repeat">
-      <a:schemeClr val="accent1"/>
-    </dgm:fillClrLst>
-    <dgm:linClrLst meth="repeat">
-      <a:schemeClr val="accent1">
-        <a:shade val="60000"/>
-      </a:schemeClr>
-    </dgm:linClrLst>
-    <dgm:effectClrLst/>
-    <dgm:txLinClrLst/>
-    <dgm:txFillClrLst meth="repeat">
-      <a:schemeClr val="tx1"/>
-    </dgm:txFillClrLst>
-    <dgm:txEffectClrLst/>
-  </dgm:styleLbl>
-  <dgm:styleLbl name="parChTrans1D2">
-    <dgm:fillClrLst meth="repeat">
-      <a:schemeClr val="accent1"/>
-    </dgm:fillClrLst>
-    <dgm:linClrLst meth="repeat">
-      <a:schemeClr val="accent1">
-        <a:shade val="60000"/>
-      </a:schemeClr>
-    </dgm:linClrLst>
-    <dgm:effectClrLst/>
-    <dgm:txLinClrLst/>
-    <dgm:txFillClrLst meth="repeat">
-      <a:schemeClr val="tx1"/>
-    </dgm:txFillClrLst>
-    <dgm:txEffectClrLst/>
-  </dgm:styleLbl>
-  <dgm:styleLbl name="parChTrans1D3">
-    <dgm:fillClrLst meth="repeat">
-      <a:schemeClr val="accent1"/>
-    </dgm:fillClrLst>
-    <dgm:linClrLst meth="repeat">
-      <a:schemeClr val="accent1">
-        <a:shade val="80000"/>
-      </a:schemeClr>
-    </dgm:linClrLst>
-    <dgm:effectClrLst/>
-    <dgm:txLinClrLst/>
-    <dgm:txFillClrLst meth="repeat">
-      <a:schemeClr val="tx1"/>
-    </dgm:txFillClrLst>
-    <dgm:txEffectClrLst/>
-  </dgm:styleLbl>
-  <dgm:styleLbl name="parChTrans1D4">
-    <dgm:fillClrLst meth="repeat">
-      <a:schemeClr val="accent1"/>
-    </dgm:fillClrLst>
-    <dgm:linClrLst meth="repeat">
-      <a:schemeClr val="accent1">
-        <a:shade val="80000"/>
-      </a:schemeClr>
-    </dgm:linClrLst>
-    <dgm:effectClrLst/>
-    <dgm:txLinClrLst/>
-    <dgm:txFillClrLst meth="repeat">
-      <a:schemeClr val="tx1"/>
-    </dgm:txFillClrLst>
-    <dgm:txEffectClrLst/>
-  </dgm:styleLbl>
-  <dgm:styleLbl name="fgAcc1">
-    <dgm:fillClrLst meth="repeat">
-      <a:schemeClr val="lt1">
-        <a:alpha val="90000"/>
-      </a:schemeClr>
-    </dgm:fillClrLst>
-    <dgm:linClrLst meth="repeat">
-      <a:schemeClr val="accent1"/>
-    </dgm:linClrLst>
-    <dgm:effectClrLst/>
-    <dgm:txLinClrLst/>
-    <dgm:txFillClrLst meth="repeat">
-      <a:schemeClr val="dk1"/>
-    </dgm:txFillClrLst>
-    <dgm:txEffectClrLst/>
-  </dgm:styleLbl>
-  <dgm:styleLbl name="conFgAcc1">
-    <dgm:fillClrLst meth="repeat">
-      <a:schemeClr val="lt1">
-        <a:alpha val="90000"/>
-      </a:schemeClr>
-    </dgm:fillClrLst>
-    <dgm:linClrLst meth="repeat">
-      <a:schemeClr val="accent1"/>
-    </dgm:linClrLst>
-    <dgm:effectClrLst/>
-    <dgm:txLinClrLst/>
-    <dgm:txFillClrLst meth="repeat">
-      <a:schemeClr val="dk1"/>
-    </dgm:txFillClrLst>
-    <dgm:txEffectClrLst/>
-  </dgm:styleLbl>
-  <dgm:styleLbl name="alignAcc1">
-    <dgm:fillClrLst meth="repeat">
-      <a:schemeClr val="lt1">
-        <a:alpha val="90000"/>
-      </a:schemeClr>
-    </dgm:fillClrLst>
-    <dgm:linClrLst meth="repeat">
-      <a:schemeClr val="accent1"/>
-    </dgm:linClrLst>
-    <dgm:effectClrLst/>
-    <dgm:txLinClrLst/>
-    <dgm:txFillClrLst meth="repeat">
-      <a:schemeClr val="dk1"/>
-    </dgm:txFillClrLst>
-    <dgm:txEffectClrLst/>
-  </dgm:styleLbl>
-  <dgm:styleLbl name="trAlignAcc1">
-    <dgm:fillClrLst meth="repeat">
-      <a:schemeClr val="lt1">
-        <a:alpha val="40000"/>
-      </a:schemeClr>
-    </dgm:fillClrLst>
-    <dgm:linClrLst meth="repeat">
-      <a:schemeClr val="accent1"/>
-    </dgm:linClrLst>
-    <dgm:effectClrLst/>
-    <dgm:txLinClrLst/>
-    <dgm:txFillClrLst meth="repeat">
-      <a:schemeClr val="dk1"/>
-    </dgm:txFillClrLst>
-    <dgm:txEffectClrLst/>
-  </dgm:styleLbl>
-  <dgm:styleLbl name="bgAcc1">
-    <dgm:fillClrLst meth="repeat">
-      <a:schemeClr val="lt1">
-        <a:alpha val="90000"/>
-      </a:schemeClr>
-    </dgm:fillClrLst>
-    <dgm:linClrLst meth="repeat">
-      <a:schemeClr val="accent1"/>
-    </dgm:linClrLst>
-    <dgm:effectClrLst/>
-    <dgm:txLinClrLst/>
-    <dgm:txFillClrLst meth="repeat">
-      <a:schemeClr val="dk1"/>
-    </dgm:txFillClrLst>
-    <dgm:txEffectClrLst/>
-  </dgm:styleLbl>
-  <dgm:styleLbl name="solidFgAcc1">
-    <dgm:fillClrLst meth="repeat">
-      <a:schemeClr val="lt1"/>
-    </dgm:fillClrLst>
-    <dgm:linClrLst meth="repeat">
-      <a:schemeClr val="accent1"/>
-    </dgm:linClrLst>
-    <dgm:effectClrLst/>
-    <dgm:txLinClrLst/>
-    <dgm:txFillClrLst meth="repeat">
-      <a:schemeClr val="dk1"/>
-    </dgm:txFillClrLst>
-    <dgm:txEffectClrLst/>
-  </dgm:styleLbl>
-  <dgm:styleLbl name="solidAlignAcc1">
-    <dgm:fillClrLst meth="repeat">
-      <a:schemeClr val="lt1"/>
-    </dgm:fillClrLst>
-    <dgm:linClrLst meth="repeat">
-      <a:schemeClr val="accent1"/>
-    </dgm:linClrLst>
-    <dgm:effectClrLst/>
-    <dgm:txLinClrLst/>
-    <dgm:txFillClrLst meth="repeat">
-      <a:schemeClr val="dk1"/>
-    </dgm:txFillClrLst>
-    <dgm:txEffectClrLst/>
-  </dgm:styleLbl>
-  <dgm:styleLbl name="solidBgAcc1">
-    <dgm:fillClrLst meth="repeat">
-      <a:schemeClr val="lt1"/>
-    </dgm:fillClrLst>
-    <dgm:linClrLst meth="repeat">
-      <a:schemeClr val="accent1"/>
-    </dgm:linClrLst>
-    <dgm:effectClrLst/>
-    <dgm:txLinClrLst/>
-    <dgm:txFillClrLst meth="repeat">
-      <a:schemeClr val="dk1"/>
-    </dgm:txFillClrLst>
-    <dgm:txEffectClrLst/>
-  </dgm:styleLbl>
-  <dgm:styleLbl name="fgAccFollowNode1">
-    <dgm:fillClrLst meth="repeat">
-      <a:schemeClr val="accent1">
-        <a:alpha val="90000"/>
-        <a:tint val="40000"/>
-      </a:schemeClr>
-    </dgm:fillClrLst>
-    <dgm:linClrLst meth="repeat">
-      <a:schemeClr val="accent1">
-        <a:alpha val="90000"/>
-        <a:tint val="40000"/>
-      </a:schemeClr>
-    </dgm:linClrLst>
-    <dgm:effectClrLst/>
-    <dgm:txLinClrLst/>
-    <dgm:txFillClrLst meth="repeat">
-      <a:schemeClr val="dk1"/>
-    </dgm:txFillClrLst>
-    <dgm:txEffectClrLst/>
-  </dgm:styleLbl>
-  <dgm:styleLbl name="alignAccFollowNode1">
-    <dgm:fillClrLst meth="repeat">
-      <a:schemeClr val="accent1">
-        <a:alpha val="90000"/>
-        <a:tint val="40000"/>
-      </a:schemeClr>
-    </dgm:fillClrLst>
-    <dgm:linClrLst meth="repeat">
-      <a:schemeClr val="accent1">
-        <a:alpha val="90000"/>
-        <a:tint val="40000"/>
-      </a:schemeClr>
-    </dgm:linClrLst>
-    <dgm:effectClrLst/>
-    <dgm:txLinClrLst/>
-    <dgm:txFillClrLst meth="repeat">
-      <a:schemeClr val="dk1"/>
-    </dgm:txFillClrLst>
-    <dgm:txEffectClrLst/>
-  </dgm:styleLbl>
-  <dgm:styleLbl name="bgAccFollowNode1">
-    <dgm:fillClrLst meth="repeat">
-      <a:schemeClr val="accent1">
-        <a:alpha val="90000"/>
-        <a:tint val="40000"/>
-      </a:schemeClr>
-    </dgm:fillClrLst>
-    <dgm:linClrLst meth="repeat">
-      <a:schemeClr val="accent1">
-        <a:alpha val="90000"/>
-        <a:tint val="40000"/>
-      </a:schemeClr>
-    </dgm:linClrLst>
-    <dgm:effectClrLst/>
-    <dgm:txLinClrLst/>
-    <dgm:txFillClrLst meth="repeat">
-      <a:schemeClr val="dk1"/>
-    </dgm:txFillClrLst>
-    <dgm:txEffectClrLst/>
-  </dgm:styleLbl>
-  <dgm:styleLbl name="fgAcc0">
-    <dgm:fillClrLst meth="repeat">
-      <a:schemeClr val="lt1">
-        <a:alpha val="90000"/>
-      </a:schemeClr>
-    </dgm:fillClrLst>
-    <dgm:linClrLst meth="repeat">
-      <a:schemeClr val="accent1"/>
-    </dgm:linClrLst>
-    <dgm:effectClrLst/>
-    <dgm:txLinClrLst/>
-    <dgm:txFillClrLst meth="repeat">
-      <a:schemeClr val="dk1"/>
-    </dgm:txFillClrLst>
-    <dgm:txEffectClrLst/>
-  </dgm:styleLbl>
-  <dgm:styleLbl name="fgAcc2">
-    <dgm:fillClrLst meth="repeat">
-      <a:schemeClr val="lt1">
-        <a:alpha val="90000"/>
-      </a:schemeClr>
-    </dgm:fillClrLst>
-    <dgm:linClrLst meth="repeat">
-      <a:schemeClr val="accent1"/>
-    </dgm:linClrLst>
-    <dgm:effectClrLst/>
-    <dgm:txLinClrLst/>
-    <dgm:txFillClrLst meth="repeat">
-      <a:schemeClr val="dk1"/>
-    </dgm:txFillClrLst>
-    <dgm:txEffectClrLst/>
-  </dgm:styleLbl>
-  <dgm:styleLbl name="fgAcc3">
-    <dgm:fillClrLst meth="repeat">
-      <a:schemeClr val="lt1">
-        <a:alpha val="90000"/>
-      </a:schemeClr>
-    </dgm:fillClrLst>
-    <dgm:linClrLst meth="repeat">
-      <a:schemeClr val="accent1"/>
-    </dgm:linClrLst>
-    <dgm:effectClrLst/>
-    <dgm:txLinClrLst/>
-    <dgm:txFillClrLst meth="repeat">
-      <a:schemeClr val="dk1"/>
-    </dgm:txFillClrLst>
-    <dgm:txEffectClrLst/>
-  </dgm:styleLbl>
-  <dgm:styleLbl name="fgAcc4">
-    <dgm:fillClrLst meth="repeat">
-      <a:schemeClr val="lt1">
-        <a:alpha val="90000"/>
-      </a:schemeClr>
-    </dgm:fillClrLst>
-    <dgm:linClrLst meth="repeat">
-      <a:schemeClr val="accent1"/>
-    </dgm:linClrLst>
-    <dgm:effectClrLst/>
-    <dgm:txLinClrLst/>
-    <dgm:txFillClrLst meth="repeat">
-      <a:schemeClr val="dk1"/>
-    </dgm:txFillClrLst>
-    <dgm:txEffectClrLst/>
-  </dgm:styleLbl>
-  <dgm:styleLbl name="bgShp">
-    <dgm:fillClrLst meth="repeat">
-      <a:schemeClr val="accent1">
-        <a:tint val="40000"/>
-      </a:schemeClr>
-    </dgm:fillClrLst>
-    <dgm:linClrLst meth="repeat">
-      <a:schemeClr val="accent1"/>
-    </dgm:linClrLst>
-    <dgm:effectClrLst/>
-    <dgm:txLinClrLst/>
-    <dgm:txFillClrLst meth="repeat">
-      <a:schemeClr val="dk1"/>
-    </dgm:txFillClrLst>
-    <dgm:txEffectClrLst/>
-  </dgm:styleLbl>
-  <dgm:styleLbl name="dkBgShp">
-    <dgm:fillClrLst meth="repeat">
-      <a:schemeClr val="accent1">
-        <a:shade val="80000"/>
-      </a:schemeClr>
-    </dgm:fillClrLst>
-    <dgm:linClrLst meth="repeat">
-      <a:schemeClr val="accent1"/>
-    </dgm:linClrLst>
-    <dgm:effectClrLst/>
-    <dgm:txLinClrLst/>
-    <dgm:txFillClrLst meth="repeat">
-      <a:schemeClr val="lt1"/>
-    </dgm:txFillClrLst>
-    <dgm:txEffectClrLst/>
-  </dgm:styleLbl>
-  <dgm:styleLbl name="trBgShp">
-    <dgm:fillClrLst meth="repeat">
-      <a:schemeClr val="accent1">
-        <a:tint val="50000"/>
-        <a:alpha val="40000"/>
-      </a:schemeClr>
-    </dgm:fillClrLst>
-    <dgm:linClrLst meth="repeat">
-      <a:schemeClr val="accent1"/>
-    </dgm:linClrLst>
-    <dgm:effectClrLst/>
-    <dgm:txLinClrLst/>
-    <dgm:txFillClrLst meth="repeat">
-      <a:schemeClr val="lt1"/>
-    </dgm:txFillClrLst>
-    <dgm:txEffectClrLst/>
-  </dgm:styleLbl>
-  <dgm:styleLbl name="fgShp">
-    <dgm:fillClrLst meth="repeat">
-      <a:schemeClr val="accent1">
-        <a:tint val="60000"/>
-      </a:schemeClr>
-    </dgm:fillClrLst>
-    <dgm:linClrLst meth="repeat">
-      <a:schemeClr val="lt1"/>
-    </dgm:linClrLst>
-    <dgm:effectClrLst/>
-    <dgm:txLinClrLst/>
-    <dgm:txFillClrLst meth="repeat">
-      <a:schemeClr val="dk1"/>
-    </dgm:txFillClrLst>
-    <dgm:txEffectClrLst/>
-  </dgm:styleLbl>
-  <dgm:styleLbl name="revTx">
-    <dgm:fillClrLst meth="repeat">
-      <a:schemeClr val="lt1">
-        <a:alpha val="0"/>
-      </a:schemeClr>
-    </dgm:fillClrLst>
-    <dgm:linClrLst meth="repeat">
-      <a:schemeClr val="dk1">
-        <a:alpha val="0"/>
-      </a:schemeClr>
-    </dgm:linClrLst>
-    <dgm:effectClrLst/>
-    <dgm:txLinClrLst/>
-    <dgm:txFillClrLst meth="repeat">
-      <a:schemeClr val="tx1"/>
-    </dgm:txFillClrLst>
-    <dgm:txEffectClrLst/>
-  </dgm:styleLbl>
-</dgm:colorsDef>
-</file>
-
-<file path=ppt/diagrams/data1.xml><?xml version="1.0" encoding="utf-8"?>
-<dgm:dataModel xmlns:dgm="http://schemas.openxmlformats.org/drawingml/2006/diagram" xmlns:a="http://schemas.openxmlformats.org/drawingml/2006/main">
-  <dgm:ptLst>
-    <dgm:pt modelId="{B63C605C-6EE4-4006-86B1-7423E4A42AAB}" type="doc">
-      <dgm:prSet loTypeId="urn:microsoft.com/office/officeart/2005/8/layout/radial4" loCatId="relationship" qsTypeId="urn:microsoft.com/office/officeart/2005/8/quickstyle/simple1" qsCatId="simple" csTypeId="urn:microsoft.com/office/officeart/2005/8/colors/accent1_2" csCatId="accent1" phldr="1"/>
-      <dgm:spPr/>
-      <dgm:t>
-        <a:bodyPr/>
-        <a:lstStyle/>
-        <a:p>
-          <a:endParaRPr lang="en-US"/>
-        </a:p>
-      </dgm:t>
-    </dgm:pt>
-    <dgm:pt modelId="{AA3CE64F-D819-489B-BAEC-07FD176286AA}">
-      <dgm:prSet phldrT="[Text]" custT="1"/>
-      <dgm:spPr/>
-      <dgm:t>
-        <a:bodyPr/>
-        <a:lstStyle/>
-        <a:p>
-          <a:r>
-            <a:rPr lang="en-US" sz="2400" b="1" dirty="0" smtClean="0"/>
-            <a:t>CRNs</a:t>
-          </a:r>
-          <a:endParaRPr lang="en-US" sz="2400" b="1" dirty="0"/>
-        </a:p>
-      </dgm:t>
-    </dgm:pt>
-    <dgm:pt modelId="{9C8B5E2E-40E0-4841-B383-4E4975348CAC}" type="parTrans" cxnId="{E6B25780-D3ED-40F8-9B74-DC68FC79B053}">
-      <dgm:prSet/>
-      <dgm:spPr/>
-      <dgm:t>
-        <a:bodyPr/>
-        <a:lstStyle/>
-        <a:p>
-          <a:endParaRPr lang="en-US"/>
-        </a:p>
-      </dgm:t>
-    </dgm:pt>
-    <dgm:pt modelId="{A9E38521-4FDC-4065-AD88-741E39BA6ACD}" type="sibTrans" cxnId="{E6B25780-D3ED-40F8-9B74-DC68FC79B053}">
-      <dgm:prSet/>
-      <dgm:spPr/>
-      <dgm:t>
-        <a:bodyPr/>
-        <a:lstStyle/>
-        <a:p>
-          <a:endParaRPr lang="en-US"/>
-        </a:p>
-      </dgm:t>
-    </dgm:pt>
-    <dgm:pt modelId="{99ACB726-CEC4-46B6-96D8-7E08646B254D}">
-      <dgm:prSet phldrT="[Text]"/>
-      <dgm:spPr/>
-      <dgm:t>
-        <a:bodyPr/>
-        <a:lstStyle/>
-        <a:p>
-          <a:r>
-            <a:rPr lang="en-US" dirty="0" smtClean="0"/>
-            <a:t>High-Speed Rural Internet</a:t>
-          </a:r>
-          <a:endParaRPr lang="en-US" dirty="0"/>
-        </a:p>
-      </dgm:t>
-    </dgm:pt>
-    <dgm:pt modelId="{0A3DC9CD-B8FF-4806-A756-2EAB23FC78F5}" type="parTrans" cxnId="{D0C9E044-F062-495F-9895-534008E0EB9F}">
-      <dgm:prSet/>
-      <dgm:spPr/>
-      <dgm:t>
-        <a:bodyPr/>
-        <a:lstStyle/>
-        <a:p>
-          <a:endParaRPr lang="en-US"/>
-        </a:p>
-      </dgm:t>
-    </dgm:pt>
-    <dgm:pt modelId="{8D1E7AD8-7BF4-4844-91D2-0EDE872050B8}" type="sibTrans" cxnId="{D0C9E044-F062-495F-9895-534008E0EB9F}">
-      <dgm:prSet/>
-      <dgm:spPr/>
-      <dgm:t>
-        <a:bodyPr/>
-        <a:lstStyle/>
-        <a:p>
-          <a:endParaRPr lang="en-US"/>
-        </a:p>
-      </dgm:t>
-    </dgm:pt>
-    <dgm:pt modelId="{B0E2C893-C694-4CB9-AAD4-F301A33A0D9F}">
-      <dgm:prSet phldrT="[Text]"/>
-      <dgm:spPr/>
-      <dgm:t>
-        <a:bodyPr/>
-        <a:lstStyle/>
-        <a:p>
-          <a:r>
-            <a:rPr lang="en-US" dirty="0" smtClean="0"/>
-            <a:t>Military Networks</a:t>
-          </a:r>
-          <a:endParaRPr lang="en-US" dirty="0"/>
-        </a:p>
-      </dgm:t>
-    </dgm:pt>
-    <dgm:pt modelId="{EC6A4DBA-70C7-44CD-B4BE-9E0062960D1D}" type="parTrans" cxnId="{A3430334-65B7-400D-9275-F52D77C3E344}">
-      <dgm:prSet/>
-      <dgm:spPr/>
-      <dgm:t>
-        <a:bodyPr/>
-        <a:lstStyle/>
-        <a:p>
-          <a:endParaRPr lang="en-US"/>
-        </a:p>
-      </dgm:t>
-    </dgm:pt>
-    <dgm:pt modelId="{1ABBC383-770A-4CE4-AB1D-E4EB6D07C90F}" type="sibTrans" cxnId="{A3430334-65B7-400D-9275-F52D77C3E344}">
-      <dgm:prSet/>
-      <dgm:spPr/>
-      <dgm:t>
-        <a:bodyPr/>
-        <a:lstStyle/>
-        <a:p>
-          <a:endParaRPr lang="en-US"/>
-        </a:p>
-      </dgm:t>
-    </dgm:pt>
-    <dgm:pt modelId="{1B60FA66-C723-4A5E-838D-D864305013A1}">
-      <dgm:prSet phldrT="[Text]"/>
-      <dgm:spPr/>
-      <dgm:t>
-        <a:bodyPr/>
-        <a:lstStyle/>
-        <a:p>
-          <a:r>
-            <a:rPr lang="en-US" dirty="0" smtClean="0"/>
-            <a:t>Emergency Networks</a:t>
-          </a:r>
-          <a:endParaRPr lang="en-US" dirty="0"/>
-        </a:p>
-      </dgm:t>
-    </dgm:pt>
-    <dgm:pt modelId="{CE2A035D-4416-4A28-9909-4FB4243AF238}" type="parTrans" cxnId="{754B3736-BCB5-41AD-A7A4-97CD822F13E4}">
-      <dgm:prSet/>
-      <dgm:spPr/>
-      <dgm:t>
-        <a:bodyPr/>
-        <a:lstStyle/>
-        <a:p>
-          <a:endParaRPr lang="en-US"/>
-        </a:p>
-      </dgm:t>
-    </dgm:pt>
-    <dgm:pt modelId="{3FB9F396-8817-4895-BC35-3FFFA3E01B01}" type="sibTrans" cxnId="{754B3736-BCB5-41AD-A7A4-97CD822F13E4}">
-      <dgm:prSet/>
-      <dgm:spPr/>
-      <dgm:t>
-        <a:bodyPr/>
-        <a:lstStyle/>
-        <a:p>
-          <a:endParaRPr lang="en-US"/>
-        </a:p>
-      </dgm:t>
-    </dgm:pt>
-    <dgm:pt modelId="{EEAE959C-8B41-42F0-9C34-86DA2D2322C3}">
-      <dgm:prSet phldrT="[Text]"/>
-      <dgm:spPr/>
-      <dgm:t>
-        <a:bodyPr/>
-        <a:lstStyle/>
-        <a:p>
-          <a:r>
-            <a:rPr lang="en-US" dirty="0" smtClean="0"/>
-            <a:t>Multimedia</a:t>
-          </a:r>
-          <a:endParaRPr lang="en-US" dirty="0"/>
-        </a:p>
-      </dgm:t>
-    </dgm:pt>
-    <dgm:pt modelId="{93C87172-1244-4780-A281-3605DB047D00}" type="parTrans" cxnId="{BE7C72DE-42E2-4C47-8ACB-447C8E07AA89}">
-      <dgm:prSet/>
-      <dgm:spPr/>
-      <dgm:t>
-        <a:bodyPr/>
-        <a:lstStyle/>
-        <a:p>
-          <a:endParaRPr lang="en-US"/>
-        </a:p>
-      </dgm:t>
-    </dgm:pt>
-    <dgm:pt modelId="{9305EB60-9E48-4B47-8F9C-A4732A3BDE2E}" type="sibTrans" cxnId="{BE7C72DE-42E2-4C47-8ACB-447C8E07AA89}">
-      <dgm:prSet/>
-      <dgm:spPr/>
-      <dgm:t>
-        <a:bodyPr/>
-        <a:lstStyle/>
-        <a:p>
-          <a:endParaRPr lang="en-US"/>
-        </a:p>
-      </dgm:t>
-    </dgm:pt>
-    <dgm:pt modelId="{87DE4747-4315-404F-B30D-B55E344B6F3E}">
-      <dgm:prSet phldrT="[Text]"/>
-      <dgm:spPr/>
-      <dgm:t>
-        <a:bodyPr/>
-        <a:lstStyle/>
-        <a:p>
-          <a:endParaRPr lang="en-US" dirty="0"/>
-        </a:p>
-      </dgm:t>
-    </dgm:pt>
-    <dgm:pt modelId="{447317A3-3A71-4196-A81A-03565559C2D5}" type="parTrans" cxnId="{44A866A1-B624-4E71-9B64-6991B4FA1AB6}">
-      <dgm:prSet/>
-      <dgm:spPr/>
-      <dgm:t>
-        <a:bodyPr/>
-        <a:lstStyle/>
-        <a:p>
-          <a:endParaRPr lang="en-US"/>
-        </a:p>
-      </dgm:t>
-    </dgm:pt>
-    <dgm:pt modelId="{43640BAD-610E-49EF-B765-C2B2D3C038E5}" type="sibTrans" cxnId="{44A866A1-B624-4E71-9B64-6991B4FA1AB6}">
-      <dgm:prSet/>
-      <dgm:spPr/>
-      <dgm:t>
-        <a:bodyPr/>
-        <a:lstStyle/>
-        <a:p>
-          <a:endParaRPr lang="en-US"/>
-        </a:p>
-      </dgm:t>
-    </dgm:pt>
-    <dgm:pt modelId="{5A9EDD65-DD39-4E93-A885-12252E5DB0AB}">
-      <dgm:prSet phldrT="[Text]"/>
-      <dgm:spPr/>
-      <dgm:t>
-        <a:bodyPr/>
-        <a:lstStyle/>
-        <a:p>
-          <a:endParaRPr lang="en-US" dirty="0"/>
-        </a:p>
-      </dgm:t>
-    </dgm:pt>
-    <dgm:pt modelId="{FC2F9543-60B1-4FA5-8810-09573A76B4FD}" type="parTrans" cxnId="{CE0D2520-E64D-4AD3-8C7D-839345038FC5}">
-      <dgm:prSet/>
-      <dgm:spPr/>
-      <dgm:t>
-        <a:bodyPr/>
-        <a:lstStyle/>
-        <a:p>
-          <a:endParaRPr lang="en-US"/>
-        </a:p>
-      </dgm:t>
-    </dgm:pt>
-    <dgm:pt modelId="{22DF15FB-B743-4570-8C11-490F24B6B12A}" type="sibTrans" cxnId="{CE0D2520-E64D-4AD3-8C7D-839345038FC5}">
-      <dgm:prSet/>
-      <dgm:spPr/>
-      <dgm:t>
-        <a:bodyPr/>
-        <a:lstStyle/>
-        <a:p>
-          <a:endParaRPr lang="en-US"/>
-        </a:p>
-      </dgm:t>
-    </dgm:pt>
-    <dgm:pt modelId="{8BC262D8-76E4-4907-B14A-660F9BF09A09}" type="pres">
-      <dgm:prSet presAssocID="{B63C605C-6EE4-4006-86B1-7423E4A42AAB}" presName="cycle" presStyleCnt="0">
-        <dgm:presLayoutVars>
-          <dgm:chMax val="1"/>
-          <dgm:dir/>
-          <dgm:animLvl val="ctr"/>
-          <dgm:resizeHandles val="exact"/>
-        </dgm:presLayoutVars>
-      </dgm:prSet>
-      <dgm:spPr/>
-      <dgm:t>
-        <a:bodyPr/>
-        <a:lstStyle/>
-        <a:p>
-          <a:endParaRPr lang="en-US"/>
-        </a:p>
-      </dgm:t>
-    </dgm:pt>
-    <dgm:pt modelId="{C5D450F5-4A4B-45F5-B81D-8B42E8C47EE8}" type="pres">
-      <dgm:prSet presAssocID="{AA3CE64F-D819-489B-BAEC-07FD176286AA}" presName="centerShape" presStyleLbl="node0" presStyleIdx="0" presStyleCnt="1"/>
-      <dgm:spPr/>
-      <dgm:t>
-        <a:bodyPr/>
-        <a:lstStyle/>
-        <a:p>
-          <a:endParaRPr lang="en-US"/>
-        </a:p>
-      </dgm:t>
-    </dgm:pt>
-    <dgm:pt modelId="{8C40008D-58B9-46E1-A1EB-A58B4C11D4E0}" type="pres">
-      <dgm:prSet presAssocID="{0A3DC9CD-B8FF-4806-A756-2EAB23FC78F5}" presName="parTrans" presStyleLbl="bgSibTrans2D1" presStyleIdx="0" presStyleCnt="4"/>
-      <dgm:spPr/>
-      <dgm:t>
-        <a:bodyPr/>
-        <a:lstStyle/>
-        <a:p>
-          <a:endParaRPr lang="en-US"/>
-        </a:p>
-      </dgm:t>
-    </dgm:pt>
-    <dgm:pt modelId="{6B1B8E19-ABB2-4D79-8B2B-B60A10E613B6}" type="pres">
-      <dgm:prSet presAssocID="{99ACB726-CEC4-46B6-96D8-7E08646B254D}" presName="node" presStyleLbl="node1" presStyleIdx="0" presStyleCnt="4">
-        <dgm:presLayoutVars>
-          <dgm:bulletEnabled val="1"/>
-        </dgm:presLayoutVars>
-      </dgm:prSet>
-      <dgm:spPr/>
-      <dgm:t>
-        <a:bodyPr/>
-        <a:lstStyle/>
-        <a:p>
-          <a:endParaRPr lang="en-US"/>
-        </a:p>
-      </dgm:t>
-    </dgm:pt>
-    <dgm:pt modelId="{FA01325E-2A60-46C3-B202-7FE6FC76E583}" type="pres">
-      <dgm:prSet presAssocID="{EC6A4DBA-70C7-44CD-B4BE-9E0062960D1D}" presName="parTrans" presStyleLbl="bgSibTrans2D1" presStyleIdx="1" presStyleCnt="4"/>
-      <dgm:spPr/>
-      <dgm:t>
-        <a:bodyPr/>
-        <a:lstStyle/>
-        <a:p>
-          <a:endParaRPr lang="en-US"/>
-        </a:p>
-      </dgm:t>
-    </dgm:pt>
-    <dgm:pt modelId="{3B5905D3-CF2D-4E97-9112-DA1EC00C5319}" type="pres">
-      <dgm:prSet presAssocID="{B0E2C893-C694-4CB9-AAD4-F301A33A0D9F}" presName="node" presStyleLbl="node1" presStyleIdx="1" presStyleCnt="4">
-        <dgm:presLayoutVars>
-          <dgm:bulletEnabled val="1"/>
-        </dgm:presLayoutVars>
-      </dgm:prSet>
-      <dgm:spPr/>
-      <dgm:t>
-        <a:bodyPr/>
-        <a:lstStyle/>
-        <a:p>
-          <a:endParaRPr lang="en-US"/>
-        </a:p>
-      </dgm:t>
-    </dgm:pt>
-    <dgm:pt modelId="{7EAAD3A5-E457-4B40-9910-A21236FBC020}" type="pres">
-      <dgm:prSet presAssocID="{CE2A035D-4416-4A28-9909-4FB4243AF238}" presName="parTrans" presStyleLbl="bgSibTrans2D1" presStyleIdx="2" presStyleCnt="4"/>
-      <dgm:spPr/>
-      <dgm:t>
-        <a:bodyPr/>
-        <a:lstStyle/>
-        <a:p>
-          <a:endParaRPr lang="en-US"/>
-        </a:p>
-      </dgm:t>
-    </dgm:pt>
-    <dgm:pt modelId="{68F9F1A1-6803-4F1B-8746-C55F9EB8AC61}" type="pres">
-      <dgm:prSet presAssocID="{1B60FA66-C723-4A5E-838D-D864305013A1}" presName="node" presStyleLbl="node1" presStyleIdx="2" presStyleCnt="4">
-        <dgm:presLayoutVars>
-          <dgm:bulletEnabled val="1"/>
-        </dgm:presLayoutVars>
-      </dgm:prSet>
-      <dgm:spPr/>
-      <dgm:t>
-        <a:bodyPr/>
-        <a:lstStyle/>
-        <a:p>
-          <a:endParaRPr lang="en-US"/>
-        </a:p>
-      </dgm:t>
-    </dgm:pt>
-    <dgm:pt modelId="{95E9FF46-DD33-4EF7-A118-B0B2CD258E8D}" type="pres">
-      <dgm:prSet presAssocID="{93C87172-1244-4780-A281-3605DB047D00}" presName="parTrans" presStyleLbl="bgSibTrans2D1" presStyleIdx="3" presStyleCnt="4"/>
-      <dgm:spPr/>
-      <dgm:t>
-        <a:bodyPr/>
-        <a:lstStyle/>
-        <a:p>
-          <a:endParaRPr lang="en-US"/>
-        </a:p>
-      </dgm:t>
-    </dgm:pt>
-    <dgm:pt modelId="{FB467A8B-A7C8-4530-96BD-E870AC4E5070}" type="pres">
-      <dgm:prSet presAssocID="{EEAE959C-8B41-42F0-9C34-86DA2D2322C3}" presName="node" presStyleLbl="node1" presStyleIdx="3" presStyleCnt="4">
-        <dgm:presLayoutVars>
-          <dgm:bulletEnabled val="1"/>
-        </dgm:presLayoutVars>
-      </dgm:prSet>
-      <dgm:spPr/>
-      <dgm:t>
-        <a:bodyPr/>
-        <a:lstStyle/>
-        <a:p>
-          <a:endParaRPr lang="en-US"/>
-        </a:p>
-      </dgm:t>
-    </dgm:pt>
-  </dgm:ptLst>
-  <dgm:cxnLst>
-    <dgm:cxn modelId="{D0C9E044-F062-495F-9895-534008E0EB9F}" srcId="{AA3CE64F-D819-489B-BAEC-07FD176286AA}" destId="{99ACB726-CEC4-46B6-96D8-7E08646B254D}" srcOrd="0" destOrd="0" parTransId="{0A3DC9CD-B8FF-4806-A756-2EAB23FC78F5}" sibTransId="{8D1E7AD8-7BF4-4844-91D2-0EDE872050B8}"/>
-    <dgm:cxn modelId="{C01B5D72-F243-4C7A-A2A4-D304CA50FF34}" type="presOf" srcId="{AA3CE64F-D819-489B-BAEC-07FD176286AA}" destId="{C5D450F5-4A4B-45F5-B81D-8B42E8C47EE8}" srcOrd="0" destOrd="0" presId="urn:microsoft.com/office/officeart/2005/8/layout/radial4"/>
-    <dgm:cxn modelId="{BE7C72DE-42E2-4C47-8ACB-447C8E07AA89}" srcId="{AA3CE64F-D819-489B-BAEC-07FD176286AA}" destId="{EEAE959C-8B41-42F0-9C34-86DA2D2322C3}" srcOrd="3" destOrd="0" parTransId="{93C87172-1244-4780-A281-3605DB047D00}" sibTransId="{9305EB60-9E48-4B47-8F9C-A4732A3BDE2E}"/>
-    <dgm:cxn modelId="{47235DCE-642B-4DE9-89F7-18141223784F}" type="presOf" srcId="{CE2A035D-4416-4A28-9909-4FB4243AF238}" destId="{7EAAD3A5-E457-4B40-9910-A21236FBC020}" srcOrd="0" destOrd="0" presId="urn:microsoft.com/office/officeart/2005/8/layout/radial4"/>
-    <dgm:cxn modelId="{CE0D2520-E64D-4AD3-8C7D-839345038FC5}" srcId="{B63C605C-6EE4-4006-86B1-7423E4A42AAB}" destId="{5A9EDD65-DD39-4E93-A885-12252E5DB0AB}" srcOrd="1" destOrd="0" parTransId="{FC2F9543-60B1-4FA5-8810-09573A76B4FD}" sibTransId="{22DF15FB-B743-4570-8C11-490F24B6B12A}"/>
-    <dgm:cxn modelId="{754B3736-BCB5-41AD-A7A4-97CD822F13E4}" srcId="{AA3CE64F-D819-489B-BAEC-07FD176286AA}" destId="{1B60FA66-C723-4A5E-838D-D864305013A1}" srcOrd="2" destOrd="0" parTransId="{CE2A035D-4416-4A28-9909-4FB4243AF238}" sibTransId="{3FB9F396-8817-4895-BC35-3FFFA3E01B01}"/>
-    <dgm:cxn modelId="{A3430334-65B7-400D-9275-F52D77C3E344}" srcId="{AA3CE64F-D819-489B-BAEC-07FD176286AA}" destId="{B0E2C893-C694-4CB9-AAD4-F301A33A0D9F}" srcOrd="1" destOrd="0" parTransId="{EC6A4DBA-70C7-44CD-B4BE-9E0062960D1D}" sibTransId="{1ABBC383-770A-4CE4-AB1D-E4EB6D07C90F}"/>
-    <dgm:cxn modelId="{36EF1103-8EFD-4D8B-9D56-D0A706A95B44}" type="presOf" srcId="{93C87172-1244-4780-A281-3605DB047D00}" destId="{95E9FF46-DD33-4EF7-A118-B0B2CD258E8D}" srcOrd="0" destOrd="0" presId="urn:microsoft.com/office/officeart/2005/8/layout/radial4"/>
-    <dgm:cxn modelId="{65229995-0585-46FE-A835-4C6EAF14A77E}" type="presOf" srcId="{EC6A4DBA-70C7-44CD-B4BE-9E0062960D1D}" destId="{FA01325E-2A60-46C3-B202-7FE6FC76E583}" srcOrd="0" destOrd="0" presId="urn:microsoft.com/office/officeart/2005/8/layout/radial4"/>
-    <dgm:cxn modelId="{5DC4997E-69CD-4F5B-8667-F74AF5499301}" type="presOf" srcId="{B0E2C893-C694-4CB9-AAD4-F301A33A0D9F}" destId="{3B5905D3-CF2D-4E97-9112-DA1EC00C5319}" srcOrd="0" destOrd="0" presId="urn:microsoft.com/office/officeart/2005/8/layout/radial4"/>
-    <dgm:cxn modelId="{509C6A6A-AD81-4B76-9D4E-35FB9EF75693}" type="presOf" srcId="{B63C605C-6EE4-4006-86B1-7423E4A42AAB}" destId="{8BC262D8-76E4-4907-B14A-660F9BF09A09}" srcOrd="0" destOrd="0" presId="urn:microsoft.com/office/officeart/2005/8/layout/radial4"/>
-    <dgm:cxn modelId="{5E6DCB2D-CE80-4EE8-9B46-12D82444E6E2}" type="presOf" srcId="{0A3DC9CD-B8FF-4806-A756-2EAB23FC78F5}" destId="{8C40008D-58B9-46E1-A1EB-A58B4C11D4E0}" srcOrd="0" destOrd="0" presId="urn:microsoft.com/office/officeart/2005/8/layout/radial4"/>
-    <dgm:cxn modelId="{E6B25780-D3ED-40F8-9B74-DC68FC79B053}" srcId="{B63C605C-6EE4-4006-86B1-7423E4A42AAB}" destId="{AA3CE64F-D819-489B-BAEC-07FD176286AA}" srcOrd="0" destOrd="0" parTransId="{9C8B5E2E-40E0-4841-B383-4E4975348CAC}" sibTransId="{A9E38521-4FDC-4065-AD88-741E39BA6ACD}"/>
-    <dgm:cxn modelId="{174B6618-7084-49CD-9E1A-A39689428C0B}" type="presOf" srcId="{1B60FA66-C723-4A5E-838D-D864305013A1}" destId="{68F9F1A1-6803-4F1B-8746-C55F9EB8AC61}" srcOrd="0" destOrd="0" presId="urn:microsoft.com/office/officeart/2005/8/layout/radial4"/>
-    <dgm:cxn modelId="{4636C219-692D-4B1B-8E0F-2E213F3BD94D}" type="presOf" srcId="{EEAE959C-8B41-42F0-9C34-86DA2D2322C3}" destId="{FB467A8B-A7C8-4530-96BD-E870AC4E5070}" srcOrd="0" destOrd="0" presId="urn:microsoft.com/office/officeart/2005/8/layout/radial4"/>
-    <dgm:cxn modelId="{D0737538-94ED-470C-9DA9-D82327BF3CC2}" type="presOf" srcId="{99ACB726-CEC4-46B6-96D8-7E08646B254D}" destId="{6B1B8E19-ABB2-4D79-8B2B-B60A10E613B6}" srcOrd="0" destOrd="0" presId="urn:microsoft.com/office/officeart/2005/8/layout/radial4"/>
-    <dgm:cxn modelId="{44A866A1-B624-4E71-9B64-6991B4FA1AB6}" srcId="{B63C605C-6EE4-4006-86B1-7423E4A42AAB}" destId="{87DE4747-4315-404F-B30D-B55E344B6F3E}" srcOrd="2" destOrd="0" parTransId="{447317A3-3A71-4196-A81A-03565559C2D5}" sibTransId="{43640BAD-610E-49EF-B765-C2B2D3C038E5}"/>
-    <dgm:cxn modelId="{49944CBB-D577-4B02-929C-8F86C6807B76}" type="presParOf" srcId="{8BC262D8-76E4-4907-B14A-660F9BF09A09}" destId="{C5D450F5-4A4B-45F5-B81D-8B42E8C47EE8}" srcOrd="0" destOrd="0" presId="urn:microsoft.com/office/officeart/2005/8/layout/radial4"/>
-    <dgm:cxn modelId="{78064F9F-7EEE-4F61-BC20-DF3A892EC55C}" type="presParOf" srcId="{8BC262D8-76E4-4907-B14A-660F9BF09A09}" destId="{8C40008D-58B9-46E1-A1EB-A58B4C11D4E0}" srcOrd="1" destOrd="0" presId="urn:microsoft.com/office/officeart/2005/8/layout/radial4"/>
-    <dgm:cxn modelId="{5B18FC7A-178A-46D2-903D-BCF729619A1D}" type="presParOf" srcId="{8BC262D8-76E4-4907-B14A-660F9BF09A09}" destId="{6B1B8E19-ABB2-4D79-8B2B-B60A10E613B6}" srcOrd="2" destOrd="0" presId="urn:microsoft.com/office/officeart/2005/8/layout/radial4"/>
-    <dgm:cxn modelId="{33DFECF4-7412-424E-9587-61037C728295}" type="presParOf" srcId="{8BC262D8-76E4-4907-B14A-660F9BF09A09}" destId="{FA01325E-2A60-46C3-B202-7FE6FC76E583}" srcOrd="3" destOrd="0" presId="urn:microsoft.com/office/officeart/2005/8/layout/radial4"/>
-    <dgm:cxn modelId="{DA58C8EF-951B-452F-8397-9BBFA2AFAFFC}" type="presParOf" srcId="{8BC262D8-76E4-4907-B14A-660F9BF09A09}" destId="{3B5905D3-CF2D-4E97-9112-DA1EC00C5319}" srcOrd="4" destOrd="0" presId="urn:microsoft.com/office/officeart/2005/8/layout/radial4"/>
-    <dgm:cxn modelId="{352E39D5-0A8A-4367-B5E2-E8D91543FF52}" type="presParOf" srcId="{8BC262D8-76E4-4907-B14A-660F9BF09A09}" destId="{7EAAD3A5-E457-4B40-9910-A21236FBC020}" srcOrd="5" destOrd="0" presId="urn:microsoft.com/office/officeart/2005/8/layout/radial4"/>
-    <dgm:cxn modelId="{FBB138AC-8A45-4533-992A-169889274E61}" type="presParOf" srcId="{8BC262D8-76E4-4907-B14A-660F9BF09A09}" destId="{68F9F1A1-6803-4F1B-8746-C55F9EB8AC61}" srcOrd="6" destOrd="0" presId="urn:microsoft.com/office/officeart/2005/8/layout/radial4"/>
-    <dgm:cxn modelId="{1EA6D259-99C4-47E5-BB82-BAC37A0E7145}" type="presParOf" srcId="{8BC262D8-76E4-4907-B14A-660F9BF09A09}" destId="{95E9FF46-DD33-4EF7-A118-B0B2CD258E8D}" srcOrd="7" destOrd="0" presId="urn:microsoft.com/office/officeart/2005/8/layout/radial4"/>
-    <dgm:cxn modelId="{EDC3E075-F875-4532-BA79-92250E42E91B}" type="presParOf" srcId="{8BC262D8-76E4-4907-B14A-660F9BF09A09}" destId="{FB467A8B-A7C8-4530-96BD-E870AC4E5070}" srcOrd="8" destOrd="0" presId="urn:microsoft.com/office/officeart/2005/8/layout/radial4"/>
-  </dgm:cxnLst>
-  <dgm:bg/>
-  <dgm:whole/>
-  <dgm:extLst>
-    <a:ext uri="http://schemas.microsoft.com/office/drawing/2008/diagram">
-      <dsp:dataModelExt xmlns:dsp="http://schemas.microsoft.com/office/drawing/2008/diagram" xmlns="" relId="rId6" minVer="http://schemas.openxmlformats.org/drawingml/2006/diagram"/>
-    </a:ext>
-  </dgm:extLst>
-</dgm:dataModel>
-</file>
-
-<file path=ppt/diagrams/drawing1.xml><?xml version="1.0" encoding="utf-8"?>
-<dsp:drawing xmlns:dgm="http://schemas.openxmlformats.org/drawingml/2006/diagram" xmlns:a="http://schemas.openxmlformats.org/drawingml/2006/main" xmlns:dsp="http://schemas.microsoft.com/office/drawing/2008/diagram">
-  <dsp:spTree>
-    <dsp:nvGrpSpPr>
-      <dsp:cNvPr id="0" name=""/>
-      <dsp:cNvGrpSpPr/>
-    </dsp:nvGrpSpPr>
-    <dsp:grpSpPr/>
-    <dsp:sp modelId="{C5D450F5-4A4B-45F5-B81D-8B42E8C47EE8}">
-      <dsp:nvSpPr>
-        <dsp:cNvPr id="0" name=""/>
-        <dsp:cNvSpPr/>
-      </dsp:nvSpPr>
-      <dsp:spPr>
-        <a:xfrm>
-          <a:off x="2453656" y="1405188"/>
-          <a:ext cx="1341087" cy="1341087"/>
-        </a:xfrm>
-        <a:prstGeom prst="ellipse">
-          <a:avLst/>
-        </a:prstGeom>
-        <a:solidFill>
-          <a:schemeClr val="accent1">
-            <a:hueOff val="0"/>
-            <a:satOff val="0"/>
-            <a:lumOff val="0"/>
-            <a:alphaOff val="0"/>
-          </a:schemeClr>
-        </a:solidFill>
-        <a:ln w="25400" cap="flat" cmpd="sng" algn="ctr">
-          <a:solidFill>
-            <a:schemeClr val="lt1">
-              <a:hueOff val="0"/>
-              <a:satOff val="0"/>
-              <a:lumOff val="0"/>
-              <a:alphaOff val="0"/>
-            </a:schemeClr>
-          </a:solidFill>
-          <a:prstDash val="solid"/>
-        </a:ln>
-        <a:effectLst/>
-      </dsp:spPr>
-      <dsp:style>
-        <a:lnRef idx="2">
-          <a:scrgbClr r="0" g="0" b="0"/>
-        </a:lnRef>
-        <a:fillRef idx="1">
-          <a:scrgbClr r="0" g="0" b="0"/>
-        </a:fillRef>
-        <a:effectRef idx="0">
-          <a:scrgbClr r="0" g="0" b="0"/>
-        </a:effectRef>
-        <a:fontRef idx="minor">
-          <a:schemeClr val="lt1"/>
-        </a:fontRef>
-      </dsp:style>
-      <dsp:txBody>
-        <a:bodyPr spcFirstLastPara="0" vert="horz" wrap="square" lIns="15240" tIns="15240" rIns="15240" bIns="15240" numCol="1" spcCol="1270" anchor="ctr" anchorCtr="0">
-          <a:noAutofit/>
-        </a:bodyPr>
-        <a:lstStyle/>
-        <a:p>
-          <a:pPr lvl="0" algn="ctr" defTabSz="1066800">
-            <a:lnSpc>
-              <a:spcPct val="90000"/>
-            </a:lnSpc>
-            <a:spcBef>
-              <a:spcPct val="0"/>
-            </a:spcBef>
-            <a:spcAft>
-              <a:spcPct val="35000"/>
-            </a:spcAft>
-          </a:pPr>
-          <a:r>
-            <a:rPr lang="en-US" sz="2400" b="1" kern="1200" dirty="0" smtClean="0"/>
-            <a:t>CRNs</a:t>
-          </a:r>
-          <a:endParaRPr lang="en-US" sz="2400" b="1" kern="1200" dirty="0"/>
-        </a:p>
-      </dsp:txBody>
-      <dsp:txXfrm>
-        <a:off x="2453656" y="1405188"/>
-        <a:ext cx="1341087" cy="1341087"/>
-      </dsp:txXfrm>
-    </dsp:sp>
-    <dsp:sp modelId="{8C40008D-58B9-46E1-A1EB-A58B4C11D4E0}">
-      <dsp:nvSpPr>
-        <dsp:cNvPr id="0" name=""/>
-        <dsp:cNvSpPr/>
-      </dsp:nvSpPr>
-      <dsp:spPr>
-        <a:xfrm rot="11700000">
-          <a:off x="1438403" y="1566754"/>
-          <a:ext cx="998960" cy="382209"/>
-        </a:xfrm>
-        <a:prstGeom prst="leftArrow">
-          <a:avLst>
-            <a:gd name="adj1" fmla="val 60000"/>
-            <a:gd name="adj2" fmla="val 50000"/>
-          </a:avLst>
-        </a:prstGeom>
-        <a:solidFill>
-          <a:schemeClr val="accent1">
-            <a:tint val="60000"/>
-            <a:hueOff val="0"/>
-            <a:satOff val="0"/>
-            <a:lumOff val="0"/>
-            <a:alphaOff val="0"/>
-          </a:schemeClr>
-        </a:solidFill>
-        <a:ln>
-          <a:noFill/>
-        </a:ln>
-        <a:effectLst/>
-      </dsp:spPr>
-      <dsp:style>
-        <a:lnRef idx="0">
-          <a:scrgbClr r="0" g="0" b="0"/>
-        </a:lnRef>
-        <a:fillRef idx="1">
-          <a:scrgbClr r="0" g="0" b="0"/>
-        </a:fillRef>
-        <a:effectRef idx="0">
-          <a:scrgbClr r="0" g="0" b="0"/>
-        </a:effectRef>
-        <a:fontRef idx="minor">
-          <a:schemeClr val="lt1"/>
-        </a:fontRef>
-      </dsp:style>
-    </dsp:sp>
-    <dsp:sp modelId="{6B1B8E19-ABB2-4D79-8B2B-B60A10E613B6}">
-      <dsp:nvSpPr>
-        <dsp:cNvPr id="0" name=""/>
-        <dsp:cNvSpPr/>
-      </dsp:nvSpPr>
-      <dsp:spPr>
-        <a:xfrm>
-          <a:off x="818406" y="1118971"/>
-          <a:ext cx="1274032" cy="1019226"/>
-        </a:xfrm>
-        <a:prstGeom prst="roundRect">
-          <a:avLst>
-            <a:gd name="adj" fmla="val 10000"/>
-          </a:avLst>
-        </a:prstGeom>
-        <a:solidFill>
-          <a:schemeClr val="accent1">
-            <a:hueOff val="0"/>
-            <a:satOff val="0"/>
-            <a:lumOff val="0"/>
-            <a:alphaOff val="0"/>
-          </a:schemeClr>
-        </a:solidFill>
-        <a:ln w="25400" cap="flat" cmpd="sng" algn="ctr">
-          <a:solidFill>
-            <a:schemeClr val="lt1">
-              <a:hueOff val="0"/>
-              <a:satOff val="0"/>
-              <a:lumOff val="0"/>
-              <a:alphaOff val="0"/>
-            </a:schemeClr>
-          </a:solidFill>
-          <a:prstDash val="solid"/>
-        </a:ln>
-        <a:effectLst/>
-      </dsp:spPr>
-      <dsp:style>
-        <a:lnRef idx="2">
-          <a:scrgbClr r="0" g="0" b="0"/>
-        </a:lnRef>
-        <a:fillRef idx="1">
-          <a:scrgbClr r="0" g="0" b="0"/>
-        </a:fillRef>
-        <a:effectRef idx="0">
-          <a:scrgbClr r="0" g="0" b="0"/>
-        </a:effectRef>
-        <a:fontRef idx="minor">
-          <a:schemeClr val="lt1"/>
-        </a:fontRef>
-      </dsp:style>
-      <dsp:txBody>
-        <a:bodyPr spcFirstLastPara="0" vert="horz" wrap="square" lIns="36195" tIns="36195" rIns="36195" bIns="36195" numCol="1" spcCol="1270" anchor="ctr" anchorCtr="0">
-          <a:noAutofit/>
-        </a:bodyPr>
-        <a:lstStyle/>
-        <a:p>
-          <a:pPr lvl="0" algn="ctr" defTabSz="844550">
-            <a:lnSpc>
-              <a:spcPct val="90000"/>
-            </a:lnSpc>
-            <a:spcBef>
-              <a:spcPct val="0"/>
-            </a:spcBef>
-            <a:spcAft>
-              <a:spcPct val="35000"/>
-            </a:spcAft>
-          </a:pPr>
-          <a:r>
-            <a:rPr lang="en-US" sz="1900" kern="1200" dirty="0" smtClean="0"/>
-            <a:t>High-Speed Rural Internet</a:t>
-          </a:r>
-          <a:endParaRPr lang="en-US" sz="1900" kern="1200" dirty="0"/>
-        </a:p>
-      </dsp:txBody>
-      <dsp:txXfrm>
-        <a:off x="818406" y="1118971"/>
-        <a:ext cx="1274032" cy="1019226"/>
-      </dsp:txXfrm>
-    </dsp:sp>
-    <dsp:sp modelId="{FA01325E-2A60-46C3-B202-7FE6FC76E583}">
-      <dsp:nvSpPr>
-        <dsp:cNvPr id="0" name=""/>
-        <dsp:cNvSpPr/>
-      </dsp:nvSpPr>
-      <dsp:spPr>
-        <a:xfrm rot="14700000">
-          <a:off x="2105674" y="771531"/>
-          <a:ext cx="998960" cy="382209"/>
-        </a:xfrm>
-        <a:prstGeom prst="leftArrow">
-          <a:avLst>
-            <a:gd name="adj1" fmla="val 60000"/>
-            <a:gd name="adj2" fmla="val 50000"/>
-          </a:avLst>
-        </a:prstGeom>
-        <a:solidFill>
-          <a:schemeClr val="accent1">
-            <a:tint val="60000"/>
-            <a:hueOff val="0"/>
-            <a:satOff val="0"/>
-            <a:lumOff val="0"/>
-            <a:alphaOff val="0"/>
-          </a:schemeClr>
-        </a:solidFill>
-        <a:ln>
-          <a:noFill/>
-        </a:ln>
-        <a:effectLst/>
-      </dsp:spPr>
-      <dsp:style>
-        <a:lnRef idx="0">
-          <a:scrgbClr r="0" g="0" b="0"/>
-        </a:lnRef>
-        <a:fillRef idx="1">
-          <a:scrgbClr r="0" g="0" b="0"/>
-        </a:fillRef>
-        <a:effectRef idx="0">
-          <a:scrgbClr r="0" g="0" b="0"/>
-        </a:effectRef>
-        <a:fontRef idx="minor">
-          <a:schemeClr val="lt1"/>
-        </a:fontRef>
-      </dsp:style>
-    </dsp:sp>
-    <dsp:sp modelId="{3B5905D3-CF2D-4E97-9112-DA1EC00C5319}">
-      <dsp:nvSpPr>
-        <dsp:cNvPr id="0" name=""/>
-        <dsp:cNvSpPr/>
-      </dsp:nvSpPr>
-      <dsp:spPr>
-        <a:xfrm>
-          <a:off x="1757049" y="340"/>
-          <a:ext cx="1274032" cy="1019226"/>
-        </a:xfrm>
-        <a:prstGeom prst="roundRect">
-          <a:avLst>
-            <a:gd name="adj" fmla="val 10000"/>
-          </a:avLst>
-        </a:prstGeom>
-        <a:solidFill>
-          <a:schemeClr val="accent1">
-            <a:hueOff val="0"/>
-            <a:satOff val="0"/>
-            <a:lumOff val="0"/>
-            <a:alphaOff val="0"/>
-          </a:schemeClr>
-        </a:solidFill>
-        <a:ln w="25400" cap="flat" cmpd="sng" algn="ctr">
-          <a:solidFill>
-            <a:schemeClr val="lt1">
-              <a:hueOff val="0"/>
-              <a:satOff val="0"/>
-              <a:lumOff val="0"/>
-              <a:alphaOff val="0"/>
-            </a:schemeClr>
-          </a:solidFill>
-          <a:prstDash val="solid"/>
-        </a:ln>
-        <a:effectLst/>
-      </dsp:spPr>
-      <dsp:style>
-        <a:lnRef idx="2">
-          <a:scrgbClr r="0" g="0" b="0"/>
-        </a:lnRef>
-        <a:fillRef idx="1">
-          <a:scrgbClr r="0" g="0" b="0"/>
-        </a:fillRef>
-        <a:effectRef idx="0">
-          <a:scrgbClr r="0" g="0" b="0"/>
-        </a:effectRef>
-        <a:fontRef idx="minor">
-          <a:schemeClr val="lt1"/>
-        </a:fontRef>
-      </dsp:style>
-      <dsp:txBody>
-        <a:bodyPr spcFirstLastPara="0" vert="horz" wrap="square" lIns="36195" tIns="36195" rIns="36195" bIns="36195" numCol="1" spcCol="1270" anchor="ctr" anchorCtr="0">
-          <a:noAutofit/>
-        </a:bodyPr>
-        <a:lstStyle/>
-        <a:p>
-          <a:pPr lvl="0" algn="ctr" defTabSz="844550">
-            <a:lnSpc>
-              <a:spcPct val="90000"/>
-            </a:lnSpc>
-            <a:spcBef>
-              <a:spcPct val="0"/>
-            </a:spcBef>
-            <a:spcAft>
-              <a:spcPct val="35000"/>
-            </a:spcAft>
-          </a:pPr>
-          <a:r>
-            <a:rPr lang="en-US" sz="1900" kern="1200" dirty="0" smtClean="0"/>
-            <a:t>Military Networks</a:t>
-          </a:r>
-          <a:endParaRPr lang="en-US" sz="1900" kern="1200" dirty="0"/>
-        </a:p>
-      </dsp:txBody>
-      <dsp:txXfrm>
-        <a:off x="1757049" y="340"/>
-        <a:ext cx="1274032" cy="1019226"/>
-      </dsp:txXfrm>
-    </dsp:sp>
-    <dsp:sp modelId="{7EAAD3A5-E457-4B40-9910-A21236FBC020}">
-      <dsp:nvSpPr>
-        <dsp:cNvPr id="0" name=""/>
-        <dsp:cNvSpPr/>
-      </dsp:nvSpPr>
-      <dsp:spPr>
-        <a:xfrm rot="17700000">
-          <a:off x="3143764" y="771531"/>
-          <a:ext cx="998960" cy="382209"/>
-        </a:xfrm>
-        <a:prstGeom prst="leftArrow">
-          <a:avLst>
-            <a:gd name="adj1" fmla="val 60000"/>
-            <a:gd name="adj2" fmla="val 50000"/>
-          </a:avLst>
-        </a:prstGeom>
-        <a:solidFill>
-          <a:schemeClr val="accent1">
-            <a:tint val="60000"/>
-            <a:hueOff val="0"/>
-            <a:satOff val="0"/>
-            <a:lumOff val="0"/>
-            <a:alphaOff val="0"/>
-          </a:schemeClr>
-        </a:solidFill>
-        <a:ln>
-          <a:noFill/>
-        </a:ln>
-        <a:effectLst/>
-      </dsp:spPr>
-      <dsp:style>
-        <a:lnRef idx="0">
-          <a:scrgbClr r="0" g="0" b="0"/>
-        </a:lnRef>
-        <a:fillRef idx="1">
-          <a:scrgbClr r="0" g="0" b="0"/>
-        </a:fillRef>
-        <a:effectRef idx="0">
-          <a:scrgbClr r="0" g="0" b="0"/>
-        </a:effectRef>
-        <a:fontRef idx="minor">
-          <a:schemeClr val="lt1"/>
-        </a:fontRef>
-      </dsp:style>
-    </dsp:sp>
-    <dsp:sp modelId="{68F9F1A1-6803-4F1B-8746-C55F9EB8AC61}">
-      <dsp:nvSpPr>
-        <dsp:cNvPr id="0" name=""/>
-        <dsp:cNvSpPr/>
-      </dsp:nvSpPr>
-      <dsp:spPr>
-        <a:xfrm>
-          <a:off x="3217317" y="340"/>
-          <a:ext cx="1274032" cy="1019226"/>
-        </a:xfrm>
-        <a:prstGeom prst="roundRect">
-          <a:avLst>
-            <a:gd name="adj" fmla="val 10000"/>
-          </a:avLst>
-        </a:prstGeom>
-        <a:solidFill>
-          <a:schemeClr val="accent1">
-            <a:hueOff val="0"/>
-            <a:satOff val="0"/>
-            <a:lumOff val="0"/>
-            <a:alphaOff val="0"/>
-          </a:schemeClr>
-        </a:solidFill>
-        <a:ln w="25400" cap="flat" cmpd="sng" algn="ctr">
-          <a:solidFill>
-            <a:schemeClr val="lt1">
-              <a:hueOff val="0"/>
-              <a:satOff val="0"/>
-              <a:lumOff val="0"/>
-              <a:alphaOff val="0"/>
-            </a:schemeClr>
-          </a:solidFill>
-          <a:prstDash val="solid"/>
-        </a:ln>
-        <a:effectLst/>
-      </dsp:spPr>
-      <dsp:style>
-        <a:lnRef idx="2">
-          <a:scrgbClr r="0" g="0" b="0"/>
-        </a:lnRef>
-        <a:fillRef idx="1">
-          <a:scrgbClr r="0" g="0" b="0"/>
-        </a:fillRef>
-        <a:effectRef idx="0">
-          <a:scrgbClr r="0" g="0" b="0"/>
-        </a:effectRef>
-        <a:fontRef idx="minor">
-          <a:schemeClr val="lt1"/>
-        </a:fontRef>
-      </dsp:style>
-      <dsp:txBody>
-        <a:bodyPr spcFirstLastPara="0" vert="horz" wrap="square" lIns="36195" tIns="36195" rIns="36195" bIns="36195" numCol="1" spcCol="1270" anchor="ctr" anchorCtr="0">
-          <a:noAutofit/>
-        </a:bodyPr>
-        <a:lstStyle/>
-        <a:p>
-          <a:pPr lvl="0" algn="ctr" defTabSz="844550">
-            <a:lnSpc>
-              <a:spcPct val="90000"/>
-            </a:lnSpc>
-            <a:spcBef>
-              <a:spcPct val="0"/>
-            </a:spcBef>
-            <a:spcAft>
-              <a:spcPct val="35000"/>
-            </a:spcAft>
-          </a:pPr>
-          <a:r>
-            <a:rPr lang="en-US" sz="1900" kern="1200" dirty="0" smtClean="0"/>
-            <a:t>Emergency Networks</a:t>
-          </a:r>
-          <a:endParaRPr lang="en-US" sz="1900" kern="1200" dirty="0"/>
-        </a:p>
-      </dsp:txBody>
-      <dsp:txXfrm>
-        <a:off x="3217317" y="340"/>
-        <a:ext cx="1274032" cy="1019226"/>
-      </dsp:txXfrm>
-    </dsp:sp>
-    <dsp:sp modelId="{95E9FF46-DD33-4EF7-A118-B0B2CD258E8D}">
-      <dsp:nvSpPr>
-        <dsp:cNvPr id="0" name=""/>
-        <dsp:cNvSpPr/>
-      </dsp:nvSpPr>
-      <dsp:spPr>
-        <a:xfrm rot="20700000">
-          <a:off x="3811035" y="1566754"/>
-          <a:ext cx="998960" cy="382209"/>
-        </a:xfrm>
-        <a:prstGeom prst="leftArrow">
-          <a:avLst>
-            <a:gd name="adj1" fmla="val 60000"/>
-            <a:gd name="adj2" fmla="val 50000"/>
-          </a:avLst>
-        </a:prstGeom>
-        <a:solidFill>
-          <a:schemeClr val="accent1">
-            <a:tint val="60000"/>
-            <a:hueOff val="0"/>
-            <a:satOff val="0"/>
-            <a:lumOff val="0"/>
-            <a:alphaOff val="0"/>
-          </a:schemeClr>
-        </a:solidFill>
-        <a:ln>
-          <a:noFill/>
-        </a:ln>
-        <a:effectLst/>
-      </dsp:spPr>
-      <dsp:style>
-        <a:lnRef idx="0">
-          <a:scrgbClr r="0" g="0" b="0"/>
-        </a:lnRef>
-        <a:fillRef idx="1">
-          <a:scrgbClr r="0" g="0" b="0"/>
-        </a:fillRef>
-        <a:effectRef idx="0">
-          <a:scrgbClr r="0" g="0" b="0"/>
-        </a:effectRef>
-        <a:fontRef idx="minor">
-          <a:schemeClr val="lt1"/>
-        </a:fontRef>
-      </dsp:style>
-    </dsp:sp>
-    <dsp:sp modelId="{FB467A8B-A7C8-4530-96BD-E870AC4E5070}">
-      <dsp:nvSpPr>
-        <dsp:cNvPr id="0" name=""/>
-        <dsp:cNvSpPr/>
-      </dsp:nvSpPr>
-      <dsp:spPr>
-        <a:xfrm>
-          <a:off x="4155960" y="1118971"/>
-          <a:ext cx="1274032" cy="1019226"/>
-        </a:xfrm>
-        <a:prstGeom prst="roundRect">
-          <a:avLst>
-            <a:gd name="adj" fmla="val 10000"/>
-          </a:avLst>
-        </a:prstGeom>
-        <a:solidFill>
-          <a:schemeClr val="accent1">
-            <a:hueOff val="0"/>
-            <a:satOff val="0"/>
-            <a:lumOff val="0"/>
-            <a:alphaOff val="0"/>
-          </a:schemeClr>
-        </a:solidFill>
-        <a:ln w="25400" cap="flat" cmpd="sng" algn="ctr">
-          <a:solidFill>
-            <a:schemeClr val="lt1">
-              <a:hueOff val="0"/>
-              <a:satOff val="0"/>
-              <a:lumOff val="0"/>
-              <a:alphaOff val="0"/>
-            </a:schemeClr>
-          </a:solidFill>
-          <a:prstDash val="solid"/>
-        </a:ln>
-        <a:effectLst/>
-      </dsp:spPr>
-      <dsp:style>
-        <a:lnRef idx="2">
-          <a:scrgbClr r="0" g="0" b="0"/>
-        </a:lnRef>
-        <a:fillRef idx="1">
-          <a:scrgbClr r="0" g="0" b="0"/>
-        </a:fillRef>
-        <a:effectRef idx="0">
-          <a:scrgbClr r="0" g="0" b="0"/>
-        </a:effectRef>
-        <a:fontRef idx="minor">
-          <a:schemeClr val="lt1"/>
-        </a:fontRef>
-      </dsp:style>
-      <dsp:txBody>
-        <a:bodyPr spcFirstLastPara="0" vert="horz" wrap="square" lIns="36195" tIns="36195" rIns="36195" bIns="36195" numCol="1" spcCol="1270" anchor="ctr" anchorCtr="0">
-          <a:noAutofit/>
-        </a:bodyPr>
-        <a:lstStyle/>
-        <a:p>
-          <a:pPr lvl="0" algn="ctr" defTabSz="844550">
-            <a:lnSpc>
-              <a:spcPct val="90000"/>
-            </a:lnSpc>
-            <a:spcBef>
-              <a:spcPct val="0"/>
-            </a:spcBef>
-            <a:spcAft>
-              <a:spcPct val="35000"/>
-            </a:spcAft>
-          </a:pPr>
-          <a:r>
-            <a:rPr lang="en-US" sz="1900" kern="1200" dirty="0" smtClean="0"/>
-            <a:t>Multimedia</a:t>
-          </a:r>
-          <a:endParaRPr lang="en-US" sz="1900" kern="1200" dirty="0"/>
-        </a:p>
-      </dsp:txBody>
-      <dsp:txXfrm>
-        <a:off x="4155960" y="1118971"/>
-        <a:ext cx="1274032" cy="1019226"/>
-      </dsp:txXfrm>
-    </dsp:sp>
-  </dsp:spTree>
-</dsp:drawing>
-</file>
-
-<file path=ppt/diagrams/layout1.xml><?xml version="1.0" encoding="utf-8"?>
-<dgm:layoutDef xmlns:dgm="http://schemas.openxmlformats.org/drawingml/2006/diagram" xmlns:a="http://schemas.openxmlformats.org/drawingml/2006/main" uniqueId="urn:microsoft.com/office/officeart/2005/8/layout/radial4">
-  <dgm:title val=""/>
-  <dgm:desc val=""/>
-  <dgm:catLst>
-    <dgm:cat type="relationship" pri="19000"/>
-  </dgm:catLst>
-  <dgm:sampData>
-    <dgm:dataModel>
-      <dgm:ptLst>
-        <dgm:pt modelId="0" type="doc"/>
-        <dgm:pt modelId="1">
-          <dgm:prSet phldr="1"/>
-        </dgm:pt>
-        <dgm:pt modelId="11">
-          <dgm:prSet phldr="1"/>
-        </dgm:pt>
-        <dgm:pt modelId="12">
-          <dgm:prSet phldr="1"/>
-        </dgm:pt>
-        <dgm:pt modelId="13">
-          <dgm:prSet phldr="1"/>
-        </dgm:pt>
-      </dgm:ptLst>
-      <dgm:cxnLst>
-        <dgm:cxn modelId="2" srcId="0" destId="1" srcOrd="0" destOrd="0"/>
-        <dgm:cxn modelId="3" srcId="1" destId="11" srcOrd="0" destOrd="0"/>
-        <dgm:cxn modelId="4" srcId="1" destId="12" srcOrd="1" destOrd="0"/>
-        <dgm:cxn modelId="5" srcId="1" destId="13" srcOrd="2" destOrd="0"/>
-      </dgm:cxnLst>
-      <dgm:bg/>
-      <dgm:whole/>
-    </dgm:dataModel>
-  </dgm:sampData>
-  <dgm:styleData>
-    <dgm:dataModel>
-      <dgm:ptLst>
-        <dgm:pt modelId="0" type="doc"/>
-        <dgm:pt modelId="1"/>
-        <dgm:pt modelId="11"/>
-        <dgm:pt modelId="12"/>
-      </dgm:ptLst>
-      <dgm:cxnLst>
-        <dgm:cxn modelId="2" srcId="0" destId="1" srcOrd="0" destOrd="0"/>
-        <dgm:cxn modelId="15" srcId="1" destId="11" srcOrd="0" destOrd="0"/>
-        <dgm:cxn modelId="16" srcId="1" destId="12" srcOrd="1" destOrd="0"/>
-      </dgm:cxnLst>
-      <dgm:bg/>
-      <dgm:whole/>
-    </dgm:dataModel>
-  </dgm:styleData>
-  <dgm:clrData>
-    <dgm:dataModel>
-      <dgm:ptLst>
-        <dgm:pt modelId="0" type="doc"/>
-        <dgm:pt modelId="1"/>
-        <dgm:pt modelId="11"/>
-        <dgm:pt modelId="12"/>
-        <dgm:pt modelId="13"/>
-        <dgm:pt modelId="14"/>
-        <dgm:pt modelId="15"/>
-        <dgm:pt modelId="16"/>
-      </dgm:ptLst>
-      <dgm:cxnLst>
-        <dgm:cxn modelId="2" srcId="0" destId="1" srcOrd="0" destOrd="0"/>
-        <dgm:cxn modelId="16" srcId="1" destId="11" srcOrd="0" destOrd="0"/>
-        <dgm:cxn modelId="17" srcId="1" destId="12" srcOrd="1" destOrd="0"/>
-        <dgm:cxn modelId="18" srcId="1" destId="13" srcOrd="2" destOrd="0"/>
-        <dgm:cxn modelId="19" srcId="1" destId="14" srcOrd="3" destOrd="0"/>
-        <dgm:cxn modelId="20" srcId="1" destId="15" srcOrd="4" destOrd="0"/>
-        <dgm:cxn modelId="21" srcId="1" destId="16" srcOrd="5" destOrd="0"/>
-      </dgm:cxnLst>
-      <dgm:bg/>
-      <dgm:whole/>
-    </dgm:dataModel>
-  </dgm:clrData>
-  <dgm:layoutNode name="cycle">
-    <dgm:varLst>
-      <dgm:chMax val="1"/>
-      <dgm:dir/>
-      <dgm:animLvl val="ctr"/>
-      <dgm:resizeHandles val="exact"/>
-    </dgm:varLst>
-    <dgm:choose name="Name0">
-      <dgm:if name="Name1" func="var" arg="dir" op="equ" val="norm">
-        <dgm:choose name="Name2">
-          <dgm:if name="Name3" axis="ch ch" ptType="node node" st="1 1" cnt="1 0" func="cnt" op="lte" val="1">
-            <dgm:alg type="cycle">
-              <dgm:param type="stAng" val="0"/>
-              <dgm:param type="spanAng" val="360"/>
-              <dgm:param type="ctrShpMap" val="fNode"/>
-            </dgm:alg>
-          </dgm:if>
-          <dgm:else name="Name4">
-            <dgm:choose name="Name5">
-              <dgm:if name="Name6" axis="ch ch" ptType="node node" st="1 1" cnt="1 0" func="cnt" op="lte" val="3">
-                <dgm:alg type="cycle">
-                  <dgm:param type="stAng" val="-55"/>
-                  <dgm:param type="spanAng" val="110"/>
-                  <dgm:param type="ctrShpMap" val="fNode"/>
-                </dgm:alg>
-              </dgm:if>
-              <dgm:else name="Name7">
-                <dgm:choose name="Name8">
-                  <dgm:if name="Name9" axis="ch ch" ptType="node node" st="1 1" cnt="1 0" func="cnt" op="equ" val="4">
-                    <dgm:alg type="cycle">
-                      <dgm:param type="stAng" val="-75"/>
-                      <dgm:param type="spanAng" val="150"/>
-                      <dgm:param type="ctrShpMap" val="fNode"/>
-                    </dgm:alg>
-                  </dgm:if>
-                  <dgm:else name="Name10">
-                    <dgm:alg type="cycle">
-                      <dgm:param type="stAng" val="-90"/>
-                      <dgm:param type="spanAng" val="180"/>
-                      <dgm:param type="ctrShpMap" val="fNode"/>
-                    </dgm:alg>
-                  </dgm:else>
-                </dgm:choose>
-              </dgm:else>
-            </dgm:choose>
-          </dgm:else>
-        </dgm:choose>
-      </dgm:if>
-      <dgm:else name="Name11">
-        <dgm:choose name="Name12">
-          <dgm:if name="Name13" axis="ch ch" ptType="node node" st="1 1" cnt="1 0" func="cnt" op="lte" val="1">
-            <dgm:alg type="cycle">
-              <dgm:param type="stAng" val="0"/>
-              <dgm:param type="spanAng" val="-360"/>
-              <dgm:param type="ctrShpMap" val="fNode"/>
-            </dgm:alg>
-          </dgm:if>
-          <dgm:else name="Name14">
-            <dgm:choose name="Name15">
-              <dgm:if name="Name16" axis="ch ch" ptType="node node" st="1 1" cnt="1 0" func="cnt" op="lte" val="3">
-                <dgm:alg type="cycle">
-                  <dgm:param type="stAng" val="55"/>
-                  <dgm:param type="spanAng" val="-110"/>
-                  <dgm:param type="ctrShpMap" val="fNode"/>
-                </dgm:alg>
-              </dgm:if>
-              <dgm:else name="Name17">
-                <dgm:choose name="Name18">
-                  <dgm:if name="Name19" axis="ch ch" ptType="node node" st="1 1" cnt="1 0" func="cnt" op="equ" val="4">
-                    <dgm:alg type="cycle">
-                      <dgm:param type="stAng" val="75"/>
-                      <dgm:param type="spanAng" val="-150"/>
-                      <dgm:param type="ctrShpMap" val="fNode"/>
-                    </dgm:alg>
-                  </dgm:if>
-                  <dgm:else name="Name20">
-                    <dgm:alg type="cycle">
-                      <dgm:param type="stAng" val="90"/>
-                      <dgm:param type="spanAng" val="-180"/>
-                      <dgm:param type="ctrShpMap" val="fNode"/>
-                    </dgm:alg>
-                  </dgm:else>
-                </dgm:choose>
-              </dgm:else>
-            </dgm:choose>
-          </dgm:else>
-        </dgm:choose>
-      </dgm:else>
-    </dgm:choose>
-    <dgm:shape xmlns:r="http://schemas.openxmlformats.org/officeDocument/2006/relationships" r:blip="">
-      <dgm:adjLst/>
-    </dgm:shape>
-    <dgm:presOf/>
-    <dgm:constrLst>
-      <dgm:constr type="w" for="ch" forName="centerShape" refType="w"/>
-      <dgm:constr type="w" for="ch" forName="node" refType="w" refFor="ch" refForName="centerShape" fact="0.95"/>
-      <dgm:constr type="h" for="ch" forName="parTrans" refType="w" refFor="ch" refForName="centerShape" fact="0.285"/>
-      <dgm:constr type="sp" refType="w" refFor="ch" refForName="centerShape" op="equ" fact="0.23"/>
-      <dgm:constr type="sibSp" refType="w" refFor="ch" refForName="node" fact="0.1"/>
-      <dgm:constr type="primFontSz" for="ch" forName="node" op="equ"/>
-    </dgm:constrLst>
-    <dgm:choose name="Name21">
-      <dgm:if name="Name22" axis="ch ch" ptType="node node" st="1 1" cnt="1 0" func="cnt" op="lte" val="5">
-        <dgm:ruleLst>
-          <dgm:rule type="w" for="ch" forName="centerShape" val="NaN" fact="0.27" max="NaN"/>
-        </dgm:ruleLst>
-      </dgm:if>
-      <dgm:else name="Name23">
-        <dgm:ruleLst>
-          <dgm:rule type="w" for="ch" forName="centerShape" val="NaN" fact="0.27" max="NaN"/>
-          <dgm:rule type="w" for="ch" forName="node" val="NaN" fact="0.7" max="NaN"/>
-        </dgm:ruleLst>
-      </dgm:else>
-    </dgm:choose>
-    <dgm:forEach name="Name24" axis="ch" ptType="node" cnt="1">
-      <dgm:layoutNode name="centerShape" styleLbl="node0">
-        <dgm:alg type="tx"/>
-        <dgm:shape xmlns:r="http://schemas.openxmlformats.org/officeDocument/2006/relationships" type="ellipse" r:blip="">
-          <dgm:adjLst/>
-        </dgm:shape>
-        <dgm:presOf axis="self"/>
-        <dgm:constrLst>
-          <dgm:constr type="tMarg" refType="primFontSz" fact="0.05"/>
-          <dgm:constr type="bMarg" refType="primFontSz" fact="0.05"/>
-          <dgm:constr type="lMarg" refType="primFontSz" fact="0.05"/>
-          <dgm:constr type="rMarg" refType="primFontSz" fact="0.05"/>
-          <dgm:constr type="primFontSz" val="65"/>
-          <dgm:constr type="h" refType="w"/>
-        </dgm:constrLst>
-        <dgm:ruleLst>
-          <dgm:rule type="primFontSz" val="5" fact="NaN" max="NaN"/>
-        </dgm:ruleLst>
-      </dgm:layoutNode>
-      <dgm:forEach name="Name25" axis="ch">
-        <dgm:forEach name="Name26" axis="self" ptType="parTrans">
-          <dgm:layoutNode name="parTrans" styleLbl="bgSibTrans2D1">
-            <dgm:alg type="conn">
-              <dgm:param type="begPts" val="auto"/>
-              <dgm:param type="endPts" val="ctr"/>
-              <dgm:param type="endSty" val="noArr"/>
-              <dgm:param type="begSty" val="arr"/>
-            </dgm:alg>
-            <dgm:shape xmlns:r="http://schemas.openxmlformats.org/officeDocument/2006/relationships" type="conn" r:blip="">
-              <dgm:adjLst/>
-            </dgm:shape>
-            <dgm:presOf axis="self"/>
-            <dgm:constrLst>
-              <dgm:constr type="begPad" refType="connDist" fact="0.055"/>
-              <dgm:constr type="endPad"/>
-            </dgm:constrLst>
-            <dgm:ruleLst/>
-          </dgm:layoutNode>
-        </dgm:forEach>
-        <dgm:forEach name="Name27" axis="self" ptType="node">
-          <dgm:layoutNode name="node" styleLbl="node1">
-            <dgm:varLst>
-              <dgm:bulletEnabled val="1"/>
-            </dgm:varLst>
-            <dgm:alg type="tx"/>
-            <dgm:shape xmlns:r="http://schemas.openxmlformats.org/officeDocument/2006/relationships" type="roundRect" r:blip="">
-              <dgm:adjLst>
-                <dgm:adj idx="1" val="0.1"/>
-              </dgm:adjLst>
-            </dgm:shape>
-            <dgm:presOf axis="desOrSelf" ptType="node"/>
-            <dgm:constrLst>
-              <dgm:constr type="primFontSz" val="65"/>
-              <dgm:constr type="h" refType="w" fact="0.8"/>
-              <dgm:constr type="tMarg" refType="primFontSz" fact="0.15"/>
-              <dgm:constr type="bMarg" refType="primFontSz" fact="0.15"/>
-              <dgm:constr type="lMarg" refType="primFontSz" fact="0.15"/>
-              <dgm:constr type="rMarg" refType="primFontSz" fact="0.15"/>
-            </dgm:constrLst>
-            <dgm:ruleLst>
-              <dgm:rule type="primFontSz" val="5" fact="NaN" max="NaN"/>
-            </dgm:ruleLst>
-          </dgm:layoutNode>
-        </dgm:forEach>
-      </dgm:forEach>
-    </dgm:forEach>
-  </dgm:layoutNode>
-</dgm:layoutDef>
-</file>
-
-<file path=ppt/diagrams/quickStyle1.xml><?xml version="1.0" encoding="utf-8"?>
-<dgm:styleDef xmlns:dgm="http://schemas.openxmlformats.org/drawingml/2006/diagram" xmlns:a="http://schemas.openxmlformats.org/drawingml/2006/main" uniqueId="urn:microsoft.com/office/officeart/2005/8/quickstyle/simple1">
-  <dgm:title val=""/>
-  <dgm:desc val=""/>
-  <dgm:catLst>
-    <dgm:cat type="simple" pri="10100"/>
-  </dgm:catLst>
-  <dgm:scene3d>
-    <a:camera prst="orthographicFront"/>
-    <a:lightRig rig="threePt" dir="t"/>
-  </dgm:scene3d>
-  <dgm:styleLbl name="node0">
-    <dgm:scene3d>
-      <a:camera prst="orthographicFront"/>
-      <a:lightRig rig="threePt" dir="t"/>
-    </dgm:scene3d>
-    <dgm:sp3d/>
-    <dgm:txPr/>
-    <dgm:style>
-      <a:lnRef idx="2">
-        <a:scrgbClr r="0" g="0" b="0"/>
-      </a:lnRef>
-      <a:fillRef idx="1">
-        <a:scrgbClr r="0" g="0" b="0"/>
-      </a:fillRef>
-      <a:effectRef idx="0">
-        <a:scrgbClr r="0" g="0" b="0"/>
-      </a:effectRef>
-      <a:fontRef idx="minor">
-        <a:schemeClr val="lt1"/>
-      </a:fontRef>
-    </dgm:style>
-  </dgm:styleLbl>
-  <dgm:styleLbl name="lnNode1">
-    <dgm:scene3d>
-      <a:camera prst="orthographicFront"/>
-      <a:lightRig rig="threePt" dir="t"/>
-    </dgm:scene3d>
-    <dgm:sp3d/>
-    <dgm:txPr/>
-    <dgm:style>
-      <a:lnRef idx="2">
-        <a:scrgbClr r="0" g="0" b="0"/>
-      </a:lnRef>
-      <a:fillRef idx="1">
-        <a:scrgbClr r="0" g="0" b="0"/>
-      </a:fillRef>
-      <a:effectRef idx="0">
-        <a:scrgbClr r="0" g="0" b="0"/>
-      </a:effectRef>
-      <a:fontRef idx="minor">
-        <a:schemeClr val="lt1"/>
-      </a:fontRef>
-    </dgm:style>
-  </dgm:styleLbl>
-  <dgm:styleLbl name="vennNode1">
-    <dgm:scene3d>
-      <a:camera prst="orthographicFront"/>
-      <a:lightRig rig="threePt" dir="t"/>
-    </dgm:scene3d>
-    <dgm:sp3d/>
-    <dgm:txPr/>
-    <dgm:style>
-      <a:lnRef idx="2">
-        <a:scrgbClr r="0" g="0" b="0"/>
-      </a:lnRef>
-      <a:fillRef idx="1">
-        <a:scrgbClr r="0" g="0" b="0"/>
-      </a:fillRef>
-      <a:effectRef idx="0">
-        <a:scrgbClr r="0" g="0" b="0"/>
-      </a:effectRef>
-      <a:fontRef idx="minor">
-        <a:schemeClr val="tx1"/>
-      </a:fontRef>
-    </dgm:style>
-  </dgm:styleLbl>
-  <dgm:styleLbl name="alignNode1">
-    <dgm:scene3d>
-      <a:camera prst="orthographicFront"/>
-      <a:lightRig rig="threePt" dir="t"/>
-    </dgm:scene3d>
-    <dgm:sp3d/>
-    <dgm:txPr/>
-    <dgm:style>
-      <a:lnRef idx="2">
-        <a:scrgbClr r="0" g="0" b="0"/>
-      </a:lnRef>
-      <a:fillRef idx="1">
-        <a:scrgbClr r="0" g="0" b="0"/>
-      </a:fillRef>
-      <a:effectRef idx="0">
-        <a:scrgbClr r="0" g="0" b="0"/>
-      </a:effectRef>
-      <a:fontRef idx="minor">
-        <a:schemeClr val="lt1"/>
-      </a:fontRef>
-    </dgm:style>
-  </dgm:styleLbl>
-  <dgm:styleLbl name="node1">
-    <dgm:scene3d>
-      <a:camera prst="orthographicFront"/>
-      <a:lightRig rig="threePt" dir="t"/>
-    </dgm:scene3d>
-    <dgm:sp3d/>
-    <dgm:txPr/>
-    <dgm:style>
-      <a:lnRef idx="2">
-        <a:scrgbClr r="0" g="0" b="0"/>
-      </a:lnRef>
-      <a:fillRef idx="1">
-        <a:scrgbClr r="0" g="0" b="0"/>
-      </a:fillRef>
-      <a:effectRef idx="0">
-        <a:scrgbClr r="0" g="0" b="0"/>
-      </a:effectRef>
-      <a:fontRef idx="minor">
-        <a:schemeClr val="lt1"/>
-      </a:fontRef>
-    </dgm:style>
-  </dgm:styleLbl>
-  <dgm:styleLbl name="node2">
-    <dgm:scene3d>
-      <a:camera prst="orthographicFront"/>
-      <a:lightRig rig="threePt" dir="t"/>
-    </dgm:scene3d>
-    <dgm:sp3d/>
-    <dgm:txPr/>
-    <dgm:style>
-      <a:lnRef idx="2">
-        <a:scrgbClr r="0" g="0" b="0"/>
-      </a:lnRef>
-      <a:fillRef idx="1">
-        <a:scrgbClr r="0" g="0" b="0"/>
-      </a:fillRef>
-      <a:effectRef idx="0">
-        <a:scrgbClr r="0" g="0" b="0"/>
-      </a:effectRef>
-      <a:fontRef idx="minor">
-        <a:schemeClr val="lt1"/>
-      </a:fontRef>
-    </dgm:style>
-  </dgm:styleLbl>
-  <dgm:styleLbl name="node3">
-    <dgm:scene3d>
-      <a:camera prst="orthographicFront"/>
-      <a:lightRig rig="threePt" dir="t"/>
-    </dgm:scene3d>
-    <dgm:sp3d/>
-    <dgm:txPr/>
-    <dgm:style>
-      <a:lnRef idx="2">
-        <a:scrgbClr r="0" g="0" b="0"/>
-      </a:lnRef>
-      <a:fillRef idx="1">
-        <a:scrgbClr r="0" g="0" b="0"/>
-      </a:fillRef>
-      <a:effectRef idx="0">
-        <a:scrgbClr r="0" g="0" b="0"/>
-      </a:effectRef>
-      <a:fontRef idx="minor">
-        <a:schemeClr val="lt1"/>
-      </a:fontRef>
-    </dgm:style>
-  </dgm:styleLbl>
-  <dgm:styleLbl name="node4">
-    <dgm:scene3d>
-      <a:camera prst="orthographicFront"/>
-      <a:lightRig rig="threePt" dir="t"/>
-    </dgm:scene3d>
-    <dgm:sp3d/>
-    <dgm:txPr/>
-    <dgm:style>
-      <a:lnRef idx="2">
-        <a:scrgbClr r="0" g="0" b="0"/>
-      </a:lnRef>
-      <a:fillRef idx="1">
-        <a:scrgbClr r="0" g="0" b="0"/>
-      </a:fillRef>
-      <a:effectRef idx="0">
-        <a:scrgbClr r="0" g="0" b="0"/>
-      </a:effectRef>
-      <a:fontRef idx="minor">
-        <a:schemeClr val="lt1"/>
-      </a:fontRef>
-    </dgm:style>
-  </dgm:styleLbl>
-  <dgm:styleLbl name="fgImgPlace1">
-    <dgm:scene3d>
-      <a:camera prst="orthographicFront"/>
-      <a:lightRig rig="threePt" dir="t"/>
-    </dgm:scene3d>
-    <dgm:sp3d/>
-    <dgm:txPr/>
-    <dgm:style>
-      <a:lnRef idx="2">
-        <a:scrgbClr r="0" g="0" b="0"/>
-      </a:lnRef>
-      <a:fillRef idx="1">
-        <a:scrgbClr r="0" g="0" b="0"/>
-      </a:fillRef>
-      <a:effectRef idx="0">
-        <a:scrgbClr r="0" g="0" b="0"/>
-      </a:effectRef>
-      <a:fontRef idx="minor"/>
-    </dgm:style>
-  </dgm:styleLbl>
-  <dgm:styleLbl name="alignImgPlace1">
-    <dgm:scene3d>
-      <a:camera prst="orthographicFront"/>
-      <a:lightRig rig="threePt" dir="t"/>
-    </dgm:scene3d>
-    <dgm:sp3d/>
-    <dgm:txPr/>
-    <dgm:style>
-      <a:lnRef idx="2">
-        <a:scrgbClr r="0" g="0" b="0"/>
-      </a:lnRef>
-      <a:fillRef idx="1">
-        <a:scrgbClr r="0" g="0" b="0"/>
-      </a:fillRef>
-      <a:effectRef idx="0">
-        <a:scrgbClr r="0" g="0" b="0"/>
-      </a:effectRef>
-      <a:fontRef idx="minor"/>
-    </dgm:style>
-  </dgm:styleLbl>
-  <dgm:styleLbl name="bgImgPlace1">
-    <dgm:scene3d>
-      <a:camera prst="orthographicFront"/>
-      <a:lightRig rig="threePt" dir="t"/>
-    </dgm:scene3d>
-    <dgm:sp3d/>
-    <dgm:txPr/>
-    <dgm:style>
-      <a:lnRef idx="2">
-        <a:scrgbClr r="0" g="0" b="0"/>
-      </a:lnRef>
-      <a:fillRef idx="1">
-        <a:scrgbClr r="0" g="0" b="0"/>
-      </a:fillRef>
-      <a:effectRef idx="0">
-        <a:scrgbClr r="0" g="0" b="0"/>
-      </a:effectRef>
-      <a:fontRef idx="minor"/>
-    </dgm:style>
-  </dgm:styleLbl>
-  <dgm:styleLbl name="sibTrans2D1">
-    <dgm:scene3d>
-      <a:camera prst="orthographicFront"/>
-      <a:lightRig rig="threePt" dir="t"/>
-    </dgm:scene3d>
-    <dgm:sp3d/>
-    <dgm:txPr/>
-    <dgm:style>
-      <a:lnRef idx="0">
-        <a:scrgbClr r="0" g="0" b="0"/>
-      </a:lnRef>
-      <a:fillRef idx="1">
-        <a:scrgbClr r="0" g="0" b="0"/>
-      </a:fillRef>
-      <a:effectRef idx="0">
-        <a:scrgbClr r="0" g="0" b="0"/>
-      </a:effectRef>
-      <a:fontRef idx="minor">
-        <a:schemeClr val="lt1"/>
-      </a:fontRef>
-    </dgm:style>
-  </dgm:styleLbl>
-  <dgm:styleLbl name="fgSibTrans2D1">
-    <dgm:scene3d>
-      <a:camera prst="orthographicFront"/>
-      <a:lightRig rig="threePt" dir="t"/>
-    </dgm:scene3d>
-    <dgm:sp3d/>
-    <dgm:txPr/>
-    <dgm:style>
-      <a:lnRef idx="0">
-        <a:scrgbClr r="0" g="0" b="0"/>
-      </a:lnRef>
-      <a:fillRef idx="1">
-        <a:scrgbClr r="0" g="0" b="0"/>
-      </a:fillRef>
-      <a:effectRef idx="0">
-        <a:scrgbClr r="0" g="0" b="0"/>
-      </a:effectRef>
-      <a:fontRef idx="minor">
-        <a:schemeClr val="lt1"/>
-      </a:fontRef>
-    </dgm:style>
-  </dgm:styleLbl>
-  <dgm:styleLbl name="bgSibTrans2D1">
-    <dgm:scene3d>
-      <a:camera prst="orthographicFront"/>
-      <a:lightRig rig="threePt" dir="t"/>
-    </dgm:scene3d>
-    <dgm:sp3d/>
-    <dgm:txPr/>
-    <dgm:style>
-      <a:lnRef idx="0">
-        <a:scrgbClr r="0" g="0" b="0"/>
-      </a:lnRef>
-      <a:fillRef idx="1">
-        <a:scrgbClr r="0" g="0" b="0"/>
-      </a:fillRef>
-      <a:effectRef idx="0">
-        <a:scrgbClr r="0" g="0" b="0"/>
-      </a:effectRef>
-      <a:fontRef idx="minor">
-        <a:schemeClr val="lt1"/>
-      </a:fontRef>
-    </dgm:style>
-  </dgm:styleLbl>
-  <dgm:styleLbl name="sibTrans1D1">
-    <dgm:scene3d>
-      <a:camera prst="orthographicFront"/>
-      <a:lightRig rig="threePt" dir="t"/>
-    </dgm:scene3d>
-    <dgm:sp3d/>
-    <dgm:txPr/>
-    <dgm:style>
-      <a:lnRef idx="1">
-        <a:scrgbClr r="0" g="0" b="0"/>
-      </a:lnRef>
-      <a:fillRef idx="0">
-        <a:scrgbClr r="0" g="0" b="0"/>
-      </a:fillRef>
-      <a:effectRef idx="0">
-        <a:scrgbClr r="0" g="0" b="0"/>
-      </a:effectRef>
-      <a:fontRef idx="minor"/>
-    </dgm:style>
-  </dgm:styleLbl>
-  <dgm:styleLbl name="callout">
-    <dgm:scene3d>
-      <a:camera prst="orthographicFront"/>
-      <a:lightRig rig="threePt" dir="t"/>
-    </dgm:scene3d>
-    <dgm:sp3d/>
-    <dgm:txPr/>
-    <dgm:style>
-      <a:lnRef idx="2">
-        <a:scrgbClr r="0" g="0" b="0"/>
-      </a:lnRef>
-      <a:fillRef idx="1">
-        <a:scrgbClr r="0" g="0" b="0"/>
-      </a:fillRef>
-      <a:effectRef idx="0">
-        <a:scrgbClr r="0" g="0" b="0"/>
-      </a:effectRef>
-      <a:fontRef idx="minor"/>
-    </dgm:style>
-  </dgm:styleLbl>
-  <dgm:styleLbl name="asst0">
-    <dgm:scene3d>
-      <a:camera prst="orthographicFront"/>
-      <a:lightRig rig="threePt" dir="t"/>
-    </dgm:scene3d>
-    <dgm:sp3d/>
-    <dgm:txPr/>
-    <dgm:style>
-      <a:lnRef idx="2">
-        <a:scrgbClr r="0" g="0" b="0"/>
-      </a:lnRef>
-      <a:fillRef idx="1">
-        <a:scrgbClr r="0" g="0" b="0"/>
-      </a:fillRef>
-      <a:effectRef idx="0">
-        <a:scrgbClr r="0" g="0" b="0"/>
-      </a:effectRef>
-      <a:fontRef idx="minor">
-        <a:schemeClr val="lt1"/>
-      </a:fontRef>
-    </dgm:style>
-  </dgm:styleLbl>
-  <dgm:styleLbl name="asst1">
-    <dgm:scene3d>
-      <a:camera prst="orthographicFront"/>
-      <a:lightRig rig="threePt" dir="t"/>
-    </dgm:scene3d>
-    <dgm:sp3d/>
-    <dgm:txPr/>
-    <dgm:style>
-      <a:lnRef idx="2">
-        <a:scrgbClr r="0" g="0" b="0"/>
-      </a:lnRef>
-      <a:fillRef idx="1">
-        <a:scrgbClr r="0" g="0" b="0"/>
-      </a:fillRef>
-      <a:effectRef idx="0">
-        <a:scrgbClr r="0" g="0" b="0"/>
-      </a:effectRef>
-      <a:fontRef idx="minor">
-        <a:schemeClr val="lt1"/>
-      </a:fontRef>
-    </dgm:style>
-  </dgm:styleLbl>
-  <dgm:styleLbl name="asst2">
-    <dgm:scene3d>
-      <a:camera prst="orthographicFront"/>
-      <a:lightRig rig="threePt" dir="t"/>
-    </dgm:scene3d>
-    <dgm:sp3d/>
-    <dgm:txPr/>
-    <dgm:style>
-      <a:lnRef idx="2">
-        <a:scrgbClr r="0" g="0" b="0"/>
-      </a:lnRef>
-      <a:fillRef idx="1">
-        <a:scrgbClr r="0" g="0" b="0"/>
-      </a:fillRef>
-      <a:effectRef idx="0">
-        <a:scrgbClr r="0" g="0" b="0"/>
-      </a:effectRef>
-      <a:fontRef idx="minor">
-        <a:schemeClr val="lt1"/>
-      </a:fontRef>
-    </dgm:style>
-  </dgm:styleLbl>
-  <dgm:styleLbl name="asst3">
-    <dgm:scene3d>
-      <a:camera prst="orthographicFront"/>
-      <a:lightRig rig="threePt" dir="t"/>
-    </dgm:scene3d>
-    <dgm:sp3d/>
-    <dgm:txPr/>
-    <dgm:style>
-      <a:lnRef idx="2">
-        <a:scrgbClr r="0" g="0" b="0"/>
-      </a:lnRef>
-      <a:fillRef idx="1">
-        <a:scrgbClr r="0" g="0" b="0"/>
-      </a:fillRef>
-      <a:effectRef idx="0">
-        <a:scrgbClr r="0" g="0" b="0"/>
-      </a:effectRef>
-      <a:fontRef idx="minor">
-        <a:schemeClr val="lt1"/>
-      </a:fontRef>
-    </dgm:style>
-  </dgm:styleLbl>
-  <dgm:styleLbl name="asst4">
-    <dgm:scene3d>
-      <a:camera prst="orthographicFront"/>
-      <a:lightRig rig="threePt" dir="t"/>
-    </dgm:scene3d>
-    <dgm:sp3d/>
-    <dgm:txPr/>
-    <dgm:style>
-      <a:lnRef idx="2">
-        <a:scrgbClr r="0" g="0" b="0"/>
-      </a:lnRef>
-      <a:fillRef idx="1">
-        <a:scrgbClr r="0" g="0" b="0"/>
-      </a:fillRef>
-      <a:effectRef idx="0">
-        <a:scrgbClr r="0" g="0" b="0"/>
-      </a:effectRef>
-      <a:fontRef idx="minor">
-        <a:schemeClr val="lt1"/>
-      </a:fontRef>
-    </dgm:style>
-  </dgm:styleLbl>
-  <dgm:styleLbl name="parChTrans2D1">
-    <dgm:scene3d>
-      <a:camera prst="orthographicFront"/>
-      <a:lightRig rig="threePt" dir="t"/>
-    </dgm:scene3d>
-    <dgm:sp3d/>
-    <dgm:txPr/>
-    <dgm:style>
-      <a:lnRef idx="2">
-        <a:scrgbClr r="0" g="0" b="0"/>
-      </a:lnRef>
-      <a:fillRef idx="1">
-        <a:scrgbClr r="0" g="0" b="0"/>
-      </a:fillRef>
-      <a:effectRef idx="0">
-        <a:scrgbClr r="0" g="0" b="0"/>
-      </a:effectRef>
-      <a:fontRef idx="minor">
-        <a:schemeClr val="lt1"/>
-      </a:fontRef>
-    </dgm:style>
-  </dgm:styleLbl>
-  <dgm:styleLbl name="parChTrans2D2">
-    <dgm:scene3d>
-      <a:camera prst="orthographicFront"/>
-      <a:lightRig rig="threePt" dir="t"/>
-    </dgm:scene3d>
-    <dgm:sp3d/>
-    <dgm:txPr/>
-    <dgm:style>
-      <a:lnRef idx="2">
-        <a:scrgbClr r="0" g="0" b="0"/>
-      </a:lnRef>
-      <a:fillRef idx="1">
-        <a:scrgbClr r="0" g="0" b="0"/>
-      </a:fillRef>
-      <a:effectRef idx="0">
-        <a:scrgbClr r="0" g="0" b="0"/>
-      </a:effectRef>
-      <a:fontRef idx="minor">
-        <a:schemeClr val="lt1"/>
-      </a:fontRef>
-    </dgm:style>
-  </dgm:styleLbl>
-  <dgm:styleLbl name="parChTrans2D3">
-    <dgm:scene3d>
-      <a:camera prst="orthographicFront"/>
-      <a:lightRig rig="threePt" dir="t"/>
-    </dgm:scene3d>
-    <dgm:sp3d/>
-    <dgm:txPr/>
-    <dgm:style>
-      <a:lnRef idx="2">
-        <a:scrgbClr r="0" g="0" b="0"/>
-      </a:lnRef>
-      <a:fillRef idx="1">
-        <a:scrgbClr r="0" g="0" b="0"/>
-      </a:fillRef>
-      <a:effectRef idx="0">
-        <a:scrgbClr r="0" g="0" b="0"/>
-      </a:effectRef>
-      <a:fontRef idx="minor">
-        <a:schemeClr val="lt1"/>
-      </a:fontRef>
-    </dgm:style>
-  </dgm:styleLbl>
-  <dgm:styleLbl name="parChTrans2D4">
-    <dgm:scene3d>
-      <a:camera prst="orthographicFront"/>
-      <a:lightRig rig="threePt" dir="t"/>
-    </dgm:scene3d>
-    <dgm:sp3d/>
-    <dgm:txPr/>
-    <dgm:style>
-      <a:lnRef idx="2">
-        <a:scrgbClr r="0" g="0" b="0"/>
-      </a:lnRef>
-      <a:fillRef idx="1">
-        <a:scrgbClr r="0" g="0" b="0"/>
-      </a:fillRef>
-      <a:effectRef idx="0">
-        <a:scrgbClr r="0" g="0" b="0"/>
-      </a:effectRef>
-      <a:fontRef idx="minor">
-        <a:schemeClr val="lt1"/>
-      </a:fontRef>
-    </dgm:style>
-  </dgm:styleLbl>
-  <dgm:styleLbl name="parChTrans1D1">
-    <dgm:scene3d>
-      <a:camera prst="orthographicFront"/>
-      <a:lightRig rig="threePt" dir="t"/>
-    </dgm:scene3d>
-    <dgm:sp3d/>
-    <dgm:txPr/>
-    <dgm:style>
-      <a:lnRef idx="2">
-        <a:scrgbClr r="0" g="0" b="0"/>
-      </a:lnRef>
-      <a:fillRef idx="0">
-        <a:scrgbClr r="0" g="0" b="0"/>
-      </a:fillRef>
-      <a:effectRef idx="0">
-        <a:scrgbClr r="0" g="0" b="0"/>
-      </a:effectRef>
-      <a:fontRef idx="minor"/>
-    </dgm:style>
-  </dgm:styleLbl>
-  <dgm:styleLbl name="parChTrans1D2">
-    <dgm:scene3d>
-      <a:camera prst="orthographicFront"/>
-      <a:lightRig rig="threePt" dir="t"/>
-    </dgm:scene3d>
-    <dgm:sp3d/>
-    <dgm:txPr/>
-    <dgm:style>
-      <a:lnRef idx="2">
-        <a:scrgbClr r="0" g="0" b="0"/>
-      </a:lnRef>
-      <a:fillRef idx="0">
-        <a:scrgbClr r="0" g="0" b="0"/>
-      </a:fillRef>
-      <a:effectRef idx="0">
-        <a:scrgbClr r="0" g="0" b="0"/>
-      </a:effectRef>
-      <a:fontRef idx="minor"/>
-    </dgm:style>
-  </dgm:styleLbl>
-  <dgm:styleLbl name="parChTrans1D3">
-    <dgm:scene3d>
-      <a:camera prst="orthographicFront"/>
-      <a:lightRig rig="threePt" dir="t"/>
-    </dgm:scene3d>
-    <dgm:sp3d/>
-    <dgm:txPr/>
-    <dgm:style>
-      <a:lnRef idx="2">
-        <a:scrgbClr r="0" g="0" b="0"/>
-      </a:lnRef>
-      <a:fillRef idx="0">
-        <a:scrgbClr r="0" g="0" b="0"/>
-      </a:fillRef>
-      <a:effectRef idx="0">
-        <a:scrgbClr r="0" g="0" b="0"/>
-      </a:effectRef>
-      <a:fontRef idx="minor"/>
-    </dgm:style>
-  </dgm:styleLbl>
-  <dgm:styleLbl name="parChTrans1D4">
-    <dgm:scene3d>
-      <a:camera prst="orthographicFront"/>
-      <a:lightRig rig="threePt" dir="t"/>
-    </dgm:scene3d>
-    <dgm:sp3d/>
-    <dgm:txPr/>
-    <dgm:style>
-      <a:lnRef idx="2">
-        <a:scrgbClr r="0" g="0" b="0"/>
-      </a:lnRef>
-      <a:fillRef idx="0">
-        <a:scrgbClr r="0" g="0" b="0"/>
-      </a:fillRef>
-      <a:effectRef idx="0">
-        <a:scrgbClr r="0" g="0" b="0"/>
-      </a:effectRef>
-      <a:fontRef idx="minor"/>
-    </dgm:style>
-  </dgm:styleLbl>
-  <dgm:styleLbl name="fgAcc1">
-    <dgm:scene3d>
-      <a:camera prst="orthographicFront"/>
-      <a:lightRig rig="threePt" dir="t"/>
-    </dgm:scene3d>
-    <dgm:sp3d/>
-    <dgm:txPr/>
-    <dgm:style>
-      <a:lnRef idx="2">
-        <a:scrgbClr r="0" g="0" b="0"/>
-      </a:lnRef>
-      <a:fillRef idx="1">
-        <a:scrgbClr r="0" g="0" b="0"/>
-      </a:fillRef>
-      <a:effectRef idx="0">
-        <a:scrgbClr r="0" g="0" b="0"/>
-      </a:effectRef>
-      <a:fontRef idx="minor"/>
-    </dgm:style>
-  </dgm:styleLbl>
-  <dgm:styleLbl name="conFgAcc1">
-    <dgm:scene3d>
-      <a:camera prst="orthographicFront"/>
-      <a:lightRig rig="threePt" dir="t"/>
-    </dgm:scene3d>
-    <dgm:sp3d/>
-    <dgm:txPr/>
-    <dgm:style>
-      <a:lnRef idx="2">
-        <a:scrgbClr r="0" g="0" b="0"/>
-      </a:lnRef>
-      <a:fillRef idx="1">
-        <a:scrgbClr r="0" g="0" b="0"/>
-      </a:fillRef>
-      <a:effectRef idx="0">
-        <a:scrgbClr r="0" g="0" b="0"/>
-      </a:effectRef>
-      <a:fontRef idx="minor"/>
-    </dgm:style>
-  </dgm:styleLbl>
-  <dgm:styleLbl name="alignAcc1">
-    <dgm:scene3d>
-      <a:camera prst="orthographicFront"/>
-      <a:lightRig rig="threePt" dir="t"/>
-    </dgm:scene3d>
-    <dgm:sp3d/>
-    <dgm:txPr/>
-    <dgm:style>
-      <a:lnRef idx="2">
-        <a:scrgbClr r="0" g="0" b="0"/>
-      </a:lnRef>
-      <a:fillRef idx="1">
-        <a:scrgbClr r="0" g="0" b="0"/>
-      </a:fillRef>
-      <a:effectRef idx="0">
-        <a:scrgbClr r="0" g="0" b="0"/>
-      </a:effectRef>
-      <a:fontRef idx="minor"/>
-    </dgm:style>
-  </dgm:styleLbl>
-  <dgm:styleLbl name="trAlignAcc1">
-    <dgm:scene3d>
-      <a:camera prst="orthographicFront"/>
-      <a:lightRig rig="threePt" dir="t"/>
-    </dgm:scene3d>
-    <dgm:sp3d/>
-    <dgm:txPr/>
-    <dgm:style>
-      <a:lnRef idx="1">
-        <a:scrgbClr r="0" g="0" b="0"/>
-      </a:lnRef>
-      <a:fillRef idx="1">
-        <a:scrgbClr r="0" g="0" b="0"/>
-      </a:fillRef>
-      <a:effectRef idx="0">
-        <a:scrgbClr r="0" g="0" b="0"/>
-      </a:effectRef>
-      <a:fontRef idx="minor"/>
-    </dgm:style>
-  </dgm:styleLbl>
-  <dgm:styleLbl name="bgAcc1">
-    <dgm:scene3d>
-      <a:camera prst="orthographicFront"/>
-      <a:lightRig rig="threePt" dir="t"/>
-    </dgm:scene3d>
-    <dgm:sp3d/>
-    <dgm:txPr/>
-    <dgm:style>
-      <a:lnRef idx="2">
-        <a:scrgbClr r="0" g="0" b="0"/>
-      </a:lnRef>
-      <a:fillRef idx="1">
-        <a:scrgbClr r="0" g="0" b="0"/>
-      </a:fillRef>
-      <a:effectRef idx="0">
-        <a:scrgbClr r="0" g="0" b="0"/>
-      </a:effectRef>
-      <a:fontRef idx="minor"/>
-    </dgm:style>
-  </dgm:styleLbl>
-  <dgm:styleLbl name="solidFgAcc1">
-    <dgm:scene3d>
-      <a:camera prst="orthographicFront"/>
-      <a:lightRig rig="threePt" dir="t"/>
-    </dgm:scene3d>
-    <dgm:sp3d/>
-    <dgm:txPr/>
-    <dgm:style>
-      <a:lnRef idx="2">
-        <a:scrgbClr r="0" g="0" b="0"/>
-      </a:lnRef>
-      <a:fillRef idx="1">
-        <a:scrgbClr r="0" g="0" b="0"/>
-      </a:fillRef>
-      <a:effectRef idx="0">
-        <a:scrgbClr r="0" g="0" b="0"/>
-      </a:effectRef>
-      <a:fontRef idx="minor"/>
-    </dgm:style>
-  </dgm:styleLbl>
-  <dgm:styleLbl name="solidAlignAcc1">
-    <dgm:scene3d>
-      <a:camera prst="orthographicFront"/>
-      <a:lightRig rig="threePt" dir="t"/>
-    </dgm:scene3d>
-    <dgm:sp3d/>
-    <dgm:txPr/>
-    <dgm:style>
-      <a:lnRef idx="2">
-        <a:scrgbClr r="0" g="0" b="0"/>
-      </a:lnRef>
-      <a:fillRef idx="1">
-        <a:scrgbClr r="0" g="0" b="0"/>
-      </a:fillRef>
-      <a:effectRef idx="0">
-        <a:scrgbClr r="0" g="0" b="0"/>
-      </a:effectRef>
-      <a:fontRef idx="minor"/>
-    </dgm:style>
-  </dgm:styleLbl>
-  <dgm:styleLbl name="solidBgAcc1">
-    <dgm:scene3d>
-      <a:camera prst="orthographicFront"/>
-      <a:lightRig rig="threePt" dir="t"/>
-    </dgm:scene3d>
-    <dgm:sp3d/>
-    <dgm:txPr/>
-    <dgm:style>
-      <a:lnRef idx="2">
-        <a:scrgbClr r="0" g="0" b="0"/>
-      </a:lnRef>
-      <a:fillRef idx="1">
-        <a:scrgbClr r="0" g="0" b="0"/>
-      </a:fillRef>
-      <a:effectRef idx="0">
-        <a:scrgbClr r="0" g="0" b="0"/>
-      </a:effectRef>
-      <a:fontRef idx="minor"/>
-    </dgm:style>
-  </dgm:styleLbl>
-  <dgm:styleLbl name="fgAccFollowNode1">
-    <dgm:scene3d>
-      <a:camera prst="orthographicFront"/>
-      <a:lightRig rig="threePt" dir="t"/>
-    </dgm:scene3d>
-    <dgm:sp3d/>
-    <dgm:txPr/>
-    <dgm:style>
-      <a:lnRef idx="2">
-        <a:scrgbClr r="0" g="0" b="0"/>
-      </a:lnRef>
-      <a:fillRef idx="1">
-        <a:scrgbClr r="0" g="0" b="0"/>
-      </a:fillRef>
-      <a:effectRef idx="0">
-        <a:scrgbClr r="0" g="0" b="0"/>
-      </a:effectRef>
-      <a:fontRef idx="minor"/>
-    </dgm:style>
-  </dgm:styleLbl>
-  <dgm:styleLbl name="alignAccFollowNode1">
-    <dgm:scene3d>
-      <a:camera prst="orthographicFront"/>
-      <a:lightRig rig="threePt" dir="t"/>
-    </dgm:scene3d>
-    <dgm:sp3d/>
-    <dgm:txPr/>
-    <dgm:style>
-      <a:lnRef idx="2">
-        <a:scrgbClr r="0" g="0" b="0"/>
-      </a:lnRef>
-      <a:fillRef idx="1">
-        <a:scrgbClr r="0" g="0" b="0"/>
-      </a:fillRef>
-      <a:effectRef idx="0">
-        <a:scrgbClr r="0" g="0" b="0"/>
-      </a:effectRef>
-      <a:fontRef idx="minor"/>
-    </dgm:style>
-  </dgm:styleLbl>
-  <dgm:styleLbl name="bgAccFollowNode1">
-    <dgm:scene3d>
-      <a:camera prst="orthographicFront"/>
-      <a:lightRig rig="threePt" dir="t"/>
-    </dgm:scene3d>
-    <dgm:sp3d/>
-    <dgm:txPr/>
-    <dgm:style>
-      <a:lnRef idx="2">
-        <a:scrgbClr r="0" g="0" b="0"/>
-      </a:lnRef>
-      <a:fillRef idx="1">
-        <a:scrgbClr r="0" g="0" b="0"/>
-      </a:fillRef>
-      <a:effectRef idx="0">
-        <a:scrgbClr r="0" g="0" b="0"/>
-      </a:effectRef>
-      <a:fontRef idx="minor"/>
-    </dgm:style>
-  </dgm:styleLbl>
-  <dgm:styleLbl name="fgAcc0">
-    <dgm:scene3d>
-      <a:camera prst="orthographicFront"/>
-      <a:lightRig rig="threePt" dir="t"/>
-    </dgm:scene3d>
-    <dgm:sp3d/>
-    <dgm:txPr/>
-    <dgm:style>
-      <a:lnRef idx="2">
-        <a:scrgbClr r="0" g="0" b="0"/>
-      </a:lnRef>
-      <a:fillRef idx="1">
-        <a:scrgbClr r="0" g="0" b="0"/>
-      </a:fillRef>
-      <a:effectRef idx="0">
-        <a:scrgbClr r="0" g="0" b="0"/>
-      </a:effectRef>
-      <a:fontRef idx="minor"/>
-    </dgm:style>
-  </dgm:styleLbl>
-  <dgm:styleLbl name="fgAcc2">
-    <dgm:scene3d>
-      <a:camera prst="orthographicFront"/>
-      <a:lightRig rig="threePt" dir="t"/>
-    </dgm:scene3d>
-    <dgm:sp3d/>
-    <dgm:txPr/>
-    <dgm:style>
-      <a:lnRef idx="2">
-        <a:scrgbClr r="0" g="0" b="0"/>
-      </a:lnRef>
-      <a:fillRef idx="1">
-        <a:scrgbClr r="0" g="0" b="0"/>
-      </a:fillRef>
-      <a:effectRef idx="0">
-        <a:scrgbClr r="0" g="0" b="0"/>
-      </a:effectRef>
-      <a:fontRef idx="minor"/>
-    </dgm:style>
-  </dgm:styleLbl>
-  <dgm:styleLbl name="fgAcc3">
-    <dgm:scene3d>
-      <a:camera prst="orthographicFront"/>
-      <a:lightRig rig="threePt" dir="t"/>
-    </dgm:scene3d>
-    <dgm:sp3d/>
-    <dgm:txPr/>
-    <dgm:style>
-      <a:lnRef idx="2">
-        <a:scrgbClr r="0" g="0" b="0"/>
-      </a:lnRef>
-      <a:fillRef idx="1">
-        <a:scrgbClr r="0" g="0" b="0"/>
-      </a:fillRef>
-      <a:effectRef idx="0">
-        <a:scrgbClr r="0" g="0" b="0"/>
-      </a:effectRef>
-      <a:fontRef idx="minor"/>
-    </dgm:style>
-  </dgm:styleLbl>
-  <dgm:styleLbl name="fgAcc4">
-    <dgm:scene3d>
-      <a:camera prst="orthographicFront"/>
-      <a:lightRig rig="threePt" dir="t"/>
-    </dgm:scene3d>
-    <dgm:sp3d/>
-    <dgm:txPr/>
-    <dgm:style>
-      <a:lnRef idx="2">
-        <a:scrgbClr r="0" g="0" b="0"/>
-      </a:lnRef>
-      <a:fillRef idx="1">
-        <a:scrgbClr r="0" g="0" b="0"/>
-      </a:fillRef>
-      <a:effectRef idx="0">
-        <a:scrgbClr r="0" g="0" b="0"/>
-      </a:effectRef>
-      <a:fontRef idx="minor"/>
-    </dgm:style>
-  </dgm:styleLbl>
-  <dgm:styleLbl name="bgShp">
-    <dgm:scene3d>
-      <a:camera prst="orthographicFront"/>
-      <a:lightRig rig="threePt" dir="t"/>
-    </dgm:scene3d>
-    <dgm:sp3d/>
-    <dgm:txPr/>
-    <dgm:style>
-      <a:lnRef idx="0">
-        <a:scrgbClr r="0" g="0" b="0"/>
-      </a:lnRef>
-      <a:fillRef idx="1">
-        <a:scrgbClr r="0" g="0" b="0"/>
-      </a:fillRef>
-      <a:effectRef idx="0">
-        <a:scrgbClr r="0" g="0" b="0"/>
-      </a:effectRef>
-      <a:fontRef idx="minor"/>
-    </dgm:style>
-  </dgm:styleLbl>
-  <dgm:styleLbl name="dkBgShp">
-    <dgm:scene3d>
-      <a:camera prst="orthographicFront"/>
-      <a:lightRig rig="threePt" dir="t"/>
-    </dgm:scene3d>
-    <dgm:sp3d/>
-    <dgm:txPr/>
-    <dgm:style>
-      <a:lnRef idx="0">
-        <a:scrgbClr r="0" g="0" b="0"/>
-      </a:lnRef>
-      <a:fillRef idx="1">
-        <a:scrgbClr r="0" g="0" b="0"/>
-      </a:fillRef>
-      <a:effectRef idx="0">
-        <a:scrgbClr r="0" g="0" b="0"/>
-      </a:effectRef>
-      <a:fontRef idx="minor"/>
-    </dgm:style>
-  </dgm:styleLbl>
-  <dgm:styleLbl name="trBgShp">
-    <dgm:scene3d>
-      <a:camera prst="orthographicFront"/>
-      <a:lightRig rig="threePt" dir="t"/>
-    </dgm:scene3d>
-    <dgm:sp3d/>
-    <dgm:txPr/>
-    <dgm:style>
-      <a:lnRef idx="0">
-        <a:scrgbClr r="0" g="0" b="0"/>
-      </a:lnRef>
-      <a:fillRef idx="1">
-        <a:scrgbClr r="0" g="0" b="0"/>
-      </a:fillRef>
-      <a:effectRef idx="0">
-        <a:scrgbClr r="0" g="0" b="0"/>
-      </a:effectRef>
-      <a:fontRef idx="minor"/>
-    </dgm:style>
-  </dgm:styleLbl>
-  <dgm:styleLbl name="fgShp">
-    <dgm:scene3d>
-      <a:camera prst="orthographicFront"/>
-      <a:lightRig rig="threePt" dir="t"/>
-    </dgm:scene3d>
-    <dgm:sp3d/>
-    <dgm:txPr/>
-    <dgm:style>
-      <a:lnRef idx="2">
-        <a:scrgbClr r="0" g="0" b="0"/>
-      </a:lnRef>
-      <a:fillRef idx="1">
-        <a:scrgbClr r="0" g="0" b="0"/>
-      </a:fillRef>
-      <a:effectRef idx="0">
-        <a:scrgbClr r="0" g="0" b="0"/>
-      </a:effectRef>
-      <a:fontRef idx="minor"/>
-    </dgm:style>
-  </dgm:styleLbl>
-  <dgm:styleLbl name="revTx">
-    <dgm:scene3d>
-      <a:camera prst="orthographicFront"/>
-      <a:lightRig rig="threePt" dir="t"/>
-    </dgm:scene3d>
-    <dgm:sp3d/>
-    <dgm:txPr/>
-    <dgm:style>
-      <a:lnRef idx="0">
-        <a:scrgbClr r="0" g="0" b="0"/>
-      </a:lnRef>
-      <a:fillRef idx="0">
-        <a:scrgbClr r="0" g="0" b="0"/>
-      </a:fillRef>
-      <a:effectRef idx="0">
-        <a:scrgbClr r="0" g="0" b="0"/>
-      </a:effectRef>
-      <a:fontRef idx="minor"/>
-    </dgm:style>
-  </dgm:styleLbl>
-</dgm:styleDef>
-</file>
-
 <file path=ppt/notesMasters/notesMaster1.xml><?xml version="1.0" encoding="utf-8"?>
 <p:notesMaster xmlns:a="http://schemas.openxmlformats.org/drawingml/2006/main" xmlns:r="http://schemas.openxmlformats.org/officeDocument/2006/relationships" xmlns:p="http://schemas.openxmlformats.org/presentationml/2006/main">
   <p:cSld>
@@ -3466,7 +403,7 @@
     </p:spTree>
     <p:extLst>
       <p:ext uri="{BB962C8B-B14F-4D97-AF65-F5344CB8AC3E}">
-        <p14:creationId xmlns:p14="http://schemas.microsoft.com/office/powerpoint/2010/main" xmlns="" val="207503378"/>
+        <p14:creationId xmlns:p14="http://schemas.microsoft.com/office/powerpoint/2010/main" val="207503378"/>
       </p:ext>
     </p:extLst>
   </p:cSld>
@@ -3649,7 +586,7 @@
     </p:spTree>
     <p:extLst>
       <p:ext uri="{BB962C8B-B14F-4D97-AF65-F5344CB8AC3E}">
-        <p14:creationId xmlns:p14="http://schemas.microsoft.com/office/powerpoint/2010/main" xmlns="" val="3868572031"/>
+        <p14:creationId xmlns:p14="http://schemas.microsoft.com/office/powerpoint/2010/main" val="3868572031"/>
       </p:ext>
     </p:extLst>
   </p:cSld>
@@ -3742,7 +679,7 @@
     </p:spTree>
     <p:extLst>
       <p:ext uri="{BB962C8B-B14F-4D97-AF65-F5344CB8AC3E}">
-        <p14:creationId xmlns:p14="http://schemas.microsoft.com/office/powerpoint/2010/main" xmlns="" val="420278679"/>
+        <p14:creationId xmlns:p14="http://schemas.microsoft.com/office/powerpoint/2010/main" val="420278679"/>
       </p:ext>
     </p:extLst>
   </p:cSld>
@@ -3831,7 +768,7 @@
     </p:spTree>
     <p:extLst>
       <p:ext uri="{BB962C8B-B14F-4D97-AF65-F5344CB8AC3E}">
-        <p14:creationId xmlns:p14="http://schemas.microsoft.com/office/powerpoint/2010/main" xmlns="" val="3791852615"/>
+        <p14:creationId xmlns:p14="http://schemas.microsoft.com/office/powerpoint/2010/main" val="3791852615"/>
       </p:ext>
     </p:extLst>
   </p:cSld>
@@ -3924,7 +861,7 @@
     </p:spTree>
     <p:extLst>
       <p:ext uri="{BB962C8B-B14F-4D97-AF65-F5344CB8AC3E}">
-        <p14:creationId xmlns:p14="http://schemas.microsoft.com/office/powerpoint/2010/main" xmlns="" val="2529747063"/>
+        <p14:creationId xmlns:p14="http://schemas.microsoft.com/office/powerpoint/2010/main" val="2529747063"/>
       </p:ext>
     </p:extLst>
   </p:cSld>
@@ -4017,7 +954,7 @@
     </p:spTree>
     <p:extLst>
       <p:ext uri="{BB962C8B-B14F-4D97-AF65-F5344CB8AC3E}">
-        <p14:creationId xmlns:p14="http://schemas.microsoft.com/office/powerpoint/2010/main" xmlns="" val="1645182591"/>
+        <p14:creationId xmlns:p14="http://schemas.microsoft.com/office/powerpoint/2010/main" val="1645182591"/>
       </p:ext>
     </p:extLst>
   </p:cSld>
@@ -4110,7 +1047,7 @@
     </p:spTree>
     <p:extLst>
       <p:ext uri="{BB962C8B-B14F-4D97-AF65-F5344CB8AC3E}">
-        <p14:creationId xmlns:p14="http://schemas.microsoft.com/office/powerpoint/2010/main" xmlns="" val="472406459"/>
+        <p14:creationId xmlns:p14="http://schemas.microsoft.com/office/powerpoint/2010/main" val="472406459"/>
       </p:ext>
     </p:extLst>
   </p:cSld>
@@ -4199,7 +1136,7 @@
     </p:spTree>
     <p:extLst>
       <p:ext uri="{BB962C8B-B14F-4D97-AF65-F5344CB8AC3E}">
-        <p14:creationId xmlns:p14="http://schemas.microsoft.com/office/powerpoint/2010/main" xmlns="" val="2325613551"/>
+        <p14:creationId xmlns:p14="http://schemas.microsoft.com/office/powerpoint/2010/main" val="2325613551"/>
       </p:ext>
     </p:extLst>
   </p:cSld>
@@ -4417,7 +1354,7 @@
     </p:spTree>
     <p:extLst>
       <p:ext uri="{BB962C8B-B14F-4D97-AF65-F5344CB8AC3E}">
-        <p14:creationId xmlns:p14="http://schemas.microsoft.com/office/powerpoint/2010/main" xmlns="" val="1428842331"/>
+        <p14:creationId xmlns:p14="http://schemas.microsoft.com/office/powerpoint/2010/main" val="1428842331"/>
       </p:ext>
     </p:extLst>
   </p:cSld>
@@ -8110,55 +5047,6 @@
       </p:grpSpPr>
       <p:sp>
         <p:nvSpPr>
-          <p:cNvPr id="2" name="Title 1"/>
-          <p:cNvSpPr>
-            <a:spLocks noGrp="1"/>
-          </p:cNvSpPr>
-          <p:nvPr>
-            <p:ph type="title"/>
-          </p:nvPr>
-        </p:nvSpPr>
-        <p:spPr/>
-        <p:txBody>
-          <a:bodyPr>
-            <a:noAutofit/>
-          </a:bodyPr>
-          <a:lstStyle/>
-          <a:p>
-            <a:r>
-              <a:rPr lang="en-US" dirty="0" smtClean="0"/>
-              <a:t>Applications of </a:t>
-            </a:r>
-            <a:r>
-              <a:rPr lang="en-US" dirty="0" smtClean="0"/>
-              <a:t>CRNs</a:t>
-            </a:r>
-            <a:endParaRPr lang="en-US" dirty="0"/>
-          </a:p>
-        </p:txBody>
-      </p:sp>
-      <p:graphicFrame>
-        <p:nvGraphicFramePr>
-          <p:cNvPr id="9" name="Content Placeholder 8"/>
-          <p:cNvGraphicFramePr>
-            <a:graphicFrameLocks noGrp="1"/>
-          </p:cNvGraphicFramePr>
-          <p:nvPr>
-            <p:ph idx="1"/>
-          </p:nvPr>
-        </p:nvGraphicFramePr>
-        <p:xfrm>
-          <a:off x="1447800" y="2696568"/>
-          <a:ext cx="6248400" cy="2746616"/>
-        </p:xfrm>
-        <a:graphic>
-          <a:graphicData uri="http://schemas.openxmlformats.org/drawingml/2006/diagram">
-            <dgm:relIds xmlns:dgm="http://schemas.openxmlformats.org/drawingml/2006/diagram" xmlns:r="http://schemas.openxmlformats.org/officeDocument/2006/relationships" r:dm="rId2" r:lo="rId3" r:qs="rId4" r:cs="rId5"/>
-          </a:graphicData>
-        </a:graphic>
-      </p:graphicFrame>
-      <p:sp>
-        <p:nvSpPr>
           <p:cNvPr id="8" name="Slide Number Placeholder 7"/>
           <p:cNvSpPr>
             <a:spLocks noGrp="1"/>
@@ -8190,14 +5078,14 @@
           <p:nvPr/>
         </p:nvPicPr>
         <p:blipFill>
-          <a:blip r:embed="rId7" cstate="print"/>
+          <a:blip r:embed="rId2" cstate="print"/>
           <a:stretch>
             <a:fillRect/>
           </a:stretch>
         </p:blipFill>
         <p:spPr>
           <a:xfrm>
-            <a:off x="3276600" y="1480784"/>
+            <a:off x="3276600" y="1600200"/>
             <a:ext cx="1170296" cy="1170296"/>
           </a:xfrm>
           <a:prstGeom prst="rect">
@@ -8214,14 +5102,14 @@
           <p:nvPr/>
         </p:nvPicPr>
         <p:blipFill>
-          <a:blip r:embed="rId8" cstate="print"/>
+          <a:blip r:embed="rId3"/>
           <a:stretch>
             <a:fillRect/>
           </a:stretch>
         </p:blipFill>
         <p:spPr>
           <a:xfrm>
-            <a:off x="257416" y="4864837"/>
+            <a:off x="257416" y="4984253"/>
             <a:ext cx="3327400" cy="1459763"/>
           </a:xfrm>
           <a:prstGeom prst="rect">
@@ -8238,14 +5126,14 @@
           <p:nvPr/>
         </p:nvPicPr>
         <p:blipFill>
-          <a:blip r:embed="rId9" cstate="print"/>
+          <a:blip r:embed="rId4"/>
           <a:stretch>
             <a:fillRect/>
           </a:stretch>
         </p:blipFill>
         <p:spPr>
           <a:xfrm>
-            <a:off x="5539074" y="4855192"/>
+            <a:off x="5539074" y="4974608"/>
             <a:ext cx="3168028" cy="1058242"/>
           </a:xfrm>
           <a:prstGeom prst="rect">
@@ -8262,14 +5150,14 @@
           <p:nvPr/>
         </p:nvPicPr>
         <p:blipFill>
-          <a:blip r:embed="rId10" cstate="print"/>
+          <a:blip r:embed="rId5"/>
           <a:stretch>
             <a:fillRect/>
           </a:stretch>
         </p:blipFill>
         <p:spPr>
           <a:xfrm>
-            <a:off x="109184" y="2234825"/>
+            <a:off x="109184" y="2354241"/>
             <a:ext cx="3060001" cy="1524000"/>
           </a:xfrm>
           <a:prstGeom prst="rect">
@@ -8286,14 +5174,14 @@
           <p:nvPr/>
         </p:nvPicPr>
         <p:blipFill>
-          <a:blip r:embed="rId11" cstate="print"/>
+          <a:blip r:embed="rId6"/>
           <a:stretch>
             <a:fillRect/>
           </a:stretch>
         </p:blipFill>
         <p:spPr>
           <a:xfrm>
-            <a:off x="5998192" y="1758288"/>
+            <a:off x="5998192" y="1877704"/>
             <a:ext cx="3075440" cy="1981200"/>
           </a:xfrm>
           <a:prstGeom prst="rect">
@@ -8301,7 +5189,840 @@
           </a:prstGeom>
         </p:spPr>
       </p:pic>
+      <p:sp>
+        <p:nvSpPr>
+          <p:cNvPr id="14" name="Title 1"/>
+          <p:cNvSpPr txBox="1">
+            <a:spLocks/>
+          </p:cNvSpPr>
+          <p:nvPr/>
+        </p:nvSpPr>
+        <p:spPr>
+          <a:xfrm>
+            <a:off x="609600" y="427038"/>
+            <a:ext cx="8229600" cy="1143000"/>
+          </a:xfrm>
+          <a:prstGeom prst="rect">
+            <a:avLst/>
+          </a:prstGeom>
+        </p:spPr>
+        <p:txBody>
+          <a:bodyPr vert="horz" lIns="91440" tIns="45720" rIns="91440" bIns="45720" rtlCol="0" anchor="ctr">
+            <a:noAutofit/>
+          </a:bodyPr>
+          <a:lstStyle>
+            <a:lvl1pPr algn="ctr" defTabSz="914400" rtl="0" eaLnBrk="1" latinLnBrk="0" hangingPunct="1">
+              <a:spcBef>
+                <a:spcPct val="0"/>
+              </a:spcBef>
+              <a:buNone/>
+              <a:defRPr sz="4400" kern="1200">
+                <a:solidFill>
+                  <a:schemeClr val="tx1"/>
+                </a:solidFill>
+                <a:latin typeface="+mj-lt"/>
+                <a:ea typeface="+mj-ea"/>
+                <a:cs typeface="+mj-cs"/>
+              </a:defRPr>
+            </a:lvl1pPr>
+          </a:lstStyle>
+          <a:p>
+            <a:r>
+              <a:rPr lang="en-US" smtClean="0"/>
+              <a:t>Applications of CRNs</a:t>
+            </a:r>
+            <a:endParaRPr lang="en-US" dirty="0"/>
+          </a:p>
+        </p:txBody>
+      </p:sp>
+      <p:grpSp>
+        <p:nvGrpSpPr>
+          <p:cNvPr id="15" name="Group 14"/>
+          <p:cNvGrpSpPr/>
+          <p:nvPr/>
+        </p:nvGrpSpPr>
+        <p:grpSpPr>
+          <a:xfrm>
+            <a:off x="3901457" y="4297713"/>
+            <a:ext cx="1341087" cy="1341087"/>
+            <a:chOff x="2453656" y="1405188"/>
+            <a:chExt cx="1341087" cy="1341087"/>
+          </a:xfrm>
+        </p:grpSpPr>
+        <p:sp>
+          <p:nvSpPr>
+            <p:cNvPr id="34" name="Oval 33"/>
+            <p:cNvSpPr/>
+            <p:nvPr/>
+          </p:nvSpPr>
+          <p:spPr>
+            <a:xfrm>
+              <a:off x="2453656" y="1405188"/>
+              <a:ext cx="1341087" cy="1341087"/>
+            </a:xfrm>
+            <a:prstGeom prst="ellipse">
+              <a:avLst/>
+            </a:prstGeom>
+          </p:spPr>
+          <p:style>
+            <a:lnRef idx="2">
+              <a:schemeClr val="lt1">
+                <a:hueOff val="0"/>
+                <a:satOff val="0"/>
+                <a:lumOff val="0"/>
+                <a:alphaOff val="0"/>
+              </a:schemeClr>
+            </a:lnRef>
+            <a:fillRef idx="1">
+              <a:schemeClr val="accent1">
+                <a:hueOff val="0"/>
+                <a:satOff val="0"/>
+                <a:lumOff val="0"/>
+                <a:alphaOff val="0"/>
+              </a:schemeClr>
+            </a:fillRef>
+            <a:effectRef idx="0">
+              <a:schemeClr val="accent1">
+                <a:hueOff val="0"/>
+                <a:satOff val="0"/>
+                <a:lumOff val="0"/>
+                <a:alphaOff val="0"/>
+              </a:schemeClr>
+            </a:effectRef>
+            <a:fontRef idx="minor">
+              <a:schemeClr val="lt1"/>
+            </a:fontRef>
+          </p:style>
+        </p:sp>
+        <p:sp>
+          <p:nvSpPr>
+            <p:cNvPr id="35" name="Oval 4"/>
+            <p:cNvSpPr/>
+            <p:nvPr/>
+          </p:nvSpPr>
+          <p:spPr>
+            <a:xfrm>
+              <a:off x="2650054" y="1601586"/>
+              <a:ext cx="948291" cy="948291"/>
+            </a:xfrm>
+            <a:prstGeom prst="rect">
+              <a:avLst/>
+            </a:prstGeom>
+          </p:spPr>
+          <p:style>
+            <a:lnRef idx="0">
+              <a:scrgbClr r="0" g="0" b="0"/>
+            </a:lnRef>
+            <a:fillRef idx="0">
+              <a:scrgbClr r="0" g="0" b="0"/>
+            </a:fillRef>
+            <a:effectRef idx="0">
+              <a:scrgbClr r="0" g="0" b="0"/>
+            </a:effectRef>
+            <a:fontRef idx="minor">
+              <a:schemeClr val="lt1"/>
+            </a:fontRef>
+          </p:style>
+          <p:txBody>
+            <a:bodyPr spcFirstLastPara="0" vert="horz" wrap="square" lIns="8890" tIns="8890" rIns="8890" bIns="8890" numCol="1" spcCol="1270" anchor="ctr" anchorCtr="0">
+              <a:noAutofit/>
+            </a:bodyPr>
+            <a:lstStyle/>
+            <a:p>
+              <a:pPr lvl="0" algn="ctr" defTabSz="622300">
+                <a:lnSpc>
+                  <a:spcPct val="90000"/>
+                </a:lnSpc>
+                <a:spcBef>
+                  <a:spcPct val="0"/>
+                </a:spcBef>
+                <a:spcAft>
+                  <a:spcPct val="35000"/>
+                </a:spcAft>
+              </a:pPr>
+              <a:r>
+                <a:rPr lang="en-US" sz="3600" b="1" kern="1200" baseline="-25000" dirty="0" smtClean="0"/>
+                <a:t>CRNs</a:t>
+              </a:r>
+              <a:endParaRPr lang="en-US" sz="3600" b="1" kern="1200" baseline="-25000" dirty="0"/>
+            </a:p>
+          </p:txBody>
+        </p:sp>
+      </p:grpSp>
+      <p:sp>
+        <p:nvSpPr>
+          <p:cNvPr id="16" name="Left Arrow 15"/>
+          <p:cNvSpPr/>
+          <p:nvPr/>
+        </p:nvSpPr>
+        <p:spPr>
+          <a:xfrm rot="763249">
+            <a:off x="3495576" y="4539503"/>
+            <a:ext cx="379026" cy="382209"/>
+          </a:xfrm>
+          <a:prstGeom prst="leftArrow">
+            <a:avLst>
+              <a:gd name="adj1" fmla="val 60000"/>
+              <a:gd name="adj2" fmla="val 50000"/>
+            </a:avLst>
+          </a:prstGeom>
+        </p:spPr>
+        <p:style>
+          <a:lnRef idx="0">
+            <a:schemeClr val="accent1">
+              <a:tint val="60000"/>
+              <a:hueOff val="0"/>
+              <a:satOff val="0"/>
+              <a:lumOff val="0"/>
+              <a:alphaOff val="0"/>
+            </a:schemeClr>
+          </a:lnRef>
+          <a:fillRef idx="1">
+            <a:schemeClr val="accent1">
+              <a:tint val="60000"/>
+              <a:hueOff val="0"/>
+              <a:satOff val="0"/>
+              <a:lumOff val="0"/>
+              <a:alphaOff val="0"/>
+            </a:schemeClr>
+          </a:fillRef>
+          <a:effectRef idx="0">
+            <a:schemeClr val="accent1">
+              <a:tint val="60000"/>
+              <a:hueOff val="0"/>
+              <a:satOff val="0"/>
+              <a:lumOff val="0"/>
+              <a:alphaOff val="0"/>
+            </a:schemeClr>
+          </a:effectRef>
+          <a:fontRef idx="minor">
+            <a:schemeClr val="lt1"/>
+          </a:fontRef>
+        </p:style>
+      </p:sp>
+      <p:grpSp>
+        <p:nvGrpSpPr>
+          <p:cNvPr id="17" name="Group 16"/>
+          <p:cNvGrpSpPr/>
+          <p:nvPr/>
+        </p:nvGrpSpPr>
+        <p:grpSpPr>
+          <a:xfrm>
+            <a:off x="2266207" y="4011496"/>
+            <a:ext cx="1274032" cy="1019226"/>
+            <a:chOff x="818406" y="1118971"/>
+            <a:chExt cx="1274032" cy="1019226"/>
+          </a:xfrm>
+        </p:grpSpPr>
+        <p:sp>
+          <p:nvSpPr>
+            <p:cNvPr id="32" name="Rounded Rectangle 31"/>
+            <p:cNvSpPr/>
+            <p:nvPr/>
+          </p:nvSpPr>
+          <p:spPr>
+            <a:xfrm>
+              <a:off x="818406" y="1118971"/>
+              <a:ext cx="1274032" cy="1019226"/>
+            </a:xfrm>
+            <a:prstGeom prst="roundRect">
+              <a:avLst>
+                <a:gd name="adj" fmla="val 10000"/>
+              </a:avLst>
+            </a:prstGeom>
+          </p:spPr>
+          <p:style>
+            <a:lnRef idx="2">
+              <a:schemeClr val="lt1">
+                <a:hueOff val="0"/>
+                <a:satOff val="0"/>
+                <a:lumOff val="0"/>
+                <a:alphaOff val="0"/>
+              </a:schemeClr>
+            </a:lnRef>
+            <a:fillRef idx="1">
+              <a:schemeClr val="accent1">
+                <a:hueOff val="0"/>
+                <a:satOff val="0"/>
+                <a:lumOff val="0"/>
+                <a:alphaOff val="0"/>
+              </a:schemeClr>
+            </a:fillRef>
+            <a:effectRef idx="0">
+              <a:schemeClr val="accent1">
+                <a:hueOff val="0"/>
+                <a:satOff val="0"/>
+                <a:lumOff val="0"/>
+                <a:alphaOff val="0"/>
+              </a:schemeClr>
+            </a:effectRef>
+            <a:fontRef idx="minor">
+              <a:schemeClr val="lt1"/>
+            </a:fontRef>
+          </p:style>
+        </p:sp>
+        <p:sp>
+          <p:nvSpPr>
+            <p:cNvPr id="33" name="Rounded Rectangle 7"/>
+            <p:cNvSpPr/>
+            <p:nvPr/>
+          </p:nvSpPr>
+          <p:spPr>
+            <a:xfrm>
+              <a:off x="848258" y="1148823"/>
+              <a:ext cx="1214328" cy="959522"/>
+            </a:xfrm>
+            <a:prstGeom prst="rect">
+              <a:avLst/>
+            </a:prstGeom>
+          </p:spPr>
+          <p:style>
+            <a:lnRef idx="0">
+              <a:scrgbClr r="0" g="0" b="0"/>
+            </a:lnRef>
+            <a:fillRef idx="0">
+              <a:scrgbClr r="0" g="0" b="0"/>
+            </a:fillRef>
+            <a:effectRef idx="0">
+              <a:scrgbClr r="0" g="0" b="0"/>
+            </a:effectRef>
+            <a:fontRef idx="minor">
+              <a:schemeClr val="lt1"/>
+            </a:fontRef>
+          </p:style>
+          <p:txBody>
+            <a:bodyPr spcFirstLastPara="0" vert="horz" wrap="square" lIns="36195" tIns="36195" rIns="36195" bIns="36195" numCol="1" spcCol="1270" anchor="ctr" anchorCtr="0">
+              <a:noAutofit/>
+            </a:bodyPr>
+            <a:lstStyle/>
+            <a:p>
+              <a:pPr lvl="0" algn="ctr" defTabSz="844550">
+                <a:lnSpc>
+                  <a:spcPct val="90000"/>
+                </a:lnSpc>
+                <a:spcBef>
+                  <a:spcPct val="0"/>
+                </a:spcBef>
+                <a:spcAft>
+                  <a:spcPct val="35000"/>
+                </a:spcAft>
+              </a:pPr>
+              <a:r>
+                <a:rPr lang="en-US" sz="1900" kern="1200" dirty="0" smtClean="0"/>
+                <a:t>High-Speed Rural Internet</a:t>
+              </a:r>
+              <a:endParaRPr lang="en-US" sz="1900" kern="1200" dirty="0"/>
+            </a:p>
+          </p:txBody>
+        </p:sp>
+      </p:grpSp>
+      <p:sp>
+        <p:nvSpPr>
+          <p:cNvPr id="18" name="Left Arrow 17"/>
+          <p:cNvSpPr/>
+          <p:nvPr/>
+        </p:nvSpPr>
+        <p:spPr>
+          <a:xfrm rot="3859375">
+            <a:off x="3923639" y="3899875"/>
+            <a:ext cx="478562" cy="382209"/>
+          </a:xfrm>
+          <a:prstGeom prst="leftArrow">
+            <a:avLst>
+              <a:gd name="adj1" fmla="val 60000"/>
+              <a:gd name="adj2" fmla="val 50000"/>
+            </a:avLst>
+          </a:prstGeom>
+        </p:spPr>
+        <p:style>
+          <a:lnRef idx="0">
+            <a:schemeClr val="accent1">
+              <a:tint val="60000"/>
+              <a:hueOff val="0"/>
+              <a:satOff val="0"/>
+              <a:lumOff val="0"/>
+              <a:alphaOff val="0"/>
+            </a:schemeClr>
+          </a:lnRef>
+          <a:fillRef idx="1">
+            <a:schemeClr val="accent1">
+              <a:tint val="60000"/>
+              <a:hueOff val="0"/>
+              <a:satOff val="0"/>
+              <a:lumOff val="0"/>
+              <a:alphaOff val="0"/>
+            </a:schemeClr>
+          </a:fillRef>
+          <a:effectRef idx="0">
+            <a:schemeClr val="accent1">
+              <a:tint val="60000"/>
+              <a:hueOff val="0"/>
+              <a:satOff val="0"/>
+              <a:lumOff val="0"/>
+              <a:alphaOff val="0"/>
+            </a:schemeClr>
+          </a:effectRef>
+          <a:fontRef idx="minor">
+            <a:schemeClr val="lt1"/>
+          </a:fontRef>
+        </p:style>
+      </p:sp>
+      <p:grpSp>
+        <p:nvGrpSpPr>
+          <p:cNvPr id="21" name="Group 20"/>
+          <p:cNvGrpSpPr/>
+          <p:nvPr/>
+        </p:nvGrpSpPr>
+        <p:grpSpPr>
+          <a:xfrm>
+            <a:off x="3204850" y="2892865"/>
+            <a:ext cx="1274032" cy="1019226"/>
+            <a:chOff x="1757049" y="340"/>
+            <a:chExt cx="1274032" cy="1019226"/>
+          </a:xfrm>
+        </p:grpSpPr>
+        <p:sp>
+          <p:nvSpPr>
+            <p:cNvPr id="30" name="Rounded Rectangle 29"/>
+            <p:cNvSpPr/>
+            <p:nvPr/>
+          </p:nvSpPr>
+          <p:spPr>
+            <a:xfrm>
+              <a:off x="1757049" y="340"/>
+              <a:ext cx="1274032" cy="1019226"/>
+            </a:xfrm>
+            <a:prstGeom prst="roundRect">
+              <a:avLst>
+                <a:gd name="adj" fmla="val 10000"/>
+              </a:avLst>
+            </a:prstGeom>
+          </p:spPr>
+          <p:style>
+            <a:lnRef idx="2">
+              <a:schemeClr val="lt1">
+                <a:hueOff val="0"/>
+                <a:satOff val="0"/>
+                <a:lumOff val="0"/>
+                <a:alphaOff val="0"/>
+              </a:schemeClr>
+            </a:lnRef>
+            <a:fillRef idx="1">
+              <a:schemeClr val="accent1">
+                <a:hueOff val="0"/>
+                <a:satOff val="0"/>
+                <a:lumOff val="0"/>
+                <a:alphaOff val="0"/>
+              </a:schemeClr>
+            </a:fillRef>
+            <a:effectRef idx="0">
+              <a:schemeClr val="accent1">
+                <a:hueOff val="0"/>
+                <a:satOff val="0"/>
+                <a:lumOff val="0"/>
+                <a:alphaOff val="0"/>
+              </a:schemeClr>
+            </a:effectRef>
+            <a:fontRef idx="minor">
+              <a:schemeClr val="lt1"/>
+            </a:fontRef>
+          </p:style>
+        </p:sp>
+        <p:sp>
+          <p:nvSpPr>
+            <p:cNvPr id="31" name="Rounded Rectangle 10"/>
+            <p:cNvSpPr/>
+            <p:nvPr/>
+          </p:nvSpPr>
+          <p:spPr>
+            <a:xfrm>
+              <a:off x="1786901" y="30192"/>
+              <a:ext cx="1214328" cy="959522"/>
+            </a:xfrm>
+            <a:prstGeom prst="rect">
+              <a:avLst/>
+            </a:prstGeom>
+          </p:spPr>
+          <p:style>
+            <a:lnRef idx="0">
+              <a:scrgbClr r="0" g="0" b="0"/>
+            </a:lnRef>
+            <a:fillRef idx="0">
+              <a:scrgbClr r="0" g="0" b="0"/>
+            </a:fillRef>
+            <a:effectRef idx="0">
+              <a:scrgbClr r="0" g="0" b="0"/>
+            </a:effectRef>
+            <a:fontRef idx="minor">
+              <a:schemeClr val="lt1"/>
+            </a:fontRef>
+          </p:style>
+          <p:txBody>
+            <a:bodyPr spcFirstLastPara="0" vert="horz" wrap="square" lIns="36195" tIns="36195" rIns="36195" bIns="36195" numCol="1" spcCol="1270" anchor="ctr" anchorCtr="0">
+              <a:noAutofit/>
+            </a:bodyPr>
+            <a:lstStyle/>
+            <a:p>
+              <a:pPr lvl="0" algn="ctr" defTabSz="844550">
+                <a:lnSpc>
+                  <a:spcPct val="90000"/>
+                </a:lnSpc>
+                <a:spcBef>
+                  <a:spcPct val="0"/>
+                </a:spcBef>
+                <a:spcAft>
+                  <a:spcPct val="35000"/>
+                </a:spcAft>
+              </a:pPr>
+              <a:r>
+                <a:rPr lang="en-US" sz="1900" kern="1200" dirty="0" smtClean="0"/>
+                <a:t>Military Networks</a:t>
+              </a:r>
+              <a:endParaRPr lang="en-US" sz="1900" kern="1200" dirty="0"/>
+            </a:p>
+          </p:txBody>
+        </p:sp>
+      </p:grpSp>
+      <p:sp>
+        <p:nvSpPr>
+          <p:cNvPr id="22" name="Left Arrow 21"/>
+          <p:cNvSpPr/>
+          <p:nvPr/>
+        </p:nvSpPr>
+        <p:spPr>
+          <a:xfrm rot="6962757">
+            <a:off x="4756135" y="3922377"/>
+            <a:ext cx="428908" cy="382209"/>
+          </a:xfrm>
+          <a:prstGeom prst="leftArrow">
+            <a:avLst>
+              <a:gd name="adj1" fmla="val 60000"/>
+              <a:gd name="adj2" fmla="val 50000"/>
+            </a:avLst>
+          </a:prstGeom>
+        </p:spPr>
+        <p:style>
+          <a:lnRef idx="0">
+            <a:schemeClr val="accent1">
+              <a:tint val="60000"/>
+              <a:hueOff val="0"/>
+              <a:satOff val="0"/>
+              <a:lumOff val="0"/>
+              <a:alphaOff val="0"/>
+            </a:schemeClr>
+          </a:lnRef>
+          <a:fillRef idx="1">
+            <a:schemeClr val="accent1">
+              <a:tint val="60000"/>
+              <a:hueOff val="0"/>
+              <a:satOff val="0"/>
+              <a:lumOff val="0"/>
+              <a:alphaOff val="0"/>
+            </a:schemeClr>
+          </a:fillRef>
+          <a:effectRef idx="0">
+            <a:schemeClr val="accent1">
+              <a:tint val="60000"/>
+              <a:hueOff val="0"/>
+              <a:satOff val="0"/>
+              <a:lumOff val="0"/>
+              <a:alphaOff val="0"/>
+            </a:schemeClr>
+          </a:effectRef>
+          <a:fontRef idx="minor">
+            <a:schemeClr val="lt1"/>
+          </a:fontRef>
+        </p:style>
+      </p:sp>
+      <p:grpSp>
+        <p:nvGrpSpPr>
+          <p:cNvPr id="23" name="Group 22"/>
+          <p:cNvGrpSpPr/>
+          <p:nvPr/>
+        </p:nvGrpSpPr>
+        <p:grpSpPr>
+          <a:xfrm>
+            <a:off x="4665118" y="2892865"/>
+            <a:ext cx="1274032" cy="1019226"/>
+            <a:chOff x="3217317" y="340"/>
+            <a:chExt cx="1274032" cy="1019226"/>
+          </a:xfrm>
+        </p:grpSpPr>
+        <p:sp>
+          <p:nvSpPr>
+            <p:cNvPr id="28" name="Rounded Rectangle 27"/>
+            <p:cNvSpPr/>
+            <p:nvPr/>
+          </p:nvSpPr>
+          <p:spPr>
+            <a:xfrm>
+              <a:off x="3217317" y="340"/>
+              <a:ext cx="1274032" cy="1019226"/>
+            </a:xfrm>
+            <a:prstGeom prst="roundRect">
+              <a:avLst>
+                <a:gd name="adj" fmla="val 10000"/>
+              </a:avLst>
+            </a:prstGeom>
+          </p:spPr>
+          <p:style>
+            <a:lnRef idx="2">
+              <a:schemeClr val="lt1">
+                <a:hueOff val="0"/>
+                <a:satOff val="0"/>
+                <a:lumOff val="0"/>
+                <a:alphaOff val="0"/>
+              </a:schemeClr>
+            </a:lnRef>
+            <a:fillRef idx="1">
+              <a:schemeClr val="accent1">
+                <a:hueOff val="0"/>
+                <a:satOff val="0"/>
+                <a:lumOff val="0"/>
+                <a:alphaOff val="0"/>
+              </a:schemeClr>
+            </a:fillRef>
+            <a:effectRef idx="0">
+              <a:schemeClr val="accent1">
+                <a:hueOff val="0"/>
+                <a:satOff val="0"/>
+                <a:lumOff val="0"/>
+                <a:alphaOff val="0"/>
+              </a:schemeClr>
+            </a:effectRef>
+            <a:fontRef idx="minor">
+              <a:schemeClr val="lt1"/>
+            </a:fontRef>
+          </p:style>
+        </p:sp>
+        <p:sp>
+          <p:nvSpPr>
+            <p:cNvPr id="29" name="Rounded Rectangle 13"/>
+            <p:cNvSpPr/>
+            <p:nvPr/>
+          </p:nvSpPr>
+          <p:spPr>
+            <a:xfrm>
+              <a:off x="3247169" y="30192"/>
+              <a:ext cx="1214328" cy="959522"/>
+            </a:xfrm>
+            <a:prstGeom prst="rect">
+              <a:avLst/>
+            </a:prstGeom>
+          </p:spPr>
+          <p:style>
+            <a:lnRef idx="0">
+              <a:scrgbClr r="0" g="0" b="0"/>
+            </a:lnRef>
+            <a:fillRef idx="0">
+              <a:scrgbClr r="0" g="0" b="0"/>
+            </a:fillRef>
+            <a:effectRef idx="0">
+              <a:scrgbClr r="0" g="0" b="0"/>
+            </a:effectRef>
+            <a:fontRef idx="minor">
+              <a:schemeClr val="lt1"/>
+            </a:fontRef>
+          </p:style>
+          <p:txBody>
+            <a:bodyPr spcFirstLastPara="0" vert="horz" wrap="square" lIns="36195" tIns="36195" rIns="36195" bIns="36195" numCol="1" spcCol="1270" anchor="ctr" anchorCtr="0">
+              <a:noAutofit/>
+            </a:bodyPr>
+            <a:lstStyle/>
+            <a:p>
+              <a:pPr lvl="0" algn="ctr" defTabSz="844550">
+                <a:lnSpc>
+                  <a:spcPct val="90000"/>
+                </a:lnSpc>
+                <a:spcBef>
+                  <a:spcPct val="0"/>
+                </a:spcBef>
+                <a:spcAft>
+                  <a:spcPct val="35000"/>
+                </a:spcAft>
+              </a:pPr>
+              <a:r>
+                <a:rPr lang="en-US" sz="1900" kern="1200" dirty="0" smtClean="0"/>
+                <a:t>Emergency Networks</a:t>
+              </a:r>
+              <a:endParaRPr lang="en-US" sz="1900" kern="1200" dirty="0"/>
+            </a:p>
+          </p:txBody>
+        </p:sp>
+      </p:grpSp>
+      <p:sp>
+        <p:nvSpPr>
+          <p:cNvPr id="24" name="Left Arrow 23"/>
+          <p:cNvSpPr/>
+          <p:nvPr/>
+        </p:nvSpPr>
+        <p:spPr>
+          <a:xfrm rot="9611750">
+            <a:off x="5269889" y="4543236"/>
+            <a:ext cx="350190" cy="382209"/>
+          </a:xfrm>
+          <a:prstGeom prst="leftArrow">
+            <a:avLst>
+              <a:gd name="adj1" fmla="val 60000"/>
+              <a:gd name="adj2" fmla="val 50000"/>
+            </a:avLst>
+          </a:prstGeom>
+        </p:spPr>
+        <p:style>
+          <a:lnRef idx="0">
+            <a:schemeClr val="accent1">
+              <a:tint val="60000"/>
+              <a:hueOff val="0"/>
+              <a:satOff val="0"/>
+              <a:lumOff val="0"/>
+              <a:alphaOff val="0"/>
+            </a:schemeClr>
+          </a:lnRef>
+          <a:fillRef idx="1">
+            <a:schemeClr val="accent1">
+              <a:tint val="60000"/>
+              <a:hueOff val="0"/>
+              <a:satOff val="0"/>
+              <a:lumOff val="0"/>
+              <a:alphaOff val="0"/>
+            </a:schemeClr>
+          </a:fillRef>
+          <a:effectRef idx="0">
+            <a:schemeClr val="accent1">
+              <a:tint val="60000"/>
+              <a:hueOff val="0"/>
+              <a:satOff val="0"/>
+              <a:lumOff val="0"/>
+              <a:alphaOff val="0"/>
+            </a:schemeClr>
+          </a:effectRef>
+          <a:fontRef idx="minor">
+            <a:schemeClr val="lt1"/>
+          </a:fontRef>
+        </p:style>
+      </p:sp>
+      <p:grpSp>
+        <p:nvGrpSpPr>
+          <p:cNvPr id="25" name="Group 24"/>
+          <p:cNvGrpSpPr/>
+          <p:nvPr/>
+        </p:nvGrpSpPr>
+        <p:grpSpPr>
+          <a:xfrm>
+            <a:off x="5603761" y="4011496"/>
+            <a:ext cx="1274032" cy="1019226"/>
+            <a:chOff x="4155960" y="1118971"/>
+            <a:chExt cx="1274032" cy="1019226"/>
+          </a:xfrm>
+        </p:grpSpPr>
+        <p:sp>
+          <p:nvSpPr>
+            <p:cNvPr id="26" name="Rounded Rectangle 25"/>
+            <p:cNvSpPr/>
+            <p:nvPr/>
+          </p:nvSpPr>
+          <p:spPr>
+            <a:xfrm>
+              <a:off x="4155960" y="1118971"/>
+              <a:ext cx="1274032" cy="1019226"/>
+            </a:xfrm>
+            <a:prstGeom prst="roundRect">
+              <a:avLst>
+                <a:gd name="adj" fmla="val 10000"/>
+              </a:avLst>
+            </a:prstGeom>
+          </p:spPr>
+          <p:style>
+            <a:lnRef idx="2">
+              <a:schemeClr val="lt1">
+                <a:hueOff val="0"/>
+                <a:satOff val="0"/>
+                <a:lumOff val="0"/>
+                <a:alphaOff val="0"/>
+              </a:schemeClr>
+            </a:lnRef>
+            <a:fillRef idx="1">
+              <a:schemeClr val="accent1">
+                <a:hueOff val="0"/>
+                <a:satOff val="0"/>
+                <a:lumOff val="0"/>
+                <a:alphaOff val="0"/>
+              </a:schemeClr>
+            </a:fillRef>
+            <a:effectRef idx="0">
+              <a:schemeClr val="accent1">
+                <a:hueOff val="0"/>
+                <a:satOff val="0"/>
+                <a:lumOff val="0"/>
+                <a:alphaOff val="0"/>
+              </a:schemeClr>
+            </a:effectRef>
+            <a:fontRef idx="minor">
+              <a:schemeClr val="lt1"/>
+            </a:fontRef>
+          </p:style>
+        </p:sp>
+        <p:sp>
+          <p:nvSpPr>
+            <p:cNvPr id="27" name="Rounded Rectangle 16"/>
+            <p:cNvSpPr/>
+            <p:nvPr/>
+          </p:nvSpPr>
+          <p:spPr>
+            <a:xfrm>
+              <a:off x="4185812" y="1148823"/>
+              <a:ext cx="1214328" cy="959522"/>
+            </a:xfrm>
+            <a:prstGeom prst="rect">
+              <a:avLst/>
+            </a:prstGeom>
+          </p:spPr>
+          <p:style>
+            <a:lnRef idx="0">
+              <a:scrgbClr r="0" g="0" b="0"/>
+            </a:lnRef>
+            <a:fillRef idx="0">
+              <a:scrgbClr r="0" g="0" b="0"/>
+            </a:fillRef>
+            <a:effectRef idx="0">
+              <a:scrgbClr r="0" g="0" b="0"/>
+            </a:effectRef>
+            <a:fontRef idx="minor">
+              <a:schemeClr val="lt1"/>
+            </a:fontRef>
+          </p:style>
+          <p:txBody>
+            <a:bodyPr spcFirstLastPara="0" vert="horz" wrap="square" lIns="36195" tIns="36195" rIns="36195" bIns="36195" numCol="1" spcCol="1270" anchor="ctr" anchorCtr="0">
+              <a:noAutofit/>
+            </a:bodyPr>
+            <a:lstStyle/>
+            <a:p>
+              <a:pPr lvl="0" algn="ctr" defTabSz="844550">
+                <a:lnSpc>
+                  <a:spcPct val="90000"/>
+                </a:lnSpc>
+                <a:spcBef>
+                  <a:spcPct val="0"/>
+                </a:spcBef>
+                <a:spcAft>
+                  <a:spcPct val="35000"/>
+                </a:spcAft>
+              </a:pPr>
+              <a:r>
+                <a:rPr lang="en-US" sz="1900" kern="1200" dirty="0" smtClean="0"/>
+                <a:t>Multimedia</a:t>
+              </a:r>
+              <a:endParaRPr lang="en-US" sz="1900" kern="1200" dirty="0"/>
+            </a:p>
+          </p:txBody>
+        </p:sp>
+      </p:grpSp>
     </p:spTree>
+    <p:extLst>
+      <p:ext uri="{BB962C8B-B14F-4D97-AF65-F5344CB8AC3E}">
+        <p14:creationId xmlns:p14="http://schemas.microsoft.com/office/powerpoint/2010/main" val="2074519064"/>
+      </p:ext>
+    </p:extLst>
   </p:cSld>
   <p:clrMapOvr>
     <a:masterClrMapping/>
@@ -8330,7 +6051,7 @@
                             </p:stCondLst>
                             <p:childTnLst>
                               <p:par>
-                                <p:cTn id="5" presetID="22" presetClass="entr" presetSubtype="4" fill="hold" grpId="0" nodeType="withEffect">
+                                <p:cTn id="5" presetID="1" presetClass="entr" presetSubtype="0" fill="hold" nodeType="afterEffect">
                                   <p:stCondLst>
                                     <p:cond delay="0"/>
                                   </p:stCondLst>
@@ -8343,11 +6064,7 @@
                                           </p:stCondLst>
                                         </p:cTn>
                                         <p:tgtEl>
-                                          <p:spTgt spid="9">
-                                            <p:graphicEl>
-                                              <a:dgm id="{C5D450F5-4A4B-45F5-B81D-8B42E8C47EE8}"/>
-                                            </p:graphicEl>
-                                          </p:spTgt>
+                                          <p:spTgt spid="15"/>
                                         </p:tgtEl>
                                         <p:attrNameLst>
                                           <p:attrName>style.visibility</p:attrName>
@@ -8357,58 +6074,33 @@
                                         <p:strVal val="visible"/>
                                       </p:to>
                                     </p:set>
-                                    <p:animEffect transition="in" filter="wipe(down)">
-                                      <p:cBhvr>
-                                        <p:cTn id="7" dur="500"/>
-                                        <p:tgtEl>
-                                          <p:spTgt spid="9">
-                                            <p:graphicEl>
-                                              <a:dgm id="{C5D450F5-4A4B-45F5-B81D-8B42E8C47EE8}"/>
-                                            </p:graphicEl>
-                                          </p:spTgt>
-                                        </p:tgtEl>
-                                      </p:cBhvr>
-                                    </p:animEffect>
                                   </p:childTnLst>
                                 </p:cTn>
                               </p:par>
                             </p:childTnLst>
                           </p:cTn>
                         </p:par>
-                      </p:childTnLst>
-                    </p:cTn>
-                  </p:par>
-                  <p:par>
-                    <p:cTn id="8" fill="hold">
-                      <p:stCondLst>
-                        <p:cond delay="indefinite"/>
-                      </p:stCondLst>
-                      <p:childTnLst>
                         <p:par>
-                          <p:cTn id="9" fill="hold">
+                          <p:cTn id="7" fill="hold">
                             <p:stCondLst>
                               <p:cond delay="0"/>
                             </p:stCondLst>
                             <p:childTnLst>
                               <p:par>
-                                <p:cTn id="10" presetID="22" presetClass="entr" presetSubtype="4" fill="hold" grpId="0" nodeType="clickEffect">
+                                <p:cTn id="8" presetID="22" presetClass="entr" presetSubtype="2" fill="hold" nodeType="afterEffect">
                                   <p:stCondLst>
                                     <p:cond delay="0"/>
                                   </p:stCondLst>
                                   <p:childTnLst>
                                     <p:set>
                                       <p:cBhvr>
-                                        <p:cTn id="11" dur="1" fill="hold">
+                                        <p:cTn id="9" dur="1" fill="hold">
                                           <p:stCondLst>
                                             <p:cond delay="0"/>
                                           </p:stCondLst>
                                         </p:cTn>
                                         <p:tgtEl>
-                                          <p:spTgt spid="9">
-                                            <p:graphicEl>
-                                              <a:dgm id="{8C40008D-58B9-46E1-A1EB-A58B4C11D4E0}"/>
-                                            </p:graphicEl>
-                                          </p:spTgt>
+                                          <p:spTgt spid="16"/>
                                         </p:tgtEl>
                                         <p:attrNameLst>
                                           <p:attrName>style.visibility</p:attrName>
@@ -8418,58 +6110,11 @@
                                         <p:strVal val="visible"/>
                                       </p:to>
                                     </p:set>
-                                    <p:animEffect transition="in" filter="wipe(down)">
+                                    <p:animEffect transition="in" filter="wipe(right)">
                                       <p:cBhvr>
-                                        <p:cTn id="12" dur="500"/>
+                                        <p:cTn id="10" dur="500"/>
                                         <p:tgtEl>
-                                          <p:spTgt spid="9">
-                                            <p:graphicEl>
-                                              <a:dgm id="{8C40008D-58B9-46E1-A1EB-A58B4C11D4E0}"/>
-                                            </p:graphicEl>
-                                          </p:spTgt>
-                                        </p:tgtEl>
-                                      </p:cBhvr>
-                                    </p:animEffect>
-                                  </p:childTnLst>
-                                </p:cTn>
-                              </p:par>
-                              <p:par>
-                                <p:cTn id="13" presetID="22" presetClass="entr" presetSubtype="4" fill="hold" grpId="0" nodeType="withEffect">
-                                  <p:stCondLst>
-                                    <p:cond delay="0"/>
-                                  </p:stCondLst>
-                                  <p:childTnLst>
-                                    <p:set>
-                                      <p:cBhvr>
-                                        <p:cTn id="14" dur="1" fill="hold">
-                                          <p:stCondLst>
-                                            <p:cond delay="0"/>
-                                          </p:stCondLst>
-                                        </p:cTn>
-                                        <p:tgtEl>
-                                          <p:spTgt spid="9">
-                                            <p:graphicEl>
-                                              <a:dgm id="{6B1B8E19-ABB2-4D79-8B2B-B60A10E613B6}"/>
-                                            </p:graphicEl>
-                                          </p:spTgt>
-                                        </p:tgtEl>
-                                        <p:attrNameLst>
-                                          <p:attrName>style.visibility</p:attrName>
-                                        </p:attrNameLst>
-                                      </p:cBhvr>
-                                      <p:to>
-                                        <p:strVal val="visible"/>
-                                      </p:to>
-                                    </p:set>
-                                    <p:animEffect transition="in" filter="wipe(down)">
-                                      <p:cBhvr>
-                                        <p:cTn id="15" dur="500"/>
-                                        <p:tgtEl>
-                                          <p:spTgt spid="9">
-                                            <p:graphicEl>
-                                              <a:dgm id="{6B1B8E19-ABB2-4D79-8B2B-B60A10E613B6}"/>
-                                            </p:graphicEl>
-                                          </p:spTgt>
+                                          <p:spTgt spid="16"/>
                                         </p:tgtEl>
                                       </p:cBhvr>
                                     </p:animEffect>
@@ -8480,20 +6125,64 @@
                           </p:cTn>
                         </p:par>
                         <p:par>
-                          <p:cTn id="16" fill="hold">
+                          <p:cTn id="11" fill="hold">
                             <p:stCondLst>
                               <p:cond delay="500"/>
                             </p:stCondLst>
                             <p:childTnLst>
                               <p:par>
-                                <p:cTn id="17" presetID="3" presetClass="entr" presetSubtype="10" fill="hold" nodeType="afterEffect">
+                                <p:cTn id="12" presetID="22" presetClass="entr" presetSubtype="2" fill="hold" nodeType="afterEffect">
                                   <p:stCondLst>
                                     <p:cond delay="0"/>
                                   </p:stCondLst>
                                   <p:childTnLst>
                                     <p:set>
                                       <p:cBhvr>
-                                        <p:cTn id="18" dur="1" fill="hold">
+                                        <p:cTn id="13" dur="1" fill="hold">
+                                          <p:stCondLst>
+                                            <p:cond delay="0"/>
+                                          </p:stCondLst>
+                                        </p:cTn>
+                                        <p:tgtEl>
+                                          <p:spTgt spid="17"/>
+                                        </p:tgtEl>
+                                        <p:attrNameLst>
+                                          <p:attrName>style.visibility</p:attrName>
+                                        </p:attrNameLst>
+                                      </p:cBhvr>
+                                      <p:to>
+                                        <p:strVal val="visible"/>
+                                      </p:to>
+                                    </p:set>
+                                    <p:animEffect transition="in" filter="wipe(right)">
+                                      <p:cBhvr>
+                                        <p:cTn id="14" dur="500"/>
+                                        <p:tgtEl>
+                                          <p:spTgt spid="17"/>
+                                        </p:tgtEl>
+                                      </p:cBhvr>
+                                    </p:animEffect>
+                                  </p:childTnLst>
+                                </p:cTn>
+                              </p:par>
+                            </p:childTnLst>
+                          </p:cTn>
+                        </p:par>
+                        <p:par>
+                          <p:cTn id="15" fill="hold">
+                            <p:stCondLst>
+                              <p:cond delay="1000"/>
+                            </p:stCondLst>
+                            <p:childTnLst>
+                              <p:par>
+                                <p:cTn id="16" presetID="22" presetClass="entr" presetSubtype="4" fill="hold" nodeType="afterEffect">
+                                  <p:stCondLst>
+                                    <p:cond delay="0"/>
+                                  </p:stCondLst>
+                                  <p:childTnLst>
+                                    <p:set>
+                                      <p:cBhvr>
+                                        <p:cTn id="17" dur="1" fill="hold">
                                           <p:stCondLst>
                                             <p:cond delay="0"/>
                                           </p:stCondLst>
@@ -8509,9 +6198,9 @@
                                         <p:strVal val="visible"/>
                                       </p:to>
                                     </p:set>
-                                    <p:animEffect transition="in" filter="blinds(horizontal)">
+                                    <p:animEffect transition="in" filter="wipe(down)">
                                       <p:cBhvr>
-                                        <p:cTn id="19" dur="500"/>
+                                        <p:cTn id="18" dur="500"/>
                                         <p:tgtEl>
                                           <p:spTgt spid="19"/>
                                         </p:tgtEl>
@@ -8527,36 +6216,32 @@
                     </p:cTn>
                   </p:par>
                   <p:par>
-                    <p:cTn id="20" fill="hold">
+                    <p:cTn id="19" fill="hold">
                       <p:stCondLst>
                         <p:cond delay="indefinite"/>
                       </p:stCondLst>
                       <p:childTnLst>
                         <p:par>
-                          <p:cTn id="21" fill="hold">
+                          <p:cTn id="20" fill="hold">
                             <p:stCondLst>
                               <p:cond delay="0"/>
                             </p:stCondLst>
                             <p:childTnLst>
                               <p:par>
-                                <p:cTn id="22" presetID="22" presetClass="entr" presetSubtype="4" fill="hold" grpId="0" nodeType="clickEffect">
+                                <p:cTn id="21" presetID="22" presetClass="entr" presetSubtype="4" fill="hold" nodeType="clickEffect">
                                   <p:stCondLst>
                                     <p:cond delay="0"/>
                                   </p:stCondLst>
                                   <p:childTnLst>
                                     <p:set>
                                       <p:cBhvr>
-                                        <p:cTn id="23" dur="1" fill="hold">
+                                        <p:cTn id="22" dur="1" fill="hold">
                                           <p:stCondLst>
                                             <p:cond delay="0"/>
                                           </p:stCondLst>
                                         </p:cTn>
                                         <p:tgtEl>
-                                          <p:spTgt spid="9">
-                                            <p:graphicEl>
-                                              <a:dgm id="{FA01325E-2A60-46C3-B202-7FE6FC76E583}"/>
-                                            </p:graphicEl>
-                                          </p:spTgt>
+                                          <p:spTgt spid="18"/>
                                         </p:tgtEl>
                                         <p:attrNameLst>
                                           <p:attrName>style.visibility</p:attrName>
@@ -8568,21 +6253,26 @@
                                     </p:set>
                                     <p:animEffect transition="in" filter="wipe(down)">
                                       <p:cBhvr>
-                                        <p:cTn id="24" dur="500"/>
+                                        <p:cTn id="23" dur="500"/>
                                         <p:tgtEl>
-                                          <p:spTgt spid="9">
-                                            <p:graphicEl>
-                                              <a:dgm id="{FA01325E-2A60-46C3-B202-7FE6FC76E583}"/>
-                                            </p:graphicEl>
-                                          </p:spTgt>
+                                          <p:spTgt spid="18"/>
                                         </p:tgtEl>
                                       </p:cBhvr>
                                     </p:animEffect>
                                   </p:childTnLst>
                                 </p:cTn>
                               </p:par>
+                            </p:childTnLst>
+                          </p:cTn>
+                        </p:par>
+                        <p:par>
+                          <p:cTn id="24" fill="hold">
+                            <p:stCondLst>
+                              <p:cond delay="500"/>
+                            </p:stCondLst>
+                            <p:childTnLst>
                               <p:par>
-                                <p:cTn id="25" presetID="22" presetClass="entr" presetSubtype="4" fill="hold" grpId="0" nodeType="withEffect">
+                                <p:cTn id="25" presetID="22" presetClass="entr" presetSubtype="4" fill="hold" nodeType="afterEffect">
                                   <p:stCondLst>
                                     <p:cond delay="0"/>
                                   </p:stCondLst>
@@ -8595,11 +6285,7 @@
                                           </p:stCondLst>
                                         </p:cTn>
                                         <p:tgtEl>
-                                          <p:spTgt spid="9">
-                                            <p:graphicEl>
-                                              <a:dgm id="{3B5905D3-CF2D-4E97-9112-DA1EC00C5319}"/>
-                                            </p:graphicEl>
-                                          </p:spTgt>
+                                          <p:spTgt spid="21"/>
                                         </p:tgtEl>
                                         <p:attrNameLst>
                                           <p:attrName>style.visibility</p:attrName>
@@ -8613,11 +6299,7 @@
                                       <p:cBhvr>
                                         <p:cTn id="27" dur="500"/>
                                         <p:tgtEl>
-                                          <p:spTgt spid="9">
-                                            <p:graphicEl>
-                                              <a:dgm id="{3B5905D3-CF2D-4E97-9112-DA1EC00C5319}"/>
-                                            </p:graphicEl>
-                                          </p:spTgt>
+                                          <p:spTgt spid="21"/>
                                         </p:tgtEl>
                                       </p:cBhvr>
                                     </p:animEffect>
@@ -8630,11 +6312,11 @@
                         <p:par>
                           <p:cTn id="28" fill="hold">
                             <p:stCondLst>
-                              <p:cond delay="500"/>
+                              <p:cond delay="1000"/>
                             </p:stCondLst>
                             <p:childTnLst>
                               <p:par>
-                                <p:cTn id="29" presetID="3" presetClass="entr" presetSubtype="10" fill="hold" nodeType="afterEffect">
+                                <p:cTn id="29" presetID="22" presetClass="entr" presetSubtype="4" fill="hold" nodeType="afterEffect">
                                   <p:stCondLst>
                                     <p:cond delay="0"/>
                                   </p:stCondLst>
@@ -8657,7 +6339,7 @@
                                         <p:strVal val="visible"/>
                                       </p:to>
                                     </p:set>
-                                    <p:animEffect transition="in" filter="blinds(horizontal)">
+                                    <p:animEffect transition="in" filter="wipe(down)">
                                       <p:cBhvr>
                                         <p:cTn id="31" dur="500"/>
                                         <p:tgtEl>
@@ -8668,24 +6350,15 @@
                                   </p:childTnLst>
                                 </p:cTn>
                               </p:par>
-                            </p:childTnLst>
-                          </p:cTn>
-                        </p:par>
-                        <p:par>
-                          <p:cTn id="32" fill="hold">
-                            <p:stCondLst>
-                              <p:cond delay="1000"/>
-                            </p:stCondLst>
-                            <p:childTnLst>
                               <p:par>
-                                <p:cTn id="33" presetID="3" presetClass="entr" presetSubtype="10" fill="hold" nodeType="afterEffect">
+                                <p:cTn id="32" presetID="22" presetClass="entr" presetSubtype="2" fill="hold" nodeType="withEffect">
                                   <p:stCondLst>
                                     <p:cond delay="0"/>
                                   </p:stCondLst>
                                   <p:childTnLst>
                                     <p:set>
                                       <p:cBhvr>
-                                        <p:cTn id="34" dur="1" fill="hold">
+                                        <p:cTn id="33" dur="1" fill="hold">
                                           <p:stCondLst>
                                             <p:cond delay="0"/>
                                           </p:stCondLst>
@@ -8701,9 +6374,9 @@
                                         <p:strVal val="visible"/>
                                       </p:to>
                                     </p:set>
-                                    <p:animEffect transition="in" filter="blinds(horizontal)">
+                                    <p:animEffect transition="in" filter="wipe(right)">
                                       <p:cBhvr>
-                                        <p:cTn id="35" dur="500"/>
+                                        <p:cTn id="34" dur="500"/>
                                         <p:tgtEl>
                                           <p:spTgt spid="12"/>
                                         </p:tgtEl>
@@ -8719,36 +6392,32 @@
                     </p:cTn>
                   </p:par>
                   <p:par>
-                    <p:cTn id="36" fill="hold">
+                    <p:cTn id="35" fill="hold">
                       <p:stCondLst>
                         <p:cond delay="indefinite"/>
                       </p:stCondLst>
                       <p:childTnLst>
                         <p:par>
-                          <p:cTn id="37" fill="hold">
+                          <p:cTn id="36" fill="hold">
                             <p:stCondLst>
                               <p:cond delay="0"/>
                             </p:stCondLst>
                             <p:childTnLst>
                               <p:par>
-                                <p:cTn id="38" presetID="22" presetClass="entr" presetSubtype="4" fill="hold" grpId="0" nodeType="clickEffect">
+                                <p:cTn id="37" presetID="22" presetClass="entr" presetSubtype="4" fill="hold" nodeType="clickEffect">
                                   <p:stCondLst>
                                     <p:cond delay="0"/>
                                   </p:stCondLst>
                                   <p:childTnLst>
                                     <p:set>
                                       <p:cBhvr>
-                                        <p:cTn id="39" dur="1" fill="hold">
+                                        <p:cTn id="38" dur="1" fill="hold">
                                           <p:stCondLst>
                                             <p:cond delay="0"/>
                                           </p:stCondLst>
                                         </p:cTn>
                                         <p:tgtEl>
-                                          <p:spTgt spid="9">
-                                            <p:graphicEl>
-                                              <a:dgm id="{7EAAD3A5-E457-4B40-9910-A21236FBC020}"/>
-                                            </p:graphicEl>
-                                          </p:spTgt>
+                                          <p:spTgt spid="22"/>
                                         </p:tgtEl>
                                         <p:attrNameLst>
                                           <p:attrName>style.visibility</p:attrName>
@@ -8760,21 +6429,26 @@
                                     </p:set>
                                     <p:animEffect transition="in" filter="wipe(down)">
                                       <p:cBhvr>
-                                        <p:cTn id="40" dur="500"/>
+                                        <p:cTn id="39" dur="500"/>
                                         <p:tgtEl>
-                                          <p:spTgt spid="9">
-                                            <p:graphicEl>
-                                              <a:dgm id="{7EAAD3A5-E457-4B40-9910-A21236FBC020}"/>
-                                            </p:graphicEl>
-                                          </p:spTgt>
+                                          <p:spTgt spid="22"/>
                                         </p:tgtEl>
                                       </p:cBhvr>
                                     </p:animEffect>
                                   </p:childTnLst>
                                 </p:cTn>
                               </p:par>
+                            </p:childTnLst>
+                          </p:cTn>
+                        </p:par>
+                        <p:par>
+                          <p:cTn id="40" fill="hold">
+                            <p:stCondLst>
+                              <p:cond delay="500"/>
+                            </p:stCondLst>
+                            <p:childTnLst>
                               <p:par>
-                                <p:cTn id="41" presetID="22" presetClass="entr" presetSubtype="4" fill="hold" grpId="0" nodeType="withEffect">
+                                <p:cTn id="41" presetID="22" presetClass="entr" presetSubtype="4" fill="hold" nodeType="afterEffect">
                                   <p:stCondLst>
                                     <p:cond delay="0"/>
                                   </p:stCondLst>
@@ -8787,11 +6461,7 @@
                                           </p:stCondLst>
                                         </p:cTn>
                                         <p:tgtEl>
-                                          <p:spTgt spid="9">
-                                            <p:graphicEl>
-                                              <a:dgm id="{68F9F1A1-6803-4F1B-8746-C55F9EB8AC61}"/>
-                                            </p:graphicEl>
-                                          </p:spTgt>
+                                          <p:spTgt spid="23"/>
                                         </p:tgtEl>
                                         <p:attrNameLst>
                                           <p:attrName>style.visibility</p:attrName>
@@ -8805,11 +6475,7 @@
                                       <p:cBhvr>
                                         <p:cTn id="43" dur="500"/>
                                         <p:tgtEl>
-                                          <p:spTgt spid="9">
-                                            <p:graphicEl>
-                                              <a:dgm id="{68F9F1A1-6803-4F1B-8746-C55F9EB8AC61}"/>
-                                            </p:graphicEl>
-                                          </p:spTgt>
+                                          <p:spTgt spid="23"/>
                                         </p:tgtEl>
                                       </p:cBhvr>
                                     </p:animEffect>
@@ -8822,11 +6488,11 @@
                         <p:par>
                           <p:cTn id="44" fill="hold">
                             <p:stCondLst>
-                              <p:cond delay="500"/>
+                              <p:cond delay="1000"/>
                             </p:stCondLst>
                             <p:childTnLst>
                               <p:par>
-                                <p:cTn id="45" presetID="3" presetClass="entr" presetSubtype="10" fill="hold" nodeType="afterEffect">
+                                <p:cTn id="45" presetID="22" presetClass="entr" presetSubtype="8" fill="hold" nodeType="afterEffect">
                                   <p:stCondLst>
                                     <p:cond delay="0"/>
                                   </p:stCondLst>
@@ -8849,7 +6515,7 @@
                                         <p:strVal val="visible"/>
                                       </p:to>
                                     </p:set>
-                                    <p:animEffect transition="in" filter="blinds(horizontal)">
+                                    <p:animEffect transition="in" filter="wipe(left)">
                                       <p:cBhvr>
                                         <p:cTn id="47" dur="500"/>
                                         <p:tgtEl>
@@ -8879,7 +6545,7 @@
                             </p:stCondLst>
                             <p:childTnLst>
                               <p:par>
-                                <p:cTn id="50" presetID="22" presetClass="entr" presetSubtype="4" fill="hold" grpId="0" nodeType="clickEffect">
+                                <p:cTn id="50" presetID="22" presetClass="entr" presetSubtype="8" fill="hold" nodeType="clickEffect">
                                   <p:stCondLst>
                                     <p:cond delay="0"/>
                                   </p:stCondLst>
@@ -8892,11 +6558,51 @@
                                           </p:stCondLst>
                                         </p:cTn>
                                         <p:tgtEl>
-                                          <p:spTgt spid="9">
-                                            <p:graphicEl>
-                                              <a:dgm id="{95E9FF46-DD33-4EF7-A118-B0B2CD258E8D}"/>
-                                            </p:graphicEl>
-                                          </p:spTgt>
+                                          <p:spTgt spid="24"/>
+                                        </p:tgtEl>
+                                        <p:attrNameLst>
+                                          <p:attrName>style.visibility</p:attrName>
+                                        </p:attrNameLst>
+                                      </p:cBhvr>
+                                      <p:to>
+                                        <p:strVal val="visible"/>
+                                      </p:to>
+                                    </p:set>
+                                    <p:animEffect transition="in" filter="wipe(left)">
+                                      <p:cBhvr>
+                                        <p:cTn id="52" dur="500"/>
+                                        <p:tgtEl>
+                                          <p:spTgt spid="24"/>
+                                        </p:tgtEl>
+                                      </p:cBhvr>
+                                    </p:animEffect>
+                                  </p:childTnLst>
+                                </p:cTn>
+                              </p:par>
+                            </p:childTnLst>
+                          </p:cTn>
+                        </p:par>
+                        <p:par>
+                          <p:cTn id="53" fill="hold">
+                            <p:stCondLst>
+                              <p:cond delay="500"/>
+                            </p:stCondLst>
+                            <p:childTnLst>
+                              <p:par>
+                                <p:cTn id="54" presetID="22" presetClass="entr" presetSubtype="4" fill="hold" nodeType="afterEffect">
+                                  <p:stCondLst>
+                                    <p:cond delay="0"/>
+                                  </p:stCondLst>
+                                  <p:childTnLst>
+                                    <p:set>
+                                      <p:cBhvr>
+                                        <p:cTn id="55" dur="1" fill="hold">
+                                          <p:stCondLst>
+                                            <p:cond delay="0"/>
+                                          </p:stCondLst>
+                                        </p:cTn>
+                                        <p:tgtEl>
+                                          <p:spTgt spid="25"/>
                                         </p:tgtEl>
                                         <p:attrNameLst>
                                           <p:attrName>style.visibility</p:attrName>
@@ -8908,56 +6614,9 @@
                                     </p:set>
                                     <p:animEffect transition="in" filter="wipe(down)">
                                       <p:cBhvr>
-                                        <p:cTn id="52" dur="500"/>
+                                        <p:cTn id="56" dur="500"/>
                                         <p:tgtEl>
-                                          <p:spTgt spid="9">
-                                            <p:graphicEl>
-                                              <a:dgm id="{95E9FF46-DD33-4EF7-A118-B0B2CD258E8D}"/>
-                                            </p:graphicEl>
-                                          </p:spTgt>
-                                        </p:tgtEl>
-                                      </p:cBhvr>
-                                    </p:animEffect>
-                                  </p:childTnLst>
-                                </p:cTn>
-                              </p:par>
-                              <p:par>
-                                <p:cTn id="53" presetID="22" presetClass="entr" presetSubtype="4" fill="hold" grpId="0" nodeType="withEffect">
-                                  <p:stCondLst>
-                                    <p:cond delay="0"/>
-                                  </p:stCondLst>
-                                  <p:childTnLst>
-                                    <p:set>
-                                      <p:cBhvr>
-                                        <p:cTn id="54" dur="1" fill="hold">
-                                          <p:stCondLst>
-                                            <p:cond delay="0"/>
-                                          </p:stCondLst>
-                                        </p:cTn>
-                                        <p:tgtEl>
-                                          <p:spTgt spid="9">
-                                            <p:graphicEl>
-                                              <a:dgm id="{FB467A8B-A7C8-4530-96BD-E870AC4E5070}"/>
-                                            </p:graphicEl>
-                                          </p:spTgt>
-                                        </p:tgtEl>
-                                        <p:attrNameLst>
-                                          <p:attrName>style.visibility</p:attrName>
-                                        </p:attrNameLst>
-                                      </p:cBhvr>
-                                      <p:to>
-                                        <p:strVal val="visible"/>
-                                      </p:to>
-                                    </p:set>
-                                    <p:animEffect transition="in" filter="wipe(down)">
-                                      <p:cBhvr>
-                                        <p:cTn id="55" dur="500"/>
-                                        <p:tgtEl>
-                                          <p:spTgt spid="9">
-                                            <p:graphicEl>
-                                              <a:dgm id="{FB467A8B-A7C8-4530-96BD-E870AC4E5070}"/>
-                                            </p:graphicEl>
-                                          </p:spTgt>
+                                          <p:spTgt spid="25"/>
                                         </p:tgtEl>
                                       </p:cBhvr>
                                     </p:animEffect>
@@ -8968,20 +6627,20 @@
                           </p:cTn>
                         </p:par>
                         <p:par>
-                          <p:cTn id="56" fill="hold">
+                          <p:cTn id="57" fill="hold">
                             <p:stCondLst>
-                              <p:cond delay="500"/>
+                              <p:cond delay="1000"/>
                             </p:stCondLst>
                             <p:childTnLst>
                               <p:par>
-                                <p:cTn id="57" presetID="3" presetClass="entr" presetSubtype="10" fill="hold" nodeType="afterEffect">
+                                <p:cTn id="58" presetID="22" presetClass="entr" presetSubtype="8" fill="hold" nodeType="afterEffect">
                                   <p:stCondLst>
                                     <p:cond delay="0"/>
                                   </p:stCondLst>
                                   <p:childTnLst>
                                     <p:set>
                                       <p:cBhvr>
-                                        <p:cTn id="58" dur="1" fill="hold">
+                                        <p:cTn id="59" dur="1" fill="hold">
                                           <p:stCondLst>
                                             <p:cond delay="0"/>
                                           </p:stCondLst>
@@ -8997,9 +6656,9 @@
                                         <p:strVal val="visible"/>
                                       </p:to>
                                     </p:set>
-                                    <p:animEffect transition="in" filter="blinds(horizontal)">
+                                    <p:animEffect transition="in" filter="wipe(left)">
                                       <p:cBhvr>
-                                        <p:cTn id="59" dur="500"/>
+                                        <p:cTn id="60" dur="500"/>
                                         <p:tgtEl>
                                           <p:spTgt spid="20"/>
                                         </p:tgtEl>
@@ -9035,13 +6694,6 @@
         </p:cTn>
       </p:par>
     </p:tnLst>
-    <p:bldLst>
-      <p:bldGraphic spid="9" grpId="0" uiExpand="1">
-        <p:bldSub>
-          <a:bldDgm bld="one"/>
-        </p:bldSub>
-      </p:bldGraphic>
-    </p:bldLst>
   </p:timing>
 </p:sld>
 </file>
@@ -9384,15 +7036,7 @@
             <a:pPr algn="ctr"/>
             <a:r>
               <a:rPr lang="en-US" dirty="0" smtClean="0"/>
-              <a:t>Decreases the </a:t>
-            </a:r>
-            <a:r>
-              <a:rPr lang="en-US" dirty="0" smtClean="0"/>
-              <a:t>number </a:t>
-            </a:r>
-            <a:r>
-              <a:rPr lang="en-US" dirty="0" smtClean="0"/>
-              <a:t>of retransmission per packet [6]</a:t>
+              <a:t>Decreases the number of retransmission per packet [6]</a:t>
             </a:r>
             <a:endParaRPr lang="en-US" dirty="0"/>
           </a:p>
@@ -9423,15 +7067,7 @@
             <a:pPr algn="ctr"/>
             <a:r>
               <a:rPr lang="en-US" dirty="0" smtClean="0"/>
-              <a:t>E</a:t>
-            </a:r>
-            <a:r>
-              <a:rPr lang="en-US" dirty="0" smtClean="0"/>
-              <a:t>nables </a:t>
-            </a:r>
-            <a:r>
-              <a:rPr lang="en-US" dirty="0" smtClean="0"/>
-              <a:t>heterogeneous wireless access [7]</a:t>
+              <a:t>Enables heterogeneous wireless access [7]</a:t>
             </a:r>
             <a:endParaRPr lang="en-US" dirty="0"/>
           </a:p>
@@ -9440,7 +7076,7 @@
     </p:spTree>
     <p:extLst>
       <p:ext uri="{BB962C8B-B14F-4D97-AF65-F5344CB8AC3E}">
-        <p14:creationId xmlns:p14="http://schemas.microsoft.com/office/powerpoint/2010/main" xmlns="" val="3061067061"/>
+        <p14:creationId xmlns:p14="http://schemas.microsoft.com/office/powerpoint/2010/main" val="3061067061"/>
       </p:ext>
     </p:extLst>
   </p:cSld>
@@ -9867,29 +7503,8 @@
             <a:pPr lvl="1"/>
             <a:r>
               <a:rPr lang="en-US" dirty="0" smtClean="0"/>
-              <a:t>Solves </a:t>
-            </a:r>
-            <a:r>
-              <a:rPr lang="en-US" dirty="0" smtClean="0"/>
-              <a:t>channel </a:t>
-            </a:r>
-            <a:r>
-              <a:rPr lang="en-US" dirty="0" smtClean="0"/>
-              <a:t>assignment problem </a:t>
-            </a:r>
-            <a:r>
-              <a:rPr lang="en-US" dirty="0" smtClean="0"/>
-              <a:t>for the </a:t>
-            </a:r>
-            <a:r>
-              <a:rPr lang="en-US" dirty="0" smtClean="0"/>
-              <a:t>single </a:t>
-            </a:r>
-            <a:r>
-              <a:rPr lang="en-US" dirty="0" smtClean="0"/>
-              <a:t>receiver-radio cases</a:t>
-            </a:r>
-            <a:endParaRPr lang="en-US" dirty="0" smtClean="0"/>
+              <a:t>Solves channel assignment problem for the single receiver-radio cases</a:t>
+            </a:r>
           </a:p>
           <a:p>
             <a:pPr lvl="1"/>
@@ -9910,23 +7525,7 @@
                   <a:srgbClr val="FF0000"/>
                 </a:solidFill>
               </a:rPr>
-              <a:t>Does not investigate the performance of the network </a:t>
-            </a:r>
-            <a:r>
-              <a:rPr lang="en-US" dirty="0" smtClean="0">
-                <a:solidFill>
-                  <a:srgbClr val="FF0000"/>
-                </a:solidFill>
-              </a:rPr>
-              <a:t>while varying </a:t>
-            </a:r>
-            <a:r>
-              <a:rPr lang="en-US" dirty="0" smtClean="0">
-                <a:solidFill>
-                  <a:srgbClr val="FF0000"/>
-                </a:solidFill>
-              </a:rPr>
-              <a:t>the number of radios</a:t>
+              <a:t>Does not investigate the performance of the network while varying the number of radios</a:t>
             </a:r>
             <a:endParaRPr lang="en-US" dirty="0">
               <a:solidFill>
@@ -10198,17 +7797,8 @@
             <a:pPr lvl="2"/>
             <a:r>
               <a:rPr lang="en-US" dirty="0" smtClean="0"/>
-              <a:t>Assigns </a:t>
-            </a:r>
-            <a:r>
-              <a:rPr lang="en-US" dirty="0" smtClean="0"/>
-              <a:t>channels among available radios </a:t>
-            </a:r>
-            <a:r>
-              <a:rPr lang="en-US" dirty="0" smtClean="0"/>
-              <a:t>through ranking only the available channels</a:t>
-            </a:r>
-            <a:endParaRPr lang="en-US" dirty="0" smtClean="0"/>
+              <a:t>Assigns channels among available radios through ranking only the available channels</a:t>
+            </a:r>
           </a:p>
           <a:p>
             <a:pPr lvl="1"/>
@@ -10229,23 +7819,7 @@
                   <a:srgbClr val="FF0000"/>
                 </a:solidFill>
               </a:rPr>
-              <a:t>No analysis on throughput with an increase in </a:t>
-            </a:r>
-            <a:r>
-              <a:rPr lang="en-US" dirty="0" smtClean="0">
-                <a:solidFill>
-                  <a:srgbClr val="FF0000"/>
-                </a:solidFill>
-              </a:rPr>
-              <a:t>the number </a:t>
-            </a:r>
-            <a:r>
-              <a:rPr lang="en-US" dirty="0" smtClean="0">
-                <a:solidFill>
-                  <a:srgbClr val="FF0000"/>
-                </a:solidFill>
-              </a:rPr>
-              <a:t>of radios</a:t>
+              <a:t>No analysis on throughput with an increase in the number of radios</a:t>
             </a:r>
             <a:endParaRPr lang="en-US" dirty="0">
               <a:solidFill>
@@ -10525,15 +8099,7 @@
             <a:pPr lvl="1"/>
             <a:r>
               <a:rPr lang="en-US" dirty="0" smtClean="0"/>
-              <a:t>Shows that maximum time to rendezvous reduces with an increase in </a:t>
-            </a:r>
-            <a:r>
-              <a:rPr lang="en-US" dirty="0" smtClean="0"/>
-              <a:t>the number </a:t>
-            </a:r>
-            <a:r>
-              <a:rPr lang="en-US" dirty="0" smtClean="0"/>
-              <a:t>of radios</a:t>
+              <a:t>Shows that maximum time to rendezvous reduces with an increase in the number of radios</a:t>
             </a:r>
           </a:p>
           <a:p>
@@ -10544,23 +8110,7 @@
                   <a:srgbClr val="FF0000"/>
                 </a:solidFill>
               </a:rPr>
-              <a:t>Does </a:t>
-            </a:r>
-            <a:r>
-              <a:rPr lang="en-US" dirty="0" smtClean="0">
-                <a:solidFill>
-                  <a:srgbClr val="FF0000"/>
-                </a:solidFill>
-              </a:rPr>
-              <a:t>not provide any approach on how these radios will be used for data </a:t>
-            </a:r>
-            <a:r>
-              <a:rPr lang="en-US" dirty="0" smtClean="0">
-                <a:solidFill>
-                  <a:srgbClr val="FF0000"/>
-                </a:solidFill>
-              </a:rPr>
-              <a:t>transmission</a:t>
+              <a:t>Does not provide any approach on how these radios will be used for data transmission</a:t>
             </a:r>
           </a:p>
           <a:p>
@@ -10584,11 +8134,6 @@
               </a:rPr>
               <a:t>No analysis on impact of varying number of radios</a:t>
             </a:r>
-            <a:endParaRPr lang="en-US" dirty="0" smtClean="0">
-              <a:solidFill>
-                <a:srgbClr val="FF0000"/>
-              </a:solidFill>
-            </a:endParaRPr>
           </a:p>
           <a:p>
             <a:pPr lvl="1"/>
@@ -10883,19 +8428,7 @@
             <a:pPr lvl="2"/>
             <a:r>
               <a:rPr lang="en-US" dirty="0" smtClean="0"/>
-              <a:t>Reduces delay </a:t>
-            </a:r>
-            <a:r>
-              <a:rPr lang="en-US" dirty="0" smtClean="0"/>
-              <a:t>with an increase in </a:t>
-            </a:r>
-            <a:r>
-              <a:rPr lang="en-US" dirty="0" smtClean="0"/>
-              <a:t>the number </a:t>
-            </a:r>
-            <a:r>
-              <a:rPr lang="en-US" dirty="0" smtClean="0"/>
-              <a:t>of radios</a:t>
+              <a:t>Reduces delay with an increase in the number of radios</a:t>
             </a:r>
           </a:p>
           <a:p>
@@ -11096,15 +8629,7 @@
           <a:p>
             <a:r>
               <a:rPr lang="en-US" dirty="0" smtClean="0"/>
-              <a:t>Improvement in delay at the cost of throughput </a:t>
-            </a:r>
-            <a:r>
-              <a:rPr lang="en-US" dirty="0" smtClean="0"/>
-              <a:t>degradation </a:t>
-            </a:r>
-            <a:r>
-              <a:rPr lang="en-US" dirty="0" smtClean="0"/>
-              <a:t>(Khan et al.)</a:t>
+              <a:t>Improvement in delay at the cost of throughput degradation (Khan et al.)</a:t>
             </a:r>
             <a:endParaRPr lang="en-US" dirty="0"/>
           </a:p>
@@ -11688,7 +9213,7 @@
     </p:spTree>
     <p:extLst>
       <p:ext uri="{BB962C8B-B14F-4D97-AF65-F5344CB8AC3E}">
-        <p14:creationId xmlns:p14="http://schemas.microsoft.com/office/powerpoint/2010/main" xmlns="" val="909713924"/>
+        <p14:creationId xmlns:p14="http://schemas.microsoft.com/office/powerpoint/2010/main" val="909713924"/>
       </p:ext>
     </p:extLst>
   </p:cSld>
@@ -11900,21 +9425,13 @@
           <a:p>
             <a:r>
               <a:rPr lang="en-US" dirty="0" smtClean="0"/>
-              <a:t>Research </a:t>
-            </a:r>
+              <a:t>Research problem</a:t>
+            </a:r>
+          </a:p>
+          <a:p>
             <a:r>
               <a:rPr lang="en-US" dirty="0" smtClean="0"/>
-              <a:t>problem</a:t>
-            </a:r>
-          </a:p>
-          <a:p>
-            <a:r>
-              <a:rPr lang="en-US" dirty="0" smtClean="0"/>
-              <a:t>Proposed </a:t>
-            </a:r>
-            <a:r>
-              <a:rPr lang="en-US" dirty="0" smtClean="0"/>
-              <a:t>methodology</a:t>
+              <a:t>Proposed methodology</a:t>
             </a:r>
           </a:p>
           <a:p>
@@ -11922,7 +9439,6 @@
               <a:rPr lang="en-US" dirty="0" smtClean="0"/>
               <a:t>Experimentation and evaluation</a:t>
             </a:r>
-            <a:endParaRPr lang="en-US" dirty="0" smtClean="0"/>
           </a:p>
           <a:p>
             <a:r>
@@ -11960,7 +9476,7 @@
     </p:spTree>
     <p:extLst>
       <p:ext uri="{BB962C8B-B14F-4D97-AF65-F5344CB8AC3E}">
-        <p14:creationId xmlns:p14="http://schemas.microsoft.com/office/powerpoint/2010/main" xmlns="" val="1616583980"/>
+        <p14:creationId xmlns:p14="http://schemas.microsoft.com/office/powerpoint/2010/main" val="1616583980"/>
       </p:ext>
     </p:extLst>
   </p:cSld>
@@ -12063,7 +9579,7 @@
     </p:spTree>
     <p:extLst>
       <p:ext uri="{BB962C8B-B14F-4D97-AF65-F5344CB8AC3E}">
-        <p14:creationId xmlns:p14="http://schemas.microsoft.com/office/powerpoint/2010/main" xmlns="" val="2542576108"/>
+        <p14:creationId xmlns:p14="http://schemas.microsoft.com/office/powerpoint/2010/main" val="2542576108"/>
       </p:ext>
     </p:extLst>
   </p:cSld>
@@ -12147,11 +9663,7 @@
             </a:pPr>
             <a:r>
               <a:rPr lang="en-US" sz="4400" dirty="0" smtClean="0"/>
-              <a:t>How to overcome </a:t>
-            </a:r>
-            <a:r>
-              <a:rPr lang="en-US" sz="4400" dirty="0" smtClean="0"/>
-              <a:t>the </a:t>
+              <a:t>How to overcome the </a:t>
             </a:r>
             <a:r>
               <a:rPr lang="en-US" sz="4400" dirty="0" smtClean="0">
@@ -12196,7 +9708,7 @@
     </p:spTree>
     <p:extLst>
       <p:ext uri="{BB962C8B-B14F-4D97-AF65-F5344CB8AC3E}">
-        <p14:creationId xmlns:p14="http://schemas.microsoft.com/office/powerpoint/2010/main" xmlns="" val="2015449264"/>
+        <p14:creationId xmlns:p14="http://schemas.microsoft.com/office/powerpoint/2010/main" val="2015449264"/>
       </p:ext>
     </p:extLst>
   </p:cSld>
@@ -12579,7 +10091,7 @@
           <a:blip r:embed="rId2" cstate="print">
             <a:extLst>
               <a:ext uri="{28A0092B-C50C-407E-A947-70E740481C1C}">
-                <a14:useLocalDpi xmlns:a14="http://schemas.microsoft.com/office/drawing/2010/main" xmlns="" val="0"/>
+                <a14:useLocalDpi xmlns:a14="http://schemas.microsoft.com/office/drawing/2010/main" val="0"/>
               </a:ext>
             </a:extLst>
           </a:blip>
@@ -12603,14 +10115,14 @@
           <a:effectLst/>
           <a:extLst>
             <a:ext uri="{909E8E84-426E-40DD-AFC4-6F175D3DCCD1}">
-              <a14:hiddenFill xmlns:a14="http://schemas.microsoft.com/office/drawing/2010/main" xmlns="">
+              <a14:hiddenFill xmlns:a14="http://schemas.microsoft.com/office/drawing/2010/main">
                 <a:solidFill>
                   <a:schemeClr val="accent1"/>
                 </a:solidFill>
               </a14:hiddenFill>
             </a:ext>
             <a:ext uri="{91240B29-F687-4F45-9708-019B960494DF}">
-              <a14:hiddenLine xmlns:a14="http://schemas.microsoft.com/office/drawing/2010/main" xmlns="" w="9525">
+              <a14:hiddenLine xmlns:a14="http://schemas.microsoft.com/office/drawing/2010/main" w="9525">
                 <a:solidFill>
                   <a:schemeClr val="tx1"/>
                 </a:solidFill>
@@ -12620,7 +10132,7 @@
               </a14:hiddenLine>
             </a:ext>
             <a:ext uri="{AF507438-7753-43E0-B8FC-AC1667EBCBE1}">
-              <a14:hiddenEffects xmlns:a14="http://schemas.microsoft.com/office/drawing/2010/main" xmlns="">
+              <a14:hiddenEffects xmlns:a14="http://schemas.microsoft.com/office/drawing/2010/main">
                 <a:effectLst>
                   <a:outerShdw dist="35921" dir="2700000" algn="ctr" rotWithShape="0">
                     <a:schemeClr val="bg2"/>
@@ -12720,11 +10232,7 @@
           <a:p>
             <a:r>
               <a:rPr lang="en-US" dirty="0" smtClean="0"/>
-              <a:t>Feedback </a:t>
-            </a:r>
-            <a:r>
-              <a:rPr lang="en-US" dirty="0" smtClean="0"/>
-              <a:t>based multi-radio exploitation</a:t>
+              <a:t>Feedback based multi-radio exploitation</a:t>
             </a:r>
             <a:endParaRPr lang="en-US" dirty="0"/>
           </a:p>
@@ -16055,7 +13563,7 @@
     </p:spTree>
     <p:extLst>
       <p:ext uri="{BB962C8B-B14F-4D97-AF65-F5344CB8AC3E}">
-        <p14:creationId xmlns:p14="http://schemas.microsoft.com/office/powerpoint/2010/main" xmlns="" val="2239319431"/>
+        <p14:creationId xmlns:p14="http://schemas.microsoft.com/office/powerpoint/2010/main" val="2239319431"/>
       </p:ext>
     </p:extLst>
   </p:cSld>
@@ -17177,7 +14685,7 @@
             <p:ph idx="1"/>
             <p:extLst>
               <p:ext uri="{D42A27DB-BD31-4B8C-83A1-F6EECF244321}">
-                <p14:modId xmlns:p14="http://schemas.microsoft.com/office/powerpoint/2010/main" xmlns="" val="3741473438"/>
+                <p14:modId xmlns:p14="http://schemas.microsoft.com/office/powerpoint/2010/main" val="3741473438"/>
               </p:ext>
             </p:extLst>
           </p:nvPr>
@@ -17424,7 +14932,7 @@
     </p:spTree>
     <p:extLst>
       <p:ext uri="{BB962C8B-B14F-4D97-AF65-F5344CB8AC3E}">
-        <p14:creationId xmlns:p14="http://schemas.microsoft.com/office/powerpoint/2010/main" xmlns="" val="2968833177"/>
+        <p14:creationId xmlns:p14="http://schemas.microsoft.com/office/powerpoint/2010/main" val="2968833177"/>
       </p:ext>
     </p:extLst>
   </p:cSld>
@@ -17527,7 +15035,7 @@
     </p:spTree>
     <p:extLst>
       <p:ext uri="{BB962C8B-B14F-4D97-AF65-F5344CB8AC3E}">
-        <p14:creationId xmlns:p14="http://schemas.microsoft.com/office/powerpoint/2010/main" xmlns="" val="1417056284"/>
+        <p14:creationId xmlns:p14="http://schemas.microsoft.com/office/powerpoint/2010/main" val="1417056284"/>
       </p:ext>
     </p:extLst>
   </p:cSld>
@@ -17644,7 +15152,7 @@
           <a:blip r:embed="rId3" cstate="print">
             <a:extLst>
               <a:ext uri="{28A0092B-C50C-407E-A947-70E740481C1C}">
-                <a14:useLocalDpi xmlns:a14="http://schemas.microsoft.com/office/drawing/2010/main" xmlns="" val="0"/>
+                <a14:useLocalDpi xmlns:a14="http://schemas.microsoft.com/office/drawing/2010/main" val="0"/>
               </a:ext>
             </a:extLst>
           </a:blip>
@@ -17664,7 +15172,7 @@
           <a:noFill/>
           <a:extLst>
             <a:ext uri="{909E8E84-426E-40DD-AFC4-6F175D3DCCD1}">
-              <a14:hiddenFill xmlns:a14="http://schemas.microsoft.com/office/drawing/2010/main" xmlns="">
+              <a14:hiddenFill xmlns:a14="http://schemas.microsoft.com/office/drawing/2010/main">
                 <a:solidFill>
                   <a:srgbClr val="FFFFFF"/>
                 </a:solidFill>
@@ -18182,7 +15690,7 @@
     </p:spTree>
     <p:extLst>
       <p:ext uri="{BB962C8B-B14F-4D97-AF65-F5344CB8AC3E}">
-        <p14:creationId xmlns:p14="http://schemas.microsoft.com/office/powerpoint/2010/main" xmlns="" val="421485088"/>
+        <p14:creationId xmlns:p14="http://schemas.microsoft.com/office/powerpoint/2010/main" val="421485088"/>
       </p:ext>
     </p:extLst>
   </p:cSld>
@@ -18843,21 +16351,13 @@
           <a:p>
             <a:r>
               <a:rPr lang="en-US" dirty="0" smtClean="0"/>
-              <a:t>Application </a:t>
-            </a:r>
+              <a:t>Application data rate is varied from 1 Mbps to 32 Mbps</a:t>
+            </a:r>
+          </a:p>
+          <a:p>
             <a:r>
               <a:rPr lang="en-US" dirty="0" smtClean="0"/>
-              <a:t>data rate is varied from 1 Mbps to 32 Mbps</a:t>
-            </a:r>
-          </a:p>
-          <a:p>
-            <a:r>
-              <a:rPr lang="en-US" dirty="0" smtClean="0"/>
-              <a:t>The </a:t>
-            </a:r>
-            <a:r>
-              <a:rPr lang="en-US" dirty="0" smtClean="0"/>
-              <a:t>number of secondary users is varied from 12 to 40 with a granularity of 4</a:t>
+              <a:t>The number of secondary users is varied from 12 to 40 with a granularity of 4</a:t>
             </a:r>
           </a:p>
           <a:p>
@@ -18896,7 +16396,7 @@
     </p:spTree>
     <p:extLst>
       <p:ext uri="{BB962C8B-B14F-4D97-AF65-F5344CB8AC3E}">
-        <p14:creationId xmlns:p14="http://schemas.microsoft.com/office/powerpoint/2010/main" xmlns="" val="860338447"/>
+        <p14:creationId xmlns:p14="http://schemas.microsoft.com/office/powerpoint/2010/main" val="860338447"/>
       </p:ext>
     </p:extLst>
   </p:cSld>
@@ -18999,7 +16499,7 @@
     </p:spTree>
     <p:extLst>
       <p:ext uri="{BB962C8B-B14F-4D97-AF65-F5344CB8AC3E}">
-        <p14:creationId xmlns:p14="http://schemas.microsoft.com/office/powerpoint/2010/main" xmlns="" val="2495303577"/>
+        <p14:creationId xmlns:p14="http://schemas.microsoft.com/office/powerpoint/2010/main" val="2495303577"/>
       </p:ext>
     </p:extLst>
   </p:cSld>
@@ -19106,7 +16606,7 @@
     </p:spTree>
     <p:extLst>
       <p:ext uri="{BB962C8B-B14F-4D97-AF65-F5344CB8AC3E}">
-        <p14:creationId xmlns:p14="http://schemas.microsoft.com/office/powerpoint/2010/main" xmlns="" val="364716948"/>
+        <p14:creationId xmlns:p14="http://schemas.microsoft.com/office/powerpoint/2010/main" val="364716948"/>
       </p:ext>
     </p:extLst>
   </p:cSld>
@@ -19222,7 +16722,7 @@
           <a:blip r:embed="rId2" cstate="print">
             <a:extLst>
               <a:ext uri="{28A0092B-C50C-407E-A947-70E740481C1C}">
-                <a14:useLocalDpi xmlns:a14="http://schemas.microsoft.com/office/drawing/2010/main" xmlns="" val="0"/>
+                <a14:useLocalDpi xmlns:a14="http://schemas.microsoft.com/office/drawing/2010/main" val="0"/>
               </a:ext>
             </a:extLst>
           </a:blip>
@@ -19246,14 +16746,14 @@
           <a:effectLst/>
           <a:extLst>
             <a:ext uri="{909E8E84-426E-40DD-AFC4-6F175D3DCCD1}">
-              <a14:hiddenFill xmlns:a14="http://schemas.microsoft.com/office/drawing/2010/main" xmlns="">
+              <a14:hiddenFill xmlns:a14="http://schemas.microsoft.com/office/drawing/2010/main">
                 <a:solidFill>
                   <a:schemeClr val="accent1"/>
                 </a:solidFill>
               </a14:hiddenFill>
             </a:ext>
             <a:ext uri="{91240B29-F687-4F45-9708-019B960494DF}">
-              <a14:hiddenLine xmlns:a14="http://schemas.microsoft.com/office/drawing/2010/main" xmlns="" w="9525">
+              <a14:hiddenLine xmlns:a14="http://schemas.microsoft.com/office/drawing/2010/main" w="9525">
                 <a:solidFill>
                   <a:schemeClr val="tx1"/>
                 </a:solidFill>
@@ -19263,7 +16763,7 @@
               </a14:hiddenLine>
             </a:ext>
             <a:ext uri="{AF507438-7753-43E0-B8FC-AC1667EBCBE1}">
-              <a14:hiddenEffects xmlns:a14="http://schemas.microsoft.com/office/drawing/2010/main" xmlns="">
+              <a14:hiddenEffects xmlns:a14="http://schemas.microsoft.com/office/drawing/2010/main">
                 <a:effectLst>
                   <a:outerShdw dist="35921" dir="2700000" algn="ctr" rotWithShape="0">
                     <a:schemeClr val="bg2"/>
@@ -19313,7 +16813,7 @@
     </p:spTree>
     <p:extLst>
       <p:ext uri="{BB962C8B-B14F-4D97-AF65-F5344CB8AC3E}">
-        <p14:creationId xmlns:p14="http://schemas.microsoft.com/office/powerpoint/2010/main" xmlns="" val="2080828644"/>
+        <p14:creationId xmlns:p14="http://schemas.microsoft.com/office/powerpoint/2010/main" val="2080828644"/>
       </p:ext>
     </p:extLst>
   </p:cSld>
@@ -19463,11 +16963,7 @@
           <a:p>
             <a:r>
               <a:rPr lang="en-US" dirty="0" smtClean="0"/>
-              <a:t>Delay remains </a:t>
-            </a:r>
-            <a:r>
-              <a:rPr lang="en-US" dirty="0" smtClean="0"/>
-              <a:t>almost constant </a:t>
+              <a:t>Delay remains almost constant </a:t>
             </a:r>
             <a:endParaRPr lang="en-US" dirty="0"/>
           </a:p>
@@ -19514,7 +17010,7 @@
           <a:blip r:embed="rId2" cstate="print">
             <a:extLst>
               <a:ext uri="{28A0092B-C50C-407E-A947-70E740481C1C}">
-                <a14:useLocalDpi xmlns:a14="http://schemas.microsoft.com/office/drawing/2010/main" xmlns="" val="0"/>
+                <a14:useLocalDpi xmlns:a14="http://schemas.microsoft.com/office/drawing/2010/main" val="0"/>
               </a:ext>
             </a:extLst>
           </a:blip>
@@ -19538,14 +17034,14 @@
           <a:effectLst/>
           <a:extLst>
             <a:ext uri="{909E8E84-426E-40DD-AFC4-6F175D3DCCD1}">
-              <a14:hiddenFill xmlns:a14="http://schemas.microsoft.com/office/drawing/2010/main" xmlns="">
+              <a14:hiddenFill xmlns:a14="http://schemas.microsoft.com/office/drawing/2010/main">
                 <a:solidFill>
                   <a:schemeClr val="accent1"/>
                 </a:solidFill>
               </a14:hiddenFill>
             </a:ext>
             <a:ext uri="{91240B29-F687-4F45-9708-019B960494DF}">
-              <a14:hiddenLine xmlns:a14="http://schemas.microsoft.com/office/drawing/2010/main" xmlns="" w="9525">
+              <a14:hiddenLine xmlns:a14="http://schemas.microsoft.com/office/drawing/2010/main" w="9525">
                 <a:solidFill>
                   <a:schemeClr val="tx1"/>
                 </a:solidFill>
@@ -19555,7 +17051,7 @@
               </a14:hiddenLine>
             </a:ext>
             <a:ext uri="{AF507438-7753-43E0-B8FC-AC1667EBCBE1}">
-              <a14:hiddenEffects xmlns:a14="http://schemas.microsoft.com/office/drawing/2010/main" xmlns="">
+              <a14:hiddenEffects xmlns:a14="http://schemas.microsoft.com/office/drawing/2010/main">
                 <a:effectLst>
                   <a:outerShdw dist="35921" dir="2700000" algn="ctr" rotWithShape="0">
                     <a:schemeClr val="bg2"/>
@@ -19607,7 +17103,7 @@
     </p:spTree>
     <p:extLst>
       <p:ext uri="{BB962C8B-B14F-4D97-AF65-F5344CB8AC3E}">
-        <p14:creationId xmlns:p14="http://schemas.microsoft.com/office/powerpoint/2010/main" xmlns="" val="1024918520"/>
+        <p14:creationId xmlns:p14="http://schemas.microsoft.com/office/powerpoint/2010/main" val="1024918520"/>
       </p:ext>
     </p:extLst>
   </p:cSld>
@@ -19758,7 +17254,7 @@
           <a:blip r:embed="rId2" cstate="print">
             <a:extLst>
               <a:ext uri="{28A0092B-C50C-407E-A947-70E740481C1C}">
-                <a14:useLocalDpi xmlns:a14="http://schemas.microsoft.com/office/drawing/2010/main" xmlns="" val="0"/>
+                <a14:useLocalDpi xmlns:a14="http://schemas.microsoft.com/office/drawing/2010/main" val="0"/>
               </a:ext>
             </a:extLst>
           </a:blip>
@@ -19782,14 +17278,14 @@
           <a:effectLst/>
           <a:extLst>
             <a:ext uri="{909E8E84-426E-40DD-AFC4-6F175D3DCCD1}">
-              <a14:hiddenFill xmlns:a14="http://schemas.microsoft.com/office/drawing/2010/main" xmlns="">
+              <a14:hiddenFill xmlns:a14="http://schemas.microsoft.com/office/drawing/2010/main">
                 <a:solidFill>
                   <a:schemeClr val="accent1"/>
                 </a:solidFill>
               </a14:hiddenFill>
             </a:ext>
             <a:ext uri="{91240B29-F687-4F45-9708-019B960494DF}">
-              <a14:hiddenLine xmlns:a14="http://schemas.microsoft.com/office/drawing/2010/main" xmlns="" w="9525">
+              <a14:hiddenLine xmlns:a14="http://schemas.microsoft.com/office/drawing/2010/main" w="9525">
                 <a:solidFill>
                   <a:schemeClr val="tx1"/>
                 </a:solidFill>
@@ -19799,7 +17295,7 @@
               </a14:hiddenLine>
             </a:ext>
             <a:ext uri="{AF507438-7753-43E0-B8FC-AC1667EBCBE1}">
-              <a14:hiddenEffects xmlns:a14="http://schemas.microsoft.com/office/drawing/2010/main" xmlns="">
+              <a14:hiddenEffects xmlns:a14="http://schemas.microsoft.com/office/drawing/2010/main">
                 <a:effectLst>
                   <a:outerShdw dist="35921" dir="2700000" algn="ctr" rotWithShape="0">
                     <a:schemeClr val="bg2"/>
@@ -19822,7 +17318,7 @@
           <a:blip r:embed="rId3" cstate="print">
             <a:extLst>
               <a:ext uri="{28A0092B-C50C-407E-A947-70E740481C1C}">
-                <a14:useLocalDpi xmlns:a14="http://schemas.microsoft.com/office/drawing/2010/main" xmlns="" val="0"/>
+                <a14:useLocalDpi xmlns:a14="http://schemas.microsoft.com/office/drawing/2010/main" val="0"/>
               </a:ext>
             </a:extLst>
           </a:blip>
@@ -19846,14 +17342,14 @@
           <a:effectLst/>
           <a:extLst>
             <a:ext uri="{909E8E84-426E-40DD-AFC4-6F175D3DCCD1}">
-              <a14:hiddenFill xmlns:a14="http://schemas.microsoft.com/office/drawing/2010/main" xmlns="">
+              <a14:hiddenFill xmlns:a14="http://schemas.microsoft.com/office/drawing/2010/main">
                 <a:solidFill>
                   <a:schemeClr val="accent1"/>
                 </a:solidFill>
               </a14:hiddenFill>
             </a:ext>
             <a:ext uri="{91240B29-F687-4F45-9708-019B960494DF}">
-              <a14:hiddenLine xmlns:a14="http://schemas.microsoft.com/office/drawing/2010/main" xmlns="" w="9525">
+              <a14:hiddenLine xmlns:a14="http://schemas.microsoft.com/office/drawing/2010/main" w="9525">
                 <a:solidFill>
                   <a:schemeClr val="tx1"/>
                 </a:solidFill>
@@ -19863,7 +17359,7 @@
               </a14:hiddenLine>
             </a:ext>
             <a:ext uri="{AF507438-7753-43E0-B8FC-AC1667EBCBE1}">
-              <a14:hiddenEffects xmlns:a14="http://schemas.microsoft.com/office/drawing/2010/main" xmlns="">
+              <a14:hiddenEffects xmlns:a14="http://schemas.microsoft.com/office/drawing/2010/main">
                 <a:effectLst>
                   <a:outerShdw dist="35921" dir="2700000" algn="ctr" rotWithShape="0">
                     <a:schemeClr val="bg2"/>
@@ -19886,7 +17382,7 @@
           <a:blip r:embed="rId4" cstate="print">
             <a:extLst>
               <a:ext uri="{28A0092B-C50C-407E-A947-70E740481C1C}">
-                <a14:useLocalDpi xmlns:a14="http://schemas.microsoft.com/office/drawing/2010/main" xmlns="" val="0"/>
+                <a14:useLocalDpi xmlns:a14="http://schemas.microsoft.com/office/drawing/2010/main" val="0"/>
               </a:ext>
             </a:extLst>
           </a:blip>
@@ -19910,14 +17406,14 @@
           <a:effectLst/>
           <a:extLst>
             <a:ext uri="{909E8E84-426E-40DD-AFC4-6F175D3DCCD1}">
-              <a14:hiddenFill xmlns:a14="http://schemas.microsoft.com/office/drawing/2010/main" xmlns="">
+              <a14:hiddenFill xmlns:a14="http://schemas.microsoft.com/office/drawing/2010/main">
                 <a:solidFill>
                   <a:schemeClr val="accent1"/>
                 </a:solidFill>
               </a14:hiddenFill>
             </a:ext>
             <a:ext uri="{91240B29-F687-4F45-9708-019B960494DF}">
-              <a14:hiddenLine xmlns:a14="http://schemas.microsoft.com/office/drawing/2010/main" xmlns="" w="9525">
+              <a14:hiddenLine xmlns:a14="http://schemas.microsoft.com/office/drawing/2010/main" w="9525">
                 <a:solidFill>
                   <a:schemeClr val="tx1"/>
                 </a:solidFill>
@@ -19927,7 +17423,7 @@
               </a14:hiddenLine>
             </a:ext>
             <a:ext uri="{AF507438-7753-43E0-B8FC-AC1667EBCBE1}">
-              <a14:hiddenEffects xmlns:a14="http://schemas.microsoft.com/office/drawing/2010/main" xmlns="">
+              <a14:hiddenEffects xmlns:a14="http://schemas.microsoft.com/office/drawing/2010/main">
                 <a:effectLst>
                   <a:outerShdw dist="35921" dir="2700000" algn="ctr" rotWithShape="0">
                     <a:schemeClr val="bg2"/>
@@ -19950,7 +17446,7 @@
           <a:blip r:embed="rId5" cstate="print">
             <a:extLst>
               <a:ext uri="{28A0092B-C50C-407E-A947-70E740481C1C}">
-                <a14:useLocalDpi xmlns:a14="http://schemas.microsoft.com/office/drawing/2010/main" xmlns="" val="0"/>
+                <a14:useLocalDpi xmlns:a14="http://schemas.microsoft.com/office/drawing/2010/main" val="0"/>
               </a:ext>
             </a:extLst>
           </a:blip>
@@ -19974,14 +17470,14 @@
           <a:effectLst/>
           <a:extLst>
             <a:ext uri="{909E8E84-426E-40DD-AFC4-6F175D3DCCD1}">
-              <a14:hiddenFill xmlns:a14="http://schemas.microsoft.com/office/drawing/2010/main" xmlns="">
+              <a14:hiddenFill xmlns:a14="http://schemas.microsoft.com/office/drawing/2010/main">
                 <a:solidFill>
                   <a:schemeClr val="accent1"/>
                 </a:solidFill>
               </a14:hiddenFill>
             </a:ext>
             <a:ext uri="{91240B29-F687-4F45-9708-019B960494DF}">
-              <a14:hiddenLine xmlns:a14="http://schemas.microsoft.com/office/drawing/2010/main" xmlns="" w="9525">
+              <a14:hiddenLine xmlns:a14="http://schemas.microsoft.com/office/drawing/2010/main" w="9525">
                 <a:solidFill>
                   <a:schemeClr val="tx1"/>
                 </a:solidFill>
@@ -19991,7 +17487,7 @@
               </a14:hiddenLine>
             </a:ext>
             <a:ext uri="{AF507438-7753-43E0-B8FC-AC1667EBCBE1}">
-              <a14:hiddenEffects xmlns:a14="http://schemas.microsoft.com/office/drawing/2010/main" xmlns="">
+              <a14:hiddenEffects xmlns:a14="http://schemas.microsoft.com/office/drawing/2010/main">
                 <a:effectLst>
                   <a:outerShdw dist="35921" dir="2700000" algn="ctr" rotWithShape="0">
                     <a:schemeClr val="bg2"/>
@@ -20014,7 +17510,7 @@
           <a:blip r:embed="rId6" cstate="print">
             <a:extLst>
               <a:ext uri="{28A0092B-C50C-407E-A947-70E740481C1C}">
-                <a14:useLocalDpi xmlns:a14="http://schemas.microsoft.com/office/drawing/2010/main" xmlns="" val="0"/>
+                <a14:useLocalDpi xmlns:a14="http://schemas.microsoft.com/office/drawing/2010/main" val="0"/>
               </a:ext>
             </a:extLst>
           </a:blip>
@@ -20038,14 +17534,14 @@
           <a:effectLst/>
           <a:extLst>
             <a:ext uri="{909E8E84-426E-40DD-AFC4-6F175D3DCCD1}">
-              <a14:hiddenFill xmlns:a14="http://schemas.microsoft.com/office/drawing/2010/main" xmlns="">
+              <a14:hiddenFill xmlns:a14="http://schemas.microsoft.com/office/drawing/2010/main">
                 <a:solidFill>
                   <a:schemeClr val="accent1"/>
                 </a:solidFill>
               </a14:hiddenFill>
             </a:ext>
             <a:ext uri="{91240B29-F687-4F45-9708-019B960494DF}">
-              <a14:hiddenLine xmlns:a14="http://schemas.microsoft.com/office/drawing/2010/main" xmlns="" w="9525">
+              <a14:hiddenLine xmlns:a14="http://schemas.microsoft.com/office/drawing/2010/main" w="9525">
                 <a:solidFill>
                   <a:schemeClr val="tx1"/>
                 </a:solidFill>
@@ -20055,7 +17551,7 @@
               </a14:hiddenLine>
             </a:ext>
             <a:ext uri="{AF507438-7753-43E0-B8FC-AC1667EBCBE1}">
-              <a14:hiddenEffects xmlns:a14="http://schemas.microsoft.com/office/drawing/2010/main" xmlns="">
+              <a14:hiddenEffects xmlns:a14="http://schemas.microsoft.com/office/drawing/2010/main">
                 <a:effectLst>
                   <a:outerShdw dist="35921" dir="2700000" algn="ctr" rotWithShape="0">
                     <a:schemeClr val="bg2"/>
@@ -20078,7 +17574,7 @@
           <a:blip r:embed="rId7" cstate="print">
             <a:extLst>
               <a:ext uri="{28A0092B-C50C-407E-A947-70E740481C1C}">
-                <a14:useLocalDpi xmlns:a14="http://schemas.microsoft.com/office/drawing/2010/main" xmlns="" val="0"/>
+                <a14:useLocalDpi xmlns:a14="http://schemas.microsoft.com/office/drawing/2010/main" val="0"/>
               </a:ext>
             </a:extLst>
           </a:blip>
@@ -20102,14 +17598,14 @@
           <a:effectLst/>
           <a:extLst>
             <a:ext uri="{909E8E84-426E-40DD-AFC4-6F175D3DCCD1}">
-              <a14:hiddenFill xmlns:a14="http://schemas.microsoft.com/office/drawing/2010/main" xmlns="">
+              <a14:hiddenFill xmlns:a14="http://schemas.microsoft.com/office/drawing/2010/main">
                 <a:solidFill>
                   <a:schemeClr val="accent1"/>
                 </a:solidFill>
               </a14:hiddenFill>
             </a:ext>
             <a:ext uri="{91240B29-F687-4F45-9708-019B960494DF}">
-              <a14:hiddenLine xmlns:a14="http://schemas.microsoft.com/office/drawing/2010/main" xmlns="" w="9525">
+              <a14:hiddenLine xmlns:a14="http://schemas.microsoft.com/office/drawing/2010/main" w="9525">
                 <a:solidFill>
                   <a:schemeClr val="tx1"/>
                 </a:solidFill>
@@ -20119,7 +17615,7 @@
               </a14:hiddenLine>
             </a:ext>
             <a:ext uri="{AF507438-7753-43E0-B8FC-AC1667EBCBE1}">
-              <a14:hiddenEffects xmlns:a14="http://schemas.microsoft.com/office/drawing/2010/main" xmlns="">
+              <a14:hiddenEffects xmlns:a14="http://schemas.microsoft.com/office/drawing/2010/main">
                 <a:effectLst>
                   <a:outerShdw dist="35921" dir="2700000" algn="ctr" rotWithShape="0">
                     <a:schemeClr val="bg2"/>
@@ -20358,7 +17854,7 @@
     </p:spTree>
     <p:extLst>
       <p:ext uri="{BB962C8B-B14F-4D97-AF65-F5344CB8AC3E}">
-        <p14:creationId xmlns:p14="http://schemas.microsoft.com/office/powerpoint/2010/main" xmlns="" val="3711847406"/>
+        <p14:creationId xmlns:p14="http://schemas.microsoft.com/office/powerpoint/2010/main" val="3711847406"/>
       </p:ext>
     </p:extLst>
   </p:cSld>
@@ -20658,7 +18154,7 @@
           <a:blip r:embed="rId2" cstate="print">
             <a:extLst>
               <a:ext uri="{28A0092B-C50C-407E-A947-70E740481C1C}">
-                <a14:useLocalDpi xmlns:a14="http://schemas.microsoft.com/office/drawing/2010/main" xmlns="" val="0"/>
+                <a14:useLocalDpi xmlns:a14="http://schemas.microsoft.com/office/drawing/2010/main" val="0"/>
               </a:ext>
             </a:extLst>
           </a:blip>
@@ -20682,14 +18178,14 @@
           <a:effectLst/>
           <a:extLst>
             <a:ext uri="{909E8E84-426E-40DD-AFC4-6F175D3DCCD1}">
-              <a14:hiddenFill xmlns:a14="http://schemas.microsoft.com/office/drawing/2010/main" xmlns="">
+              <a14:hiddenFill xmlns:a14="http://schemas.microsoft.com/office/drawing/2010/main">
                 <a:solidFill>
                   <a:schemeClr val="accent1"/>
                 </a:solidFill>
               </a14:hiddenFill>
             </a:ext>
             <a:ext uri="{91240B29-F687-4F45-9708-019B960494DF}">
-              <a14:hiddenLine xmlns:a14="http://schemas.microsoft.com/office/drawing/2010/main" xmlns="" w="9525">
+              <a14:hiddenLine xmlns:a14="http://schemas.microsoft.com/office/drawing/2010/main" w="9525">
                 <a:solidFill>
                   <a:schemeClr val="tx1"/>
                 </a:solidFill>
@@ -20699,7 +18195,7 @@
               </a14:hiddenLine>
             </a:ext>
             <a:ext uri="{AF507438-7753-43E0-B8FC-AC1667EBCBE1}">
-              <a14:hiddenEffects xmlns:a14="http://schemas.microsoft.com/office/drawing/2010/main" xmlns="">
+              <a14:hiddenEffects xmlns:a14="http://schemas.microsoft.com/office/drawing/2010/main">
                 <a:effectLst>
                   <a:outerShdw dist="35921" dir="2700000" algn="ctr" rotWithShape="0">
                     <a:schemeClr val="bg2"/>
@@ -20722,7 +18218,7 @@
           <a:blip r:embed="rId3" cstate="print">
             <a:extLst>
               <a:ext uri="{28A0092B-C50C-407E-A947-70E740481C1C}">
-                <a14:useLocalDpi xmlns:a14="http://schemas.microsoft.com/office/drawing/2010/main" xmlns="" val="0"/>
+                <a14:useLocalDpi xmlns:a14="http://schemas.microsoft.com/office/drawing/2010/main" val="0"/>
               </a:ext>
             </a:extLst>
           </a:blip>
@@ -20746,14 +18242,14 @@
           <a:effectLst/>
           <a:extLst>
             <a:ext uri="{909E8E84-426E-40DD-AFC4-6F175D3DCCD1}">
-              <a14:hiddenFill xmlns:a14="http://schemas.microsoft.com/office/drawing/2010/main" xmlns="">
+              <a14:hiddenFill xmlns:a14="http://schemas.microsoft.com/office/drawing/2010/main">
                 <a:solidFill>
                   <a:schemeClr val="accent1"/>
                 </a:solidFill>
               </a14:hiddenFill>
             </a:ext>
             <a:ext uri="{91240B29-F687-4F45-9708-019B960494DF}">
-              <a14:hiddenLine xmlns:a14="http://schemas.microsoft.com/office/drawing/2010/main" xmlns="" w="9525">
+              <a14:hiddenLine xmlns:a14="http://schemas.microsoft.com/office/drawing/2010/main" w="9525">
                 <a:solidFill>
                   <a:schemeClr val="tx1"/>
                 </a:solidFill>
@@ -20763,7 +18259,7 @@
               </a14:hiddenLine>
             </a:ext>
             <a:ext uri="{AF507438-7753-43E0-B8FC-AC1667EBCBE1}">
-              <a14:hiddenEffects xmlns:a14="http://schemas.microsoft.com/office/drawing/2010/main" xmlns="">
+              <a14:hiddenEffects xmlns:a14="http://schemas.microsoft.com/office/drawing/2010/main">
                 <a:effectLst>
                   <a:outerShdw dist="35921" dir="2700000" algn="ctr" rotWithShape="0">
                     <a:schemeClr val="bg2"/>
@@ -20786,7 +18282,7 @@
           <a:blip r:embed="rId4" cstate="print">
             <a:extLst>
               <a:ext uri="{28A0092B-C50C-407E-A947-70E740481C1C}">
-                <a14:useLocalDpi xmlns:a14="http://schemas.microsoft.com/office/drawing/2010/main" xmlns="" val="0"/>
+                <a14:useLocalDpi xmlns:a14="http://schemas.microsoft.com/office/drawing/2010/main" val="0"/>
               </a:ext>
             </a:extLst>
           </a:blip>
@@ -20810,14 +18306,14 @@
           <a:effectLst/>
           <a:extLst>
             <a:ext uri="{909E8E84-426E-40DD-AFC4-6F175D3DCCD1}">
-              <a14:hiddenFill xmlns:a14="http://schemas.microsoft.com/office/drawing/2010/main" xmlns="">
+              <a14:hiddenFill xmlns:a14="http://schemas.microsoft.com/office/drawing/2010/main">
                 <a:solidFill>
                   <a:schemeClr val="accent1"/>
                 </a:solidFill>
               </a14:hiddenFill>
             </a:ext>
             <a:ext uri="{91240B29-F687-4F45-9708-019B960494DF}">
-              <a14:hiddenLine xmlns:a14="http://schemas.microsoft.com/office/drawing/2010/main" xmlns="" w="9525">
+              <a14:hiddenLine xmlns:a14="http://schemas.microsoft.com/office/drawing/2010/main" w="9525">
                 <a:solidFill>
                   <a:schemeClr val="tx1"/>
                 </a:solidFill>
@@ -20827,7 +18323,7 @@
               </a14:hiddenLine>
             </a:ext>
             <a:ext uri="{AF507438-7753-43E0-B8FC-AC1667EBCBE1}">
-              <a14:hiddenEffects xmlns:a14="http://schemas.microsoft.com/office/drawing/2010/main" xmlns="">
+              <a14:hiddenEffects xmlns:a14="http://schemas.microsoft.com/office/drawing/2010/main">
                 <a:effectLst>
                   <a:outerShdw dist="35921" dir="2700000" algn="ctr" rotWithShape="0">
                     <a:schemeClr val="bg2"/>
@@ -20850,7 +18346,7 @@
           <a:blip r:embed="rId5" cstate="print">
             <a:extLst>
               <a:ext uri="{28A0092B-C50C-407E-A947-70E740481C1C}">
-                <a14:useLocalDpi xmlns:a14="http://schemas.microsoft.com/office/drawing/2010/main" xmlns="" val="0"/>
+                <a14:useLocalDpi xmlns:a14="http://schemas.microsoft.com/office/drawing/2010/main" val="0"/>
               </a:ext>
             </a:extLst>
           </a:blip>
@@ -20874,14 +18370,14 @@
           <a:effectLst/>
           <a:extLst>
             <a:ext uri="{909E8E84-426E-40DD-AFC4-6F175D3DCCD1}">
-              <a14:hiddenFill xmlns:a14="http://schemas.microsoft.com/office/drawing/2010/main" xmlns="">
+              <a14:hiddenFill xmlns:a14="http://schemas.microsoft.com/office/drawing/2010/main">
                 <a:solidFill>
                   <a:schemeClr val="accent1"/>
                 </a:solidFill>
               </a14:hiddenFill>
             </a:ext>
             <a:ext uri="{91240B29-F687-4F45-9708-019B960494DF}">
-              <a14:hiddenLine xmlns:a14="http://schemas.microsoft.com/office/drawing/2010/main" xmlns="" w="9525">
+              <a14:hiddenLine xmlns:a14="http://schemas.microsoft.com/office/drawing/2010/main" w="9525">
                 <a:solidFill>
                   <a:schemeClr val="tx1"/>
                 </a:solidFill>
@@ -20891,7 +18387,7 @@
               </a14:hiddenLine>
             </a:ext>
             <a:ext uri="{AF507438-7753-43E0-B8FC-AC1667EBCBE1}">
-              <a14:hiddenEffects xmlns:a14="http://schemas.microsoft.com/office/drawing/2010/main" xmlns="">
+              <a14:hiddenEffects xmlns:a14="http://schemas.microsoft.com/office/drawing/2010/main">
                 <a:effectLst>
                   <a:outerShdw dist="35921" dir="2700000" algn="ctr" rotWithShape="0">
                     <a:schemeClr val="bg2"/>
@@ -20914,7 +18410,7 @@
           <a:blip r:embed="rId6" cstate="print">
             <a:extLst>
               <a:ext uri="{28A0092B-C50C-407E-A947-70E740481C1C}">
-                <a14:useLocalDpi xmlns:a14="http://schemas.microsoft.com/office/drawing/2010/main" xmlns="" val="0"/>
+                <a14:useLocalDpi xmlns:a14="http://schemas.microsoft.com/office/drawing/2010/main" val="0"/>
               </a:ext>
             </a:extLst>
           </a:blip>
@@ -20938,14 +18434,14 @@
           <a:effectLst/>
           <a:extLst>
             <a:ext uri="{909E8E84-426E-40DD-AFC4-6F175D3DCCD1}">
-              <a14:hiddenFill xmlns:a14="http://schemas.microsoft.com/office/drawing/2010/main" xmlns="">
+              <a14:hiddenFill xmlns:a14="http://schemas.microsoft.com/office/drawing/2010/main">
                 <a:solidFill>
                   <a:schemeClr val="accent1"/>
                 </a:solidFill>
               </a14:hiddenFill>
             </a:ext>
             <a:ext uri="{91240B29-F687-4F45-9708-019B960494DF}">
-              <a14:hiddenLine xmlns:a14="http://schemas.microsoft.com/office/drawing/2010/main" xmlns="" w="9525">
+              <a14:hiddenLine xmlns:a14="http://schemas.microsoft.com/office/drawing/2010/main" w="9525">
                 <a:solidFill>
                   <a:schemeClr val="tx1"/>
                 </a:solidFill>
@@ -20955,7 +18451,7 @@
               </a14:hiddenLine>
             </a:ext>
             <a:ext uri="{AF507438-7753-43E0-B8FC-AC1667EBCBE1}">
-              <a14:hiddenEffects xmlns:a14="http://schemas.microsoft.com/office/drawing/2010/main" xmlns="">
+              <a14:hiddenEffects xmlns:a14="http://schemas.microsoft.com/office/drawing/2010/main">
                 <a:effectLst>
                   <a:outerShdw dist="35921" dir="2700000" algn="ctr" rotWithShape="0">
                     <a:schemeClr val="bg2"/>
@@ -20978,7 +18474,7 @@
           <a:blip r:embed="rId7" cstate="print">
             <a:extLst>
               <a:ext uri="{28A0092B-C50C-407E-A947-70E740481C1C}">
-                <a14:useLocalDpi xmlns:a14="http://schemas.microsoft.com/office/drawing/2010/main" xmlns="" val="0"/>
+                <a14:useLocalDpi xmlns:a14="http://schemas.microsoft.com/office/drawing/2010/main" val="0"/>
               </a:ext>
             </a:extLst>
           </a:blip>
@@ -21002,14 +18498,14 @@
           <a:effectLst/>
           <a:extLst>
             <a:ext uri="{909E8E84-426E-40DD-AFC4-6F175D3DCCD1}">
-              <a14:hiddenFill xmlns:a14="http://schemas.microsoft.com/office/drawing/2010/main" xmlns="">
+              <a14:hiddenFill xmlns:a14="http://schemas.microsoft.com/office/drawing/2010/main">
                 <a:solidFill>
                   <a:schemeClr val="accent1"/>
                 </a:solidFill>
               </a14:hiddenFill>
             </a:ext>
             <a:ext uri="{91240B29-F687-4F45-9708-019B960494DF}">
-              <a14:hiddenLine xmlns:a14="http://schemas.microsoft.com/office/drawing/2010/main" xmlns="" w="9525">
+              <a14:hiddenLine xmlns:a14="http://schemas.microsoft.com/office/drawing/2010/main" w="9525">
                 <a:solidFill>
                   <a:schemeClr val="tx1"/>
                 </a:solidFill>
@@ -21019,7 +18515,7 @@
               </a14:hiddenLine>
             </a:ext>
             <a:ext uri="{AF507438-7753-43E0-B8FC-AC1667EBCBE1}">
-              <a14:hiddenEffects xmlns:a14="http://schemas.microsoft.com/office/drawing/2010/main" xmlns="">
+              <a14:hiddenEffects xmlns:a14="http://schemas.microsoft.com/office/drawing/2010/main">
                 <a:effectLst>
                   <a:outerShdw dist="35921" dir="2700000" algn="ctr" rotWithShape="0">
                     <a:schemeClr val="bg2"/>
@@ -21033,7 +18529,7 @@
     </p:spTree>
     <p:extLst>
       <p:ext uri="{BB962C8B-B14F-4D97-AF65-F5344CB8AC3E}">
-        <p14:creationId xmlns:p14="http://schemas.microsoft.com/office/powerpoint/2010/main" xmlns="" val="2298449244"/>
+        <p14:creationId xmlns:p14="http://schemas.microsoft.com/office/powerpoint/2010/main" val="2298449244"/>
       </p:ext>
     </p:extLst>
   </p:cSld>
@@ -21100,7 +18596,7 @@
             <p:ph idx="1"/>
             <p:extLst>
               <p:ext uri="{D42A27DB-BD31-4B8C-83A1-F6EECF244321}">
-                <p14:modId xmlns:p14="http://schemas.microsoft.com/office/powerpoint/2010/main" xmlns="" val="918667400"/>
+                <p14:modId xmlns:p14="http://schemas.microsoft.com/office/powerpoint/2010/main" val="918667400"/>
               </p:ext>
             </p:extLst>
           </p:nvPr>
@@ -21765,7 +19261,7 @@
     </p:spTree>
     <p:extLst>
       <p:ext uri="{BB962C8B-B14F-4D97-AF65-F5344CB8AC3E}">
-        <p14:creationId xmlns:p14="http://schemas.microsoft.com/office/powerpoint/2010/main" xmlns="" val="2416895149"/>
+        <p14:creationId xmlns:p14="http://schemas.microsoft.com/office/powerpoint/2010/main" val="2416895149"/>
       </p:ext>
     </p:extLst>
   </p:cSld>
@@ -21841,46 +19337,20 @@
           <a:p>
             <a:r>
               <a:rPr lang="en-US" dirty="0" smtClean="0"/>
-              <a:t>Throughput degradation in multi-radio cognitive radio networks is a well-known </a:t>
-            </a:r>
+              <a:t>Throughput degradation in multi-radio cognitive radio networks is a well-known problem</a:t>
+            </a:r>
+          </a:p>
+          <a:p>
+            <a:pPr lvl="1"/>
             <a:r>
               <a:rPr lang="en-US" dirty="0" smtClean="0"/>
-              <a:t>problem</a:t>
-            </a:r>
-            <a:endParaRPr lang="en-US" dirty="0" smtClean="0"/>
-          </a:p>
-          <a:p>
-            <a:pPr lvl="1"/>
+              <a:t>We propose a feedback-based multi-radio exploitation approach to solve the problem</a:t>
+            </a:r>
+          </a:p>
+          <a:p>
             <a:r>
               <a:rPr lang="en-US" dirty="0" smtClean="0"/>
-              <a:t>We </a:t>
-            </a:r>
-            <a:r>
-              <a:rPr lang="en-US" dirty="0" smtClean="0"/>
-              <a:t>propose </a:t>
-            </a:r>
-            <a:r>
-              <a:rPr lang="en-US" dirty="0" smtClean="0"/>
-              <a:t>a feedback-based multi-radio exploitation approach to solve the </a:t>
-            </a:r>
-            <a:r>
-              <a:rPr lang="en-US" dirty="0" smtClean="0"/>
-              <a:t>problem</a:t>
-            </a:r>
-            <a:endParaRPr lang="en-US" dirty="0" smtClean="0"/>
-          </a:p>
-          <a:p>
-            <a:r>
-              <a:rPr lang="en-US" dirty="0" smtClean="0"/>
-              <a:t>We compare </a:t>
-            </a:r>
-            <a:r>
-              <a:rPr lang="en-US" dirty="0" smtClean="0"/>
-              <a:t>the performance of our proposed approach with that of other contemporary </a:t>
-            </a:r>
-            <a:r>
-              <a:rPr lang="en-US" dirty="0" smtClean="0"/>
-              <a:t>approaches</a:t>
+              <a:t>We compare the performance of our proposed approach with that of other contemporary approaches</a:t>
             </a:r>
           </a:p>
           <a:p>
@@ -21889,7 +19359,6 @@
               <a:rPr lang="en-US" dirty="0" smtClean="0"/>
               <a:t>We find ………</a:t>
             </a:r>
-            <a:endParaRPr lang="en-US" dirty="0" smtClean="0"/>
           </a:p>
           <a:p>
             <a:endParaRPr lang="en-US" dirty="0"/>
@@ -22002,51 +19471,47 @@
               <a:buAutoNum type="arabicPeriod"/>
             </a:pPr>
             <a:r>
-              <a:rPr lang="en-US" sz="1800" dirty="0" err="1" smtClean="0"/>
-              <a:t>Maryam</a:t>
-            </a:r>
-            <a:r>
-              <a:rPr lang="en-US" sz="1800" dirty="0" smtClean="0"/>
+              <a:rPr lang="en-US" sz="1600" dirty="0" smtClean="0"/>
+              <a:t>Maryam </a:t>
+            </a:r>
+            <a:r>
+              <a:rPr lang="en-US" sz="1600" dirty="0" err="1" smtClean="0"/>
+              <a:t>Ahmadi</a:t>
+            </a:r>
+            <a:r>
+              <a:rPr lang="en-US" sz="1600" dirty="0" smtClean="0"/>
+              <a:t>, </a:t>
+            </a:r>
+            <a:r>
+              <a:rPr lang="en-US" sz="1600" dirty="0" err="1" smtClean="0"/>
+              <a:t>Yanyan</a:t>
+            </a:r>
+            <a:r>
+              <a:rPr lang="en-US" sz="1600" dirty="0" smtClean="0"/>
               <a:t> </a:t>
             </a:r>
             <a:r>
-              <a:rPr lang="en-US" sz="1800" dirty="0" err="1" smtClean="0"/>
-              <a:t>Ahmadi</a:t>
-            </a:r>
-            <a:r>
-              <a:rPr lang="en-US" sz="1800" dirty="0" smtClean="0"/>
-              <a:t>, </a:t>
-            </a:r>
-            <a:r>
-              <a:rPr lang="en-US" sz="1800" dirty="0" err="1" smtClean="0"/>
-              <a:t>Yanyan</a:t>
-            </a:r>
-            <a:r>
-              <a:rPr lang="en-US" sz="1800" dirty="0" smtClean="0"/>
-              <a:t> </a:t>
-            </a:r>
-            <a:r>
-              <a:rPr lang="en-US" sz="1800" dirty="0" err="1" smtClean="0"/>
+              <a:rPr lang="en-US" sz="1600" dirty="0" err="1" smtClean="0"/>
               <a:t>Zhuang</a:t>
             </a:r>
             <a:r>
-              <a:rPr lang="en-US" sz="1800" dirty="0" smtClean="0"/>
+              <a:rPr lang="en-US" sz="1600" dirty="0" smtClean="0"/>
               <a:t>, and </a:t>
             </a:r>
             <a:r>
-              <a:rPr lang="en-US" sz="1800" dirty="0" err="1" smtClean="0"/>
+              <a:rPr lang="en-US" sz="1600" dirty="0" err="1" smtClean="0"/>
               <a:t>Jianping</a:t>
             </a:r>
             <a:r>
-              <a:rPr lang="en-US" sz="1800" dirty="0" smtClean="0"/>
+              <a:rPr lang="en-US" sz="1600" dirty="0" smtClean="0"/>
               <a:t> Pan. Distributed robust channel assignment for multi-radio cognitive radio networks. In </a:t>
             </a:r>
             <a:r>
-              <a:rPr lang="en-US" sz="1800" i="1" dirty="0" smtClean="0"/>
+              <a:rPr lang="en-US" sz="1600" i="1" dirty="0" smtClean="0"/>
               <a:t>Vehicular Technology Conference (VTC Fall), 2012 IEEE</a:t>
             </a:r>
             <a:r>
-              <a:rPr lang="en-US" sz="1800" dirty="0" smtClean="0"/>
+              <a:rPr lang="en-US" sz="1600" dirty="0" smtClean="0"/>
               <a:t>, pages 1-5. IEEE, 2012.</a:t>
             </a:r>
           </a:p>
@@ -22056,67 +19521,67 @@
               <a:buAutoNum type="arabicPeriod" startAt="2"/>
             </a:pPr>
             <a:r>
-              <a:rPr lang="en-US" sz="1800" dirty="0" err="1" smtClean="0"/>
+              <a:rPr lang="en-US" sz="1600" dirty="0" err="1" smtClean="0"/>
               <a:t>Paramvir</a:t>
             </a:r>
             <a:r>
-              <a:rPr lang="en-US" sz="1800" dirty="0" smtClean="0"/>
+              <a:rPr lang="en-US" sz="1600" dirty="0" smtClean="0"/>
               <a:t> </a:t>
             </a:r>
             <a:r>
-              <a:rPr lang="en-US" sz="1800" dirty="0" err="1" smtClean="0"/>
+              <a:rPr lang="en-US" sz="1600" dirty="0" err="1" smtClean="0"/>
               <a:t>Bahl</a:t>
             </a:r>
             <a:r>
-              <a:rPr lang="en-US" sz="1800" dirty="0" smtClean="0"/>
+              <a:rPr lang="en-US" sz="1600" dirty="0" smtClean="0"/>
               <a:t>, </a:t>
             </a:r>
             <a:r>
-              <a:rPr lang="en-US" sz="1800" dirty="0" err="1" smtClean="0"/>
+              <a:rPr lang="en-US" sz="1600" dirty="0" err="1" smtClean="0"/>
               <a:t>Atul</a:t>
             </a:r>
             <a:r>
-              <a:rPr lang="en-US" sz="1800" dirty="0" smtClean="0"/>
+              <a:rPr lang="en-US" sz="1600" dirty="0" smtClean="0"/>
               <a:t> </a:t>
             </a:r>
             <a:r>
-              <a:rPr lang="en-US" sz="1800" dirty="0" err="1" smtClean="0"/>
+              <a:rPr lang="en-US" sz="1600" dirty="0" err="1" smtClean="0"/>
               <a:t>Adya</a:t>
             </a:r>
             <a:r>
-              <a:rPr lang="en-US" sz="1800" dirty="0" smtClean="0"/>
+              <a:rPr lang="en-US" sz="1600" dirty="0" smtClean="0"/>
               <a:t>, </a:t>
             </a:r>
             <a:r>
-              <a:rPr lang="en-US" sz="1800" dirty="0" err="1" smtClean="0"/>
+              <a:rPr lang="en-US" sz="1600" dirty="0" err="1" smtClean="0"/>
               <a:t>Jitendra</a:t>
             </a:r>
             <a:r>
-              <a:rPr lang="en-US" sz="1800" dirty="0" smtClean="0"/>
+              <a:rPr lang="en-US" sz="1600" dirty="0" smtClean="0"/>
               <a:t> </a:t>
             </a:r>
             <a:r>
-              <a:rPr lang="en-US" sz="1800" dirty="0" err="1" smtClean="0"/>
+              <a:rPr lang="en-US" sz="1600" dirty="0" err="1" smtClean="0"/>
               <a:t>Padhye</a:t>
             </a:r>
             <a:r>
-              <a:rPr lang="en-US" sz="1800" dirty="0" smtClean="0"/>
+              <a:rPr lang="en-US" sz="1600" dirty="0" smtClean="0"/>
               <a:t>, and Alec </a:t>
             </a:r>
             <a:r>
-              <a:rPr lang="en-US" sz="1800" dirty="0" err="1" smtClean="0"/>
+              <a:rPr lang="en-US" sz="1600" dirty="0" err="1" smtClean="0"/>
               <a:t>Walman</a:t>
             </a:r>
             <a:r>
-              <a:rPr lang="en-US" sz="1800" dirty="0" smtClean="0"/>
+              <a:rPr lang="en-US" sz="1600" dirty="0" smtClean="0"/>
               <a:t>. Reconsidering wireless systems with multiple radios. </a:t>
             </a:r>
             <a:r>
-              <a:rPr lang="en-US" sz="1800" i="1" dirty="0" smtClean="0"/>
+              <a:rPr lang="en-US" sz="1600" i="1" dirty="0" smtClean="0"/>
               <a:t>ACM SIGCOMM Computer Communication Review</a:t>
             </a:r>
             <a:r>
-              <a:rPr lang="en-US" sz="1800" dirty="0" smtClean="0"/>
+              <a:rPr lang="en-US" sz="1600" dirty="0" smtClean="0"/>
               <a:t>, 34(5):39-46, 2004.</a:t>
             </a:r>
           </a:p>
@@ -22126,47 +19591,47 @@
               <a:buAutoNum type="arabicPeriod" startAt="2"/>
             </a:pPr>
             <a:r>
-              <a:rPr lang="en-US" sz="1800" dirty="0" smtClean="0"/>
+              <a:rPr lang="en-US" sz="1600" dirty="0" smtClean="0"/>
               <a:t>Richard </a:t>
             </a:r>
             <a:r>
-              <a:rPr lang="en-US" sz="1800" dirty="0" err="1" smtClean="0"/>
+              <a:rPr lang="en-US" sz="1600" dirty="0" err="1" smtClean="0"/>
               <a:t>Draves</a:t>
             </a:r>
             <a:r>
-              <a:rPr lang="en-US" sz="1800" dirty="0" smtClean="0"/>
+              <a:rPr lang="en-US" sz="1600" dirty="0" smtClean="0"/>
               <a:t>, </a:t>
             </a:r>
             <a:r>
-              <a:rPr lang="en-US" sz="1800" dirty="0" err="1" smtClean="0"/>
+              <a:rPr lang="en-US" sz="1600" dirty="0" err="1" smtClean="0"/>
               <a:t>Jitendra</a:t>
             </a:r>
             <a:r>
-              <a:rPr lang="en-US" sz="1800" dirty="0" smtClean="0"/>
+              <a:rPr lang="en-US" sz="1600" dirty="0" smtClean="0"/>
               <a:t> </a:t>
             </a:r>
             <a:r>
-              <a:rPr lang="en-US" sz="1800" dirty="0" err="1" smtClean="0"/>
+              <a:rPr lang="en-US" sz="1600" dirty="0" err="1" smtClean="0"/>
               <a:t>Padhye</a:t>
             </a:r>
             <a:r>
-              <a:rPr lang="en-US" sz="1800" dirty="0" smtClean="0"/>
+              <a:rPr lang="en-US" sz="1600" dirty="0" smtClean="0"/>
               <a:t>, and Brian </a:t>
             </a:r>
             <a:r>
-              <a:rPr lang="en-US" sz="1800" dirty="0" err="1" smtClean="0"/>
+              <a:rPr lang="en-US" sz="1600" dirty="0" err="1" smtClean="0"/>
               <a:t>Zill</a:t>
             </a:r>
             <a:r>
-              <a:rPr lang="en-US" sz="1800" dirty="0" smtClean="0"/>
+              <a:rPr lang="en-US" sz="1600" dirty="0" smtClean="0"/>
               <a:t>. Routing in multi-radio, multi-hop wireless mesh networks. In </a:t>
             </a:r>
             <a:r>
-              <a:rPr lang="en-US" sz="1800" i="1" dirty="0" smtClean="0"/>
+              <a:rPr lang="en-US" sz="1600" i="1" dirty="0" smtClean="0"/>
               <a:t>Proceedings of the 10th annual international conference on Mobile computing and networking</a:t>
             </a:r>
             <a:r>
-              <a:rPr lang="en-US" sz="1800" dirty="0" smtClean="0"/>
+              <a:rPr lang="en-US" sz="1600" dirty="0" smtClean="0"/>
               <a:t>, pages 114-128. ACM, 2004.</a:t>
             </a:r>
           </a:p>
@@ -22176,47 +19641,47 @@
               <a:buAutoNum type="arabicPeriod" startAt="2"/>
             </a:pPr>
             <a:r>
-              <a:rPr lang="en-US" sz="1800" dirty="0" smtClean="0"/>
+              <a:rPr lang="en-US" sz="1600" dirty="0" smtClean="0"/>
               <a:t>Tanvir Ahmed Khan, </a:t>
             </a:r>
             <a:r>
-              <a:rPr lang="en-US" sz="1800" dirty="0" err="1" smtClean="0"/>
+              <a:rPr lang="en-US" sz="1600" dirty="0" err="1" smtClean="0"/>
               <a:t>Chowdhury</a:t>
             </a:r>
             <a:r>
-              <a:rPr lang="en-US" sz="1800" dirty="0" smtClean="0"/>
+              <a:rPr lang="en-US" sz="1600" dirty="0" smtClean="0"/>
               <a:t> </a:t>
             </a:r>
             <a:r>
-              <a:rPr lang="en-US" sz="1800" dirty="0" err="1" smtClean="0"/>
+              <a:rPr lang="en-US" sz="1600" dirty="0" err="1" smtClean="0"/>
               <a:t>Sayeed</a:t>
             </a:r>
             <a:r>
-              <a:rPr lang="en-US" sz="1800" dirty="0" smtClean="0"/>
+              <a:rPr lang="en-US" sz="1600" dirty="0" smtClean="0"/>
               <a:t> </a:t>
             </a:r>
             <a:r>
-              <a:rPr lang="en-US" sz="1800" dirty="0" err="1" smtClean="0"/>
+              <a:rPr lang="en-US" sz="1600" dirty="0" err="1" smtClean="0"/>
               <a:t>Hyder</a:t>
             </a:r>
             <a:r>
-              <a:rPr lang="en-US" sz="1800" dirty="0" smtClean="0"/>
+              <a:rPr lang="en-US" sz="1600" dirty="0" smtClean="0"/>
               <a:t>, and ABM Islam. Towards exploiting a synergy between cognitive and multi-radio networking. In </a:t>
             </a:r>
             <a:r>
-              <a:rPr lang="en-US" sz="1800" i="1" dirty="0" smtClean="0"/>
+              <a:rPr lang="en-US" sz="1600" i="1" dirty="0" smtClean="0"/>
               <a:t>Wireless and Mobile Computing, Networking and Communications  (</a:t>
             </a:r>
             <a:r>
-              <a:rPr lang="en-US" sz="1800" i="1" dirty="0" err="1" smtClean="0"/>
+              <a:rPr lang="en-US" sz="1600" i="1" dirty="0" err="1" smtClean="0"/>
               <a:t>WiMob</a:t>
             </a:r>
             <a:r>
-              <a:rPr lang="en-US" sz="1800" i="1" dirty="0" smtClean="0"/>
+              <a:rPr lang="en-US" sz="1600" i="1" dirty="0" smtClean="0"/>
               <a:t>), 2015 IEEE 11th International Conference on</a:t>
             </a:r>
             <a:r>
-              <a:rPr lang="en-US" sz="1800" dirty="0" smtClean="0"/>
+              <a:rPr lang="en-US" sz="1600" dirty="0" smtClean="0"/>
               <a:t>, pages 370-377. IEEE, 2015.</a:t>
             </a:r>
           </a:p>
@@ -22226,70 +19691,100 @@
               <a:buAutoNum type="arabicPeriod" startAt="2"/>
             </a:pPr>
             <a:r>
-              <a:rPr lang="en-US" sz="1800" dirty="0" err="1" smtClean="0"/>
+              <a:rPr lang="en-US" sz="1600" dirty="0" err="1" smtClean="0"/>
               <a:t>Guyue</a:t>
             </a:r>
             <a:r>
-              <a:rPr lang="en-US" sz="1800" dirty="0" smtClean="0"/>
+              <a:rPr lang="en-US" sz="1600" dirty="0" smtClean="0"/>
               <a:t> Li, </a:t>
             </a:r>
             <a:r>
-              <a:rPr lang="en-US" sz="1800" dirty="0" err="1" smtClean="0"/>
+              <a:rPr lang="en-US" sz="1600" dirty="0" err="1" smtClean="0"/>
               <a:t>Zhaoquan</a:t>
             </a:r>
             <a:r>
-              <a:rPr lang="en-US" sz="1800" dirty="0" smtClean="0"/>
+              <a:rPr lang="en-US" sz="1600" dirty="0" smtClean="0"/>
               <a:t> </a:t>
             </a:r>
             <a:r>
-              <a:rPr lang="en-US" sz="1800" dirty="0" err="1" smtClean="0"/>
+              <a:rPr lang="en-US" sz="1600" dirty="0" err="1" smtClean="0"/>
               <a:t>Gu</a:t>
             </a:r>
             <a:r>
-              <a:rPr lang="en-US" sz="1800" dirty="0" smtClean="0"/>
+              <a:rPr lang="en-US" sz="1600" dirty="0" smtClean="0"/>
               <a:t>, Xiao Lin, </a:t>
             </a:r>
             <a:r>
-              <a:rPr lang="en-US" sz="1800" dirty="0" err="1" smtClean="0"/>
+              <a:rPr lang="en-US" sz="1600" dirty="0" err="1" smtClean="0"/>
               <a:t>Haosen</a:t>
             </a:r>
             <a:r>
-              <a:rPr lang="en-US" sz="1800" dirty="0" smtClean="0"/>
+              <a:rPr lang="en-US" sz="1600" dirty="0" smtClean="0"/>
               <a:t> </a:t>
             </a:r>
             <a:r>
-              <a:rPr lang="en-US" sz="1800" dirty="0" err="1" smtClean="0"/>
+              <a:rPr lang="en-US" sz="1600" dirty="0" err="1" smtClean="0"/>
               <a:t>Pu</a:t>
             </a:r>
             <a:r>
-              <a:rPr lang="en-US" sz="1800" dirty="0" smtClean="0"/>
+              <a:rPr lang="en-US" sz="1600" dirty="0" smtClean="0"/>
               <a:t>, and </a:t>
             </a:r>
             <a:r>
-              <a:rPr lang="en-US" sz="1800" dirty="0" err="1" smtClean="0"/>
+              <a:rPr lang="en-US" sz="1600" dirty="0" err="1" smtClean="0"/>
               <a:t>Qiang-sheng</a:t>
             </a:r>
             <a:r>
-              <a:rPr lang="en-US" sz="1800" dirty="0" smtClean="0"/>
+              <a:rPr lang="en-US" sz="1600" dirty="0" smtClean="0"/>
               <a:t> </a:t>
             </a:r>
             <a:r>
-              <a:rPr lang="en-US" sz="1800" dirty="0" err="1" smtClean="0"/>
+              <a:rPr lang="en-US" sz="1600" dirty="0" err="1" smtClean="0"/>
               <a:t>Hua</a:t>
             </a:r>
             <a:r>
-              <a:rPr lang="en-US" sz="1800" dirty="0" smtClean="0"/>
+              <a:rPr lang="en-US" sz="1600" dirty="0" smtClean="0"/>
               <a:t>. Deterministic distributed rendezvous algorithms for multi-radio cognitive radio networks. In </a:t>
             </a:r>
             <a:r>
-              <a:rPr lang="en-US" sz="1800" i="1" dirty="0" smtClean="0"/>
+              <a:rPr lang="en-US" sz="1600" i="1" dirty="0" smtClean="0"/>
               <a:t>Proceedings of the 17th ACM international conference on Modeling, analysis and simulation of wireless and mobile systems</a:t>
             </a:r>
             <a:r>
-              <a:rPr lang="en-US" sz="1800" dirty="0" smtClean="0"/>
-              <a:t>, pages 313-320. ACM, 2014.</a:t>
-            </a:r>
-            <a:endParaRPr lang="en-US" sz="1800" dirty="0"/>
+              <a:rPr lang="en-US" sz="1600" dirty="0" smtClean="0"/>
+              <a:t>, pages 313-320. ACM, 2014</a:t>
+            </a:r>
+            <a:r>
+              <a:rPr lang="en-US" sz="1600" dirty="0" smtClean="0"/>
+              <a:t>.</a:t>
+            </a:r>
+          </a:p>
+          <a:p>
+            <a:pPr marL="514350" indent="-514350">
+              <a:buFont typeface="+mj-lt"/>
+              <a:buAutoNum type="arabicPeriod" startAt="2"/>
+            </a:pPr>
+            <a:r>
+              <a:rPr lang="sv-SE" sz="1600" dirty="0"/>
+              <a:t>Allen Miu, Hari Balakrishnan, and Can Emre Koksal. </a:t>
+            </a:r>
+            <a:r>
+              <a:rPr lang="en-US" sz="1600" dirty="0"/>
+              <a:t>Improving loss resilience with multi-radio diversity in wireless networks. In </a:t>
+            </a:r>
+            <a:r>
+              <a:rPr lang="en-US" sz="1600" i="1" dirty="0"/>
+              <a:t>Proceedings of the 11th annual international conference on Mobile computing and networking</a:t>
+            </a:r>
+            <a:r>
+              <a:rPr lang="en-US" sz="1600" dirty="0"/>
+              <a:t>, pages 16-30. ACM, 2005</a:t>
+            </a:r>
+            <a:r>
+              <a:rPr lang="en-US" sz="1600" dirty="0" smtClean="0"/>
+              <a:t>.</a:t>
+            </a:r>
+            <a:endParaRPr lang="en-US" sz="1600" dirty="0"/>
           </a:p>
         </p:txBody>
       </p:sp>
@@ -22396,147 +19891,225 @@
           <a:p>
             <a:pPr marL="514350" indent="-514350">
               <a:buFont typeface="+mj-lt"/>
-              <a:buAutoNum type="arabicPeriod" startAt="6"/>
+              <a:buAutoNum type="arabicPeriod" startAt="7"/>
             </a:pPr>
             <a:r>
-              <a:rPr lang="sv-SE" sz="1800" dirty="0" smtClean="0"/>
-              <a:t>Allen Miu, Hari Balakrishnan, and Can Emre Koksal. </a:t>
-            </a:r>
-            <a:r>
-              <a:rPr lang="en-US" sz="1800" dirty="0" smtClean="0"/>
-              <a:t>Improving loss resilience with multi-radio diversity in wireless networks. In </a:t>
-            </a:r>
-            <a:r>
-              <a:rPr lang="en-US" sz="1800" i="1" dirty="0" smtClean="0"/>
-              <a:t>Proceedings of the 11th annual international conference on Mobile computing and networking</a:t>
-            </a:r>
-            <a:r>
-              <a:rPr lang="en-US" sz="1800" dirty="0" smtClean="0"/>
-              <a:t>, pages 16-30. ACM, 2005.</a:t>
+              <a:rPr lang="en-US" sz="1600" dirty="0" smtClean="0"/>
+              <a:t>Wei </a:t>
+            </a:r>
+            <a:r>
+              <a:rPr lang="en-US" sz="1600" dirty="0" smtClean="0"/>
+              <a:t>Song and </a:t>
+            </a:r>
+            <a:r>
+              <a:rPr lang="en-US" sz="1600" dirty="0" err="1" smtClean="0"/>
+              <a:t>Weihua</a:t>
+            </a:r>
+            <a:r>
+              <a:rPr lang="en-US" sz="1600" dirty="0" smtClean="0"/>
+              <a:t> </a:t>
+            </a:r>
+            <a:r>
+              <a:rPr lang="en-US" sz="1600" dirty="0" err="1" smtClean="0"/>
+              <a:t>Zhuang</a:t>
+            </a:r>
+            <a:r>
+              <a:rPr lang="en-US" sz="1600" dirty="0" smtClean="0"/>
+              <a:t>. Performance analysis of probabilistic multipath transmission of video streaming traffic over multi-radio wireless devices. </a:t>
+            </a:r>
+            <a:r>
+              <a:rPr lang="en-US" sz="1600" i="1" dirty="0" smtClean="0"/>
+              <a:t>Wireless Communications, IEEE Transactions on</a:t>
+            </a:r>
+            <a:r>
+              <a:rPr lang="en-US" sz="1600" dirty="0" smtClean="0"/>
+              <a:t>, 11(4):1554-1564, 2012.</a:t>
             </a:r>
           </a:p>
           <a:p>
             <a:pPr marL="514350" indent="-514350">
               <a:buFont typeface="+mj-lt"/>
-              <a:buAutoNum type="arabicPeriod" startAt="6"/>
+              <a:buAutoNum type="arabicPeriod" startAt="7"/>
             </a:pPr>
             <a:r>
-              <a:rPr lang="en-US" sz="1800" dirty="0" smtClean="0"/>
-              <a:t>Wei Song and </a:t>
-            </a:r>
-            <a:r>
-              <a:rPr lang="en-US" sz="1800" dirty="0" err="1" smtClean="0"/>
-              <a:t>Weihua</a:t>
-            </a:r>
-            <a:r>
-              <a:rPr lang="en-US" sz="1800" dirty="0" smtClean="0"/>
-              <a:t> </a:t>
-            </a:r>
-            <a:r>
-              <a:rPr lang="en-US" sz="1800" dirty="0" err="1" smtClean="0"/>
-              <a:t>Zhuang</a:t>
-            </a:r>
-            <a:r>
-              <a:rPr lang="en-US" sz="1800" dirty="0" smtClean="0"/>
-              <a:t>. Performance analysis of probabilistic multipath transmission of video streaming traffic over multi-radio wireless devices. </a:t>
-            </a:r>
-            <a:r>
-              <a:rPr lang="en-US" sz="1800" i="1" dirty="0" smtClean="0"/>
-              <a:t>Wireless Communications, IEEE Transactions on</a:t>
-            </a:r>
-            <a:r>
-              <a:rPr lang="en-US" sz="1800" dirty="0" smtClean="0"/>
-              <a:t>, 11(4):1554-1564, 2012.</a:t>
+              <a:rPr lang="en-US" sz="1600" dirty="0" smtClean="0"/>
+              <a:t>Vaclav </a:t>
+            </a:r>
+            <a:r>
+              <a:rPr lang="en-US" sz="1600" dirty="0" err="1" smtClean="0"/>
+              <a:t>Valenta</a:t>
+            </a:r>
+            <a:r>
+              <a:rPr lang="en-US" sz="1600" dirty="0" smtClean="0"/>
+              <a:t>, Roman </a:t>
+            </a:r>
+            <a:r>
+              <a:rPr lang="en-US" sz="1600" dirty="0" err="1" smtClean="0"/>
+              <a:t>Marsalek</a:t>
+            </a:r>
+            <a:r>
+              <a:rPr lang="en-US" sz="1600" dirty="0" smtClean="0"/>
+              <a:t>, Genevieve </a:t>
+            </a:r>
+            <a:r>
+              <a:rPr lang="en-US" sz="1600" dirty="0" err="1" smtClean="0"/>
+              <a:t>Baudoin</a:t>
+            </a:r>
+            <a:r>
+              <a:rPr lang="en-US" sz="1600" dirty="0" smtClean="0"/>
+              <a:t>, Martine Villegas, Martha Suarez, and Fabien Robert. Survey on spectrum utilization in </a:t>
+            </a:r>
+            <a:r>
+              <a:rPr lang="en-US" sz="1600" dirty="0" err="1" smtClean="0"/>
+              <a:t>europe</a:t>
+            </a:r>
+            <a:r>
+              <a:rPr lang="en-US" sz="1600" dirty="0" smtClean="0"/>
+              <a:t>: Measurements, analyses and observations. In </a:t>
+            </a:r>
+            <a:r>
+              <a:rPr lang="en-US" sz="1600" i="1" dirty="0" smtClean="0"/>
+              <a:t>Cognitive Radio Oriented Wireless Networks &amp; Communications (CROWNCOM), 2010 Proceedings of the Fifth International Conference on</a:t>
+            </a:r>
+            <a:r>
+              <a:rPr lang="en-US" sz="1600" dirty="0" smtClean="0"/>
+              <a:t>, pages 1-5. IEEE, 2010.</a:t>
             </a:r>
           </a:p>
           <a:p>
             <a:pPr marL="514350" indent="-514350">
               <a:buFont typeface="+mj-lt"/>
-              <a:buAutoNum type="arabicPeriod" startAt="6"/>
+              <a:buAutoNum type="arabicPeriod" startAt="7"/>
             </a:pPr>
             <a:r>
-              <a:rPr lang="en-US" sz="1800" dirty="0" smtClean="0"/>
-              <a:t>Vaclav </a:t>
-            </a:r>
-            <a:r>
-              <a:rPr lang="en-US" sz="1800" dirty="0" err="1" smtClean="0"/>
-              <a:t>Valenta</a:t>
-            </a:r>
-            <a:r>
-              <a:rPr lang="en-US" sz="1800" dirty="0" smtClean="0"/>
-              <a:t>, Roman </a:t>
-            </a:r>
-            <a:r>
-              <a:rPr lang="en-US" sz="1800" dirty="0" err="1" smtClean="0"/>
-              <a:t>Marsalek</a:t>
-            </a:r>
-            <a:r>
-              <a:rPr lang="en-US" sz="1800" dirty="0" smtClean="0"/>
-              <a:t>, Genevieve </a:t>
-            </a:r>
-            <a:r>
-              <a:rPr lang="en-US" sz="1800" dirty="0" err="1" smtClean="0"/>
-              <a:t>Baudoin</a:t>
-            </a:r>
-            <a:r>
-              <a:rPr lang="en-US" sz="1800" dirty="0" smtClean="0"/>
-              <a:t>, Martine Villegas, Martha Suarez, and Fabien Robert. Survey on spectrum utilization in </a:t>
-            </a:r>
-            <a:r>
-              <a:rPr lang="en-US" sz="1800" dirty="0" err="1" smtClean="0"/>
-              <a:t>europe</a:t>
-            </a:r>
-            <a:r>
-              <a:rPr lang="en-US" sz="1800" dirty="0" smtClean="0"/>
-              <a:t>: Measurements, analyses and observations. In </a:t>
-            </a:r>
-            <a:r>
-              <a:rPr lang="en-US" sz="1800" i="1" dirty="0" smtClean="0"/>
-              <a:t>Cognitive Radio Oriented Wireless Networks &amp; Communications (CROWNCOM), 2010 Proceedings of the Fifth International Conference on</a:t>
-            </a:r>
-            <a:r>
-              <a:rPr lang="en-US" sz="1800" dirty="0" smtClean="0"/>
-              <a:t>, pages 1-5. IEEE, 2010.</a:t>
+              <a:rPr lang="en-US" sz="1600" dirty="0" err="1" smtClean="0"/>
+              <a:t>Xiaoxiong</a:t>
+            </a:r>
+            <a:r>
+              <a:rPr lang="en-US" sz="1600" dirty="0" smtClean="0"/>
+              <a:t> </a:t>
+            </a:r>
+            <a:r>
+              <a:rPr lang="en-US" sz="1600" dirty="0" err="1" smtClean="0"/>
+              <a:t>Zhong</a:t>
+            </a:r>
+            <a:r>
+              <a:rPr lang="en-US" sz="1600" dirty="0" smtClean="0"/>
+              <a:t>, Yang Qin, and Li </a:t>
+            </a:r>
+            <a:r>
+              <a:rPr lang="en-US" sz="1600" dirty="0" err="1" smtClean="0"/>
+              <a:t>Li</a:t>
+            </a:r>
+            <a:r>
+              <a:rPr lang="en-US" sz="1600" dirty="0" smtClean="0"/>
+              <a:t>. Capacity analysis in multi-radio multi-channel cognitive radio networks: A small world perspective. </a:t>
+            </a:r>
+            <a:r>
+              <a:rPr lang="en-US" sz="1600" i="1" dirty="0" smtClean="0"/>
+              <a:t>Wireless Personal Communications</a:t>
+            </a:r>
+            <a:r>
+              <a:rPr lang="en-US" sz="1600" dirty="0" smtClean="0"/>
+              <a:t>, 79(3):2209-2225, 2014</a:t>
+            </a:r>
+            <a:r>
+              <a:rPr lang="en-US" sz="1600" dirty="0" smtClean="0"/>
+              <a:t>.</a:t>
             </a:r>
           </a:p>
           <a:p>
             <a:pPr marL="514350" indent="-514350">
               <a:buFont typeface="+mj-lt"/>
-              <a:buAutoNum type="arabicPeriod" startAt="6"/>
+              <a:buAutoNum type="arabicPeriod" startAt="7"/>
             </a:pPr>
             <a:r>
-              <a:rPr lang="en-US" sz="1800" dirty="0" err="1" smtClean="0"/>
-              <a:t>Xiaoxiong</a:t>
-            </a:r>
-            <a:r>
-              <a:rPr lang="en-US" sz="1800" dirty="0" smtClean="0"/>
+              <a:rPr lang="en-US" sz="1600" dirty="0"/>
+              <a:t>Peter </a:t>
+            </a:r>
+            <a:r>
+              <a:rPr lang="en-US" sz="1600" dirty="0" smtClean="0"/>
+              <a:t>Rysavy</a:t>
+            </a:r>
+            <a:r>
+              <a:rPr lang="en-US" sz="1600" dirty="0"/>
+              <a:t>. Spectrum crisis? Information Week </a:t>
+            </a:r>
+            <a:r>
+              <a:rPr lang="en-US" sz="1600" dirty="0" smtClean="0"/>
+              <a:t>Magazine, pages 23-30, 2009.</a:t>
+            </a:r>
+          </a:p>
+          <a:p>
+            <a:pPr marL="514350" indent="-514350">
+              <a:buFont typeface="+mj-lt"/>
+              <a:buAutoNum type="arabicPeriod" startAt="7"/>
+            </a:pPr>
+            <a:r>
+              <a:rPr lang="en-US" sz="1600" dirty="0" smtClean="0"/>
+              <a:t>Ian F. </a:t>
+            </a:r>
+            <a:r>
+              <a:rPr lang="en-US" sz="1600" dirty="0" err="1" smtClean="0"/>
+              <a:t>Akyildiz</a:t>
+            </a:r>
+            <a:r>
+              <a:rPr lang="en-US" sz="1600" dirty="0" smtClean="0"/>
+              <a:t>, Won </a:t>
+            </a:r>
+            <a:r>
+              <a:rPr lang="en-US" sz="1600" dirty="0" err="1" smtClean="0"/>
+              <a:t>Yeol</a:t>
+            </a:r>
+            <a:r>
+              <a:rPr lang="en-US" sz="1600" dirty="0" smtClean="0"/>
+              <a:t> Lee, </a:t>
+            </a:r>
+            <a:r>
+              <a:rPr lang="en-US" sz="1600" dirty="0" err="1" smtClean="0"/>
+              <a:t>Mehmat</a:t>
+            </a:r>
+            <a:r>
+              <a:rPr lang="en-US" sz="1600" dirty="0" smtClean="0"/>
+              <a:t> C. </a:t>
+            </a:r>
+            <a:r>
+              <a:rPr lang="en-US" sz="1600" dirty="0" err="1" smtClean="0"/>
+              <a:t>Vuran</a:t>
+            </a:r>
+            <a:r>
+              <a:rPr lang="en-US" sz="1600" dirty="0" smtClean="0"/>
+              <a:t>, &amp; </a:t>
+            </a:r>
+            <a:r>
+              <a:rPr lang="en-US" sz="1600" dirty="0" err="1" smtClean="0"/>
+              <a:t>Shantidev</a:t>
+            </a:r>
+            <a:r>
+              <a:rPr lang="en-US" sz="1600" dirty="0" smtClean="0"/>
               <a:t> </a:t>
             </a:r>
             <a:r>
-              <a:rPr lang="en-US" sz="1800" dirty="0" err="1" smtClean="0"/>
-              <a:t>Zhong</a:t>
-            </a:r>
-            <a:r>
-              <a:rPr lang="en-US" sz="1800" dirty="0" smtClean="0"/>
-              <a:t>, Yang Qin, and Li </a:t>
-            </a:r>
-            <a:r>
-              <a:rPr lang="en-US" sz="1800" dirty="0" err="1" smtClean="0"/>
-              <a:t>Li</a:t>
-            </a:r>
-            <a:r>
-              <a:rPr lang="en-US" sz="1800" dirty="0" smtClean="0"/>
-              <a:t>. Capacity analysis in multi-radio multi-channel cognitive radio networks: A small world perspective. </a:t>
-            </a:r>
-            <a:r>
-              <a:rPr lang="en-US" sz="1800" i="1" dirty="0" smtClean="0"/>
-              <a:t>Wireless Personal Communications</a:t>
-            </a:r>
-            <a:r>
-              <a:rPr lang="en-US" sz="1800" dirty="0" smtClean="0"/>
-              <a:t>, 79(3):2209-2225, 2014.</a:t>
-            </a:r>
-            <a:endParaRPr lang="en-US" sz="1800" dirty="0"/>
+              <a:rPr lang="en-US" sz="1600" dirty="0" err="1" smtClean="0"/>
+              <a:t>Mohanty</a:t>
+            </a:r>
+            <a:r>
+              <a:rPr lang="en-US" sz="1600" dirty="0" smtClean="0"/>
+              <a:t>. </a:t>
+            </a:r>
+            <a:r>
+              <a:rPr lang="en-US" sz="1600" dirty="0" err="1"/>
+              <a:t>NeXt</a:t>
+            </a:r>
+            <a:r>
+              <a:rPr lang="en-US" sz="1600" dirty="0"/>
+              <a:t> generation/dynamic spectrum access/cognitive radio wireless networks: A survey. Computer networks, 50(13), </a:t>
+            </a:r>
+            <a:r>
+              <a:rPr lang="en-US" sz="1600" dirty="0" smtClean="0"/>
+              <a:t>2127-2159, 2006.</a:t>
+            </a:r>
+            <a:endParaRPr lang="en-US" sz="1600" dirty="0"/>
           </a:p>
         </p:txBody>
       </p:sp>
@@ -22756,7 +20329,7 @@
     </p:spTree>
     <p:extLst>
       <p:ext uri="{BB962C8B-B14F-4D97-AF65-F5344CB8AC3E}">
-        <p14:creationId xmlns:p14="http://schemas.microsoft.com/office/powerpoint/2010/main" xmlns="" val="3804822124"/>
+        <p14:creationId xmlns:p14="http://schemas.microsoft.com/office/powerpoint/2010/main" val="3804822124"/>
       </p:ext>
     </p:extLst>
   </p:cSld>
@@ -22849,7 +20422,7 @@
           <a:blip r:embed="rId3" cstate="print">
             <a:extLst>
               <a:ext uri="{28A0092B-C50C-407E-A947-70E740481C1C}">
-                <a14:useLocalDpi xmlns:a14="http://schemas.microsoft.com/office/drawing/2010/main" xmlns="" val="0"/>
+                <a14:useLocalDpi xmlns:a14="http://schemas.microsoft.com/office/drawing/2010/main" val="0"/>
               </a:ext>
             </a:extLst>
           </a:blip>
@@ -22869,7 +20442,7 @@
           <a:noFill/>
           <a:extLst>
             <a:ext uri="{909E8E84-426E-40DD-AFC4-6F175D3DCCD1}">
-              <a14:hiddenFill xmlns:a14="http://schemas.microsoft.com/office/drawing/2010/main" xmlns="">
+              <a14:hiddenFill xmlns:a14="http://schemas.microsoft.com/office/drawing/2010/main">
                 <a:solidFill>
                   <a:srgbClr val="FFFFFF"/>
                 </a:solidFill>
@@ -22878,10 +20451,53 @@
           </a:extLst>
         </p:spPr>
       </p:pic>
+      <p:sp>
+        <p:nvSpPr>
+          <p:cNvPr id="5" name="TextBox 4"/>
+          <p:cNvSpPr txBox="1"/>
+          <p:nvPr/>
+        </p:nvSpPr>
+        <p:spPr>
+          <a:xfrm>
+            <a:off x="870897" y="6107668"/>
+            <a:ext cx="7282503" cy="369332"/>
+          </a:xfrm>
+          <a:prstGeom prst="rect">
+            <a:avLst/>
+          </a:prstGeom>
+          <a:noFill/>
+        </p:spPr>
+        <p:txBody>
+          <a:bodyPr wrap="square" rtlCol="0">
+            <a:spAutoFit/>
+          </a:bodyPr>
+          <a:lstStyle/>
+          <a:p>
+            <a:pPr algn="ctr"/>
+            <a:r>
+              <a:rPr lang="en-US" dirty="0"/>
+              <a:t>Peter </a:t>
+            </a:r>
+            <a:r>
+              <a:rPr lang="en-US" dirty="0" smtClean="0"/>
+              <a:t>Rysavy, Information </a:t>
+            </a:r>
+            <a:r>
+              <a:rPr lang="en-US" dirty="0"/>
+              <a:t>Week </a:t>
+            </a:r>
+            <a:r>
+              <a:rPr lang="en-US" dirty="0" smtClean="0"/>
+              <a:t>Magazine, 2009. [10]</a:t>
+            </a:r>
+            <a:endParaRPr lang="en-US" dirty="0"/>
+          </a:p>
+        </p:txBody>
+      </p:sp>
     </p:spTree>
     <p:extLst>
       <p:ext uri="{BB962C8B-B14F-4D97-AF65-F5344CB8AC3E}">
-        <p14:creationId xmlns:p14="http://schemas.microsoft.com/office/powerpoint/2010/main" xmlns="" val="657446908"/>
+        <p14:creationId xmlns:p14="http://schemas.microsoft.com/office/powerpoint/2010/main" val="657446908"/>
       </p:ext>
     </p:extLst>
   </p:cSld>
@@ -23027,7 +20643,7 @@
           <p:nvPr>
             <p:extLst>
               <p:ext uri="{D42A27DB-BD31-4B8C-83A1-F6EECF244321}">
-                <p14:modId xmlns:p14="http://schemas.microsoft.com/office/powerpoint/2010/main" xmlns="" val="1341471225"/>
+                <p14:modId xmlns:p14="http://schemas.microsoft.com/office/powerpoint/2010/main" val="1341471225"/>
               </p:ext>
             </p:extLst>
           </p:nvPr>
@@ -37238,7 +34854,7 @@
     </p:spTree>
     <p:extLst>
       <p:ext uri="{BB962C8B-B14F-4D97-AF65-F5344CB8AC3E}">
-        <p14:creationId xmlns:p14="http://schemas.microsoft.com/office/powerpoint/2010/main" xmlns="" val="3283327029"/>
+        <p14:creationId xmlns:p14="http://schemas.microsoft.com/office/powerpoint/2010/main" val="3283327029"/>
       </p:ext>
     </p:extLst>
   </p:cSld>
@@ -37305,14 +34921,19 @@
             <p:ph idx="1"/>
           </p:nvPr>
         </p:nvSpPr>
-        <p:spPr/>
+        <p:spPr>
+          <a:xfrm>
+            <a:off x="457200" y="1371600"/>
+            <a:ext cx="8229600" cy="4525963"/>
+          </a:xfrm>
+        </p:spPr>
         <p:txBody>
           <a:bodyPr/>
           <a:lstStyle/>
           <a:p>
             <a:r>
               <a:rPr lang="en-US" dirty="0" smtClean="0"/>
-              <a:t>Licensed frequency spectrums are mostly under-utilized! [8]</a:t>
+              <a:t>Licensed frequency spectrums are mostly under-utilized! </a:t>
             </a:r>
             <a:endParaRPr lang="en-US" dirty="0"/>
           </a:p>
@@ -37330,7 +34951,7 @@
           <a:blip r:embed="rId3" cstate="print">
             <a:extLst>
               <a:ext uri="{28A0092B-C50C-407E-A947-70E740481C1C}">
-                <a14:useLocalDpi xmlns:a14="http://schemas.microsoft.com/office/drawing/2010/main" xmlns="" val="0"/>
+                <a14:useLocalDpi xmlns:a14="http://schemas.microsoft.com/office/drawing/2010/main" val="0"/>
               </a:ext>
             </a:extLst>
           </a:blip>
@@ -37340,7 +34961,7 @@
         </p:blipFill>
         <p:spPr>
           <a:xfrm>
-            <a:off x="7144" y="2721912"/>
+            <a:off x="7144" y="2438400"/>
             <a:ext cx="9129712" cy="3907488"/>
           </a:xfrm>
           <a:prstGeom prst="rect">
@@ -37368,6 +34989,41 @@
               <a:pPr/>
               <a:t>5</a:t>
             </a:fld>
+            <a:endParaRPr lang="en-US" dirty="0"/>
+          </a:p>
+        </p:txBody>
+      </p:sp>
+      <p:sp>
+        <p:nvSpPr>
+          <p:cNvPr id="6" name="TextBox 5"/>
+          <p:cNvSpPr txBox="1"/>
+          <p:nvPr/>
+        </p:nvSpPr>
+        <p:spPr>
+          <a:xfrm>
+            <a:off x="609600" y="6345888"/>
+            <a:ext cx="7772400" cy="369332"/>
+          </a:xfrm>
+          <a:prstGeom prst="rect">
+            <a:avLst/>
+          </a:prstGeom>
+          <a:noFill/>
+        </p:spPr>
+        <p:txBody>
+          <a:bodyPr wrap="square" rtlCol="0">
+            <a:spAutoFit/>
+          </a:bodyPr>
+          <a:lstStyle/>
+          <a:p>
+            <a:pPr algn="ctr"/>
+            <a:r>
+              <a:rPr lang="en-US" dirty="0" err="1" smtClean="0"/>
+              <a:t>Valenta</a:t>
+            </a:r>
+            <a:r>
+              <a:rPr lang="en-US" dirty="0" smtClean="0"/>
+              <a:t> et al., CROWNCOM, 2009 [8]</a:t>
+            </a:r>
             <a:endParaRPr lang="en-US" dirty="0"/>
           </a:p>
         </p:txBody>
@@ -37423,11 +35079,7 @@
           <a:p>
             <a:r>
               <a:rPr lang="en-US" dirty="0" smtClean="0"/>
-              <a:t>How to Increase Spectrum </a:t>
-            </a:r>
-            <a:r>
-              <a:rPr lang="en-US" dirty="0" smtClean="0"/>
-              <a:t>Utilization?</a:t>
+              <a:t>How to Increase Spectrum Utilization?</a:t>
             </a:r>
             <a:endParaRPr lang="en-US" dirty="0"/>
           </a:p>
@@ -37725,7 +35377,7 @@
           <a:blip r:embed="rId3" cstate="print">
             <a:extLst>
               <a:ext uri="{28A0092B-C50C-407E-A947-70E740481C1C}">
-                <a14:useLocalDpi xmlns:a14="http://schemas.microsoft.com/office/drawing/2010/main" xmlns="" val="0"/>
+                <a14:useLocalDpi xmlns:a14="http://schemas.microsoft.com/office/drawing/2010/main" val="0"/>
               </a:ext>
             </a:extLst>
           </a:blip>
@@ -37736,8 +35388,8 @@
         </p:blipFill>
         <p:spPr bwMode="auto">
           <a:xfrm>
-            <a:off x="1108364" y="1191491"/>
-            <a:ext cx="6927273" cy="5437909"/>
+            <a:off x="1423240" y="1219200"/>
+            <a:ext cx="6297521" cy="4943554"/>
           </a:xfrm>
           <a:prstGeom prst="rect">
             <a:avLst/>
@@ -37745,7 +35397,7 @@
           <a:noFill/>
           <a:extLst>
             <a:ext uri="{909E8E84-426E-40DD-AFC4-6F175D3DCCD1}">
-              <a14:hiddenFill xmlns:a14="http://schemas.microsoft.com/office/drawing/2010/main" xmlns="">
+              <a14:hiddenFill xmlns:a14="http://schemas.microsoft.com/office/drawing/2010/main">
                 <a:solidFill>
                   <a:srgbClr val="FFFFFF"/>
                 </a:solidFill>
@@ -37754,6 +35406,41 @@
           </a:extLst>
         </p:spPr>
       </p:pic>
+      <p:sp>
+        <p:nvSpPr>
+          <p:cNvPr id="5" name="TextBox 4"/>
+          <p:cNvSpPr txBox="1"/>
+          <p:nvPr/>
+        </p:nvSpPr>
+        <p:spPr>
+          <a:xfrm>
+            <a:off x="609600" y="6345888"/>
+            <a:ext cx="7772400" cy="369332"/>
+          </a:xfrm>
+          <a:prstGeom prst="rect">
+            <a:avLst/>
+          </a:prstGeom>
+          <a:noFill/>
+        </p:spPr>
+        <p:txBody>
+          <a:bodyPr wrap="square" rtlCol="0">
+            <a:spAutoFit/>
+          </a:bodyPr>
+          <a:lstStyle/>
+          <a:p>
+            <a:pPr algn="ctr"/>
+            <a:r>
+              <a:rPr lang="en-US" dirty="0" err="1" smtClean="0"/>
+              <a:t>Akyildiz</a:t>
+            </a:r>
+            <a:r>
+              <a:rPr lang="en-US" dirty="0" smtClean="0"/>
+              <a:t> et al., Computer Networks, 2006 [11]</a:t>
+            </a:r>
+            <a:endParaRPr lang="en-US" dirty="0"/>
+          </a:p>
+        </p:txBody>
+      </p:sp>
     </p:spTree>
   </p:cSld>
   <p:clrMapOvr>
@@ -37806,29 +35493,6 @@
               <a:t>Different Types of Users in A CRN</a:t>
             </a:r>
             <a:endParaRPr lang="en-US" dirty="0"/>
-          </a:p>
-        </p:txBody>
-      </p:sp>
-      <p:sp>
-        <p:nvSpPr>
-          <p:cNvPr id="3" name="Content Placeholder 2"/>
-          <p:cNvSpPr>
-            <a:spLocks noGrp="1"/>
-          </p:cNvSpPr>
-          <p:nvPr>
-            <p:ph idx="1"/>
-          </p:nvPr>
-        </p:nvSpPr>
-        <p:spPr/>
-        <p:txBody>
-          <a:bodyPr/>
-          <a:lstStyle/>
-          <a:p>
-            <a:pPr marL="342900" lvl="1" indent="-342900">
-              <a:buFont typeface="Arial" pitchFamily="34" charset="0"/>
-              <a:buChar char="•"/>
-            </a:pPr>
-            <a:endParaRPr lang="en-US" dirty="0" smtClean="0"/>
           </a:p>
         </p:txBody>
       </p:sp>
@@ -37959,7 +35623,7 @@
     </p:spTree>
     <p:extLst>
       <p:ext uri="{BB962C8B-B14F-4D97-AF65-F5344CB8AC3E}">
-        <p14:creationId xmlns:p14="http://schemas.microsoft.com/office/powerpoint/2010/main" xmlns="" val="4233720921"/>
+        <p14:creationId xmlns:p14="http://schemas.microsoft.com/office/powerpoint/2010/main" val="4233720921"/>
       </p:ext>
     </p:extLst>
   </p:cSld>
@@ -38012,15 +35676,7 @@
           <a:p>
             <a:r>
               <a:rPr lang="en-US" dirty="0" smtClean="0"/>
-              <a:t>Opportunistic </a:t>
-            </a:r>
-            <a:r>
-              <a:rPr lang="en-US" dirty="0" smtClean="0"/>
-              <a:t>Switching </a:t>
-            </a:r>
-            <a:r>
-              <a:rPr lang="en-US" dirty="0" smtClean="0"/>
-              <a:t>by An SU</a:t>
+              <a:t>Opportunistic Switching by An SU</a:t>
             </a:r>
             <a:endParaRPr lang="en-US" dirty="0"/>
           </a:p>
@@ -38147,34 +35803,6 @@
               <a:t>(unlicensed)</a:t>
             </a:r>
             <a:endParaRPr lang="en-US" dirty="0"/>
-          </a:p>
-        </p:txBody>
-      </p:sp>
-      <p:sp>
-        <p:nvSpPr>
-          <p:cNvPr id="12" name="Content Placeholder 2"/>
-          <p:cNvSpPr>
-            <a:spLocks noGrp="1"/>
-          </p:cNvSpPr>
-          <p:nvPr>
-            <p:ph idx="1"/>
-          </p:nvPr>
-        </p:nvSpPr>
-        <p:spPr>
-          <a:xfrm>
-            <a:off x="457200" y="1600200"/>
-            <a:ext cx="8229600" cy="4525963"/>
-          </a:xfrm>
-        </p:spPr>
-        <p:txBody>
-          <a:bodyPr/>
-          <a:lstStyle/>
-          <a:p>
-            <a:pPr marL="342900" lvl="1" indent="-342900">
-              <a:buFont typeface="Arial" pitchFamily="34" charset="0"/>
-              <a:buChar char="•"/>
-            </a:pPr>
-            <a:endParaRPr lang="en-US" dirty="0" smtClean="0"/>
           </a:p>
         </p:txBody>
       </p:sp>

--- a/draft.pptx
+++ b/draft.pptx
@@ -29,14 +29,14 @@
     <p:sldId id="327" r:id="rId20"/>
     <p:sldId id="329" r:id="rId21"/>
     <p:sldId id="323" r:id="rId22"/>
-    <p:sldId id="291" r:id="rId23"/>
+    <p:sldId id="343" r:id="rId23"/>
     <p:sldId id="292" r:id="rId24"/>
-    <p:sldId id="330" r:id="rId25"/>
-    <p:sldId id="333" r:id="rId26"/>
-    <p:sldId id="331" r:id="rId27"/>
-    <p:sldId id="334" r:id="rId28"/>
-    <p:sldId id="335" r:id="rId29"/>
-    <p:sldId id="332" r:id="rId30"/>
+    <p:sldId id="344" r:id="rId25"/>
+    <p:sldId id="330" r:id="rId26"/>
+    <p:sldId id="333" r:id="rId27"/>
+    <p:sldId id="331" r:id="rId28"/>
+    <p:sldId id="334" r:id="rId29"/>
+    <p:sldId id="335" r:id="rId30"/>
     <p:sldId id="308" r:id="rId31"/>
     <p:sldId id="311" r:id="rId32"/>
     <p:sldId id="313" r:id="rId33"/>
@@ -547,11 +547,11 @@
           <a:lstStyle/>
           <a:p>
             <a:r>
-              <a:rPr lang="en-US" dirty="0" smtClean="0"/>
+              <a:rPr lang="en-US" smtClean="0"/>
               <a:t>Hi, I am Tanvir Ahmed</a:t>
             </a:r>
             <a:r>
-              <a:rPr lang="en-US" baseline="0" dirty="0" smtClean="0"/>
+              <a:rPr lang="en-US" baseline="0" smtClean="0"/>
               <a:t> Khan. Traditional Spectrum Management System is largely underutilized and CRNs improves this utilization. However, employing multiple radios on CRNs degrades the throughput. Today I will show you an approach to overcome this throughput degradation.</a:t>
             </a:r>
             <a:endParaRPr lang="en-US" dirty="0"/>
@@ -1146,6 +1146,91 @@
 </file>
 
 <file path=ppt/notesSlides/notesSlide8.xml><?xml version="1.0" encoding="utf-8"?>
+<p:notes xmlns:a="http://schemas.openxmlformats.org/drawingml/2006/main" xmlns:r="http://schemas.openxmlformats.org/officeDocument/2006/relationships" xmlns:p="http://schemas.openxmlformats.org/presentationml/2006/main">
+  <p:cSld>
+    <p:spTree>
+      <p:nvGrpSpPr>
+        <p:cNvPr id="1" name=""/>
+        <p:cNvGrpSpPr/>
+        <p:nvPr/>
+      </p:nvGrpSpPr>
+      <p:grpSpPr>
+        <a:xfrm>
+          <a:off x="0" y="0"/>
+          <a:ext cx="0" cy="0"/>
+          <a:chOff x="0" y="0"/>
+          <a:chExt cx="0" cy="0"/>
+        </a:xfrm>
+      </p:grpSpPr>
+      <p:sp>
+        <p:nvSpPr>
+          <p:cNvPr id="2" name="Slide Image Placeholder 1"/>
+          <p:cNvSpPr>
+            <a:spLocks noGrp="1" noRot="1" noChangeAspect="1"/>
+          </p:cNvSpPr>
+          <p:nvPr>
+            <p:ph type="sldImg"/>
+          </p:nvPr>
+        </p:nvSpPr>
+        <p:spPr/>
+      </p:sp>
+      <p:sp>
+        <p:nvSpPr>
+          <p:cNvPr id="3" name="Notes Placeholder 2"/>
+          <p:cNvSpPr>
+            <a:spLocks noGrp="1"/>
+          </p:cNvSpPr>
+          <p:nvPr>
+            <p:ph type="body" idx="1"/>
+          </p:nvPr>
+        </p:nvSpPr>
+        <p:spPr/>
+        <p:txBody>
+          <a:bodyPr/>
+          <a:lstStyle/>
+          <a:p>
+            <a:endParaRPr lang="en-US" dirty="0"/>
+          </a:p>
+        </p:txBody>
+      </p:sp>
+      <p:sp>
+        <p:nvSpPr>
+          <p:cNvPr id="4" name="Slide Number Placeholder 3"/>
+          <p:cNvSpPr>
+            <a:spLocks noGrp="1"/>
+          </p:cNvSpPr>
+          <p:nvPr>
+            <p:ph type="sldNum" sz="quarter" idx="10"/>
+          </p:nvPr>
+        </p:nvSpPr>
+        <p:spPr/>
+        <p:txBody>
+          <a:bodyPr/>
+          <a:lstStyle/>
+          <a:p>
+            <a:fld id="{AF75187D-DC40-47E2-B446-AC348038ABC4}" type="slidenum">
+              <a:rPr lang="en-US" smtClean="0"/>
+              <a:pPr/>
+              <a:t>8</a:t>
+            </a:fld>
+            <a:endParaRPr lang="en-US"/>
+          </a:p>
+        </p:txBody>
+      </p:sp>
+    </p:spTree>
+    <p:extLst>
+      <p:ext uri="{BB962C8B-B14F-4D97-AF65-F5344CB8AC3E}">
+        <p14:creationId xmlns:p14="http://schemas.microsoft.com/office/powerpoint/2010/main" val="1394752973"/>
+      </p:ext>
+    </p:extLst>
+  </p:cSld>
+  <p:clrMapOvr>
+    <a:masterClrMapping/>
+  </p:clrMapOvr>
+</p:notes>
+</file>
+
+<file path=ppt/notesSlides/notesSlide9.xml><?xml version="1.0" encoding="utf-8"?>
 <p:notes xmlns:a="http://schemas.openxmlformats.org/drawingml/2006/main" xmlns:r="http://schemas.openxmlformats.org/officeDocument/2006/relationships" xmlns:p="http://schemas.openxmlformats.org/presentationml/2006/main">
   <p:cSld>
     <p:spTree>
@@ -9873,7 +9958,11 @@
           <a:p>
             <a:r>
               <a:rPr lang="en-US" dirty="0" smtClean="0"/>
-              <a:t>Our research problem</a:t>
+              <a:t>research </a:t>
+            </a:r>
+            <a:r>
+              <a:rPr lang="en-US" dirty="0" smtClean="0"/>
+              <a:t>problem</a:t>
             </a:r>
             <a:endParaRPr lang="en-US" dirty="0"/>
           </a:p>
@@ -10100,6 +10189,274 @@
         </p:nvSpPr>
         <p:spPr/>
         <p:txBody>
+          <a:bodyPr/>
+          <a:lstStyle/>
+          <a:p>
+            <a:r>
+              <a:rPr lang="en-US" dirty="0" smtClean="0"/>
+              <a:t>Proposed Methodology</a:t>
+            </a:r>
+            <a:endParaRPr lang="en-US" dirty="0"/>
+          </a:p>
+        </p:txBody>
+      </p:sp>
+      <p:sp>
+        <p:nvSpPr>
+          <p:cNvPr id="3" name="Text Placeholder 2"/>
+          <p:cNvSpPr>
+            <a:spLocks noGrp="1"/>
+          </p:cNvSpPr>
+          <p:nvPr>
+            <p:ph type="body" idx="1"/>
+          </p:nvPr>
+        </p:nvSpPr>
+        <p:spPr/>
+        <p:txBody>
+          <a:bodyPr/>
+          <a:lstStyle/>
+          <a:p>
+            <a:endParaRPr lang="en-US"/>
+          </a:p>
+        </p:txBody>
+      </p:sp>
+      <p:sp>
+        <p:nvSpPr>
+          <p:cNvPr id="4" name="Slide Number Placeholder 3"/>
+          <p:cNvSpPr>
+            <a:spLocks noGrp="1"/>
+          </p:cNvSpPr>
+          <p:nvPr>
+            <p:ph type="sldNum" sz="quarter" idx="12"/>
+          </p:nvPr>
+        </p:nvSpPr>
+        <p:spPr/>
+        <p:txBody>
+          <a:bodyPr/>
+          <a:lstStyle/>
+          <a:p>
+            <a:fld id="{CF142645-850A-43A6-BF6E-75FA772F8DCF}" type="slidenum">
+              <a:rPr lang="en-US" smtClean="0"/>
+              <a:pPr/>
+              <a:t>22</a:t>
+            </a:fld>
+            <a:endParaRPr lang="en-US" dirty="0"/>
+          </a:p>
+        </p:txBody>
+      </p:sp>
+    </p:spTree>
+    <p:extLst>
+      <p:ext uri="{BB962C8B-B14F-4D97-AF65-F5344CB8AC3E}">
+        <p14:creationId xmlns:p14="http://schemas.microsoft.com/office/powerpoint/2010/main" val="808015093"/>
+      </p:ext>
+    </p:extLst>
+  </p:cSld>
+  <p:clrMapOvr>
+    <a:masterClrMapping/>
+  </p:clrMapOvr>
+  <p:timing>
+    <p:tnLst>
+      <p:par>
+        <p:cTn id="1" dur="indefinite" restart="never" nodeType="tmRoot"/>
+      </p:par>
+    </p:tnLst>
+  </p:timing>
+</p:sld>
+</file>
+
+<file path=ppt/slides/slide23.xml><?xml version="1.0" encoding="utf-8"?>
+<p:sld xmlns:a="http://schemas.openxmlformats.org/drawingml/2006/main" xmlns:r="http://schemas.openxmlformats.org/officeDocument/2006/relationships" xmlns:p="http://schemas.openxmlformats.org/presentationml/2006/main">
+  <p:cSld>
+    <p:spTree>
+      <p:nvGrpSpPr>
+        <p:cNvPr id="1" name=""/>
+        <p:cNvGrpSpPr/>
+        <p:nvPr/>
+      </p:nvGrpSpPr>
+      <p:grpSpPr>
+        <a:xfrm>
+          <a:off x="0" y="0"/>
+          <a:ext cx="0" cy="0"/>
+          <a:chOff x="0" y="0"/>
+          <a:chExt cx="0" cy="0"/>
+        </a:xfrm>
+      </p:grpSpPr>
+      <p:sp>
+        <p:nvSpPr>
+          <p:cNvPr id="2" name="Title 1"/>
+          <p:cNvSpPr>
+            <a:spLocks noGrp="1"/>
+          </p:cNvSpPr>
+          <p:nvPr>
+            <p:ph type="title"/>
+          </p:nvPr>
+        </p:nvSpPr>
+        <p:spPr/>
+        <p:txBody>
+          <a:bodyPr>
+            <a:normAutofit fontScale="90000"/>
+          </a:bodyPr>
+          <a:lstStyle/>
+          <a:p>
+            <a:r>
+              <a:rPr lang="en-US" dirty="0" smtClean="0"/>
+              <a:t>Steps in Our </a:t>
+            </a:r>
+            <a:r>
+              <a:rPr lang="en-US" dirty="0"/>
+              <a:t>Proposed </a:t>
+            </a:r>
+            <a:r>
+              <a:rPr lang="en-US" dirty="0" smtClean="0"/>
+              <a:t>Methodology</a:t>
+            </a:r>
+            <a:endParaRPr lang="en-US" dirty="0"/>
+          </a:p>
+        </p:txBody>
+      </p:sp>
+      <p:sp>
+        <p:nvSpPr>
+          <p:cNvPr id="3132" name="AutoShape 60"/>
+          <p:cNvSpPr>
+            <a:spLocks noChangeAspect="1" noChangeArrowheads="1" noTextEdit="1"/>
+          </p:cNvSpPr>
+          <p:nvPr/>
+        </p:nvSpPr>
+        <p:spPr bwMode="auto">
+          <a:xfrm>
+            <a:off x="5114925" y="4891088"/>
+            <a:ext cx="3571875" cy="1600200"/>
+          </a:xfrm>
+          <a:prstGeom prst="rect">
+            <a:avLst/>
+          </a:prstGeom>
+          <a:noFill/>
+          <a:ln w="9525">
+            <a:noFill/>
+            <a:miter lim="800000"/>
+            <a:headEnd/>
+            <a:tailEnd/>
+          </a:ln>
+        </p:spPr>
+        <p:txBody>
+          <a:bodyPr vert="horz" wrap="square" lIns="91440" tIns="45720" rIns="91440" bIns="45720" numCol="1" anchor="t" anchorCtr="0" compatLnSpc="1">
+            <a:prstTxWarp prst="textNoShape">
+              <a:avLst/>
+            </a:prstTxWarp>
+          </a:bodyPr>
+          <a:lstStyle/>
+          <a:p>
+            <a:endParaRPr lang="en-US"/>
+          </a:p>
+        </p:txBody>
+      </p:sp>
+      <p:pic>
+        <p:nvPicPr>
+          <p:cNvPr id="3074" name="Picture 2"/>
+          <p:cNvPicPr>
+            <a:picLocks noChangeAspect="1" noChangeArrowheads="1"/>
+          </p:cNvPicPr>
+          <p:nvPr/>
+        </p:nvPicPr>
+        <p:blipFill>
+          <a:blip r:embed="rId2" cstate="print">
+            <a:extLst>
+              <a:ext uri="{28A0092B-C50C-407E-A947-70E740481C1C}">
+                <a14:useLocalDpi xmlns:a14="http://schemas.microsoft.com/office/drawing/2010/main" val="0"/>
+              </a:ext>
+            </a:extLst>
+          </a:blip>
+          <a:srcRect/>
+          <a:stretch>
+            <a:fillRect/>
+          </a:stretch>
+        </p:blipFill>
+        <p:spPr bwMode="auto">
+          <a:xfrm>
+            <a:off x="2099830" y="1361209"/>
+            <a:ext cx="4944341" cy="5420591"/>
+          </a:xfrm>
+          <a:prstGeom prst="rect">
+            <a:avLst/>
+          </a:prstGeom>
+          <a:noFill/>
+          <a:ln>
+            <a:noFill/>
+          </a:ln>
+          <a:effectLst/>
+          <a:extLst>
+            <a:ext uri="{909E8E84-426E-40DD-AFC4-6F175D3DCCD1}">
+              <a14:hiddenFill xmlns:a14="http://schemas.microsoft.com/office/drawing/2010/main">
+                <a:solidFill>
+                  <a:schemeClr val="accent1"/>
+                </a:solidFill>
+              </a14:hiddenFill>
+            </a:ext>
+            <a:ext uri="{91240B29-F687-4F45-9708-019B960494DF}">
+              <a14:hiddenLine xmlns:a14="http://schemas.microsoft.com/office/drawing/2010/main" w="9525">
+                <a:solidFill>
+                  <a:schemeClr val="tx1"/>
+                </a:solidFill>
+                <a:miter lim="800000"/>
+                <a:headEnd/>
+                <a:tailEnd/>
+              </a14:hiddenLine>
+            </a:ext>
+            <a:ext uri="{AF507438-7753-43E0-B8FC-AC1667EBCBE1}">
+              <a14:hiddenEffects xmlns:a14="http://schemas.microsoft.com/office/drawing/2010/main">
+                <a:effectLst>
+                  <a:outerShdw dist="35921" dir="2700000" algn="ctr" rotWithShape="0">
+                    <a:schemeClr val="bg2"/>
+                  </a:outerShdw>
+                </a:effectLst>
+              </a14:hiddenEffects>
+            </a:ext>
+          </a:extLst>
+        </p:spPr>
+      </p:pic>
+    </p:spTree>
+  </p:cSld>
+  <p:clrMapOvr>
+    <a:masterClrMapping/>
+  </p:clrMapOvr>
+  <p:timing>
+    <p:tnLst>
+      <p:par>
+        <p:cTn id="1" dur="indefinite" restart="never" nodeType="tmRoot"/>
+      </p:par>
+    </p:tnLst>
+  </p:timing>
+</p:sld>
+</file>
+
+<file path=ppt/slides/slide24.xml><?xml version="1.0" encoding="utf-8"?>
+<p:sld xmlns:a="http://schemas.openxmlformats.org/drawingml/2006/main" xmlns:r="http://schemas.openxmlformats.org/officeDocument/2006/relationships" xmlns:p="http://schemas.openxmlformats.org/presentationml/2006/main">
+  <p:cSld>
+    <p:spTree>
+      <p:nvGrpSpPr>
+        <p:cNvPr id="1" name=""/>
+        <p:cNvGrpSpPr/>
+        <p:nvPr/>
+      </p:nvGrpSpPr>
+      <p:grpSpPr>
+        <a:xfrm>
+          <a:off x="0" y="0"/>
+          <a:ext cx="0" cy="0"/>
+          <a:chOff x="0" y="0"/>
+          <a:chExt cx="0" cy="0"/>
+        </a:xfrm>
+      </p:grpSpPr>
+      <p:sp>
+        <p:nvSpPr>
+          <p:cNvPr id="2" name="Title 1"/>
+          <p:cNvSpPr>
+            <a:spLocks noGrp="1"/>
+          </p:cNvSpPr>
+          <p:nvPr>
+            <p:ph type="title"/>
+          </p:nvPr>
+        </p:nvSpPr>
+        <p:spPr/>
+        <p:txBody>
           <a:bodyPr>
             <a:normAutofit fontScale="90000"/>
           </a:bodyPr>
@@ -10160,13 +10517,18 @@
             <a:fld id="{CF142645-850A-43A6-BF6E-75FA772F8DCF}" type="slidenum">
               <a:rPr lang="en-US" smtClean="0"/>
               <a:pPr/>
-              <a:t>22</a:t>
+              <a:t>24</a:t>
             </a:fld>
             <a:endParaRPr lang="en-US" dirty="0"/>
           </a:p>
         </p:txBody>
       </p:sp>
     </p:spTree>
+    <p:extLst>
+      <p:ext uri="{BB962C8B-B14F-4D97-AF65-F5344CB8AC3E}">
+        <p14:creationId xmlns:p14="http://schemas.microsoft.com/office/powerpoint/2010/main" val="1403830415"/>
+      </p:ext>
+    </p:extLst>
   </p:cSld>
   <p:clrMapOvr>
     <a:masterClrMapping/>
@@ -10260,172 +10622,7 @@
 </p:sld>
 </file>
 
-<file path=ppt/slides/slide23.xml><?xml version="1.0" encoding="utf-8"?>
-<p:sld xmlns:a="http://schemas.openxmlformats.org/drawingml/2006/main" xmlns:r="http://schemas.openxmlformats.org/officeDocument/2006/relationships" xmlns:p="http://schemas.openxmlformats.org/presentationml/2006/main">
-  <p:cSld>
-    <p:spTree>
-      <p:nvGrpSpPr>
-        <p:cNvPr id="1" name=""/>
-        <p:cNvGrpSpPr/>
-        <p:nvPr/>
-      </p:nvGrpSpPr>
-      <p:grpSpPr>
-        <a:xfrm>
-          <a:off x="0" y="0"/>
-          <a:ext cx="0" cy="0"/>
-          <a:chOff x="0" y="0"/>
-          <a:chExt cx="0" cy="0"/>
-        </a:xfrm>
-      </p:grpSpPr>
-      <p:sp>
-        <p:nvSpPr>
-          <p:cNvPr id="2" name="Title 1"/>
-          <p:cNvSpPr>
-            <a:spLocks noGrp="1"/>
-          </p:cNvSpPr>
-          <p:nvPr>
-            <p:ph type="title"/>
-          </p:nvPr>
-        </p:nvSpPr>
-        <p:spPr/>
-        <p:txBody>
-          <a:bodyPr>
-            <a:normAutofit fontScale="90000"/>
-          </a:bodyPr>
-          <a:lstStyle/>
-          <a:p>
-            <a:r>
-              <a:rPr lang="en-US" dirty="0" smtClean="0"/>
-              <a:t>Steps in Our </a:t>
-            </a:r>
-            <a:r>
-              <a:rPr lang="en-US" dirty="0"/>
-              <a:t>Proposed </a:t>
-            </a:r>
-            <a:r>
-              <a:rPr lang="en-US" dirty="0" smtClean="0"/>
-              <a:t>Methodology</a:t>
-            </a:r>
-            <a:endParaRPr lang="en-US" dirty="0"/>
-          </a:p>
-        </p:txBody>
-      </p:sp>
-      <p:sp>
-        <p:nvSpPr>
-          <p:cNvPr id="3132" name="AutoShape 60"/>
-          <p:cNvSpPr>
-            <a:spLocks noChangeAspect="1" noChangeArrowheads="1" noTextEdit="1"/>
-          </p:cNvSpPr>
-          <p:nvPr/>
-        </p:nvSpPr>
-        <p:spPr bwMode="auto">
-          <a:xfrm>
-            <a:off x="5114925" y="4891088"/>
-            <a:ext cx="3571875" cy="1600200"/>
-          </a:xfrm>
-          <a:prstGeom prst="rect">
-            <a:avLst/>
-          </a:prstGeom>
-          <a:noFill/>
-          <a:ln w="9525">
-            <a:noFill/>
-            <a:miter lim="800000"/>
-            <a:headEnd/>
-            <a:tailEnd/>
-          </a:ln>
-        </p:spPr>
-        <p:txBody>
-          <a:bodyPr vert="horz" wrap="square" lIns="91440" tIns="45720" rIns="91440" bIns="45720" numCol="1" anchor="t" anchorCtr="0" compatLnSpc="1">
-            <a:prstTxWarp prst="textNoShape">
-              <a:avLst/>
-            </a:prstTxWarp>
-          </a:bodyPr>
-          <a:lstStyle/>
-          <a:p>
-            <a:endParaRPr lang="en-US"/>
-          </a:p>
-        </p:txBody>
-      </p:sp>
-      <p:pic>
-        <p:nvPicPr>
-          <p:cNvPr id="3074" name="Picture 2"/>
-          <p:cNvPicPr>
-            <a:picLocks noChangeAspect="1" noChangeArrowheads="1"/>
-          </p:cNvPicPr>
-          <p:nvPr/>
-        </p:nvPicPr>
-        <p:blipFill>
-          <a:blip r:embed="rId2" cstate="print">
-            <a:extLst>
-              <a:ext uri="{28A0092B-C50C-407E-A947-70E740481C1C}">
-                <a14:useLocalDpi xmlns:a14="http://schemas.microsoft.com/office/drawing/2010/main" val="0"/>
-              </a:ext>
-            </a:extLst>
-          </a:blip>
-          <a:srcRect/>
-          <a:stretch>
-            <a:fillRect/>
-          </a:stretch>
-        </p:blipFill>
-        <p:spPr bwMode="auto">
-          <a:xfrm>
-            <a:off x="2099830" y="1361209"/>
-            <a:ext cx="4944341" cy="5420591"/>
-          </a:xfrm>
-          <a:prstGeom prst="rect">
-            <a:avLst/>
-          </a:prstGeom>
-          <a:noFill/>
-          <a:ln>
-            <a:noFill/>
-          </a:ln>
-          <a:effectLst/>
-          <a:extLst>
-            <a:ext uri="{909E8E84-426E-40DD-AFC4-6F175D3DCCD1}">
-              <a14:hiddenFill xmlns:a14="http://schemas.microsoft.com/office/drawing/2010/main">
-                <a:solidFill>
-                  <a:schemeClr val="accent1"/>
-                </a:solidFill>
-              </a14:hiddenFill>
-            </a:ext>
-            <a:ext uri="{91240B29-F687-4F45-9708-019B960494DF}">
-              <a14:hiddenLine xmlns:a14="http://schemas.microsoft.com/office/drawing/2010/main" w="9525">
-                <a:solidFill>
-                  <a:schemeClr val="tx1"/>
-                </a:solidFill>
-                <a:miter lim="800000"/>
-                <a:headEnd/>
-                <a:tailEnd/>
-              </a14:hiddenLine>
-            </a:ext>
-            <a:ext uri="{AF507438-7753-43E0-B8FC-AC1667EBCBE1}">
-              <a14:hiddenEffects xmlns:a14="http://schemas.microsoft.com/office/drawing/2010/main">
-                <a:effectLst>
-                  <a:outerShdw dist="35921" dir="2700000" algn="ctr" rotWithShape="0">
-                    <a:schemeClr val="bg2"/>
-                  </a:outerShdw>
-                </a:effectLst>
-              </a14:hiddenEffects>
-            </a:ext>
-          </a:extLst>
-        </p:spPr>
-      </p:pic>
-    </p:spTree>
-  </p:cSld>
-  <p:clrMapOvr>
-    <a:masterClrMapping/>
-  </p:clrMapOvr>
-  <p:timing>
-    <p:tnLst>
-      <p:par>
-        <p:cTn id="1" dur="indefinite" restart="never" nodeType="tmRoot"/>
-      </p:par>
-    </p:tnLst>
-  </p:timing>
-</p:sld>
-</file>
-
-<file path=ppt/slides/slide24.xml><?xml version="1.0" encoding="utf-8"?>
+<file path=ppt/slides/slide25.xml><?xml version="1.0" encoding="utf-8"?>
 <p:sld xmlns:a="http://schemas.openxmlformats.org/drawingml/2006/main" xmlns:r="http://schemas.openxmlformats.org/officeDocument/2006/relationships" xmlns:p="http://schemas.openxmlformats.org/presentationml/2006/main">
   <p:cSld>
     <p:spTree>
@@ -13743,7 +13940,7 @@
             <a:fld id="{CF142645-850A-43A6-BF6E-75FA772F8DCF}" type="slidenum">
               <a:rPr lang="en-US" smtClean="0"/>
               <a:pPr/>
-              <a:t>24</a:t>
+              <a:t>25</a:t>
             </a:fld>
             <a:endParaRPr lang="en-US" dirty="0"/>
           </a:p>
@@ -14887,7 +15084,7 @@
 </p:sld>
 </file>
 
-<file path=ppt/slides/slide25.xml><?xml version="1.0" encoding="utf-8"?>
+<file path=ppt/slides/slide26.xml><?xml version="1.0" encoding="utf-8"?>
 <p:sld xmlns:a="http://schemas.openxmlformats.org/drawingml/2006/main" xmlns:r="http://schemas.openxmlformats.org/officeDocument/2006/relationships" xmlns:p="http://schemas.openxmlformats.org/presentationml/2006/main">
   <p:cSld>
     <p:spTree>
@@ -15190,7 +15387,7 @@
             <a:fld id="{CF142645-850A-43A6-BF6E-75FA772F8DCF}" type="slidenum">
               <a:rPr lang="en-US" smtClean="0"/>
               <a:pPr/>
-              <a:t>25</a:t>
+              <a:t>26</a:t>
             </a:fld>
             <a:endParaRPr lang="en-US" dirty="0"/>
           </a:p>
@@ -15200,109 +15397,6 @@
     <p:extLst>
       <p:ext uri="{BB962C8B-B14F-4D97-AF65-F5344CB8AC3E}">
         <p14:creationId xmlns:p14="http://schemas.microsoft.com/office/powerpoint/2010/main" val="2968833177"/>
-      </p:ext>
-    </p:extLst>
-  </p:cSld>
-  <p:clrMapOvr>
-    <a:masterClrMapping/>
-  </p:clrMapOvr>
-  <p:timing>
-    <p:tnLst>
-      <p:par>
-        <p:cTn id="1" dur="indefinite" restart="never" nodeType="tmRoot"/>
-      </p:par>
-    </p:tnLst>
-  </p:timing>
-</p:sld>
-</file>
-
-<file path=ppt/slides/slide26.xml><?xml version="1.0" encoding="utf-8"?>
-<p:sld xmlns:a="http://schemas.openxmlformats.org/drawingml/2006/main" xmlns:r="http://schemas.openxmlformats.org/officeDocument/2006/relationships" xmlns:p="http://schemas.openxmlformats.org/presentationml/2006/main">
-  <p:cSld>
-    <p:spTree>
-      <p:nvGrpSpPr>
-        <p:cNvPr id="1" name=""/>
-        <p:cNvGrpSpPr/>
-        <p:nvPr/>
-      </p:nvGrpSpPr>
-      <p:grpSpPr>
-        <a:xfrm>
-          <a:off x="0" y="0"/>
-          <a:ext cx="0" cy="0"/>
-          <a:chOff x="0" y="0"/>
-          <a:chExt cx="0" cy="0"/>
-        </a:xfrm>
-      </p:grpSpPr>
-      <p:sp>
-        <p:nvSpPr>
-          <p:cNvPr id="2" name="Title 1"/>
-          <p:cNvSpPr>
-            <a:spLocks noGrp="1"/>
-          </p:cNvSpPr>
-          <p:nvPr>
-            <p:ph type="title"/>
-          </p:nvPr>
-        </p:nvSpPr>
-        <p:spPr/>
-        <p:txBody>
-          <a:bodyPr/>
-          <a:lstStyle/>
-          <a:p>
-            <a:r>
-              <a:rPr lang="en-US" dirty="0" smtClean="0"/>
-              <a:t>Experimentation</a:t>
-            </a:r>
-            <a:endParaRPr lang="en-US" dirty="0"/>
-          </a:p>
-        </p:txBody>
-      </p:sp>
-      <p:sp>
-        <p:nvSpPr>
-          <p:cNvPr id="3" name="Text Placeholder 2"/>
-          <p:cNvSpPr>
-            <a:spLocks noGrp="1"/>
-          </p:cNvSpPr>
-          <p:nvPr>
-            <p:ph type="body" idx="1"/>
-          </p:nvPr>
-        </p:nvSpPr>
-        <p:spPr/>
-        <p:txBody>
-          <a:bodyPr/>
-          <a:lstStyle/>
-          <a:p>
-            <a:endParaRPr lang="en-US"/>
-          </a:p>
-        </p:txBody>
-      </p:sp>
-      <p:sp>
-        <p:nvSpPr>
-          <p:cNvPr id="4" name="Slide Number Placeholder 3"/>
-          <p:cNvSpPr>
-            <a:spLocks noGrp="1"/>
-          </p:cNvSpPr>
-          <p:nvPr>
-            <p:ph type="sldNum" sz="quarter" idx="12"/>
-          </p:nvPr>
-        </p:nvSpPr>
-        <p:spPr/>
-        <p:txBody>
-          <a:bodyPr/>
-          <a:lstStyle/>
-          <a:p>
-            <a:fld id="{CF142645-850A-43A6-BF6E-75FA772F8DCF}" type="slidenum">
-              <a:rPr lang="en-US" smtClean="0"/>
-              <a:pPr/>
-              <a:t>26</a:t>
-            </a:fld>
-            <a:endParaRPr lang="en-US" dirty="0"/>
-          </a:p>
-        </p:txBody>
-      </p:sp>
-    </p:spTree>
-    <p:extLst>
-      <p:ext uri="{BB962C8B-B14F-4D97-AF65-F5344CB8AC3E}">
-        <p14:creationId xmlns:p14="http://schemas.microsoft.com/office/powerpoint/2010/main" val="1417056284"/>
       </p:ext>
     </p:extLst>
   </p:cSld>
@@ -15348,14 +15442,35 @@
         </p:nvSpPr>
         <p:spPr/>
         <p:txBody>
+          <a:bodyPr>
+            <a:normAutofit/>
+          </a:bodyPr>
+          <a:lstStyle/>
+          <a:p>
+            <a:r>
+              <a:rPr lang="en-US" sz="3800" dirty="0" smtClean="0"/>
+              <a:t>Experimentation and evaluation</a:t>
+            </a:r>
+            <a:endParaRPr lang="en-US" sz="3800" dirty="0"/>
+          </a:p>
+        </p:txBody>
+      </p:sp>
+      <p:sp>
+        <p:nvSpPr>
+          <p:cNvPr id="3" name="Text Placeholder 2"/>
+          <p:cNvSpPr>
+            <a:spLocks noGrp="1"/>
+          </p:cNvSpPr>
+          <p:nvPr>
+            <p:ph type="body" idx="1"/>
+          </p:nvPr>
+        </p:nvSpPr>
+        <p:spPr/>
+        <p:txBody>
           <a:bodyPr/>
           <a:lstStyle/>
           <a:p>
-            <a:r>
-              <a:rPr lang="en-US" dirty="0" smtClean="0"/>
-              <a:t>Simulator Modifications</a:t>
-            </a:r>
-            <a:endParaRPr lang="en-US" dirty="0"/>
+            <a:endParaRPr lang="en-US"/>
           </a:p>
         </p:txBody>
       </p:sp>
@@ -15378,6 +15493,90 @@
               <a:rPr lang="en-US" smtClean="0"/>
               <a:pPr/>
               <a:t>27</a:t>
+            </a:fld>
+            <a:endParaRPr lang="en-US" dirty="0"/>
+          </a:p>
+        </p:txBody>
+      </p:sp>
+    </p:spTree>
+    <p:extLst>
+      <p:ext uri="{BB962C8B-B14F-4D97-AF65-F5344CB8AC3E}">
+        <p14:creationId xmlns:p14="http://schemas.microsoft.com/office/powerpoint/2010/main" val="1417056284"/>
+      </p:ext>
+    </p:extLst>
+  </p:cSld>
+  <p:clrMapOvr>
+    <a:masterClrMapping/>
+  </p:clrMapOvr>
+  <p:timing>
+    <p:tnLst>
+      <p:par>
+        <p:cTn id="1" dur="indefinite" restart="never" nodeType="tmRoot"/>
+      </p:par>
+    </p:tnLst>
+  </p:timing>
+</p:sld>
+</file>
+
+<file path=ppt/slides/slide28.xml><?xml version="1.0" encoding="utf-8"?>
+<p:sld xmlns:a="http://schemas.openxmlformats.org/drawingml/2006/main" xmlns:r="http://schemas.openxmlformats.org/officeDocument/2006/relationships" xmlns:p="http://schemas.openxmlformats.org/presentationml/2006/main">
+  <p:cSld>
+    <p:spTree>
+      <p:nvGrpSpPr>
+        <p:cNvPr id="1" name=""/>
+        <p:cNvGrpSpPr/>
+        <p:nvPr/>
+      </p:nvGrpSpPr>
+      <p:grpSpPr>
+        <a:xfrm>
+          <a:off x="0" y="0"/>
+          <a:ext cx="0" cy="0"/>
+          <a:chOff x="0" y="0"/>
+          <a:chExt cx="0" cy="0"/>
+        </a:xfrm>
+      </p:grpSpPr>
+      <p:sp>
+        <p:nvSpPr>
+          <p:cNvPr id="2" name="Title 1"/>
+          <p:cNvSpPr>
+            <a:spLocks noGrp="1"/>
+          </p:cNvSpPr>
+          <p:nvPr>
+            <p:ph type="title"/>
+          </p:nvPr>
+        </p:nvSpPr>
+        <p:spPr/>
+        <p:txBody>
+          <a:bodyPr/>
+          <a:lstStyle/>
+          <a:p>
+            <a:r>
+              <a:rPr lang="en-US" dirty="0" smtClean="0"/>
+              <a:t>Simulator Modifications</a:t>
+            </a:r>
+            <a:endParaRPr lang="en-US" dirty="0"/>
+          </a:p>
+        </p:txBody>
+      </p:sp>
+      <p:sp>
+        <p:nvSpPr>
+          <p:cNvPr id="4" name="Slide Number Placeholder 3"/>
+          <p:cNvSpPr>
+            <a:spLocks noGrp="1"/>
+          </p:cNvSpPr>
+          <p:nvPr>
+            <p:ph type="sldNum" sz="quarter" idx="12"/>
+          </p:nvPr>
+        </p:nvSpPr>
+        <p:spPr/>
+        <p:txBody>
+          <a:bodyPr/>
+          <a:lstStyle/>
+          <a:p>
+            <a:fld id="{CF142645-850A-43A6-BF6E-75FA772F8DCF}" type="slidenum">
+              <a:rPr lang="en-US" smtClean="0"/>
+              <a:pPr/>
+              <a:t>28</a:t>
             </a:fld>
             <a:endParaRPr lang="en-US" dirty="0"/>
           </a:p>
@@ -16555,131 +16754,6 @@
 </p:sld>
 </file>
 
-<file path=ppt/slides/slide28.xml><?xml version="1.0" encoding="utf-8"?>
-<p:sld xmlns:a="http://schemas.openxmlformats.org/drawingml/2006/main" xmlns:r="http://schemas.openxmlformats.org/officeDocument/2006/relationships" xmlns:p="http://schemas.openxmlformats.org/presentationml/2006/main">
-  <p:cSld>
-    <p:spTree>
-      <p:nvGrpSpPr>
-        <p:cNvPr id="1" name=""/>
-        <p:cNvGrpSpPr/>
-        <p:nvPr/>
-      </p:nvGrpSpPr>
-      <p:grpSpPr>
-        <a:xfrm>
-          <a:off x="0" y="0"/>
-          <a:ext cx="0" cy="0"/>
-          <a:chOff x="0" y="0"/>
-          <a:chExt cx="0" cy="0"/>
-        </a:xfrm>
-      </p:grpSpPr>
-      <p:sp>
-        <p:nvSpPr>
-          <p:cNvPr id="2" name="Title 1"/>
-          <p:cNvSpPr>
-            <a:spLocks noGrp="1"/>
-          </p:cNvSpPr>
-          <p:nvPr>
-            <p:ph type="title"/>
-          </p:nvPr>
-        </p:nvSpPr>
-        <p:spPr/>
-        <p:txBody>
-          <a:bodyPr/>
-          <a:lstStyle/>
-          <a:p>
-            <a:r>
-              <a:rPr lang="en-US" dirty="0" smtClean="0"/>
-              <a:t>Simulation Settings</a:t>
-            </a:r>
-            <a:endParaRPr lang="en-US" dirty="0"/>
-          </a:p>
-        </p:txBody>
-      </p:sp>
-      <p:sp>
-        <p:nvSpPr>
-          <p:cNvPr id="3" name="Content Placeholder 2"/>
-          <p:cNvSpPr>
-            <a:spLocks noGrp="1"/>
-          </p:cNvSpPr>
-          <p:nvPr>
-            <p:ph idx="1"/>
-          </p:nvPr>
-        </p:nvSpPr>
-        <p:spPr/>
-        <p:txBody>
-          <a:bodyPr/>
-          <a:lstStyle/>
-          <a:p>
-            <a:r>
-              <a:rPr lang="en-US" dirty="0" smtClean="0"/>
-              <a:t>Nodes are placed randomly in an area of 500m×500m</a:t>
-            </a:r>
-          </a:p>
-          <a:p>
-            <a:r>
-              <a:rPr lang="en-US" dirty="0" smtClean="0"/>
-              <a:t>Application data rate is varied from 1 Mbps to 32 Mbps</a:t>
-            </a:r>
-          </a:p>
-          <a:p>
-            <a:r>
-              <a:rPr lang="en-US" dirty="0" smtClean="0"/>
-              <a:t>The number of secondary users is varied from 12 to 40 with a granularity of 4</a:t>
-            </a:r>
-          </a:p>
-          <a:p>
-            <a:r>
-              <a:rPr lang="en-US" dirty="0" smtClean="0"/>
-              <a:t>For each such settings, we perform 99 simulation iterations, each of 50 seconds</a:t>
-            </a:r>
-            <a:endParaRPr lang="en-US" dirty="0"/>
-          </a:p>
-        </p:txBody>
-      </p:sp>
-      <p:sp>
-        <p:nvSpPr>
-          <p:cNvPr id="4" name="Slide Number Placeholder 3"/>
-          <p:cNvSpPr>
-            <a:spLocks noGrp="1"/>
-          </p:cNvSpPr>
-          <p:nvPr>
-            <p:ph type="sldNum" sz="quarter" idx="12"/>
-          </p:nvPr>
-        </p:nvSpPr>
-        <p:spPr/>
-        <p:txBody>
-          <a:bodyPr/>
-          <a:lstStyle/>
-          <a:p>
-            <a:fld id="{CF142645-850A-43A6-BF6E-75FA772F8DCF}" type="slidenum">
-              <a:rPr lang="en-US" smtClean="0"/>
-              <a:pPr/>
-              <a:t>28</a:t>
-            </a:fld>
-            <a:endParaRPr lang="en-US" dirty="0"/>
-          </a:p>
-        </p:txBody>
-      </p:sp>
-    </p:spTree>
-    <p:extLst>
-      <p:ext uri="{BB962C8B-B14F-4D97-AF65-F5344CB8AC3E}">
-        <p14:creationId xmlns:p14="http://schemas.microsoft.com/office/powerpoint/2010/main" val="860338447"/>
-      </p:ext>
-    </p:extLst>
-  </p:cSld>
-  <p:clrMapOvr>
-    <a:masterClrMapping/>
-  </p:clrMapOvr>
-  <p:timing>
-    <p:tnLst>
-      <p:par>
-        <p:cTn id="1" dur="indefinite" restart="never" nodeType="tmRoot"/>
-      </p:par>
-    </p:tnLst>
-  </p:timing>
-</p:sld>
-</file>
-
 <file path=ppt/slides/slide29.xml><?xml version="1.0" encoding="utf-8"?>
 <p:sld xmlns:a="http://schemas.openxmlformats.org/drawingml/2006/main" xmlns:r="http://schemas.openxmlformats.org/officeDocument/2006/relationships" xmlns:p="http://schemas.openxmlformats.org/presentationml/2006/main">
   <p:cSld>
@@ -16714,28 +16788,9 @@
           <a:p>
             <a:r>
               <a:rPr lang="en-US" dirty="0" smtClean="0"/>
-              <a:t>Evaluation</a:t>
+              <a:t>Simulation Settings</a:t>
             </a:r>
             <a:endParaRPr lang="en-US" dirty="0"/>
-          </a:p>
-        </p:txBody>
-      </p:sp>
-      <p:sp>
-        <p:nvSpPr>
-          <p:cNvPr id="3" name="Text Placeholder 2"/>
-          <p:cNvSpPr>
-            <a:spLocks noGrp="1"/>
-          </p:cNvSpPr>
-          <p:nvPr>
-            <p:ph type="body" idx="1"/>
-          </p:nvPr>
-        </p:nvSpPr>
-        <p:spPr/>
-        <p:txBody>
-          <a:bodyPr/>
-          <a:lstStyle/>
-          <a:p>
-            <a:endParaRPr lang="en-US"/>
           </a:p>
         </p:txBody>
       </p:sp>
@@ -16763,10 +16818,391 @@
           </a:p>
         </p:txBody>
       </p:sp>
+      <p:graphicFrame>
+        <p:nvGraphicFramePr>
+          <p:cNvPr id="6" name="Content Placeholder 5"/>
+          <p:cNvGraphicFramePr>
+            <a:graphicFrameLocks noGrp="1"/>
+          </p:cNvGraphicFramePr>
+          <p:nvPr>
+            <p:ph idx="1"/>
+            <p:extLst>
+              <p:ext uri="{D42A27DB-BD31-4B8C-83A1-F6EECF244321}">
+                <p14:modId xmlns:p14="http://schemas.microsoft.com/office/powerpoint/2010/main" val="4127180747"/>
+              </p:ext>
+            </p:extLst>
+          </p:nvPr>
+        </p:nvGraphicFramePr>
+        <p:xfrm>
+          <a:off x="457200" y="1600200"/>
+          <a:ext cx="8229600" cy="4079240"/>
+        </p:xfrm>
+        <a:graphic>
+          <a:graphicData uri="http://schemas.openxmlformats.org/drawingml/2006/table">
+            <a:tbl>
+              <a:tblPr firstRow="1" bandRow="1">
+                <a:tableStyleId>{5C22544A-7EE6-4342-B048-85BDC9FD1C3A}</a:tableStyleId>
+              </a:tblPr>
+              <a:tblGrid>
+                <a:gridCol w="4114800"/>
+                <a:gridCol w="4114800"/>
+              </a:tblGrid>
+              <a:tr h="370840">
+                <a:tc>
+                  <a:txBody>
+                    <a:bodyPr/>
+                    <a:lstStyle/>
+                    <a:p>
+                      <a:pPr algn="ctr"/>
+                      <a:r>
+                        <a:rPr lang="en-US" dirty="0" smtClean="0"/>
+                        <a:t>Parameter</a:t>
+                      </a:r>
+                      <a:endParaRPr lang="en-US" dirty="0"/>
+                    </a:p>
+                  </a:txBody>
+                  <a:tcPr/>
+                </a:tc>
+                <a:tc>
+                  <a:txBody>
+                    <a:bodyPr/>
+                    <a:lstStyle/>
+                    <a:p>
+                      <a:pPr algn="ctr"/>
+                      <a:r>
+                        <a:rPr lang="en-US" dirty="0" smtClean="0"/>
+                        <a:t>Value</a:t>
+                      </a:r>
+                      <a:endParaRPr lang="en-US" dirty="0"/>
+                    </a:p>
+                  </a:txBody>
+                  <a:tcPr/>
+                </a:tc>
+              </a:tr>
+              <a:tr h="370840">
+                <a:tc>
+                  <a:txBody>
+                    <a:bodyPr/>
+                    <a:lstStyle/>
+                    <a:p>
+                      <a:r>
+                        <a:rPr lang="en-US" dirty="0" smtClean="0"/>
+                        <a:t>Area</a:t>
+                      </a:r>
+                      <a:endParaRPr lang="en-US" dirty="0"/>
+                    </a:p>
+                  </a:txBody>
+                  <a:tcPr/>
+                </a:tc>
+                <a:tc>
+                  <a:txBody>
+                    <a:bodyPr/>
+                    <a:lstStyle/>
+                    <a:p>
+                      <a:r>
+                        <a:rPr lang="en-US" dirty="0" smtClean="0"/>
+                        <a:t>500m×500m</a:t>
+                      </a:r>
+                      <a:endParaRPr lang="en-US" dirty="0"/>
+                    </a:p>
+                  </a:txBody>
+                  <a:tcPr/>
+                </a:tc>
+              </a:tr>
+              <a:tr h="370840">
+                <a:tc>
+                  <a:txBody>
+                    <a:bodyPr/>
+                    <a:lstStyle/>
+                    <a:p>
+                      <a:r>
+                        <a:rPr lang="en-US" dirty="0" smtClean="0"/>
+                        <a:t>Application data transmission rate</a:t>
+                      </a:r>
+                      <a:endParaRPr lang="en-US" dirty="0"/>
+                    </a:p>
+                  </a:txBody>
+                  <a:tcPr/>
+                </a:tc>
+                <a:tc>
+                  <a:txBody>
+                    <a:bodyPr/>
+                    <a:lstStyle/>
+                    <a:p>
+                      <a:r>
+                        <a:rPr lang="en-US" dirty="0" smtClean="0"/>
+                        <a:t>1 Mbps – 32 Mbps</a:t>
+                      </a:r>
+                      <a:endParaRPr lang="en-US" dirty="0"/>
+                    </a:p>
+                  </a:txBody>
+                  <a:tcPr/>
+                </a:tc>
+              </a:tr>
+              <a:tr h="370840">
+                <a:tc>
+                  <a:txBody>
+                    <a:bodyPr/>
+                    <a:lstStyle/>
+                    <a:p>
+                      <a:r>
+                        <a:rPr lang="en-US" dirty="0" smtClean="0"/>
+                        <a:t>Channel code rate</a:t>
+                      </a:r>
+                      <a:endParaRPr lang="en-US" dirty="0"/>
+                    </a:p>
+                  </a:txBody>
+                  <a:tcPr/>
+                </a:tc>
+                <a:tc>
+                  <a:txBody>
+                    <a:bodyPr/>
+                    <a:lstStyle/>
+                    <a:p>
+                      <a:r>
+                        <a:rPr lang="en-US" dirty="0" smtClean="0"/>
+                        <a:t>OFDM 18</a:t>
+                      </a:r>
+                      <a:r>
+                        <a:rPr lang="en-US" baseline="0" dirty="0" smtClean="0"/>
+                        <a:t> Mbps</a:t>
+                      </a:r>
+                      <a:endParaRPr lang="en-US" dirty="0"/>
+                    </a:p>
+                  </a:txBody>
+                  <a:tcPr/>
+                </a:tc>
+              </a:tr>
+              <a:tr h="370840">
+                <a:tc>
+                  <a:txBody>
+                    <a:bodyPr/>
+                    <a:lstStyle/>
+                    <a:p>
+                      <a:r>
+                        <a:rPr lang="en-US" dirty="0" smtClean="0"/>
+                        <a:t>Number of channels</a:t>
+                      </a:r>
+                      <a:endParaRPr lang="en-US" dirty="0"/>
+                    </a:p>
+                  </a:txBody>
+                  <a:tcPr/>
+                </a:tc>
+                <a:tc>
+                  <a:txBody>
+                    <a:bodyPr/>
+                    <a:lstStyle/>
+                    <a:p>
+                      <a:r>
+                        <a:rPr lang="en-US" dirty="0" smtClean="0"/>
+                        <a:t>11</a:t>
+                      </a:r>
+                      <a:endParaRPr lang="en-US" dirty="0"/>
+                    </a:p>
+                  </a:txBody>
+                  <a:tcPr/>
+                </a:tc>
+              </a:tr>
+              <a:tr h="370840">
+                <a:tc>
+                  <a:txBody>
+                    <a:bodyPr/>
+                    <a:lstStyle/>
+                    <a:p>
+                      <a:r>
+                        <a:rPr lang="en-US" dirty="0" smtClean="0"/>
+                        <a:t>Number of primary users</a:t>
+                      </a:r>
+                      <a:endParaRPr lang="en-US" dirty="0"/>
+                    </a:p>
+                  </a:txBody>
+                  <a:tcPr/>
+                </a:tc>
+                <a:tc>
+                  <a:txBody>
+                    <a:bodyPr/>
+                    <a:lstStyle/>
+                    <a:p>
+                      <a:r>
+                        <a:rPr lang="en-US" dirty="0" smtClean="0"/>
+                        <a:t>11</a:t>
+                      </a:r>
+                      <a:endParaRPr lang="en-US" dirty="0"/>
+                    </a:p>
+                  </a:txBody>
+                  <a:tcPr/>
+                </a:tc>
+              </a:tr>
+              <a:tr h="370840">
+                <a:tc>
+                  <a:txBody>
+                    <a:bodyPr/>
+                    <a:lstStyle/>
+                    <a:p>
+                      <a:r>
+                        <a:rPr lang="en-US" dirty="0" smtClean="0"/>
+                        <a:t>Number of secondary users</a:t>
+                      </a:r>
+                      <a:endParaRPr lang="en-US" dirty="0"/>
+                    </a:p>
+                  </a:txBody>
+                  <a:tcPr/>
+                </a:tc>
+                <a:tc>
+                  <a:txBody>
+                    <a:bodyPr/>
+                    <a:lstStyle/>
+                    <a:p>
+                      <a:r>
+                        <a:rPr lang="en-US" dirty="0" smtClean="0"/>
+                        <a:t>12 – 40 with a</a:t>
+                      </a:r>
+                      <a:r>
+                        <a:rPr lang="en-US" baseline="0" dirty="0" smtClean="0"/>
+                        <a:t> granularity of 4</a:t>
+                      </a:r>
+                      <a:endParaRPr lang="en-US" dirty="0"/>
+                    </a:p>
+                  </a:txBody>
+                  <a:tcPr/>
+                </a:tc>
+              </a:tr>
+              <a:tr h="370840">
+                <a:tc>
+                  <a:txBody>
+                    <a:bodyPr/>
+                    <a:lstStyle/>
+                    <a:p>
+                      <a:r>
+                        <a:rPr lang="en-US" dirty="0" smtClean="0"/>
+                        <a:t>Radio transmission</a:t>
+                      </a:r>
+                      <a:r>
+                        <a:rPr lang="en-US" baseline="0" dirty="0" smtClean="0"/>
+                        <a:t> range</a:t>
+                      </a:r>
+                      <a:endParaRPr lang="en-US" dirty="0"/>
+                    </a:p>
+                  </a:txBody>
+                  <a:tcPr/>
+                </a:tc>
+                <a:tc>
+                  <a:txBody>
+                    <a:bodyPr/>
+                    <a:lstStyle/>
+                    <a:p>
+                      <a:r>
+                        <a:rPr lang="en-US" dirty="0" smtClean="0"/>
+                        <a:t>130 m</a:t>
+                      </a:r>
+                      <a:endParaRPr lang="en-US" dirty="0"/>
+                    </a:p>
+                  </a:txBody>
+                  <a:tcPr/>
+                </a:tc>
+              </a:tr>
+              <a:tr h="370840">
+                <a:tc>
+                  <a:txBody>
+                    <a:bodyPr/>
+                    <a:lstStyle/>
+                    <a:p>
+                      <a:r>
+                        <a:rPr lang="en-US" dirty="0" smtClean="0"/>
+                        <a:t>Radio sensing range</a:t>
+                      </a:r>
+                      <a:endParaRPr lang="en-US" dirty="0"/>
+                    </a:p>
+                  </a:txBody>
+                  <a:tcPr/>
+                </a:tc>
+                <a:tc>
+                  <a:txBody>
+                    <a:bodyPr/>
+                    <a:lstStyle/>
+                    <a:p>
+                      <a:r>
+                        <a:rPr lang="en-US" dirty="0" smtClean="0"/>
+                        <a:t>250 m</a:t>
+                      </a:r>
+                      <a:endParaRPr lang="en-US" dirty="0"/>
+                    </a:p>
+                  </a:txBody>
+                  <a:tcPr/>
+                </a:tc>
+              </a:tr>
+              <a:tr h="370840">
+                <a:tc>
+                  <a:txBody>
+                    <a:bodyPr/>
+                    <a:lstStyle/>
+                    <a:p>
+                      <a:r>
+                        <a:rPr lang="en-US" dirty="0" smtClean="0"/>
+                        <a:t>Simulation time</a:t>
+                      </a:r>
+                      <a:endParaRPr lang="en-US" dirty="0"/>
+                    </a:p>
+                  </a:txBody>
+                  <a:tcPr/>
+                </a:tc>
+                <a:tc>
+                  <a:txBody>
+                    <a:bodyPr/>
+                    <a:lstStyle/>
+                    <a:p>
+                      <a:r>
+                        <a:rPr lang="en-US" dirty="0" smtClean="0"/>
+                        <a:t>50</a:t>
+                      </a:r>
+                      <a:r>
+                        <a:rPr lang="en-US" baseline="0" dirty="0" smtClean="0"/>
+                        <a:t> seconds</a:t>
+                      </a:r>
+                      <a:endParaRPr lang="en-US" dirty="0"/>
+                    </a:p>
+                  </a:txBody>
+                  <a:tcPr/>
+                </a:tc>
+              </a:tr>
+              <a:tr h="370840">
+                <a:tc>
+                  <a:txBody>
+                    <a:bodyPr/>
+                    <a:lstStyle/>
+                    <a:p>
+                      <a:r>
+                        <a:rPr lang="en-US" dirty="0" smtClean="0"/>
+                        <a:t>Iteration count</a:t>
+                      </a:r>
+                      <a:endParaRPr lang="en-US" dirty="0"/>
+                    </a:p>
+                  </a:txBody>
+                  <a:tcPr/>
+                </a:tc>
+                <a:tc>
+                  <a:txBody>
+                    <a:bodyPr/>
+                    <a:lstStyle/>
+                    <a:p>
+                      <a:r>
+                        <a:rPr lang="en-US" dirty="0" smtClean="0"/>
+                        <a:t>99</a:t>
+                      </a:r>
+                      <a:endParaRPr lang="en-US" dirty="0"/>
+                    </a:p>
+                  </a:txBody>
+                  <a:tcPr/>
+                </a:tc>
+              </a:tr>
+            </a:tbl>
+          </a:graphicData>
+        </a:graphic>
+      </p:graphicFrame>
     </p:spTree>
     <p:extLst>
       <p:ext uri="{BB962C8B-B14F-4D97-AF65-F5344CB8AC3E}">
-        <p14:creationId xmlns:p14="http://schemas.microsoft.com/office/powerpoint/2010/main" val="2495303577"/>
+        <p14:creationId xmlns:p14="http://schemas.microsoft.com/office/powerpoint/2010/main" val="860338447"/>
       </p:ext>
     </p:extLst>
   </p:cSld>
@@ -18401,15 +18837,7 @@
             <a:pPr algn="ctr"/>
             <a:r>
               <a:rPr lang="en-US" sz="3200" dirty="0" smtClean="0"/>
-              <a:t>Delay</a:t>
-            </a:r>
-            <a:r>
-              <a:rPr lang="en-US" sz="3200" dirty="0" smtClean="0"/>
-              <a:t> </a:t>
-            </a:r>
-            <a:r>
-              <a:rPr lang="en-US" sz="3200" dirty="0" smtClean="0"/>
-              <a:t>with Different Data Rates</a:t>
+              <a:t>Delay with Different Data Rates</a:t>
             </a:r>
             <a:endParaRPr lang="en-US" sz="3200" dirty="0"/>
           </a:p>
@@ -18992,14 +19420,7 @@
                           <a:latin typeface="+mj-lt"/>
                           <a:cs typeface="Times New Roman" panose="02020603050405020304" pitchFamily="18" charset="0"/>
                         </a:rPr>
-                        <a:t> of improvement in </a:t>
-                      </a:r>
-                      <a:r>
-                        <a:rPr lang="en-US" sz="2400" baseline="0" dirty="0" smtClean="0">
-                          <a:latin typeface="+mj-lt"/>
-                          <a:cs typeface="Times New Roman" panose="02020603050405020304" pitchFamily="18" charset="0"/>
-                        </a:rPr>
-                        <a:t>performance</a:t>
+                        <a:t> of improvement in performance</a:t>
                       </a:r>
                       <a:endParaRPr lang="en-US" sz="2400" dirty="0">
                         <a:latin typeface="+mj-lt"/>
@@ -19435,14 +19856,7 @@
                           <a:latin typeface="+mj-lt"/>
                           <a:cs typeface="Times New Roman" panose="02020603050405020304" pitchFamily="18" charset="0"/>
                         </a:rPr>
-                        <a:t>Packet drop ratio </a:t>
-                      </a:r>
-                      <a:r>
-                        <a:rPr lang="en-US" sz="1600" dirty="0" smtClean="0">
-                          <a:latin typeface="+mj-lt"/>
-                          <a:cs typeface="Times New Roman" panose="02020603050405020304" pitchFamily="18" charset="0"/>
-                        </a:rPr>
-                        <a:t>w.r.t.</a:t>
+                        <a:t>Packet drop ratio w.r.t.</a:t>
                       </a:r>
                       <a:endParaRPr lang="en-US" sz="1600" dirty="0">
                         <a:latin typeface="+mj-lt"/>
@@ -19546,14 +19960,7 @@
                           <a:latin typeface="+mj-lt"/>
                           <a:cs typeface="Times New Roman" panose="02020603050405020304" pitchFamily="18" charset="0"/>
                         </a:rPr>
-                        <a:t>w.r.t</a:t>
-                      </a:r>
-                      <a:r>
-                        <a:rPr lang="en-US" sz="1600" dirty="0" smtClean="0">
-                          <a:latin typeface="+mj-lt"/>
-                          <a:cs typeface="Times New Roman" panose="02020603050405020304" pitchFamily="18" charset="0"/>
-                        </a:rPr>
-                        <a:t>.</a:t>
+                        <a:t>w.r.t.</a:t>
                       </a:r>
                       <a:endParaRPr lang="en-US" sz="1600" dirty="0">
                         <a:latin typeface="+mj-lt"/>
@@ -24803,13 +25210,8 @@
           <a:p>
             <a:r>
               <a:rPr lang="en-US" dirty="0" smtClean="0"/>
-              <a:t>We compare the performance of our proposed approach with that of other contemporary </a:t>
-            </a:r>
-            <a:r>
-              <a:rPr lang="en-US" dirty="0" smtClean="0"/>
-              <a:t>approaches</a:t>
-            </a:r>
-            <a:endParaRPr lang="en-US" dirty="0" smtClean="0"/>
+              <a:t>We compare the performance of our proposed approach with that of other contemporary approaches</a:t>
+            </a:r>
           </a:p>
           <a:p>
             <a:pPr lvl="1"/>
@@ -24835,7 +25237,6 @@
               <a:rPr lang="en-US" dirty="0" smtClean="0"/>
               <a:t>Our approach reduces packet drop ratio by 35%</a:t>
             </a:r>
-            <a:endParaRPr lang="en-US" dirty="0" smtClean="0"/>
           </a:p>
           <a:p>
             <a:endParaRPr lang="en-US" dirty="0"/>
@@ -26586,7 +26987,7 @@
           <p:nvPr/>
         </p:nvPicPr>
         <p:blipFill>
-          <a:blip r:embed="rId2" cstate="print"/>
+          <a:blip r:embed="rId3" cstate="print"/>
           <a:stretch>
             <a:fillRect/>
           </a:stretch>

--- a/draft.pptx
+++ b/draft.pptx
@@ -5,7 +5,7 @@
     <p:sldMasterId id="2147483648" r:id="rId1"/>
   </p:sldMasterIdLst>
   <p:notesMasterIdLst>
-    <p:notesMasterId r:id="rId41"/>
+    <p:notesMasterId r:id="rId42"/>
   </p:notesMasterIdLst>
   <p:sldIdLst>
     <p:sldId id="271" r:id="rId2"/>
@@ -14,25 +14,25 @@
     <p:sldId id="318" r:id="rId5"/>
     <p:sldId id="272" r:id="rId6"/>
     <p:sldId id="277" r:id="rId7"/>
-    <p:sldId id="278" r:id="rId8"/>
-    <p:sldId id="319" r:id="rId9"/>
-    <p:sldId id="279" r:id="rId10"/>
-    <p:sldId id="280" r:id="rId11"/>
-    <p:sldId id="281" r:id="rId12"/>
-    <p:sldId id="339" r:id="rId13"/>
-    <p:sldId id="320" r:id="rId14"/>
-    <p:sldId id="287" r:id="rId15"/>
-    <p:sldId id="297" r:id="rId16"/>
-    <p:sldId id="302" r:id="rId17"/>
-    <p:sldId id="303" r:id="rId18"/>
-    <p:sldId id="304" r:id="rId19"/>
-    <p:sldId id="327" r:id="rId20"/>
-    <p:sldId id="329" r:id="rId21"/>
-    <p:sldId id="323" r:id="rId22"/>
-    <p:sldId id="343" r:id="rId23"/>
-    <p:sldId id="292" r:id="rId24"/>
-    <p:sldId id="344" r:id="rId25"/>
-    <p:sldId id="330" r:id="rId26"/>
+    <p:sldId id="319" r:id="rId8"/>
+    <p:sldId id="279" r:id="rId9"/>
+    <p:sldId id="280" r:id="rId10"/>
+    <p:sldId id="281" r:id="rId11"/>
+    <p:sldId id="339" r:id="rId12"/>
+    <p:sldId id="320" r:id="rId13"/>
+    <p:sldId id="287" r:id="rId14"/>
+    <p:sldId id="297" r:id="rId15"/>
+    <p:sldId id="302" r:id="rId16"/>
+    <p:sldId id="303" r:id="rId17"/>
+    <p:sldId id="304" r:id="rId18"/>
+    <p:sldId id="327" r:id="rId19"/>
+    <p:sldId id="329" r:id="rId20"/>
+    <p:sldId id="323" r:id="rId21"/>
+    <p:sldId id="343" r:id="rId22"/>
+    <p:sldId id="292" r:id="rId23"/>
+    <p:sldId id="344" r:id="rId24"/>
+    <p:sldId id="330" r:id="rId25"/>
+    <p:sldId id="347" r:id="rId26"/>
     <p:sldId id="333" r:id="rId27"/>
     <p:sldId id="331" r:id="rId28"/>
     <p:sldId id="334" r:id="rId29"/>
@@ -47,6 +47,7 @@
     <p:sldId id="306" r:id="rId38"/>
     <p:sldId id="295" r:id="rId39"/>
     <p:sldId id="324" r:id="rId40"/>
+    <p:sldId id="345" r:id="rId41"/>
   </p:sldIdLst>
   <p:sldSz cx="9144000" cy="6858000" type="screen4x3"/>
   <p:notesSz cx="6858000" cy="9144000"/>
@@ -231,7 +232,7 @@
             <a:fld id="{E549EE46-AC67-4C28-AC2A-E0B964C90DEF}" type="datetimeFigureOut">
               <a:rPr lang="en-US" smtClean="0"/>
               <a:pPr/>
-              <a:t>7/16/2017</a:t>
+              <a:t>7/17/2017</a:t>
             </a:fld>
             <a:endParaRPr lang="en-US"/>
           </a:p>
@@ -822,12 +823,12 @@
           <a:lstStyle/>
           <a:p>
             <a:r>
-              <a:rPr lang="en-US" dirty="0" smtClean="0"/>
-              <a:t>By,</a:t>
-            </a:r>
-            <a:r>
               <a:rPr lang="en-US" baseline="0" dirty="0" smtClean="0"/>
-              <a:t> 2014 the mobile spectrum demand has surpassed the capacity of wireless spectrum. So, there is a Spectrum scarcity problem.</a:t>
+              <a:t>Since </a:t>
+            </a:r>
+            <a:r>
+              <a:rPr lang="en-US" baseline="0" dirty="0" smtClean="0"/>
+              <a:t>2014 the mobile spectrum demand has surpassed the capacity of wireless spectrum. So, there is a Spectrum scarcity problem.</a:t>
             </a:r>
             <a:endParaRPr lang="en-US" dirty="0"/>
           </a:p>
@@ -1100,10 +1101,6 @@
           <a:bodyPr/>
           <a:lstStyle/>
           <a:p>
-            <a:r>
-              <a:rPr lang="en-US" dirty="0" smtClean="0"/>
-              <a:t>That’s exactly what CRNs do.</a:t>
-            </a:r>
             <a:endParaRPr lang="en-US" dirty="0"/>
           </a:p>
         </p:txBody>
@@ -1135,7 +1132,7 @@
     </p:spTree>
     <p:extLst>
       <p:ext uri="{BB962C8B-B14F-4D97-AF65-F5344CB8AC3E}">
-        <p14:creationId xmlns:p14="http://schemas.microsoft.com/office/powerpoint/2010/main" val="2325613551"/>
+        <p14:creationId xmlns:p14="http://schemas.microsoft.com/office/powerpoint/2010/main" val="1394752973"/>
       </p:ext>
     </p:extLst>
   </p:cSld>
@@ -1186,8 +1183,53 @@
         </p:nvSpPr>
         <p:spPr/>
         <p:txBody>
-          <a:bodyPr/>
+          <a:bodyPr>
+            <a:normAutofit/>
+          </a:bodyPr>
           <a:lstStyle/>
+          <a:p>
+            <a:pPr marL="0" marR="0" lvl="1" indent="0" algn="l" defTabSz="914400" rtl="0" eaLnBrk="1" fontAlgn="auto" latinLnBrk="0" hangingPunct="1">
+              <a:lnSpc>
+                <a:spcPct val="100000"/>
+              </a:lnSpc>
+              <a:spcBef>
+                <a:spcPts val="0"/>
+              </a:spcBef>
+              <a:spcAft>
+                <a:spcPts val="0"/>
+              </a:spcAft>
+              <a:buClrTx/>
+              <a:buSzTx/>
+              <a:buFontTx/>
+              <a:buNone/>
+              <a:tabLst/>
+              <a:defRPr/>
+            </a:pPr>
+            <a:r>
+              <a:rPr lang="en-US" dirty="0" smtClean="0">
+                <a:solidFill>
+                  <a:srgbClr val="FF0000"/>
+                </a:solidFill>
+              </a:rPr>
+              <a:t>Does not consider intra-user radio interference in case of </a:t>
+            </a:r>
+            <a:r>
+              <a:rPr lang="en-US" dirty="0" err="1" smtClean="0">
+                <a:solidFill>
+                  <a:srgbClr val="FF0000"/>
+                </a:solidFill>
+              </a:rPr>
+              <a:t>omnidirectional</a:t>
+            </a:r>
+            <a:r>
+              <a:rPr lang="en-US" dirty="0" smtClean="0">
+                <a:solidFill>
+                  <a:srgbClr val="FF0000"/>
+                </a:solidFill>
+              </a:rPr>
+              <a:t> antenna</a:t>
+            </a:r>
+          </a:p>
           <a:p>
             <a:endParaRPr lang="en-US" dirty="0"/>
           </a:p>
@@ -1211,18 +1253,13 @@
             <a:fld id="{AF75187D-DC40-47E2-B446-AC348038ABC4}" type="slidenum">
               <a:rPr lang="en-US" smtClean="0"/>
               <a:pPr/>
-              <a:t>8</a:t>
+              <a:t>17</a:t>
             </a:fld>
             <a:endParaRPr lang="en-US"/>
           </a:p>
         </p:txBody>
       </p:sp>
     </p:spTree>
-    <p:extLst>
-      <p:ext uri="{BB962C8B-B14F-4D97-AF65-F5344CB8AC3E}">
-        <p14:creationId xmlns:p14="http://schemas.microsoft.com/office/powerpoint/2010/main" val="1394752973"/>
-      </p:ext>
-    </p:extLst>
   </p:cSld>
   <p:clrMapOvr>
     <a:masterClrMapping/>
@@ -1271,54 +1308,13 @@
         </p:nvSpPr>
         <p:spPr/>
         <p:txBody>
-          <a:bodyPr>
-            <a:normAutofit/>
-          </a:bodyPr>
+          <a:bodyPr/>
           <a:lstStyle/>
           <a:p>
-            <a:pPr marL="0" marR="0" lvl="1" indent="0" algn="l" defTabSz="914400" rtl="0" eaLnBrk="1" fontAlgn="auto" latinLnBrk="0" hangingPunct="1">
-              <a:lnSpc>
-                <a:spcPct val="100000"/>
-              </a:lnSpc>
-              <a:spcBef>
-                <a:spcPts val="0"/>
-              </a:spcBef>
-              <a:spcAft>
-                <a:spcPts val="0"/>
-              </a:spcAft>
-              <a:buClrTx/>
-              <a:buSzTx/>
-              <a:buFontTx/>
-              <a:buNone/>
-              <a:tabLst/>
-              <a:defRPr/>
-            </a:pPr>
-            <a:r>
-              <a:rPr lang="en-US" dirty="0" smtClean="0">
-                <a:solidFill>
-                  <a:srgbClr val="FF0000"/>
-                </a:solidFill>
-              </a:rPr>
-              <a:t>Does not consider intra-user radio interference in case of </a:t>
-            </a:r>
-            <a:r>
-              <a:rPr lang="en-US" dirty="0" err="1" smtClean="0">
-                <a:solidFill>
-                  <a:srgbClr val="FF0000"/>
-                </a:solidFill>
-              </a:rPr>
-              <a:t>omnidirectional</a:t>
-            </a:r>
-            <a:r>
-              <a:rPr lang="en-US" dirty="0" smtClean="0">
-                <a:solidFill>
-                  <a:srgbClr val="FF0000"/>
-                </a:solidFill>
-              </a:rPr>
-              <a:t> antenna</a:t>
-            </a:r>
-          </a:p>
-          <a:p>
+            <a:r>
+              <a:rPr lang="en-US" dirty="0" smtClean="0"/>
+              <a:t>That’s exactly what CRNs do.</a:t>
+            </a:r>
             <a:endParaRPr lang="en-US" dirty="0"/>
           </a:p>
         </p:txBody>
@@ -1341,13 +1337,18 @@
             <a:fld id="{AF75187D-DC40-47E2-B446-AC348038ABC4}" type="slidenum">
               <a:rPr lang="en-US" smtClean="0"/>
               <a:pPr/>
-              <a:t>18</a:t>
+              <a:t>40</a:t>
             </a:fld>
             <a:endParaRPr lang="en-US"/>
           </a:p>
         </p:txBody>
       </p:sp>
     </p:spTree>
+    <p:extLst>
+      <p:ext uri="{BB962C8B-B14F-4D97-AF65-F5344CB8AC3E}">
+        <p14:creationId xmlns:p14="http://schemas.microsoft.com/office/powerpoint/2010/main" val="2325613551"/>
+      </p:ext>
+    </p:extLst>
   </p:cSld>
   <p:clrMapOvr>
     <a:masterClrMapping/>
@@ -1537,7 +1538,7 @@
             <a:fld id="{9792B235-0C5A-47B9-BBB5-A42D877B9FB0}" type="datetime1">
               <a:rPr lang="en-US" smtClean="0"/>
               <a:pPr/>
-              <a:t>7/16/2017</a:t>
+              <a:t>7/17/2017</a:t>
             </a:fld>
             <a:endParaRPr lang="en-US" dirty="0"/>
           </a:p>
@@ -1704,7 +1705,7 @@
             <a:fld id="{A944F276-36ED-4FB2-B362-5FAF0600629E}" type="datetime1">
               <a:rPr lang="en-US" smtClean="0"/>
               <a:pPr/>
-              <a:t>7/16/2017</a:t>
+              <a:t>7/17/2017</a:t>
             </a:fld>
             <a:endParaRPr lang="en-US" dirty="0"/>
           </a:p>
@@ -1881,7 +1882,7 @@
             <a:fld id="{4A45260D-7141-4579-81D9-38647F11C8ED}" type="datetime1">
               <a:rPr lang="en-US" smtClean="0"/>
               <a:pPr/>
-              <a:t>7/16/2017</a:t>
+              <a:t>7/17/2017</a:t>
             </a:fld>
             <a:endParaRPr lang="en-US" dirty="0"/>
           </a:p>
@@ -2048,7 +2049,7 @@
             <a:fld id="{385156CA-7574-440A-96D4-4102C3AA539C}" type="datetime1">
               <a:rPr lang="en-US" smtClean="0"/>
               <a:pPr/>
-              <a:t>7/16/2017</a:t>
+              <a:t>7/17/2017</a:t>
             </a:fld>
             <a:endParaRPr lang="en-US" dirty="0"/>
           </a:p>
@@ -2291,7 +2292,7 @@
             <a:fld id="{F3E31599-7C06-4D29-B089-B003833940BF}" type="datetime1">
               <a:rPr lang="en-US" smtClean="0"/>
               <a:pPr/>
-              <a:t>7/16/2017</a:t>
+              <a:t>7/17/2017</a:t>
             </a:fld>
             <a:endParaRPr lang="en-US" dirty="0"/>
           </a:p>
@@ -2576,7 +2577,7 @@
             <a:fld id="{95ABA74C-1295-4FA9-A237-F76B19BCC0F0}" type="datetime1">
               <a:rPr lang="en-US" smtClean="0"/>
               <a:pPr/>
-              <a:t>7/16/2017</a:t>
+              <a:t>7/17/2017</a:t>
             </a:fld>
             <a:endParaRPr lang="en-US" dirty="0"/>
           </a:p>
@@ -2995,7 +2996,7 @@
             <a:fld id="{0DAD9372-E8ED-4F72-8BE3-61F604274E26}" type="datetime1">
               <a:rPr lang="en-US" smtClean="0"/>
               <a:pPr/>
-              <a:t>7/16/2017</a:t>
+              <a:t>7/17/2017</a:t>
             </a:fld>
             <a:endParaRPr lang="en-US" dirty="0"/>
           </a:p>
@@ -3110,7 +3111,7 @@
             <a:fld id="{F3743E68-D890-48B6-A470-753584C71019}" type="datetime1">
               <a:rPr lang="en-US" smtClean="0"/>
               <a:pPr/>
-              <a:t>7/16/2017</a:t>
+              <a:t>7/17/2017</a:t>
             </a:fld>
             <a:endParaRPr lang="en-US" dirty="0"/>
           </a:p>
@@ -3202,7 +3203,7 @@
             <a:fld id="{341DF95D-C75E-4DDC-8CBD-DED4995C2915}" type="datetime1">
               <a:rPr lang="en-US" smtClean="0"/>
               <a:pPr/>
-              <a:t>7/16/2017</a:t>
+              <a:t>7/17/2017</a:t>
             </a:fld>
             <a:endParaRPr lang="en-US" dirty="0"/>
           </a:p>
@@ -3476,7 +3477,7 @@
             <a:fld id="{A562B837-FD09-41E7-B872-3E7389785772}" type="datetime1">
               <a:rPr lang="en-US" smtClean="0"/>
               <a:pPr/>
-              <a:t>7/16/2017</a:t>
+              <a:t>7/17/2017</a:t>
             </a:fld>
             <a:endParaRPr lang="en-US" dirty="0"/>
           </a:p>
@@ -3726,7 +3727,7 @@
             <a:fld id="{00876762-A287-4D66-B1A5-F2423B02207F}" type="datetime1">
               <a:rPr lang="en-US" smtClean="0"/>
               <a:pPr/>
-              <a:t>7/16/2017</a:t>
+              <a:t>7/17/2017</a:t>
             </a:fld>
             <a:endParaRPr lang="en-US" dirty="0"/>
           </a:p>
@@ -3936,7 +3937,7 @@
             <a:fld id="{A3CA299C-6881-4927-8BDA-7E40CF18A5F4}" type="datetime1">
               <a:rPr lang="en-US" smtClean="0"/>
               <a:pPr/>
-              <a:t>7/16/2017</a:t>
+              <a:t>7/17/2017</a:t>
             </a:fld>
             <a:endParaRPr lang="en-US" dirty="0"/>
           </a:p>
@@ -4367,7 +4368,7 @@
             </a:pPr>
             <a:r>
               <a:rPr lang="en-US" sz="2200" dirty="0" smtClean="0"/>
-              <a:t>M.Sc. Thesis</a:t>
+              <a:t>Pre-defense Examination of M.Sc. Thesis</a:t>
             </a:r>
           </a:p>
           <a:p>
@@ -4495,10 +4496,6 @@
             <a:r>
               <a:rPr lang="en-US" sz="2000" dirty="0" smtClean="0"/>
               <a:t>Professor</a:t>
-            </a:r>
-            <a:r>
-              <a:rPr lang="es-ES" sz="2000" dirty="0" smtClean="0"/>
-              <a:t>.</a:t>
             </a:r>
             <a:endParaRPr kumimoji="0" lang="en-US" sz="2000" i="0" u="none" strike="noStrike" kern="1200" cap="none" spc="0" normalizeH="0" baseline="0" noProof="0" dirty="0">
               <a:ln>
@@ -4560,7 +4557,7 @@
             <a:pPr algn="ctr"/>
             <a:r>
               <a:rPr lang="en-US" sz="2200" dirty="0" smtClean="0"/>
-              <a:t>Dept. of CSE, BUET.</a:t>
+              <a:t>Dept. of CSE, BUET</a:t>
             </a:r>
             <a:endParaRPr lang="en-US" sz="2200" dirty="0"/>
           </a:p>
@@ -4582,11 +4579,19 @@
           <a:lstStyle/>
           <a:p>
             <a:fld id="{CF142645-850A-43A6-BF6E-75FA772F8DCF}" type="slidenum">
-              <a:rPr lang="en-US" smtClean="0"/>
+              <a:rPr lang="en-US" smtClean="0">
+                <a:solidFill>
+                  <a:schemeClr val="bg1"/>
+                </a:solidFill>
+              </a:rPr>
               <a:pPr/>
               <a:t>1</a:t>
             </a:fld>
-            <a:endParaRPr lang="en-US" dirty="0"/>
+            <a:endParaRPr lang="en-US" dirty="0">
+              <a:solidFill>
+                <a:schemeClr val="bg1"/>
+              </a:solidFill>
+            </a:endParaRPr>
           </a:p>
         </p:txBody>
       </p:sp>
@@ -4803,53 +4808,6 @@
       </p:grpSpPr>
       <p:sp>
         <p:nvSpPr>
-          <p:cNvPr id="2" name="Title 1"/>
-          <p:cNvSpPr>
-            <a:spLocks noGrp="1"/>
-          </p:cNvSpPr>
-          <p:nvPr>
-            <p:ph type="title"/>
-          </p:nvPr>
-        </p:nvSpPr>
-        <p:spPr/>
-        <p:txBody>
-          <a:bodyPr/>
-          <a:lstStyle/>
-          <a:p>
-            <a:r>
-              <a:rPr lang="en-US" dirty="0" smtClean="0"/>
-              <a:t>Opportunistic Switching by An SU</a:t>
-            </a:r>
-            <a:endParaRPr lang="en-US" dirty="0"/>
-          </a:p>
-        </p:txBody>
-      </p:sp>
-      <p:pic>
-        <p:nvPicPr>
-          <p:cNvPr id="7" name="Picture 6" descr="crn-0.png"/>
-          <p:cNvPicPr>
-            <a:picLocks noChangeAspect="1"/>
-          </p:cNvPicPr>
-          <p:nvPr/>
-        </p:nvPicPr>
-        <p:blipFill>
-          <a:blip r:embed="rId2" cstate="print"/>
-          <a:stretch>
-            <a:fillRect/>
-          </a:stretch>
-        </p:blipFill>
-        <p:spPr>
-          <a:xfrm>
-            <a:off x="1879600" y="1828800"/>
-            <a:ext cx="5384800" cy="4038600"/>
-          </a:xfrm>
-          <a:prstGeom prst="rect">
-            <a:avLst/>
-          </a:prstGeom>
-        </p:spPr>
-      </p:pic>
-      <p:sp>
-        <p:nvSpPr>
           <p:cNvPr id="8" name="Slide Number Placeholder 7"/>
           <p:cNvSpPr>
             <a:spLocks noGrp="1"/>
@@ -4867,138 +4825,6 @@
               <a:rPr lang="en-US" smtClean="0"/>
               <a:pPr/>
               <a:t>11</a:t>
-            </a:fld>
-            <a:endParaRPr lang="en-US" dirty="0"/>
-          </a:p>
-        </p:txBody>
-      </p:sp>
-      <p:sp>
-        <p:nvSpPr>
-          <p:cNvPr id="9" name="TextBox 8"/>
-          <p:cNvSpPr txBox="1"/>
-          <p:nvPr/>
-        </p:nvSpPr>
-        <p:spPr>
-          <a:xfrm>
-            <a:off x="1981200" y="5345668"/>
-            <a:ext cx="1524000" cy="646331"/>
-          </a:xfrm>
-          <a:prstGeom prst="rect">
-            <a:avLst/>
-          </a:prstGeom>
-          <a:noFill/>
-        </p:spPr>
-        <p:txBody>
-          <a:bodyPr wrap="square" rtlCol="0">
-            <a:spAutoFit/>
-          </a:bodyPr>
-          <a:lstStyle/>
-          <a:p>
-            <a:pPr algn="ctr"/>
-            <a:r>
-              <a:rPr lang="en-US" dirty="0" smtClean="0"/>
-              <a:t>Primary users</a:t>
-            </a:r>
-          </a:p>
-          <a:p>
-            <a:pPr algn="ctr"/>
-            <a:r>
-              <a:rPr lang="en-US" dirty="0" smtClean="0"/>
-              <a:t>(licensed)</a:t>
-            </a:r>
-            <a:endParaRPr lang="en-US" dirty="0"/>
-          </a:p>
-        </p:txBody>
-      </p:sp>
-      <p:sp>
-        <p:nvSpPr>
-          <p:cNvPr id="10" name="TextBox 9"/>
-          <p:cNvSpPr txBox="1"/>
-          <p:nvPr/>
-        </p:nvSpPr>
-        <p:spPr>
-          <a:xfrm>
-            <a:off x="5486400" y="5345668"/>
-            <a:ext cx="1828800" cy="646331"/>
-          </a:xfrm>
-          <a:prstGeom prst="rect">
-            <a:avLst/>
-          </a:prstGeom>
-          <a:noFill/>
-        </p:spPr>
-        <p:txBody>
-          <a:bodyPr wrap="square" rtlCol="0">
-            <a:spAutoFit/>
-          </a:bodyPr>
-          <a:lstStyle/>
-          <a:p>
-            <a:pPr algn="ctr"/>
-            <a:r>
-              <a:rPr lang="en-US" dirty="0" smtClean="0"/>
-              <a:t>Secondary users</a:t>
-            </a:r>
-          </a:p>
-          <a:p>
-            <a:pPr algn="ctr"/>
-            <a:r>
-              <a:rPr lang="en-US" dirty="0" smtClean="0"/>
-              <a:t>(unlicensed)</a:t>
-            </a:r>
-            <a:endParaRPr lang="en-US" dirty="0"/>
-          </a:p>
-        </p:txBody>
-      </p:sp>
-    </p:spTree>
-  </p:cSld>
-  <p:clrMapOvr>
-    <a:masterClrMapping/>
-  </p:clrMapOvr>
-  <p:timing>
-    <p:tnLst>
-      <p:par>
-        <p:cTn id="1" dur="indefinite" restart="never" nodeType="tmRoot"/>
-      </p:par>
-    </p:tnLst>
-  </p:timing>
-</p:sld>
-</file>
-
-<file path=ppt/slides/slide12.xml><?xml version="1.0" encoding="utf-8"?>
-<p:sld xmlns:a="http://schemas.openxmlformats.org/drawingml/2006/main" xmlns:r="http://schemas.openxmlformats.org/officeDocument/2006/relationships" xmlns:p="http://schemas.openxmlformats.org/presentationml/2006/main">
-  <p:cSld>
-    <p:spTree>
-      <p:nvGrpSpPr>
-        <p:cNvPr id="1" name=""/>
-        <p:cNvGrpSpPr/>
-        <p:nvPr/>
-      </p:nvGrpSpPr>
-      <p:grpSpPr>
-        <a:xfrm>
-          <a:off x="0" y="0"/>
-          <a:ext cx="0" cy="0"/>
-          <a:chOff x="0" y="0"/>
-          <a:chExt cx="0" cy="0"/>
-        </a:xfrm>
-      </p:grpSpPr>
-      <p:sp>
-        <p:nvSpPr>
-          <p:cNvPr id="8" name="Slide Number Placeholder 7"/>
-          <p:cNvSpPr>
-            <a:spLocks noGrp="1"/>
-          </p:cNvSpPr>
-          <p:nvPr>
-            <p:ph type="sldNum" sz="quarter" idx="12"/>
-          </p:nvPr>
-        </p:nvSpPr>
-        <p:spPr/>
-        <p:txBody>
-          <a:bodyPr/>
-          <a:lstStyle/>
-          <a:p>
-            <a:fld id="{CF142645-850A-43A6-BF6E-75FA772F8DCF}" type="slidenum">
-              <a:rPr lang="en-US" smtClean="0"/>
-              <a:pPr/>
-              <a:t>12</a:t>
             </a:fld>
             <a:endParaRPr lang="en-US" dirty="0"/>
           </a:p>
@@ -5037,7 +4863,7 @@
           <p:nvPr/>
         </p:nvPicPr>
         <p:blipFill>
-          <a:blip r:embed="rId3"/>
+          <a:blip r:embed="rId3" cstate="print"/>
           <a:stretch>
             <a:fillRect/>
           </a:stretch>
@@ -5061,7 +4887,7 @@
           <p:nvPr/>
         </p:nvPicPr>
         <p:blipFill>
-          <a:blip r:embed="rId4"/>
+          <a:blip r:embed="rId4" cstate="print"/>
           <a:stretch>
             <a:fillRect/>
           </a:stretch>
@@ -5085,7 +4911,7 @@
           <p:nvPr/>
         </p:nvPicPr>
         <p:blipFill>
-          <a:blip r:embed="rId5"/>
+          <a:blip r:embed="rId5" cstate="print"/>
           <a:stretch>
             <a:fillRect/>
           </a:stretch>
@@ -5109,7 +4935,7 @@
           <p:nvPr/>
         </p:nvPicPr>
         <p:blipFill>
-          <a:blip r:embed="rId6"/>
+          <a:blip r:embed="rId6" cstate="print"/>
           <a:stretch>
             <a:fillRect/>
           </a:stretch>
@@ -5178,9 +5004,9 @@
         </p:nvGrpSpPr>
         <p:grpSpPr>
           <a:xfrm>
-            <a:off x="3901457" y="4297713"/>
+            <a:off x="3901457" y="4401456"/>
             <a:ext cx="1341087" cy="1341087"/>
-            <a:chOff x="2453656" y="1405188"/>
+            <a:chOff x="2453656" y="1508931"/>
             <a:chExt cx="1341087" cy="1341087"/>
           </a:xfrm>
         </p:grpSpPr>
@@ -5192,7 +5018,7 @@
           </p:nvSpPr>
           <p:spPr>
             <a:xfrm>
-              <a:off x="2453656" y="1405188"/>
+              <a:off x="2453656" y="1508931"/>
               <a:ext cx="1341087" cy="1341087"/>
             </a:xfrm>
             <a:prstGeom prst="ellipse">
@@ -5343,7 +5169,7 @@
         </p:nvGrpSpPr>
         <p:grpSpPr>
           <a:xfrm>
-            <a:off x="2266207" y="4011496"/>
+            <a:off x="2180772" y="3982468"/>
             <a:ext cx="1274032" cy="1019226"/>
             <a:chOff x="818406" y="1118971"/>
             <a:chExt cx="1274032" cy="1019226"/>
@@ -5459,7 +5285,7 @@
         </p:nvSpPr>
         <p:spPr>
           <a:xfrm rot="3859375">
-            <a:off x="3923639" y="3899875"/>
+            <a:off x="3875661" y="3977210"/>
             <a:ext cx="478562" cy="382209"/>
           </a:xfrm>
           <a:prstGeom prst="leftArrow">
@@ -5626,7 +5452,7 @@
         </p:nvSpPr>
         <p:spPr>
           <a:xfrm rot="6962757">
-            <a:off x="4756135" y="3922377"/>
+            <a:off x="4756135" y="3966422"/>
             <a:ext cx="428908" cy="382209"/>
           </a:xfrm>
           <a:prstGeom prst="leftArrow">
@@ -5844,7 +5670,7 @@
         </p:nvGrpSpPr>
         <p:grpSpPr>
           <a:xfrm>
-            <a:off x="5603761" y="4011496"/>
+            <a:off x="5647303" y="4011496"/>
             <a:ext cx="1274032" cy="1019226"/>
             <a:chOff x="4155960" y="1118971"/>
             <a:chExt cx="1274032" cy="1019226"/>
@@ -6633,7 +6459,7 @@
 </p:sld>
 </file>
 
-<file path=ppt/slides/slide13.xml><?xml version="1.0" encoding="utf-8"?>
+<file path=ppt/slides/slide12.xml><?xml version="1.0" encoding="utf-8"?>
 <p:sld xmlns:a="http://schemas.openxmlformats.org/drawingml/2006/main" xmlns:r="http://schemas.openxmlformats.org/officeDocument/2006/relationships" xmlns:p="http://schemas.openxmlformats.org/presentationml/2006/main">
   <p:cSld>
     <p:spTree>
@@ -6696,7 +6522,7 @@
             <a:fld id="{CF142645-850A-43A6-BF6E-75FA772F8DCF}" type="slidenum">
               <a:rPr lang="en-US" smtClean="0"/>
               <a:pPr/>
-              <a:t>13</a:t>
+              <a:t>12</a:t>
             </a:fld>
             <a:endParaRPr lang="en-US" dirty="0"/>
           </a:p>
@@ -6710,7 +6536,7 @@
         </p:nvGrpSpPr>
         <p:grpSpPr>
           <a:xfrm>
-            <a:off x="-76200" y="1981200"/>
+            <a:off x="34636" y="1981200"/>
             <a:ext cx="3394364" cy="3162770"/>
             <a:chOff x="2590800" y="2388352"/>
             <a:chExt cx="3962400" cy="3916679"/>
@@ -7199,7 +7025,7 @@
 </p:sld>
 </file>
 
-<file path=ppt/slides/slide14.xml><?xml version="1.0" encoding="utf-8"?>
+<file path=ppt/slides/slide13.xml><?xml version="1.0" encoding="utf-8"?>
 <p:sld xmlns:a="http://schemas.openxmlformats.org/drawingml/2006/main" xmlns:r="http://schemas.openxmlformats.org/officeDocument/2006/relationships" xmlns:p="http://schemas.openxmlformats.org/presentationml/2006/main">
   <p:cSld>
     <p:spTree>
@@ -7284,7 +7110,7 @@
             <a:fld id="{CF142645-850A-43A6-BF6E-75FA772F8DCF}" type="slidenum">
               <a:rPr lang="en-US" smtClean="0"/>
               <a:pPr/>
-              <a:t>14</a:t>
+              <a:t>13</a:t>
             </a:fld>
             <a:endParaRPr lang="en-US" dirty="0"/>
           </a:p>
@@ -7367,7 +7193,7 @@
 </p:sld>
 </file>
 
-<file path=ppt/slides/slide15.xml><?xml version="1.0" encoding="utf-8"?>
+<file path=ppt/slides/slide14.xml><?xml version="1.0" encoding="utf-8"?>
 <p:sld xmlns:a="http://schemas.openxmlformats.org/drawingml/2006/main" xmlns:r="http://schemas.openxmlformats.org/officeDocument/2006/relationships" xmlns:p="http://schemas.openxmlformats.org/presentationml/2006/main">
   <p:cSld>
     <p:spTree>
@@ -7438,7 +7264,7 @@
             <a:pPr lvl="1"/>
             <a:r>
               <a:rPr lang="en-US" dirty="0" smtClean="0"/>
-              <a:t>Solves channel assignment problem for the single receiver-radio cases</a:t>
+              <a:t>Solves channel assignment problem for the single receiver radio cases</a:t>
             </a:r>
           </a:p>
           <a:p>
@@ -7488,7 +7314,7 @@
             <a:fld id="{CF142645-850A-43A6-BF6E-75FA772F8DCF}" type="slidenum">
               <a:rPr lang="en-US" smtClean="0"/>
               <a:pPr/>
-              <a:t>15</a:t>
+              <a:t>14</a:t>
             </a:fld>
             <a:endParaRPr lang="en-US" dirty="0"/>
           </a:p>
@@ -7654,7 +7480,7 @@
 </p:sld>
 </file>
 
-<file path=ppt/slides/slide16.xml><?xml version="1.0" encoding="utf-8"?>
+<file path=ppt/slides/slide15.xml><?xml version="1.0" encoding="utf-8"?>
 <p:sld xmlns:a="http://schemas.openxmlformats.org/drawingml/2006/main" xmlns:r="http://schemas.openxmlformats.org/officeDocument/2006/relationships" xmlns:p="http://schemas.openxmlformats.org/presentationml/2006/main">
   <p:cSld>
     <p:spTree>
@@ -7743,7 +7569,7 @@
                   <a:srgbClr val="FF0000"/>
                 </a:solidFill>
               </a:rPr>
-              <a:t>Does not consider conditions of radio</a:t>
+              <a:t>Does not consider conditions of radios</a:t>
             </a:r>
           </a:p>
           <a:p>
@@ -7782,7 +7608,7 @@
             <a:fld id="{CF142645-850A-43A6-BF6E-75FA772F8DCF}" type="slidenum">
               <a:rPr lang="en-US" smtClean="0"/>
               <a:pPr/>
-              <a:t>16</a:t>
+              <a:t>15</a:t>
             </a:fld>
             <a:endParaRPr lang="en-US" dirty="0"/>
           </a:p>
@@ -7948,7 +7774,7 @@
 </p:sld>
 </file>
 
-<file path=ppt/slides/slide17.xml><?xml version="1.0" encoding="utf-8"?>
+<file path=ppt/slides/slide16.xml><?xml version="1.0" encoding="utf-8"?>
 <p:sld xmlns:a="http://schemas.openxmlformats.org/drawingml/2006/main" xmlns:r="http://schemas.openxmlformats.org/officeDocument/2006/relationships" xmlns:p="http://schemas.openxmlformats.org/presentationml/2006/main">
   <p:cSld>
     <p:spTree>
@@ -8094,7 +7920,7 @@
             <a:fld id="{CF142645-850A-43A6-BF6E-75FA772F8DCF}" type="slidenum">
               <a:rPr lang="en-US" smtClean="0"/>
               <a:pPr/>
-              <a:t>17</a:t>
+              <a:t>16</a:t>
             </a:fld>
             <a:endParaRPr lang="en-US" dirty="0"/>
           </a:p>
@@ -8285,7 +8111,7 @@
 </p:sld>
 </file>
 
-<file path=ppt/slides/slide18.xml><?xml version="1.0" encoding="utf-8"?>
+<file path=ppt/slides/slide17.xml><?xml version="1.0" encoding="utf-8"?>
 <p:sld xmlns:a="http://schemas.openxmlformats.org/drawingml/2006/main" xmlns:r="http://schemas.openxmlformats.org/officeDocument/2006/relationships" xmlns:p="http://schemas.openxmlformats.org/presentationml/2006/main">
   <p:cSld>
     <p:spTree>
@@ -8402,7 +8228,7 @@
             <a:fld id="{CF142645-850A-43A6-BF6E-75FA772F8DCF}" type="slidenum">
               <a:rPr lang="en-US" smtClean="0"/>
               <a:pPr/>
-              <a:t>18</a:t>
+              <a:t>17</a:t>
             </a:fld>
             <a:endParaRPr lang="en-US" dirty="0"/>
           </a:p>
@@ -8507,7 +8333,7 @@
 </p:sld>
 </file>
 
-<file path=ppt/slides/slide19.xml><?xml version="1.0" encoding="utf-8"?>
+<file path=ppt/slides/slide18.xml><?xml version="1.0" encoding="utf-8"?>
 <p:sld xmlns:a="http://schemas.openxmlformats.org/drawingml/2006/main" xmlns:r="http://schemas.openxmlformats.org/officeDocument/2006/relationships" xmlns:p="http://schemas.openxmlformats.org/presentationml/2006/main">
   <p:cSld>
     <p:spTree>
@@ -8557,16 +8383,53 @@
             <p:ph idx="1"/>
           </p:nvPr>
         </p:nvSpPr>
-        <p:spPr/>
+        <p:spPr>
+          <a:xfrm>
+            <a:off x="457200" y="1600200"/>
+            <a:ext cx="8686800" cy="4525963"/>
+          </a:xfrm>
+        </p:spPr>
         <p:txBody>
           <a:bodyPr/>
           <a:lstStyle/>
           <a:p>
             <a:r>
+              <a:rPr lang="en-US" dirty="0" smtClean="0">
+                <a:solidFill>
+                  <a:srgbClr val="00B050"/>
+                </a:solidFill>
+              </a:rPr>
+              <a:t>Improvement in delay </a:t>
+            </a:r>
+            <a:r>
               <a:rPr lang="en-US" dirty="0" smtClean="0"/>
-              <a:t>Improvement in delay at the cost of throughput degradation (Khan et al.)</a:t>
-            </a:r>
-            <a:endParaRPr lang="en-US" dirty="0"/>
+              <a:t>at the cost of </a:t>
+            </a:r>
+            <a:r>
+              <a:rPr lang="en-US" dirty="0" smtClean="0">
+                <a:solidFill>
+                  <a:srgbClr val="FF0000"/>
+                </a:solidFill>
+              </a:rPr>
+              <a:t>throughput degradation</a:t>
+            </a:r>
+            <a:r>
+              <a:rPr lang="en-US" dirty="0" smtClean="0"/>
+              <a:t> </a:t>
+            </a:r>
+            <a:r>
+              <a:rPr lang="en-US" sz="2400" i="1" dirty="0" smtClean="0"/>
+              <a:t>(Khan et al., IEEE </a:t>
+            </a:r>
+            <a:r>
+              <a:rPr lang="en-US" sz="2400" i="1" dirty="0" err="1" smtClean="0"/>
+              <a:t>WiMob</a:t>
+            </a:r>
+            <a:r>
+              <a:rPr lang="en-US" sz="2400" i="1" dirty="0" smtClean="0"/>
+              <a:t>, 2015)</a:t>
+            </a:r>
+            <a:endParaRPr lang="en-US" i="1" dirty="0"/>
           </a:p>
         </p:txBody>
       </p:sp>
@@ -8588,7 +8451,7 @@
             <a:fld id="{CF142645-850A-43A6-BF6E-75FA772F8DCF}" type="slidenum">
               <a:rPr lang="en-US" smtClean="0"/>
               <a:pPr/>
-              <a:t>19</a:t>
+              <a:t>18</a:t>
             </a:fld>
             <a:endParaRPr lang="en-US" dirty="0"/>
           </a:p>
@@ -8603,7 +8466,7 @@
           <p:nvPr/>
         </p:nvPicPr>
         <p:blipFill>
-          <a:blip r:embed="rId2">
+          <a:blip r:embed="rId2" cstate="print">
             <a:extLst>
               <a:ext uri="{28A0092B-C50C-407E-A947-70E740481C1C}">
                 <a14:useLocalDpi xmlns:a14="http://schemas.microsoft.com/office/drawing/2010/main" val="0"/>
@@ -8667,7 +8530,7 @@
           <p:nvPr/>
         </p:nvPicPr>
         <p:blipFill>
-          <a:blip r:embed="rId3">
+          <a:blip r:embed="rId3" cstate="print">
             <a:extLst>
               <a:ext uri="{28A0092B-C50C-407E-A947-70E740481C1C}">
                 <a14:useLocalDpi xmlns:a14="http://schemas.microsoft.com/office/drawing/2010/main" val="0"/>
@@ -9793,6 +9656,109 @@
 </p:sld>
 </file>
 
+<file path=ppt/slides/slide19.xml><?xml version="1.0" encoding="utf-8"?>
+<p:sld xmlns:a="http://schemas.openxmlformats.org/drawingml/2006/main" xmlns:r="http://schemas.openxmlformats.org/officeDocument/2006/relationships" xmlns:p="http://schemas.openxmlformats.org/presentationml/2006/main">
+  <p:cSld>
+    <p:spTree>
+      <p:nvGrpSpPr>
+        <p:cNvPr id="1" name=""/>
+        <p:cNvGrpSpPr/>
+        <p:nvPr/>
+      </p:nvGrpSpPr>
+      <p:grpSpPr>
+        <a:xfrm>
+          <a:off x="0" y="0"/>
+          <a:ext cx="0" cy="0"/>
+          <a:chOff x="0" y="0"/>
+          <a:chExt cx="0" cy="0"/>
+        </a:xfrm>
+      </p:grpSpPr>
+      <p:sp>
+        <p:nvSpPr>
+          <p:cNvPr id="2" name="Title 1"/>
+          <p:cNvSpPr>
+            <a:spLocks noGrp="1"/>
+          </p:cNvSpPr>
+          <p:nvPr>
+            <p:ph type="title"/>
+          </p:nvPr>
+        </p:nvSpPr>
+        <p:spPr/>
+        <p:txBody>
+          <a:bodyPr/>
+          <a:lstStyle/>
+          <a:p>
+            <a:r>
+              <a:rPr lang="en-US" dirty="0" smtClean="0"/>
+              <a:t>research problem</a:t>
+            </a:r>
+            <a:endParaRPr lang="en-US" dirty="0"/>
+          </a:p>
+        </p:txBody>
+      </p:sp>
+      <p:sp>
+        <p:nvSpPr>
+          <p:cNvPr id="3" name="Text Placeholder 2"/>
+          <p:cNvSpPr>
+            <a:spLocks noGrp="1"/>
+          </p:cNvSpPr>
+          <p:nvPr>
+            <p:ph type="body" idx="1"/>
+          </p:nvPr>
+        </p:nvSpPr>
+        <p:spPr/>
+        <p:txBody>
+          <a:bodyPr/>
+          <a:lstStyle/>
+          <a:p>
+            <a:endParaRPr lang="en-US"/>
+          </a:p>
+        </p:txBody>
+      </p:sp>
+      <p:sp>
+        <p:nvSpPr>
+          <p:cNvPr id="4" name="Slide Number Placeholder 3"/>
+          <p:cNvSpPr>
+            <a:spLocks noGrp="1"/>
+          </p:cNvSpPr>
+          <p:nvPr>
+            <p:ph type="sldNum" sz="quarter" idx="12"/>
+          </p:nvPr>
+        </p:nvSpPr>
+        <p:spPr/>
+        <p:txBody>
+          <a:bodyPr/>
+          <a:lstStyle/>
+          <a:p>
+            <a:fld id="{CF142645-850A-43A6-BF6E-75FA772F8DCF}" type="slidenum">
+              <a:rPr lang="en-US" smtClean="0"/>
+              <a:pPr/>
+              <a:t>19</a:t>
+            </a:fld>
+            <a:endParaRPr lang="en-US" dirty="0"/>
+          </a:p>
+        </p:txBody>
+      </p:sp>
+    </p:spTree>
+    <p:extLst>
+      <p:ext uri="{BB962C8B-B14F-4D97-AF65-F5344CB8AC3E}">
+        <p14:creationId xmlns:p14="http://schemas.microsoft.com/office/powerpoint/2010/main" val="2542576108"/>
+      </p:ext>
+    </p:extLst>
+  </p:cSld>
+  <p:clrMapOvr>
+    <a:masterClrMapping/>
+  </p:clrMapOvr>
+  <p:timing>
+    <p:tnLst>
+      <p:par>
+        <p:cTn id="1" dur="indefinite" restart="never" nodeType="tmRoot"/>
+      </p:par>
+    </p:tnLst>
+  </p:timing>
+</p:sld>
+</file>
+
 <file path=ppt/slides/slide2.xml><?xml version="1.0" encoding="utf-8"?>
 <p:sld xmlns:a="http://schemas.openxmlformats.org/drawingml/2006/main" xmlns:r="http://schemas.openxmlformats.org/officeDocument/2006/relationships" xmlns:p="http://schemas.openxmlformats.org/presentationml/2006/main">
   <p:cSld>
@@ -9850,13 +9816,7 @@
           <a:p>
             <a:r>
               <a:rPr lang="en-US" dirty="0" smtClean="0"/>
-              <a:t>Related work</a:t>
-            </a:r>
-          </a:p>
-          <a:p>
-            <a:r>
-              <a:rPr lang="en-US" dirty="0" smtClean="0"/>
-              <a:t>Research problem</a:t>
+              <a:t>Background and research problem</a:t>
             </a:r>
           </a:p>
           <a:p>
@@ -9958,11 +9918,7 @@
           <a:p>
             <a:r>
               <a:rPr lang="en-US" dirty="0" smtClean="0"/>
-              <a:t>research </a:t>
-            </a:r>
-            <a:r>
-              <a:rPr lang="en-US" dirty="0" smtClean="0"/>
-              <a:t>problem</a:t>
+              <a:t>Our Research Problem</a:t>
             </a:r>
             <a:endParaRPr lang="en-US" dirty="0"/>
           </a:p>
@@ -9970,20 +9926,46 @@
       </p:sp>
       <p:sp>
         <p:nvSpPr>
-          <p:cNvPr id="3" name="Text Placeholder 2"/>
+          <p:cNvPr id="3" name="Content Placeholder 2"/>
           <p:cNvSpPr>
             <a:spLocks noGrp="1"/>
           </p:cNvSpPr>
           <p:nvPr>
-            <p:ph type="body" idx="1"/>
+            <p:ph idx="1"/>
           </p:nvPr>
         </p:nvSpPr>
-        <p:spPr/>
+        <p:spPr>
+          <a:xfrm>
+            <a:off x="457200" y="1600200"/>
+            <a:ext cx="8229600" cy="3611563"/>
+          </a:xfrm>
+        </p:spPr>
         <p:txBody>
-          <a:bodyPr/>
+          <a:bodyPr anchor="ctr">
+            <a:normAutofit/>
+          </a:bodyPr>
           <a:lstStyle/>
           <a:p>
-            <a:endParaRPr lang="en-US"/>
+            <a:pPr algn="ctr">
+              <a:buNone/>
+            </a:pPr>
+            <a:r>
+              <a:rPr lang="en-US" sz="4400" dirty="0" smtClean="0"/>
+              <a:t>How to overcome the </a:t>
+            </a:r>
+            <a:r>
+              <a:rPr lang="en-US" sz="4400" dirty="0" smtClean="0">
+                <a:solidFill>
+                  <a:srgbClr val="FF0000"/>
+                </a:solidFill>
+              </a:rPr>
+              <a:t>throughput degradation</a:t>
+            </a:r>
+            <a:r>
+              <a:rPr lang="en-US" sz="4400" dirty="0" smtClean="0"/>
+              <a:t> in multi-radio CRNs?</a:t>
+            </a:r>
+            <a:endParaRPr lang="en-US" sz="4400" dirty="0"/>
           </a:p>
         </p:txBody>
       </p:sp>
@@ -10014,7 +9996,7 @@
     </p:spTree>
     <p:extLst>
       <p:ext uri="{BB962C8B-B14F-4D97-AF65-F5344CB8AC3E}">
-        <p14:creationId xmlns:p14="http://schemas.microsoft.com/office/powerpoint/2010/main" val="2542576108"/>
+        <p14:creationId xmlns:p14="http://schemas.microsoft.com/office/powerpoint/2010/main" val="2015449264"/>
       </p:ext>
     </p:extLst>
   </p:cSld>
@@ -10065,7 +10047,7 @@
           <a:p>
             <a:r>
               <a:rPr lang="en-US" dirty="0" smtClean="0"/>
-              <a:t>Our Research Problem</a:t>
+              <a:t>Proposed Methodology</a:t>
             </a:r>
             <a:endParaRPr lang="en-US" dirty="0"/>
           </a:p>
@@ -10073,46 +10055,20 @@
       </p:sp>
       <p:sp>
         <p:nvSpPr>
-          <p:cNvPr id="3" name="Content Placeholder 2"/>
+          <p:cNvPr id="3" name="Text Placeholder 2"/>
           <p:cNvSpPr>
             <a:spLocks noGrp="1"/>
           </p:cNvSpPr>
           <p:nvPr>
-            <p:ph idx="1"/>
+            <p:ph type="body" idx="1"/>
           </p:nvPr>
         </p:nvSpPr>
-        <p:spPr>
-          <a:xfrm>
-            <a:off x="457200" y="1600200"/>
-            <a:ext cx="8229600" cy="3611563"/>
-          </a:xfrm>
-        </p:spPr>
+        <p:spPr/>
         <p:txBody>
-          <a:bodyPr anchor="ctr">
-            <a:normAutofit/>
-          </a:bodyPr>
+          <a:bodyPr/>
           <a:lstStyle/>
           <a:p>
-            <a:pPr algn="ctr">
-              <a:buNone/>
-            </a:pPr>
-            <a:r>
-              <a:rPr lang="en-US" sz="4400" dirty="0" smtClean="0"/>
-              <a:t>How to overcome the </a:t>
-            </a:r>
-            <a:r>
-              <a:rPr lang="en-US" sz="4400" dirty="0" smtClean="0">
-                <a:solidFill>
-                  <a:srgbClr val="FF0000"/>
-                </a:solidFill>
-              </a:rPr>
-              <a:t>throughput degradation</a:t>
-            </a:r>
-            <a:r>
-              <a:rPr lang="en-US" sz="4400" dirty="0" smtClean="0"/>
-              <a:t> in multi-radio CRNs?</a:t>
-            </a:r>
-            <a:endParaRPr lang="en-US" sz="4400" dirty="0"/>
+            <a:endParaRPr lang="en-US"/>
           </a:p>
         </p:txBody>
       </p:sp>
@@ -10143,7 +10099,7 @@
     </p:spTree>
     <p:extLst>
       <p:ext uri="{BB962C8B-B14F-4D97-AF65-F5344CB8AC3E}">
-        <p14:creationId xmlns:p14="http://schemas.microsoft.com/office/powerpoint/2010/main" val="2015449264"/>
+        <p14:creationId xmlns:p14="http://schemas.microsoft.com/office/powerpoint/2010/main" val="808015093"/>
       </p:ext>
     </p:extLst>
   </p:cSld>
@@ -10187,110 +10143,12 @@
             <p:ph type="title"/>
           </p:nvPr>
         </p:nvSpPr>
-        <p:spPr/>
-        <p:txBody>
-          <a:bodyPr/>
-          <a:lstStyle/>
-          <a:p>
-            <a:r>
-              <a:rPr lang="en-US" dirty="0" smtClean="0"/>
-              <a:t>Proposed Methodology</a:t>
-            </a:r>
-            <a:endParaRPr lang="en-US" dirty="0"/>
-          </a:p>
-        </p:txBody>
-      </p:sp>
-      <p:sp>
-        <p:nvSpPr>
-          <p:cNvPr id="3" name="Text Placeholder 2"/>
-          <p:cNvSpPr>
-            <a:spLocks noGrp="1"/>
-          </p:cNvSpPr>
-          <p:nvPr>
-            <p:ph type="body" idx="1"/>
-          </p:nvPr>
-        </p:nvSpPr>
-        <p:spPr/>
-        <p:txBody>
-          <a:bodyPr/>
-          <a:lstStyle/>
-          <a:p>
-            <a:endParaRPr lang="en-US"/>
-          </a:p>
-        </p:txBody>
-      </p:sp>
-      <p:sp>
-        <p:nvSpPr>
-          <p:cNvPr id="4" name="Slide Number Placeholder 3"/>
-          <p:cNvSpPr>
-            <a:spLocks noGrp="1"/>
-          </p:cNvSpPr>
-          <p:nvPr>
-            <p:ph type="sldNum" sz="quarter" idx="12"/>
-          </p:nvPr>
-        </p:nvSpPr>
-        <p:spPr/>
-        <p:txBody>
-          <a:bodyPr/>
-          <a:lstStyle/>
-          <a:p>
-            <a:fld id="{CF142645-850A-43A6-BF6E-75FA772F8DCF}" type="slidenum">
-              <a:rPr lang="en-US" smtClean="0"/>
-              <a:pPr/>
-              <a:t>22</a:t>
-            </a:fld>
-            <a:endParaRPr lang="en-US" dirty="0"/>
-          </a:p>
-        </p:txBody>
-      </p:sp>
-    </p:spTree>
-    <p:extLst>
-      <p:ext uri="{BB962C8B-B14F-4D97-AF65-F5344CB8AC3E}">
-        <p14:creationId xmlns:p14="http://schemas.microsoft.com/office/powerpoint/2010/main" val="808015093"/>
-      </p:ext>
-    </p:extLst>
-  </p:cSld>
-  <p:clrMapOvr>
-    <a:masterClrMapping/>
-  </p:clrMapOvr>
-  <p:timing>
-    <p:tnLst>
-      <p:par>
-        <p:cTn id="1" dur="indefinite" restart="never" nodeType="tmRoot"/>
-      </p:par>
-    </p:tnLst>
-  </p:timing>
-</p:sld>
-</file>
-
-<file path=ppt/slides/slide23.xml><?xml version="1.0" encoding="utf-8"?>
-<p:sld xmlns:a="http://schemas.openxmlformats.org/drawingml/2006/main" xmlns:r="http://schemas.openxmlformats.org/officeDocument/2006/relationships" xmlns:p="http://schemas.openxmlformats.org/presentationml/2006/main">
-  <p:cSld>
-    <p:spTree>
-      <p:nvGrpSpPr>
-        <p:cNvPr id="1" name=""/>
-        <p:cNvGrpSpPr/>
-        <p:nvPr/>
-      </p:nvGrpSpPr>
-      <p:grpSpPr>
-        <a:xfrm>
-          <a:off x="0" y="0"/>
-          <a:ext cx="0" cy="0"/>
-          <a:chOff x="0" y="0"/>
-          <a:chExt cx="0" cy="0"/>
-        </a:xfrm>
-      </p:grpSpPr>
-      <p:sp>
-        <p:nvSpPr>
-          <p:cNvPr id="2" name="Title 1"/>
-          <p:cNvSpPr>
-            <a:spLocks noGrp="1"/>
-          </p:cNvSpPr>
-          <p:nvPr>
-            <p:ph type="title"/>
-          </p:nvPr>
-        </p:nvSpPr>
-        <p:spPr/>
+        <p:spPr>
+          <a:xfrm>
+            <a:off x="0" y="304800"/>
+            <a:ext cx="9144000" cy="1143000"/>
+          </a:xfrm>
+        </p:spPr>
         <p:txBody>
           <a:bodyPr>
             <a:normAutofit fontScale="90000"/>
@@ -10299,7 +10157,7 @@
           <a:p>
             <a:r>
               <a:rPr lang="en-US" dirty="0" smtClean="0"/>
-              <a:t>Steps in Our </a:t>
+              <a:t>Overview of Our </a:t>
             </a:r>
             <a:r>
               <a:rPr lang="en-US" dirty="0"/>
@@ -10413,6 +10271,35 @@
           </a:extLst>
         </p:spPr>
       </p:pic>
+      <p:sp>
+        <p:nvSpPr>
+          <p:cNvPr id="5" name="Slide Number Placeholder 3"/>
+          <p:cNvSpPr>
+            <a:spLocks noGrp="1"/>
+          </p:cNvSpPr>
+          <p:nvPr>
+            <p:ph type="sldNum" sz="quarter" idx="12"/>
+          </p:nvPr>
+        </p:nvSpPr>
+        <p:spPr>
+          <a:xfrm>
+            <a:off x="6553200" y="6356350"/>
+            <a:ext cx="2133600" cy="365125"/>
+          </a:xfrm>
+        </p:spPr>
+        <p:txBody>
+          <a:bodyPr/>
+          <a:lstStyle/>
+          <a:p>
+            <a:fld id="{CF142645-850A-43A6-BF6E-75FA772F8DCF}" type="slidenum">
+              <a:rPr lang="en-US" smtClean="0"/>
+              <a:pPr/>
+              <a:t>22</a:t>
+            </a:fld>
+            <a:endParaRPr lang="en-US" dirty="0"/>
+          </a:p>
+        </p:txBody>
+      </p:sp>
     </p:spTree>
   </p:cSld>
   <p:clrMapOvr>
@@ -10428,7 +10315,7 @@
 </p:sld>
 </file>
 
-<file path=ppt/slides/slide24.xml><?xml version="1.0" encoding="utf-8"?>
+<file path=ppt/slides/slide23.xml><?xml version="1.0" encoding="utf-8"?>
 <p:sld xmlns:a="http://schemas.openxmlformats.org/drawingml/2006/main" xmlns:r="http://schemas.openxmlformats.org/officeDocument/2006/relationships" xmlns:p="http://schemas.openxmlformats.org/presentationml/2006/main">
   <p:cSld>
     <p:spTree>
@@ -10517,7 +10404,7 @@
             <a:fld id="{CF142645-850A-43A6-BF6E-75FA772F8DCF}" type="slidenum">
               <a:rPr lang="en-US" smtClean="0"/>
               <a:pPr/>
-              <a:t>24</a:t>
+              <a:t>23</a:t>
             </a:fld>
             <a:endParaRPr lang="en-US" dirty="0"/>
           </a:p>
@@ -10622,7 +10509,7 @@
 </p:sld>
 </file>
 
-<file path=ppt/slides/slide25.xml><?xml version="1.0" encoding="utf-8"?>
+<file path=ppt/slides/slide24.xml><?xml version="1.0" encoding="utf-8"?>
 <p:sld xmlns:a="http://schemas.openxmlformats.org/drawingml/2006/main" xmlns:r="http://schemas.openxmlformats.org/officeDocument/2006/relationships" xmlns:p="http://schemas.openxmlformats.org/presentationml/2006/main">
   <p:cSld>
     <p:spTree>
@@ -10866,7 +10753,7 @@
         </p:nvSpPr>
         <p:spPr>
           <a:xfrm>
-            <a:off x="6705600" y="2895600"/>
+            <a:off x="7086600" y="2819400"/>
             <a:ext cx="1066800" cy="685800"/>
           </a:xfrm>
           <a:prstGeom prst="rect">
@@ -10877,7 +10764,9 @@
           </a:solidFill>
           <a:ln>
             <a:solidFill>
-              <a:schemeClr val="tx1"/>
+              <a:schemeClr val="tx2">
+                <a:lumMod val="50000"/>
+              </a:schemeClr>
             </a:solidFill>
           </a:ln>
         </p:spPr>
@@ -10905,14 +10794,18 @@
             <a:r>
               <a:rPr lang="en-US" dirty="0" smtClean="0">
                 <a:solidFill>
-                  <a:schemeClr val="tx1"/>
+                  <a:schemeClr val="tx2">
+                    <a:lumMod val="50000"/>
+                  </a:schemeClr>
                 </a:solidFill>
               </a:rPr>
               <a:t>Packet</a:t>
             </a:r>
             <a:endParaRPr lang="en-US" dirty="0">
               <a:solidFill>
-                <a:schemeClr val="tx1"/>
+                <a:schemeClr val="tx2">
+                  <a:lumMod val="50000"/>
+                </a:schemeClr>
               </a:solidFill>
             </a:endParaRPr>
           </a:p>
@@ -11086,7 +10979,7 @@
         <p:spPr>
           <a:xfrm>
             <a:off x="6172200" y="2707841"/>
-            <a:ext cx="533400" cy="530659"/>
+            <a:ext cx="914400" cy="454459"/>
           </a:xfrm>
           <a:prstGeom prst="straightConnector1">
             <a:avLst/>
@@ -11118,14 +11011,13 @@
           <p:cNvPr id="39" name="Straight Arrow Connector 38"/>
           <p:cNvCxnSpPr>
             <a:stCxn id="6" idx="3"/>
-            <a:endCxn id="11" idx="1"/>
           </p:cNvCxnSpPr>
           <p:nvPr/>
         </p:nvCxnSpPr>
         <p:spPr>
           <a:xfrm flipV="1">
-            <a:off x="6172200" y="3238500"/>
-            <a:ext cx="533400" cy="385698"/>
+            <a:off x="6172200" y="3429000"/>
+            <a:ext cx="304800" cy="195198"/>
           </a:xfrm>
           <a:prstGeom prst="straightConnector1">
             <a:avLst/>
@@ -11134,7 +11026,7 @@
             <a:solidFill>
               <a:srgbClr val="FF0000"/>
             </a:solidFill>
-            <a:prstDash val="dash"/>
+            <a:prstDash val="solid"/>
             <a:tailEnd type="arrow"/>
           </a:ln>
         </p:spPr>
@@ -11608,7 +11500,7 @@
               <a:tabLst/>
             </a:pPr>
             <a:r>
-              <a:rPr kumimoji="0" lang="en-US" sz="1800" b="0" i="0" u="none" strike="noStrike" cap="none" normalizeH="0" baseline="0" smtClean="0">
+              <a:rPr kumimoji="0" lang="en-US" sz="1800" b="0" i="0" u="none" strike="noStrike" cap="none" normalizeH="0" baseline="0" dirty="0" smtClean="0">
                 <a:ln>
                   <a:noFill/>
                 </a:ln>
@@ -11621,7 +11513,7 @@
               </a:rPr>
               <a:t>Radio</a:t>
             </a:r>
-            <a:endParaRPr kumimoji="0" lang="en-US" sz="1800" b="0" i="0" u="none" strike="noStrike" cap="none" normalizeH="0" baseline="0" smtClean="0">
+            <a:endParaRPr kumimoji="0" lang="en-US" sz="1800" b="0" i="0" u="none" strike="noStrike" cap="none" normalizeH="0" baseline="0" dirty="0" smtClean="0">
               <a:ln>
                 <a:noFill/>
               </a:ln>
@@ -12162,7 +12054,7 @@
                   <a:noFill/>
                 </a:ln>
                 <a:solidFill>
-                  <a:srgbClr val="FF0000"/>
+                  <a:srgbClr val="C00000"/>
                 </a:solidFill>
                 <a:effectLst/>
                 <a:latin typeface="Calibri" pitchFamily="34" charset="0"/>
@@ -12175,7 +12067,7 @@
                 <a:noFill/>
               </a:ln>
               <a:solidFill>
-                <a:srgbClr val="FF0000"/>
+                <a:srgbClr val="C00000"/>
               </a:solidFill>
               <a:effectLst/>
               <a:latin typeface="Arial" pitchFamily="34" charset="0"/>
@@ -12239,7 +12131,7 @@
                   <a:noFill/>
                 </a:ln>
                 <a:solidFill>
-                  <a:srgbClr val="FF0000"/>
+                  <a:srgbClr val="C00000"/>
                 </a:solidFill>
                 <a:effectLst/>
                 <a:latin typeface="Calibri" pitchFamily="34" charset="0"/>
@@ -12252,7 +12144,7 @@
                 <a:noFill/>
               </a:ln>
               <a:solidFill>
-                <a:srgbClr val="FF0000"/>
+                <a:srgbClr val="C00000"/>
               </a:solidFill>
               <a:effectLst/>
               <a:latin typeface="Arial" pitchFamily="34" charset="0"/>
@@ -12316,7 +12208,7 @@
                   <a:noFill/>
                 </a:ln>
                 <a:solidFill>
-                  <a:srgbClr val="FF0000"/>
+                  <a:srgbClr val="C00000"/>
                 </a:solidFill>
                 <a:effectLst/>
                 <a:latin typeface="Calibri" pitchFamily="34" charset="0"/>
@@ -12329,7 +12221,7 @@
                 <a:noFill/>
               </a:ln>
               <a:solidFill>
-                <a:srgbClr val="FF0000"/>
+                <a:srgbClr val="C00000"/>
               </a:solidFill>
               <a:effectLst/>
               <a:latin typeface="Arial" pitchFamily="34" charset="0"/>
@@ -12390,7 +12282,7 @@
             <a:r>
               <a:rPr lang="en-US" dirty="0" smtClean="0">
                 <a:solidFill>
-                  <a:srgbClr val="FF0000"/>
+                  <a:srgbClr val="C00000"/>
                 </a:solidFill>
                 <a:latin typeface="Calibri" pitchFamily="34" charset="0"/>
                 <a:cs typeface="Arial" pitchFamily="34" charset="0"/>
@@ -12402,7 +12294,7 @@
                 <a:noFill/>
               </a:ln>
               <a:solidFill>
-                <a:srgbClr val="FF0000"/>
+                <a:srgbClr val="C00000"/>
               </a:solidFill>
               <a:effectLst/>
               <a:latin typeface="Arial" pitchFamily="34" charset="0"/>
@@ -12466,7 +12358,9 @@
                   <a:noFill/>
                 </a:ln>
                 <a:solidFill>
-                  <a:srgbClr val="0070C0"/>
+                  <a:schemeClr val="tx2">
+                    <a:lumMod val="50000"/>
+                  </a:schemeClr>
                 </a:solidFill>
                 <a:effectLst/>
                 <a:latin typeface="Calibri" pitchFamily="34" charset="0"/>
@@ -12479,7 +12373,9 @@
                 <a:noFill/>
               </a:ln>
               <a:solidFill>
-                <a:srgbClr val="0070C0"/>
+                <a:schemeClr val="tx2">
+                  <a:lumMod val="50000"/>
+                </a:schemeClr>
               </a:solidFill>
               <a:effectLst/>
               <a:latin typeface="Arial" pitchFamily="34" charset="0"/>
@@ -12543,7 +12439,9 @@
                   <a:noFill/>
                 </a:ln>
                 <a:solidFill>
-                  <a:srgbClr val="0070C0"/>
+                  <a:schemeClr val="tx2">
+                    <a:lumMod val="50000"/>
+                  </a:schemeClr>
                 </a:solidFill>
                 <a:effectLst/>
                 <a:latin typeface="Calibri" pitchFamily="34" charset="0"/>
@@ -12556,7 +12454,9 @@
                 <a:noFill/>
               </a:ln>
               <a:solidFill>
-                <a:srgbClr val="0070C0"/>
+                <a:schemeClr val="tx2">
+                  <a:lumMod val="50000"/>
+                </a:schemeClr>
               </a:solidFill>
               <a:effectLst/>
               <a:latin typeface="Arial" pitchFamily="34" charset="0"/>
@@ -12620,7 +12520,9 @@
                   <a:noFill/>
                 </a:ln>
                 <a:solidFill>
-                  <a:srgbClr val="0070C0"/>
+                  <a:schemeClr val="tx2">
+                    <a:lumMod val="50000"/>
+                  </a:schemeClr>
                 </a:solidFill>
                 <a:effectLst/>
                 <a:latin typeface="Calibri" pitchFamily="34" charset="0"/>
@@ -12633,7 +12535,9 @@
                 <a:noFill/>
               </a:ln>
               <a:solidFill>
-                <a:srgbClr val="0070C0"/>
+                <a:schemeClr val="tx2">
+                  <a:lumMod val="50000"/>
+                </a:schemeClr>
               </a:solidFill>
               <a:effectLst/>
               <a:latin typeface="Arial" pitchFamily="34" charset="0"/>
@@ -12694,7 +12598,9 @@
             <a:r>
               <a:rPr lang="en-US" dirty="0" smtClean="0">
                 <a:solidFill>
-                  <a:srgbClr val="0070C0"/>
+                  <a:schemeClr val="tx2">
+                    <a:lumMod val="50000"/>
+                  </a:schemeClr>
                 </a:solidFill>
                 <a:latin typeface="Calibri" pitchFamily="34" charset="0"/>
                 <a:cs typeface="Arial" pitchFamily="34" charset="0"/>
@@ -12706,7 +12612,9 @@
                 <a:noFill/>
               </a:ln>
               <a:solidFill>
-                <a:srgbClr val="0070C0"/>
+                <a:schemeClr val="tx2">
+                  <a:lumMod val="50000"/>
+                </a:schemeClr>
               </a:solidFill>
               <a:effectLst/>
               <a:latin typeface="Arial" pitchFamily="34" charset="0"/>
@@ -13940,7 +13848,7 @@
             <a:fld id="{CF142645-850A-43A6-BF6E-75FA772F8DCF}" type="slidenum">
               <a:rPr lang="en-US" smtClean="0"/>
               <a:pPr/>
-              <a:t>25</a:t>
+              <a:t>24</a:t>
             </a:fld>
             <a:endParaRPr lang="en-US" dirty="0"/>
           </a:p>
@@ -13967,6 +13875,7 @@
             <a:solidFill>
               <a:srgbClr val="7030A0"/>
             </a:solidFill>
+            <a:prstDash val="dash"/>
             <a:tailEnd type="arrow"/>
           </a:ln>
         </p:spPr>
@@ -13985,45 +13894,54 @@
           </a:fontRef>
         </p:style>
       </p:cxnSp>
-      <p:cxnSp>
-        <p:nvCxnSpPr>
-          <p:cNvPr id="69" name="Straight Arrow Connector 68"/>
-          <p:cNvCxnSpPr>
-            <a:stCxn id="6" idx="3"/>
-            <a:endCxn id="8" idx="3"/>
-          </p:cNvCxnSpPr>
+      <p:sp>
+        <p:nvSpPr>
+          <p:cNvPr id="66" name="Multiply 65"/>
+          <p:cNvSpPr/>
           <p:nvPr/>
-        </p:nvCxnSpPr>
+        </p:nvSpPr>
         <p:spPr>
-          <a:xfrm flipH="1" flipV="1">
-            <a:off x="3581400" y="2705100"/>
-            <a:ext cx="2590800" cy="919098"/>
+          <a:xfrm>
+            <a:off x="6447972" y="3316512"/>
+            <a:ext cx="182880" cy="274320"/>
           </a:xfrm>
-          <a:prstGeom prst="straightConnector1">
+          <a:prstGeom prst="mathMultiply">
             <a:avLst/>
           </a:prstGeom>
+          <a:solidFill>
+            <a:srgbClr val="FF7C80"/>
+          </a:solidFill>
           <a:ln>
             <a:solidFill>
-              <a:srgbClr val="7030A0"/>
+              <a:srgbClr val="FF0000"/>
             </a:solidFill>
-            <a:tailEnd type="arrow"/>
           </a:ln>
         </p:spPr>
         <p:style>
-          <a:lnRef idx="1">
-            <a:schemeClr val="accent1"/>
+          <a:lnRef idx="2">
+            <a:schemeClr val="accent1">
+              <a:shade val="50000"/>
+            </a:schemeClr>
           </a:lnRef>
-          <a:fillRef idx="0">
+          <a:fillRef idx="1">
             <a:schemeClr val="accent1"/>
           </a:fillRef>
           <a:effectRef idx="0">
             <a:schemeClr val="accent1"/>
           </a:effectRef>
           <a:fontRef idx="minor">
-            <a:schemeClr val="tx1"/>
+            <a:schemeClr val="lt1"/>
           </a:fontRef>
         </p:style>
-      </p:cxnSp>
+        <p:txBody>
+          <a:bodyPr rtlCol="0" anchor="ctr"/>
+          <a:lstStyle/>
+          <a:p>
+            <a:pPr algn="ctr"/>
+            <a:endParaRPr lang="en-US"/>
+          </a:p>
+        </p:txBody>
+      </p:sp>
     </p:spTree>
     <p:extLst>
       <p:ext uri="{BB962C8B-B14F-4D97-AF65-F5344CB8AC3E}">
@@ -14566,7 +14484,7 @@
                             </p:stCondLst>
                             <p:childTnLst>
                               <p:par>
-                                <p:cTn id="52" presetID="3" presetClass="entr" presetSubtype="10" fill="hold" grpId="0" nodeType="afterEffect">
+                                <p:cTn id="52" presetID="22" presetClass="entr" presetSubtype="8" fill="hold" grpId="0" nodeType="afterEffect">
                                   <p:stCondLst>
                                     <p:cond delay="0"/>
                                   </p:stCondLst>
@@ -14579,7 +14497,7 @@
                                           </p:stCondLst>
                                         </p:cTn>
                                         <p:tgtEl>
-                                          <p:spTgt spid="3129"/>
+                                          <p:spTgt spid="11"/>
                                         </p:tgtEl>
                                         <p:attrNameLst>
                                           <p:attrName>style.visibility</p:attrName>
@@ -14589,11 +14507,11 @@
                                         <p:strVal val="visible"/>
                                       </p:to>
                                     </p:set>
-                                    <p:animEffect transition="in" filter="blinds(horizontal)">
+                                    <p:animEffect transition="in" filter="wipe(left)">
                                       <p:cBhvr>
                                         <p:cTn id="54" dur="500"/>
                                         <p:tgtEl>
-                                          <p:spTgt spid="3129"/>
+                                          <p:spTgt spid="11"/>
                                         </p:tgtEl>
                                       </p:cBhvr>
                                     </p:animEffect>
@@ -14623,6 +14541,50 @@
                                           </p:stCondLst>
                                         </p:cTn>
                                         <p:tgtEl>
+                                          <p:spTgt spid="3129"/>
+                                        </p:tgtEl>
+                                        <p:attrNameLst>
+                                          <p:attrName>style.visibility</p:attrName>
+                                        </p:attrNameLst>
+                                      </p:cBhvr>
+                                      <p:to>
+                                        <p:strVal val="visible"/>
+                                      </p:to>
+                                    </p:set>
+                                    <p:animEffect transition="in" filter="blinds(horizontal)">
+                                      <p:cBhvr>
+                                        <p:cTn id="58" dur="500"/>
+                                        <p:tgtEl>
+                                          <p:spTgt spid="3129"/>
+                                        </p:tgtEl>
+                                      </p:cBhvr>
+                                    </p:animEffect>
+                                  </p:childTnLst>
+                                </p:cTn>
+                              </p:par>
+                            </p:childTnLst>
+                          </p:cTn>
+                        </p:par>
+                        <p:par>
+                          <p:cTn id="59" fill="hold">
+                            <p:stCondLst>
+                              <p:cond delay="1500"/>
+                            </p:stCondLst>
+                            <p:childTnLst>
+                              <p:par>
+                                <p:cTn id="60" presetID="3" presetClass="entr" presetSubtype="10" fill="hold" grpId="0" nodeType="afterEffect">
+                                  <p:stCondLst>
+                                    <p:cond delay="0"/>
+                                  </p:stCondLst>
+                                  <p:childTnLst>
+                                    <p:set>
+                                      <p:cBhvr>
+                                        <p:cTn id="61" dur="1" fill="hold">
+                                          <p:stCondLst>
+                                            <p:cond delay="0"/>
+                                          </p:stCondLst>
+                                        </p:cTn>
+                                        <p:tgtEl>
                                           <p:spTgt spid="3149"/>
                                         </p:tgtEl>
                                         <p:attrNameLst>
@@ -14635,7 +14597,7 @@
                                     </p:set>
                                     <p:animEffect transition="in" filter="blinds(horizontal)">
                                       <p:cBhvr>
-                                        <p:cTn id="58" dur="500"/>
+                                        <p:cTn id="62" dur="500"/>
                                         <p:tgtEl>
                                           <p:spTgt spid="3149"/>
                                         </p:tgtEl>
@@ -14651,26 +14613,26 @@
                     </p:cTn>
                   </p:par>
                   <p:par>
-                    <p:cTn id="59" fill="hold">
+                    <p:cTn id="63" fill="hold">
                       <p:stCondLst>
                         <p:cond delay="indefinite"/>
                       </p:stCondLst>
                       <p:childTnLst>
                         <p:par>
-                          <p:cTn id="60" fill="hold">
+                          <p:cTn id="64" fill="hold">
                             <p:stCondLst>
                               <p:cond delay="0"/>
                             </p:stCondLst>
                             <p:childTnLst>
                               <p:par>
-                                <p:cTn id="61" presetID="22" presetClass="entr" presetSubtype="8" fill="hold" nodeType="clickEffect">
+                                <p:cTn id="65" presetID="22" presetClass="entr" presetSubtype="8" fill="hold" nodeType="clickEffect">
                                   <p:stCondLst>
                                     <p:cond delay="0"/>
                                   </p:stCondLst>
                                   <p:childTnLst>
                                     <p:set>
                                       <p:cBhvr>
-                                        <p:cTn id="62" dur="1" fill="hold">
+                                        <p:cTn id="66" dur="1" fill="hold">
                                           <p:stCondLst>
                                             <p:cond delay="0"/>
                                           </p:stCondLst>
@@ -14688,7 +14650,7 @@
                                     </p:set>
                                     <p:animEffect transition="in" filter="wipe(left)">
                                       <p:cBhvr>
-                                        <p:cTn id="63" dur="500"/>
+                                        <p:cTn id="67" dur="500"/>
                                         <p:tgtEl>
                                           <p:spTgt spid="39"/>
                                         </p:tgtEl>
@@ -14701,20 +14663,56 @@
                           </p:cTn>
                         </p:par>
                         <p:par>
-                          <p:cTn id="64" fill="hold">
+                          <p:cTn id="68" fill="hold">
                             <p:stCondLst>
                               <p:cond delay="500"/>
                             </p:stCondLst>
                             <p:childTnLst>
                               <p:par>
-                                <p:cTn id="65" presetID="3" presetClass="entr" presetSubtype="10" fill="hold" grpId="0" nodeType="afterEffect">
+                                <p:cTn id="69" presetID="1" presetClass="entr" presetSubtype="0" fill="hold" grpId="0" nodeType="afterEffect">
                                   <p:stCondLst>
                                     <p:cond delay="0"/>
                                   </p:stCondLst>
                                   <p:childTnLst>
                                     <p:set>
                                       <p:cBhvr>
-                                        <p:cTn id="66" dur="1" fill="hold">
+                                        <p:cTn id="70" dur="1" fill="hold">
+                                          <p:stCondLst>
+                                            <p:cond delay="0"/>
+                                          </p:stCondLst>
+                                        </p:cTn>
+                                        <p:tgtEl>
+                                          <p:spTgt spid="66"/>
+                                        </p:tgtEl>
+                                        <p:attrNameLst>
+                                          <p:attrName>style.visibility</p:attrName>
+                                        </p:attrNameLst>
+                                      </p:cBhvr>
+                                      <p:to>
+                                        <p:strVal val="visible"/>
+                                      </p:to>
+                                    </p:set>
+                                  </p:childTnLst>
+                                </p:cTn>
+                              </p:par>
+                            </p:childTnLst>
+                          </p:cTn>
+                        </p:par>
+                        <p:par>
+                          <p:cTn id="71" fill="hold">
+                            <p:stCondLst>
+                              <p:cond delay="500"/>
+                            </p:stCondLst>
+                            <p:childTnLst>
+                              <p:par>
+                                <p:cTn id="72" presetID="3" presetClass="entr" presetSubtype="10" fill="hold" grpId="0" nodeType="afterEffect">
+                                  <p:stCondLst>
+                                    <p:cond delay="0"/>
+                                  </p:stCondLst>
+                                  <p:childTnLst>
+                                    <p:set>
+                                      <p:cBhvr>
+                                        <p:cTn id="73" dur="1" fill="hold">
                                           <p:stCondLst>
                                             <p:cond delay="0"/>
                                           </p:stCondLst>
@@ -14732,7 +14730,7 @@
                                     </p:set>
                                     <p:animEffect transition="in" filter="blinds(horizontal)">
                                       <p:cBhvr>
-                                        <p:cTn id="67" dur="500"/>
+                                        <p:cTn id="74" dur="500"/>
                                         <p:tgtEl>
                                           <p:spTgt spid="3125"/>
                                         </p:tgtEl>
@@ -14745,20 +14743,20 @@
                           </p:cTn>
                         </p:par>
                         <p:par>
-                          <p:cTn id="68" fill="hold">
+                          <p:cTn id="75" fill="hold">
                             <p:stCondLst>
                               <p:cond delay="1000"/>
                             </p:stCondLst>
                             <p:childTnLst>
                               <p:par>
-                                <p:cTn id="69" presetID="3" presetClass="entr" presetSubtype="10" fill="hold" grpId="0" nodeType="afterEffect">
+                                <p:cTn id="76" presetID="3" presetClass="entr" presetSubtype="10" fill="hold" grpId="0" nodeType="afterEffect">
                                   <p:stCondLst>
                                     <p:cond delay="0"/>
                                   </p:stCondLst>
                                   <p:childTnLst>
                                     <p:set>
                                       <p:cBhvr>
-                                        <p:cTn id="70" dur="1" fill="hold">
+                                        <p:cTn id="77" dur="1" fill="hold">
                                           <p:stCondLst>
                                             <p:cond delay="0"/>
                                           </p:stCondLst>
@@ -14776,7 +14774,7 @@
                                     </p:set>
                                     <p:animEffect transition="in" filter="blinds(horizontal)">
                                       <p:cBhvr>
-                                        <p:cTn id="71" dur="500"/>
+                                        <p:cTn id="78" dur="500"/>
                                         <p:tgtEl>
                                           <p:spTgt spid="3152"/>
                                         </p:tgtEl>
@@ -14785,68 +14783,15 @@
                                   </p:childTnLst>
                                 </p:cTn>
                               </p:par>
-                            </p:childTnLst>
-                          </p:cTn>
-                        </p:par>
-                      </p:childTnLst>
-                    </p:cTn>
-                  </p:par>
-                  <p:par>
-                    <p:cTn id="72" fill="hold">
-                      <p:stCondLst>
-                        <p:cond delay="indefinite"/>
-                      </p:stCondLst>
-                      <p:childTnLst>
-                        <p:par>
-                          <p:cTn id="73" fill="hold">
-                            <p:stCondLst>
-                              <p:cond delay="0"/>
-                            </p:stCondLst>
-                            <p:childTnLst>
                               <p:par>
-                                <p:cTn id="74" presetID="22" presetClass="entr" presetSubtype="4" fill="hold" nodeType="clickEffect">
+                                <p:cTn id="79" presetID="22" presetClass="entr" presetSubtype="4" fill="hold" nodeType="withEffect">
                                   <p:stCondLst>
                                     <p:cond delay="0"/>
                                   </p:stCondLst>
                                   <p:childTnLst>
                                     <p:set>
                                       <p:cBhvr>
-                                        <p:cTn id="75" dur="1" fill="hold">
-                                          <p:stCondLst>
-                                            <p:cond delay="0"/>
-                                          </p:stCondLst>
-                                        </p:cTn>
-                                        <p:tgtEl>
-                                          <p:spTgt spid="69"/>
-                                        </p:tgtEl>
-                                        <p:attrNameLst>
-                                          <p:attrName>style.visibility</p:attrName>
-                                        </p:attrNameLst>
-                                      </p:cBhvr>
-                                      <p:to>
-                                        <p:strVal val="visible"/>
-                                      </p:to>
-                                    </p:set>
-                                    <p:animEffect transition="in" filter="wipe(down)">
-                                      <p:cBhvr>
-                                        <p:cTn id="76" dur="500"/>
-                                        <p:tgtEl>
-                                          <p:spTgt spid="69"/>
-                                        </p:tgtEl>
-                                      </p:cBhvr>
-                                    </p:animEffect>
-                                  </p:childTnLst>
-                                </p:cTn>
-                              </p:par>
-                              <p:par>
-                                <p:cTn id="77" presetID="22" presetClass="entr" presetSubtype="4" fill="hold" nodeType="withEffect">
-                                  <p:stCondLst>
-                                    <p:cond delay="0"/>
-                                  </p:stCondLst>
-                                  <p:childTnLst>
-                                    <p:set>
-                                      <p:cBhvr>
-                                        <p:cTn id="78" dur="1" fill="hold">
+                                        <p:cTn id="80" dur="1" fill="hold">
                                           <p:stCondLst>
                                             <p:cond delay="0"/>
                                           </p:stCondLst>
@@ -14864,7 +14809,7 @@
                                     </p:set>
                                     <p:animEffect transition="in" filter="wipe(down)">
                                       <p:cBhvr>
-                                        <p:cTn id="79" dur="500"/>
+                                        <p:cTn id="81" dur="500"/>
                                         <p:tgtEl>
                                           <p:spTgt spid="65"/>
                                         </p:tgtEl>
@@ -14880,26 +14825,26 @@
                     </p:cTn>
                   </p:par>
                   <p:par>
-                    <p:cTn id="80" fill="hold">
+                    <p:cTn id="82" fill="hold">
                       <p:stCondLst>
                         <p:cond delay="indefinite"/>
                       </p:stCondLst>
                       <p:childTnLst>
                         <p:par>
-                          <p:cTn id="81" fill="hold">
+                          <p:cTn id="83" fill="hold">
                             <p:stCondLst>
                               <p:cond delay="0"/>
                             </p:stCondLst>
                             <p:childTnLst>
                               <p:par>
-                                <p:cTn id="82" presetID="3" presetClass="exit" presetSubtype="10" fill="hold" nodeType="clickEffect">
+                                <p:cTn id="84" presetID="3" presetClass="exit" presetSubtype="10" fill="hold" nodeType="clickEffect">
                                   <p:stCondLst>
                                     <p:cond delay="0"/>
                                   </p:stCondLst>
                                   <p:childTnLst>
                                     <p:animEffect transition="out" filter="blinds(horizontal)">
                                       <p:cBhvr>
-                                        <p:cTn id="83" dur="500"/>
+                                        <p:cTn id="85" dur="500"/>
                                         <p:tgtEl>
                                           <p:spTgt spid="26"/>
                                         </p:tgtEl>
@@ -14907,7 +14852,7 @@
                                     </p:animEffect>
                                     <p:set>
                                       <p:cBhvr>
-                                        <p:cTn id="84" dur="1" fill="hold">
+                                        <p:cTn id="86" dur="1" fill="hold">
                                           <p:stCondLst>
                                             <p:cond delay="499"/>
                                           </p:stCondLst>
@@ -14933,26 +14878,26 @@
                     </p:cTn>
                   </p:par>
                   <p:par>
-                    <p:cTn id="85" fill="hold">
+                    <p:cTn id="87" fill="hold">
                       <p:stCondLst>
                         <p:cond delay="indefinite"/>
                       </p:stCondLst>
                       <p:childTnLst>
                         <p:par>
-                          <p:cTn id="86" fill="hold">
+                          <p:cTn id="88" fill="hold">
                             <p:stCondLst>
                               <p:cond delay="0"/>
                             </p:stCondLst>
                             <p:childTnLst>
                               <p:par>
-                                <p:cTn id="87" presetID="3" presetClass="exit" presetSubtype="10" fill="hold" nodeType="clickEffect">
+                                <p:cTn id="89" presetID="3" presetClass="exit" presetSubtype="10" fill="hold" nodeType="clickEffect">
                                   <p:stCondLst>
                                     <p:cond delay="0"/>
                                   </p:stCondLst>
                                   <p:childTnLst>
                                     <p:animEffect transition="out" filter="blinds(horizontal)">
                                       <p:cBhvr>
-                                        <p:cTn id="88" dur="500"/>
+                                        <p:cTn id="90" dur="500"/>
                                         <p:tgtEl>
                                           <p:spTgt spid="16"/>
                                         </p:tgtEl>
@@ -14960,7 +14905,7 @@
                                     </p:animEffect>
                                     <p:set>
                                       <p:cBhvr>
-                                        <p:cTn id="89" dur="1" fill="hold">
+                                        <p:cTn id="91" dur="1" fill="hold">
                                           <p:stCondLst>
                                             <p:cond delay="499"/>
                                           </p:stCondLst>
@@ -14986,26 +14931,26 @@
                     </p:cTn>
                   </p:par>
                   <p:par>
-                    <p:cTn id="90" fill="hold">
+                    <p:cTn id="92" fill="hold">
                       <p:stCondLst>
                         <p:cond delay="indefinite"/>
                       </p:stCondLst>
                       <p:childTnLst>
                         <p:par>
-                          <p:cTn id="91" fill="hold">
+                          <p:cTn id="93" fill="hold">
                             <p:stCondLst>
                               <p:cond delay="0"/>
                             </p:stCondLst>
                             <p:childTnLst>
                               <p:par>
-                                <p:cTn id="92" presetID="22" presetClass="entr" presetSubtype="8" fill="hold" grpId="0" nodeType="clickEffect">
+                                <p:cTn id="94" presetID="22" presetClass="entr" presetSubtype="8" fill="hold" grpId="0" nodeType="clickEffect">
                                   <p:stCondLst>
                                     <p:cond delay="0"/>
                                   </p:stCondLst>
                                   <p:childTnLst>
                                     <p:set>
                                       <p:cBhvr>
-                                        <p:cTn id="93" dur="1" fill="hold">
+                                        <p:cTn id="95" dur="1" fill="hold">
                                           <p:stCondLst>
                                             <p:cond delay="0"/>
                                           </p:stCondLst>
@@ -15027,7 +14972,7 @@
                                     </p:set>
                                     <p:animEffect transition="in" filter="wipe(left)">
                                       <p:cBhvr>
-                                        <p:cTn id="94" dur="500"/>
+                                        <p:cTn id="96" dur="500"/>
                                         <p:tgtEl>
                                           <p:spTgt spid="3">
                                             <p:txEl>
@@ -15069,6 +15014,7 @@
     </p:tnLst>
     <p:bldLst>
       <p:bldP spid="3" grpId="0" build="p"/>
+      <p:bldP spid="11" grpId="0" animBg="1"/>
       <p:bldP spid="3123" grpId="0"/>
       <p:bldP spid="3124" grpId="0"/>
       <p:bldP spid="3125" grpId="0"/>
@@ -15079,6 +15025,5755 @@
       <p:bldP spid="3149" grpId="0"/>
       <p:bldP spid="3151" grpId="0"/>
       <p:bldP spid="3152" grpId="0"/>
+      <p:bldP spid="66" grpId="0" animBg="1"/>
+    </p:bldLst>
+  </p:timing>
+</p:sld>
+</file>
+
+<file path=ppt/slides/slide25.xml><?xml version="1.0" encoding="utf-8"?>
+<p:sld xmlns:a="http://schemas.openxmlformats.org/drawingml/2006/main" xmlns:r="http://schemas.openxmlformats.org/officeDocument/2006/relationships" xmlns:p="http://schemas.openxmlformats.org/presentationml/2006/main">
+  <p:cSld>
+    <p:spTree>
+      <p:nvGrpSpPr>
+        <p:cNvPr id="1" name=""/>
+        <p:cNvGrpSpPr/>
+        <p:nvPr/>
+      </p:nvGrpSpPr>
+      <p:grpSpPr>
+        <a:xfrm>
+          <a:off x="0" y="0"/>
+          <a:ext cx="0" cy="0"/>
+          <a:chOff x="0" y="0"/>
+          <a:chExt cx="0" cy="0"/>
+        </a:xfrm>
+      </p:grpSpPr>
+      <p:sp>
+        <p:nvSpPr>
+          <p:cNvPr id="6" name="Title 5"/>
+          <p:cNvSpPr>
+            <a:spLocks noGrp="1"/>
+          </p:cNvSpPr>
+          <p:nvPr>
+            <p:ph type="title"/>
+          </p:nvPr>
+        </p:nvSpPr>
+        <p:spPr/>
+        <p:txBody>
+          <a:bodyPr/>
+          <a:lstStyle/>
+          <a:p>
+            <a:r>
+              <a:rPr lang="en-US" dirty="0" smtClean="0"/>
+              <a:t>Radio Selection</a:t>
+            </a:r>
+            <a:endParaRPr lang="en-US" dirty="0"/>
+          </a:p>
+        </p:txBody>
+      </p:sp>
+      <p:sp>
+        <p:nvSpPr>
+          <p:cNvPr id="7" name="Text Placeholder 6"/>
+          <p:cNvSpPr>
+            <a:spLocks noGrp="1"/>
+          </p:cNvSpPr>
+          <p:nvPr>
+            <p:ph type="body" idx="1"/>
+          </p:nvPr>
+        </p:nvSpPr>
+        <p:spPr>
+          <a:xfrm>
+            <a:off x="457200" y="1535113"/>
+            <a:ext cx="2971800" cy="639762"/>
+          </a:xfrm>
+        </p:spPr>
+        <p:txBody>
+          <a:bodyPr anchor="ctr"/>
+          <a:lstStyle/>
+          <a:p>
+            <a:pPr algn="ctr"/>
+            <a:r>
+              <a:rPr lang="en-US" dirty="0" smtClean="0"/>
+              <a:t>Un-weighted lottery</a:t>
+            </a:r>
+            <a:endParaRPr lang="en-US" dirty="0"/>
+          </a:p>
+        </p:txBody>
+      </p:sp>
+      <p:sp>
+        <p:nvSpPr>
+          <p:cNvPr id="9" name="Text Placeholder 8"/>
+          <p:cNvSpPr>
+            <a:spLocks noGrp="1"/>
+          </p:cNvSpPr>
+          <p:nvPr>
+            <p:ph type="body" sz="quarter" idx="3"/>
+          </p:nvPr>
+        </p:nvSpPr>
+        <p:spPr>
+          <a:xfrm>
+            <a:off x="3581401" y="1535113"/>
+            <a:ext cx="5105400" cy="639762"/>
+          </a:xfrm>
+        </p:spPr>
+        <p:txBody>
+          <a:bodyPr anchor="ctr">
+            <a:normAutofit fontScale="92500" lnSpcReduction="20000"/>
+          </a:bodyPr>
+          <a:lstStyle/>
+          <a:p>
+            <a:pPr algn="ctr"/>
+            <a:r>
+              <a:rPr lang="en-US" dirty="0" smtClean="0"/>
+              <a:t>Weighted lottery based on radio transmission ratio </a:t>
+            </a:r>
+            <a:endParaRPr lang="en-US" dirty="0"/>
+          </a:p>
+        </p:txBody>
+      </p:sp>
+      <p:sp>
+        <p:nvSpPr>
+          <p:cNvPr id="5" name="Slide Number Placeholder 4"/>
+          <p:cNvSpPr>
+            <a:spLocks noGrp="1"/>
+          </p:cNvSpPr>
+          <p:nvPr>
+            <p:ph type="sldNum" sz="quarter" idx="12"/>
+          </p:nvPr>
+        </p:nvSpPr>
+        <p:spPr/>
+        <p:txBody>
+          <a:bodyPr/>
+          <a:lstStyle/>
+          <a:p>
+            <a:fld id="{CF142645-850A-43A6-BF6E-75FA772F8DCF}" type="slidenum">
+              <a:rPr lang="en-US" smtClean="0"/>
+              <a:pPr/>
+              <a:t>25</a:t>
+            </a:fld>
+            <a:endParaRPr lang="en-US" dirty="0"/>
+          </a:p>
+        </p:txBody>
+      </p:sp>
+      <mc:AlternateContent xmlns:mc="http://schemas.openxmlformats.org/markup-compatibility/2006">
+        <mc:Choice xmlns:a14="http://schemas.microsoft.com/office/drawing/2010/main" Requires="a14">
+          <p:sp>
+            <p:nvSpPr>
+              <p:cNvPr id="13" name="TextBox 12"/>
+              <p:cNvSpPr txBox="1"/>
+              <p:nvPr/>
+            </p:nvSpPr>
+            <p:spPr>
+              <a:xfrm>
+                <a:off x="457200" y="4510901"/>
+                <a:ext cx="8229600" cy="1499385"/>
+              </a:xfrm>
+              <a:prstGeom prst="rect">
+                <a:avLst/>
+              </a:prstGeom>
+              <a:noFill/>
+            </p:spPr>
+            <p:txBody>
+              <a:bodyPr wrap="square" rtlCol="0" anchor="ctr">
+                <a:spAutoFit/>
+              </a:bodyPr>
+              <a:lstStyle/>
+              <a:p>
+                <a:pPr algn="ctr"/>
+                <a14:m>
+                  <m:oMath xmlns:m="http://schemas.openxmlformats.org/officeDocument/2006/math">
+                    <m:sSub>
+                      <m:sSubPr>
+                        <m:ctrlPr>
+                          <a:rPr lang="en-US" sz="2400" i="1" smtClean="0">
+                            <a:latin typeface="Cambria Math"/>
+                          </a:rPr>
+                        </m:ctrlPr>
+                      </m:sSubPr>
+                      <m:e>
+                        <m:r>
+                          <a:rPr lang="en-US" sz="2400" b="0" i="1" smtClean="0">
+                            <a:latin typeface="Cambria Math"/>
+                          </a:rPr>
+                          <m:t>𝑇𝑟𝑎𝑛𝑠𝑚𝑖𝑠𝑠𝑖𝑜𝑛</m:t>
+                        </m:r>
+                        <m:r>
+                          <a:rPr lang="en-US" sz="2400" b="0" i="1" smtClean="0">
+                            <a:latin typeface="Cambria Math"/>
+                          </a:rPr>
+                          <m:t> </m:t>
+                        </m:r>
+                        <m:r>
+                          <a:rPr lang="en-US" sz="2400" b="0" i="1" smtClean="0">
+                            <a:latin typeface="Cambria Math"/>
+                          </a:rPr>
+                          <m:t>𝑅𝑎𝑡𝑖𝑜</m:t>
+                        </m:r>
+                      </m:e>
+                      <m:sub>
+                        <m:r>
+                          <a:rPr lang="en-US" sz="2400" b="0" i="1" smtClean="0">
+                            <a:latin typeface="Cambria Math"/>
+                          </a:rPr>
+                          <m:t>𝑖</m:t>
+                        </m:r>
+                      </m:sub>
+                    </m:sSub>
+                  </m:oMath>
+                </a14:m>
+                <a:r>
+                  <a:rPr lang="en-US" sz="2400" dirty="0" smtClean="0"/>
+                  <a:t>= </a:t>
+                </a:r>
+                <a14:m>
+                  <m:oMath xmlns:m="http://schemas.openxmlformats.org/officeDocument/2006/math">
+                    <m:f>
+                      <m:fPr>
+                        <m:ctrlPr>
+                          <a:rPr lang="en-US" sz="2400" i="1" smtClean="0">
+                            <a:latin typeface="Cambria Math"/>
+                          </a:rPr>
+                        </m:ctrlPr>
+                      </m:fPr>
+                      <m:num>
+                        <m:r>
+                          <a:rPr lang="en-US" sz="2400" b="0" i="1" smtClean="0">
+                            <a:latin typeface="Cambria Math"/>
+                          </a:rPr>
+                          <m:t>(1+</m:t>
+                        </m:r>
+                        <m:sSub>
+                          <m:sSubPr>
+                            <m:ctrlPr>
+                              <a:rPr lang="en-US" sz="2400" b="0" i="1" smtClean="0">
+                                <a:latin typeface="Cambria Math"/>
+                              </a:rPr>
+                            </m:ctrlPr>
+                          </m:sSubPr>
+                          <m:e>
+                            <m:r>
+                              <a:rPr lang="en-US" sz="2400" i="1">
+                                <a:latin typeface="Cambria Math"/>
+                              </a:rPr>
+                              <m:t>𝑃𝑎𝑐𝑘𝑒𝑡</m:t>
+                            </m:r>
+                            <m:r>
+                              <a:rPr lang="en-US" sz="2400" i="1">
+                                <a:latin typeface="Cambria Math"/>
+                              </a:rPr>
+                              <m:t> </m:t>
+                            </m:r>
+                            <m:r>
+                              <a:rPr lang="en-US" sz="2400" i="1">
+                                <a:latin typeface="Cambria Math"/>
+                              </a:rPr>
+                              <m:t>𝑆𝑒𝑛𝑡</m:t>
+                            </m:r>
+                          </m:e>
+                          <m:sub>
+                            <m:r>
+                              <a:rPr lang="en-US" sz="2400" b="0" i="1" smtClean="0">
+                                <a:latin typeface="Cambria Math"/>
+                              </a:rPr>
+                              <m:t>𝑖</m:t>
+                            </m:r>
+                          </m:sub>
+                        </m:sSub>
+                        <m:r>
+                          <a:rPr lang="en-US" sz="2400" b="0" i="1" smtClean="0">
+                            <a:latin typeface="Cambria Math"/>
+                          </a:rPr>
+                          <m:t>)</m:t>
+                        </m:r>
+                      </m:num>
+                      <m:den>
+                        <m:r>
+                          <a:rPr lang="en-US" sz="2400" b="0" i="1" smtClean="0">
+                            <a:latin typeface="Cambria Math"/>
+                          </a:rPr>
+                          <m:t>(1+</m:t>
+                        </m:r>
+                        <m:sSub>
+                          <m:sSubPr>
+                            <m:ctrlPr>
+                              <a:rPr lang="en-US" sz="2400" b="0" i="1" smtClean="0">
+                                <a:latin typeface="Cambria Math"/>
+                              </a:rPr>
+                            </m:ctrlPr>
+                          </m:sSubPr>
+                          <m:e>
+                            <m:r>
+                              <a:rPr lang="en-US" sz="2400" i="1">
+                                <a:latin typeface="Cambria Math"/>
+                              </a:rPr>
+                              <m:t>𝑃𝑎𝑐𝑘𝑒𝑡</m:t>
+                            </m:r>
+                            <m:r>
+                              <a:rPr lang="en-US" sz="2400" i="1">
+                                <a:latin typeface="Cambria Math"/>
+                              </a:rPr>
+                              <m:t> </m:t>
+                            </m:r>
+                            <m:r>
+                              <a:rPr lang="en-US" sz="2400" i="1">
+                                <a:latin typeface="Cambria Math"/>
+                              </a:rPr>
+                              <m:t>𝑄𝑢𝑒𝑢𝑒𝑑</m:t>
+                            </m:r>
+                          </m:e>
+                          <m:sub>
+                            <m:r>
+                              <a:rPr lang="en-US" sz="2400" b="0" i="1" smtClean="0">
+                                <a:latin typeface="Cambria Math"/>
+                              </a:rPr>
+                              <m:t>𝑖</m:t>
+                            </m:r>
+                          </m:sub>
+                        </m:sSub>
+                        <m:r>
+                          <a:rPr lang="en-US" sz="2400" b="0" i="1" smtClean="0">
+                            <a:latin typeface="Cambria Math"/>
+                          </a:rPr>
+                          <m:t>)</m:t>
+                        </m:r>
+                      </m:den>
+                    </m:f>
+                  </m:oMath>
+                </a14:m>
+                <a:endParaRPr lang="en-US" sz="2400" dirty="0" smtClean="0"/>
+              </a:p>
+              <a:p>
+                <a:pPr algn="ctr"/>
+                <a14:m>
+                  <m:oMathPara xmlns:m="http://schemas.openxmlformats.org/officeDocument/2006/math">
+                    <m:oMathParaPr>
+                      <m:jc m:val="centerGroup"/>
+                    </m:oMathParaPr>
+                    <m:oMath xmlns:m="http://schemas.openxmlformats.org/officeDocument/2006/math">
+                      <m:sSub>
+                        <m:sSubPr>
+                          <m:ctrlPr>
+                            <a:rPr lang="en-US" sz="2400" i="1" smtClean="0">
+                              <a:latin typeface="Cambria Math"/>
+                            </a:rPr>
+                          </m:ctrlPr>
+                        </m:sSubPr>
+                        <m:e>
+                          <m:r>
+                            <a:rPr lang="en-US" sz="2400" b="0" i="1" smtClean="0">
+                              <a:latin typeface="Cambria Math"/>
+                            </a:rPr>
+                            <m:t>𝑆𝑒𝑙𝑒𝑐𝑡𝑖𝑜𝑛</m:t>
+                          </m:r>
+                          <m:r>
+                            <a:rPr lang="en-US" sz="2400" b="0" i="1" smtClean="0">
+                              <a:latin typeface="Cambria Math"/>
+                            </a:rPr>
+                            <m:t> </m:t>
+                          </m:r>
+                          <m:r>
+                            <a:rPr lang="en-US" sz="2400" i="1">
+                              <a:latin typeface="Cambria Math"/>
+                            </a:rPr>
+                            <m:t>𝑃𝑟𝑜𝑏𝑎𝑏𝑖𝑙𝑖𝑡𝑦</m:t>
+                          </m:r>
+                        </m:e>
+                        <m:sub>
+                          <m:r>
+                            <a:rPr lang="en-US" sz="2400" b="0" i="1" smtClean="0">
+                              <a:latin typeface="Cambria Math"/>
+                            </a:rPr>
+                            <m:t>𝑖</m:t>
+                          </m:r>
+                        </m:sub>
+                      </m:sSub>
+                      <m:r>
+                        <a:rPr lang="en-US" sz="2400" b="0" i="1" smtClean="0">
+                          <a:latin typeface="Cambria Math"/>
+                        </a:rPr>
+                        <m:t>=</m:t>
+                      </m:r>
+                      <m:f>
+                        <m:fPr>
+                          <m:ctrlPr>
+                            <a:rPr lang="en-US" sz="2400" b="0" i="1" smtClean="0">
+                              <a:latin typeface="Cambria Math"/>
+                            </a:rPr>
+                          </m:ctrlPr>
+                        </m:fPr>
+                        <m:num>
+                          <m:sSub>
+                            <m:sSubPr>
+                              <m:ctrlPr>
+                                <a:rPr lang="en-US" sz="2400" b="0" i="1" smtClean="0">
+                                  <a:latin typeface="Cambria Math"/>
+                                </a:rPr>
+                              </m:ctrlPr>
+                            </m:sSubPr>
+                            <m:e>
+                              <m:r>
+                                <a:rPr lang="en-US" sz="2400" b="0" i="1" smtClean="0">
+                                  <a:latin typeface="Cambria Math"/>
+                                </a:rPr>
+                                <m:t>𝑇𝑟𝑎𝑛𝑠𝑚𝑖𝑠𝑠𝑖𝑜𝑛</m:t>
+                              </m:r>
+                              <m:r>
+                                <a:rPr lang="en-US" sz="2400" b="0" i="1" smtClean="0">
+                                  <a:latin typeface="Cambria Math"/>
+                                </a:rPr>
+                                <m:t> </m:t>
+                              </m:r>
+                              <m:r>
+                                <a:rPr lang="en-US" sz="2400" b="0" i="1" smtClean="0">
+                                  <a:latin typeface="Cambria Math"/>
+                                </a:rPr>
+                                <m:t>𝑅𝑎𝑡𝑖𝑜</m:t>
+                              </m:r>
+                            </m:e>
+                            <m:sub>
+                              <m:r>
+                                <a:rPr lang="en-US" sz="2400" b="0" i="1" smtClean="0">
+                                  <a:latin typeface="Cambria Math"/>
+                                </a:rPr>
+                                <m:t>𝑖</m:t>
+                              </m:r>
+                            </m:sub>
+                          </m:sSub>
+                        </m:num>
+                        <m:den>
+                          <m:nary>
+                            <m:naryPr>
+                              <m:chr m:val="∑"/>
+                              <m:supHide m:val="on"/>
+                              <m:ctrlPr>
+                                <a:rPr lang="en-US" sz="2400" b="0" i="1" smtClean="0">
+                                  <a:latin typeface="Cambria Math"/>
+                                </a:rPr>
+                              </m:ctrlPr>
+                            </m:naryPr>
+                            <m:sub>
+                              <m:r>
+                                <m:rPr>
+                                  <m:brk m:alnAt="7"/>
+                                </m:rPr>
+                                <a:rPr lang="en-US" sz="2400" b="0" i="1" smtClean="0">
+                                  <a:latin typeface="Cambria Math"/>
+                                </a:rPr>
+                                <m:t>𝑗</m:t>
+                              </m:r>
+                            </m:sub>
+                            <m:sup/>
+                            <m:e>
+                              <m:sSub>
+                                <m:sSubPr>
+                                  <m:ctrlPr>
+                                    <a:rPr lang="en-US" sz="2400" i="1">
+                                      <a:latin typeface="Cambria Math"/>
+                                    </a:rPr>
+                                  </m:ctrlPr>
+                                </m:sSubPr>
+                                <m:e>
+                                  <m:r>
+                                    <a:rPr lang="en-US" sz="2400" i="1">
+                                      <a:latin typeface="Cambria Math"/>
+                                    </a:rPr>
+                                    <m:t>𝑇𝑟𝑎𝑛𝑠𝑚𝑖𝑠𝑠𝑖𝑜𝑛</m:t>
+                                  </m:r>
+                                  <m:r>
+                                    <a:rPr lang="en-US" sz="2400" i="1">
+                                      <a:latin typeface="Cambria Math"/>
+                                    </a:rPr>
+                                    <m:t> </m:t>
+                                  </m:r>
+                                  <m:r>
+                                    <a:rPr lang="en-US" sz="2400" i="1">
+                                      <a:latin typeface="Cambria Math"/>
+                                    </a:rPr>
+                                    <m:t>𝑅𝑎𝑡𝑖𝑜</m:t>
+                                  </m:r>
+                                </m:e>
+                                <m:sub>
+                                  <m:r>
+                                    <a:rPr lang="en-US" sz="2400" b="0" i="1" smtClean="0">
+                                      <a:latin typeface="Cambria Math"/>
+                                    </a:rPr>
+                                    <m:t>𝑗</m:t>
+                                  </m:r>
+                                </m:sub>
+                              </m:sSub>
+                            </m:e>
+                          </m:nary>
+                        </m:den>
+                      </m:f>
+                    </m:oMath>
+                  </m:oMathPara>
+                </a14:m>
+                <a:endParaRPr lang="en-US" sz="2400" dirty="0"/>
+              </a:p>
+            </p:txBody>
+          </p:sp>
+        </mc:Choice>
+        <mc:Fallback>
+          <p:sp>
+            <p:nvSpPr>
+              <p:cNvPr id="13" name="TextBox 12"/>
+              <p:cNvSpPr txBox="1">
+                <a:spLocks noRot="1" noChangeAspect="1" noMove="1" noResize="1" noEditPoints="1" noAdjustHandles="1" noChangeArrowheads="1" noChangeShapeType="1" noTextEdit="1"/>
+              </p:cNvSpPr>
+              <p:nvPr/>
+            </p:nvSpPr>
+            <p:spPr>
+              <a:xfrm>
+                <a:off x="457200" y="4510901"/>
+                <a:ext cx="8229600" cy="1499385"/>
+              </a:xfrm>
+              <a:prstGeom prst="rect">
+                <a:avLst/>
+              </a:prstGeom>
+              <a:blipFill rotWithShape="1">
+                <a:blip r:embed="rId2"/>
+                <a:stretch>
+                  <a:fillRect/>
+                </a:stretch>
+              </a:blipFill>
+            </p:spPr>
+            <p:txBody>
+              <a:bodyPr/>
+              <a:lstStyle/>
+              <a:p>
+                <a:r>
+                  <a:rPr lang="en-US">
+                    <a:noFill/>
+                  </a:rPr>
+                  <a:t> </a:t>
+                </a:r>
+              </a:p>
+            </p:txBody>
+          </p:sp>
+        </mc:Fallback>
+      </mc:AlternateContent>
+      <p:grpSp>
+        <p:nvGrpSpPr>
+          <p:cNvPr id="58" name="Group 57"/>
+          <p:cNvGrpSpPr/>
+          <p:nvPr/>
+        </p:nvGrpSpPr>
+        <p:grpSpPr>
+          <a:xfrm>
+            <a:off x="3581400" y="2179637"/>
+            <a:ext cx="5118101" cy="2163763"/>
+            <a:chOff x="3581400" y="2179637"/>
+            <a:chExt cx="5118101" cy="2163763"/>
+          </a:xfrm>
+        </p:grpSpPr>
+        <p:sp>
+          <p:nvSpPr>
+            <p:cNvPr id="61" name="AutoShape 3"/>
+            <p:cNvSpPr>
+              <a:spLocks noChangeAspect="1" noChangeArrowheads="1" noTextEdit="1"/>
+            </p:cNvSpPr>
+            <p:nvPr/>
+          </p:nvSpPr>
+          <p:spPr bwMode="auto">
+            <a:xfrm>
+              <a:off x="3587750" y="2179637"/>
+              <a:ext cx="5103813" cy="2163763"/>
+            </a:xfrm>
+            <a:prstGeom prst="rect">
+              <a:avLst/>
+            </a:prstGeom>
+            <a:noFill/>
+            <a:ln>
+              <a:noFill/>
+            </a:ln>
+            <a:extLst>
+              <a:ext uri="{909E8E84-426E-40DD-AFC4-6F175D3DCCD1}">
+                <a14:hiddenFill xmlns:a14="http://schemas.microsoft.com/office/drawing/2010/main">
+                  <a:solidFill>
+                    <a:srgbClr val="FFFFFF"/>
+                  </a:solidFill>
+                </a14:hiddenFill>
+              </a:ext>
+              <a:ext uri="{91240B29-F687-4F45-9708-019B960494DF}">
+                <a14:hiddenLine xmlns:a14="http://schemas.microsoft.com/office/drawing/2010/main" w="9525">
+                  <a:solidFill>
+                    <a:srgbClr val="000000"/>
+                  </a:solidFill>
+                  <a:miter lim="800000"/>
+                  <a:headEnd/>
+                  <a:tailEnd/>
+                </a14:hiddenLine>
+              </a:ext>
+            </a:extLst>
+          </p:spPr>
+          <p:txBody>
+            <a:bodyPr vert="horz" wrap="square" lIns="91440" tIns="45720" rIns="91440" bIns="45720" numCol="1" anchor="t" anchorCtr="0" compatLnSpc="1">
+              <a:prstTxWarp prst="textNoShape">
+                <a:avLst/>
+              </a:prstTxWarp>
+            </a:bodyPr>
+            <a:lstStyle/>
+            <a:p>
+              <a:endParaRPr lang="en-US"/>
+            </a:p>
+          </p:txBody>
+        </p:sp>
+        <p:sp>
+          <p:nvSpPr>
+            <p:cNvPr id="65" name="Rectangle 8"/>
+            <p:cNvSpPr>
+              <a:spLocks noChangeArrowheads="1"/>
+            </p:cNvSpPr>
+            <p:nvPr/>
+          </p:nvSpPr>
+          <p:spPr bwMode="auto">
+            <a:xfrm>
+              <a:off x="7467600" y="2187575"/>
+              <a:ext cx="12700" cy="2074863"/>
+            </a:xfrm>
+            <a:prstGeom prst="rect">
+              <a:avLst/>
+            </a:prstGeom>
+            <a:solidFill>
+              <a:srgbClr val="000000"/>
+            </a:solidFill>
+            <a:ln w="0" cap="flat">
+              <a:solidFill>
+                <a:srgbClr val="000000"/>
+              </a:solidFill>
+              <a:prstDash val="solid"/>
+              <a:round/>
+              <a:headEnd/>
+              <a:tailEnd/>
+            </a:ln>
+          </p:spPr>
+          <p:txBody>
+            <a:bodyPr vert="horz" wrap="square" lIns="91440" tIns="45720" rIns="91440" bIns="45720" numCol="1" anchor="t" anchorCtr="0" compatLnSpc="1">
+              <a:prstTxWarp prst="textNoShape">
+                <a:avLst/>
+              </a:prstTxWarp>
+            </a:bodyPr>
+            <a:lstStyle/>
+            <a:p>
+              <a:endParaRPr lang="en-US"/>
+            </a:p>
+          </p:txBody>
+        </p:sp>
+        <p:sp>
+          <p:nvSpPr>
+            <p:cNvPr id="66" name="Rectangle 9"/>
+            <p:cNvSpPr>
+              <a:spLocks noChangeArrowheads="1"/>
+            </p:cNvSpPr>
+            <p:nvPr/>
+          </p:nvSpPr>
+          <p:spPr bwMode="auto">
+            <a:xfrm>
+              <a:off x="3581400" y="2767012"/>
+              <a:ext cx="5118101" cy="12700"/>
+            </a:xfrm>
+            <a:prstGeom prst="rect">
+              <a:avLst/>
+            </a:prstGeom>
+            <a:solidFill>
+              <a:srgbClr val="000000"/>
+            </a:solidFill>
+            <a:ln w="0" cap="flat">
+              <a:solidFill>
+                <a:srgbClr val="000000"/>
+              </a:solidFill>
+              <a:prstDash val="solid"/>
+              <a:round/>
+              <a:headEnd/>
+              <a:tailEnd/>
+            </a:ln>
+          </p:spPr>
+          <p:txBody>
+            <a:bodyPr vert="horz" wrap="square" lIns="91440" tIns="45720" rIns="91440" bIns="45720" numCol="1" anchor="t" anchorCtr="0" compatLnSpc="1">
+              <a:prstTxWarp prst="textNoShape">
+                <a:avLst/>
+              </a:prstTxWarp>
+            </a:bodyPr>
+            <a:lstStyle/>
+            <a:p>
+              <a:endParaRPr lang="en-US"/>
+            </a:p>
+          </p:txBody>
+        </p:sp>
+        <p:sp>
+          <p:nvSpPr>
+            <p:cNvPr id="67" name="Rectangle 10"/>
+            <p:cNvSpPr>
+              <a:spLocks noChangeArrowheads="1"/>
+            </p:cNvSpPr>
+            <p:nvPr/>
+          </p:nvSpPr>
+          <p:spPr bwMode="auto">
+            <a:xfrm>
+              <a:off x="3581400" y="3136900"/>
+              <a:ext cx="5118101" cy="14288"/>
+            </a:xfrm>
+            <a:prstGeom prst="rect">
+              <a:avLst/>
+            </a:prstGeom>
+            <a:solidFill>
+              <a:srgbClr val="000000"/>
+            </a:solidFill>
+            <a:ln w="0" cap="flat">
+              <a:solidFill>
+                <a:srgbClr val="000000"/>
+              </a:solidFill>
+              <a:prstDash val="solid"/>
+              <a:round/>
+              <a:headEnd/>
+              <a:tailEnd/>
+            </a:ln>
+          </p:spPr>
+          <p:txBody>
+            <a:bodyPr vert="horz" wrap="square" lIns="91440" tIns="45720" rIns="91440" bIns="45720" numCol="1" anchor="t" anchorCtr="0" compatLnSpc="1">
+              <a:prstTxWarp prst="textNoShape">
+                <a:avLst/>
+              </a:prstTxWarp>
+            </a:bodyPr>
+            <a:lstStyle/>
+            <a:p>
+              <a:endParaRPr lang="en-US"/>
+            </a:p>
+          </p:txBody>
+        </p:sp>
+        <p:sp>
+          <p:nvSpPr>
+            <p:cNvPr id="68" name="Rectangle 11"/>
+            <p:cNvSpPr>
+              <a:spLocks noChangeArrowheads="1"/>
+            </p:cNvSpPr>
+            <p:nvPr/>
+          </p:nvSpPr>
+          <p:spPr bwMode="auto">
+            <a:xfrm>
+              <a:off x="3581400" y="3508375"/>
+              <a:ext cx="5118101" cy="12700"/>
+            </a:xfrm>
+            <a:prstGeom prst="rect">
+              <a:avLst/>
+            </a:prstGeom>
+            <a:solidFill>
+              <a:srgbClr val="000000"/>
+            </a:solidFill>
+            <a:ln w="0" cap="flat">
+              <a:solidFill>
+                <a:srgbClr val="000000"/>
+              </a:solidFill>
+              <a:prstDash val="solid"/>
+              <a:round/>
+              <a:headEnd/>
+              <a:tailEnd/>
+            </a:ln>
+          </p:spPr>
+          <p:txBody>
+            <a:bodyPr vert="horz" wrap="square" lIns="91440" tIns="45720" rIns="91440" bIns="45720" numCol="1" anchor="t" anchorCtr="0" compatLnSpc="1">
+              <a:prstTxWarp prst="textNoShape">
+                <a:avLst/>
+              </a:prstTxWarp>
+            </a:bodyPr>
+            <a:lstStyle/>
+            <a:p>
+              <a:endParaRPr lang="en-US"/>
+            </a:p>
+          </p:txBody>
+        </p:sp>
+        <p:sp>
+          <p:nvSpPr>
+            <p:cNvPr id="69" name="Rectangle 12"/>
+            <p:cNvSpPr>
+              <a:spLocks noChangeArrowheads="1"/>
+            </p:cNvSpPr>
+            <p:nvPr/>
+          </p:nvSpPr>
+          <p:spPr bwMode="auto">
+            <a:xfrm>
+              <a:off x="3581400" y="3879850"/>
+              <a:ext cx="5118101" cy="12700"/>
+            </a:xfrm>
+            <a:prstGeom prst="rect">
+              <a:avLst/>
+            </a:prstGeom>
+            <a:solidFill>
+              <a:srgbClr val="000000"/>
+            </a:solidFill>
+            <a:ln w="0" cap="flat">
+              <a:solidFill>
+                <a:srgbClr val="000000"/>
+              </a:solidFill>
+              <a:prstDash val="solid"/>
+              <a:round/>
+              <a:headEnd/>
+              <a:tailEnd/>
+            </a:ln>
+          </p:spPr>
+          <p:txBody>
+            <a:bodyPr vert="horz" wrap="square" lIns="91440" tIns="45720" rIns="91440" bIns="45720" numCol="1" anchor="t" anchorCtr="0" compatLnSpc="1">
+              <a:prstTxWarp prst="textNoShape">
+                <a:avLst/>
+              </a:prstTxWarp>
+            </a:bodyPr>
+            <a:lstStyle/>
+            <a:p>
+              <a:endParaRPr lang="en-US"/>
+            </a:p>
+          </p:txBody>
+        </p:sp>
+        <p:sp>
+          <p:nvSpPr>
+            <p:cNvPr id="71" name="Rectangle 14"/>
+            <p:cNvSpPr>
+              <a:spLocks noChangeArrowheads="1"/>
+            </p:cNvSpPr>
+            <p:nvPr/>
+          </p:nvSpPr>
+          <p:spPr bwMode="auto">
+            <a:xfrm>
+              <a:off x="8686800" y="2187575"/>
+              <a:ext cx="12700" cy="2074863"/>
+            </a:xfrm>
+            <a:prstGeom prst="rect">
+              <a:avLst/>
+            </a:prstGeom>
+            <a:solidFill>
+              <a:srgbClr val="000000"/>
+            </a:solidFill>
+            <a:ln w="0" cap="flat">
+              <a:solidFill>
+                <a:srgbClr val="000000"/>
+              </a:solidFill>
+              <a:prstDash val="solid"/>
+              <a:round/>
+              <a:headEnd/>
+              <a:tailEnd/>
+            </a:ln>
+          </p:spPr>
+          <p:txBody>
+            <a:bodyPr vert="horz" wrap="square" lIns="91440" tIns="45720" rIns="91440" bIns="45720" numCol="1" anchor="t" anchorCtr="0" compatLnSpc="1">
+              <a:prstTxWarp prst="textNoShape">
+                <a:avLst/>
+              </a:prstTxWarp>
+            </a:bodyPr>
+            <a:lstStyle/>
+            <a:p>
+              <a:endParaRPr lang="en-US"/>
+            </a:p>
+          </p:txBody>
+        </p:sp>
+        <p:sp>
+          <p:nvSpPr>
+            <p:cNvPr id="72" name="Rectangle 15"/>
+            <p:cNvSpPr>
+              <a:spLocks noChangeArrowheads="1"/>
+            </p:cNvSpPr>
+            <p:nvPr/>
+          </p:nvSpPr>
+          <p:spPr bwMode="auto">
+            <a:xfrm>
+              <a:off x="3581400" y="2187575"/>
+              <a:ext cx="5118101" cy="12700"/>
+            </a:xfrm>
+            <a:prstGeom prst="rect">
+              <a:avLst/>
+            </a:prstGeom>
+            <a:solidFill>
+              <a:srgbClr val="000000"/>
+            </a:solidFill>
+            <a:ln w="0" cap="flat">
+              <a:solidFill>
+                <a:srgbClr val="000000"/>
+              </a:solidFill>
+              <a:prstDash val="solid"/>
+              <a:round/>
+              <a:headEnd/>
+              <a:tailEnd/>
+            </a:ln>
+          </p:spPr>
+          <p:txBody>
+            <a:bodyPr vert="horz" wrap="square" lIns="91440" tIns="45720" rIns="91440" bIns="45720" numCol="1" anchor="t" anchorCtr="0" compatLnSpc="1">
+              <a:prstTxWarp prst="textNoShape">
+                <a:avLst/>
+              </a:prstTxWarp>
+            </a:bodyPr>
+            <a:lstStyle/>
+            <a:p>
+              <a:endParaRPr lang="en-US"/>
+            </a:p>
+          </p:txBody>
+        </p:sp>
+        <p:sp>
+          <p:nvSpPr>
+            <p:cNvPr id="73" name="Rectangle 16"/>
+            <p:cNvSpPr>
+              <a:spLocks noChangeArrowheads="1"/>
+            </p:cNvSpPr>
+            <p:nvPr/>
+          </p:nvSpPr>
+          <p:spPr bwMode="auto">
+            <a:xfrm>
+              <a:off x="3581400" y="4249737"/>
+              <a:ext cx="5118101" cy="12700"/>
+            </a:xfrm>
+            <a:prstGeom prst="rect">
+              <a:avLst/>
+            </a:prstGeom>
+            <a:solidFill>
+              <a:srgbClr val="000000"/>
+            </a:solidFill>
+            <a:ln w="0" cap="flat">
+              <a:solidFill>
+                <a:srgbClr val="000000"/>
+              </a:solidFill>
+              <a:prstDash val="solid"/>
+              <a:round/>
+              <a:headEnd/>
+              <a:tailEnd/>
+            </a:ln>
+          </p:spPr>
+          <p:txBody>
+            <a:bodyPr vert="horz" wrap="square" lIns="91440" tIns="45720" rIns="91440" bIns="45720" numCol="1" anchor="t" anchorCtr="0" compatLnSpc="1">
+              <a:prstTxWarp prst="textNoShape">
+                <a:avLst/>
+              </a:prstTxWarp>
+            </a:bodyPr>
+            <a:lstStyle/>
+            <a:p>
+              <a:endParaRPr lang="en-US"/>
+            </a:p>
+          </p:txBody>
+        </p:sp>
+        <p:sp>
+          <p:nvSpPr>
+            <p:cNvPr id="77" name="Rectangle 20"/>
+            <p:cNvSpPr>
+              <a:spLocks noChangeArrowheads="1"/>
+            </p:cNvSpPr>
+            <p:nvPr/>
+          </p:nvSpPr>
+          <p:spPr bwMode="auto">
+            <a:xfrm>
+              <a:off x="5451475" y="2238375"/>
+              <a:ext cx="701675" cy="303213"/>
+            </a:xfrm>
+            <a:prstGeom prst="rect">
+              <a:avLst/>
+            </a:prstGeom>
+            <a:noFill/>
+            <a:ln>
+              <a:noFill/>
+            </a:ln>
+            <a:extLst>
+              <a:ext uri="{909E8E84-426E-40DD-AFC4-6F175D3DCCD1}">
+                <a14:hiddenFill xmlns:a14="http://schemas.microsoft.com/office/drawing/2010/main">
+                  <a:solidFill>
+                    <a:srgbClr val="FFFFFF"/>
+                  </a:solidFill>
+                </a14:hiddenFill>
+              </a:ext>
+              <a:ext uri="{91240B29-F687-4F45-9708-019B960494DF}">
+                <a14:hiddenLine xmlns:a14="http://schemas.microsoft.com/office/drawing/2010/main" w="9525">
+                  <a:solidFill>
+                    <a:srgbClr val="000000"/>
+                  </a:solidFill>
+                  <a:miter lim="800000"/>
+                  <a:headEnd/>
+                  <a:tailEnd/>
+                </a14:hiddenLine>
+              </a:ext>
+            </a:extLst>
+          </p:spPr>
+          <p:txBody>
+            <a:bodyPr vert="horz" wrap="none" lIns="0" tIns="0" rIns="0" bIns="0" numCol="1" anchor="t" anchorCtr="0" compatLnSpc="1">
+              <a:prstTxWarp prst="textNoShape">
+                <a:avLst/>
+              </a:prstTxWarp>
+              <a:spAutoFit/>
+            </a:bodyPr>
+            <a:lstStyle/>
+            <a:p>
+              <a:pPr marL="0" marR="0" lvl="0" indent="0" algn="l" defTabSz="914400" rtl="0" eaLnBrk="1" fontAlgn="base" latinLnBrk="0" hangingPunct="1">
+                <a:lnSpc>
+                  <a:spcPct val="100000"/>
+                </a:lnSpc>
+                <a:spcBef>
+                  <a:spcPct val="0"/>
+                </a:spcBef>
+                <a:spcAft>
+                  <a:spcPct val="0"/>
+                </a:spcAft>
+                <a:buClrTx/>
+                <a:buSzTx/>
+                <a:buFontTx/>
+                <a:buNone/>
+                <a:tabLst/>
+              </a:pPr>
+              <a:r>
+                <a:rPr kumimoji="0" lang="en-US" sz="1600" b="0" i="0" u="none" strike="noStrike" cap="none" normalizeH="0" baseline="0" smtClean="0">
+                  <a:ln>
+                    <a:noFill/>
+                  </a:ln>
+                  <a:solidFill>
+                    <a:srgbClr val="000000"/>
+                  </a:solidFill>
+                  <a:effectLst/>
+                  <a:latin typeface="Calibri" pitchFamily="34" charset="0"/>
+                  <a:cs typeface="Arial" pitchFamily="34" charset="0"/>
+                </a:rPr>
+                <a:t>Packet </a:t>
+              </a:r>
+              <a:endParaRPr kumimoji="0" lang="en-US" sz="1800" b="0" i="0" u="none" strike="noStrike" cap="none" normalizeH="0" baseline="0" smtClean="0">
+                <a:ln>
+                  <a:noFill/>
+                </a:ln>
+                <a:solidFill>
+                  <a:schemeClr val="tx1"/>
+                </a:solidFill>
+                <a:effectLst/>
+                <a:latin typeface="Arial" pitchFamily="34" charset="0"/>
+                <a:cs typeface="Arial" pitchFamily="34" charset="0"/>
+              </a:endParaRPr>
+            </a:p>
+          </p:txBody>
+        </p:sp>
+        <p:grpSp>
+          <p:nvGrpSpPr>
+            <p:cNvPr id="53" name="Group 52"/>
+            <p:cNvGrpSpPr/>
+            <p:nvPr/>
+          </p:nvGrpSpPr>
+          <p:grpSpPr>
+            <a:xfrm>
+              <a:off x="3581400" y="2187575"/>
+              <a:ext cx="2527300" cy="2081212"/>
+              <a:chOff x="3581400" y="2187575"/>
+              <a:chExt cx="2527300" cy="2081212"/>
+            </a:xfrm>
+          </p:grpSpPr>
+          <p:sp>
+            <p:nvSpPr>
+              <p:cNvPr id="62" name="Rectangle 5"/>
+              <p:cNvSpPr>
+                <a:spLocks noChangeArrowheads="1"/>
+              </p:cNvSpPr>
+              <p:nvPr/>
+            </p:nvSpPr>
+            <p:spPr bwMode="auto">
+              <a:xfrm>
+                <a:off x="4343400" y="2187575"/>
+                <a:ext cx="12700" cy="2074863"/>
+              </a:xfrm>
+              <a:prstGeom prst="rect">
+                <a:avLst/>
+              </a:prstGeom>
+              <a:solidFill>
+                <a:srgbClr val="000000"/>
+              </a:solidFill>
+              <a:ln w="0" cap="flat">
+                <a:solidFill>
+                  <a:srgbClr val="000000"/>
+                </a:solidFill>
+                <a:prstDash val="solid"/>
+                <a:round/>
+                <a:headEnd/>
+                <a:tailEnd/>
+              </a:ln>
+            </p:spPr>
+            <p:txBody>
+              <a:bodyPr vert="horz" wrap="square" lIns="91440" tIns="45720" rIns="91440" bIns="45720" numCol="1" anchor="t" anchorCtr="0" compatLnSpc="1">
+                <a:prstTxWarp prst="textNoShape">
+                  <a:avLst/>
+                </a:prstTxWarp>
+              </a:bodyPr>
+              <a:lstStyle/>
+              <a:p>
+                <a:endParaRPr lang="en-US"/>
+              </a:p>
+            </p:txBody>
+          </p:sp>
+          <p:sp>
+            <p:nvSpPr>
+              <p:cNvPr id="63" name="Rectangle 6"/>
+              <p:cNvSpPr>
+                <a:spLocks noChangeArrowheads="1"/>
+              </p:cNvSpPr>
+              <p:nvPr/>
+            </p:nvSpPr>
+            <p:spPr bwMode="auto">
+              <a:xfrm>
+                <a:off x="5334000" y="2187575"/>
+                <a:ext cx="12700" cy="2074863"/>
+              </a:xfrm>
+              <a:prstGeom prst="rect">
+                <a:avLst/>
+              </a:prstGeom>
+              <a:solidFill>
+                <a:srgbClr val="000000"/>
+              </a:solidFill>
+              <a:ln w="0" cap="flat">
+                <a:solidFill>
+                  <a:srgbClr val="000000"/>
+                </a:solidFill>
+                <a:prstDash val="solid"/>
+                <a:round/>
+                <a:headEnd/>
+                <a:tailEnd/>
+              </a:ln>
+            </p:spPr>
+            <p:txBody>
+              <a:bodyPr vert="horz" wrap="square" lIns="91440" tIns="45720" rIns="91440" bIns="45720" numCol="1" anchor="t" anchorCtr="0" compatLnSpc="1">
+                <a:prstTxWarp prst="textNoShape">
+                  <a:avLst/>
+                </a:prstTxWarp>
+              </a:bodyPr>
+              <a:lstStyle/>
+              <a:p>
+                <a:endParaRPr lang="en-US"/>
+              </a:p>
+            </p:txBody>
+          </p:sp>
+          <p:sp>
+            <p:nvSpPr>
+              <p:cNvPr id="64" name="Rectangle 7"/>
+              <p:cNvSpPr>
+                <a:spLocks noChangeArrowheads="1"/>
+              </p:cNvSpPr>
+              <p:nvPr/>
+            </p:nvSpPr>
+            <p:spPr bwMode="auto">
+              <a:xfrm>
+                <a:off x="6096000" y="2187575"/>
+                <a:ext cx="12700" cy="2074863"/>
+              </a:xfrm>
+              <a:prstGeom prst="rect">
+                <a:avLst/>
+              </a:prstGeom>
+              <a:solidFill>
+                <a:srgbClr val="000000"/>
+              </a:solidFill>
+              <a:ln w="0" cap="flat">
+                <a:solidFill>
+                  <a:srgbClr val="000000"/>
+                </a:solidFill>
+                <a:prstDash val="solid"/>
+                <a:round/>
+                <a:headEnd/>
+                <a:tailEnd/>
+              </a:ln>
+            </p:spPr>
+            <p:txBody>
+              <a:bodyPr vert="horz" wrap="square" lIns="91440" tIns="45720" rIns="91440" bIns="45720" numCol="1" anchor="t" anchorCtr="0" compatLnSpc="1">
+                <a:prstTxWarp prst="textNoShape">
+                  <a:avLst/>
+                </a:prstTxWarp>
+              </a:bodyPr>
+              <a:lstStyle/>
+              <a:p>
+                <a:endParaRPr lang="en-US"/>
+              </a:p>
+            </p:txBody>
+          </p:sp>
+          <p:sp>
+            <p:nvSpPr>
+              <p:cNvPr id="70" name="Rectangle 13"/>
+              <p:cNvSpPr>
+                <a:spLocks noChangeArrowheads="1"/>
+              </p:cNvSpPr>
+              <p:nvPr/>
+            </p:nvSpPr>
+            <p:spPr bwMode="auto">
+              <a:xfrm>
+                <a:off x="3581400" y="2187575"/>
+                <a:ext cx="12700" cy="2074863"/>
+              </a:xfrm>
+              <a:prstGeom prst="rect">
+                <a:avLst/>
+              </a:prstGeom>
+              <a:solidFill>
+                <a:srgbClr val="000000"/>
+              </a:solidFill>
+              <a:ln w="0" cap="flat">
+                <a:solidFill>
+                  <a:srgbClr val="000000"/>
+                </a:solidFill>
+                <a:prstDash val="solid"/>
+                <a:round/>
+                <a:headEnd/>
+                <a:tailEnd/>
+              </a:ln>
+            </p:spPr>
+            <p:txBody>
+              <a:bodyPr vert="horz" wrap="square" lIns="91440" tIns="45720" rIns="91440" bIns="45720" numCol="1" anchor="t" anchorCtr="0" compatLnSpc="1">
+                <a:prstTxWarp prst="textNoShape">
+                  <a:avLst/>
+                </a:prstTxWarp>
+              </a:bodyPr>
+              <a:lstStyle/>
+              <a:p>
+                <a:endParaRPr lang="en-US"/>
+              </a:p>
+            </p:txBody>
+          </p:sp>
+          <p:sp>
+            <p:nvSpPr>
+              <p:cNvPr id="74" name="Rectangle 17"/>
+              <p:cNvSpPr>
+                <a:spLocks noChangeArrowheads="1"/>
+              </p:cNvSpPr>
+              <p:nvPr/>
+            </p:nvSpPr>
+            <p:spPr bwMode="auto">
+              <a:xfrm>
+                <a:off x="3735388" y="2238375"/>
+                <a:ext cx="569913" cy="303213"/>
+              </a:xfrm>
+              <a:prstGeom prst="rect">
+                <a:avLst/>
+              </a:prstGeom>
+              <a:noFill/>
+              <a:ln>
+                <a:noFill/>
+              </a:ln>
+              <a:extLst>
+                <a:ext uri="{909E8E84-426E-40DD-AFC4-6F175D3DCCD1}">
+                  <a14:hiddenFill xmlns:a14="http://schemas.microsoft.com/office/drawing/2010/main">
+                    <a:solidFill>
+                      <a:srgbClr val="FFFFFF"/>
+                    </a:solidFill>
+                  </a14:hiddenFill>
+                </a:ext>
+                <a:ext uri="{91240B29-F687-4F45-9708-019B960494DF}">
+                  <a14:hiddenLine xmlns:a14="http://schemas.microsoft.com/office/drawing/2010/main" w="9525">
+                    <a:solidFill>
+                      <a:srgbClr val="000000"/>
+                    </a:solidFill>
+                    <a:miter lim="800000"/>
+                    <a:headEnd/>
+                    <a:tailEnd/>
+                  </a14:hiddenLine>
+                </a:ext>
+              </a:extLst>
+            </p:spPr>
+            <p:txBody>
+              <a:bodyPr vert="horz" wrap="none" lIns="0" tIns="0" rIns="0" bIns="0" numCol="1" anchor="t" anchorCtr="0" compatLnSpc="1">
+                <a:prstTxWarp prst="textNoShape">
+                  <a:avLst/>
+                </a:prstTxWarp>
+                <a:spAutoFit/>
+              </a:bodyPr>
+              <a:lstStyle/>
+              <a:p>
+                <a:pPr marL="0" marR="0" lvl="0" indent="0" algn="l" defTabSz="914400" rtl="0" eaLnBrk="1" fontAlgn="base" latinLnBrk="0" hangingPunct="1">
+                  <a:lnSpc>
+                    <a:spcPct val="100000"/>
+                  </a:lnSpc>
+                  <a:spcBef>
+                    <a:spcPct val="0"/>
+                  </a:spcBef>
+                  <a:spcAft>
+                    <a:spcPct val="0"/>
+                  </a:spcAft>
+                  <a:buClrTx/>
+                  <a:buSzTx/>
+                  <a:buFontTx/>
+                  <a:buNone/>
+                  <a:tabLst/>
+                </a:pPr>
+                <a:r>
+                  <a:rPr kumimoji="0" lang="en-US" sz="1600" b="0" i="0" u="none" strike="noStrike" cap="none" normalizeH="0" baseline="0" smtClean="0">
+                    <a:ln>
+                      <a:noFill/>
+                    </a:ln>
+                    <a:solidFill>
+                      <a:srgbClr val="000000"/>
+                    </a:solidFill>
+                    <a:effectLst/>
+                    <a:latin typeface="Calibri" pitchFamily="34" charset="0"/>
+                    <a:cs typeface="Arial" pitchFamily="34" charset="0"/>
+                  </a:rPr>
+                  <a:t>Radio</a:t>
+                </a:r>
+                <a:endParaRPr kumimoji="0" lang="en-US" sz="1800" b="0" i="0" u="none" strike="noStrike" cap="none" normalizeH="0" baseline="0" smtClean="0">
+                  <a:ln>
+                    <a:noFill/>
+                  </a:ln>
+                  <a:solidFill>
+                    <a:schemeClr val="tx1"/>
+                  </a:solidFill>
+                  <a:effectLst/>
+                  <a:latin typeface="Arial" pitchFamily="34" charset="0"/>
+                  <a:cs typeface="Arial" pitchFamily="34" charset="0"/>
+                </a:endParaRPr>
+              </a:p>
+            </p:txBody>
+          </p:sp>
+          <p:sp>
+            <p:nvSpPr>
+              <p:cNvPr id="75" name="Rectangle 18"/>
+              <p:cNvSpPr>
+                <a:spLocks noChangeArrowheads="1"/>
+              </p:cNvSpPr>
+              <p:nvPr/>
+            </p:nvSpPr>
+            <p:spPr bwMode="auto">
+              <a:xfrm>
+                <a:off x="4575175" y="2238375"/>
+                <a:ext cx="654050" cy="303213"/>
+              </a:xfrm>
+              <a:prstGeom prst="rect">
+                <a:avLst/>
+              </a:prstGeom>
+              <a:noFill/>
+              <a:ln>
+                <a:noFill/>
+              </a:ln>
+              <a:extLst>
+                <a:ext uri="{909E8E84-426E-40DD-AFC4-6F175D3DCCD1}">
+                  <a14:hiddenFill xmlns:a14="http://schemas.microsoft.com/office/drawing/2010/main">
+                    <a:solidFill>
+                      <a:srgbClr val="FFFFFF"/>
+                    </a:solidFill>
+                  </a14:hiddenFill>
+                </a:ext>
+                <a:ext uri="{91240B29-F687-4F45-9708-019B960494DF}">
+                  <a14:hiddenLine xmlns:a14="http://schemas.microsoft.com/office/drawing/2010/main" w="9525">
+                    <a:solidFill>
+                      <a:srgbClr val="000000"/>
+                    </a:solidFill>
+                    <a:miter lim="800000"/>
+                    <a:headEnd/>
+                    <a:tailEnd/>
+                  </a14:hiddenLine>
+                </a:ext>
+              </a:extLst>
+            </p:spPr>
+            <p:txBody>
+              <a:bodyPr vert="horz" wrap="none" lIns="0" tIns="0" rIns="0" bIns="0" numCol="1" anchor="t" anchorCtr="0" compatLnSpc="1">
+                <a:prstTxWarp prst="textNoShape">
+                  <a:avLst/>
+                </a:prstTxWarp>
+                <a:spAutoFit/>
+              </a:bodyPr>
+              <a:lstStyle/>
+              <a:p>
+                <a:pPr marL="0" marR="0" lvl="0" indent="0" algn="l" defTabSz="914400" rtl="0" eaLnBrk="1" fontAlgn="base" latinLnBrk="0" hangingPunct="1">
+                  <a:lnSpc>
+                    <a:spcPct val="100000"/>
+                  </a:lnSpc>
+                  <a:spcBef>
+                    <a:spcPct val="0"/>
+                  </a:spcBef>
+                  <a:spcAft>
+                    <a:spcPct val="0"/>
+                  </a:spcAft>
+                  <a:buClrTx/>
+                  <a:buSzTx/>
+                  <a:buFontTx/>
+                  <a:buNone/>
+                  <a:tabLst/>
+                </a:pPr>
+                <a:r>
+                  <a:rPr kumimoji="0" lang="en-US" sz="1600" b="0" i="0" u="none" strike="noStrike" cap="none" normalizeH="0" baseline="0" smtClean="0">
+                    <a:ln>
+                      <a:noFill/>
+                    </a:ln>
+                    <a:solidFill>
+                      <a:srgbClr val="000000"/>
+                    </a:solidFill>
+                    <a:effectLst/>
+                    <a:latin typeface="Calibri" pitchFamily="34" charset="0"/>
+                    <a:cs typeface="Arial" pitchFamily="34" charset="0"/>
+                  </a:rPr>
+                  <a:t>Packet</a:t>
+                </a:r>
+                <a:endParaRPr kumimoji="0" lang="en-US" sz="1800" b="0" i="0" u="none" strike="noStrike" cap="none" normalizeH="0" baseline="0" smtClean="0">
+                  <a:ln>
+                    <a:noFill/>
+                  </a:ln>
+                  <a:solidFill>
+                    <a:schemeClr val="tx1"/>
+                  </a:solidFill>
+                  <a:effectLst/>
+                  <a:latin typeface="Arial" pitchFamily="34" charset="0"/>
+                  <a:cs typeface="Arial" pitchFamily="34" charset="0"/>
+                </a:endParaRPr>
+              </a:p>
+            </p:txBody>
+          </p:sp>
+          <p:sp>
+            <p:nvSpPr>
+              <p:cNvPr id="76" name="Rectangle 19"/>
+              <p:cNvSpPr>
+                <a:spLocks noChangeArrowheads="1"/>
+              </p:cNvSpPr>
+              <p:nvPr/>
+            </p:nvSpPr>
+            <p:spPr bwMode="auto">
+              <a:xfrm>
+                <a:off x="4516438" y="2481262"/>
+                <a:ext cx="763588" cy="303213"/>
+              </a:xfrm>
+              <a:prstGeom prst="rect">
+                <a:avLst/>
+              </a:prstGeom>
+              <a:noFill/>
+              <a:ln>
+                <a:noFill/>
+              </a:ln>
+              <a:extLst>
+                <a:ext uri="{909E8E84-426E-40DD-AFC4-6F175D3DCCD1}">
+                  <a14:hiddenFill xmlns:a14="http://schemas.microsoft.com/office/drawing/2010/main">
+                    <a:solidFill>
+                      <a:srgbClr val="FFFFFF"/>
+                    </a:solidFill>
+                  </a14:hiddenFill>
+                </a:ext>
+                <a:ext uri="{91240B29-F687-4F45-9708-019B960494DF}">
+                  <a14:hiddenLine xmlns:a14="http://schemas.microsoft.com/office/drawing/2010/main" w="9525">
+                    <a:solidFill>
+                      <a:srgbClr val="000000"/>
+                    </a:solidFill>
+                    <a:miter lim="800000"/>
+                    <a:headEnd/>
+                    <a:tailEnd/>
+                  </a14:hiddenLine>
+                </a:ext>
+              </a:extLst>
+            </p:spPr>
+            <p:txBody>
+              <a:bodyPr vert="horz" wrap="none" lIns="0" tIns="0" rIns="0" bIns="0" numCol="1" anchor="t" anchorCtr="0" compatLnSpc="1">
+                <a:prstTxWarp prst="textNoShape">
+                  <a:avLst/>
+                </a:prstTxWarp>
+                <a:spAutoFit/>
+              </a:bodyPr>
+              <a:lstStyle/>
+              <a:p>
+                <a:pPr marL="0" marR="0" lvl="0" indent="0" algn="l" defTabSz="914400" rtl="0" eaLnBrk="1" fontAlgn="base" latinLnBrk="0" hangingPunct="1">
+                  <a:lnSpc>
+                    <a:spcPct val="100000"/>
+                  </a:lnSpc>
+                  <a:spcBef>
+                    <a:spcPct val="0"/>
+                  </a:spcBef>
+                  <a:spcAft>
+                    <a:spcPct val="0"/>
+                  </a:spcAft>
+                  <a:buClrTx/>
+                  <a:buSzTx/>
+                  <a:buFontTx/>
+                  <a:buNone/>
+                  <a:tabLst/>
+                </a:pPr>
+                <a:r>
+                  <a:rPr kumimoji="0" lang="en-US" sz="1600" b="0" i="0" u="none" strike="noStrike" cap="none" normalizeH="0" baseline="0" dirty="0" smtClean="0">
+                    <a:ln>
+                      <a:noFill/>
+                    </a:ln>
+                    <a:solidFill>
+                      <a:srgbClr val="000000"/>
+                    </a:solidFill>
+                    <a:effectLst/>
+                    <a:latin typeface="Calibri" pitchFamily="34" charset="0"/>
+                    <a:cs typeface="Arial" pitchFamily="34" charset="0"/>
+                  </a:rPr>
+                  <a:t>Queued</a:t>
+                </a:r>
+                <a:endParaRPr kumimoji="0" lang="en-US" sz="1800" b="0" i="0" u="none" strike="noStrike" cap="none" normalizeH="0" baseline="0" dirty="0" smtClean="0">
+                  <a:ln>
+                    <a:noFill/>
+                  </a:ln>
+                  <a:solidFill>
+                    <a:schemeClr val="tx1"/>
+                  </a:solidFill>
+                  <a:effectLst/>
+                  <a:latin typeface="Arial" pitchFamily="34" charset="0"/>
+                  <a:cs typeface="Arial" pitchFamily="34" charset="0"/>
+                </a:endParaRPr>
+              </a:p>
+            </p:txBody>
+          </p:sp>
+          <p:sp>
+            <p:nvSpPr>
+              <p:cNvPr id="78" name="Rectangle 21"/>
+              <p:cNvSpPr>
+                <a:spLocks noChangeArrowheads="1"/>
+              </p:cNvSpPr>
+              <p:nvPr/>
+            </p:nvSpPr>
+            <p:spPr bwMode="auto">
+              <a:xfrm>
+                <a:off x="5537200" y="2481262"/>
+                <a:ext cx="476250" cy="303213"/>
+              </a:xfrm>
+              <a:prstGeom prst="rect">
+                <a:avLst/>
+              </a:prstGeom>
+              <a:noFill/>
+              <a:ln>
+                <a:noFill/>
+              </a:ln>
+              <a:extLst>
+                <a:ext uri="{909E8E84-426E-40DD-AFC4-6F175D3DCCD1}">
+                  <a14:hiddenFill xmlns:a14="http://schemas.microsoft.com/office/drawing/2010/main">
+                    <a:solidFill>
+                      <a:srgbClr val="FFFFFF"/>
+                    </a:solidFill>
+                  </a14:hiddenFill>
+                </a:ext>
+                <a:ext uri="{91240B29-F687-4F45-9708-019B960494DF}">
+                  <a14:hiddenLine xmlns:a14="http://schemas.microsoft.com/office/drawing/2010/main" w="9525">
+                    <a:solidFill>
+                      <a:srgbClr val="000000"/>
+                    </a:solidFill>
+                    <a:miter lim="800000"/>
+                    <a:headEnd/>
+                    <a:tailEnd/>
+                  </a14:hiddenLine>
+                </a:ext>
+              </a:extLst>
+            </p:spPr>
+            <p:txBody>
+              <a:bodyPr vert="horz" wrap="none" lIns="0" tIns="0" rIns="0" bIns="0" numCol="1" anchor="t" anchorCtr="0" compatLnSpc="1">
+                <a:prstTxWarp prst="textNoShape">
+                  <a:avLst/>
+                </a:prstTxWarp>
+                <a:spAutoFit/>
+              </a:bodyPr>
+              <a:lstStyle/>
+              <a:p>
+                <a:pPr marL="0" marR="0" lvl="0" indent="0" algn="l" defTabSz="914400" rtl="0" eaLnBrk="1" fontAlgn="base" latinLnBrk="0" hangingPunct="1">
+                  <a:lnSpc>
+                    <a:spcPct val="100000"/>
+                  </a:lnSpc>
+                  <a:spcBef>
+                    <a:spcPct val="0"/>
+                  </a:spcBef>
+                  <a:spcAft>
+                    <a:spcPct val="0"/>
+                  </a:spcAft>
+                  <a:buClrTx/>
+                  <a:buSzTx/>
+                  <a:buFontTx/>
+                  <a:buNone/>
+                  <a:tabLst/>
+                </a:pPr>
+                <a:r>
+                  <a:rPr kumimoji="0" lang="en-US" sz="1600" b="0" i="0" u="none" strike="noStrike" cap="none" normalizeH="0" baseline="0" smtClean="0">
+                    <a:ln>
+                      <a:noFill/>
+                    </a:ln>
+                    <a:solidFill>
+                      <a:srgbClr val="000000"/>
+                    </a:solidFill>
+                    <a:effectLst/>
+                    <a:latin typeface="Calibri" pitchFamily="34" charset="0"/>
+                    <a:cs typeface="Arial" pitchFamily="34" charset="0"/>
+                  </a:rPr>
+                  <a:t>Sent</a:t>
+                </a:r>
+                <a:endParaRPr kumimoji="0" lang="en-US" sz="1800" b="0" i="0" u="none" strike="noStrike" cap="none" normalizeH="0" baseline="0" smtClean="0">
+                  <a:ln>
+                    <a:noFill/>
+                  </a:ln>
+                  <a:solidFill>
+                    <a:schemeClr val="tx1"/>
+                  </a:solidFill>
+                  <a:effectLst/>
+                  <a:latin typeface="Arial" pitchFamily="34" charset="0"/>
+                  <a:cs typeface="Arial" pitchFamily="34" charset="0"/>
+                </a:endParaRPr>
+              </a:p>
+            </p:txBody>
+          </p:sp>
+          <p:sp>
+            <p:nvSpPr>
+              <p:cNvPr id="83" name="Rectangle 26"/>
+              <p:cNvSpPr>
+                <a:spLocks noChangeArrowheads="1"/>
+              </p:cNvSpPr>
+              <p:nvPr/>
+            </p:nvSpPr>
+            <p:spPr bwMode="auto">
+              <a:xfrm>
+                <a:off x="3910013" y="2817812"/>
+                <a:ext cx="234950" cy="339725"/>
+              </a:xfrm>
+              <a:prstGeom prst="rect">
+                <a:avLst/>
+              </a:prstGeom>
+              <a:noFill/>
+              <a:ln>
+                <a:noFill/>
+              </a:ln>
+              <a:extLst>
+                <a:ext uri="{909E8E84-426E-40DD-AFC4-6F175D3DCCD1}">
+                  <a14:hiddenFill xmlns:a14="http://schemas.microsoft.com/office/drawing/2010/main">
+                    <a:solidFill>
+                      <a:srgbClr val="FFFFFF"/>
+                    </a:solidFill>
+                  </a14:hiddenFill>
+                </a:ext>
+                <a:ext uri="{91240B29-F687-4F45-9708-019B960494DF}">
+                  <a14:hiddenLine xmlns:a14="http://schemas.microsoft.com/office/drawing/2010/main" w="9525">
+                    <a:solidFill>
+                      <a:srgbClr val="000000"/>
+                    </a:solidFill>
+                    <a:miter lim="800000"/>
+                    <a:headEnd/>
+                    <a:tailEnd/>
+                  </a14:hiddenLine>
+                </a:ext>
+              </a:extLst>
+            </p:spPr>
+            <p:txBody>
+              <a:bodyPr vert="horz" wrap="none" lIns="0" tIns="0" rIns="0" bIns="0" numCol="1" anchor="t" anchorCtr="0" compatLnSpc="1">
+                <a:prstTxWarp prst="textNoShape">
+                  <a:avLst/>
+                </a:prstTxWarp>
+                <a:spAutoFit/>
+              </a:bodyPr>
+              <a:lstStyle/>
+              <a:p>
+                <a:pPr marL="0" marR="0" lvl="0" indent="0" algn="l" defTabSz="914400" rtl="0" eaLnBrk="1" fontAlgn="base" latinLnBrk="0" hangingPunct="1">
+                  <a:lnSpc>
+                    <a:spcPct val="100000"/>
+                  </a:lnSpc>
+                  <a:spcBef>
+                    <a:spcPct val="0"/>
+                  </a:spcBef>
+                  <a:spcAft>
+                    <a:spcPct val="0"/>
+                  </a:spcAft>
+                  <a:buClrTx/>
+                  <a:buSzTx/>
+                  <a:buFontTx/>
+                  <a:buNone/>
+                  <a:tabLst/>
+                </a:pPr>
+                <a:r>
+                  <a:rPr kumimoji="0" lang="en-US" sz="1800" b="0" i="0" u="none" strike="noStrike" cap="none" normalizeH="0" baseline="0" smtClean="0">
+                    <a:ln>
+                      <a:noFill/>
+                    </a:ln>
+                    <a:solidFill>
+                      <a:srgbClr val="000000"/>
+                    </a:solidFill>
+                    <a:effectLst/>
+                    <a:latin typeface="Calibri" pitchFamily="34" charset="0"/>
+                    <a:cs typeface="Arial" pitchFamily="34" charset="0"/>
+                  </a:rPr>
+                  <a:t>0</a:t>
+                </a:r>
+                <a:endParaRPr kumimoji="0" lang="en-US" sz="1800" b="0" i="0" u="none" strike="noStrike" cap="none" normalizeH="0" baseline="0" smtClean="0">
+                  <a:ln>
+                    <a:noFill/>
+                  </a:ln>
+                  <a:solidFill>
+                    <a:schemeClr val="tx1"/>
+                  </a:solidFill>
+                  <a:effectLst/>
+                  <a:latin typeface="Arial" pitchFamily="34" charset="0"/>
+                  <a:cs typeface="Arial" pitchFamily="34" charset="0"/>
+                </a:endParaRPr>
+              </a:p>
+            </p:txBody>
+          </p:sp>
+          <p:sp>
+            <p:nvSpPr>
+              <p:cNvPr id="84" name="Rectangle 27"/>
+              <p:cNvSpPr>
+                <a:spLocks noChangeArrowheads="1"/>
+              </p:cNvSpPr>
+              <p:nvPr/>
+            </p:nvSpPr>
+            <p:spPr bwMode="auto">
+              <a:xfrm>
+                <a:off x="4727575" y="2817812"/>
+                <a:ext cx="350838" cy="339725"/>
+              </a:xfrm>
+              <a:prstGeom prst="rect">
+                <a:avLst/>
+              </a:prstGeom>
+              <a:noFill/>
+              <a:ln>
+                <a:noFill/>
+              </a:ln>
+              <a:extLst>
+                <a:ext uri="{909E8E84-426E-40DD-AFC4-6F175D3DCCD1}">
+                  <a14:hiddenFill xmlns:a14="http://schemas.microsoft.com/office/drawing/2010/main">
+                    <a:solidFill>
+                      <a:srgbClr val="FFFFFF"/>
+                    </a:solidFill>
+                  </a14:hiddenFill>
+                </a:ext>
+                <a:ext uri="{91240B29-F687-4F45-9708-019B960494DF}">
+                  <a14:hiddenLine xmlns:a14="http://schemas.microsoft.com/office/drawing/2010/main" w="9525">
+                    <a:solidFill>
+                      <a:srgbClr val="000000"/>
+                    </a:solidFill>
+                    <a:miter lim="800000"/>
+                    <a:headEnd/>
+                    <a:tailEnd/>
+                  </a14:hiddenLine>
+                </a:ext>
+              </a:extLst>
+            </p:spPr>
+            <p:txBody>
+              <a:bodyPr vert="horz" wrap="none" lIns="0" tIns="0" rIns="0" bIns="0" numCol="1" anchor="t" anchorCtr="0" compatLnSpc="1">
+                <a:prstTxWarp prst="textNoShape">
+                  <a:avLst/>
+                </a:prstTxWarp>
+                <a:spAutoFit/>
+              </a:bodyPr>
+              <a:lstStyle/>
+              <a:p>
+                <a:pPr marL="0" marR="0" lvl="0" indent="0" algn="l" defTabSz="914400" rtl="0" eaLnBrk="1" fontAlgn="base" latinLnBrk="0" hangingPunct="1">
+                  <a:lnSpc>
+                    <a:spcPct val="100000"/>
+                  </a:lnSpc>
+                  <a:spcBef>
+                    <a:spcPct val="0"/>
+                  </a:spcBef>
+                  <a:spcAft>
+                    <a:spcPct val="0"/>
+                  </a:spcAft>
+                  <a:buClrTx/>
+                  <a:buSzTx/>
+                  <a:buFontTx/>
+                  <a:buNone/>
+                  <a:tabLst/>
+                </a:pPr>
+                <a:r>
+                  <a:rPr kumimoji="0" lang="en-US" sz="1800" b="0" i="0" u="none" strike="noStrike" cap="none" normalizeH="0" baseline="0" smtClean="0">
+                    <a:ln>
+                      <a:noFill/>
+                    </a:ln>
+                    <a:solidFill>
+                      <a:srgbClr val="000000"/>
+                    </a:solidFill>
+                    <a:effectLst/>
+                    <a:latin typeface="Calibri" pitchFamily="34" charset="0"/>
+                    <a:cs typeface="Arial" pitchFamily="34" charset="0"/>
+                  </a:rPr>
+                  <a:t>75</a:t>
+                </a:r>
+                <a:endParaRPr kumimoji="0" lang="en-US" sz="1800" b="0" i="0" u="none" strike="noStrike" cap="none" normalizeH="0" baseline="0" smtClean="0">
+                  <a:ln>
+                    <a:noFill/>
+                  </a:ln>
+                  <a:solidFill>
+                    <a:schemeClr val="tx1"/>
+                  </a:solidFill>
+                  <a:effectLst/>
+                  <a:latin typeface="Arial" pitchFamily="34" charset="0"/>
+                  <a:cs typeface="Arial" pitchFamily="34" charset="0"/>
+                </a:endParaRPr>
+              </a:p>
+            </p:txBody>
+          </p:sp>
+          <p:sp>
+            <p:nvSpPr>
+              <p:cNvPr id="85" name="Rectangle 28"/>
+              <p:cNvSpPr>
+                <a:spLocks noChangeArrowheads="1"/>
+              </p:cNvSpPr>
+              <p:nvPr/>
+            </p:nvSpPr>
+            <p:spPr bwMode="auto">
+              <a:xfrm>
+                <a:off x="5603875" y="2817812"/>
+                <a:ext cx="350838" cy="339725"/>
+              </a:xfrm>
+              <a:prstGeom prst="rect">
+                <a:avLst/>
+              </a:prstGeom>
+              <a:noFill/>
+              <a:ln>
+                <a:noFill/>
+              </a:ln>
+              <a:extLst>
+                <a:ext uri="{909E8E84-426E-40DD-AFC4-6F175D3DCCD1}">
+                  <a14:hiddenFill xmlns:a14="http://schemas.microsoft.com/office/drawing/2010/main">
+                    <a:solidFill>
+                      <a:srgbClr val="FFFFFF"/>
+                    </a:solidFill>
+                  </a14:hiddenFill>
+                </a:ext>
+                <a:ext uri="{91240B29-F687-4F45-9708-019B960494DF}">
+                  <a14:hiddenLine xmlns:a14="http://schemas.microsoft.com/office/drawing/2010/main" w="9525">
+                    <a:solidFill>
+                      <a:srgbClr val="000000"/>
+                    </a:solidFill>
+                    <a:miter lim="800000"/>
+                    <a:headEnd/>
+                    <a:tailEnd/>
+                  </a14:hiddenLine>
+                </a:ext>
+              </a:extLst>
+            </p:spPr>
+            <p:txBody>
+              <a:bodyPr vert="horz" wrap="none" lIns="0" tIns="0" rIns="0" bIns="0" numCol="1" anchor="t" anchorCtr="0" compatLnSpc="1">
+                <a:prstTxWarp prst="textNoShape">
+                  <a:avLst/>
+                </a:prstTxWarp>
+                <a:spAutoFit/>
+              </a:bodyPr>
+              <a:lstStyle/>
+              <a:p>
+                <a:pPr marL="0" marR="0" lvl="0" indent="0" algn="l" defTabSz="914400" rtl="0" eaLnBrk="1" fontAlgn="base" latinLnBrk="0" hangingPunct="1">
+                  <a:lnSpc>
+                    <a:spcPct val="100000"/>
+                  </a:lnSpc>
+                  <a:spcBef>
+                    <a:spcPct val="0"/>
+                  </a:spcBef>
+                  <a:spcAft>
+                    <a:spcPct val="0"/>
+                  </a:spcAft>
+                  <a:buClrTx/>
+                  <a:buSzTx/>
+                  <a:buFontTx/>
+                  <a:buNone/>
+                  <a:tabLst/>
+                </a:pPr>
+                <a:r>
+                  <a:rPr kumimoji="0" lang="en-US" sz="1800" b="0" i="0" u="none" strike="noStrike" cap="none" normalizeH="0" baseline="0" smtClean="0">
+                    <a:ln>
+                      <a:noFill/>
+                    </a:ln>
+                    <a:solidFill>
+                      <a:srgbClr val="000000"/>
+                    </a:solidFill>
+                    <a:effectLst/>
+                    <a:latin typeface="Calibri" pitchFamily="34" charset="0"/>
+                    <a:cs typeface="Arial" pitchFamily="34" charset="0"/>
+                  </a:rPr>
+                  <a:t>52</a:t>
+                </a:r>
+                <a:endParaRPr kumimoji="0" lang="en-US" sz="1800" b="0" i="0" u="none" strike="noStrike" cap="none" normalizeH="0" baseline="0" smtClean="0">
+                  <a:ln>
+                    <a:noFill/>
+                  </a:ln>
+                  <a:solidFill>
+                    <a:schemeClr val="tx1"/>
+                  </a:solidFill>
+                  <a:effectLst/>
+                  <a:latin typeface="Arial" pitchFamily="34" charset="0"/>
+                  <a:cs typeface="Arial" pitchFamily="34" charset="0"/>
+                </a:endParaRPr>
+              </a:p>
+            </p:txBody>
+          </p:sp>
+          <p:sp>
+            <p:nvSpPr>
+              <p:cNvPr id="88" name="Rectangle 31"/>
+              <p:cNvSpPr>
+                <a:spLocks noChangeArrowheads="1"/>
+              </p:cNvSpPr>
+              <p:nvPr/>
+            </p:nvSpPr>
+            <p:spPr bwMode="auto">
+              <a:xfrm>
+                <a:off x="3910013" y="3187700"/>
+                <a:ext cx="234950" cy="339725"/>
+              </a:xfrm>
+              <a:prstGeom prst="rect">
+                <a:avLst/>
+              </a:prstGeom>
+              <a:noFill/>
+              <a:ln>
+                <a:noFill/>
+              </a:ln>
+              <a:extLst>
+                <a:ext uri="{909E8E84-426E-40DD-AFC4-6F175D3DCCD1}">
+                  <a14:hiddenFill xmlns:a14="http://schemas.microsoft.com/office/drawing/2010/main">
+                    <a:solidFill>
+                      <a:srgbClr val="FFFFFF"/>
+                    </a:solidFill>
+                  </a14:hiddenFill>
+                </a:ext>
+                <a:ext uri="{91240B29-F687-4F45-9708-019B960494DF}">
+                  <a14:hiddenLine xmlns:a14="http://schemas.microsoft.com/office/drawing/2010/main" w="9525">
+                    <a:solidFill>
+                      <a:srgbClr val="000000"/>
+                    </a:solidFill>
+                    <a:miter lim="800000"/>
+                    <a:headEnd/>
+                    <a:tailEnd/>
+                  </a14:hiddenLine>
+                </a:ext>
+              </a:extLst>
+            </p:spPr>
+            <p:txBody>
+              <a:bodyPr vert="horz" wrap="none" lIns="0" tIns="0" rIns="0" bIns="0" numCol="1" anchor="t" anchorCtr="0" compatLnSpc="1">
+                <a:prstTxWarp prst="textNoShape">
+                  <a:avLst/>
+                </a:prstTxWarp>
+                <a:spAutoFit/>
+              </a:bodyPr>
+              <a:lstStyle/>
+              <a:p>
+                <a:pPr marL="0" marR="0" lvl="0" indent="0" algn="l" defTabSz="914400" rtl="0" eaLnBrk="1" fontAlgn="base" latinLnBrk="0" hangingPunct="1">
+                  <a:lnSpc>
+                    <a:spcPct val="100000"/>
+                  </a:lnSpc>
+                  <a:spcBef>
+                    <a:spcPct val="0"/>
+                  </a:spcBef>
+                  <a:spcAft>
+                    <a:spcPct val="0"/>
+                  </a:spcAft>
+                  <a:buClrTx/>
+                  <a:buSzTx/>
+                  <a:buFontTx/>
+                  <a:buNone/>
+                  <a:tabLst/>
+                </a:pPr>
+                <a:r>
+                  <a:rPr kumimoji="0" lang="en-US" sz="1800" b="0" i="0" u="none" strike="noStrike" cap="none" normalizeH="0" baseline="0" smtClean="0">
+                    <a:ln>
+                      <a:noFill/>
+                    </a:ln>
+                    <a:solidFill>
+                      <a:srgbClr val="000000"/>
+                    </a:solidFill>
+                    <a:effectLst/>
+                    <a:latin typeface="Calibri" pitchFamily="34" charset="0"/>
+                    <a:cs typeface="Arial" pitchFamily="34" charset="0"/>
+                  </a:rPr>
+                  <a:t>1</a:t>
+                </a:r>
+                <a:endParaRPr kumimoji="0" lang="en-US" sz="1800" b="0" i="0" u="none" strike="noStrike" cap="none" normalizeH="0" baseline="0" smtClean="0">
+                  <a:ln>
+                    <a:noFill/>
+                  </a:ln>
+                  <a:solidFill>
+                    <a:schemeClr val="tx1"/>
+                  </a:solidFill>
+                  <a:effectLst/>
+                  <a:latin typeface="Arial" pitchFamily="34" charset="0"/>
+                  <a:cs typeface="Arial" pitchFamily="34" charset="0"/>
+                </a:endParaRPr>
+              </a:p>
+            </p:txBody>
+          </p:sp>
+          <p:sp>
+            <p:nvSpPr>
+              <p:cNvPr id="89" name="Rectangle 32"/>
+              <p:cNvSpPr>
+                <a:spLocks noChangeArrowheads="1"/>
+              </p:cNvSpPr>
+              <p:nvPr/>
+            </p:nvSpPr>
+            <p:spPr bwMode="auto">
+              <a:xfrm>
+                <a:off x="4727575" y="3187700"/>
+                <a:ext cx="350838" cy="339725"/>
+              </a:xfrm>
+              <a:prstGeom prst="rect">
+                <a:avLst/>
+              </a:prstGeom>
+              <a:noFill/>
+              <a:ln>
+                <a:noFill/>
+              </a:ln>
+              <a:extLst>
+                <a:ext uri="{909E8E84-426E-40DD-AFC4-6F175D3DCCD1}">
+                  <a14:hiddenFill xmlns:a14="http://schemas.microsoft.com/office/drawing/2010/main">
+                    <a:solidFill>
+                      <a:srgbClr val="FFFFFF"/>
+                    </a:solidFill>
+                  </a14:hiddenFill>
+                </a:ext>
+                <a:ext uri="{91240B29-F687-4F45-9708-019B960494DF}">
+                  <a14:hiddenLine xmlns:a14="http://schemas.microsoft.com/office/drawing/2010/main" w="9525">
+                    <a:solidFill>
+                      <a:srgbClr val="000000"/>
+                    </a:solidFill>
+                    <a:miter lim="800000"/>
+                    <a:headEnd/>
+                    <a:tailEnd/>
+                  </a14:hiddenLine>
+                </a:ext>
+              </a:extLst>
+            </p:spPr>
+            <p:txBody>
+              <a:bodyPr vert="horz" wrap="none" lIns="0" tIns="0" rIns="0" bIns="0" numCol="1" anchor="t" anchorCtr="0" compatLnSpc="1">
+                <a:prstTxWarp prst="textNoShape">
+                  <a:avLst/>
+                </a:prstTxWarp>
+                <a:spAutoFit/>
+              </a:bodyPr>
+              <a:lstStyle/>
+              <a:p>
+                <a:pPr marL="0" marR="0" lvl="0" indent="0" algn="l" defTabSz="914400" rtl="0" eaLnBrk="1" fontAlgn="base" latinLnBrk="0" hangingPunct="1">
+                  <a:lnSpc>
+                    <a:spcPct val="100000"/>
+                  </a:lnSpc>
+                  <a:spcBef>
+                    <a:spcPct val="0"/>
+                  </a:spcBef>
+                  <a:spcAft>
+                    <a:spcPct val="0"/>
+                  </a:spcAft>
+                  <a:buClrTx/>
+                  <a:buSzTx/>
+                  <a:buFontTx/>
+                  <a:buNone/>
+                  <a:tabLst/>
+                </a:pPr>
+                <a:r>
+                  <a:rPr kumimoji="0" lang="en-US" sz="1800" b="0" i="0" u="none" strike="noStrike" cap="none" normalizeH="0" baseline="0" smtClean="0">
+                    <a:ln>
+                      <a:noFill/>
+                    </a:ln>
+                    <a:solidFill>
+                      <a:srgbClr val="000000"/>
+                    </a:solidFill>
+                    <a:effectLst/>
+                    <a:latin typeface="Calibri" pitchFamily="34" charset="0"/>
+                    <a:cs typeface="Arial" pitchFamily="34" charset="0"/>
+                  </a:rPr>
+                  <a:t>81</a:t>
+                </a:r>
+                <a:endParaRPr kumimoji="0" lang="en-US" sz="1800" b="0" i="0" u="none" strike="noStrike" cap="none" normalizeH="0" baseline="0" smtClean="0">
+                  <a:ln>
+                    <a:noFill/>
+                  </a:ln>
+                  <a:solidFill>
+                    <a:schemeClr val="tx1"/>
+                  </a:solidFill>
+                  <a:effectLst/>
+                  <a:latin typeface="Arial" pitchFamily="34" charset="0"/>
+                  <a:cs typeface="Arial" pitchFamily="34" charset="0"/>
+                </a:endParaRPr>
+              </a:p>
+            </p:txBody>
+          </p:sp>
+          <p:sp>
+            <p:nvSpPr>
+              <p:cNvPr id="90" name="Rectangle 33"/>
+              <p:cNvSpPr>
+                <a:spLocks noChangeArrowheads="1"/>
+              </p:cNvSpPr>
+              <p:nvPr/>
+            </p:nvSpPr>
+            <p:spPr bwMode="auto">
+              <a:xfrm>
+                <a:off x="5603875" y="3187700"/>
+                <a:ext cx="350838" cy="339725"/>
+              </a:xfrm>
+              <a:prstGeom prst="rect">
+                <a:avLst/>
+              </a:prstGeom>
+              <a:noFill/>
+              <a:ln>
+                <a:noFill/>
+              </a:ln>
+              <a:extLst>
+                <a:ext uri="{909E8E84-426E-40DD-AFC4-6F175D3DCCD1}">
+                  <a14:hiddenFill xmlns:a14="http://schemas.microsoft.com/office/drawing/2010/main">
+                    <a:solidFill>
+                      <a:srgbClr val="FFFFFF"/>
+                    </a:solidFill>
+                  </a14:hiddenFill>
+                </a:ext>
+                <a:ext uri="{91240B29-F687-4F45-9708-019B960494DF}">
+                  <a14:hiddenLine xmlns:a14="http://schemas.microsoft.com/office/drawing/2010/main" w="9525">
+                    <a:solidFill>
+                      <a:srgbClr val="000000"/>
+                    </a:solidFill>
+                    <a:miter lim="800000"/>
+                    <a:headEnd/>
+                    <a:tailEnd/>
+                  </a14:hiddenLine>
+                </a:ext>
+              </a:extLst>
+            </p:spPr>
+            <p:txBody>
+              <a:bodyPr vert="horz" wrap="none" lIns="0" tIns="0" rIns="0" bIns="0" numCol="1" anchor="t" anchorCtr="0" compatLnSpc="1">
+                <a:prstTxWarp prst="textNoShape">
+                  <a:avLst/>
+                </a:prstTxWarp>
+                <a:spAutoFit/>
+              </a:bodyPr>
+              <a:lstStyle/>
+              <a:p>
+                <a:pPr marL="0" marR="0" lvl="0" indent="0" algn="l" defTabSz="914400" rtl="0" eaLnBrk="1" fontAlgn="base" latinLnBrk="0" hangingPunct="1">
+                  <a:lnSpc>
+                    <a:spcPct val="100000"/>
+                  </a:lnSpc>
+                  <a:spcBef>
+                    <a:spcPct val="0"/>
+                  </a:spcBef>
+                  <a:spcAft>
+                    <a:spcPct val="0"/>
+                  </a:spcAft>
+                  <a:buClrTx/>
+                  <a:buSzTx/>
+                  <a:buFontTx/>
+                  <a:buNone/>
+                  <a:tabLst/>
+                </a:pPr>
+                <a:r>
+                  <a:rPr kumimoji="0" lang="en-US" sz="1800" b="0" i="0" u="none" strike="noStrike" cap="none" normalizeH="0" baseline="0" smtClean="0">
+                    <a:ln>
+                      <a:noFill/>
+                    </a:ln>
+                    <a:solidFill>
+                      <a:srgbClr val="000000"/>
+                    </a:solidFill>
+                    <a:effectLst/>
+                    <a:latin typeface="Calibri" pitchFamily="34" charset="0"/>
+                    <a:cs typeface="Arial" pitchFamily="34" charset="0"/>
+                  </a:rPr>
+                  <a:t>45</a:t>
+                </a:r>
+                <a:endParaRPr kumimoji="0" lang="en-US" sz="1800" b="0" i="0" u="none" strike="noStrike" cap="none" normalizeH="0" baseline="0" smtClean="0">
+                  <a:ln>
+                    <a:noFill/>
+                  </a:ln>
+                  <a:solidFill>
+                    <a:schemeClr val="tx1"/>
+                  </a:solidFill>
+                  <a:effectLst/>
+                  <a:latin typeface="Arial" pitchFamily="34" charset="0"/>
+                  <a:cs typeface="Arial" pitchFamily="34" charset="0"/>
+                </a:endParaRPr>
+              </a:p>
+            </p:txBody>
+          </p:sp>
+          <p:sp>
+            <p:nvSpPr>
+              <p:cNvPr id="93" name="Rectangle 36"/>
+              <p:cNvSpPr>
+                <a:spLocks noChangeArrowheads="1"/>
+              </p:cNvSpPr>
+              <p:nvPr/>
+            </p:nvSpPr>
+            <p:spPr bwMode="auto">
+              <a:xfrm>
+                <a:off x="3910013" y="3559175"/>
+                <a:ext cx="234950" cy="339725"/>
+              </a:xfrm>
+              <a:prstGeom prst="rect">
+                <a:avLst/>
+              </a:prstGeom>
+              <a:noFill/>
+              <a:ln>
+                <a:noFill/>
+              </a:ln>
+              <a:extLst>
+                <a:ext uri="{909E8E84-426E-40DD-AFC4-6F175D3DCCD1}">
+                  <a14:hiddenFill xmlns:a14="http://schemas.microsoft.com/office/drawing/2010/main">
+                    <a:solidFill>
+                      <a:srgbClr val="FFFFFF"/>
+                    </a:solidFill>
+                  </a14:hiddenFill>
+                </a:ext>
+                <a:ext uri="{91240B29-F687-4F45-9708-019B960494DF}">
+                  <a14:hiddenLine xmlns:a14="http://schemas.microsoft.com/office/drawing/2010/main" w="9525">
+                    <a:solidFill>
+                      <a:srgbClr val="000000"/>
+                    </a:solidFill>
+                    <a:miter lim="800000"/>
+                    <a:headEnd/>
+                    <a:tailEnd/>
+                  </a14:hiddenLine>
+                </a:ext>
+              </a:extLst>
+            </p:spPr>
+            <p:txBody>
+              <a:bodyPr vert="horz" wrap="none" lIns="0" tIns="0" rIns="0" bIns="0" numCol="1" anchor="t" anchorCtr="0" compatLnSpc="1">
+                <a:prstTxWarp prst="textNoShape">
+                  <a:avLst/>
+                </a:prstTxWarp>
+                <a:spAutoFit/>
+              </a:bodyPr>
+              <a:lstStyle/>
+              <a:p>
+                <a:pPr marL="0" marR="0" lvl="0" indent="0" algn="l" defTabSz="914400" rtl="0" eaLnBrk="1" fontAlgn="base" latinLnBrk="0" hangingPunct="1">
+                  <a:lnSpc>
+                    <a:spcPct val="100000"/>
+                  </a:lnSpc>
+                  <a:spcBef>
+                    <a:spcPct val="0"/>
+                  </a:spcBef>
+                  <a:spcAft>
+                    <a:spcPct val="0"/>
+                  </a:spcAft>
+                  <a:buClrTx/>
+                  <a:buSzTx/>
+                  <a:buFontTx/>
+                  <a:buNone/>
+                  <a:tabLst/>
+                </a:pPr>
+                <a:r>
+                  <a:rPr kumimoji="0" lang="en-US" sz="1800" b="0" i="0" u="none" strike="noStrike" cap="none" normalizeH="0" baseline="0" dirty="0" smtClean="0">
+                    <a:ln>
+                      <a:noFill/>
+                    </a:ln>
+                    <a:solidFill>
+                      <a:srgbClr val="000000"/>
+                    </a:solidFill>
+                    <a:effectLst/>
+                    <a:latin typeface="Calibri" pitchFamily="34" charset="0"/>
+                    <a:cs typeface="Arial" pitchFamily="34" charset="0"/>
+                  </a:rPr>
+                  <a:t>2</a:t>
+                </a:r>
+                <a:endParaRPr kumimoji="0" lang="en-US" sz="1800" b="0" i="0" u="none" strike="noStrike" cap="none" normalizeH="0" baseline="0" dirty="0" smtClean="0">
+                  <a:ln>
+                    <a:noFill/>
+                  </a:ln>
+                  <a:solidFill>
+                    <a:schemeClr val="tx1"/>
+                  </a:solidFill>
+                  <a:effectLst/>
+                  <a:latin typeface="Arial" pitchFamily="34" charset="0"/>
+                  <a:cs typeface="Arial" pitchFamily="34" charset="0"/>
+                </a:endParaRPr>
+              </a:p>
+            </p:txBody>
+          </p:sp>
+          <p:sp>
+            <p:nvSpPr>
+              <p:cNvPr id="94" name="Rectangle 37"/>
+              <p:cNvSpPr>
+                <a:spLocks noChangeArrowheads="1"/>
+              </p:cNvSpPr>
+              <p:nvPr/>
+            </p:nvSpPr>
+            <p:spPr bwMode="auto">
+              <a:xfrm>
+                <a:off x="4727575" y="3559175"/>
+                <a:ext cx="350838" cy="339725"/>
+              </a:xfrm>
+              <a:prstGeom prst="rect">
+                <a:avLst/>
+              </a:prstGeom>
+              <a:noFill/>
+              <a:ln>
+                <a:noFill/>
+              </a:ln>
+              <a:extLst>
+                <a:ext uri="{909E8E84-426E-40DD-AFC4-6F175D3DCCD1}">
+                  <a14:hiddenFill xmlns:a14="http://schemas.microsoft.com/office/drawing/2010/main">
+                    <a:solidFill>
+                      <a:srgbClr val="FFFFFF"/>
+                    </a:solidFill>
+                  </a14:hiddenFill>
+                </a:ext>
+                <a:ext uri="{91240B29-F687-4F45-9708-019B960494DF}">
+                  <a14:hiddenLine xmlns:a14="http://schemas.microsoft.com/office/drawing/2010/main" w="9525">
+                    <a:solidFill>
+                      <a:srgbClr val="000000"/>
+                    </a:solidFill>
+                    <a:miter lim="800000"/>
+                    <a:headEnd/>
+                    <a:tailEnd/>
+                  </a14:hiddenLine>
+                </a:ext>
+              </a:extLst>
+            </p:spPr>
+            <p:txBody>
+              <a:bodyPr vert="horz" wrap="none" lIns="0" tIns="0" rIns="0" bIns="0" numCol="1" anchor="t" anchorCtr="0" compatLnSpc="1">
+                <a:prstTxWarp prst="textNoShape">
+                  <a:avLst/>
+                </a:prstTxWarp>
+                <a:spAutoFit/>
+              </a:bodyPr>
+              <a:lstStyle/>
+              <a:p>
+                <a:pPr marL="0" marR="0" lvl="0" indent="0" algn="l" defTabSz="914400" rtl="0" eaLnBrk="1" fontAlgn="base" latinLnBrk="0" hangingPunct="1">
+                  <a:lnSpc>
+                    <a:spcPct val="100000"/>
+                  </a:lnSpc>
+                  <a:spcBef>
+                    <a:spcPct val="0"/>
+                  </a:spcBef>
+                  <a:spcAft>
+                    <a:spcPct val="0"/>
+                  </a:spcAft>
+                  <a:buClrTx/>
+                  <a:buSzTx/>
+                  <a:buFontTx/>
+                  <a:buNone/>
+                  <a:tabLst/>
+                </a:pPr>
+                <a:r>
+                  <a:rPr kumimoji="0" lang="en-US" sz="1800" b="0" i="0" u="none" strike="noStrike" cap="none" normalizeH="0" baseline="0" smtClean="0">
+                    <a:ln>
+                      <a:noFill/>
+                    </a:ln>
+                    <a:solidFill>
+                      <a:srgbClr val="000000"/>
+                    </a:solidFill>
+                    <a:effectLst/>
+                    <a:latin typeface="Calibri" pitchFamily="34" charset="0"/>
+                    <a:cs typeface="Arial" pitchFamily="34" charset="0"/>
+                  </a:rPr>
+                  <a:t>37</a:t>
+                </a:r>
+                <a:endParaRPr kumimoji="0" lang="en-US" sz="1800" b="0" i="0" u="none" strike="noStrike" cap="none" normalizeH="0" baseline="0" smtClean="0">
+                  <a:ln>
+                    <a:noFill/>
+                  </a:ln>
+                  <a:solidFill>
+                    <a:schemeClr val="tx1"/>
+                  </a:solidFill>
+                  <a:effectLst/>
+                  <a:latin typeface="Arial" pitchFamily="34" charset="0"/>
+                  <a:cs typeface="Arial" pitchFamily="34" charset="0"/>
+                </a:endParaRPr>
+              </a:p>
+            </p:txBody>
+          </p:sp>
+          <p:sp>
+            <p:nvSpPr>
+              <p:cNvPr id="95" name="Rectangle 38"/>
+              <p:cNvSpPr>
+                <a:spLocks noChangeArrowheads="1"/>
+              </p:cNvSpPr>
+              <p:nvPr/>
+            </p:nvSpPr>
+            <p:spPr bwMode="auto">
+              <a:xfrm>
+                <a:off x="5603875" y="3559175"/>
+                <a:ext cx="350838" cy="339725"/>
+              </a:xfrm>
+              <a:prstGeom prst="rect">
+                <a:avLst/>
+              </a:prstGeom>
+              <a:noFill/>
+              <a:ln>
+                <a:noFill/>
+              </a:ln>
+              <a:extLst>
+                <a:ext uri="{909E8E84-426E-40DD-AFC4-6F175D3DCCD1}">
+                  <a14:hiddenFill xmlns:a14="http://schemas.microsoft.com/office/drawing/2010/main">
+                    <a:solidFill>
+                      <a:srgbClr val="FFFFFF"/>
+                    </a:solidFill>
+                  </a14:hiddenFill>
+                </a:ext>
+                <a:ext uri="{91240B29-F687-4F45-9708-019B960494DF}">
+                  <a14:hiddenLine xmlns:a14="http://schemas.microsoft.com/office/drawing/2010/main" w="9525">
+                    <a:solidFill>
+                      <a:srgbClr val="000000"/>
+                    </a:solidFill>
+                    <a:miter lim="800000"/>
+                    <a:headEnd/>
+                    <a:tailEnd/>
+                  </a14:hiddenLine>
+                </a:ext>
+              </a:extLst>
+            </p:spPr>
+            <p:txBody>
+              <a:bodyPr vert="horz" wrap="none" lIns="0" tIns="0" rIns="0" bIns="0" numCol="1" anchor="t" anchorCtr="0" compatLnSpc="1">
+                <a:prstTxWarp prst="textNoShape">
+                  <a:avLst/>
+                </a:prstTxWarp>
+                <a:spAutoFit/>
+              </a:bodyPr>
+              <a:lstStyle/>
+              <a:p>
+                <a:pPr marL="0" marR="0" lvl="0" indent="0" algn="l" defTabSz="914400" rtl="0" eaLnBrk="1" fontAlgn="base" latinLnBrk="0" hangingPunct="1">
+                  <a:lnSpc>
+                    <a:spcPct val="100000"/>
+                  </a:lnSpc>
+                  <a:spcBef>
+                    <a:spcPct val="0"/>
+                  </a:spcBef>
+                  <a:spcAft>
+                    <a:spcPct val="0"/>
+                  </a:spcAft>
+                  <a:buClrTx/>
+                  <a:buSzTx/>
+                  <a:buFontTx/>
+                  <a:buNone/>
+                  <a:tabLst/>
+                </a:pPr>
+                <a:r>
+                  <a:rPr kumimoji="0" lang="en-US" sz="1800" b="0" i="0" u="none" strike="noStrike" cap="none" normalizeH="0" baseline="0" smtClean="0">
+                    <a:ln>
+                      <a:noFill/>
+                    </a:ln>
+                    <a:solidFill>
+                      <a:srgbClr val="000000"/>
+                    </a:solidFill>
+                    <a:effectLst/>
+                    <a:latin typeface="Calibri" pitchFamily="34" charset="0"/>
+                    <a:cs typeface="Arial" pitchFamily="34" charset="0"/>
+                  </a:rPr>
+                  <a:t>30</a:t>
+                </a:r>
+                <a:endParaRPr kumimoji="0" lang="en-US" sz="1800" b="0" i="0" u="none" strike="noStrike" cap="none" normalizeH="0" baseline="0" smtClean="0">
+                  <a:ln>
+                    <a:noFill/>
+                  </a:ln>
+                  <a:solidFill>
+                    <a:schemeClr val="tx1"/>
+                  </a:solidFill>
+                  <a:effectLst/>
+                  <a:latin typeface="Arial" pitchFamily="34" charset="0"/>
+                  <a:cs typeface="Arial" pitchFamily="34" charset="0"/>
+                </a:endParaRPr>
+              </a:p>
+            </p:txBody>
+          </p:sp>
+          <p:sp>
+            <p:nvSpPr>
+              <p:cNvPr id="98" name="Rectangle 41"/>
+              <p:cNvSpPr>
+                <a:spLocks noChangeArrowheads="1"/>
+              </p:cNvSpPr>
+              <p:nvPr/>
+            </p:nvSpPr>
+            <p:spPr bwMode="auto">
+              <a:xfrm>
+                <a:off x="3910013" y="3929062"/>
+                <a:ext cx="234950" cy="339725"/>
+              </a:xfrm>
+              <a:prstGeom prst="rect">
+                <a:avLst/>
+              </a:prstGeom>
+              <a:noFill/>
+              <a:ln>
+                <a:noFill/>
+              </a:ln>
+              <a:extLst>
+                <a:ext uri="{909E8E84-426E-40DD-AFC4-6F175D3DCCD1}">
+                  <a14:hiddenFill xmlns:a14="http://schemas.microsoft.com/office/drawing/2010/main">
+                    <a:solidFill>
+                      <a:srgbClr val="FFFFFF"/>
+                    </a:solidFill>
+                  </a14:hiddenFill>
+                </a:ext>
+                <a:ext uri="{91240B29-F687-4F45-9708-019B960494DF}">
+                  <a14:hiddenLine xmlns:a14="http://schemas.microsoft.com/office/drawing/2010/main" w="9525">
+                    <a:solidFill>
+                      <a:srgbClr val="000000"/>
+                    </a:solidFill>
+                    <a:miter lim="800000"/>
+                    <a:headEnd/>
+                    <a:tailEnd/>
+                  </a14:hiddenLine>
+                </a:ext>
+              </a:extLst>
+            </p:spPr>
+            <p:txBody>
+              <a:bodyPr vert="horz" wrap="none" lIns="0" tIns="0" rIns="0" bIns="0" numCol="1" anchor="t" anchorCtr="0" compatLnSpc="1">
+                <a:prstTxWarp prst="textNoShape">
+                  <a:avLst/>
+                </a:prstTxWarp>
+                <a:spAutoFit/>
+              </a:bodyPr>
+              <a:lstStyle/>
+              <a:p>
+                <a:pPr marL="0" marR="0" lvl="0" indent="0" algn="l" defTabSz="914400" rtl="0" eaLnBrk="1" fontAlgn="base" latinLnBrk="0" hangingPunct="1">
+                  <a:lnSpc>
+                    <a:spcPct val="100000"/>
+                  </a:lnSpc>
+                  <a:spcBef>
+                    <a:spcPct val="0"/>
+                  </a:spcBef>
+                  <a:spcAft>
+                    <a:spcPct val="0"/>
+                  </a:spcAft>
+                  <a:buClrTx/>
+                  <a:buSzTx/>
+                  <a:buFontTx/>
+                  <a:buNone/>
+                  <a:tabLst/>
+                </a:pPr>
+                <a:r>
+                  <a:rPr kumimoji="0" lang="en-US" sz="1800" b="0" i="0" u="none" strike="noStrike" cap="none" normalizeH="0" baseline="0" smtClean="0">
+                    <a:ln>
+                      <a:noFill/>
+                    </a:ln>
+                    <a:solidFill>
+                      <a:srgbClr val="000000"/>
+                    </a:solidFill>
+                    <a:effectLst/>
+                    <a:latin typeface="Calibri" pitchFamily="34" charset="0"/>
+                    <a:cs typeface="Arial" pitchFamily="34" charset="0"/>
+                  </a:rPr>
+                  <a:t>3</a:t>
+                </a:r>
+                <a:endParaRPr kumimoji="0" lang="en-US" sz="1800" b="0" i="0" u="none" strike="noStrike" cap="none" normalizeH="0" baseline="0" smtClean="0">
+                  <a:ln>
+                    <a:noFill/>
+                  </a:ln>
+                  <a:solidFill>
+                    <a:schemeClr val="tx1"/>
+                  </a:solidFill>
+                  <a:effectLst/>
+                  <a:latin typeface="Arial" pitchFamily="34" charset="0"/>
+                  <a:cs typeface="Arial" pitchFamily="34" charset="0"/>
+                </a:endParaRPr>
+              </a:p>
+            </p:txBody>
+          </p:sp>
+          <p:sp>
+            <p:nvSpPr>
+              <p:cNvPr id="99" name="Rectangle 42"/>
+              <p:cNvSpPr>
+                <a:spLocks noChangeArrowheads="1"/>
+              </p:cNvSpPr>
+              <p:nvPr/>
+            </p:nvSpPr>
+            <p:spPr bwMode="auto">
+              <a:xfrm>
+                <a:off x="4727575" y="3929062"/>
+                <a:ext cx="350838" cy="339725"/>
+              </a:xfrm>
+              <a:prstGeom prst="rect">
+                <a:avLst/>
+              </a:prstGeom>
+              <a:noFill/>
+              <a:ln>
+                <a:noFill/>
+              </a:ln>
+              <a:extLst>
+                <a:ext uri="{909E8E84-426E-40DD-AFC4-6F175D3DCCD1}">
+                  <a14:hiddenFill xmlns:a14="http://schemas.microsoft.com/office/drawing/2010/main">
+                    <a:solidFill>
+                      <a:srgbClr val="FFFFFF"/>
+                    </a:solidFill>
+                  </a14:hiddenFill>
+                </a:ext>
+                <a:ext uri="{91240B29-F687-4F45-9708-019B960494DF}">
+                  <a14:hiddenLine xmlns:a14="http://schemas.microsoft.com/office/drawing/2010/main" w="9525">
+                    <a:solidFill>
+                      <a:srgbClr val="000000"/>
+                    </a:solidFill>
+                    <a:miter lim="800000"/>
+                    <a:headEnd/>
+                    <a:tailEnd/>
+                  </a14:hiddenLine>
+                </a:ext>
+              </a:extLst>
+            </p:spPr>
+            <p:txBody>
+              <a:bodyPr vert="horz" wrap="none" lIns="0" tIns="0" rIns="0" bIns="0" numCol="1" anchor="t" anchorCtr="0" compatLnSpc="1">
+                <a:prstTxWarp prst="textNoShape">
+                  <a:avLst/>
+                </a:prstTxWarp>
+                <a:spAutoFit/>
+              </a:bodyPr>
+              <a:lstStyle/>
+              <a:p>
+                <a:pPr marL="0" marR="0" lvl="0" indent="0" algn="l" defTabSz="914400" rtl="0" eaLnBrk="1" fontAlgn="base" latinLnBrk="0" hangingPunct="1">
+                  <a:lnSpc>
+                    <a:spcPct val="100000"/>
+                  </a:lnSpc>
+                  <a:spcBef>
+                    <a:spcPct val="0"/>
+                  </a:spcBef>
+                  <a:spcAft>
+                    <a:spcPct val="0"/>
+                  </a:spcAft>
+                  <a:buClrTx/>
+                  <a:buSzTx/>
+                  <a:buFontTx/>
+                  <a:buNone/>
+                  <a:tabLst/>
+                </a:pPr>
+                <a:r>
+                  <a:rPr kumimoji="0" lang="en-US" sz="1800" b="0" i="0" u="none" strike="noStrike" cap="none" normalizeH="0" baseline="0" smtClean="0">
+                    <a:ln>
+                      <a:noFill/>
+                    </a:ln>
+                    <a:solidFill>
+                      <a:srgbClr val="000000"/>
+                    </a:solidFill>
+                    <a:effectLst/>
+                    <a:latin typeface="Calibri" pitchFamily="34" charset="0"/>
+                    <a:cs typeface="Arial" pitchFamily="34" charset="0"/>
+                  </a:rPr>
+                  <a:t>52</a:t>
+                </a:r>
+                <a:endParaRPr kumimoji="0" lang="en-US" sz="1800" b="0" i="0" u="none" strike="noStrike" cap="none" normalizeH="0" baseline="0" smtClean="0">
+                  <a:ln>
+                    <a:noFill/>
+                  </a:ln>
+                  <a:solidFill>
+                    <a:schemeClr val="tx1"/>
+                  </a:solidFill>
+                  <a:effectLst/>
+                  <a:latin typeface="Arial" pitchFamily="34" charset="0"/>
+                  <a:cs typeface="Arial" pitchFamily="34" charset="0"/>
+                </a:endParaRPr>
+              </a:p>
+            </p:txBody>
+          </p:sp>
+          <p:sp>
+            <p:nvSpPr>
+              <p:cNvPr id="100" name="Rectangle 43"/>
+              <p:cNvSpPr>
+                <a:spLocks noChangeArrowheads="1"/>
+              </p:cNvSpPr>
+              <p:nvPr/>
+            </p:nvSpPr>
+            <p:spPr bwMode="auto">
+              <a:xfrm>
+                <a:off x="5603875" y="3929062"/>
+                <a:ext cx="350838" cy="339725"/>
+              </a:xfrm>
+              <a:prstGeom prst="rect">
+                <a:avLst/>
+              </a:prstGeom>
+              <a:noFill/>
+              <a:ln>
+                <a:noFill/>
+              </a:ln>
+              <a:extLst>
+                <a:ext uri="{909E8E84-426E-40DD-AFC4-6F175D3DCCD1}">
+                  <a14:hiddenFill xmlns:a14="http://schemas.microsoft.com/office/drawing/2010/main">
+                    <a:solidFill>
+                      <a:srgbClr val="FFFFFF"/>
+                    </a:solidFill>
+                  </a14:hiddenFill>
+                </a:ext>
+                <a:ext uri="{91240B29-F687-4F45-9708-019B960494DF}">
+                  <a14:hiddenLine xmlns:a14="http://schemas.microsoft.com/office/drawing/2010/main" w="9525">
+                    <a:solidFill>
+                      <a:srgbClr val="000000"/>
+                    </a:solidFill>
+                    <a:miter lim="800000"/>
+                    <a:headEnd/>
+                    <a:tailEnd/>
+                  </a14:hiddenLine>
+                </a:ext>
+              </a:extLst>
+            </p:spPr>
+            <p:txBody>
+              <a:bodyPr vert="horz" wrap="none" lIns="0" tIns="0" rIns="0" bIns="0" numCol="1" anchor="t" anchorCtr="0" compatLnSpc="1">
+                <a:prstTxWarp prst="textNoShape">
+                  <a:avLst/>
+                </a:prstTxWarp>
+                <a:spAutoFit/>
+              </a:bodyPr>
+              <a:lstStyle/>
+              <a:p>
+                <a:pPr marL="0" marR="0" lvl="0" indent="0" algn="l" defTabSz="914400" rtl="0" eaLnBrk="1" fontAlgn="base" latinLnBrk="0" hangingPunct="1">
+                  <a:lnSpc>
+                    <a:spcPct val="100000"/>
+                  </a:lnSpc>
+                  <a:spcBef>
+                    <a:spcPct val="0"/>
+                  </a:spcBef>
+                  <a:spcAft>
+                    <a:spcPct val="0"/>
+                  </a:spcAft>
+                  <a:buClrTx/>
+                  <a:buSzTx/>
+                  <a:buFontTx/>
+                  <a:buNone/>
+                  <a:tabLst/>
+                </a:pPr>
+                <a:r>
+                  <a:rPr kumimoji="0" lang="en-US" sz="1800" b="0" i="0" u="none" strike="noStrike" cap="none" normalizeH="0" baseline="0" smtClean="0">
+                    <a:ln>
+                      <a:noFill/>
+                    </a:ln>
+                    <a:solidFill>
+                      <a:srgbClr val="000000"/>
+                    </a:solidFill>
+                    <a:effectLst/>
+                    <a:latin typeface="Calibri" pitchFamily="34" charset="0"/>
+                    <a:cs typeface="Arial" pitchFamily="34" charset="0"/>
+                  </a:rPr>
+                  <a:t>17</a:t>
+                </a:r>
+                <a:endParaRPr kumimoji="0" lang="en-US" sz="1800" b="0" i="0" u="none" strike="noStrike" cap="none" normalizeH="0" baseline="0" smtClean="0">
+                  <a:ln>
+                    <a:noFill/>
+                  </a:ln>
+                  <a:solidFill>
+                    <a:schemeClr val="tx1"/>
+                  </a:solidFill>
+                  <a:effectLst/>
+                  <a:latin typeface="Arial" pitchFamily="34" charset="0"/>
+                  <a:cs typeface="Arial" pitchFamily="34" charset="0"/>
+                </a:endParaRPr>
+              </a:p>
+            </p:txBody>
+          </p:sp>
+        </p:grpSp>
+      </p:grpSp>
+      <p:grpSp>
+        <p:nvGrpSpPr>
+          <p:cNvPr id="56" name="Group 55"/>
+          <p:cNvGrpSpPr/>
+          <p:nvPr/>
+        </p:nvGrpSpPr>
+        <p:grpSpPr>
+          <a:xfrm>
+            <a:off x="6254750" y="2238375"/>
+            <a:ext cx="1230313" cy="2030412"/>
+            <a:chOff x="6254750" y="2238375"/>
+            <a:chExt cx="1230313" cy="2030412"/>
+          </a:xfrm>
+        </p:grpSpPr>
+        <p:sp>
+          <p:nvSpPr>
+            <p:cNvPr id="79" name="Rectangle 22"/>
+            <p:cNvSpPr>
+              <a:spLocks noChangeArrowheads="1"/>
+            </p:cNvSpPr>
+            <p:nvPr/>
+          </p:nvSpPr>
+          <p:spPr bwMode="auto">
+            <a:xfrm>
+              <a:off x="6254750" y="2238375"/>
+              <a:ext cx="1230313" cy="303213"/>
+            </a:xfrm>
+            <a:prstGeom prst="rect">
+              <a:avLst/>
+            </a:prstGeom>
+            <a:noFill/>
+            <a:ln>
+              <a:noFill/>
+            </a:ln>
+            <a:extLst>
+              <a:ext uri="{909E8E84-426E-40DD-AFC4-6F175D3DCCD1}">
+                <a14:hiddenFill xmlns:a14="http://schemas.microsoft.com/office/drawing/2010/main">
+                  <a:solidFill>
+                    <a:srgbClr val="FFFFFF"/>
+                  </a:solidFill>
+                </a14:hiddenFill>
+              </a:ext>
+              <a:ext uri="{91240B29-F687-4F45-9708-019B960494DF}">
+                <a14:hiddenLine xmlns:a14="http://schemas.microsoft.com/office/drawing/2010/main" w="9525">
+                  <a:solidFill>
+                    <a:srgbClr val="000000"/>
+                  </a:solidFill>
+                  <a:miter lim="800000"/>
+                  <a:headEnd/>
+                  <a:tailEnd/>
+                </a14:hiddenLine>
+              </a:ext>
+            </a:extLst>
+          </p:spPr>
+          <p:txBody>
+            <a:bodyPr vert="horz" wrap="none" lIns="0" tIns="0" rIns="0" bIns="0" numCol="1" anchor="t" anchorCtr="0" compatLnSpc="1">
+              <a:prstTxWarp prst="textNoShape">
+                <a:avLst/>
+              </a:prstTxWarp>
+              <a:spAutoFit/>
+            </a:bodyPr>
+            <a:lstStyle/>
+            <a:p>
+              <a:pPr marL="0" marR="0" lvl="0" indent="0" algn="l" defTabSz="914400" rtl="0" eaLnBrk="1" fontAlgn="base" latinLnBrk="0" hangingPunct="1">
+                <a:lnSpc>
+                  <a:spcPct val="100000"/>
+                </a:lnSpc>
+                <a:spcBef>
+                  <a:spcPct val="0"/>
+                </a:spcBef>
+                <a:spcAft>
+                  <a:spcPct val="0"/>
+                </a:spcAft>
+                <a:buClrTx/>
+                <a:buSzTx/>
+                <a:buFontTx/>
+                <a:buNone/>
+                <a:tabLst/>
+              </a:pPr>
+              <a:r>
+                <a:rPr kumimoji="0" lang="en-US" sz="1600" b="0" i="0" u="none" strike="noStrike" cap="none" normalizeH="0" baseline="0" dirty="0" smtClean="0">
+                  <a:ln>
+                    <a:noFill/>
+                  </a:ln>
+                  <a:solidFill>
+                    <a:srgbClr val="000000"/>
+                  </a:solidFill>
+                  <a:effectLst/>
+                  <a:latin typeface="Calibri" pitchFamily="34" charset="0"/>
+                  <a:cs typeface="Arial" pitchFamily="34" charset="0"/>
+                </a:rPr>
+                <a:t>Transmission </a:t>
+              </a:r>
+              <a:endParaRPr kumimoji="0" lang="en-US" sz="1800" b="0" i="0" u="none" strike="noStrike" cap="none" normalizeH="0" baseline="0" dirty="0" smtClean="0">
+                <a:ln>
+                  <a:noFill/>
+                </a:ln>
+                <a:solidFill>
+                  <a:schemeClr val="tx1"/>
+                </a:solidFill>
+                <a:effectLst/>
+                <a:latin typeface="Arial" pitchFamily="34" charset="0"/>
+                <a:cs typeface="Arial" pitchFamily="34" charset="0"/>
+              </a:endParaRPr>
+            </a:p>
+          </p:txBody>
+        </p:sp>
+        <p:sp>
+          <p:nvSpPr>
+            <p:cNvPr id="80" name="Rectangle 23"/>
+            <p:cNvSpPr>
+              <a:spLocks noChangeArrowheads="1"/>
+            </p:cNvSpPr>
+            <p:nvPr/>
+          </p:nvSpPr>
+          <p:spPr bwMode="auto">
+            <a:xfrm>
+              <a:off x="6573838" y="2481262"/>
+              <a:ext cx="531813" cy="303213"/>
+            </a:xfrm>
+            <a:prstGeom prst="rect">
+              <a:avLst/>
+            </a:prstGeom>
+            <a:noFill/>
+            <a:ln>
+              <a:noFill/>
+            </a:ln>
+            <a:extLst>
+              <a:ext uri="{909E8E84-426E-40DD-AFC4-6F175D3DCCD1}">
+                <a14:hiddenFill xmlns:a14="http://schemas.microsoft.com/office/drawing/2010/main">
+                  <a:solidFill>
+                    <a:srgbClr val="FFFFFF"/>
+                  </a:solidFill>
+                </a14:hiddenFill>
+              </a:ext>
+              <a:ext uri="{91240B29-F687-4F45-9708-019B960494DF}">
+                <a14:hiddenLine xmlns:a14="http://schemas.microsoft.com/office/drawing/2010/main" w="9525">
+                  <a:solidFill>
+                    <a:srgbClr val="000000"/>
+                  </a:solidFill>
+                  <a:miter lim="800000"/>
+                  <a:headEnd/>
+                  <a:tailEnd/>
+                </a14:hiddenLine>
+              </a:ext>
+            </a:extLst>
+          </p:spPr>
+          <p:txBody>
+            <a:bodyPr vert="horz" wrap="none" lIns="0" tIns="0" rIns="0" bIns="0" numCol="1" anchor="t" anchorCtr="0" compatLnSpc="1">
+              <a:prstTxWarp prst="textNoShape">
+                <a:avLst/>
+              </a:prstTxWarp>
+              <a:spAutoFit/>
+            </a:bodyPr>
+            <a:lstStyle/>
+            <a:p>
+              <a:pPr marL="0" marR="0" lvl="0" indent="0" algn="l" defTabSz="914400" rtl="0" eaLnBrk="1" fontAlgn="base" latinLnBrk="0" hangingPunct="1">
+                <a:lnSpc>
+                  <a:spcPct val="100000"/>
+                </a:lnSpc>
+                <a:spcBef>
+                  <a:spcPct val="0"/>
+                </a:spcBef>
+                <a:spcAft>
+                  <a:spcPct val="0"/>
+                </a:spcAft>
+                <a:buClrTx/>
+                <a:buSzTx/>
+                <a:buFontTx/>
+                <a:buNone/>
+                <a:tabLst/>
+              </a:pPr>
+              <a:r>
+                <a:rPr kumimoji="0" lang="en-US" sz="1600" b="0" i="0" u="none" strike="noStrike" cap="none" normalizeH="0" baseline="0" smtClean="0">
+                  <a:ln>
+                    <a:noFill/>
+                  </a:ln>
+                  <a:solidFill>
+                    <a:srgbClr val="000000"/>
+                  </a:solidFill>
+                  <a:effectLst/>
+                  <a:latin typeface="Calibri" pitchFamily="34" charset="0"/>
+                  <a:cs typeface="Arial" pitchFamily="34" charset="0"/>
+                </a:rPr>
+                <a:t>Ratio</a:t>
+              </a:r>
+              <a:endParaRPr kumimoji="0" lang="en-US" sz="1800" b="0" i="0" u="none" strike="noStrike" cap="none" normalizeH="0" baseline="0" smtClean="0">
+                <a:ln>
+                  <a:noFill/>
+                </a:ln>
+                <a:solidFill>
+                  <a:schemeClr val="tx1"/>
+                </a:solidFill>
+                <a:effectLst/>
+                <a:latin typeface="Arial" pitchFamily="34" charset="0"/>
+                <a:cs typeface="Arial" pitchFamily="34" charset="0"/>
+              </a:endParaRPr>
+            </a:p>
+          </p:txBody>
+        </p:sp>
+        <p:sp>
+          <p:nvSpPr>
+            <p:cNvPr id="86" name="Rectangle 29"/>
+            <p:cNvSpPr>
+              <a:spLocks noChangeArrowheads="1"/>
+            </p:cNvSpPr>
+            <p:nvPr/>
+          </p:nvSpPr>
+          <p:spPr bwMode="auto">
+            <a:xfrm>
+              <a:off x="6584950" y="2817812"/>
+              <a:ext cx="523875" cy="339725"/>
+            </a:xfrm>
+            <a:prstGeom prst="rect">
+              <a:avLst/>
+            </a:prstGeom>
+            <a:noFill/>
+            <a:ln>
+              <a:noFill/>
+            </a:ln>
+            <a:extLst>
+              <a:ext uri="{909E8E84-426E-40DD-AFC4-6F175D3DCCD1}">
+                <a14:hiddenFill xmlns:a14="http://schemas.microsoft.com/office/drawing/2010/main">
+                  <a:solidFill>
+                    <a:srgbClr val="FFFFFF"/>
+                  </a:solidFill>
+                </a14:hiddenFill>
+              </a:ext>
+              <a:ext uri="{91240B29-F687-4F45-9708-019B960494DF}">
+                <a14:hiddenLine xmlns:a14="http://schemas.microsoft.com/office/drawing/2010/main" w="9525">
+                  <a:solidFill>
+                    <a:srgbClr val="000000"/>
+                  </a:solidFill>
+                  <a:miter lim="800000"/>
+                  <a:headEnd/>
+                  <a:tailEnd/>
+                </a14:hiddenLine>
+              </a:ext>
+            </a:extLst>
+          </p:spPr>
+          <p:txBody>
+            <a:bodyPr vert="horz" wrap="none" lIns="0" tIns="0" rIns="0" bIns="0" numCol="1" anchor="t" anchorCtr="0" compatLnSpc="1">
+              <a:prstTxWarp prst="textNoShape">
+                <a:avLst/>
+              </a:prstTxWarp>
+              <a:spAutoFit/>
+            </a:bodyPr>
+            <a:lstStyle/>
+            <a:p>
+              <a:pPr marL="0" marR="0" lvl="0" indent="0" algn="l" defTabSz="914400" rtl="0" eaLnBrk="1" fontAlgn="base" latinLnBrk="0" hangingPunct="1">
+                <a:lnSpc>
+                  <a:spcPct val="100000"/>
+                </a:lnSpc>
+                <a:spcBef>
+                  <a:spcPct val="0"/>
+                </a:spcBef>
+                <a:spcAft>
+                  <a:spcPct val="0"/>
+                </a:spcAft>
+                <a:buClrTx/>
+                <a:buSzTx/>
+                <a:buFontTx/>
+                <a:buNone/>
+                <a:tabLst/>
+              </a:pPr>
+              <a:r>
+                <a:rPr kumimoji="0" lang="en-US" sz="1800" b="0" i="0" u="none" strike="noStrike" cap="none" normalizeH="0" baseline="0" dirty="0" smtClean="0">
+                  <a:ln>
+                    <a:noFill/>
+                  </a:ln>
+                  <a:solidFill>
+                    <a:srgbClr val="000000"/>
+                  </a:solidFill>
+                  <a:effectLst/>
+                  <a:latin typeface="Calibri" pitchFamily="34" charset="0"/>
+                  <a:cs typeface="Arial" pitchFamily="34" charset="0"/>
+                </a:rPr>
+                <a:t>0.70</a:t>
+              </a:r>
+              <a:endParaRPr kumimoji="0" lang="en-US" sz="1800" b="0" i="0" u="none" strike="noStrike" cap="none" normalizeH="0" baseline="0" dirty="0" smtClean="0">
+                <a:ln>
+                  <a:noFill/>
+                </a:ln>
+                <a:solidFill>
+                  <a:schemeClr val="tx1"/>
+                </a:solidFill>
+                <a:effectLst/>
+                <a:latin typeface="Arial" pitchFamily="34" charset="0"/>
+                <a:cs typeface="Arial" pitchFamily="34" charset="0"/>
+              </a:endParaRPr>
+            </a:p>
+          </p:txBody>
+        </p:sp>
+        <p:sp>
+          <p:nvSpPr>
+            <p:cNvPr id="91" name="Rectangle 34"/>
+            <p:cNvSpPr>
+              <a:spLocks noChangeArrowheads="1"/>
+            </p:cNvSpPr>
+            <p:nvPr/>
+          </p:nvSpPr>
+          <p:spPr bwMode="auto">
+            <a:xfrm>
+              <a:off x="6584950" y="3187700"/>
+              <a:ext cx="523875" cy="339725"/>
+            </a:xfrm>
+            <a:prstGeom prst="rect">
+              <a:avLst/>
+            </a:prstGeom>
+            <a:noFill/>
+            <a:ln>
+              <a:noFill/>
+            </a:ln>
+            <a:extLst>
+              <a:ext uri="{909E8E84-426E-40DD-AFC4-6F175D3DCCD1}">
+                <a14:hiddenFill xmlns:a14="http://schemas.microsoft.com/office/drawing/2010/main">
+                  <a:solidFill>
+                    <a:srgbClr val="FFFFFF"/>
+                  </a:solidFill>
+                </a14:hiddenFill>
+              </a:ext>
+              <a:ext uri="{91240B29-F687-4F45-9708-019B960494DF}">
+                <a14:hiddenLine xmlns:a14="http://schemas.microsoft.com/office/drawing/2010/main" w="9525">
+                  <a:solidFill>
+                    <a:srgbClr val="000000"/>
+                  </a:solidFill>
+                  <a:miter lim="800000"/>
+                  <a:headEnd/>
+                  <a:tailEnd/>
+                </a14:hiddenLine>
+              </a:ext>
+            </a:extLst>
+          </p:spPr>
+          <p:txBody>
+            <a:bodyPr vert="horz" wrap="none" lIns="0" tIns="0" rIns="0" bIns="0" numCol="1" anchor="t" anchorCtr="0" compatLnSpc="1">
+              <a:prstTxWarp prst="textNoShape">
+                <a:avLst/>
+              </a:prstTxWarp>
+              <a:spAutoFit/>
+            </a:bodyPr>
+            <a:lstStyle/>
+            <a:p>
+              <a:pPr marL="0" marR="0" lvl="0" indent="0" algn="l" defTabSz="914400" rtl="0" eaLnBrk="1" fontAlgn="base" latinLnBrk="0" hangingPunct="1">
+                <a:lnSpc>
+                  <a:spcPct val="100000"/>
+                </a:lnSpc>
+                <a:spcBef>
+                  <a:spcPct val="0"/>
+                </a:spcBef>
+                <a:spcAft>
+                  <a:spcPct val="0"/>
+                </a:spcAft>
+                <a:buClrTx/>
+                <a:buSzTx/>
+                <a:buFontTx/>
+                <a:buNone/>
+                <a:tabLst/>
+              </a:pPr>
+              <a:r>
+                <a:rPr kumimoji="0" lang="en-US" sz="1800" b="0" i="0" u="none" strike="noStrike" cap="none" normalizeH="0" baseline="0" dirty="0" smtClean="0">
+                  <a:ln>
+                    <a:noFill/>
+                  </a:ln>
+                  <a:solidFill>
+                    <a:srgbClr val="000000"/>
+                  </a:solidFill>
+                  <a:effectLst/>
+                  <a:latin typeface="Calibri" pitchFamily="34" charset="0"/>
+                  <a:cs typeface="Arial" pitchFamily="34" charset="0"/>
+                </a:rPr>
+                <a:t>0.56</a:t>
+              </a:r>
+              <a:endParaRPr kumimoji="0" lang="en-US" sz="1800" b="0" i="0" u="none" strike="noStrike" cap="none" normalizeH="0" baseline="0" dirty="0" smtClean="0">
+                <a:ln>
+                  <a:noFill/>
+                </a:ln>
+                <a:solidFill>
+                  <a:schemeClr val="tx1"/>
+                </a:solidFill>
+                <a:effectLst/>
+                <a:latin typeface="Arial" pitchFamily="34" charset="0"/>
+                <a:cs typeface="Arial" pitchFamily="34" charset="0"/>
+              </a:endParaRPr>
+            </a:p>
+          </p:txBody>
+        </p:sp>
+        <p:sp>
+          <p:nvSpPr>
+            <p:cNvPr id="96" name="Rectangle 39"/>
+            <p:cNvSpPr>
+              <a:spLocks noChangeArrowheads="1"/>
+            </p:cNvSpPr>
+            <p:nvPr/>
+          </p:nvSpPr>
+          <p:spPr bwMode="auto">
+            <a:xfrm>
+              <a:off x="6584950" y="3559175"/>
+              <a:ext cx="523875" cy="339725"/>
+            </a:xfrm>
+            <a:prstGeom prst="rect">
+              <a:avLst/>
+            </a:prstGeom>
+            <a:noFill/>
+            <a:ln>
+              <a:noFill/>
+            </a:ln>
+            <a:extLst>
+              <a:ext uri="{909E8E84-426E-40DD-AFC4-6F175D3DCCD1}">
+                <a14:hiddenFill xmlns:a14="http://schemas.microsoft.com/office/drawing/2010/main">
+                  <a:solidFill>
+                    <a:srgbClr val="FFFFFF"/>
+                  </a:solidFill>
+                </a14:hiddenFill>
+              </a:ext>
+              <a:ext uri="{91240B29-F687-4F45-9708-019B960494DF}">
+                <a14:hiddenLine xmlns:a14="http://schemas.microsoft.com/office/drawing/2010/main" w="9525">
+                  <a:solidFill>
+                    <a:srgbClr val="000000"/>
+                  </a:solidFill>
+                  <a:miter lim="800000"/>
+                  <a:headEnd/>
+                  <a:tailEnd/>
+                </a14:hiddenLine>
+              </a:ext>
+            </a:extLst>
+          </p:spPr>
+          <p:txBody>
+            <a:bodyPr vert="horz" wrap="none" lIns="0" tIns="0" rIns="0" bIns="0" numCol="1" anchor="t" anchorCtr="0" compatLnSpc="1">
+              <a:prstTxWarp prst="textNoShape">
+                <a:avLst/>
+              </a:prstTxWarp>
+              <a:spAutoFit/>
+            </a:bodyPr>
+            <a:lstStyle/>
+            <a:p>
+              <a:pPr marL="0" marR="0" lvl="0" indent="0" algn="l" defTabSz="914400" rtl="0" eaLnBrk="1" fontAlgn="base" latinLnBrk="0" hangingPunct="1">
+                <a:lnSpc>
+                  <a:spcPct val="100000"/>
+                </a:lnSpc>
+                <a:spcBef>
+                  <a:spcPct val="0"/>
+                </a:spcBef>
+                <a:spcAft>
+                  <a:spcPct val="0"/>
+                </a:spcAft>
+                <a:buClrTx/>
+                <a:buSzTx/>
+                <a:buFontTx/>
+                <a:buNone/>
+                <a:tabLst/>
+              </a:pPr>
+              <a:r>
+                <a:rPr kumimoji="0" lang="en-US" sz="1800" b="0" i="0" u="none" strike="noStrike" cap="none" normalizeH="0" baseline="0" smtClean="0">
+                  <a:ln>
+                    <a:noFill/>
+                  </a:ln>
+                  <a:solidFill>
+                    <a:srgbClr val="000000"/>
+                  </a:solidFill>
+                  <a:effectLst/>
+                  <a:latin typeface="Calibri" pitchFamily="34" charset="0"/>
+                  <a:cs typeface="Arial" pitchFamily="34" charset="0"/>
+                </a:rPr>
+                <a:t>0.82</a:t>
+              </a:r>
+              <a:endParaRPr kumimoji="0" lang="en-US" sz="1800" b="0" i="0" u="none" strike="noStrike" cap="none" normalizeH="0" baseline="0" smtClean="0">
+                <a:ln>
+                  <a:noFill/>
+                </a:ln>
+                <a:solidFill>
+                  <a:schemeClr val="tx1"/>
+                </a:solidFill>
+                <a:effectLst/>
+                <a:latin typeface="Arial" pitchFamily="34" charset="0"/>
+                <a:cs typeface="Arial" pitchFamily="34" charset="0"/>
+              </a:endParaRPr>
+            </a:p>
+          </p:txBody>
+        </p:sp>
+        <p:sp>
+          <p:nvSpPr>
+            <p:cNvPr id="101" name="Rectangle 44"/>
+            <p:cNvSpPr>
+              <a:spLocks noChangeArrowheads="1"/>
+            </p:cNvSpPr>
+            <p:nvPr/>
+          </p:nvSpPr>
+          <p:spPr bwMode="auto">
+            <a:xfrm>
+              <a:off x="6584950" y="3929062"/>
+              <a:ext cx="523875" cy="339725"/>
+            </a:xfrm>
+            <a:prstGeom prst="rect">
+              <a:avLst/>
+            </a:prstGeom>
+            <a:noFill/>
+            <a:ln>
+              <a:noFill/>
+            </a:ln>
+            <a:extLst>
+              <a:ext uri="{909E8E84-426E-40DD-AFC4-6F175D3DCCD1}">
+                <a14:hiddenFill xmlns:a14="http://schemas.microsoft.com/office/drawing/2010/main">
+                  <a:solidFill>
+                    <a:srgbClr val="FFFFFF"/>
+                  </a:solidFill>
+                </a14:hiddenFill>
+              </a:ext>
+              <a:ext uri="{91240B29-F687-4F45-9708-019B960494DF}">
+                <a14:hiddenLine xmlns:a14="http://schemas.microsoft.com/office/drawing/2010/main" w="9525">
+                  <a:solidFill>
+                    <a:srgbClr val="000000"/>
+                  </a:solidFill>
+                  <a:miter lim="800000"/>
+                  <a:headEnd/>
+                  <a:tailEnd/>
+                </a14:hiddenLine>
+              </a:ext>
+            </a:extLst>
+          </p:spPr>
+          <p:txBody>
+            <a:bodyPr vert="horz" wrap="none" lIns="0" tIns="0" rIns="0" bIns="0" numCol="1" anchor="t" anchorCtr="0" compatLnSpc="1">
+              <a:prstTxWarp prst="textNoShape">
+                <a:avLst/>
+              </a:prstTxWarp>
+              <a:spAutoFit/>
+            </a:bodyPr>
+            <a:lstStyle/>
+            <a:p>
+              <a:pPr marL="0" marR="0" lvl="0" indent="0" algn="l" defTabSz="914400" rtl="0" eaLnBrk="1" fontAlgn="base" latinLnBrk="0" hangingPunct="1">
+                <a:lnSpc>
+                  <a:spcPct val="100000"/>
+                </a:lnSpc>
+                <a:spcBef>
+                  <a:spcPct val="0"/>
+                </a:spcBef>
+                <a:spcAft>
+                  <a:spcPct val="0"/>
+                </a:spcAft>
+                <a:buClrTx/>
+                <a:buSzTx/>
+                <a:buFontTx/>
+                <a:buNone/>
+                <a:tabLst/>
+              </a:pPr>
+              <a:r>
+                <a:rPr kumimoji="0" lang="en-US" sz="1800" b="0" i="0" u="none" strike="noStrike" cap="none" normalizeH="0" baseline="0" smtClean="0">
+                  <a:ln>
+                    <a:noFill/>
+                  </a:ln>
+                  <a:solidFill>
+                    <a:srgbClr val="000000"/>
+                  </a:solidFill>
+                  <a:effectLst/>
+                  <a:latin typeface="Calibri" pitchFamily="34" charset="0"/>
+                  <a:cs typeface="Arial" pitchFamily="34" charset="0"/>
+                </a:rPr>
+                <a:t>0.34</a:t>
+              </a:r>
+              <a:endParaRPr kumimoji="0" lang="en-US" sz="1800" b="0" i="0" u="none" strike="noStrike" cap="none" normalizeH="0" baseline="0" smtClean="0">
+                <a:ln>
+                  <a:noFill/>
+                </a:ln>
+                <a:solidFill>
+                  <a:schemeClr val="tx1"/>
+                </a:solidFill>
+                <a:effectLst/>
+                <a:latin typeface="Arial" pitchFamily="34" charset="0"/>
+                <a:cs typeface="Arial" pitchFamily="34" charset="0"/>
+              </a:endParaRPr>
+            </a:p>
+          </p:txBody>
+        </p:sp>
+      </p:grpSp>
+      <p:grpSp>
+        <p:nvGrpSpPr>
+          <p:cNvPr id="57" name="Group 56"/>
+          <p:cNvGrpSpPr/>
+          <p:nvPr/>
+        </p:nvGrpSpPr>
+        <p:grpSpPr>
+          <a:xfrm>
+            <a:off x="7637463" y="2238375"/>
+            <a:ext cx="995363" cy="2030412"/>
+            <a:chOff x="7637463" y="2238375"/>
+            <a:chExt cx="995363" cy="2030412"/>
+          </a:xfrm>
+        </p:grpSpPr>
+        <p:sp>
+          <p:nvSpPr>
+            <p:cNvPr id="81" name="Rectangle 24"/>
+            <p:cNvSpPr>
+              <a:spLocks noChangeArrowheads="1"/>
+            </p:cNvSpPr>
+            <p:nvPr/>
+          </p:nvSpPr>
+          <p:spPr bwMode="auto">
+            <a:xfrm>
+              <a:off x="7704138" y="2238375"/>
+              <a:ext cx="906463" cy="303213"/>
+            </a:xfrm>
+            <a:prstGeom prst="rect">
+              <a:avLst/>
+            </a:prstGeom>
+            <a:noFill/>
+            <a:ln>
+              <a:noFill/>
+            </a:ln>
+            <a:extLst>
+              <a:ext uri="{909E8E84-426E-40DD-AFC4-6F175D3DCCD1}">
+                <a14:hiddenFill xmlns:a14="http://schemas.microsoft.com/office/drawing/2010/main">
+                  <a:solidFill>
+                    <a:srgbClr val="FFFFFF"/>
+                  </a:solidFill>
+                </a14:hiddenFill>
+              </a:ext>
+              <a:ext uri="{91240B29-F687-4F45-9708-019B960494DF}">
+                <a14:hiddenLine xmlns:a14="http://schemas.microsoft.com/office/drawing/2010/main" w="9525">
+                  <a:solidFill>
+                    <a:srgbClr val="000000"/>
+                  </a:solidFill>
+                  <a:miter lim="800000"/>
+                  <a:headEnd/>
+                  <a:tailEnd/>
+                </a14:hiddenLine>
+              </a:ext>
+            </a:extLst>
+          </p:spPr>
+          <p:txBody>
+            <a:bodyPr vert="horz" wrap="none" lIns="0" tIns="0" rIns="0" bIns="0" numCol="1" anchor="t" anchorCtr="0" compatLnSpc="1">
+              <a:prstTxWarp prst="textNoShape">
+                <a:avLst/>
+              </a:prstTxWarp>
+              <a:spAutoFit/>
+            </a:bodyPr>
+            <a:lstStyle/>
+            <a:p>
+              <a:pPr marL="0" marR="0" lvl="0" indent="0" algn="l" defTabSz="914400" rtl="0" eaLnBrk="1" fontAlgn="base" latinLnBrk="0" hangingPunct="1">
+                <a:lnSpc>
+                  <a:spcPct val="100000"/>
+                </a:lnSpc>
+                <a:spcBef>
+                  <a:spcPct val="0"/>
+                </a:spcBef>
+                <a:spcAft>
+                  <a:spcPct val="0"/>
+                </a:spcAft>
+                <a:buClrTx/>
+                <a:buSzTx/>
+                <a:buFontTx/>
+                <a:buNone/>
+                <a:tabLst/>
+              </a:pPr>
+              <a:r>
+                <a:rPr kumimoji="0" lang="en-US" sz="1600" b="0" i="0" u="none" strike="noStrike" cap="none" normalizeH="0" baseline="0" dirty="0" smtClean="0">
+                  <a:ln>
+                    <a:noFill/>
+                  </a:ln>
+                  <a:solidFill>
+                    <a:srgbClr val="000000"/>
+                  </a:solidFill>
+                  <a:effectLst/>
+                  <a:latin typeface="Calibri" pitchFamily="34" charset="0"/>
+                  <a:cs typeface="Arial" pitchFamily="34" charset="0"/>
+                </a:rPr>
+                <a:t>Selection </a:t>
+              </a:r>
+              <a:endParaRPr kumimoji="0" lang="en-US" sz="1800" b="0" i="0" u="none" strike="noStrike" cap="none" normalizeH="0" baseline="0" dirty="0" smtClean="0">
+                <a:ln>
+                  <a:noFill/>
+                </a:ln>
+                <a:solidFill>
+                  <a:schemeClr val="tx1"/>
+                </a:solidFill>
+                <a:effectLst/>
+                <a:latin typeface="Arial" pitchFamily="34" charset="0"/>
+                <a:cs typeface="Arial" pitchFamily="34" charset="0"/>
+              </a:endParaRPr>
+            </a:p>
+          </p:txBody>
+        </p:sp>
+        <p:sp>
+          <p:nvSpPr>
+            <p:cNvPr id="82" name="Rectangle 25"/>
+            <p:cNvSpPr>
+              <a:spLocks noChangeArrowheads="1"/>
+            </p:cNvSpPr>
+            <p:nvPr/>
+          </p:nvSpPr>
+          <p:spPr bwMode="auto">
+            <a:xfrm>
+              <a:off x="7637463" y="2481262"/>
+              <a:ext cx="995363" cy="303213"/>
+            </a:xfrm>
+            <a:prstGeom prst="rect">
+              <a:avLst/>
+            </a:prstGeom>
+            <a:noFill/>
+            <a:ln>
+              <a:noFill/>
+            </a:ln>
+            <a:extLst>
+              <a:ext uri="{909E8E84-426E-40DD-AFC4-6F175D3DCCD1}">
+                <a14:hiddenFill xmlns:a14="http://schemas.microsoft.com/office/drawing/2010/main">
+                  <a:solidFill>
+                    <a:srgbClr val="FFFFFF"/>
+                  </a:solidFill>
+                </a14:hiddenFill>
+              </a:ext>
+              <a:ext uri="{91240B29-F687-4F45-9708-019B960494DF}">
+                <a14:hiddenLine xmlns:a14="http://schemas.microsoft.com/office/drawing/2010/main" w="9525">
+                  <a:solidFill>
+                    <a:srgbClr val="000000"/>
+                  </a:solidFill>
+                  <a:miter lim="800000"/>
+                  <a:headEnd/>
+                  <a:tailEnd/>
+                </a14:hiddenLine>
+              </a:ext>
+            </a:extLst>
+          </p:spPr>
+          <p:txBody>
+            <a:bodyPr vert="horz" wrap="none" lIns="0" tIns="0" rIns="0" bIns="0" numCol="1" anchor="t" anchorCtr="0" compatLnSpc="1">
+              <a:prstTxWarp prst="textNoShape">
+                <a:avLst/>
+              </a:prstTxWarp>
+              <a:spAutoFit/>
+            </a:bodyPr>
+            <a:lstStyle/>
+            <a:p>
+              <a:pPr marL="0" marR="0" lvl="0" indent="0" algn="l" defTabSz="914400" rtl="0" eaLnBrk="1" fontAlgn="base" latinLnBrk="0" hangingPunct="1">
+                <a:lnSpc>
+                  <a:spcPct val="100000"/>
+                </a:lnSpc>
+                <a:spcBef>
+                  <a:spcPct val="0"/>
+                </a:spcBef>
+                <a:spcAft>
+                  <a:spcPct val="0"/>
+                </a:spcAft>
+                <a:buClrTx/>
+                <a:buSzTx/>
+                <a:buFontTx/>
+                <a:buNone/>
+                <a:tabLst/>
+              </a:pPr>
+              <a:r>
+                <a:rPr kumimoji="0" lang="en-US" sz="1600" b="0" i="0" u="none" strike="noStrike" cap="none" normalizeH="0" baseline="0" dirty="0" smtClean="0">
+                  <a:ln>
+                    <a:noFill/>
+                  </a:ln>
+                  <a:solidFill>
+                    <a:srgbClr val="000000"/>
+                  </a:solidFill>
+                  <a:effectLst/>
+                  <a:latin typeface="Calibri" pitchFamily="34" charset="0"/>
+                  <a:cs typeface="Arial" pitchFamily="34" charset="0"/>
+                </a:rPr>
+                <a:t>Probability</a:t>
+              </a:r>
+              <a:endParaRPr kumimoji="0" lang="en-US" sz="1800" b="0" i="0" u="none" strike="noStrike" cap="none" normalizeH="0" baseline="0" dirty="0" smtClean="0">
+                <a:ln>
+                  <a:noFill/>
+                </a:ln>
+                <a:solidFill>
+                  <a:schemeClr val="tx1"/>
+                </a:solidFill>
+                <a:effectLst/>
+                <a:latin typeface="Arial" pitchFamily="34" charset="0"/>
+                <a:cs typeface="Arial" pitchFamily="34" charset="0"/>
+              </a:endParaRPr>
+            </a:p>
+          </p:txBody>
+        </p:sp>
+        <p:sp>
+          <p:nvSpPr>
+            <p:cNvPr id="87" name="Rectangle 30"/>
+            <p:cNvSpPr>
+              <a:spLocks noChangeArrowheads="1"/>
+            </p:cNvSpPr>
+            <p:nvPr/>
+          </p:nvSpPr>
+          <p:spPr bwMode="auto">
+            <a:xfrm>
+              <a:off x="7880350" y="2817812"/>
+              <a:ext cx="523875" cy="339725"/>
+            </a:xfrm>
+            <a:prstGeom prst="rect">
+              <a:avLst/>
+            </a:prstGeom>
+            <a:noFill/>
+            <a:ln>
+              <a:noFill/>
+            </a:ln>
+            <a:extLst>
+              <a:ext uri="{909E8E84-426E-40DD-AFC4-6F175D3DCCD1}">
+                <a14:hiddenFill xmlns:a14="http://schemas.microsoft.com/office/drawing/2010/main">
+                  <a:solidFill>
+                    <a:srgbClr val="FFFFFF"/>
+                  </a:solidFill>
+                </a14:hiddenFill>
+              </a:ext>
+              <a:ext uri="{91240B29-F687-4F45-9708-019B960494DF}">
+                <a14:hiddenLine xmlns:a14="http://schemas.microsoft.com/office/drawing/2010/main" w="9525">
+                  <a:solidFill>
+                    <a:srgbClr val="000000"/>
+                  </a:solidFill>
+                  <a:miter lim="800000"/>
+                  <a:headEnd/>
+                  <a:tailEnd/>
+                </a14:hiddenLine>
+              </a:ext>
+            </a:extLst>
+          </p:spPr>
+          <p:txBody>
+            <a:bodyPr vert="horz" wrap="none" lIns="0" tIns="0" rIns="0" bIns="0" numCol="1" anchor="t" anchorCtr="0" compatLnSpc="1">
+              <a:prstTxWarp prst="textNoShape">
+                <a:avLst/>
+              </a:prstTxWarp>
+              <a:spAutoFit/>
+            </a:bodyPr>
+            <a:lstStyle/>
+            <a:p>
+              <a:pPr marL="0" marR="0" lvl="0" indent="0" algn="l" defTabSz="914400" rtl="0" eaLnBrk="1" fontAlgn="base" latinLnBrk="0" hangingPunct="1">
+                <a:lnSpc>
+                  <a:spcPct val="100000"/>
+                </a:lnSpc>
+                <a:spcBef>
+                  <a:spcPct val="0"/>
+                </a:spcBef>
+                <a:spcAft>
+                  <a:spcPct val="0"/>
+                </a:spcAft>
+                <a:buClrTx/>
+                <a:buSzTx/>
+                <a:buFontTx/>
+                <a:buNone/>
+                <a:tabLst/>
+              </a:pPr>
+              <a:r>
+                <a:rPr kumimoji="0" lang="en-US" sz="1800" b="0" i="0" u="none" strike="noStrike" cap="none" normalizeH="0" baseline="0" smtClean="0">
+                  <a:ln>
+                    <a:noFill/>
+                  </a:ln>
+                  <a:solidFill>
+                    <a:srgbClr val="000000"/>
+                  </a:solidFill>
+                  <a:effectLst/>
+                  <a:latin typeface="Calibri" pitchFamily="34" charset="0"/>
+                  <a:cs typeface="Arial" pitchFamily="34" charset="0"/>
+                </a:rPr>
+                <a:t>0.29</a:t>
+              </a:r>
+              <a:endParaRPr kumimoji="0" lang="en-US" sz="1800" b="0" i="0" u="none" strike="noStrike" cap="none" normalizeH="0" baseline="0" smtClean="0">
+                <a:ln>
+                  <a:noFill/>
+                </a:ln>
+                <a:solidFill>
+                  <a:schemeClr val="tx1"/>
+                </a:solidFill>
+                <a:effectLst/>
+                <a:latin typeface="Arial" pitchFamily="34" charset="0"/>
+                <a:cs typeface="Arial" pitchFamily="34" charset="0"/>
+              </a:endParaRPr>
+            </a:p>
+          </p:txBody>
+        </p:sp>
+        <p:sp>
+          <p:nvSpPr>
+            <p:cNvPr id="92" name="Rectangle 35"/>
+            <p:cNvSpPr>
+              <a:spLocks noChangeArrowheads="1"/>
+            </p:cNvSpPr>
+            <p:nvPr/>
+          </p:nvSpPr>
+          <p:spPr bwMode="auto">
+            <a:xfrm>
+              <a:off x="7880350" y="3187700"/>
+              <a:ext cx="523875" cy="339725"/>
+            </a:xfrm>
+            <a:prstGeom prst="rect">
+              <a:avLst/>
+            </a:prstGeom>
+            <a:noFill/>
+            <a:ln>
+              <a:noFill/>
+            </a:ln>
+            <a:extLst>
+              <a:ext uri="{909E8E84-426E-40DD-AFC4-6F175D3DCCD1}">
+                <a14:hiddenFill xmlns:a14="http://schemas.microsoft.com/office/drawing/2010/main">
+                  <a:solidFill>
+                    <a:srgbClr val="FFFFFF"/>
+                  </a:solidFill>
+                </a14:hiddenFill>
+              </a:ext>
+              <a:ext uri="{91240B29-F687-4F45-9708-019B960494DF}">
+                <a14:hiddenLine xmlns:a14="http://schemas.microsoft.com/office/drawing/2010/main" w="9525">
+                  <a:solidFill>
+                    <a:srgbClr val="000000"/>
+                  </a:solidFill>
+                  <a:miter lim="800000"/>
+                  <a:headEnd/>
+                  <a:tailEnd/>
+                </a14:hiddenLine>
+              </a:ext>
+            </a:extLst>
+          </p:spPr>
+          <p:txBody>
+            <a:bodyPr vert="horz" wrap="none" lIns="0" tIns="0" rIns="0" bIns="0" numCol="1" anchor="t" anchorCtr="0" compatLnSpc="1">
+              <a:prstTxWarp prst="textNoShape">
+                <a:avLst/>
+              </a:prstTxWarp>
+              <a:spAutoFit/>
+            </a:bodyPr>
+            <a:lstStyle/>
+            <a:p>
+              <a:pPr marL="0" marR="0" lvl="0" indent="0" algn="l" defTabSz="914400" rtl="0" eaLnBrk="1" fontAlgn="base" latinLnBrk="0" hangingPunct="1">
+                <a:lnSpc>
+                  <a:spcPct val="100000"/>
+                </a:lnSpc>
+                <a:spcBef>
+                  <a:spcPct val="0"/>
+                </a:spcBef>
+                <a:spcAft>
+                  <a:spcPct val="0"/>
+                </a:spcAft>
+                <a:buClrTx/>
+                <a:buSzTx/>
+                <a:buFontTx/>
+                <a:buNone/>
+                <a:tabLst/>
+              </a:pPr>
+              <a:r>
+                <a:rPr kumimoji="0" lang="en-US" sz="1800" b="0" i="0" u="none" strike="noStrike" cap="none" normalizeH="0" baseline="0" smtClean="0">
+                  <a:ln>
+                    <a:noFill/>
+                  </a:ln>
+                  <a:solidFill>
+                    <a:srgbClr val="000000"/>
+                  </a:solidFill>
+                  <a:effectLst/>
+                  <a:latin typeface="Calibri" pitchFamily="34" charset="0"/>
+                  <a:cs typeface="Arial" pitchFamily="34" charset="0"/>
+                </a:rPr>
+                <a:t>0.23</a:t>
+              </a:r>
+              <a:endParaRPr kumimoji="0" lang="en-US" sz="1800" b="0" i="0" u="none" strike="noStrike" cap="none" normalizeH="0" baseline="0" smtClean="0">
+                <a:ln>
+                  <a:noFill/>
+                </a:ln>
+                <a:solidFill>
+                  <a:schemeClr val="tx1"/>
+                </a:solidFill>
+                <a:effectLst/>
+                <a:latin typeface="Arial" pitchFamily="34" charset="0"/>
+                <a:cs typeface="Arial" pitchFamily="34" charset="0"/>
+              </a:endParaRPr>
+            </a:p>
+          </p:txBody>
+        </p:sp>
+        <p:sp>
+          <p:nvSpPr>
+            <p:cNvPr id="97" name="Rectangle 40"/>
+            <p:cNvSpPr>
+              <a:spLocks noChangeArrowheads="1"/>
+            </p:cNvSpPr>
+            <p:nvPr/>
+          </p:nvSpPr>
+          <p:spPr bwMode="auto">
+            <a:xfrm>
+              <a:off x="7880350" y="3559175"/>
+              <a:ext cx="523875" cy="339725"/>
+            </a:xfrm>
+            <a:prstGeom prst="rect">
+              <a:avLst/>
+            </a:prstGeom>
+            <a:noFill/>
+            <a:ln>
+              <a:noFill/>
+            </a:ln>
+            <a:extLst>
+              <a:ext uri="{909E8E84-426E-40DD-AFC4-6F175D3DCCD1}">
+                <a14:hiddenFill xmlns:a14="http://schemas.microsoft.com/office/drawing/2010/main">
+                  <a:solidFill>
+                    <a:srgbClr val="FFFFFF"/>
+                  </a:solidFill>
+                </a14:hiddenFill>
+              </a:ext>
+              <a:ext uri="{91240B29-F687-4F45-9708-019B960494DF}">
+                <a14:hiddenLine xmlns:a14="http://schemas.microsoft.com/office/drawing/2010/main" w="9525">
+                  <a:solidFill>
+                    <a:srgbClr val="000000"/>
+                  </a:solidFill>
+                  <a:miter lim="800000"/>
+                  <a:headEnd/>
+                  <a:tailEnd/>
+                </a14:hiddenLine>
+              </a:ext>
+            </a:extLst>
+          </p:spPr>
+          <p:txBody>
+            <a:bodyPr vert="horz" wrap="none" lIns="0" tIns="0" rIns="0" bIns="0" numCol="1" anchor="t" anchorCtr="0" compatLnSpc="1">
+              <a:prstTxWarp prst="textNoShape">
+                <a:avLst/>
+              </a:prstTxWarp>
+              <a:spAutoFit/>
+            </a:bodyPr>
+            <a:lstStyle/>
+            <a:p>
+              <a:pPr marL="0" marR="0" lvl="0" indent="0" algn="l" defTabSz="914400" rtl="0" eaLnBrk="1" fontAlgn="base" latinLnBrk="0" hangingPunct="1">
+                <a:lnSpc>
+                  <a:spcPct val="100000"/>
+                </a:lnSpc>
+                <a:spcBef>
+                  <a:spcPct val="0"/>
+                </a:spcBef>
+                <a:spcAft>
+                  <a:spcPct val="0"/>
+                </a:spcAft>
+                <a:buClrTx/>
+                <a:buSzTx/>
+                <a:buFontTx/>
+                <a:buNone/>
+                <a:tabLst/>
+              </a:pPr>
+              <a:r>
+                <a:rPr kumimoji="0" lang="en-US" sz="1800" b="0" i="0" u="none" strike="noStrike" cap="none" normalizeH="0" baseline="0" smtClean="0">
+                  <a:ln>
+                    <a:noFill/>
+                  </a:ln>
+                  <a:solidFill>
+                    <a:srgbClr val="000000"/>
+                  </a:solidFill>
+                  <a:effectLst/>
+                  <a:latin typeface="Calibri" pitchFamily="34" charset="0"/>
+                  <a:cs typeface="Arial" pitchFamily="34" charset="0"/>
+                </a:rPr>
+                <a:t>0.34</a:t>
+              </a:r>
+              <a:endParaRPr kumimoji="0" lang="en-US" sz="1800" b="0" i="0" u="none" strike="noStrike" cap="none" normalizeH="0" baseline="0" smtClean="0">
+                <a:ln>
+                  <a:noFill/>
+                </a:ln>
+                <a:solidFill>
+                  <a:schemeClr val="tx1"/>
+                </a:solidFill>
+                <a:effectLst/>
+                <a:latin typeface="Arial" pitchFamily="34" charset="0"/>
+                <a:cs typeface="Arial" pitchFamily="34" charset="0"/>
+              </a:endParaRPr>
+            </a:p>
+          </p:txBody>
+        </p:sp>
+        <p:sp>
+          <p:nvSpPr>
+            <p:cNvPr id="102" name="Rectangle 45"/>
+            <p:cNvSpPr>
+              <a:spLocks noChangeArrowheads="1"/>
+            </p:cNvSpPr>
+            <p:nvPr/>
+          </p:nvSpPr>
+          <p:spPr bwMode="auto">
+            <a:xfrm>
+              <a:off x="7880350" y="3929062"/>
+              <a:ext cx="523875" cy="339725"/>
+            </a:xfrm>
+            <a:prstGeom prst="rect">
+              <a:avLst/>
+            </a:prstGeom>
+            <a:noFill/>
+            <a:ln>
+              <a:noFill/>
+            </a:ln>
+            <a:extLst>
+              <a:ext uri="{909E8E84-426E-40DD-AFC4-6F175D3DCCD1}">
+                <a14:hiddenFill xmlns:a14="http://schemas.microsoft.com/office/drawing/2010/main">
+                  <a:solidFill>
+                    <a:srgbClr val="FFFFFF"/>
+                  </a:solidFill>
+                </a14:hiddenFill>
+              </a:ext>
+              <a:ext uri="{91240B29-F687-4F45-9708-019B960494DF}">
+                <a14:hiddenLine xmlns:a14="http://schemas.microsoft.com/office/drawing/2010/main" w="9525">
+                  <a:solidFill>
+                    <a:srgbClr val="000000"/>
+                  </a:solidFill>
+                  <a:miter lim="800000"/>
+                  <a:headEnd/>
+                  <a:tailEnd/>
+                </a14:hiddenLine>
+              </a:ext>
+            </a:extLst>
+          </p:spPr>
+          <p:txBody>
+            <a:bodyPr vert="horz" wrap="none" lIns="0" tIns="0" rIns="0" bIns="0" numCol="1" anchor="t" anchorCtr="0" compatLnSpc="1">
+              <a:prstTxWarp prst="textNoShape">
+                <a:avLst/>
+              </a:prstTxWarp>
+              <a:spAutoFit/>
+            </a:bodyPr>
+            <a:lstStyle/>
+            <a:p>
+              <a:pPr marL="0" marR="0" lvl="0" indent="0" algn="l" defTabSz="914400" rtl="0" eaLnBrk="1" fontAlgn="base" latinLnBrk="0" hangingPunct="1">
+                <a:lnSpc>
+                  <a:spcPct val="100000"/>
+                </a:lnSpc>
+                <a:spcBef>
+                  <a:spcPct val="0"/>
+                </a:spcBef>
+                <a:spcAft>
+                  <a:spcPct val="0"/>
+                </a:spcAft>
+                <a:buClrTx/>
+                <a:buSzTx/>
+                <a:buFontTx/>
+                <a:buNone/>
+                <a:tabLst/>
+              </a:pPr>
+              <a:r>
+                <a:rPr kumimoji="0" lang="en-US" sz="1800" b="0" i="0" u="none" strike="noStrike" cap="none" normalizeH="0" baseline="0" smtClean="0">
+                  <a:ln>
+                    <a:noFill/>
+                  </a:ln>
+                  <a:solidFill>
+                    <a:srgbClr val="000000"/>
+                  </a:solidFill>
+                  <a:effectLst/>
+                  <a:latin typeface="Calibri" pitchFamily="34" charset="0"/>
+                  <a:cs typeface="Arial" pitchFamily="34" charset="0"/>
+                </a:rPr>
+                <a:t>0.14</a:t>
+              </a:r>
+              <a:endParaRPr kumimoji="0" lang="en-US" sz="1800" b="0" i="0" u="none" strike="noStrike" cap="none" normalizeH="0" baseline="0" smtClean="0">
+                <a:ln>
+                  <a:noFill/>
+                </a:ln>
+                <a:solidFill>
+                  <a:schemeClr val="tx1"/>
+                </a:solidFill>
+                <a:effectLst/>
+                <a:latin typeface="Arial" pitchFamily="34" charset="0"/>
+                <a:cs typeface="Arial" pitchFamily="34" charset="0"/>
+              </a:endParaRPr>
+            </a:p>
+          </p:txBody>
+        </p:sp>
+      </p:grpSp>
+      <p:grpSp>
+        <p:nvGrpSpPr>
+          <p:cNvPr id="52" name="Group 51"/>
+          <p:cNvGrpSpPr/>
+          <p:nvPr/>
+        </p:nvGrpSpPr>
+        <p:grpSpPr>
+          <a:xfrm>
+            <a:off x="381000" y="2182504"/>
+            <a:ext cx="2982913" cy="2163762"/>
+            <a:chOff x="381000" y="2182504"/>
+            <a:chExt cx="2982913" cy="2163762"/>
+          </a:xfrm>
+        </p:grpSpPr>
+        <p:sp>
+          <p:nvSpPr>
+            <p:cNvPr id="1055" name="AutoShape 48"/>
+            <p:cNvSpPr>
+              <a:spLocks noChangeAspect="1" noChangeArrowheads="1" noTextEdit="1"/>
+            </p:cNvSpPr>
+            <p:nvPr/>
+          </p:nvSpPr>
+          <p:spPr bwMode="auto">
+            <a:xfrm>
+              <a:off x="387350" y="2182504"/>
+              <a:ext cx="2970213" cy="2163762"/>
+            </a:xfrm>
+            <a:prstGeom prst="rect">
+              <a:avLst/>
+            </a:prstGeom>
+            <a:noFill/>
+            <a:ln>
+              <a:noFill/>
+            </a:ln>
+            <a:extLst>
+              <a:ext uri="{909E8E84-426E-40DD-AFC4-6F175D3DCCD1}">
+                <a14:hiddenFill xmlns:a14="http://schemas.microsoft.com/office/drawing/2010/main">
+                  <a:solidFill>
+                    <a:srgbClr val="FFFFFF"/>
+                  </a:solidFill>
+                </a14:hiddenFill>
+              </a:ext>
+              <a:ext uri="{91240B29-F687-4F45-9708-019B960494DF}">
+                <a14:hiddenLine xmlns:a14="http://schemas.microsoft.com/office/drawing/2010/main" w="9525">
+                  <a:solidFill>
+                    <a:srgbClr val="000000"/>
+                  </a:solidFill>
+                  <a:miter lim="800000"/>
+                  <a:headEnd/>
+                  <a:tailEnd/>
+                </a14:hiddenLine>
+              </a:ext>
+            </a:extLst>
+          </p:spPr>
+          <p:txBody>
+            <a:bodyPr vert="horz" wrap="square" lIns="91440" tIns="45720" rIns="91440" bIns="45720" numCol="1" anchor="t" anchorCtr="0" compatLnSpc="1">
+              <a:prstTxWarp prst="textNoShape">
+                <a:avLst/>
+              </a:prstTxWarp>
+            </a:bodyPr>
+            <a:lstStyle/>
+            <a:p>
+              <a:endParaRPr lang="en-US"/>
+            </a:p>
+          </p:txBody>
+        </p:sp>
+        <p:sp>
+          <p:nvSpPr>
+            <p:cNvPr id="32" name="Rectangle 50"/>
+            <p:cNvSpPr>
+              <a:spLocks noChangeArrowheads="1"/>
+            </p:cNvSpPr>
+            <p:nvPr/>
+          </p:nvSpPr>
+          <p:spPr bwMode="auto">
+            <a:xfrm>
+              <a:off x="1524000" y="2190441"/>
+              <a:ext cx="11113" cy="2074862"/>
+            </a:xfrm>
+            <a:prstGeom prst="rect">
+              <a:avLst/>
+            </a:prstGeom>
+            <a:solidFill>
+              <a:srgbClr val="000000"/>
+            </a:solidFill>
+            <a:ln w="0" cap="flat">
+              <a:solidFill>
+                <a:srgbClr val="000000"/>
+              </a:solidFill>
+              <a:prstDash val="solid"/>
+              <a:round/>
+              <a:headEnd/>
+              <a:tailEnd/>
+            </a:ln>
+          </p:spPr>
+          <p:txBody>
+            <a:bodyPr vert="horz" wrap="square" lIns="91440" tIns="45720" rIns="91440" bIns="45720" numCol="1" anchor="t" anchorCtr="0" compatLnSpc="1">
+              <a:prstTxWarp prst="textNoShape">
+                <a:avLst/>
+              </a:prstTxWarp>
+            </a:bodyPr>
+            <a:lstStyle/>
+            <a:p>
+              <a:endParaRPr lang="en-US"/>
+            </a:p>
+          </p:txBody>
+        </p:sp>
+        <p:sp>
+          <p:nvSpPr>
+            <p:cNvPr id="33" name="Rectangle 51"/>
+            <p:cNvSpPr>
+              <a:spLocks noChangeArrowheads="1"/>
+            </p:cNvSpPr>
+            <p:nvPr/>
+          </p:nvSpPr>
+          <p:spPr bwMode="auto">
+            <a:xfrm>
+              <a:off x="381000" y="2769879"/>
+              <a:ext cx="2982913" cy="12700"/>
+            </a:xfrm>
+            <a:prstGeom prst="rect">
+              <a:avLst/>
+            </a:prstGeom>
+            <a:solidFill>
+              <a:srgbClr val="000000"/>
+            </a:solidFill>
+            <a:ln w="0" cap="flat">
+              <a:solidFill>
+                <a:srgbClr val="000000"/>
+              </a:solidFill>
+              <a:prstDash val="solid"/>
+              <a:round/>
+              <a:headEnd/>
+              <a:tailEnd/>
+            </a:ln>
+          </p:spPr>
+          <p:txBody>
+            <a:bodyPr vert="horz" wrap="square" lIns="91440" tIns="45720" rIns="91440" bIns="45720" numCol="1" anchor="t" anchorCtr="0" compatLnSpc="1">
+              <a:prstTxWarp prst="textNoShape">
+                <a:avLst/>
+              </a:prstTxWarp>
+            </a:bodyPr>
+            <a:lstStyle/>
+            <a:p>
+              <a:endParaRPr lang="en-US"/>
+            </a:p>
+          </p:txBody>
+        </p:sp>
+        <p:sp>
+          <p:nvSpPr>
+            <p:cNvPr id="34" name="Rectangle 52"/>
+            <p:cNvSpPr>
+              <a:spLocks noChangeArrowheads="1"/>
+            </p:cNvSpPr>
+            <p:nvPr/>
+          </p:nvSpPr>
+          <p:spPr bwMode="auto">
+            <a:xfrm>
+              <a:off x="381000" y="3139766"/>
+              <a:ext cx="2982913" cy="14287"/>
+            </a:xfrm>
+            <a:prstGeom prst="rect">
+              <a:avLst/>
+            </a:prstGeom>
+            <a:solidFill>
+              <a:srgbClr val="000000"/>
+            </a:solidFill>
+            <a:ln w="0" cap="flat">
+              <a:solidFill>
+                <a:srgbClr val="000000"/>
+              </a:solidFill>
+              <a:prstDash val="solid"/>
+              <a:round/>
+              <a:headEnd/>
+              <a:tailEnd/>
+            </a:ln>
+          </p:spPr>
+          <p:txBody>
+            <a:bodyPr vert="horz" wrap="square" lIns="91440" tIns="45720" rIns="91440" bIns="45720" numCol="1" anchor="t" anchorCtr="0" compatLnSpc="1">
+              <a:prstTxWarp prst="textNoShape">
+                <a:avLst/>
+              </a:prstTxWarp>
+            </a:bodyPr>
+            <a:lstStyle/>
+            <a:p>
+              <a:endParaRPr lang="en-US"/>
+            </a:p>
+          </p:txBody>
+        </p:sp>
+        <p:sp>
+          <p:nvSpPr>
+            <p:cNvPr id="35" name="Rectangle 53"/>
+            <p:cNvSpPr>
+              <a:spLocks noChangeArrowheads="1"/>
+            </p:cNvSpPr>
+            <p:nvPr/>
+          </p:nvSpPr>
+          <p:spPr bwMode="auto">
+            <a:xfrm>
+              <a:off x="381000" y="3511241"/>
+              <a:ext cx="2982913" cy="12700"/>
+            </a:xfrm>
+            <a:prstGeom prst="rect">
+              <a:avLst/>
+            </a:prstGeom>
+            <a:solidFill>
+              <a:srgbClr val="000000"/>
+            </a:solidFill>
+            <a:ln w="0" cap="flat">
+              <a:solidFill>
+                <a:srgbClr val="000000"/>
+              </a:solidFill>
+              <a:prstDash val="solid"/>
+              <a:round/>
+              <a:headEnd/>
+              <a:tailEnd/>
+            </a:ln>
+          </p:spPr>
+          <p:txBody>
+            <a:bodyPr vert="horz" wrap="square" lIns="91440" tIns="45720" rIns="91440" bIns="45720" numCol="1" anchor="t" anchorCtr="0" compatLnSpc="1">
+              <a:prstTxWarp prst="textNoShape">
+                <a:avLst/>
+              </a:prstTxWarp>
+            </a:bodyPr>
+            <a:lstStyle/>
+            <a:p>
+              <a:endParaRPr lang="en-US"/>
+            </a:p>
+          </p:txBody>
+        </p:sp>
+        <p:sp>
+          <p:nvSpPr>
+            <p:cNvPr id="36" name="Rectangle 54"/>
+            <p:cNvSpPr>
+              <a:spLocks noChangeArrowheads="1"/>
+            </p:cNvSpPr>
+            <p:nvPr/>
+          </p:nvSpPr>
+          <p:spPr bwMode="auto">
+            <a:xfrm>
+              <a:off x="381000" y="3882716"/>
+              <a:ext cx="2982913" cy="12700"/>
+            </a:xfrm>
+            <a:prstGeom prst="rect">
+              <a:avLst/>
+            </a:prstGeom>
+            <a:solidFill>
+              <a:srgbClr val="000000"/>
+            </a:solidFill>
+            <a:ln w="0" cap="flat">
+              <a:solidFill>
+                <a:srgbClr val="000000"/>
+              </a:solidFill>
+              <a:prstDash val="solid"/>
+              <a:round/>
+              <a:headEnd/>
+              <a:tailEnd/>
+            </a:ln>
+          </p:spPr>
+          <p:txBody>
+            <a:bodyPr vert="horz" wrap="square" lIns="91440" tIns="45720" rIns="91440" bIns="45720" numCol="1" anchor="t" anchorCtr="0" compatLnSpc="1">
+              <a:prstTxWarp prst="textNoShape">
+                <a:avLst/>
+              </a:prstTxWarp>
+            </a:bodyPr>
+            <a:lstStyle/>
+            <a:p>
+              <a:endParaRPr lang="en-US"/>
+            </a:p>
+          </p:txBody>
+        </p:sp>
+        <p:sp>
+          <p:nvSpPr>
+            <p:cNvPr id="37" name="Rectangle 55"/>
+            <p:cNvSpPr>
+              <a:spLocks noChangeArrowheads="1"/>
+            </p:cNvSpPr>
+            <p:nvPr/>
+          </p:nvSpPr>
+          <p:spPr bwMode="auto">
+            <a:xfrm>
+              <a:off x="381000" y="2190441"/>
+              <a:ext cx="12700" cy="2074862"/>
+            </a:xfrm>
+            <a:prstGeom prst="rect">
+              <a:avLst/>
+            </a:prstGeom>
+            <a:solidFill>
+              <a:srgbClr val="000000"/>
+            </a:solidFill>
+            <a:ln w="0" cap="flat">
+              <a:solidFill>
+                <a:srgbClr val="000000"/>
+              </a:solidFill>
+              <a:prstDash val="solid"/>
+              <a:round/>
+              <a:headEnd/>
+              <a:tailEnd/>
+            </a:ln>
+          </p:spPr>
+          <p:txBody>
+            <a:bodyPr vert="horz" wrap="square" lIns="91440" tIns="45720" rIns="91440" bIns="45720" numCol="1" anchor="t" anchorCtr="0" compatLnSpc="1">
+              <a:prstTxWarp prst="textNoShape">
+                <a:avLst/>
+              </a:prstTxWarp>
+            </a:bodyPr>
+            <a:lstStyle/>
+            <a:p>
+              <a:endParaRPr lang="en-US"/>
+            </a:p>
+          </p:txBody>
+        </p:sp>
+        <p:sp>
+          <p:nvSpPr>
+            <p:cNvPr id="38" name="Rectangle 56"/>
+            <p:cNvSpPr>
+              <a:spLocks noChangeArrowheads="1"/>
+            </p:cNvSpPr>
+            <p:nvPr/>
+          </p:nvSpPr>
+          <p:spPr bwMode="auto">
+            <a:xfrm>
+              <a:off x="3351213" y="2190441"/>
+              <a:ext cx="12700" cy="2074862"/>
+            </a:xfrm>
+            <a:prstGeom prst="rect">
+              <a:avLst/>
+            </a:prstGeom>
+            <a:solidFill>
+              <a:srgbClr val="000000"/>
+            </a:solidFill>
+            <a:ln w="0" cap="flat">
+              <a:solidFill>
+                <a:srgbClr val="000000"/>
+              </a:solidFill>
+              <a:prstDash val="solid"/>
+              <a:round/>
+              <a:headEnd/>
+              <a:tailEnd/>
+            </a:ln>
+          </p:spPr>
+          <p:txBody>
+            <a:bodyPr vert="horz" wrap="square" lIns="91440" tIns="45720" rIns="91440" bIns="45720" numCol="1" anchor="t" anchorCtr="0" compatLnSpc="1">
+              <a:prstTxWarp prst="textNoShape">
+                <a:avLst/>
+              </a:prstTxWarp>
+            </a:bodyPr>
+            <a:lstStyle/>
+            <a:p>
+              <a:endParaRPr lang="en-US"/>
+            </a:p>
+          </p:txBody>
+        </p:sp>
+        <p:sp>
+          <p:nvSpPr>
+            <p:cNvPr id="39" name="Rectangle 57"/>
+            <p:cNvSpPr>
+              <a:spLocks noChangeArrowheads="1"/>
+            </p:cNvSpPr>
+            <p:nvPr/>
+          </p:nvSpPr>
+          <p:spPr bwMode="auto">
+            <a:xfrm>
+              <a:off x="381000" y="2190441"/>
+              <a:ext cx="2982913" cy="12700"/>
+            </a:xfrm>
+            <a:prstGeom prst="rect">
+              <a:avLst/>
+            </a:prstGeom>
+            <a:solidFill>
+              <a:srgbClr val="000000"/>
+            </a:solidFill>
+            <a:ln w="0" cap="flat">
+              <a:solidFill>
+                <a:srgbClr val="000000"/>
+              </a:solidFill>
+              <a:prstDash val="solid"/>
+              <a:round/>
+              <a:headEnd/>
+              <a:tailEnd/>
+            </a:ln>
+          </p:spPr>
+          <p:txBody>
+            <a:bodyPr vert="horz" wrap="square" lIns="91440" tIns="45720" rIns="91440" bIns="45720" numCol="1" anchor="t" anchorCtr="0" compatLnSpc="1">
+              <a:prstTxWarp prst="textNoShape">
+                <a:avLst/>
+              </a:prstTxWarp>
+            </a:bodyPr>
+            <a:lstStyle/>
+            <a:p>
+              <a:endParaRPr lang="en-US"/>
+            </a:p>
+          </p:txBody>
+        </p:sp>
+        <p:sp>
+          <p:nvSpPr>
+            <p:cNvPr id="40" name="Rectangle 58"/>
+            <p:cNvSpPr>
+              <a:spLocks noChangeArrowheads="1"/>
+            </p:cNvSpPr>
+            <p:nvPr/>
+          </p:nvSpPr>
+          <p:spPr bwMode="auto">
+            <a:xfrm>
+              <a:off x="381000" y="4252604"/>
+              <a:ext cx="2982913" cy="12700"/>
+            </a:xfrm>
+            <a:prstGeom prst="rect">
+              <a:avLst/>
+            </a:prstGeom>
+            <a:solidFill>
+              <a:srgbClr val="000000"/>
+            </a:solidFill>
+            <a:ln w="0" cap="flat">
+              <a:solidFill>
+                <a:srgbClr val="000000"/>
+              </a:solidFill>
+              <a:prstDash val="solid"/>
+              <a:round/>
+              <a:headEnd/>
+              <a:tailEnd/>
+            </a:ln>
+          </p:spPr>
+          <p:txBody>
+            <a:bodyPr vert="horz" wrap="square" lIns="91440" tIns="45720" rIns="91440" bIns="45720" numCol="1" anchor="t" anchorCtr="0" compatLnSpc="1">
+              <a:prstTxWarp prst="textNoShape">
+                <a:avLst/>
+              </a:prstTxWarp>
+            </a:bodyPr>
+            <a:lstStyle/>
+            <a:p>
+              <a:endParaRPr lang="en-US"/>
+            </a:p>
+          </p:txBody>
+        </p:sp>
+        <p:sp>
+          <p:nvSpPr>
+            <p:cNvPr id="41" name="Rectangle 59"/>
+            <p:cNvSpPr>
+              <a:spLocks noChangeArrowheads="1"/>
+            </p:cNvSpPr>
+            <p:nvPr/>
+          </p:nvSpPr>
+          <p:spPr bwMode="auto">
+            <a:xfrm>
+              <a:off x="725488" y="2241241"/>
+              <a:ext cx="573088" cy="303212"/>
+            </a:xfrm>
+            <a:prstGeom prst="rect">
+              <a:avLst/>
+            </a:prstGeom>
+            <a:noFill/>
+            <a:ln>
+              <a:noFill/>
+            </a:ln>
+            <a:extLst>
+              <a:ext uri="{909E8E84-426E-40DD-AFC4-6F175D3DCCD1}">
+                <a14:hiddenFill xmlns:a14="http://schemas.microsoft.com/office/drawing/2010/main">
+                  <a:solidFill>
+                    <a:srgbClr val="FFFFFF"/>
+                  </a:solidFill>
+                </a14:hiddenFill>
+              </a:ext>
+              <a:ext uri="{91240B29-F687-4F45-9708-019B960494DF}">
+                <a14:hiddenLine xmlns:a14="http://schemas.microsoft.com/office/drawing/2010/main" w="9525">
+                  <a:solidFill>
+                    <a:srgbClr val="000000"/>
+                  </a:solidFill>
+                  <a:miter lim="800000"/>
+                  <a:headEnd/>
+                  <a:tailEnd/>
+                </a14:hiddenLine>
+              </a:ext>
+            </a:extLst>
+          </p:spPr>
+          <p:txBody>
+            <a:bodyPr vert="horz" wrap="none" lIns="0" tIns="0" rIns="0" bIns="0" numCol="1" anchor="t" anchorCtr="0" compatLnSpc="1">
+              <a:prstTxWarp prst="textNoShape">
+                <a:avLst/>
+              </a:prstTxWarp>
+              <a:spAutoFit/>
+            </a:bodyPr>
+            <a:lstStyle/>
+            <a:p>
+              <a:pPr marL="0" marR="0" lvl="0" indent="0" algn="l" defTabSz="914400" rtl="0" eaLnBrk="1" fontAlgn="base" latinLnBrk="0" hangingPunct="1">
+                <a:lnSpc>
+                  <a:spcPct val="100000"/>
+                </a:lnSpc>
+                <a:spcBef>
+                  <a:spcPct val="0"/>
+                </a:spcBef>
+                <a:spcAft>
+                  <a:spcPct val="0"/>
+                </a:spcAft>
+                <a:buClrTx/>
+                <a:buSzTx/>
+                <a:buFontTx/>
+                <a:buNone/>
+                <a:tabLst/>
+              </a:pPr>
+              <a:r>
+                <a:rPr kumimoji="0" lang="en-US" sz="1600" b="0" i="0" u="none" strike="noStrike" cap="none" normalizeH="0" baseline="0" dirty="0" smtClean="0">
+                  <a:ln>
+                    <a:noFill/>
+                  </a:ln>
+                  <a:solidFill>
+                    <a:srgbClr val="000000"/>
+                  </a:solidFill>
+                  <a:effectLst/>
+                  <a:latin typeface="Calibri" pitchFamily="34" charset="0"/>
+                  <a:cs typeface="Arial" pitchFamily="34" charset="0"/>
+                </a:rPr>
+                <a:t>Radio</a:t>
+              </a:r>
+              <a:endParaRPr kumimoji="0" lang="en-US" sz="1800" b="0" i="0" u="none" strike="noStrike" cap="none" normalizeH="0" baseline="0" dirty="0" smtClean="0">
+                <a:ln>
+                  <a:noFill/>
+                </a:ln>
+                <a:solidFill>
+                  <a:schemeClr val="tx1"/>
+                </a:solidFill>
+                <a:effectLst/>
+                <a:latin typeface="Arial" pitchFamily="34" charset="0"/>
+                <a:cs typeface="Arial" pitchFamily="34" charset="0"/>
+              </a:endParaRPr>
+            </a:p>
+          </p:txBody>
+        </p:sp>
+        <p:sp>
+          <p:nvSpPr>
+            <p:cNvPr id="42" name="Rectangle 60"/>
+            <p:cNvSpPr>
+              <a:spLocks noChangeArrowheads="1"/>
+            </p:cNvSpPr>
+            <p:nvPr/>
+          </p:nvSpPr>
+          <p:spPr bwMode="auto">
+            <a:xfrm>
+              <a:off x="2065338" y="2241241"/>
+              <a:ext cx="908050" cy="303212"/>
+            </a:xfrm>
+            <a:prstGeom prst="rect">
+              <a:avLst/>
+            </a:prstGeom>
+            <a:noFill/>
+            <a:ln>
+              <a:noFill/>
+            </a:ln>
+            <a:extLst>
+              <a:ext uri="{909E8E84-426E-40DD-AFC4-6F175D3DCCD1}">
+                <a14:hiddenFill xmlns:a14="http://schemas.microsoft.com/office/drawing/2010/main">
+                  <a:solidFill>
+                    <a:srgbClr val="FFFFFF"/>
+                  </a:solidFill>
+                </a14:hiddenFill>
+              </a:ext>
+              <a:ext uri="{91240B29-F687-4F45-9708-019B960494DF}">
+                <a14:hiddenLine xmlns:a14="http://schemas.microsoft.com/office/drawing/2010/main" w="9525">
+                  <a:solidFill>
+                    <a:srgbClr val="000000"/>
+                  </a:solidFill>
+                  <a:miter lim="800000"/>
+                  <a:headEnd/>
+                  <a:tailEnd/>
+                </a14:hiddenLine>
+              </a:ext>
+            </a:extLst>
+          </p:spPr>
+          <p:txBody>
+            <a:bodyPr vert="horz" wrap="none" lIns="0" tIns="0" rIns="0" bIns="0" numCol="1" anchor="t" anchorCtr="0" compatLnSpc="1">
+              <a:prstTxWarp prst="textNoShape">
+                <a:avLst/>
+              </a:prstTxWarp>
+              <a:spAutoFit/>
+            </a:bodyPr>
+            <a:lstStyle/>
+            <a:p>
+              <a:pPr marL="0" marR="0" lvl="0" indent="0" algn="l" defTabSz="914400" rtl="0" eaLnBrk="1" fontAlgn="base" latinLnBrk="0" hangingPunct="1">
+                <a:lnSpc>
+                  <a:spcPct val="100000"/>
+                </a:lnSpc>
+                <a:spcBef>
+                  <a:spcPct val="0"/>
+                </a:spcBef>
+                <a:spcAft>
+                  <a:spcPct val="0"/>
+                </a:spcAft>
+                <a:buClrTx/>
+                <a:buSzTx/>
+                <a:buFontTx/>
+                <a:buNone/>
+                <a:tabLst/>
+              </a:pPr>
+              <a:r>
+                <a:rPr kumimoji="0" lang="en-US" sz="1600" b="0" i="0" u="none" strike="noStrike" cap="none" normalizeH="0" baseline="0" smtClean="0">
+                  <a:ln>
+                    <a:noFill/>
+                  </a:ln>
+                  <a:solidFill>
+                    <a:srgbClr val="000000"/>
+                  </a:solidFill>
+                  <a:effectLst/>
+                  <a:latin typeface="Calibri" pitchFamily="34" charset="0"/>
+                  <a:cs typeface="Arial" pitchFamily="34" charset="0"/>
+                </a:rPr>
+                <a:t>Selection </a:t>
+              </a:r>
+              <a:endParaRPr kumimoji="0" lang="en-US" sz="1800" b="0" i="0" u="none" strike="noStrike" cap="none" normalizeH="0" baseline="0" smtClean="0">
+                <a:ln>
+                  <a:noFill/>
+                </a:ln>
+                <a:solidFill>
+                  <a:schemeClr val="tx1"/>
+                </a:solidFill>
+                <a:effectLst/>
+                <a:latin typeface="Arial" pitchFamily="34" charset="0"/>
+                <a:cs typeface="Arial" pitchFamily="34" charset="0"/>
+              </a:endParaRPr>
+            </a:p>
+          </p:txBody>
+        </p:sp>
+        <p:sp>
+          <p:nvSpPr>
+            <p:cNvPr id="43" name="Rectangle 61"/>
+            <p:cNvSpPr>
+              <a:spLocks noChangeArrowheads="1"/>
+            </p:cNvSpPr>
+            <p:nvPr/>
+          </p:nvSpPr>
+          <p:spPr bwMode="auto">
+            <a:xfrm>
+              <a:off x="1998663" y="2484129"/>
+              <a:ext cx="996950" cy="303212"/>
+            </a:xfrm>
+            <a:prstGeom prst="rect">
+              <a:avLst/>
+            </a:prstGeom>
+            <a:noFill/>
+            <a:ln>
+              <a:noFill/>
+            </a:ln>
+            <a:extLst>
+              <a:ext uri="{909E8E84-426E-40DD-AFC4-6F175D3DCCD1}">
+                <a14:hiddenFill xmlns:a14="http://schemas.microsoft.com/office/drawing/2010/main">
+                  <a:solidFill>
+                    <a:srgbClr val="FFFFFF"/>
+                  </a:solidFill>
+                </a14:hiddenFill>
+              </a:ext>
+              <a:ext uri="{91240B29-F687-4F45-9708-019B960494DF}">
+                <a14:hiddenLine xmlns:a14="http://schemas.microsoft.com/office/drawing/2010/main" w="9525">
+                  <a:solidFill>
+                    <a:srgbClr val="000000"/>
+                  </a:solidFill>
+                  <a:miter lim="800000"/>
+                  <a:headEnd/>
+                  <a:tailEnd/>
+                </a14:hiddenLine>
+              </a:ext>
+            </a:extLst>
+          </p:spPr>
+          <p:txBody>
+            <a:bodyPr vert="horz" wrap="none" lIns="0" tIns="0" rIns="0" bIns="0" numCol="1" anchor="t" anchorCtr="0" compatLnSpc="1">
+              <a:prstTxWarp prst="textNoShape">
+                <a:avLst/>
+              </a:prstTxWarp>
+              <a:spAutoFit/>
+            </a:bodyPr>
+            <a:lstStyle/>
+            <a:p>
+              <a:pPr marL="0" marR="0" lvl="0" indent="0" algn="l" defTabSz="914400" rtl="0" eaLnBrk="1" fontAlgn="base" latinLnBrk="0" hangingPunct="1">
+                <a:lnSpc>
+                  <a:spcPct val="100000"/>
+                </a:lnSpc>
+                <a:spcBef>
+                  <a:spcPct val="0"/>
+                </a:spcBef>
+                <a:spcAft>
+                  <a:spcPct val="0"/>
+                </a:spcAft>
+                <a:buClrTx/>
+                <a:buSzTx/>
+                <a:buFontTx/>
+                <a:buNone/>
+                <a:tabLst/>
+              </a:pPr>
+              <a:r>
+                <a:rPr kumimoji="0" lang="en-US" sz="1600" b="0" i="0" u="none" strike="noStrike" cap="none" normalizeH="0" baseline="0" smtClean="0">
+                  <a:ln>
+                    <a:noFill/>
+                  </a:ln>
+                  <a:solidFill>
+                    <a:srgbClr val="000000"/>
+                  </a:solidFill>
+                  <a:effectLst/>
+                  <a:latin typeface="Calibri" pitchFamily="34" charset="0"/>
+                  <a:cs typeface="Arial" pitchFamily="34" charset="0"/>
+                </a:rPr>
+                <a:t>Probability</a:t>
+              </a:r>
+              <a:endParaRPr kumimoji="0" lang="en-US" sz="1800" b="0" i="0" u="none" strike="noStrike" cap="none" normalizeH="0" baseline="0" smtClean="0">
+                <a:ln>
+                  <a:noFill/>
+                </a:ln>
+                <a:solidFill>
+                  <a:schemeClr val="tx1"/>
+                </a:solidFill>
+                <a:effectLst/>
+                <a:latin typeface="Arial" pitchFamily="34" charset="0"/>
+                <a:cs typeface="Arial" pitchFamily="34" charset="0"/>
+              </a:endParaRPr>
+            </a:p>
+          </p:txBody>
+        </p:sp>
+        <p:sp>
+          <p:nvSpPr>
+            <p:cNvPr id="44" name="Rectangle 62"/>
+            <p:cNvSpPr>
+              <a:spLocks noChangeArrowheads="1"/>
+            </p:cNvSpPr>
+            <p:nvPr/>
+          </p:nvSpPr>
+          <p:spPr bwMode="auto">
+            <a:xfrm>
+              <a:off x="900113" y="2820679"/>
+              <a:ext cx="234950" cy="339725"/>
+            </a:xfrm>
+            <a:prstGeom prst="rect">
+              <a:avLst/>
+            </a:prstGeom>
+            <a:noFill/>
+            <a:ln>
+              <a:noFill/>
+            </a:ln>
+            <a:extLst>
+              <a:ext uri="{909E8E84-426E-40DD-AFC4-6F175D3DCCD1}">
+                <a14:hiddenFill xmlns:a14="http://schemas.microsoft.com/office/drawing/2010/main">
+                  <a:solidFill>
+                    <a:srgbClr val="FFFFFF"/>
+                  </a:solidFill>
+                </a14:hiddenFill>
+              </a:ext>
+              <a:ext uri="{91240B29-F687-4F45-9708-019B960494DF}">
+                <a14:hiddenLine xmlns:a14="http://schemas.microsoft.com/office/drawing/2010/main" w="9525">
+                  <a:solidFill>
+                    <a:srgbClr val="000000"/>
+                  </a:solidFill>
+                  <a:miter lim="800000"/>
+                  <a:headEnd/>
+                  <a:tailEnd/>
+                </a14:hiddenLine>
+              </a:ext>
+            </a:extLst>
+          </p:spPr>
+          <p:txBody>
+            <a:bodyPr vert="horz" wrap="none" lIns="0" tIns="0" rIns="0" bIns="0" numCol="1" anchor="t" anchorCtr="0" compatLnSpc="1">
+              <a:prstTxWarp prst="textNoShape">
+                <a:avLst/>
+              </a:prstTxWarp>
+              <a:spAutoFit/>
+            </a:bodyPr>
+            <a:lstStyle/>
+            <a:p>
+              <a:pPr marL="0" marR="0" lvl="0" indent="0" algn="l" defTabSz="914400" rtl="0" eaLnBrk="1" fontAlgn="base" latinLnBrk="0" hangingPunct="1">
+                <a:lnSpc>
+                  <a:spcPct val="100000"/>
+                </a:lnSpc>
+                <a:spcBef>
+                  <a:spcPct val="0"/>
+                </a:spcBef>
+                <a:spcAft>
+                  <a:spcPct val="0"/>
+                </a:spcAft>
+                <a:buClrTx/>
+                <a:buSzTx/>
+                <a:buFontTx/>
+                <a:buNone/>
+                <a:tabLst/>
+              </a:pPr>
+              <a:r>
+                <a:rPr kumimoji="0" lang="en-US" sz="1800" b="0" i="0" u="none" strike="noStrike" cap="none" normalizeH="0" baseline="0" smtClean="0">
+                  <a:ln>
+                    <a:noFill/>
+                  </a:ln>
+                  <a:solidFill>
+                    <a:srgbClr val="000000"/>
+                  </a:solidFill>
+                  <a:effectLst/>
+                  <a:latin typeface="Calibri" pitchFamily="34" charset="0"/>
+                  <a:cs typeface="Arial" pitchFamily="34" charset="0"/>
+                </a:rPr>
+                <a:t>0</a:t>
+              </a:r>
+              <a:endParaRPr kumimoji="0" lang="en-US" sz="1800" b="0" i="0" u="none" strike="noStrike" cap="none" normalizeH="0" baseline="0" smtClean="0">
+                <a:ln>
+                  <a:noFill/>
+                </a:ln>
+                <a:solidFill>
+                  <a:schemeClr val="tx1"/>
+                </a:solidFill>
+                <a:effectLst/>
+                <a:latin typeface="Arial" pitchFamily="34" charset="0"/>
+                <a:cs typeface="Arial" pitchFamily="34" charset="0"/>
+              </a:endParaRPr>
+            </a:p>
+          </p:txBody>
+        </p:sp>
+        <p:sp>
+          <p:nvSpPr>
+            <p:cNvPr id="45" name="Rectangle 63"/>
+            <p:cNvSpPr>
+              <a:spLocks noChangeArrowheads="1"/>
+            </p:cNvSpPr>
+            <p:nvPr/>
+          </p:nvSpPr>
+          <p:spPr bwMode="auto">
+            <a:xfrm>
+              <a:off x="2241550" y="2820679"/>
+              <a:ext cx="523875" cy="339725"/>
+            </a:xfrm>
+            <a:prstGeom prst="rect">
+              <a:avLst/>
+            </a:prstGeom>
+            <a:noFill/>
+            <a:ln>
+              <a:noFill/>
+            </a:ln>
+            <a:extLst>
+              <a:ext uri="{909E8E84-426E-40DD-AFC4-6F175D3DCCD1}">
+                <a14:hiddenFill xmlns:a14="http://schemas.microsoft.com/office/drawing/2010/main">
+                  <a:solidFill>
+                    <a:srgbClr val="FFFFFF"/>
+                  </a:solidFill>
+                </a14:hiddenFill>
+              </a:ext>
+              <a:ext uri="{91240B29-F687-4F45-9708-019B960494DF}">
+                <a14:hiddenLine xmlns:a14="http://schemas.microsoft.com/office/drawing/2010/main" w="9525">
+                  <a:solidFill>
+                    <a:srgbClr val="000000"/>
+                  </a:solidFill>
+                  <a:miter lim="800000"/>
+                  <a:headEnd/>
+                  <a:tailEnd/>
+                </a14:hiddenLine>
+              </a:ext>
+            </a:extLst>
+          </p:spPr>
+          <p:txBody>
+            <a:bodyPr vert="horz" wrap="none" lIns="0" tIns="0" rIns="0" bIns="0" numCol="1" anchor="t" anchorCtr="0" compatLnSpc="1">
+              <a:prstTxWarp prst="textNoShape">
+                <a:avLst/>
+              </a:prstTxWarp>
+              <a:spAutoFit/>
+            </a:bodyPr>
+            <a:lstStyle/>
+            <a:p>
+              <a:pPr marL="0" marR="0" lvl="0" indent="0" algn="l" defTabSz="914400" rtl="0" eaLnBrk="1" fontAlgn="base" latinLnBrk="0" hangingPunct="1">
+                <a:lnSpc>
+                  <a:spcPct val="100000"/>
+                </a:lnSpc>
+                <a:spcBef>
+                  <a:spcPct val="0"/>
+                </a:spcBef>
+                <a:spcAft>
+                  <a:spcPct val="0"/>
+                </a:spcAft>
+                <a:buClrTx/>
+                <a:buSzTx/>
+                <a:buFontTx/>
+                <a:buNone/>
+                <a:tabLst/>
+              </a:pPr>
+              <a:r>
+                <a:rPr kumimoji="0" lang="en-US" sz="1800" b="0" i="0" u="none" strike="noStrike" cap="none" normalizeH="0" baseline="0" smtClean="0">
+                  <a:ln>
+                    <a:noFill/>
+                  </a:ln>
+                  <a:solidFill>
+                    <a:srgbClr val="000000"/>
+                  </a:solidFill>
+                  <a:effectLst/>
+                  <a:latin typeface="Calibri" pitchFamily="34" charset="0"/>
+                  <a:cs typeface="Arial" pitchFamily="34" charset="0"/>
+                </a:rPr>
+                <a:t>0.25</a:t>
+              </a:r>
+              <a:endParaRPr kumimoji="0" lang="en-US" sz="1800" b="0" i="0" u="none" strike="noStrike" cap="none" normalizeH="0" baseline="0" smtClean="0">
+                <a:ln>
+                  <a:noFill/>
+                </a:ln>
+                <a:solidFill>
+                  <a:schemeClr val="tx1"/>
+                </a:solidFill>
+                <a:effectLst/>
+                <a:latin typeface="Arial" pitchFamily="34" charset="0"/>
+                <a:cs typeface="Arial" pitchFamily="34" charset="0"/>
+              </a:endParaRPr>
+            </a:p>
+          </p:txBody>
+        </p:sp>
+        <p:sp>
+          <p:nvSpPr>
+            <p:cNvPr id="46" name="Rectangle 64"/>
+            <p:cNvSpPr>
+              <a:spLocks noChangeArrowheads="1"/>
+            </p:cNvSpPr>
+            <p:nvPr/>
+          </p:nvSpPr>
+          <p:spPr bwMode="auto">
+            <a:xfrm>
+              <a:off x="900113" y="3190566"/>
+              <a:ext cx="234950" cy="339725"/>
+            </a:xfrm>
+            <a:prstGeom prst="rect">
+              <a:avLst/>
+            </a:prstGeom>
+            <a:noFill/>
+            <a:ln>
+              <a:noFill/>
+            </a:ln>
+            <a:extLst>
+              <a:ext uri="{909E8E84-426E-40DD-AFC4-6F175D3DCCD1}">
+                <a14:hiddenFill xmlns:a14="http://schemas.microsoft.com/office/drawing/2010/main">
+                  <a:solidFill>
+                    <a:srgbClr val="FFFFFF"/>
+                  </a:solidFill>
+                </a14:hiddenFill>
+              </a:ext>
+              <a:ext uri="{91240B29-F687-4F45-9708-019B960494DF}">
+                <a14:hiddenLine xmlns:a14="http://schemas.microsoft.com/office/drawing/2010/main" w="9525">
+                  <a:solidFill>
+                    <a:srgbClr val="000000"/>
+                  </a:solidFill>
+                  <a:miter lim="800000"/>
+                  <a:headEnd/>
+                  <a:tailEnd/>
+                </a14:hiddenLine>
+              </a:ext>
+            </a:extLst>
+          </p:spPr>
+          <p:txBody>
+            <a:bodyPr vert="horz" wrap="none" lIns="0" tIns="0" rIns="0" bIns="0" numCol="1" anchor="t" anchorCtr="0" compatLnSpc="1">
+              <a:prstTxWarp prst="textNoShape">
+                <a:avLst/>
+              </a:prstTxWarp>
+              <a:spAutoFit/>
+            </a:bodyPr>
+            <a:lstStyle/>
+            <a:p>
+              <a:pPr marL="0" marR="0" lvl="0" indent="0" algn="l" defTabSz="914400" rtl="0" eaLnBrk="1" fontAlgn="base" latinLnBrk="0" hangingPunct="1">
+                <a:lnSpc>
+                  <a:spcPct val="100000"/>
+                </a:lnSpc>
+                <a:spcBef>
+                  <a:spcPct val="0"/>
+                </a:spcBef>
+                <a:spcAft>
+                  <a:spcPct val="0"/>
+                </a:spcAft>
+                <a:buClrTx/>
+                <a:buSzTx/>
+                <a:buFontTx/>
+                <a:buNone/>
+                <a:tabLst/>
+              </a:pPr>
+              <a:r>
+                <a:rPr kumimoji="0" lang="en-US" sz="1800" b="0" i="0" u="none" strike="noStrike" cap="none" normalizeH="0" baseline="0" smtClean="0">
+                  <a:ln>
+                    <a:noFill/>
+                  </a:ln>
+                  <a:solidFill>
+                    <a:srgbClr val="000000"/>
+                  </a:solidFill>
+                  <a:effectLst/>
+                  <a:latin typeface="Calibri" pitchFamily="34" charset="0"/>
+                  <a:cs typeface="Arial" pitchFamily="34" charset="0"/>
+                </a:rPr>
+                <a:t>1</a:t>
+              </a:r>
+              <a:endParaRPr kumimoji="0" lang="en-US" sz="1800" b="0" i="0" u="none" strike="noStrike" cap="none" normalizeH="0" baseline="0" smtClean="0">
+                <a:ln>
+                  <a:noFill/>
+                </a:ln>
+                <a:solidFill>
+                  <a:schemeClr val="tx1"/>
+                </a:solidFill>
+                <a:effectLst/>
+                <a:latin typeface="Arial" pitchFamily="34" charset="0"/>
+                <a:cs typeface="Arial" pitchFamily="34" charset="0"/>
+              </a:endParaRPr>
+            </a:p>
+          </p:txBody>
+        </p:sp>
+        <p:sp>
+          <p:nvSpPr>
+            <p:cNvPr id="47" name="Rectangle 65"/>
+            <p:cNvSpPr>
+              <a:spLocks noChangeArrowheads="1"/>
+            </p:cNvSpPr>
+            <p:nvPr/>
+          </p:nvSpPr>
+          <p:spPr bwMode="auto">
+            <a:xfrm>
+              <a:off x="2241550" y="3190566"/>
+              <a:ext cx="523875" cy="339725"/>
+            </a:xfrm>
+            <a:prstGeom prst="rect">
+              <a:avLst/>
+            </a:prstGeom>
+            <a:noFill/>
+            <a:ln>
+              <a:noFill/>
+            </a:ln>
+            <a:extLst>
+              <a:ext uri="{909E8E84-426E-40DD-AFC4-6F175D3DCCD1}">
+                <a14:hiddenFill xmlns:a14="http://schemas.microsoft.com/office/drawing/2010/main">
+                  <a:solidFill>
+                    <a:srgbClr val="FFFFFF"/>
+                  </a:solidFill>
+                </a14:hiddenFill>
+              </a:ext>
+              <a:ext uri="{91240B29-F687-4F45-9708-019B960494DF}">
+                <a14:hiddenLine xmlns:a14="http://schemas.microsoft.com/office/drawing/2010/main" w="9525">
+                  <a:solidFill>
+                    <a:srgbClr val="000000"/>
+                  </a:solidFill>
+                  <a:miter lim="800000"/>
+                  <a:headEnd/>
+                  <a:tailEnd/>
+                </a14:hiddenLine>
+              </a:ext>
+            </a:extLst>
+          </p:spPr>
+          <p:txBody>
+            <a:bodyPr vert="horz" wrap="none" lIns="0" tIns="0" rIns="0" bIns="0" numCol="1" anchor="t" anchorCtr="0" compatLnSpc="1">
+              <a:prstTxWarp prst="textNoShape">
+                <a:avLst/>
+              </a:prstTxWarp>
+              <a:spAutoFit/>
+            </a:bodyPr>
+            <a:lstStyle/>
+            <a:p>
+              <a:pPr marL="0" marR="0" lvl="0" indent="0" algn="l" defTabSz="914400" rtl="0" eaLnBrk="1" fontAlgn="base" latinLnBrk="0" hangingPunct="1">
+                <a:lnSpc>
+                  <a:spcPct val="100000"/>
+                </a:lnSpc>
+                <a:spcBef>
+                  <a:spcPct val="0"/>
+                </a:spcBef>
+                <a:spcAft>
+                  <a:spcPct val="0"/>
+                </a:spcAft>
+                <a:buClrTx/>
+                <a:buSzTx/>
+                <a:buFontTx/>
+                <a:buNone/>
+                <a:tabLst/>
+              </a:pPr>
+              <a:r>
+                <a:rPr kumimoji="0" lang="en-US" sz="1800" b="0" i="0" u="none" strike="noStrike" cap="none" normalizeH="0" baseline="0" smtClean="0">
+                  <a:ln>
+                    <a:noFill/>
+                  </a:ln>
+                  <a:solidFill>
+                    <a:srgbClr val="000000"/>
+                  </a:solidFill>
+                  <a:effectLst/>
+                  <a:latin typeface="Calibri" pitchFamily="34" charset="0"/>
+                  <a:cs typeface="Arial" pitchFamily="34" charset="0"/>
+                </a:rPr>
+                <a:t>0.25</a:t>
+              </a:r>
+              <a:endParaRPr kumimoji="0" lang="en-US" sz="1800" b="0" i="0" u="none" strike="noStrike" cap="none" normalizeH="0" baseline="0" smtClean="0">
+                <a:ln>
+                  <a:noFill/>
+                </a:ln>
+                <a:solidFill>
+                  <a:schemeClr val="tx1"/>
+                </a:solidFill>
+                <a:effectLst/>
+                <a:latin typeface="Arial" pitchFamily="34" charset="0"/>
+                <a:cs typeface="Arial" pitchFamily="34" charset="0"/>
+              </a:endParaRPr>
+            </a:p>
+          </p:txBody>
+        </p:sp>
+        <p:sp>
+          <p:nvSpPr>
+            <p:cNvPr id="48" name="Rectangle 66"/>
+            <p:cNvSpPr>
+              <a:spLocks noChangeArrowheads="1"/>
+            </p:cNvSpPr>
+            <p:nvPr/>
+          </p:nvSpPr>
+          <p:spPr bwMode="auto">
+            <a:xfrm>
+              <a:off x="900113" y="3562041"/>
+              <a:ext cx="234950" cy="339725"/>
+            </a:xfrm>
+            <a:prstGeom prst="rect">
+              <a:avLst/>
+            </a:prstGeom>
+            <a:noFill/>
+            <a:ln>
+              <a:noFill/>
+            </a:ln>
+            <a:extLst>
+              <a:ext uri="{909E8E84-426E-40DD-AFC4-6F175D3DCCD1}">
+                <a14:hiddenFill xmlns:a14="http://schemas.microsoft.com/office/drawing/2010/main">
+                  <a:solidFill>
+                    <a:srgbClr val="FFFFFF"/>
+                  </a:solidFill>
+                </a14:hiddenFill>
+              </a:ext>
+              <a:ext uri="{91240B29-F687-4F45-9708-019B960494DF}">
+                <a14:hiddenLine xmlns:a14="http://schemas.microsoft.com/office/drawing/2010/main" w="9525">
+                  <a:solidFill>
+                    <a:srgbClr val="000000"/>
+                  </a:solidFill>
+                  <a:miter lim="800000"/>
+                  <a:headEnd/>
+                  <a:tailEnd/>
+                </a14:hiddenLine>
+              </a:ext>
+            </a:extLst>
+          </p:spPr>
+          <p:txBody>
+            <a:bodyPr vert="horz" wrap="none" lIns="0" tIns="0" rIns="0" bIns="0" numCol="1" anchor="t" anchorCtr="0" compatLnSpc="1">
+              <a:prstTxWarp prst="textNoShape">
+                <a:avLst/>
+              </a:prstTxWarp>
+              <a:spAutoFit/>
+            </a:bodyPr>
+            <a:lstStyle/>
+            <a:p>
+              <a:pPr marL="0" marR="0" lvl="0" indent="0" algn="l" defTabSz="914400" rtl="0" eaLnBrk="1" fontAlgn="base" latinLnBrk="0" hangingPunct="1">
+                <a:lnSpc>
+                  <a:spcPct val="100000"/>
+                </a:lnSpc>
+                <a:spcBef>
+                  <a:spcPct val="0"/>
+                </a:spcBef>
+                <a:spcAft>
+                  <a:spcPct val="0"/>
+                </a:spcAft>
+                <a:buClrTx/>
+                <a:buSzTx/>
+                <a:buFontTx/>
+                <a:buNone/>
+                <a:tabLst/>
+              </a:pPr>
+              <a:r>
+                <a:rPr kumimoji="0" lang="en-US" sz="1800" b="0" i="0" u="none" strike="noStrike" cap="none" normalizeH="0" baseline="0" smtClean="0">
+                  <a:ln>
+                    <a:noFill/>
+                  </a:ln>
+                  <a:solidFill>
+                    <a:srgbClr val="000000"/>
+                  </a:solidFill>
+                  <a:effectLst/>
+                  <a:latin typeface="Calibri" pitchFamily="34" charset="0"/>
+                  <a:cs typeface="Arial" pitchFamily="34" charset="0"/>
+                </a:rPr>
+                <a:t>2</a:t>
+              </a:r>
+              <a:endParaRPr kumimoji="0" lang="en-US" sz="1800" b="0" i="0" u="none" strike="noStrike" cap="none" normalizeH="0" baseline="0" smtClean="0">
+                <a:ln>
+                  <a:noFill/>
+                </a:ln>
+                <a:solidFill>
+                  <a:schemeClr val="tx1"/>
+                </a:solidFill>
+                <a:effectLst/>
+                <a:latin typeface="Arial" pitchFamily="34" charset="0"/>
+                <a:cs typeface="Arial" pitchFamily="34" charset="0"/>
+              </a:endParaRPr>
+            </a:p>
+          </p:txBody>
+        </p:sp>
+        <p:sp>
+          <p:nvSpPr>
+            <p:cNvPr id="49" name="Rectangle 67"/>
+            <p:cNvSpPr>
+              <a:spLocks noChangeArrowheads="1"/>
+            </p:cNvSpPr>
+            <p:nvPr/>
+          </p:nvSpPr>
+          <p:spPr bwMode="auto">
+            <a:xfrm>
+              <a:off x="2241550" y="3562041"/>
+              <a:ext cx="523875" cy="339725"/>
+            </a:xfrm>
+            <a:prstGeom prst="rect">
+              <a:avLst/>
+            </a:prstGeom>
+            <a:noFill/>
+            <a:ln>
+              <a:noFill/>
+            </a:ln>
+            <a:extLst>
+              <a:ext uri="{909E8E84-426E-40DD-AFC4-6F175D3DCCD1}">
+                <a14:hiddenFill xmlns:a14="http://schemas.microsoft.com/office/drawing/2010/main">
+                  <a:solidFill>
+                    <a:srgbClr val="FFFFFF"/>
+                  </a:solidFill>
+                </a14:hiddenFill>
+              </a:ext>
+              <a:ext uri="{91240B29-F687-4F45-9708-019B960494DF}">
+                <a14:hiddenLine xmlns:a14="http://schemas.microsoft.com/office/drawing/2010/main" w="9525">
+                  <a:solidFill>
+                    <a:srgbClr val="000000"/>
+                  </a:solidFill>
+                  <a:miter lim="800000"/>
+                  <a:headEnd/>
+                  <a:tailEnd/>
+                </a14:hiddenLine>
+              </a:ext>
+            </a:extLst>
+          </p:spPr>
+          <p:txBody>
+            <a:bodyPr vert="horz" wrap="none" lIns="0" tIns="0" rIns="0" bIns="0" numCol="1" anchor="t" anchorCtr="0" compatLnSpc="1">
+              <a:prstTxWarp prst="textNoShape">
+                <a:avLst/>
+              </a:prstTxWarp>
+              <a:spAutoFit/>
+            </a:bodyPr>
+            <a:lstStyle/>
+            <a:p>
+              <a:pPr marL="0" marR="0" lvl="0" indent="0" algn="l" defTabSz="914400" rtl="0" eaLnBrk="1" fontAlgn="base" latinLnBrk="0" hangingPunct="1">
+                <a:lnSpc>
+                  <a:spcPct val="100000"/>
+                </a:lnSpc>
+                <a:spcBef>
+                  <a:spcPct val="0"/>
+                </a:spcBef>
+                <a:spcAft>
+                  <a:spcPct val="0"/>
+                </a:spcAft>
+                <a:buClrTx/>
+                <a:buSzTx/>
+                <a:buFontTx/>
+                <a:buNone/>
+                <a:tabLst/>
+              </a:pPr>
+              <a:r>
+                <a:rPr kumimoji="0" lang="en-US" sz="1800" b="0" i="0" u="none" strike="noStrike" cap="none" normalizeH="0" baseline="0" smtClean="0">
+                  <a:ln>
+                    <a:noFill/>
+                  </a:ln>
+                  <a:solidFill>
+                    <a:srgbClr val="000000"/>
+                  </a:solidFill>
+                  <a:effectLst/>
+                  <a:latin typeface="Calibri" pitchFamily="34" charset="0"/>
+                  <a:cs typeface="Arial" pitchFamily="34" charset="0"/>
+                </a:rPr>
+                <a:t>0.25</a:t>
+              </a:r>
+              <a:endParaRPr kumimoji="0" lang="en-US" sz="1800" b="0" i="0" u="none" strike="noStrike" cap="none" normalizeH="0" baseline="0" smtClean="0">
+                <a:ln>
+                  <a:noFill/>
+                </a:ln>
+                <a:solidFill>
+                  <a:schemeClr val="tx1"/>
+                </a:solidFill>
+                <a:effectLst/>
+                <a:latin typeface="Arial" pitchFamily="34" charset="0"/>
+                <a:cs typeface="Arial" pitchFamily="34" charset="0"/>
+              </a:endParaRPr>
+            </a:p>
+          </p:txBody>
+        </p:sp>
+        <p:sp>
+          <p:nvSpPr>
+            <p:cNvPr id="50" name="Rectangle 68"/>
+            <p:cNvSpPr>
+              <a:spLocks noChangeArrowheads="1"/>
+            </p:cNvSpPr>
+            <p:nvPr/>
+          </p:nvSpPr>
+          <p:spPr bwMode="auto">
+            <a:xfrm>
+              <a:off x="900113" y="3931929"/>
+              <a:ext cx="234950" cy="339725"/>
+            </a:xfrm>
+            <a:prstGeom prst="rect">
+              <a:avLst/>
+            </a:prstGeom>
+            <a:noFill/>
+            <a:ln>
+              <a:noFill/>
+            </a:ln>
+            <a:extLst>
+              <a:ext uri="{909E8E84-426E-40DD-AFC4-6F175D3DCCD1}">
+                <a14:hiddenFill xmlns:a14="http://schemas.microsoft.com/office/drawing/2010/main">
+                  <a:solidFill>
+                    <a:srgbClr val="FFFFFF"/>
+                  </a:solidFill>
+                </a14:hiddenFill>
+              </a:ext>
+              <a:ext uri="{91240B29-F687-4F45-9708-019B960494DF}">
+                <a14:hiddenLine xmlns:a14="http://schemas.microsoft.com/office/drawing/2010/main" w="9525">
+                  <a:solidFill>
+                    <a:srgbClr val="000000"/>
+                  </a:solidFill>
+                  <a:miter lim="800000"/>
+                  <a:headEnd/>
+                  <a:tailEnd/>
+                </a14:hiddenLine>
+              </a:ext>
+            </a:extLst>
+          </p:spPr>
+          <p:txBody>
+            <a:bodyPr vert="horz" wrap="none" lIns="0" tIns="0" rIns="0" bIns="0" numCol="1" anchor="t" anchorCtr="0" compatLnSpc="1">
+              <a:prstTxWarp prst="textNoShape">
+                <a:avLst/>
+              </a:prstTxWarp>
+              <a:spAutoFit/>
+            </a:bodyPr>
+            <a:lstStyle/>
+            <a:p>
+              <a:pPr marL="0" marR="0" lvl="0" indent="0" algn="l" defTabSz="914400" rtl="0" eaLnBrk="1" fontAlgn="base" latinLnBrk="0" hangingPunct="1">
+                <a:lnSpc>
+                  <a:spcPct val="100000"/>
+                </a:lnSpc>
+                <a:spcBef>
+                  <a:spcPct val="0"/>
+                </a:spcBef>
+                <a:spcAft>
+                  <a:spcPct val="0"/>
+                </a:spcAft>
+                <a:buClrTx/>
+                <a:buSzTx/>
+                <a:buFontTx/>
+                <a:buNone/>
+                <a:tabLst/>
+              </a:pPr>
+              <a:r>
+                <a:rPr kumimoji="0" lang="en-US" sz="1800" b="0" i="0" u="none" strike="noStrike" cap="none" normalizeH="0" baseline="0" smtClean="0">
+                  <a:ln>
+                    <a:noFill/>
+                  </a:ln>
+                  <a:solidFill>
+                    <a:srgbClr val="000000"/>
+                  </a:solidFill>
+                  <a:effectLst/>
+                  <a:latin typeface="Calibri" pitchFamily="34" charset="0"/>
+                  <a:cs typeface="Arial" pitchFamily="34" charset="0"/>
+                </a:rPr>
+                <a:t>3</a:t>
+              </a:r>
+              <a:endParaRPr kumimoji="0" lang="en-US" sz="1800" b="0" i="0" u="none" strike="noStrike" cap="none" normalizeH="0" baseline="0" smtClean="0">
+                <a:ln>
+                  <a:noFill/>
+                </a:ln>
+                <a:solidFill>
+                  <a:schemeClr val="tx1"/>
+                </a:solidFill>
+                <a:effectLst/>
+                <a:latin typeface="Arial" pitchFamily="34" charset="0"/>
+                <a:cs typeface="Arial" pitchFamily="34" charset="0"/>
+              </a:endParaRPr>
+            </a:p>
+          </p:txBody>
+        </p:sp>
+        <p:sp>
+          <p:nvSpPr>
+            <p:cNvPr id="51" name="Rectangle 69"/>
+            <p:cNvSpPr>
+              <a:spLocks noChangeArrowheads="1"/>
+            </p:cNvSpPr>
+            <p:nvPr/>
+          </p:nvSpPr>
+          <p:spPr bwMode="auto">
+            <a:xfrm>
+              <a:off x="2241550" y="3931929"/>
+              <a:ext cx="523875" cy="339725"/>
+            </a:xfrm>
+            <a:prstGeom prst="rect">
+              <a:avLst/>
+            </a:prstGeom>
+            <a:noFill/>
+            <a:ln>
+              <a:noFill/>
+            </a:ln>
+            <a:extLst>
+              <a:ext uri="{909E8E84-426E-40DD-AFC4-6F175D3DCCD1}">
+                <a14:hiddenFill xmlns:a14="http://schemas.microsoft.com/office/drawing/2010/main">
+                  <a:solidFill>
+                    <a:srgbClr val="FFFFFF"/>
+                  </a:solidFill>
+                </a14:hiddenFill>
+              </a:ext>
+              <a:ext uri="{91240B29-F687-4F45-9708-019B960494DF}">
+                <a14:hiddenLine xmlns:a14="http://schemas.microsoft.com/office/drawing/2010/main" w="9525">
+                  <a:solidFill>
+                    <a:srgbClr val="000000"/>
+                  </a:solidFill>
+                  <a:miter lim="800000"/>
+                  <a:headEnd/>
+                  <a:tailEnd/>
+                </a14:hiddenLine>
+              </a:ext>
+            </a:extLst>
+          </p:spPr>
+          <p:txBody>
+            <a:bodyPr vert="horz" wrap="none" lIns="0" tIns="0" rIns="0" bIns="0" numCol="1" anchor="t" anchorCtr="0" compatLnSpc="1">
+              <a:prstTxWarp prst="textNoShape">
+                <a:avLst/>
+              </a:prstTxWarp>
+              <a:spAutoFit/>
+            </a:bodyPr>
+            <a:lstStyle/>
+            <a:p>
+              <a:pPr marL="0" marR="0" lvl="0" indent="0" algn="l" defTabSz="914400" rtl="0" eaLnBrk="1" fontAlgn="base" latinLnBrk="0" hangingPunct="1">
+                <a:lnSpc>
+                  <a:spcPct val="100000"/>
+                </a:lnSpc>
+                <a:spcBef>
+                  <a:spcPct val="0"/>
+                </a:spcBef>
+                <a:spcAft>
+                  <a:spcPct val="0"/>
+                </a:spcAft>
+                <a:buClrTx/>
+                <a:buSzTx/>
+                <a:buFontTx/>
+                <a:buNone/>
+                <a:tabLst/>
+              </a:pPr>
+              <a:r>
+                <a:rPr kumimoji="0" lang="en-US" sz="1800" b="0" i="0" u="none" strike="noStrike" cap="none" normalizeH="0" baseline="0" smtClean="0">
+                  <a:ln>
+                    <a:noFill/>
+                  </a:ln>
+                  <a:solidFill>
+                    <a:srgbClr val="000000"/>
+                  </a:solidFill>
+                  <a:effectLst/>
+                  <a:latin typeface="Calibri" pitchFamily="34" charset="0"/>
+                  <a:cs typeface="Arial" pitchFamily="34" charset="0"/>
+                </a:rPr>
+                <a:t>0.25</a:t>
+              </a:r>
+              <a:endParaRPr kumimoji="0" lang="en-US" sz="1800" b="0" i="0" u="none" strike="noStrike" cap="none" normalizeH="0" baseline="0" smtClean="0">
+                <a:ln>
+                  <a:noFill/>
+                </a:ln>
+                <a:solidFill>
+                  <a:schemeClr val="tx1"/>
+                </a:solidFill>
+                <a:effectLst/>
+                <a:latin typeface="Arial" pitchFamily="34" charset="0"/>
+                <a:cs typeface="Arial" pitchFamily="34" charset="0"/>
+              </a:endParaRPr>
+            </a:p>
+          </p:txBody>
+        </p:sp>
+      </p:grpSp>
+    </p:spTree>
+    <p:extLst>
+      <p:ext uri="{BB962C8B-B14F-4D97-AF65-F5344CB8AC3E}">
+        <p14:creationId xmlns:p14="http://schemas.microsoft.com/office/powerpoint/2010/main" val="1277021428"/>
+      </p:ext>
+    </p:extLst>
+  </p:cSld>
+  <p:clrMapOvr>
+    <a:masterClrMapping/>
+  </p:clrMapOvr>
+  <p:timing>
+    <p:tnLst>
+      <p:par>
+        <p:cTn id="1" dur="indefinite" restart="never" nodeType="tmRoot">
+          <p:childTnLst>
+            <p:seq concurrent="1" nextAc="seek">
+              <p:cTn id="2" dur="indefinite" nodeType="mainSeq">
+                <p:childTnLst>
+                  <p:par>
+                    <p:cTn id="3" fill="hold">
+                      <p:stCondLst>
+                        <p:cond delay="indefinite"/>
+                      </p:stCondLst>
+                      <p:childTnLst>
+                        <p:par>
+                          <p:cTn id="4" fill="hold">
+                            <p:stCondLst>
+                              <p:cond delay="0"/>
+                            </p:stCondLst>
+                            <p:childTnLst>
+                              <p:par>
+                                <p:cTn id="5" presetID="22" presetClass="entr" presetSubtype="8" fill="hold" grpId="0" nodeType="clickEffect">
+                                  <p:stCondLst>
+                                    <p:cond delay="0"/>
+                                  </p:stCondLst>
+                                  <p:childTnLst>
+                                    <p:set>
+                                      <p:cBhvr>
+                                        <p:cTn id="6" dur="1" fill="hold">
+                                          <p:stCondLst>
+                                            <p:cond delay="0"/>
+                                          </p:stCondLst>
+                                        </p:cTn>
+                                        <p:tgtEl>
+                                          <p:spTgt spid="7">
+                                            <p:txEl>
+                                              <p:pRg st="0" end="0"/>
+                                            </p:txEl>
+                                          </p:spTgt>
+                                        </p:tgtEl>
+                                        <p:attrNameLst>
+                                          <p:attrName>style.visibility</p:attrName>
+                                        </p:attrNameLst>
+                                      </p:cBhvr>
+                                      <p:to>
+                                        <p:strVal val="visible"/>
+                                      </p:to>
+                                    </p:set>
+                                    <p:animEffect transition="in" filter="wipe(left)">
+                                      <p:cBhvr>
+                                        <p:cTn id="7" dur="500"/>
+                                        <p:tgtEl>
+                                          <p:spTgt spid="7">
+                                            <p:txEl>
+                                              <p:pRg st="0" end="0"/>
+                                            </p:txEl>
+                                          </p:spTgt>
+                                        </p:tgtEl>
+                                      </p:cBhvr>
+                                    </p:animEffect>
+                                  </p:childTnLst>
+                                </p:cTn>
+                              </p:par>
+                            </p:childTnLst>
+                          </p:cTn>
+                        </p:par>
+                        <p:par>
+                          <p:cTn id="8" fill="hold">
+                            <p:stCondLst>
+                              <p:cond delay="500"/>
+                            </p:stCondLst>
+                            <p:childTnLst>
+                              <p:par>
+                                <p:cTn id="9" presetID="22" presetClass="entr" presetSubtype="8" fill="hold" nodeType="afterEffect">
+                                  <p:stCondLst>
+                                    <p:cond delay="0"/>
+                                  </p:stCondLst>
+                                  <p:childTnLst>
+                                    <p:set>
+                                      <p:cBhvr>
+                                        <p:cTn id="10" dur="1" fill="hold">
+                                          <p:stCondLst>
+                                            <p:cond delay="0"/>
+                                          </p:stCondLst>
+                                        </p:cTn>
+                                        <p:tgtEl>
+                                          <p:spTgt spid="52"/>
+                                        </p:tgtEl>
+                                        <p:attrNameLst>
+                                          <p:attrName>style.visibility</p:attrName>
+                                        </p:attrNameLst>
+                                      </p:cBhvr>
+                                      <p:to>
+                                        <p:strVal val="visible"/>
+                                      </p:to>
+                                    </p:set>
+                                    <p:animEffect transition="in" filter="wipe(left)">
+                                      <p:cBhvr>
+                                        <p:cTn id="11" dur="500"/>
+                                        <p:tgtEl>
+                                          <p:spTgt spid="52"/>
+                                        </p:tgtEl>
+                                      </p:cBhvr>
+                                    </p:animEffect>
+                                  </p:childTnLst>
+                                </p:cTn>
+                              </p:par>
+                            </p:childTnLst>
+                          </p:cTn>
+                        </p:par>
+                      </p:childTnLst>
+                    </p:cTn>
+                  </p:par>
+                  <p:par>
+                    <p:cTn id="12" fill="hold">
+                      <p:stCondLst>
+                        <p:cond delay="indefinite"/>
+                      </p:stCondLst>
+                      <p:childTnLst>
+                        <p:par>
+                          <p:cTn id="13" fill="hold">
+                            <p:stCondLst>
+                              <p:cond delay="0"/>
+                            </p:stCondLst>
+                            <p:childTnLst>
+                              <p:par>
+                                <p:cTn id="14" presetID="22" presetClass="entr" presetSubtype="8" fill="hold" grpId="0" nodeType="clickEffect">
+                                  <p:stCondLst>
+                                    <p:cond delay="0"/>
+                                  </p:stCondLst>
+                                  <p:childTnLst>
+                                    <p:set>
+                                      <p:cBhvr>
+                                        <p:cTn id="15" dur="1" fill="hold">
+                                          <p:stCondLst>
+                                            <p:cond delay="0"/>
+                                          </p:stCondLst>
+                                        </p:cTn>
+                                        <p:tgtEl>
+                                          <p:spTgt spid="9">
+                                            <p:txEl>
+                                              <p:pRg st="0" end="0"/>
+                                            </p:txEl>
+                                          </p:spTgt>
+                                        </p:tgtEl>
+                                        <p:attrNameLst>
+                                          <p:attrName>style.visibility</p:attrName>
+                                        </p:attrNameLst>
+                                      </p:cBhvr>
+                                      <p:to>
+                                        <p:strVal val="visible"/>
+                                      </p:to>
+                                    </p:set>
+                                    <p:animEffect transition="in" filter="wipe(left)">
+                                      <p:cBhvr>
+                                        <p:cTn id="16" dur="500"/>
+                                        <p:tgtEl>
+                                          <p:spTgt spid="9">
+                                            <p:txEl>
+                                              <p:pRg st="0" end="0"/>
+                                            </p:txEl>
+                                          </p:spTgt>
+                                        </p:tgtEl>
+                                      </p:cBhvr>
+                                    </p:animEffect>
+                                  </p:childTnLst>
+                                </p:cTn>
+                              </p:par>
+                            </p:childTnLst>
+                          </p:cTn>
+                        </p:par>
+                        <p:par>
+                          <p:cTn id="17" fill="hold">
+                            <p:stCondLst>
+                              <p:cond delay="500"/>
+                            </p:stCondLst>
+                            <p:childTnLst>
+                              <p:par>
+                                <p:cTn id="18" presetID="22" presetClass="entr" presetSubtype="8" fill="hold" nodeType="afterEffect">
+                                  <p:stCondLst>
+                                    <p:cond delay="0"/>
+                                  </p:stCondLst>
+                                  <p:childTnLst>
+                                    <p:set>
+                                      <p:cBhvr>
+                                        <p:cTn id="19" dur="1" fill="hold">
+                                          <p:stCondLst>
+                                            <p:cond delay="0"/>
+                                          </p:stCondLst>
+                                        </p:cTn>
+                                        <p:tgtEl>
+                                          <p:spTgt spid="58"/>
+                                        </p:tgtEl>
+                                        <p:attrNameLst>
+                                          <p:attrName>style.visibility</p:attrName>
+                                        </p:attrNameLst>
+                                      </p:cBhvr>
+                                      <p:to>
+                                        <p:strVal val="visible"/>
+                                      </p:to>
+                                    </p:set>
+                                    <p:animEffect transition="in" filter="wipe(left)">
+                                      <p:cBhvr>
+                                        <p:cTn id="20" dur="500"/>
+                                        <p:tgtEl>
+                                          <p:spTgt spid="58"/>
+                                        </p:tgtEl>
+                                      </p:cBhvr>
+                                    </p:animEffect>
+                                  </p:childTnLst>
+                                </p:cTn>
+                              </p:par>
+                            </p:childTnLst>
+                          </p:cTn>
+                        </p:par>
+                      </p:childTnLst>
+                    </p:cTn>
+                  </p:par>
+                  <p:par>
+                    <p:cTn id="21" fill="hold">
+                      <p:stCondLst>
+                        <p:cond delay="indefinite"/>
+                      </p:stCondLst>
+                      <p:childTnLst>
+                        <p:par>
+                          <p:cTn id="22" fill="hold">
+                            <p:stCondLst>
+                              <p:cond delay="0"/>
+                            </p:stCondLst>
+                            <p:childTnLst>
+                              <p:par>
+                                <p:cTn id="23" presetID="22" presetClass="entr" presetSubtype="8" fill="hold" nodeType="clickEffect">
+                                  <p:stCondLst>
+                                    <p:cond delay="0"/>
+                                  </p:stCondLst>
+                                  <p:childTnLst>
+                                    <p:set>
+                                      <p:cBhvr>
+                                        <p:cTn id="24" dur="1" fill="hold">
+                                          <p:stCondLst>
+                                            <p:cond delay="0"/>
+                                          </p:stCondLst>
+                                        </p:cTn>
+                                        <p:tgtEl>
+                                          <p:spTgt spid="13">
+                                            <p:txEl>
+                                              <p:pRg st="0" end="0"/>
+                                            </p:txEl>
+                                          </p:spTgt>
+                                        </p:tgtEl>
+                                        <p:attrNameLst>
+                                          <p:attrName>style.visibility</p:attrName>
+                                        </p:attrNameLst>
+                                      </p:cBhvr>
+                                      <p:to>
+                                        <p:strVal val="visible"/>
+                                      </p:to>
+                                    </p:set>
+                                    <p:animEffect transition="in" filter="wipe(left)">
+                                      <p:cBhvr>
+                                        <p:cTn id="25" dur="500"/>
+                                        <p:tgtEl>
+                                          <p:spTgt spid="13">
+                                            <p:txEl>
+                                              <p:pRg st="0" end="0"/>
+                                            </p:txEl>
+                                          </p:spTgt>
+                                        </p:tgtEl>
+                                      </p:cBhvr>
+                                    </p:animEffect>
+                                  </p:childTnLst>
+                                </p:cTn>
+                              </p:par>
+                            </p:childTnLst>
+                          </p:cTn>
+                        </p:par>
+                        <p:par>
+                          <p:cTn id="26" fill="hold">
+                            <p:stCondLst>
+                              <p:cond delay="500"/>
+                            </p:stCondLst>
+                            <p:childTnLst>
+                              <p:par>
+                                <p:cTn id="27" presetID="22" presetClass="entr" presetSubtype="8" fill="hold" nodeType="afterEffect">
+                                  <p:stCondLst>
+                                    <p:cond delay="0"/>
+                                  </p:stCondLst>
+                                  <p:childTnLst>
+                                    <p:set>
+                                      <p:cBhvr>
+                                        <p:cTn id="28" dur="1" fill="hold">
+                                          <p:stCondLst>
+                                            <p:cond delay="0"/>
+                                          </p:stCondLst>
+                                        </p:cTn>
+                                        <p:tgtEl>
+                                          <p:spTgt spid="56"/>
+                                        </p:tgtEl>
+                                        <p:attrNameLst>
+                                          <p:attrName>style.visibility</p:attrName>
+                                        </p:attrNameLst>
+                                      </p:cBhvr>
+                                      <p:to>
+                                        <p:strVal val="visible"/>
+                                      </p:to>
+                                    </p:set>
+                                    <p:animEffect transition="in" filter="wipe(left)">
+                                      <p:cBhvr>
+                                        <p:cTn id="29" dur="500"/>
+                                        <p:tgtEl>
+                                          <p:spTgt spid="56"/>
+                                        </p:tgtEl>
+                                      </p:cBhvr>
+                                    </p:animEffect>
+                                  </p:childTnLst>
+                                </p:cTn>
+                              </p:par>
+                            </p:childTnLst>
+                          </p:cTn>
+                        </p:par>
+                      </p:childTnLst>
+                    </p:cTn>
+                  </p:par>
+                  <p:par>
+                    <p:cTn id="30" fill="hold">
+                      <p:stCondLst>
+                        <p:cond delay="indefinite"/>
+                      </p:stCondLst>
+                      <p:childTnLst>
+                        <p:par>
+                          <p:cTn id="31" fill="hold">
+                            <p:stCondLst>
+                              <p:cond delay="0"/>
+                            </p:stCondLst>
+                            <p:childTnLst>
+                              <p:par>
+                                <p:cTn id="32" presetID="22" presetClass="entr" presetSubtype="8" fill="hold" nodeType="clickEffect">
+                                  <p:stCondLst>
+                                    <p:cond delay="0"/>
+                                  </p:stCondLst>
+                                  <p:childTnLst>
+                                    <p:set>
+                                      <p:cBhvr>
+                                        <p:cTn id="33" dur="1" fill="hold">
+                                          <p:stCondLst>
+                                            <p:cond delay="0"/>
+                                          </p:stCondLst>
+                                        </p:cTn>
+                                        <p:tgtEl>
+                                          <p:spTgt spid="13">
+                                            <p:txEl>
+                                              <p:pRg st="1" end="1"/>
+                                            </p:txEl>
+                                          </p:spTgt>
+                                        </p:tgtEl>
+                                        <p:attrNameLst>
+                                          <p:attrName>style.visibility</p:attrName>
+                                        </p:attrNameLst>
+                                      </p:cBhvr>
+                                      <p:to>
+                                        <p:strVal val="visible"/>
+                                      </p:to>
+                                    </p:set>
+                                    <p:animEffect transition="in" filter="wipe(left)">
+                                      <p:cBhvr>
+                                        <p:cTn id="34" dur="500"/>
+                                        <p:tgtEl>
+                                          <p:spTgt spid="13">
+                                            <p:txEl>
+                                              <p:pRg st="1" end="1"/>
+                                            </p:txEl>
+                                          </p:spTgt>
+                                        </p:tgtEl>
+                                      </p:cBhvr>
+                                    </p:animEffect>
+                                  </p:childTnLst>
+                                </p:cTn>
+                              </p:par>
+                            </p:childTnLst>
+                          </p:cTn>
+                        </p:par>
+                        <p:par>
+                          <p:cTn id="35" fill="hold">
+                            <p:stCondLst>
+                              <p:cond delay="500"/>
+                            </p:stCondLst>
+                            <p:childTnLst>
+                              <p:par>
+                                <p:cTn id="36" presetID="22" presetClass="entr" presetSubtype="8" fill="hold" nodeType="afterEffect">
+                                  <p:stCondLst>
+                                    <p:cond delay="0"/>
+                                  </p:stCondLst>
+                                  <p:childTnLst>
+                                    <p:set>
+                                      <p:cBhvr>
+                                        <p:cTn id="37" dur="1" fill="hold">
+                                          <p:stCondLst>
+                                            <p:cond delay="0"/>
+                                          </p:stCondLst>
+                                        </p:cTn>
+                                        <p:tgtEl>
+                                          <p:spTgt spid="57"/>
+                                        </p:tgtEl>
+                                        <p:attrNameLst>
+                                          <p:attrName>style.visibility</p:attrName>
+                                        </p:attrNameLst>
+                                      </p:cBhvr>
+                                      <p:to>
+                                        <p:strVal val="visible"/>
+                                      </p:to>
+                                    </p:set>
+                                    <p:animEffect transition="in" filter="wipe(left)">
+                                      <p:cBhvr>
+                                        <p:cTn id="38" dur="500"/>
+                                        <p:tgtEl>
+                                          <p:spTgt spid="57"/>
+                                        </p:tgtEl>
+                                      </p:cBhvr>
+                                    </p:animEffect>
+                                  </p:childTnLst>
+                                </p:cTn>
+                              </p:par>
+                            </p:childTnLst>
+                          </p:cTn>
+                        </p:par>
+                      </p:childTnLst>
+                    </p:cTn>
+                  </p:par>
+                </p:childTnLst>
+              </p:cTn>
+              <p:prevCondLst>
+                <p:cond evt="onPrev" delay="0">
+                  <p:tgtEl>
+                    <p:sldTgt/>
+                  </p:tgtEl>
+                </p:cond>
+              </p:prevCondLst>
+              <p:nextCondLst>
+                <p:cond evt="onNext" delay="0">
+                  <p:tgtEl>
+                    <p:sldTgt/>
+                  </p:tgtEl>
+                </p:cond>
+              </p:nextCondLst>
+            </p:seq>
+          </p:childTnLst>
+        </p:cTn>
+      </p:par>
+    </p:tnLst>
+    <p:bldLst>
+      <p:bldP spid="7" grpId="0" build="p"/>
+      <p:bldP spid="9" grpId="0" build="p"/>
     </p:bldLst>
   </p:timing>
 </p:sld>
@@ -15149,7 +20844,7 @@
             <p:ph idx="1"/>
             <p:extLst>
               <p:ext uri="{D42A27DB-BD31-4B8C-83A1-F6EECF244321}">
-                <p14:modId xmlns:p14="http://schemas.microsoft.com/office/powerpoint/2010/main" val="3741473438"/>
+                <p14:modId xmlns:p14="http://schemas.microsoft.com/office/powerpoint/2010/main" val="1324853224"/>
               </p:ext>
             </p:extLst>
           </p:nvPr>
@@ -15254,12 +20949,12 @@
                     <a:p>
                       <a:pPr algn="l"/>
                       <a:r>
-                        <a:rPr lang="en-US" sz="2000" dirty="0" err="1" smtClean="0"/>
-                        <a:t>Unweighted</a:t>
+                        <a:rPr lang="en-US" sz="2000" dirty="0" smtClean="0"/>
+                        <a:t>Un-weighted </a:t>
                       </a:r>
                       <a:r>
                         <a:rPr lang="en-US" sz="2000" dirty="0" smtClean="0"/>
-                        <a:t> lottery</a:t>
+                        <a:t>lottery</a:t>
                       </a:r>
                       <a:endParaRPr lang="en-US" sz="2000" dirty="0"/>
                     </a:p>
@@ -15290,12 +20985,12 @@
                     <a:p>
                       <a:pPr algn="l"/>
                       <a:r>
-                        <a:rPr lang="en-US" sz="2000" dirty="0" err="1" smtClean="0"/>
-                        <a:t>Unweighted</a:t>
+                        <a:rPr lang="en-US" sz="2000" dirty="0" smtClean="0"/>
+                        <a:t>Un-weighted </a:t>
                       </a:r>
                       <a:r>
                         <a:rPr lang="en-US" sz="2000" dirty="0" smtClean="0"/>
-                        <a:t> lottery</a:t>
+                        <a:t>lottery</a:t>
                       </a:r>
                       <a:endParaRPr lang="en-US" sz="2000" dirty="0"/>
                     </a:p>
@@ -16899,6 +22594,7 @@
                     <a:bodyPr/>
                     <a:lstStyle/>
                     <a:p>
+                      <a:pPr algn="ctr"/>
                       <a:r>
                         <a:rPr lang="en-US" dirty="0" smtClean="0"/>
                         <a:t>500m×500m</a:t>
@@ -16929,6 +22625,7 @@
                     <a:bodyPr/>
                     <a:lstStyle/>
                     <a:p>
+                      <a:pPr algn="ctr"/>
                       <a:r>
                         <a:rPr lang="en-US" dirty="0" smtClean="0"/>
                         <a:t>1 Mbps – 32 Mbps</a:t>
@@ -16959,6 +22656,7 @@
                     <a:bodyPr/>
                     <a:lstStyle/>
                     <a:p>
+                      <a:pPr algn="ctr"/>
                       <a:r>
                         <a:rPr lang="en-US" dirty="0" smtClean="0"/>
                         <a:t>OFDM 18</a:t>
@@ -16993,6 +22691,7 @@
                     <a:bodyPr/>
                     <a:lstStyle/>
                     <a:p>
+                      <a:pPr algn="ctr"/>
                       <a:r>
                         <a:rPr lang="en-US" dirty="0" smtClean="0"/>
                         <a:t>11</a:t>
@@ -17023,6 +22722,7 @@
                     <a:bodyPr/>
                     <a:lstStyle/>
                     <a:p>
+                      <a:pPr algn="ctr"/>
                       <a:r>
                         <a:rPr lang="en-US" dirty="0" smtClean="0"/>
                         <a:t>11</a:t>
@@ -17053,6 +22753,7 @@
                     <a:bodyPr/>
                     <a:lstStyle/>
                     <a:p>
+                      <a:pPr algn="ctr"/>
                       <a:r>
                         <a:rPr lang="en-US" dirty="0" smtClean="0"/>
                         <a:t>12 – 40 with a</a:t>
@@ -17091,6 +22792,7 @@
                     <a:bodyPr/>
                     <a:lstStyle/>
                     <a:p>
+                      <a:pPr algn="ctr"/>
                       <a:r>
                         <a:rPr lang="en-US" dirty="0" smtClean="0"/>
                         <a:t>130 m</a:t>
@@ -17121,6 +22823,7 @@
                     <a:bodyPr/>
                     <a:lstStyle/>
                     <a:p>
+                      <a:pPr algn="ctr"/>
                       <a:r>
                         <a:rPr lang="en-US" dirty="0" smtClean="0"/>
                         <a:t>250 m</a:t>
@@ -17151,6 +22854,7 @@
                     <a:bodyPr/>
                     <a:lstStyle/>
                     <a:p>
+                      <a:pPr algn="ctr"/>
                       <a:r>
                         <a:rPr lang="en-US" dirty="0" smtClean="0"/>
                         <a:t>50</a:t>
@@ -17185,11 +22889,24 @@
                     <a:bodyPr/>
                     <a:lstStyle/>
                     <a:p>
+                      <a:pPr algn="ctr"/>
                       <a:r>
                         <a:rPr lang="en-US" dirty="0" smtClean="0"/>
-                        <a:t>99</a:t>
+                        <a:t>99 </a:t>
                       </a:r>
-                      <a:endParaRPr lang="en-US" dirty="0"/>
+                      <a:r>
+                        <a:rPr lang="en-US" dirty="0" smtClean="0">
+                          <a:solidFill>
+                            <a:srgbClr val="FF0000"/>
+                          </a:solidFill>
+                        </a:rPr>
+                        <a:t>(confidence interval is …..)</a:t>
+                      </a:r>
+                      <a:endParaRPr lang="en-US" dirty="0">
+                        <a:solidFill>
+                          <a:srgbClr val="FF0000"/>
+                        </a:solidFill>
+                      </a:endParaRPr>
                     </a:p>
                   </a:txBody>
                   <a:tcPr/>
@@ -17360,7 +23077,7 @@
           <a:p>
             <a:r>
               <a:rPr lang="en-US" dirty="0" smtClean="0"/>
-              <a:t>Results</a:t>
+              <a:t>Simulation Results</a:t>
             </a:r>
             <a:endParaRPr lang="en-US" dirty="0"/>
           </a:p>
@@ -17422,7 +23139,7 @@
           <p:nvPr/>
         </p:nvPicPr>
         <p:blipFill>
-          <a:blip r:embed="rId2">
+          <a:blip r:embed="rId2" cstate="print">
             <a:extLst>
               <a:ext uri="{28A0092B-C50C-407E-A947-70E740481C1C}">
                 <a14:useLocalDpi xmlns:a14="http://schemas.microsoft.com/office/drawing/2010/main" val="0"/>
@@ -17643,7 +23360,7 @@
           <a:p>
             <a:r>
               <a:rPr lang="en-US" dirty="0" smtClean="0"/>
-              <a:t>Results [contd.]</a:t>
+              <a:t>Simulation Results [contd.]</a:t>
             </a:r>
             <a:endParaRPr lang="en-US" dirty="0"/>
           </a:p>
@@ -19332,7 +25049,7 @@
         </p:nvGraphicFramePr>
         <p:xfrm>
           <a:off x="0" y="1066800"/>
-          <a:ext cx="9067800" cy="5562391"/>
+          <a:ext cx="9067800" cy="5497126"/>
         </p:xfrm>
         <a:graphic>
           <a:graphicData uri="http://schemas.openxmlformats.org/drawingml/2006/table">
@@ -19946,14 +25663,14 @@
                           <a:latin typeface="+mj-lt"/>
                           <a:cs typeface="Times New Roman" panose="02020603050405020304" pitchFamily="18" charset="0"/>
                         </a:rPr>
-                        <a:t>Application</a:t>
+                        <a:t>P</a:t>
                       </a:r>
                       <a:r>
                         <a:rPr lang="en-US" sz="1600" baseline="0" dirty="0" smtClean="0">
                           <a:latin typeface="+mj-lt"/>
                           <a:cs typeface="Times New Roman" panose="02020603050405020304" pitchFamily="18" charset="0"/>
                         </a:rPr>
-                        <a:t> layer packet delivery ratio </a:t>
+                        <a:t>acket delivery ratio </a:t>
                       </a:r>
                       <a:r>
                         <a:rPr lang="en-US" sz="1600" dirty="0" smtClean="0">
@@ -25191,7 +30908,7 @@
         <p:spPr/>
         <p:txBody>
           <a:bodyPr>
-            <a:normAutofit fontScale="92500" lnSpcReduction="10000"/>
+            <a:normAutofit fontScale="92500"/>
           </a:bodyPr>
           <a:lstStyle/>
           <a:p>
@@ -25216,26 +30933,8 @@
           <a:p>
             <a:pPr lvl="1"/>
             <a:r>
-              <a:rPr lang="en-US" dirty="0"/>
-              <a:t>O</a:t>
-            </a:r>
-            <a:r>
               <a:rPr lang="en-US" dirty="0" smtClean="0"/>
-              <a:t>ur approach increases throughput by 51%</a:t>
-            </a:r>
-          </a:p>
-          <a:p>
-            <a:pPr lvl="1"/>
-            <a:r>
-              <a:rPr lang="en-US" dirty="0" smtClean="0"/>
-              <a:t>Our approach reduces delay by 13%</a:t>
-            </a:r>
-          </a:p>
-          <a:p>
-            <a:pPr lvl="1"/>
-            <a:r>
-              <a:rPr lang="en-US" dirty="0" smtClean="0"/>
-              <a:t>Our approach reduces packet drop ratio by 35%</a:t>
+              <a:t>Our proposed approach significantly improves network throughput</a:t>
             </a:r>
           </a:p>
           <a:p>
@@ -26052,7 +31751,7 @@
             <a:pPr algn="ctr"/>
             <a:r>
               <a:rPr lang="en-US" sz="8000" dirty="0" smtClean="0"/>
-              <a:t>Thank you!</a:t>
+              <a:t>Thank You!</a:t>
             </a:r>
             <a:endParaRPr lang="en-US" sz="8000" dirty="0"/>
           </a:p>
@@ -26131,7 +31830,7 @@
           <a:p>
             <a:r>
               <a:rPr lang="en-US" dirty="0" smtClean="0"/>
-              <a:t>Appendices</a:t>
+              <a:t>Back-up Slides</a:t>
             </a:r>
             <a:endParaRPr lang="en-US" dirty="0"/>
           </a:p>
@@ -26152,10 +31851,6 @@
           <a:bodyPr/>
           <a:lstStyle/>
           <a:p>
-            <a:r>
-              <a:rPr lang="en-US" dirty="0" smtClean="0"/>
-              <a:t>Backup slides</a:t>
-            </a:r>
             <a:endParaRPr lang="en-US" dirty="0"/>
           </a:p>
         </p:txBody>
@@ -26358,6 +32053,161 @@
         <p14:creationId xmlns:p14="http://schemas.microsoft.com/office/powerpoint/2010/main" val="657446908"/>
       </p:ext>
     </p:extLst>
+  </p:cSld>
+  <p:clrMapOvr>
+    <a:masterClrMapping/>
+  </p:clrMapOvr>
+  <p:timing>
+    <p:tnLst>
+      <p:par>
+        <p:cTn id="1" dur="indefinite" restart="never" nodeType="tmRoot"/>
+      </p:par>
+    </p:tnLst>
+  </p:timing>
+</p:sld>
+</file>
+
+<file path=ppt/slides/slide40.xml><?xml version="1.0" encoding="utf-8"?>
+<p:sld xmlns:a="http://schemas.openxmlformats.org/drawingml/2006/main" xmlns:r="http://schemas.openxmlformats.org/officeDocument/2006/relationships" xmlns:p="http://schemas.openxmlformats.org/presentationml/2006/main">
+  <p:cSld>
+    <p:spTree>
+      <p:nvGrpSpPr>
+        <p:cNvPr id="1" name=""/>
+        <p:cNvGrpSpPr/>
+        <p:nvPr/>
+      </p:nvGrpSpPr>
+      <p:grpSpPr>
+        <a:xfrm>
+          <a:off x="0" y="0"/>
+          <a:ext cx="0" cy="0"/>
+          <a:chOff x="0" y="0"/>
+          <a:chExt cx="0" cy="0"/>
+        </a:xfrm>
+      </p:grpSpPr>
+      <p:sp>
+        <p:nvSpPr>
+          <p:cNvPr id="2" name="Title 1"/>
+          <p:cNvSpPr>
+            <a:spLocks noGrp="1"/>
+          </p:cNvSpPr>
+          <p:nvPr>
+            <p:ph type="title"/>
+          </p:nvPr>
+        </p:nvSpPr>
+        <p:spPr/>
+        <p:txBody>
+          <a:bodyPr/>
+          <a:lstStyle/>
+          <a:p>
+            <a:r>
+              <a:rPr lang="en-US" dirty="0" smtClean="0"/>
+              <a:t>Cognitive Radio Networks (CRNs)</a:t>
+            </a:r>
+            <a:endParaRPr lang="en-US" dirty="0"/>
+          </a:p>
+        </p:txBody>
+      </p:sp>
+      <p:sp>
+        <p:nvSpPr>
+          <p:cNvPr id="8" name="Slide Number Placeholder 7"/>
+          <p:cNvSpPr>
+            <a:spLocks noGrp="1"/>
+          </p:cNvSpPr>
+          <p:nvPr>
+            <p:ph type="sldNum" sz="quarter" idx="12"/>
+          </p:nvPr>
+        </p:nvSpPr>
+        <p:spPr/>
+        <p:txBody>
+          <a:bodyPr/>
+          <a:lstStyle/>
+          <a:p>
+            <a:fld id="{CF142645-850A-43A6-BF6E-75FA772F8DCF}" type="slidenum">
+              <a:rPr lang="en-US" smtClean="0"/>
+              <a:pPr/>
+              <a:t>40</a:t>
+            </a:fld>
+            <a:endParaRPr lang="en-US" dirty="0"/>
+          </a:p>
+        </p:txBody>
+      </p:sp>
+      <p:pic>
+        <p:nvPicPr>
+          <p:cNvPr id="2050" name="Picture 2" descr="E:\MS\ThesisJuly2017\MSThesisPresentation\cog_arch.jpg"/>
+          <p:cNvPicPr>
+            <a:picLocks noChangeAspect="1" noChangeArrowheads="1"/>
+          </p:cNvPicPr>
+          <p:nvPr/>
+        </p:nvPicPr>
+        <p:blipFill>
+          <a:blip r:embed="rId3" cstate="print">
+            <a:extLst>
+              <a:ext uri="{28A0092B-C50C-407E-A947-70E740481C1C}">
+                <a14:useLocalDpi xmlns:a14="http://schemas.microsoft.com/office/drawing/2010/main" val="0"/>
+              </a:ext>
+            </a:extLst>
+          </a:blip>
+          <a:srcRect/>
+          <a:stretch>
+            <a:fillRect/>
+          </a:stretch>
+        </p:blipFill>
+        <p:spPr bwMode="auto">
+          <a:xfrm>
+            <a:off x="1423240" y="1219200"/>
+            <a:ext cx="6297521" cy="4943554"/>
+          </a:xfrm>
+          <a:prstGeom prst="rect">
+            <a:avLst/>
+          </a:prstGeom>
+          <a:noFill/>
+          <a:extLst>
+            <a:ext uri="{909E8E84-426E-40DD-AFC4-6F175D3DCCD1}">
+              <a14:hiddenFill xmlns:a14="http://schemas.microsoft.com/office/drawing/2010/main">
+                <a:solidFill>
+                  <a:srgbClr val="FFFFFF"/>
+                </a:solidFill>
+              </a14:hiddenFill>
+            </a:ext>
+          </a:extLst>
+        </p:spPr>
+      </p:pic>
+      <p:sp>
+        <p:nvSpPr>
+          <p:cNvPr id="5" name="TextBox 4"/>
+          <p:cNvSpPr txBox="1"/>
+          <p:nvPr/>
+        </p:nvSpPr>
+        <p:spPr>
+          <a:xfrm>
+            <a:off x="609600" y="6345888"/>
+            <a:ext cx="7772400" cy="369332"/>
+          </a:xfrm>
+          <a:prstGeom prst="rect">
+            <a:avLst/>
+          </a:prstGeom>
+          <a:noFill/>
+        </p:spPr>
+        <p:txBody>
+          <a:bodyPr wrap="square" rtlCol="0">
+            <a:spAutoFit/>
+          </a:bodyPr>
+          <a:lstStyle/>
+          <a:p>
+            <a:pPr algn="ctr"/>
+            <a:r>
+              <a:rPr lang="en-US" dirty="0" err="1" smtClean="0"/>
+              <a:t>Akyildiz</a:t>
+            </a:r>
+            <a:r>
+              <a:rPr lang="en-US" dirty="0" smtClean="0"/>
+              <a:t> et al., Computer Networks, 2006 [11]</a:t>
+            </a:r>
+            <a:endParaRPr lang="en-US" dirty="0"/>
+          </a:p>
+        </p:txBody>
+      </p:sp>
+    </p:spTree>
   </p:cSld>
   <p:clrMapOvr>
     <a:masterClrMapping/>
@@ -26812,167 +32662,14 @@
         </p:nvSpPr>
         <p:spPr/>
         <p:txBody>
-          <a:bodyPr/>
-          <a:lstStyle/>
-          <a:p>
-            <a:r>
-              <a:rPr lang="en-US" dirty="0" smtClean="0"/>
-              <a:t>Cognitive Radio Networks (CRNs)</a:t>
-            </a:r>
-            <a:endParaRPr lang="en-US" dirty="0"/>
-          </a:p>
-        </p:txBody>
-      </p:sp>
-      <p:sp>
-        <p:nvSpPr>
-          <p:cNvPr id="8" name="Slide Number Placeholder 7"/>
-          <p:cNvSpPr>
-            <a:spLocks noGrp="1"/>
-          </p:cNvSpPr>
-          <p:nvPr>
-            <p:ph type="sldNum" sz="quarter" idx="12"/>
-          </p:nvPr>
-        </p:nvSpPr>
-        <p:spPr/>
-        <p:txBody>
-          <a:bodyPr/>
-          <a:lstStyle/>
-          <a:p>
-            <a:fld id="{CF142645-850A-43A6-BF6E-75FA772F8DCF}" type="slidenum">
-              <a:rPr lang="en-US" smtClean="0"/>
-              <a:pPr/>
-              <a:t>7</a:t>
-            </a:fld>
-            <a:endParaRPr lang="en-US" dirty="0"/>
-          </a:p>
-        </p:txBody>
-      </p:sp>
-      <p:pic>
-        <p:nvPicPr>
-          <p:cNvPr id="2050" name="Picture 2" descr="E:\MS\ThesisJuly2017\MSThesisPresentation\cog_arch.jpg"/>
-          <p:cNvPicPr>
-            <a:picLocks noChangeAspect="1" noChangeArrowheads="1"/>
-          </p:cNvPicPr>
-          <p:nvPr/>
-        </p:nvPicPr>
-        <p:blipFill>
-          <a:blip r:embed="rId3" cstate="print">
-            <a:extLst>
-              <a:ext uri="{28A0092B-C50C-407E-A947-70E740481C1C}">
-                <a14:useLocalDpi xmlns:a14="http://schemas.microsoft.com/office/drawing/2010/main" val="0"/>
-              </a:ext>
-            </a:extLst>
-          </a:blip>
-          <a:srcRect/>
-          <a:stretch>
-            <a:fillRect/>
-          </a:stretch>
-        </p:blipFill>
-        <p:spPr bwMode="auto">
-          <a:xfrm>
-            <a:off x="1423240" y="1219200"/>
-            <a:ext cx="6297521" cy="4943554"/>
-          </a:xfrm>
-          <a:prstGeom prst="rect">
-            <a:avLst/>
-          </a:prstGeom>
-          <a:noFill/>
-          <a:extLst>
-            <a:ext uri="{909E8E84-426E-40DD-AFC4-6F175D3DCCD1}">
-              <a14:hiddenFill xmlns:a14="http://schemas.microsoft.com/office/drawing/2010/main">
-                <a:solidFill>
-                  <a:srgbClr val="FFFFFF"/>
-                </a:solidFill>
-              </a14:hiddenFill>
-            </a:ext>
-          </a:extLst>
-        </p:spPr>
-      </p:pic>
-      <p:sp>
-        <p:nvSpPr>
-          <p:cNvPr id="5" name="TextBox 4"/>
-          <p:cNvSpPr txBox="1"/>
-          <p:nvPr/>
-        </p:nvSpPr>
-        <p:spPr>
-          <a:xfrm>
-            <a:off x="609600" y="6345888"/>
-            <a:ext cx="7772400" cy="369332"/>
-          </a:xfrm>
-          <a:prstGeom prst="rect">
-            <a:avLst/>
-          </a:prstGeom>
-          <a:noFill/>
-        </p:spPr>
-        <p:txBody>
-          <a:bodyPr wrap="square" rtlCol="0">
-            <a:spAutoFit/>
+          <a:bodyPr>
+            <a:normAutofit/>
           </a:bodyPr>
           <a:lstStyle/>
           <a:p>
-            <a:pPr algn="ctr"/>
-            <a:r>
-              <a:rPr lang="en-US" dirty="0" err="1" smtClean="0"/>
-              <a:t>Akyildiz</a:t>
-            </a:r>
             <a:r>
               <a:rPr lang="en-US" dirty="0" smtClean="0"/>
-              <a:t> et al., Computer Networks, 2006 [11]</a:t>
-            </a:r>
-            <a:endParaRPr lang="en-US" dirty="0"/>
-          </a:p>
-        </p:txBody>
-      </p:sp>
-    </p:spTree>
-  </p:cSld>
-  <p:clrMapOvr>
-    <a:masterClrMapping/>
-  </p:clrMapOvr>
-  <p:timing>
-    <p:tnLst>
-      <p:par>
-        <p:cTn id="1" dur="indefinite" restart="never" nodeType="tmRoot"/>
-      </p:par>
-    </p:tnLst>
-  </p:timing>
-</p:sld>
-</file>
-
-<file path=ppt/slides/slide8.xml><?xml version="1.0" encoding="utf-8"?>
-<p:sld xmlns:a="http://schemas.openxmlformats.org/drawingml/2006/main" xmlns:r="http://schemas.openxmlformats.org/officeDocument/2006/relationships" xmlns:p="http://schemas.openxmlformats.org/presentationml/2006/main">
-  <p:cSld>
-    <p:spTree>
-      <p:nvGrpSpPr>
-        <p:cNvPr id="1" name=""/>
-        <p:cNvGrpSpPr/>
-        <p:nvPr/>
-      </p:nvGrpSpPr>
-      <p:grpSpPr>
-        <a:xfrm>
-          <a:off x="0" y="0"/>
-          <a:ext cx="0" cy="0"/>
-          <a:chOff x="0" y="0"/>
-          <a:chExt cx="0" cy="0"/>
-        </a:xfrm>
-      </p:grpSpPr>
-      <p:sp>
-        <p:nvSpPr>
-          <p:cNvPr id="2" name="Title 1"/>
-          <p:cNvSpPr>
-            <a:spLocks noGrp="1"/>
-          </p:cNvSpPr>
-          <p:nvPr>
-            <p:ph type="title"/>
-          </p:nvPr>
-        </p:nvSpPr>
-        <p:spPr/>
-        <p:txBody>
-          <a:bodyPr/>
-          <a:lstStyle/>
-          <a:p>
-            <a:r>
-              <a:rPr lang="en-US" dirty="0" smtClean="0"/>
-              <a:t>Different Types of Users in A CRN</a:t>
+              <a:t>CRNs and Different Types of Users</a:t>
             </a:r>
             <a:endParaRPr lang="en-US" dirty="0"/>
           </a:p>
@@ -27096,7 +32793,7 @@
             <a:fld id="{CF142645-850A-43A6-BF6E-75FA772F8DCF}" type="slidenum">
               <a:rPr lang="en-US" smtClean="0"/>
               <a:pPr/>
-              <a:t>8</a:t>
+              <a:t>7</a:t>
             </a:fld>
             <a:endParaRPr lang="en-US" dirty="0"/>
           </a:p>
@@ -27108,6 +32805,187 @@
         <p14:creationId xmlns:p14="http://schemas.microsoft.com/office/powerpoint/2010/main" val="4233720921"/>
       </p:ext>
     </p:extLst>
+  </p:cSld>
+  <p:clrMapOvr>
+    <a:masterClrMapping/>
+  </p:clrMapOvr>
+  <p:timing>
+    <p:tnLst>
+      <p:par>
+        <p:cTn id="1" dur="indefinite" restart="never" nodeType="tmRoot"/>
+      </p:par>
+    </p:tnLst>
+  </p:timing>
+</p:sld>
+</file>
+
+<file path=ppt/slides/slide8.xml><?xml version="1.0" encoding="utf-8"?>
+<p:sld xmlns:a="http://schemas.openxmlformats.org/drawingml/2006/main" xmlns:r="http://schemas.openxmlformats.org/officeDocument/2006/relationships" xmlns:p="http://schemas.openxmlformats.org/presentationml/2006/main">
+  <p:cSld>
+    <p:spTree>
+      <p:nvGrpSpPr>
+        <p:cNvPr id="1" name=""/>
+        <p:cNvGrpSpPr/>
+        <p:nvPr/>
+      </p:nvGrpSpPr>
+      <p:grpSpPr>
+        <a:xfrm>
+          <a:off x="0" y="0"/>
+          <a:ext cx="0" cy="0"/>
+          <a:chOff x="0" y="0"/>
+          <a:chExt cx="0" cy="0"/>
+        </a:xfrm>
+      </p:grpSpPr>
+      <p:sp>
+        <p:nvSpPr>
+          <p:cNvPr id="2" name="Title 1"/>
+          <p:cNvSpPr>
+            <a:spLocks noGrp="1"/>
+          </p:cNvSpPr>
+          <p:nvPr>
+            <p:ph type="title"/>
+          </p:nvPr>
+        </p:nvSpPr>
+        <p:spPr/>
+        <p:txBody>
+          <a:bodyPr>
+            <a:normAutofit/>
+          </a:bodyPr>
+          <a:lstStyle/>
+          <a:p>
+            <a:r>
+              <a:rPr lang="en-US" dirty="0" smtClean="0"/>
+              <a:t>Opportunistic Switching by An SU</a:t>
+            </a:r>
+            <a:endParaRPr lang="en-US" dirty="0"/>
+          </a:p>
+        </p:txBody>
+      </p:sp>
+      <p:pic>
+        <p:nvPicPr>
+          <p:cNvPr id="7" name="Picture 6" descr="crn-0.png"/>
+          <p:cNvPicPr>
+            <a:picLocks noChangeAspect="1"/>
+          </p:cNvPicPr>
+          <p:nvPr/>
+        </p:nvPicPr>
+        <p:blipFill>
+          <a:blip r:embed="rId2" cstate="print"/>
+          <a:stretch>
+            <a:fillRect/>
+          </a:stretch>
+        </p:blipFill>
+        <p:spPr>
+          <a:xfrm>
+            <a:off x="1879600" y="1828800"/>
+            <a:ext cx="5384800" cy="4038600"/>
+          </a:xfrm>
+          <a:prstGeom prst="rect">
+            <a:avLst/>
+          </a:prstGeom>
+        </p:spPr>
+      </p:pic>
+      <p:sp>
+        <p:nvSpPr>
+          <p:cNvPr id="8" name="Slide Number Placeholder 7"/>
+          <p:cNvSpPr>
+            <a:spLocks noGrp="1"/>
+          </p:cNvSpPr>
+          <p:nvPr>
+            <p:ph type="sldNum" sz="quarter" idx="12"/>
+          </p:nvPr>
+        </p:nvSpPr>
+        <p:spPr/>
+        <p:txBody>
+          <a:bodyPr/>
+          <a:lstStyle/>
+          <a:p>
+            <a:fld id="{CF142645-850A-43A6-BF6E-75FA772F8DCF}" type="slidenum">
+              <a:rPr lang="en-US" smtClean="0"/>
+              <a:pPr/>
+              <a:t>8</a:t>
+            </a:fld>
+            <a:endParaRPr lang="en-US" dirty="0"/>
+          </a:p>
+        </p:txBody>
+      </p:sp>
+      <p:sp>
+        <p:nvSpPr>
+          <p:cNvPr id="9" name="TextBox 8"/>
+          <p:cNvSpPr txBox="1"/>
+          <p:nvPr/>
+        </p:nvSpPr>
+        <p:spPr>
+          <a:xfrm>
+            <a:off x="1981200" y="5345668"/>
+            <a:ext cx="1524000" cy="646331"/>
+          </a:xfrm>
+          <a:prstGeom prst="rect">
+            <a:avLst/>
+          </a:prstGeom>
+          <a:noFill/>
+        </p:spPr>
+        <p:txBody>
+          <a:bodyPr wrap="square" rtlCol="0">
+            <a:spAutoFit/>
+          </a:bodyPr>
+          <a:lstStyle/>
+          <a:p>
+            <a:pPr algn="ctr"/>
+            <a:r>
+              <a:rPr lang="en-US" dirty="0" smtClean="0"/>
+              <a:t>Primary users</a:t>
+            </a:r>
+          </a:p>
+          <a:p>
+            <a:pPr algn="ctr"/>
+            <a:r>
+              <a:rPr lang="en-US" dirty="0" smtClean="0"/>
+              <a:t>(licensed)</a:t>
+            </a:r>
+            <a:endParaRPr lang="en-US" dirty="0"/>
+          </a:p>
+        </p:txBody>
+      </p:sp>
+      <p:sp>
+        <p:nvSpPr>
+          <p:cNvPr id="10" name="TextBox 9"/>
+          <p:cNvSpPr txBox="1"/>
+          <p:nvPr/>
+        </p:nvSpPr>
+        <p:spPr>
+          <a:xfrm>
+            <a:off x="5486400" y="5345668"/>
+            <a:ext cx="1828800" cy="646331"/>
+          </a:xfrm>
+          <a:prstGeom prst="rect">
+            <a:avLst/>
+          </a:prstGeom>
+          <a:noFill/>
+        </p:spPr>
+        <p:txBody>
+          <a:bodyPr wrap="square" rtlCol="0">
+            <a:spAutoFit/>
+          </a:bodyPr>
+          <a:lstStyle/>
+          <a:p>
+            <a:pPr algn="ctr"/>
+            <a:r>
+              <a:rPr lang="en-US" dirty="0" smtClean="0"/>
+              <a:t>Secondary users</a:t>
+            </a:r>
+          </a:p>
+          <a:p>
+            <a:pPr algn="ctr"/>
+            <a:r>
+              <a:rPr lang="en-US" dirty="0" smtClean="0"/>
+              <a:t>(unlicensed)</a:t>
+            </a:r>
+            <a:endParaRPr lang="en-US" dirty="0"/>
+          </a:p>
+        </p:txBody>
+      </p:sp>
+    </p:spTree>
   </p:cSld>
   <p:clrMapOvr>
     <a:masterClrMapping/>
@@ -27151,9 +33029,7 @@
         </p:nvSpPr>
         <p:spPr/>
         <p:txBody>
-          <a:bodyPr>
-            <a:normAutofit/>
-          </a:bodyPr>
+          <a:bodyPr/>
           <a:lstStyle/>
           <a:p>
             <a:r>

--- a/draft.pptx
+++ b/draft.pptx
@@ -824,11 +824,7 @@
           <a:p>
             <a:r>
               <a:rPr lang="en-US" baseline="0" dirty="0" smtClean="0"/>
-              <a:t>Since </a:t>
-            </a:r>
-            <a:r>
-              <a:rPr lang="en-US" baseline="0" dirty="0" smtClean="0"/>
-              <a:t>2014 the mobile spectrum demand has surpassed the capacity of wireless spectrum. So, there is a Spectrum scarcity problem.</a:t>
+              <a:t>Since 2014 the mobile spectrum demand has surpassed the capacity of wireless spectrum. So, there is a Spectrum scarcity problem.</a:t>
             </a:r>
             <a:endParaRPr lang="en-US" dirty="0"/>
           </a:p>
@@ -15155,8 +15151,8 @@
           </a:p>
         </p:txBody>
       </p:sp>
-      <mc:AlternateContent xmlns:mc="http://schemas.openxmlformats.org/markup-compatibility/2006">
-        <mc:Choice xmlns:a14="http://schemas.microsoft.com/office/drawing/2010/main" Requires="a14">
+      <mc:AlternateContent xmlns:mc="http://schemas.openxmlformats.org/markup-compatibility/2006" xmlns:a14="http://schemas.microsoft.com/office/drawing/2010/main">
+        <mc:Choice Requires="a14">
           <p:sp>
             <p:nvSpPr>
               <p:cNvPr id="13" name="TextBox 12"/>
@@ -15513,7 +15509,7 @@
             </p:txBody>
           </p:sp>
         </mc:Choice>
-        <mc:Fallback>
+        <mc:Fallback xmlns="">
           <p:sp>
             <p:nvSpPr>
               <p:cNvPr id="13" name="TextBox 12"/>
@@ -20950,11 +20946,7 @@
                       <a:pPr algn="l"/>
                       <a:r>
                         <a:rPr lang="en-US" sz="2000" dirty="0" smtClean="0"/>
-                        <a:t>Un-weighted </a:t>
-                      </a:r>
-                      <a:r>
-                        <a:rPr lang="en-US" sz="2000" dirty="0" smtClean="0"/>
-                        <a:t>lottery</a:t>
+                        <a:t>Un-weighted lottery</a:t>
                       </a:r>
                       <a:endParaRPr lang="en-US" sz="2000" dirty="0"/>
                     </a:p>
@@ -20986,11 +20978,7 @@
                       <a:pPr algn="l"/>
                       <a:r>
                         <a:rPr lang="en-US" sz="2000" dirty="0" smtClean="0"/>
-                        <a:t>Un-weighted </a:t>
-                      </a:r>
-                      <a:r>
-                        <a:rPr lang="en-US" sz="2000" dirty="0" smtClean="0"/>
-                        <a:t>lottery</a:t>
+                        <a:t>Un-weighted lottery</a:t>
                       </a:r>
                       <a:endParaRPr lang="en-US" sz="2000" dirty="0"/>
                     </a:p>
@@ -22523,7 +22511,7 @@
             <p:ph idx="1"/>
             <p:extLst>
               <p:ext uri="{D42A27DB-BD31-4B8C-83A1-F6EECF244321}">
-                <p14:modId xmlns:p14="http://schemas.microsoft.com/office/powerpoint/2010/main" val="4127180747"/>
+                <p14:modId xmlns:p14="http://schemas.microsoft.com/office/powerpoint/2010/main" val="2537177914"/>
               </p:ext>
             </p:extLst>
           </p:nvPr>
@@ -22539,8 +22527,8 @@
                 <a:tableStyleId>{5C22544A-7EE6-4342-B048-85BDC9FD1C3A}</a:tableStyleId>
               </a:tblPr>
               <a:tblGrid>
-                <a:gridCol w="4114800"/>
-                <a:gridCol w="4114800"/>
+                <a:gridCol w="3657600"/>
+                <a:gridCol w="4572000"/>
               </a:tblGrid>
               <a:tr h="370840">
                 <a:tc>
@@ -22892,15 +22880,11 @@
                       <a:pPr algn="ctr"/>
                       <a:r>
                         <a:rPr lang="en-US" dirty="0" smtClean="0"/>
-                        <a:t>99 </a:t>
+                        <a:t>99 (95% confidence</a:t>
                       </a:r>
                       <a:r>
-                        <a:rPr lang="en-US" dirty="0" smtClean="0">
-                          <a:solidFill>
-                            <a:srgbClr val="FF0000"/>
-                          </a:solidFill>
-                        </a:rPr>
-                        <a:t>(confidence interval is …..)</a:t>
+                        <a:rPr lang="en-US" baseline="0" dirty="0" smtClean="0"/>
+                        <a:t> interval is less than 0.001)</a:t>
                       </a:r>
                       <a:endParaRPr lang="en-US" dirty="0">
                         <a:solidFill>
